--- a/presentations/YARCH25.pptx
+++ b/presentations/YARCH25.pptx
@@ -31,7 +31,7 @@
       </p:grpSpPr>
       <p:sp>
         <p:nvSpPr>
-          <p:cNvPr id="9" name="PlaceHolder 1"/>
+          <p:cNvPr id="8" name="PlaceHolder 1"/>
           <p:cNvSpPr>
             <a:spLocks noGrp="1"/>
           </p:cNvSpPr>
@@ -41,8 +41,8 @@
         </p:nvSpPr>
         <p:spPr>
           <a:xfrm>
-            <a:off x="3291480" y="13439880"/>
-            <a:ext cx="37305360" cy="625320"/>
+            <a:off x="3291480" y="13439520"/>
+            <a:ext cx="37305000" cy="625320"/>
           </a:xfrm>
           <a:prstGeom prst="rect">
             <a:avLst/>
@@ -73,7 +73,7 @@
       </p:sp>
       <p:sp>
         <p:nvSpPr>
-          <p:cNvPr id="10" name="PlaceHolder 2"/>
+          <p:cNvPr id="9" name="PlaceHolder 2"/>
           <p:cNvSpPr>
             <a:spLocks noGrp="1"/>
           </p:cNvSpPr>
@@ -147,7 +147,7 @@
         <p:txBody>
           <a:bodyPr/>
           <a:p>
-            <a:fld id="{281D5351-1B37-4F11-9D2E-8EDC6A6F8C1F}" type="slidenum">
+            <a:fld id="{37F69402-DFDC-44F4-831A-CC59C2D02039}" type="slidenum">
               <a:t>&lt;#&gt;</a:t>
             </a:fld>
           </a:p>
@@ -215,8 +215,8 @@
         </p:blipFill>
         <p:spPr>
           <a:xfrm rot="16200000">
-            <a:off x="-11071440" y="16462080"/>
-            <a:ext cx="14271840" cy="3934080"/>
+            <a:off x="-11071080" y="16462440"/>
+            <a:ext cx="14271480" cy="3933720"/>
           </a:xfrm>
           <a:prstGeom prst="rect">
             <a:avLst/>
@@ -239,8 +239,8 @@
         </p:blipFill>
         <p:spPr>
           <a:xfrm rot="5400000">
-            <a:off x="40693680" y="16459200"/>
-            <a:ext cx="14271840" cy="3934080"/>
+            <a:off x="40694040" y="16459200"/>
+            <a:ext cx="14271480" cy="3933720"/>
           </a:xfrm>
           <a:prstGeom prst="rect">
             <a:avLst/>
@@ -264,7 +264,7 @@
         <p:spPr>
           <a:xfrm>
             <a:off x="6946920" y="33426360"/>
-            <a:ext cx="29994480" cy="1445040"/>
+            <a:ext cx="29994120" cy="1444680"/>
           </a:xfrm>
           <a:prstGeom prst="rect">
             <a:avLst/>
@@ -284,7 +284,7 @@
         <p:spPr>
           <a:xfrm>
             <a:off x="6946920" y="33998040"/>
-            <a:ext cx="21942720" cy="1267200"/>
+            <a:ext cx="21942360" cy="1266840"/>
           </a:xfrm>
           <a:prstGeom prst="rect">
             <a:avLst/>
@@ -345,8 +345,8 @@
         </p:nvSpPr>
         <p:spPr>
           <a:xfrm>
-            <a:off x="3291480" y="13615200"/>
-            <a:ext cx="37305360" cy="274680"/>
+            <a:off x="3291480" y="13614840"/>
+            <a:ext cx="37305000" cy="274680"/>
           </a:xfrm>
           <a:prstGeom prst="rect">
             <a:avLst/>
@@ -358,14 +358,14 @@
         </p:spPr>
         <p:txBody>
           <a:bodyPr lIns="0" rIns="0" tIns="0" bIns="0" anchor="ctr">
-            <a:noAutofit/>
-          </a:bodyPr>
-          <a:p>
-            <a:pPr indent="0" algn="ctr">
+            <a:spAutoFit/>
+          </a:bodyPr>
+          <a:p>
+            <a:pPr indent="0">
               <a:buNone/>
             </a:pPr>
             <a:r>
-              <a:rPr b="0" lang="en-US" sz="4400" strike="noStrike" u="none">
+              <a:rPr b="0" lang="en-US" sz="1800" strike="noStrike" u="none">
                 <a:solidFill>
                   <a:srgbClr val="000000"/>
                 </a:solidFill>
@@ -375,7 +375,7 @@
               </a:rPr>
               <a:t>Click to edit the title text format</a:t>
             </a:r>
-            <a:endParaRPr b="0" lang="en-US" sz="4400" strike="noStrike" u="none">
+            <a:endParaRPr b="0" lang="en-US" sz="1800" strike="noStrike" u="none">
               <a:solidFill>
                 <a:srgbClr val="000000"/>
               </a:solidFill>
@@ -399,7 +399,7 @@
         <p:spPr>
           <a:xfrm>
             <a:off x="14994360" y="29977560"/>
-            <a:ext cx="13899240" cy="2283120"/>
+            <a:ext cx="13898880" cy="2282760"/>
           </a:xfrm>
           <a:prstGeom prst="rect">
             <a:avLst/>
@@ -477,7 +477,7 @@
         <p:spPr>
           <a:xfrm>
             <a:off x="31453560" y="29977560"/>
-            <a:ext cx="10241640" cy="2283120"/>
+            <a:ext cx="10241280" cy="2282760"/>
           </a:xfrm>
           <a:prstGeom prst="rect">
             <a:avLst/>
@@ -521,7 +521,7 @@
                 <a:tab algn="l" pos="0"/>
               </a:tabLst>
             </a:pPr>
-            <a:fld id="{657AE052-B301-4223-96A2-20DC8C7C66C0}" type="slidenum">
+            <a:fld id="{14D0CDBB-0F60-4849-985D-274D0DA302E0}" type="slidenum">
               <a:rPr b="0" lang="en-US" sz="5030" strike="noStrike" u="none">
                 <a:solidFill>
                   <a:schemeClr val="dk1"/>
@@ -557,7 +557,7 @@
         <p:spPr>
           <a:xfrm>
             <a:off x="2192760" y="29977560"/>
-            <a:ext cx="10241640" cy="2283120"/>
+            <a:ext cx="10241280" cy="2282760"/>
           </a:xfrm>
           <a:prstGeom prst="rect">
             <a:avLst/>
@@ -606,259 +606,6 @@
               <a:effectLst/>
               <a:uFillTx/>
               <a:latin typeface="Times New Roman"/>
-            </a:endParaRPr>
-          </a:p>
-        </p:txBody>
-      </p:sp>
-      <p:sp>
-        <p:nvSpPr>
-          <p:cNvPr id="8" name="PlaceHolder 5"/>
-          <p:cNvSpPr>
-            <a:spLocks noGrp="1"/>
-          </p:cNvSpPr>
-          <p:nvPr>
-            <p:ph type="body"/>
-          </p:nvPr>
-        </p:nvSpPr>
-        <p:spPr>
-          <a:xfrm>
-            <a:off x="2194560" y="7702560"/>
-            <a:ext cx="39501720" cy="19092240"/>
-          </a:xfrm>
-          <a:prstGeom prst="rect">
-            <a:avLst/>
-          </a:prstGeom>
-          <a:noFill/>
-          <a:ln w="0">
-            <a:noFill/>
-          </a:ln>
-        </p:spPr>
-        <p:txBody>
-          <a:bodyPr lIns="0" rIns="0" tIns="0" bIns="0" anchor="t">
-            <a:normAutofit/>
-          </a:bodyPr>
-          <a:p>
-            <a:pPr marL="432000" indent="-324000">
-              <a:spcBef>
-                <a:spcPts val="1417"/>
-              </a:spcBef>
-              <a:buClr>
-                <a:srgbClr val="000000"/>
-              </a:buClr>
-              <a:buSzPct val="45000"/>
-              <a:buFont typeface="Wingdings" charset="2"/>
-              <a:buChar char=""/>
-            </a:pPr>
-            <a:r>
-              <a:rPr b="0" lang="en-US" sz="3200" strike="noStrike" u="none">
-                <a:solidFill>
-                  <a:srgbClr val="000000"/>
-                </a:solidFill>
-                <a:effectLst/>
-                <a:uFillTx/>
-                <a:latin typeface="Arial"/>
-              </a:rPr>
-              <a:t>Click to edit the outline text format</a:t>
-            </a:r>
-            <a:endParaRPr b="0" lang="en-US" sz="3200" strike="noStrike" u="none">
-              <a:solidFill>
-                <a:srgbClr val="000000"/>
-              </a:solidFill>
-              <a:effectLst/>
-              <a:uFillTx/>
-              <a:latin typeface="Arial"/>
-            </a:endParaRPr>
-          </a:p>
-          <a:p>
-            <a:pPr lvl="1" marL="864000" indent="-324000">
-              <a:spcBef>
-                <a:spcPts val="1134"/>
-              </a:spcBef>
-              <a:buClr>
-                <a:srgbClr val="000000"/>
-              </a:buClr>
-              <a:buSzPct val="75000"/>
-              <a:buFont typeface="Symbol" charset="2"/>
-              <a:buChar char=""/>
-            </a:pPr>
-            <a:r>
-              <a:rPr b="0" lang="en-US" sz="2800" strike="noStrike" u="none">
-                <a:solidFill>
-                  <a:srgbClr val="000000"/>
-                </a:solidFill>
-                <a:effectLst/>
-                <a:uFillTx/>
-                <a:latin typeface="Arial"/>
-              </a:rPr>
-              <a:t>Second Outline Level</a:t>
-            </a:r>
-            <a:endParaRPr b="0" lang="en-US" sz="2800" strike="noStrike" u="none">
-              <a:solidFill>
-                <a:srgbClr val="000000"/>
-              </a:solidFill>
-              <a:effectLst/>
-              <a:uFillTx/>
-              <a:latin typeface="Arial"/>
-            </a:endParaRPr>
-          </a:p>
-          <a:p>
-            <a:pPr lvl="2" marL="1296000" indent="-288000">
-              <a:spcBef>
-                <a:spcPts val="850"/>
-              </a:spcBef>
-              <a:buClr>
-                <a:srgbClr val="000000"/>
-              </a:buClr>
-              <a:buSzPct val="45000"/>
-              <a:buFont typeface="Wingdings" charset="2"/>
-              <a:buChar char=""/>
-            </a:pPr>
-            <a:r>
-              <a:rPr b="0" lang="en-US" sz="2400" strike="noStrike" u="none">
-                <a:solidFill>
-                  <a:srgbClr val="000000"/>
-                </a:solidFill>
-                <a:effectLst/>
-                <a:uFillTx/>
-                <a:latin typeface="Arial"/>
-              </a:rPr>
-              <a:t>Third Outline Level</a:t>
-            </a:r>
-            <a:endParaRPr b="0" lang="en-US" sz="2400" strike="noStrike" u="none">
-              <a:solidFill>
-                <a:srgbClr val="000000"/>
-              </a:solidFill>
-              <a:effectLst/>
-              <a:uFillTx/>
-              <a:latin typeface="Arial"/>
-            </a:endParaRPr>
-          </a:p>
-          <a:p>
-            <a:pPr lvl="3" marL="1728000" indent="-216000">
-              <a:spcBef>
-                <a:spcPts val="567"/>
-              </a:spcBef>
-              <a:buClr>
-                <a:srgbClr val="000000"/>
-              </a:buClr>
-              <a:buSzPct val="75000"/>
-              <a:buFont typeface="Symbol" charset="2"/>
-              <a:buChar char=""/>
-            </a:pPr>
-            <a:r>
-              <a:rPr b="0" lang="en-US" sz="2000" strike="noStrike" u="none">
-                <a:solidFill>
-                  <a:srgbClr val="000000"/>
-                </a:solidFill>
-                <a:effectLst/>
-                <a:uFillTx/>
-                <a:latin typeface="Arial"/>
-              </a:rPr>
-              <a:t>Fourth Outline Level</a:t>
-            </a:r>
-            <a:endParaRPr b="0" lang="en-US" sz="2000" strike="noStrike" u="none">
-              <a:solidFill>
-                <a:srgbClr val="000000"/>
-              </a:solidFill>
-              <a:effectLst/>
-              <a:uFillTx/>
-              <a:latin typeface="Arial"/>
-            </a:endParaRPr>
-          </a:p>
-          <a:p>
-            <a:pPr lvl="4" marL="2160000" indent="-216000">
-              <a:spcBef>
-                <a:spcPts val="283"/>
-              </a:spcBef>
-              <a:buClr>
-                <a:srgbClr val="000000"/>
-              </a:buClr>
-              <a:buSzPct val="45000"/>
-              <a:buFont typeface="Wingdings" charset="2"/>
-              <a:buChar char=""/>
-            </a:pPr>
-            <a:r>
-              <a:rPr b="0" lang="en-US" sz="2000" strike="noStrike" u="none">
-                <a:solidFill>
-                  <a:srgbClr val="000000"/>
-                </a:solidFill>
-                <a:effectLst/>
-                <a:uFillTx/>
-                <a:latin typeface="Arial"/>
-              </a:rPr>
-              <a:t>Fifth Outline Level</a:t>
-            </a:r>
-            <a:endParaRPr b="0" lang="en-US" sz="2000" strike="noStrike" u="none">
-              <a:solidFill>
-                <a:srgbClr val="000000"/>
-              </a:solidFill>
-              <a:effectLst/>
-              <a:uFillTx/>
-              <a:latin typeface="Arial"/>
-            </a:endParaRPr>
-          </a:p>
-          <a:p>
-            <a:pPr lvl="5" marL="2592000" indent="-216000">
-              <a:spcBef>
-                <a:spcPts val="283"/>
-              </a:spcBef>
-              <a:buClr>
-                <a:srgbClr val="000000"/>
-              </a:buClr>
-              <a:buSzPct val="45000"/>
-              <a:buFont typeface="Wingdings" charset="2"/>
-              <a:buChar char=""/>
-            </a:pPr>
-            <a:r>
-              <a:rPr b="0" lang="en-US" sz="2000" strike="noStrike" u="none">
-                <a:solidFill>
-                  <a:srgbClr val="000000"/>
-                </a:solidFill>
-                <a:effectLst/>
-                <a:uFillTx/>
-                <a:latin typeface="Arial"/>
-              </a:rPr>
-              <a:t>Sixth Outline Level</a:t>
-            </a:r>
-            <a:endParaRPr b="0" lang="en-US" sz="2000" strike="noStrike" u="none">
-              <a:solidFill>
-                <a:srgbClr val="000000"/>
-              </a:solidFill>
-              <a:effectLst/>
-              <a:uFillTx/>
-              <a:latin typeface="Arial"/>
-            </a:endParaRPr>
-          </a:p>
-          <a:p>
-            <a:pPr lvl="6" marL="3024000" indent="-216000">
-              <a:spcBef>
-                <a:spcPts val="283"/>
-              </a:spcBef>
-              <a:buClr>
-                <a:srgbClr val="000000"/>
-              </a:buClr>
-              <a:buSzPct val="45000"/>
-              <a:buFont typeface="Wingdings" charset="2"/>
-              <a:buChar char=""/>
-            </a:pPr>
-            <a:r>
-              <a:rPr b="0" lang="en-US" sz="2000" strike="noStrike" u="none">
-                <a:solidFill>
-                  <a:srgbClr val="000000"/>
-                </a:solidFill>
-                <a:effectLst/>
-                <a:uFillTx/>
-                <a:latin typeface="Arial"/>
-              </a:rPr>
-              <a:t>Seventh Outline Level</a:t>
-            </a:r>
-            <a:endParaRPr b="0" lang="en-US" sz="2000" strike="noStrike" u="none">
-              <a:solidFill>
-                <a:srgbClr val="000000"/>
-              </a:solidFill>
-              <a:effectLst/>
-              <a:uFillTx/>
-              <a:latin typeface="Arial"/>
             </a:endParaRPr>
           </a:p>
         </p:txBody>
@@ -891,14 +638,14 @@
       </p:grpSpPr>
       <p:sp>
         <p:nvSpPr>
-          <p:cNvPr id="11" name=""/>
+          <p:cNvPr id="10" name=""/>
           <p:cNvSpPr/>
           <p:nvPr/>
         </p:nvSpPr>
         <p:spPr>
           <a:xfrm>
             <a:off x="33147000" y="17454240"/>
-            <a:ext cx="10122480" cy="13983120"/>
+            <a:ext cx="10122120" cy="13982760"/>
           </a:xfrm>
           <a:prstGeom prst="rect">
             <a:avLst/>
@@ -948,21 +695,20 @@
               <a:effectLst/>
               <a:uFillTx/>
               <a:latin typeface="Arial"/>
-              <a:ea typeface="Arial"/>
-            </a:endParaRPr>
-          </a:p>
-        </p:txBody>
-      </p:sp>
-      <p:sp>
-        <p:nvSpPr>
-          <p:cNvPr id="12" name=""/>
+            </a:endParaRPr>
+          </a:p>
+        </p:txBody>
+      </p:sp>
+      <p:sp>
+        <p:nvSpPr>
+          <p:cNvPr id="11" name=""/>
           <p:cNvSpPr/>
           <p:nvPr/>
         </p:nvSpPr>
         <p:spPr>
           <a:xfrm>
             <a:off x="22174200" y="5558400"/>
-            <a:ext cx="10514160" cy="25986960"/>
+            <a:ext cx="10513800" cy="25986600"/>
           </a:xfrm>
           <a:prstGeom prst="rect">
             <a:avLst/>
@@ -988,6 +734,11 @@
             <a:noAutofit/>
           </a:bodyPr>
           <a:p>
+            <a:pPr>
+              <a:lnSpc>
+                <a:spcPct val="100000"/>
+              </a:lnSpc>
+            </a:pPr>
             <a:endParaRPr b="0" lang="en-US" sz="1800" strike="noStrike" u="none">
               <a:solidFill>
                 <a:srgbClr val="000000"/>
@@ -1002,14 +753,14 @@
       </p:sp>
       <p:sp>
         <p:nvSpPr>
-          <p:cNvPr id="13" name=""/>
+          <p:cNvPr id="12" name=""/>
           <p:cNvSpPr/>
           <p:nvPr/>
         </p:nvSpPr>
         <p:spPr>
           <a:xfrm>
             <a:off x="33147000" y="6413400"/>
-            <a:ext cx="10122480" cy="10200960"/>
+            <a:ext cx="10122120" cy="10200600"/>
           </a:xfrm>
           <a:prstGeom prst="rect">
             <a:avLst/>
@@ -1065,21 +816,20 @@
               <a:effectLst/>
               <a:uFillTx/>
               <a:latin typeface="Arial"/>
-              <a:ea typeface="Arial"/>
-            </a:endParaRPr>
-          </a:p>
-        </p:txBody>
-      </p:sp>
-      <p:sp>
-        <p:nvSpPr>
-          <p:cNvPr id="14" name=""/>
+            </a:endParaRPr>
+          </a:p>
+        </p:txBody>
+      </p:sp>
+      <p:sp>
+        <p:nvSpPr>
+          <p:cNvPr id="13" name=""/>
           <p:cNvSpPr/>
           <p:nvPr/>
         </p:nvSpPr>
         <p:spPr>
           <a:xfrm>
             <a:off x="11201400" y="5558400"/>
-            <a:ext cx="10514160" cy="25986960"/>
+            <a:ext cx="10513800" cy="25986600"/>
           </a:xfrm>
           <a:prstGeom prst="rect">
             <a:avLst/>
@@ -1105,6 +855,11 @@
             <a:noAutofit/>
           </a:bodyPr>
           <a:p>
+            <a:pPr>
+              <a:lnSpc>
+                <a:spcPct val="100000"/>
+              </a:lnSpc>
+            </a:pPr>
             <a:endParaRPr b="0" lang="en-US" sz="1800" strike="noStrike" u="none">
               <a:solidFill>
                 <a:srgbClr val="000000"/>
@@ -1119,14 +874,14 @@
       </p:sp>
       <p:sp>
         <p:nvSpPr>
-          <p:cNvPr id="15" name=""/>
+          <p:cNvPr id="14" name=""/>
           <p:cNvSpPr/>
           <p:nvPr/>
         </p:nvSpPr>
         <p:spPr>
           <a:xfrm>
             <a:off x="577800" y="5558400"/>
-            <a:ext cx="10164960" cy="11528640"/>
+            <a:ext cx="10164600" cy="11528280"/>
           </a:xfrm>
           <a:prstGeom prst="rect">
             <a:avLst/>
@@ -1152,6 +907,11 @@
             <a:noAutofit/>
           </a:bodyPr>
           <a:p>
+            <a:pPr>
+              <a:lnSpc>
+                <a:spcPct val="100000"/>
+              </a:lnSpc>
+            </a:pPr>
             <a:endParaRPr b="0" lang="en-US" sz="1800" strike="noStrike" u="none">
               <a:solidFill>
                 <a:srgbClr val="000000"/>
@@ -1166,14 +926,14 @@
       </p:sp>
       <p:sp>
         <p:nvSpPr>
-          <p:cNvPr id="16" name="Rectangle 6"/>
+          <p:cNvPr id="15" name="Rectangle 6"/>
           <p:cNvSpPr/>
           <p:nvPr/>
         </p:nvSpPr>
         <p:spPr>
           <a:xfrm>
             <a:off x="0" y="3240"/>
-            <a:ext cx="43888320" cy="5252040"/>
+            <a:ext cx="43887960" cy="5251680"/>
           </a:xfrm>
           <a:prstGeom prst="rect">
             <a:avLst/>
@@ -1196,6 +956,11 @@
             <a:noAutofit/>
           </a:bodyPr>
           <a:p>
+            <a:pPr>
+              <a:lnSpc>
+                <a:spcPct val="100000"/>
+              </a:lnSpc>
+            </a:pPr>
             <a:endParaRPr b="1" lang="en-US" sz="5400" strike="noStrike" u="none">
               <a:solidFill>
                 <a:schemeClr val="dk2"/>
@@ -1210,14 +975,14 @@
       </p:sp>
       <p:sp>
         <p:nvSpPr>
-          <p:cNvPr id="17" name="TextBox 19"/>
+          <p:cNvPr id="16" name="TextBox 19"/>
           <p:cNvSpPr/>
           <p:nvPr/>
         </p:nvSpPr>
         <p:spPr>
           <a:xfrm>
             <a:off x="585360" y="6702480"/>
-            <a:ext cx="10204560" cy="9874440"/>
+            <a:ext cx="10204200" cy="9874440"/>
           </a:xfrm>
           <a:prstGeom prst="rect">
             <a:avLst/>
@@ -1481,14 +1246,14 @@
       </p:sp>
       <p:sp>
         <p:nvSpPr>
-          <p:cNvPr id="18" name="Text Placeholder 5"/>
+          <p:cNvPr id="17" name="Text Placeholder 5"/>
           <p:cNvSpPr/>
           <p:nvPr/>
         </p:nvSpPr>
         <p:spPr>
           <a:xfrm>
             <a:off x="7543800" y="410400"/>
-            <a:ext cx="28801080" cy="2934720"/>
+            <a:ext cx="28800720" cy="2934360"/>
           </a:xfrm>
           <a:prstGeom prst="rect">
             <a:avLst/>
@@ -1545,14 +1310,14 @@
       </p:sp>
       <p:sp>
         <p:nvSpPr>
-          <p:cNvPr id="19" name="Text Placeholder 5"/>
+          <p:cNvPr id="18" name="Text Placeholder 5"/>
           <p:cNvSpPr/>
           <p:nvPr/>
         </p:nvSpPr>
         <p:spPr>
           <a:xfrm>
             <a:off x="3657600" y="3395880"/>
-            <a:ext cx="36573120" cy="2459160"/>
+            <a:ext cx="36572760" cy="2458800"/>
           </a:xfrm>
           <a:prstGeom prst="rect">
             <a:avLst/>
@@ -1711,14 +1476,14 @@
       </p:sp>
       <p:sp>
         <p:nvSpPr>
-          <p:cNvPr id="20" name="TextBox 19"/>
+          <p:cNvPr id="19" name="TextBox 19"/>
           <p:cNvSpPr/>
           <p:nvPr/>
         </p:nvSpPr>
         <p:spPr>
           <a:xfrm>
             <a:off x="11633040" y="6666480"/>
-            <a:ext cx="9598320" cy="16718760"/>
+            <a:ext cx="9597960" cy="16718760"/>
           </a:xfrm>
           <a:prstGeom prst="rect">
             <a:avLst/>
@@ -2153,14 +1918,14 @@
       </p:sp>
       <p:sp>
         <p:nvSpPr>
-          <p:cNvPr id="21" name="TextBox 19"/>
+          <p:cNvPr id="20" name="TextBox 19"/>
           <p:cNvSpPr/>
           <p:nvPr/>
         </p:nvSpPr>
         <p:spPr>
           <a:xfrm>
             <a:off x="22656960" y="6666480"/>
-            <a:ext cx="9598320" cy="23778360"/>
+            <a:ext cx="9597960" cy="23778720"/>
           </a:xfrm>
           <a:prstGeom prst="rect">
             <a:avLst/>
@@ -3000,14 +2765,14 @@
       </p:sp>
       <p:sp>
         <p:nvSpPr>
-          <p:cNvPr id="22" name="Rectangle 6"/>
+          <p:cNvPr id="21" name="Rectangle 6"/>
           <p:cNvSpPr/>
           <p:nvPr/>
         </p:nvSpPr>
         <p:spPr>
           <a:xfrm>
             <a:off x="0" y="32004000"/>
-            <a:ext cx="43888320" cy="911520"/>
+            <a:ext cx="43887960" cy="911160"/>
           </a:xfrm>
           <a:prstGeom prst="rect">
             <a:avLst/>
@@ -3030,6 +2795,11 @@
             <a:noAutofit/>
           </a:bodyPr>
           <a:p>
+            <a:pPr>
+              <a:lnSpc>
+                <a:spcPct val="100000"/>
+              </a:lnSpc>
+            </a:pPr>
             <a:endParaRPr b="1" lang="en-US" sz="5400" strike="noStrike" u="none">
               <a:solidFill>
                 <a:schemeClr val="dk2"/>
@@ -3044,14 +2814,14 @@
       </p:sp>
       <p:sp>
         <p:nvSpPr>
-          <p:cNvPr id="23" name=""/>
+          <p:cNvPr id="22" name=""/>
           <p:cNvSpPr/>
           <p:nvPr/>
         </p:nvSpPr>
         <p:spPr>
           <a:xfrm>
             <a:off x="11633040" y="28047240"/>
-            <a:ext cx="3562920" cy="3270960"/>
+            <a:ext cx="3562560" cy="3270600"/>
           </a:xfrm>
           <a:prstGeom prst="ellipse">
             <a:avLst/>
@@ -3105,14 +2875,14 @@
       </p:sp>
       <p:sp>
         <p:nvSpPr>
-          <p:cNvPr id="24" name=""/>
+          <p:cNvPr id="23" name=""/>
           <p:cNvSpPr/>
           <p:nvPr/>
         </p:nvSpPr>
         <p:spPr>
           <a:xfrm rot="3166200">
             <a:off x="17088480" y="27142920"/>
-            <a:ext cx="1541160" cy="880200"/>
+            <a:ext cx="1540800" cy="879840"/>
           </a:xfrm>
           <a:prstGeom prst="rightArrow">
             <a:avLst>
@@ -3139,6 +2909,11 @@
             <a:noAutofit/>
           </a:bodyPr>
           <a:p>
+            <a:pPr>
+              <a:lnSpc>
+                <a:spcPct val="100000"/>
+              </a:lnSpc>
+            </a:pPr>
             <a:endParaRPr b="0" lang="en-US" sz="1800" strike="noStrike" u="none">
               <a:solidFill>
                 <a:srgbClr val="000000"/>
@@ -3153,14 +2928,14 @@
       </p:sp>
       <p:sp>
         <p:nvSpPr>
-          <p:cNvPr id="25" name=""/>
+          <p:cNvPr id="24" name=""/>
           <p:cNvSpPr/>
           <p:nvPr/>
         </p:nvSpPr>
         <p:spPr>
           <a:xfrm rot="18804600">
-            <a:off x="14251320" y="27077760"/>
-            <a:ext cx="1541880" cy="879840"/>
+            <a:off x="14250960" y="27077760"/>
+            <a:ext cx="1541520" cy="879480"/>
           </a:xfrm>
           <a:prstGeom prst="rightArrow">
             <a:avLst>
@@ -3187,6 +2962,11 @@
             <a:noAutofit/>
           </a:bodyPr>
           <a:p>
+            <a:pPr>
+              <a:lnSpc>
+                <a:spcPct val="100000"/>
+              </a:lnSpc>
+            </a:pPr>
             <a:endParaRPr b="0" lang="en-US" sz="1800" strike="noStrike" u="none">
               <a:solidFill>
                 <a:srgbClr val="000000"/>
@@ -3201,14 +2981,14 @@
       </p:sp>
       <p:sp>
         <p:nvSpPr>
-          <p:cNvPr id="26" name=""/>
+          <p:cNvPr id="25" name=""/>
           <p:cNvSpPr/>
           <p:nvPr/>
         </p:nvSpPr>
         <p:spPr>
           <a:xfrm rot="10800000">
-            <a:off x="15707880" y="28609920"/>
-            <a:ext cx="1541880" cy="879480"/>
+            <a:off x="15708240" y="28610280"/>
+            <a:ext cx="1541520" cy="879120"/>
           </a:xfrm>
           <a:prstGeom prst="rightArrow">
             <a:avLst>
@@ -3235,6 +3015,11 @@
             <a:noAutofit/>
           </a:bodyPr>
           <a:p>
+            <a:pPr>
+              <a:lnSpc>
+                <a:spcPct val="100000"/>
+              </a:lnSpc>
+            </a:pPr>
             <a:endParaRPr b="0" lang="en-US" sz="1800" strike="noStrike" u="none">
               <a:solidFill>
                 <a:srgbClr val="000000"/>
@@ -3249,14 +3034,14 @@
       </p:sp>
       <p:sp>
         <p:nvSpPr>
-          <p:cNvPr id="27" name=""/>
+          <p:cNvPr id="26" name=""/>
           <p:cNvSpPr/>
           <p:nvPr/>
         </p:nvSpPr>
         <p:spPr>
           <a:xfrm>
             <a:off x="1252800" y="8686800"/>
-            <a:ext cx="8998200" cy="1978560"/>
+            <a:ext cx="8997840" cy="1978200"/>
           </a:xfrm>
           <a:prstGeom prst="roundRect">
             <a:avLst>
@@ -3313,14 +3098,14 @@
       </p:sp>
       <p:sp>
         <p:nvSpPr>
-          <p:cNvPr id="28" name=""/>
+          <p:cNvPr id="27" name=""/>
           <p:cNvSpPr/>
           <p:nvPr/>
         </p:nvSpPr>
         <p:spPr>
           <a:xfrm>
             <a:off x="1752840" y="9365040"/>
-            <a:ext cx="1998000" cy="988560"/>
+            <a:ext cx="1997640" cy="988200"/>
           </a:xfrm>
           <a:prstGeom prst="rect">
             <a:avLst/>
@@ -3375,14 +3160,14 @@
       </p:sp>
       <p:sp>
         <p:nvSpPr>
-          <p:cNvPr id="29" name=""/>
+          <p:cNvPr id="28" name=""/>
           <p:cNvSpPr/>
           <p:nvPr/>
         </p:nvSpPr>
         <p:spPr>
           <a:xfrm>
             <a:off x="4784400" y="9365040"/>
-            <a:ext cx="1998000" cy="988560"/>
+            <a:ext cx="1997640" cy="988200"/>
           </a:xfrm>
           <a:prstGeom prst="rect">
             <a:avLst/>
@@ -3437,14 +3222,14 @@
       </p:sp>
       <p:sp>
         <p:nvSpPr>
-          <p:cNvPr id="30" name=""/>
+          <p:cNvPr id="29" name=""/>
           <p:cNvSpPr/>
           <p:nvPr/>
         </p:nvSpPr>
         <p:spPr>
           <a:xfrm>
             <a:off x="7894800" y="9365040"/>
-            <a:ext cx="1998000" cy="988560"/>
+            <a:ext cx="1997640" cy="988200"/>
           </a:xfrm>
           <a:prstGeom prst="rect">
             <a:avLst/>
@@ -3499,14 +3284,14 @@
       </p:sp>
       <p:sp>
         <p:nvSpPr>
-          <p:cNvPr id="31" name=""/>
+          <p:cNvPr id="30" name=""/>
           <p:cNvSpPr/>
           <p:nvPr/>
         </p:nvSpPr>
         <p:spPr>
           <a:xfrm>
             <a:off x="3595320" y="13151880"/>
-            <a:ext cx="4498560" cy="1177920"/>
+            <a:ext cx="4498200" cy="1177560"/>
           </a:xfrm>
           <a:prstGeom prst="roundRect">
             <a:avLst>
@@ -3563,7 +3348,7 @@
       </p:sp>
       <p:sp>
         <p:nvSpPr>
-          <p:cNvPr id="32" name=""/>
+          <p:cNvPr id="31" name=""/>
           <p:cNvSpPr/>
           <p:nvPr/>
         </p:nvSpPr>
@@ -3608,14 +3393,14 @@
       </p:sp>
       <p:sp>
         <p:nvSpPr>
-          <p:cNvPr id="33" name=""/>
+          <p:cNvPr id="32" name=""/>
           <p:cNvSpPr/>
           <p:nvPr/>
         </p:nvSpPr>
         <p:spPr>
           <a:xfrm>
             <a:off x="4635000" y="11409480"/>
-            <a:ext cx="2233800" cy="988560"/>
+            <a:ext cx="2233440" cy="988200"/>
           </a:xfrm>
           <a:prstGeom prst="rect">
             <a:avLst/>
@@ -3670,7 +3455,7 @@
       </p:sp>
       <p:sp>
         <p:nvSpPr>
-          <p:cNvPr id="34" name=""/>
+          <p:cNvPr id="33" name=""/>
           <p:cNvSpPr/>
           <p:nvPr/>
         </p:nvSpPr>
@@ -3715,7 +3500,7 @@
       </p:sp>
       <p:sp>
         <p:nvSpPr>
-          <p:cNvPr id="35" name=""/>
+          <p:cNvPr id="34" name=""/>
           <p:cNvSpPr/>
           <p:nvPr/>
         </p:nvSpPr>
@@ -3760,7 +3545,7 @@
       </p:sp>
       <p:sp>
         <p:nvSpPr>
-          <p:cNvPr id="36" name=""/>
+          <p:cNvPr id="35" name=""/>
           <p:cNvSpPr/>
           <p:nvPr/>
         </p:nvSpPr>
@@ -3805,14 +3590,14 @@
       </p:sp>
       <p:sp>
         <p:nvSpPr>
-          <p:cNvPr id="37" name=""/>
+          <p:cNvPr id="36" name=""/>
           <p:cNvSpPr/>
           <p:nvPr/>
         </p:nvSpPr>
         <p:spPr>
           <a:xfrm>
             <a:off x="11230920" y="5558400"/>
-            <a:ext cx="10484640" cy="840960"/>
+            <a:ext cx="10484280" cy="840600"/>
           </a:xfrm>
           <a:prstGeom prst="rect">
             <a:avLst/>
@@ -3867,14 +3652,14 @@
       </p:sp>
       <p:sp>
         <p:nvSpPr>
-          <p:cNvPr id="38" name=""/>
+          <p:cNvPr id="37" name=""/>
           <p:cNvSpPr/>
           <p:nvPr/>
         </p:nvSpPr>
         <p:spPr>
           <a:xfrm>
             <a:off x="33147000" y="5571000"/>
-            <a:ext cx="10126800" cy="840960"/>
+            <a:ext cx="10126440" cy="840600"/>
           </a:xfrm>
           <a:prstGeom prst="rect">
             <a:avLst/>
@@ -3914,7 +3699,7 @@
                 <a:latin typeface="Bree Serif"/>
                 <a:ea typeface="Arial"/>
               </a:rPr>
-              <a:t>Workflow</a:t>
+              <a:t>Insights</a:t>
             </a:r>
             <a:endParaRPr b="0" lang="en-US" sz="4800" strike="noStrike" u="none">
               <a:solidFill>
@@ -3929,14 +3714,14 @@
       </p:sp>
       <p:sp>
         <p:nvSpPr>
-          <p:cNvPr id="39" name=""/>
+          <p:cNvPr id="38" name=""/>
           <p:cNvSpPr/>
           <p:nvPr/>
         </p:nvSpPr>
         <p:spPr>
           <a:xfrm>
             <a:off x="22213440" y="5558400"/>
-            <a:ext cx="10474920" cy="840960"/>
+            <a:ext cx="10474560" cy="840600"/>
           </a:xfrm>
           <a:prstGeom prst="rect">
             <a:avLst/>
@@ -3991,14 +3776,14 @@
       </p:sp>
       <p:sp>
         <p:nvSpPr>
-          <p:cNvPr id="40" name=""/>
+          <p:cNvPr id="39" name=""/>
           <p:cNvSpPr/>
           <p:nvPr/>
         </p:nvSpPr>
         <p:spPr>
           <a:xfrm>
             <a:off x="33147000" y="16618320"/>
-            <a:ext cx="10131480" cy="835920"/>
+            <a:ext cx="10131120" cy="835560"/>
           </a:xfrm>
           <a:prstGeom prst="rect">
             <a:avLst/>
@@ -4038,7 +3823,7 @@
                 <a:latin typeface="Bree Serif"/>
                 <a:ea typeface="Arial"/>
               </a:rPr>
-              <a:t>Insights</a:t>
+              <a:t>Future Work</a:t>
             </a:r>
             <a:endParaRPr b="0" lang="en-US" sz="4800" strike="noStrike" u="none">
               <a:solidFill>
@@ -4053,7 +3838,7 @@
       </p:sp>
       <p:pic>
         <p:nvPicPr>
-          <p:cNvPr id="41" name="" descr=""/>
+          <p:cNvPr id="40" name="" descr=""/>
           <p:cNvPicPr/>
           <p:nvPr/>
         </p:nvPicPr>
@@ -4064,7 +3849,7 @@
         <p:spPr>
           <a:xfrm>
             <a:off x="33832800" y="3477600"/>
-            <a:ext cx="10238760" cy="1759680"/>
+            <a:ext cx="10238400" cy="1759320"/>
           </a:xfrm>
           <a:prstGeom prst="rect">
             <a:avLst/>
@@ -4077,7 +3862,7 @@
       </p:pic>
       <p:pic>
         <p:nvPicPr>
-          <p:cNvPr id="42" name="" descr=""/>
+          <p:cNvPr id="41" name="" descr=""/>
           <p:cNvPicPr/>
           <p:nvPr/>
         </p:nvPicPr>
@@ -4088,7 +3873,7 @@
         <p:spPr>
           <a:xfrm>
             <a:off x="23545800" y="12994200"/>
-            <a:ext cx="8228160" cy="13981320"/>
+            <a:ext cx="8227800" cy="13980960"/>
           </a:xfrm>
           <a:prstGeom prst="rect">
             <a:avLst/>
@@ -4101,14 +3886,14 @@
       </p:pic>
       <p:sp>
         <p:nvSpPr>
-          <p:cNvPr id="43" name=""/>
+          <p:cNvPr id="42" name=""/>
           <p:cNvSpPr/>
           <p:nvPr/>
         </p:nvSpPr>
         <p:spPr>
           <a:xfrm>
             <a:off x="574920" y="5558400"/>
-            <a:ext cx="10167840" cy="840960"/>
+            <a:ext cx="10167480" cy="840600"/>
           </a:xfrm>
           <a:prstGeom prst="rect">
             <a:avLst/>
@@ -4163,14 +3948,14 @@
       </p:sp>
       <p:sp>
         <p:nvSpPr>
-          <p:cNvPr id="44" name=""/>
+          <p:cNvPr id="43" name=""/>
           <p:cNvSpPr/>
           <p:nvPr/>
         </p:nvSpPr>
         <p:spPr>
           <a:xfrm>
             <a:off x="576000" y="17897400"/>
-            <a:ext cx="10164960" cy="7261200"/>
+            <a:ext cx="10164600" cy="7260840"/>
           </a:xfrm>
           <a:prstGeom prst="rect">
             <a:avLst/>
@@ -4550,38 +4335,32 @@
             </a:endParaRPr>
           </a:p>
           <a:p>
-            <a:pPr marL="216000" indent="-216000">
-              <a:lnSpc>
-                <a:spcPct val="100000"/>
-              </a:lnSpc>
-              <a:buClr>
-                <a:srgbClr val="000000"/>
-              </a:buClr>
-              <a:buSzPct val="45000"/>
-              <a:buFont typeface="Wingdings" charset="2"/>
-              <a:buChar char=""/>
-            </a:pPr>
-            <a:endParaRPr b="0" lang="en-US" sz="3200" strike="noStrike" u="none">
-              <a:solidFill>
-                <a:srgbClr val="000000"/>
-              </a:solidFill>
-              <a:effectLst/>
-              <a:uFillTx/>
-              <a:latin typeface="Arial"/>
-            </a:endParaRPr>
-          </a:p>
-        </p:txBody>
-      </p:sp>
-      <p:sp>
-        <p:nvSpPr>
-          <p:cNvPr id="45" name=""/>
+            <a:pPr>
+              <a:lnSpc>
+                <a:spcPct val="100000"/>
+              </a:lnSpc>
+            </a:pPr>
+            <a:endParaRPr b="0" lang="en-US" sz="3200" strike="noStrike" u="none">
+              <a:solidFill>
+                <a:srgbClr val="000000"/>
+              </a:solidFill>
+              <a:effectLst/>
+              <a:uFillTx/>
+              <a:latin typeface="Arial"/>
+            </a:endParaRPr>
+          </a:p>
+        </p:txBody>
+      </p:sp>
+      <p:sp>
+        <p:nvSpPr>
+          <p:cNvPr id="44" name=""/>
           <p:cNvSpPr/>
           <p:nvPr/>
         </p:nvSpPr>
         <p:spPr>
           <a:xfrm>
             <a:off x="567000" y="25956360"/>
-            <a:ext cx="10168200" cy="5567040"/>
+            <a:ext cx="10167840" cy="5566680"/>
           </a:xfrm>
           <a:prstGeom prst="rect">
             <a:avLst/>
@@ -4757,38 +4536,32 @@
             </a:endParaRPr>
           </a:p>
           <a:p>
-            <a:pPr marL="216000" indent="-216000">
-              <a:lnSpc>
-                <a:spcPct val="100000"/>
-              </a:lnSpc>
-              <a:buClr>
-                <a:srgbClr val="000000"/>
-              </a:buClr>
-              <a:buSzPct val="45000"/>
-              <a:buFont typeface="Wingdings" charset="2"/>
-              <a:buChar char=""/>
-            </a:pPr>
-            <a:endParaRPr b="0" lang="en-US" sz="3200" strike="noStrike" u="none">
-              <a:solidFill>
-                <a:srgbClr val="000000"/>
-              </a:solidFill>
-              <a:effectLst/>
-              <a:uFillTx/>
-              <a:latin typeface="Arial"/>
-            </a:endParaRPr>
-          </a:p>
-        </p:txBody>
-      </p:sp>
-      <p:sp>
-        <p:nvSpPr>
-          <p:cNvPr id="46" name=""/>
+            <a:pPr>
+              <a:lnSpc>
+                <a:spcPct val="100000"/>
+              </a:lnSpc>
+            </a:pPr>
+            <a:endParaRPr b="0" lang="en-US" sz="3200" strike="noStrike" u="none">
+              <a:solidFill>
+                <a:srgbClr val="000000"/>
+              </a:solidFill>
+              <a:effectLst/>
+              <a:uFillTx/>
+              <a:latin typeface="Arial"/>
+            </a:endParaRPr>
+          </a:p>
+        </p:txBody>
+      </p:sp>
+      <p:sp>
+        <p:nvSpPr>
+          <p:cNvPr id="45" name=""/>
           <p:cNvSpPr/>
           <p:nvPr/>
         </p:nvSpPr>
         <p:spPr>
           <a:xfrm rot="16241400">
             <a:off x="504000" y="21086640"/>
-            <a:ext cx="3306960" cy="1770480"/>
+            <a:ext cx="3306600" cy="1770120"/>
           </a:xfrm>
           <a:prstGeom prst="rightArrow">
             <a:avLst>
@@ -4846,7 +4619,7 @@
       </p:sp>
       <p:sp>
         <p:nvSpPr>
-          <p:cNvPr id="47" name=""/>
+          <p:cNvPr id="46" name=""/>
           <p:cNvSpPr/>
           <p:nvPr/>
         </p:nvSpPr>
@@ -4890,14 +4663,14 @@
       </p:sp>
       <p:sp>
         <p:nvSpPr>
-          <p:cNvPr id="48" name=""/>
+          <p:cNvPr id="47" name=""/>
           <p:cNvSpPr/>
           <p:nvPr/>
         </p:nvSpPr>
         <p:spPr>
           <a:xfrm>
             <a:off x="4019400" y="20387880"/>
-            <a:ext cx="4494600" cy="750240"/>
+            <a:ext cx="4494240" cy="749880"/>
           </a:xfrm>
           <a:prstGeom prst="rect">
             <a:avLst/>
@@ -4952,7 +4725,7 @@
       </p:sp>
       <p:sp>
         <p:nvSpPr>
-          <p:cNvPr id="49" name=""/>
+          <p:cNvPr id="48" name=""/>
           <p:cNvSpPr/>
           <p:nvPr/>
         </p:nvSpPr>
@@ -4996,14 +4769,14 @@
       </p:sp>
       <p:sp>
         <p:nvSpPr>
-          <p:cNvPr id="50" name=""/>
+          <p:cNvPr id="49" name=""/>
           <p:cNvSpPr/>
           <p:nvPr/>
         </p:nvSpPr>
         <p:spPr>
           <a:xfrm>
             <a:off x="4019400" y="21611880"/>
-            <a:ext cx="4494600" cy="750240"/>
+            <a:ext cx="4494240" cy="749880"/>
           </a:xfrm>
           <a:prstGeom prst="rect">
             <a:avLst/>
@@ -5058,7 +4831,7 @@
       </p:sp>
       <p:sp>
         <p:nvSpPr>
-          <p:cNvPr id="51" name=""/>
+          <p:cNvPr id="50" name=""/>
           <p:cNvSpPr/>
           <p:nvPr/>
         </p:nvSpPr>
@@ -5102,14 +4875,14 @@
       </p:sp>
       <p:sp>
         <p:nvSpPr>
-          <p:cNvPr id="52" name=""/>
+          <p:cNvPr id="51" name=""/>
           <p:cNvSpPr/>
           <p:nvPr/>
         </p:nvSpPr>
         <p:spPr>
           <a:xfrm>
             <a:off x="4019400" y="22943880"/>
-            <a:ext cx="4494600" cy="750240"/>
+            <a:ext cx="4494240" cy="749880"/>
           </a:xfrm>
           <a:prstGeom prst="rect">
             <a:avLst/>
@@ -5164,14 +4937,14 @@
       </p:sp>
       <p:sp>
         <p:nvSpPr>
-          <p:cNvPr id="53" name=""/>
+          <p:cNvPr id="52" name=""/>
           <p:cNvSpPr/>
           <p:nvPr/>
         </p:nvSpPr>
         <p:spPr>
           <a:xfrm>
             <a:off x="2786760" y="26253000"/>
-            <a:ext cx="2632680" cy="2133360"/>
+            <a:ext cx="2632320" cy="2133000"/>
           </a:xfrm>
           <a:prstGeom prst="rect">
             <a:avLst/>
@@ -5226,14 +4999,14 @@
       </p:sp>
       <p:sp>
         <p:nvSpPr>
-          <p:cNvPr id="54" name=""/>
+          <p:cNvPr id="53" name=""/>
           <p:cNvSpPr/>
           <p:nvPr/>
         </p:nvSpPr>
         <p:spPr>
           <a:xfrm>
             <a:off x="2878560" y="26821440"/>
-            <a:ext cx="876600" cy="643320"/>
+            <a:ext cx="876240" cy="642960"/>
           </a:xfrm>
           <a:prstGeom prst="rect">
             <a:avLst/>
@@ -5288,14 +5061,14 @@
       </p:sp>
       <p:sp>
         <p:nvSpPr>
-          <p:cNvPr id="55" name=""/>
+          <p:cNvPr id="54" name=""/>
           <p:cNvSpPr/>
           <p:nvPr/>
         </p:nvSpPr>
         <p:spPr>
           <a:xfrm>
             <a:off x="4446000" y="26821440"/>
-            <a:ext cx="876240" cy="643320"/>
+            <a:ext cx="875880" cy="642960"/>
           </a:xfrm>
           <a:prstGeom prst="rect">
             <a:avLst/>
@@ -5350,14 +5123,14 @@
       </p:sp>
       <p:sp>
         <p:nvSpPr>
-          <p:cNvPr id="56" name=""/>
+          <p:cNvPr id="55" name=""/>
           <p:cNvSpPr/>
           <p:nvPr/>
         </p:nvSpPr>
         <p:spPr>
           <a:xfrm>
             <a:off x="2970720" y="27689760"/>
-            <a:ext cx="2248560" cy="643320"/>
+            <a:ext cx="2248200" cy="642960"/>
           </a:xfrm>
           <a:prstGeom prst="rect">
             <a:avLst/>
@@ -5439,22 +5212,22 @@
       </p:sp>
       <p:sp>
         <p:nvSpPr>
-          <p:cNvPr id="57" name=""/>
+          <p:cNvPr id="56" name=""/>
           <p:cNvSpPr/>
           <p:nvPr/>
         </p:nvSpPr>
         <p:spPr>
           <a:xfrm>
             <a:off x="5647680" y="26253000"/>
-            <a:ext cx="2339640" cy="2133360"/>
+            <a:ext cx="2339280" cy="2133000"/>
           </a:xfrm>
           <a:custGeom>
             <a:avLst/>
             <a:gdLst>
-              <a:gd name="textAreaLeft" fmla="*/ 113760 w 2339640"/>
-              <a:gd name="textAreaRight" fmla="*/ 2226960 w 2339640"/>
-              <a:gd name="textAreaTop" fmla="*/ 97560 h 2133360"/>
-              <a:gd name="textAreaBottom" fmla="*/ 2036880 h 2133360"/>
+              <a:gd name="textAreaLeft" fmla="*/ 113760 w 2339280"/>
+              <a:gd name="textAreaRight" fmla="*/ 2226960 w 2339280"/>
+              <a:gd name="textAreaTop" fmla="*/ 97560 h 2133000"/>
+              <a:gd name="textAreaBottom" fmla="*/ 2036880 h 2133000"/>
             </a:gdLst>
             <a:ahLst/>
             <a:rect l="textAreaLeft" t="textAreaTop" r="textAreaRight" b="textAreaBottom"/>
@@ -5530,14 +5303,14 @@
       </p:sp>
       <p:sp>
         <p:nvSpPr>
-          <p:cNvPr id="58" name=""/>
+          <p:cNvPr id="57" name=""/>
           <p:cNvSpPr/>
           <p:nvPr/>
         </p:nvSpPr>
         <p:spPr>
           <a:xfrm>
             <a:off x="5870520" y="26821440"/>
-            <a:ext cx="1915920" cy="643320"/>
+            <a:ext cx="1915560" cy="642960"/>
           </a:xfrm>
           <a:prstGeom prst="rect">
             <a:avLst/>
@@ -5592,14 +5365,14 @@
       </p:sp>
       <p:sp>
         <p:nvSpPr>
-          <p:cNvPr id="59" name=""/>
+          <p:cNvPr id="58" name=""/>
           <p:cNvSpPr/>
           <p:nvPr/>
         </p:nvSpPr>
         <p:spPr>
           <a:xfrm>
             <a:off x="5778720" y="27677520"/>
-            <a:ext cx="2116440" cy="537120"/>
+            <a:ext cx="2116080" cy="536760"/>
           </a:xfrm>
           <a:prstGeom prst="rect">
             <a:avLst/>
@@ -5654,22 +5427,22 @@
       </p:sp>
       <p:sp>
         <p:nvSpPr>
-          <p:cNvPr id="60" name=""/>
+          <p:cNvPr id="59" name=""/>
           <p:cNvSpPr/>
           <p:nvPr/>
         </p:nvSpPr>
         <p:spPr>
           <a:xfrm>
             <a:off x="8233560" y="26253360"/>
-            <a:ext cx="1789200" cy="2133000"/>
+            <a:ext cx="1788840" cy="2132640"/>
           </a:xfrm>
           <a:custGeom>
             <a:avLst/>
             <a:gdLst>
-              <a:gd name="textAreaLeft" fmla="*/ 86760 w 1789200"/>
-              <a:gd name="textAreaRight" fmla="*/ 1703520 w 1789200"/>
-              <a:gd name="textAreaTop" fmla="*/ 74520 h 2133000"/>
-              <a:gd name="textAreaBottom" fmla="*/ 2059560 h 2133000"/>
+              <a:gd name="textAreaLeft" fmla="*/ 86760 w 1788840"/>
+              <a:gd name="textAreaRight" fmla="*/ 1703520 w 1788840"/>
+              <a:gd name="textAreaTop" fmla="*/ 74520 h 2132640"/>
+              <a:gd name="textAreaBottom" fmla="*/ 2059560 h 2132640"/>
             </a:gdLst>
             <a:ahLst/>
             <a:rect l="textAreaLeft" t="textAreaTop" r="textAreaRight" b="textAreaBottom"/>
@@ -5745,14 +5518,14 @@
       </p:sp>
       <p:sp>
         <p:nvSpPr>
-          <p:cNvPr id="61" name=""/>
+          <p:cNvPr id="60" name=""/>
           <p:cNvSpPr/>
           <p:nvPr/>
         </p:nvSpPr>
         <p:spPr>
           <a:xfrm>
             <a:off x="8425440" y="26822160"/>
-            <a:ext cx="1345680" cy="642960"/>
+            <a:ext cx="1345320" cy="642600"/>
           </a:xfrm>
           <a:prstGeom prst="rect">
             <a:avLst/>
@@ -5807,14 +5580,14 @@
       </p:sp>
       <p:sp>
         <p:nvSpPr>
-          <p:cNvPr id="62" name=""/>
+          <p:cNvPr id="61" name=""/>
           <p:cNvSpPr/>
           <p:nvPr/>
         </p:nvSpPr>
         <p:spPr>
           <a:xfrm>
             <a:off x="8346600" y="27677880"/>
-            <a:ext cx="1424520" cy="537120"/>
+            <a:ext cx="1424160" cy="536760"/>
           </a:xfrm>
           <a:prstGeom prst="rect">
             <a:avLst/>
@@ -5869,7 +5642,7 @@
       </p:sp>
       <p:sp>
         <p:nvSpPr>
-          <p:cNvPr id="63" name=""/>
+          <p:cNvPr id="62" name=""/>
           <p:cNvSpPr/>
           <p:nvPr/>
         </p:nvSpPr>
@@ -5914,7 +5687,7 @@
       </p:sp>
       <p:sp>
         <p:nvSpPr>
-          <p:cNvPr id="64" name=""/>
+          <p:cNvPr id="63" name=""/>
           <p:cNvSpPr/>
           <p:nvPr/>
         </p:nvSpPr>
@@ -5959,14 +5732,14 @@
       </p:sp>
       <p:sp>
         <p:nvSpPr>
-          <p:cNvPr id="65" name=""/>
+          <p:cNvPr id="64" name=""/>
           <p:cNvSpPr/>
           <p:nvPr/>
         </p:nvSpPr>
         <p:spPr>
           <a:xfrm>
             <a:off x="2701440" y="28627560"/>
-            <a:ext cx="7477560" cy="1469520"/>
+            <a:ext cx="7477200" cy="1469160"/>
           </a:xfrm>
           <a:prstGeom prst="roundRect">
             <a:avLst>
@@ -5994,6 +5767,11 @@
             <a:noAutofit/>
           </a:bodyPr>
           <a:p>
+            <a:pPr>
+              <a:lnSpc>
+                <a:spcPct val="100000"/>
+              </a:lnSpc>
+            </a:pPr>
             <a:endParaRPr b="0" lang="en-US" sz="1800" strike="noStrike" u="none">
               <a:solidFill>
                 <a:srgbClr val="000000"/>
@@ -6008,14 +5786,14 @@
       </p:sp>
       <p:sp>
         <p:nvSpPr>
-          <p:cNvPr id="66" name=""/>
+          <p:cNvPr id="65" name=""/>
           <p:cNvSpPr/>
           <p:nvPr/>
         </p:nvSpPr>
         <p:spPr>
           <a:xfrm>
             <a:off x="2787120" y="28742040"/>
-            <a:ext cx="7269840" cy="498960"/>
+            <a:ext cx="7269480" cy="498600"/>
           </a:xfrm>
           <a:prstGeom prst="rect">
             <a:avLst/>
@@ -6070,14 +5848,14 @@
       </p:sp>
       <p:sp>
         <p:nvSpPr>
-          <p:cNvPr id="67" name=""/>
+          <p:cNvPr id="66" name=""/>
           <p:cNvSpPr/>
           <p:nvPr/>
         </p:nvSpPr>
         <p:spPr>
           <a:xfrm>
             <a:off x="1210320" y="29341440"/>
-            <a:ext cx="1502280" cy="749880"/>
+            <a:ext cx="1501920" cy="749520"/>
           </a:xfrm>
           <a:prstGeom prst="rect">
             <a:avLst/>
@@ -6128,14 +5906,14 @@
       </p:sp>
       <p:sp>
         <p:nvSpPr>
-          <p:cNvPr id="68" name=""/>
+          <p:cNvPr id="67" name=""/>
           <p:cNvSpPr/>
           <p:nvPr/>
         </p:nvSpPr>
         <p:spPr>
           <a:xfrm>
             <a:off x="2781360" y="29375280"/>
-            <a:ext cx="7246440" cy="615960"/>
+            <a:ext cx="7246080" cy="615600"/>
           </a:xfrm>
           <a:prstGeom prst="rect">
             <a:avLst/>
@@ -6160,6 +5938,11 @@
             <a:noAutofit/>
           </a:bodyPr>
           <a:p>
+            <a:pPr>
+              <a:lnSpc>
+                <a:spcPct val="100000"/>
+              </a:lnSpc>
+            </a:pPr>
             <a:endParaRPr b="0" lang="en-US" sz="1800" strike="noStrike" u="none">
               <a:solidFill>
                 <a:srgbClr val="000000"/>
@@ -6174,14 +5957,14 @@
       </p:sp>
       <p:sp>
         <p:nvSpPr>
-          <p:cNvPr id="69" name=""/>
+          <p:cNvPr id="68" name=""/>
           <p:cNvSpPr/>
           <p:nvPr/>
         </p:nvSpPr>
         <p:spPr>
           <a:xfrm>
             <a:off x="2862360" y="29470320"/>
-            <a:ext cx="1932480" cy="441360"/>
+            <a:ext cx="1932120" cy="441000"/>
           </a:xfrm>
           <a:prstGeom prst="rect">
             <a:avLst/>
@@ -6236,14 +6019,14 @@
       </p:sp>
       <p:sp>
         <p:nvSpPr>
-          <p:cNvPr id="70" name=""/>
+          <p:cNvPr id="69" name=""/>
           <p:cNvSpPr/>
           <p:nvPr/>
         </p:nvSpPr>
         <p:spPr>
           <a:xfrm>
             <a:off x="4926600" y="29470320"/>
-            <a:ext cx="2982960" cy="441360"/>
+            <a:ext cx="2982600" cy="441000"/>
           </a:xfrm>
           <a:prstGeom prst="rect">
             <a:avLst/>
@@ -6298,14 +6081,14 @@
       </p:sp>
       <p:sp>
         <p:nvSpPr>
-          <p:cNvPr id="71" name=""/>
+          <p:cNvPr id="70" name=""/>
           <p:cNvSpPr/>
           <p:nvPr/>
         </p:nvSpPr>
         <p:spPr>
           <a:xfrm>
             <a:off x="8035560" y="29471400"/>
-            <a:ext cx="1933200" cy="441000"/>
+            <a:ext cx="1932840" cy="440640"/>
           </a:xfrm>
           <a:prstGeom prst="rect">
             <a:avLst/>
@@ -6360,7 +6143,7 @@
       </p:sp>
       <p:sp>
         <p:nvSpPr>
-          <p:cNvPr id="72" name=""/>
+          <p:cNvPr id="71" name=""/>
           <p:cNvSpPr/>
           <p:nvPr/>
         </p:nvSpPr>
@@ -6404,14 +6187,14 @@
       </p:sp>
       <p:sp>
         <p:nvSpPr>
-          <p:cNvPr id="73" name=""/>
+          <p:cNvPr id="72" name=""/>
           <p:cNvSpPr/>
           <p:nvPr/>
         </p:nvSpPr>
         <p:spPr>
           <a:xfrm>
             <a:off x="5461560" y="30621600"/>
-            <a:ext cx="1827720" cy="684720"/>
+            <a:ext cx="1827360" cy="684360"/>
           </a:xfrm>
           <a:prstGeom prst="roundRect">
             <a:avLst>
@@ -6467,7 +6250,7 @@
       </p:sp>
       <p:sp>
         <p:nvSpPr>
-          <p:cNvPr id="74" name=""/>
+          <p:cNvPr id="73" name=""/>
           <p:cNvSpPr/>
           <p:nvPr/>
         </p:nvSpPr>
@@ -6512,14 +6295,14 @@
       </p:sp>
       <p:sp>
         <p:nvSpPr>
-          <p:cNvPr id="75" name=""/>
+          <p:cNvPr id="74" name=""/>
           <p:cNvSpPr/>
           <p:nvPr/>
         </p:nvSpPr>
         <p:spPr>
           <a:xfrm>
             <a:off x="988560" y="26794440"/>
-            <a:ext cx="1754640" cy="750240"/>
+            <a:ext cx="1754280" cy="749880"/>
           </a:xfrm>
           <a:prstGeom prst="rect">
             <a:avLst/>
@@ -6597,14 +6380,14 @@
       </p:sp>
       <p:sp>
         <p:nvSpPr>
-          <p:cNvPr id="76" name=""/>
+          <p:cNvPr id="75" name=""/>
           <p:cNvSpPr/>
           <p:nvPr/>
         </p:nvSpPr>
         <p:spPr>
           <a:xfrm>
             <a:off x="882000" y="27735480"/>
-            <a:ext cx="1829160" cy="749520"/>
+            <a:ext cx="1828800" cy="749160"/>
           </a:xfrm>
           <a:prstGeom prst="rect">
             <a:avLst/>
@@ -6682,14 +6465,14 @@
       </p:sp>
       <p:sp>
         <p:nvSpPr>
-          <p:cNvPr id="77" name=""/>
+          <p:cNvPr id="76" name=""/>
           <p:cNvSpPr/>
           <p:nvPr/>
         </p:nvSpPr>
         <p:spPr>
           <a:xfrm>
             <a:off x="952560" y="28571400"/>
-            <a:ext cx="1749240" cy="750240"/>
+            <a:ext cx="1748880" cy="749880"/>
           </a:xfrm>
           <a:prstGeom prst="rect">
             <a:avLst/>
@@ -6767,14 +6550,14 @@
       </p:sp>
       <p:sp>
         <p:nvSpPr>
-          <p:cNvPr id="78" name=""/>
+          <p:cNvPr id="77" name=""/>
           <p:cNvSpPr/>
           <p:nvPr/>
         </p:nvSpPr>
         <p:spPr>
           <a:xfrm>
             <a:off x="16666560" y="10077120"/>
-            <a:ext cx="2998800" cy="1295280"/>
+            <a:ext cx="2998440" cy="1294920"/>
           </a:xfrm>
           <a:prstGeom prst="roundRect">
             <a:avLst>
@@ -6831,22 +6614,22 @@
       </p:sp>
       <p:sp>
         <p:nvSpPr>
-          <p:cNvPr id="79" name=""/>
+          <p:cNvPr id="78" name=""/>
           <p:cNvSpPr/>
           <p:nvPr/>
         </p:nvSpPr>
         <p:spPr>
           <a:xfrm>
             <a:off x="13120560" y="9899280"/>
-            <a:ext cx="3204000" cy="4324320"/>
+            <a:ext cx="3203640" cy="4323960"/>
           </a:xfrm>
           <a:custGeom>
             <a:avLst/>
             <a:gdLst>
-              <a:gd name="textAreaLeft" fmla="*/ 155880 w 3204000"/>
-              <a:gd name="textAreaRight" fmla="*/ 3048120 w 3204000"/>
-              <a:gd name="textAreaTop" fmla="*/ 154800 h 4324320"/>
-              <a:gd name="textAreaBottom" fmla="*/ 4169520 h 4324320"/>
+              <a:gd name="textAreaLeft" fmla="*/ 155880 w 3203640"/>
+              <a:gd name="textAreaRight" fmla="*/ 3048120 w 3203640"/>
+              <a:gd name="textAreaTop" fmla="*/ 154800 h 4323960"/>
+              <a:gd name="textAreaBottom" fmla="*/ 4169520 h 4323960"/>
             </a:gdLst>
             <a:ahLst/>
             <a:rect l="textAreaLeft" t="textAreaTop" r="textAreaRight" b="textAreaBottom"/>
@@ -6891,6 +6674,11 @@
             <a:noAutofit/>
           </a:bodyPr>
           <a:p>
+            <a:pPr>
+              <a:lnSpc>
+                <a:spcPct val="100000"/>
+              </a:lnSpc>
+            </a:pPr>
             <a:endParaRPr b="0" lang="en-US" sz="1800" strike="noStrike" u="none">
               <a:solidFill>
                 <a:srgbClr val="000000"/>
@@ -6905,14 +6693,14 @@
       </p:sp>
       <p:sp>
         <p:nvSpPr>
-          <p:cNvPr id="80" name=""/>
+          <p:cNvPr id="79" name=""/>
           <p:cNvSpPr/>
           <p:nvPr/>
         </p:nvSpPr>
         <p:spPr>
           <a:xfrm>
             <a:off x="13217040" y="10077120"/>
-            <a:ext cx="2998800" cy="1295280"/>
+            <a:ext cx="2998440" cy="1294920"/>
           </a:xfrm>
           <a:prstGeom prst="roundRect">
             <a:avLst>
@@ -6969,14 +6757,14 @@
       </p:sp>
       <p:sp>
         <p:nvSpPr>
-          <p:cNvPr id="81" name=""/>
+          <p:cNvPr id="80" name=""/>
           <p:cNvSpPr/>
           <p:nvPr/>
         </p:nvSpPr>
         <p:spPr>
           <a:xfrm>
             <a:off x="13217040" y="11423880"/>
-            <a:ext cx="2998800" cy="1295640"/>
+            <a:ext cx="2998440" cy="1295280"/>
           </a:xfrm>
           <a:prstGeom prst="roundRect">
             <a:avLst>
@@ -7033,14 +6821,14 @@
       </p:sp>
       <p:sp>
         <p:nvSpPr>
-          <p:cNvPr id="82" name=""/>
+          <p:cNvPr id="81" name=""/>
           <p:cNvSpPr/>
           <p:nvPr/>
         </p:nvSpPr>
         <p:spPr>
           <a:xfrm>
             <a:off x="13217040" y="12771000"/>
-            <a:ext cx="2998800" cy="1295640"/>
+            <a:ext cx="2998440" cy="1295280"/>
           </a:xfrm>
           <a:prstGeom prst="roundRect">
             <a:avLst>
@@ -7097,14 +6885,14 @@
       </p:sp>
       <p:sp>
         <p:nvSpPr>
-          <p:cNvPr id="83" name=""/>
+          <p:cNvPr id="82" name=""/>
           <p:cNvSpPr/>
           <p:nvPr/>
         </p:nvSpPr>
         <p:spPr>
           <a:xfrm>
             <a:off x="16666560" y="11423880"/>
-            <a:ext cx="2998800" cy="1295640"/>
+            <a:ext cx="2998440" cy="1295280"/>
           </a:xfrm>
           <a:prstGeom prst="roundRect">
             <a:avLst>
@@ -7161,14 +6949,14 @@
       </p:sp>
       <p:sp>
         <p:nvSpPr>
-          <p:cNvPr id="84" name=""/>
+          <p:cNvPr id="83" name=""/>
           <p:cNvSpPr/>
           <p:nvPr/>
         </p:nvSpPr>
         <p:spPr>
           <a:xfrm>
             <a:off x="16666560" y="12771000"/>
-            <a:ext cx="2998800" cy="1295640"/>
+            <a:ext cx="2998440" cy="1295280"/>
           </a:xfrm>
           <a:prstGeom prst="roundRect">
             <a:avLst>
@@ -7225,22 +7013,22 @@
       </p:sp>
       <p:sp>
         <p:nvSpPr>
-          <p:cNvPr id="85" name=""/>
+          <p:cNvPr id="84" name=""/>
           <p:cNvSpPr/>
           <p:nvPr/>
         </p:nvSpPr>
         <p:spPr>
           <a:xfrm>
             <a:off x="16570080" y="9899280"/>
-            <a:ext cx="3204000" cy="4324320"/>
+            <a:ext cx="3203640" cy="4323960"/>
           </a:xfrm>
           <a:custGeom>
             <a:avLst/>
             <a:gdLst>
-              <a:gd name="textAreaLeft" fmla="*/ 155880 w 3204000"/>
-              <a:gd name="textAreaRight" fmla="*/ 3048120 w 3204000"/>
-              <a:gd name="textAreaTop" fmla="*/ 154800 h 4324320"/>
-              <a:gd name="textAreaBottom" fmla="*/ 4169520 h 4324320"/>
+              <a:gd name="textAreaLeft" fmla="*/ 155880 w 3203640"/>
+              <a:gd name="textAreaRight" fmla="*/ 3048120 w 3203640"/>
+              <a:gd name="textAreaTop" fmla="*/ 154800 h 4323960"/>
+              <a:gd name="textAreaBottom" fmla="*/ 4169520 h 4323960"/>
             </a:gdLst>
             <a:ahLst/>
             <a:rect l="textAreaLeft" t="textAreaTop" r="textAreaRight" b="textAreaBottom"/>
@@ -7285,6 +7073,11 @@
             <a:noAutofit/>
           </a:bodyPr>
           <a:p>
+            <a:pPr>
+              <a:lnSpc>
+                <a:spcPct val="100000"/>
+              </a:lnSpc>
+            </a:pPr>
             <a:endParaRPr b="0" lang="en-US" sz="1800" strike="noStrike" u="none">
               <a:solidFill>
                 <a:srgbClr val="000000"/>
@@ -7299,14 +7092,14 @@
       </p:sp>
       <p:sp>
         <p:nvSpPr>
-          <p:cNvPr id="86" name=""/>
+          <p:cNvPr id="85" name=""/>
           <p:cNvSpPr/>
           <p:nvPr/>
         </p:nvSpPr>
         <p:spPr>
           <a:xfrm>
             <a:off x="12956400" y="9169920"/>
-            <a:ext cx="6977880" cy="5312880"/>
+            <a:ext cx="6977520" cy="5312520"/>
           </a:xfrm>
           <a:prstGeom prst="roundRect">
             <a:avLst>
@@ -7332,6 +7125,11 @@
             <a:noAutofit/>
           </a:bodyPr>
           <a:p>
+            <a:pPr>
+              <a:lnSpc>
+                <a:spcPct val="100000"/>
+              </a:lnSpc>
+            </a:pPr>
             <a:endParaRPr b="0" lang="en-US" sz="1800" strike="noStrike" u="none">
               <a:solidFill>
                 <a:srgbClr val="000000"/>
@@ -7346,14 +7144,14 @@
       </p:sp>
       <p:sp>
         <p:nvSpPr>
-          <p:cNvPr id="87" name=""/>
+          <p:cNvPr id="86" name=""/>
           <p:cNvSpPr/>
           <p:nvPr/>
         </p:nvSpPr>
         <p:spPr>
           <a:xfrm>
             <a:off x="13415400" y="9272880"/>
-            <a:ext cx="2648520" cy="486360"/>
+            <a:ext cx="2648160" cy="486720"/>
           </a:xfrm>
           <a:prstGeom prst="rect">
             <a:avLst/>
@@ -7387,6 +7185,7 @@
                 <a:effectLst/>
                 <a:uFillTx/>
                 <a:latin typeface="Open Sans"/>
+                <a:ea typeface="DejaVu Sans"/>
               </a:rPr>
               <a:t>Proprietary</a:t>
             </a:r>
@@ -7403,14 +7202,14 @@
       </p:sp>
       <p:sp>
         <p:nvSpPr>
-          <p:cNvPr id="88" name=""/>
+          <p:cNvPr id="87" name=""/>
           <p:cNvSpPr/>
           <p:nvPr/>
         </p:nvSpPr>
         <p:spPr>
           <a:xfrm>
             <a:off x="16659720" y="9273240"/>
-            <a:ext cx="3039120" cy="486360"/>
+            <a:ext cx="3038760" cy="486720"/>
           </a:xfrm>
           <a:prstGeom prst="rect">
             <a:avLst/>
@@ -7444,6 +7243,7 @@
                 <a:effectLst/>
                 <a:uFillTx/>
                 <a:latin typeface="Open Sans"/>
+                <a:ea typeface="DejaVu Sans"/>
               </a:rPr>
               <a:t>Open-Source</a:t>
             </a:r>
@@ -7460,14 +7260,14 @@
       </p:sp>
       <p:sp>
         <p:nvSpPr>
-          <p:cNvPr id="89" name=""/>
+          <p:cNvPr id="88" name=""/>
           <p:cNvSpPr/>
           <p:nvPr/>
         </p:nvSpPr>
         <p:spPr>
           <a:xfrm>
             <a:off x="13195800" y="8497800"/>
-            <a:ext cx="1564200" cy="578160"/>
+            <a:ext cx="1563840" cy="578520"/>
           </a:xfrm>
           <a:prstGeom prst="rect">
             <a:avLst/>
@@ -7501,6 +7301,7 @@
                 <a:effectLst/>
                 <a:uFillTx/>
                 <a:latin typeface="Open Sans"/>
+                <a:ea typeface="DejaVu Sans"/>
               </a:rPr>
               <a:t>TEEs</a:t>
             </a:r>
@@ -7517,14 +7318,14 @@
       </p:sp>
       <p:sp>
         <p:nvSpPr>
-          <p:cNvPr id="90" name=""/>
+          <p:cNvPr id="89" name=""/>
           <p:cNvSpPr/>
           <p:nvPr/>
         </p:nvSpPr>
         <p:spPr>
           <a:xfrm>
             <a:off x="17825040" y="28047240"/>
-            <a:ext cx="3562920" cy="3270960"/>
+            <a:ext cx="3562560" cy="3270600"/>
           </a:xfrm>
           <a:prstGeom prst="ellipse">
             <a:avLst/>
@@ -7578,14 +7379,14 @@
       </p:sp>
       <p:sp>
         <p:nvSpPr>
-          <p:cNvPr id="91" name=""/>
+          <p:cNvPr id="90" name=""/>
           <p:cNvSpPr/>
           <p:nvPr/>
         </p:nvSpPr>
         <p:spPr>
           <a:xfrm>
             <a:off x="14801040" y="23583240"/>
-            <a:ext cx="3562920" cy="3270960"/>
+            <a:ext cx="3562560" cy="3270600"/>
           </a:xfrm>
           <a:prstGeom prst="ellipse">
             <a:avLst/>
@@ -7639,14 +7440,14 @@
       </p:sp>
       <p:sp>
         <p:nvSpPr>
-          <p:cNvPr id="92" name=""/>
+          <p:cNvPr id="91" name=""/>
           <p:cNvSpPr/>
           <p:nvPr/>
         </p:nvSpPr>
         <p:spPr>
           <a:xfrm>
             <a:off x="567000" y="25115400"/>
-            <a:ext cx="10186560" cy="840960"/>
+            <a:ext cx="10186200" cy="840600"/>
           </a:xfrm>
           <a:prstGeom prst="rect">
             <a:avLst/>
@@ -7701,14 +7502,14 @@
       </p:sp>
       <p:sp>
         <p:nvSpPr>
-          <p:cNvPr id="93" name=""/>
+          <p:cNvPr id="92" name=""/>
           <p:cNvSpPr/>
           <p:nvPr/>
         </p:nvSpPr>
         <p:spPr>
           <a:xfrm>
             <a:off x="567000" y="17087400"/>
-            <a:ext cx="10186560" cy="840960"/>
+            <a:ext cx="10186200" cy="840600"/>
           </a:xfrm>
           <a:prstGeom prst="rect">
             <a:avLst/>
@@ -7753,6 +7554,297 @@
             <a:endParaRPr b="0" lang="en-US" sz="4800" strike="noStrike" u="none">
               <a:solidFill>
                 <a:srgbClr val="ffffff"/>
+              </a:solidFill>
+              <a:effectLst/>
+              <a:uFillTx/>
+              <a:latin typeface="Arial"/>
+            </a:endParaRPr>
+          </a:p>
+        </p:txBody>
+      </p:sp>
+      <p:sp>
+        <p:nvSpPr>
+          <p:cNvPr id="93" name=""/>
+          <p:cNvSpPr/>
+          <p:nvPr/>
+        </p:nvSpPr>
+        <p:spPr>
+          <a:xfrm>
+            <a:off x="15231240" y="16922880"/>
+            <a:ext cx="2629080" cy="1028520"/>
+          </a:xfrm>
+          <a:prstGeom prst="rect">
+            <a:avLst/>
+          </a:prstGeom>
+          <a:solidFill>
+            <a:srgbClr val="77bc65"/>
+          </a:solidFill>
+          <a:ln w="0">
+            <a:solidFill>
+              <a:srgbClr val="3465a4"/>
+            </a:solidFill>
+          </a:ln>
+        </p:spPr>
+        <p:style>
+          <a:lnRef idx="0"/>
+          <a:fillRef idx="0"/>
+          <a:effectRef idx="0"/>
+          <a:fontRef idx="minor"/>
+        </p:style>
+        <p:txBody>
+          <a:bodyPr lIns="90000" rIns="90000" tIns="45000" bIns="45000" anchor="ctr">
+            <a:noAutofit/>
+          </a:bodyPr>
+          <a:p>
+            <a:pPr algn="ctr"/>
+            <a:r>
+              <a:rPr b="0" lang="en-US" sz="3200" strike="noStrike" u="none">
+                <a:solidFill>
+                  <a:srgbClr val="000000"/>
+                </a:solidFill>
+                <a:effectLst/>
+                <a:uFillTx/>
+                <a:latin typeface="Open Sans"/>
+              </a:rPr>
+              <a:t>Application Request</a:t>
+            </a:r>
+            <a:endParaRPr b="0" lang="en-US" sz="3200" strike="noStrike" u="none">
+              <a:solidFill>
+                <a:srgbClr val="000000"/>
+              </a:solidFill>
+              <a:effectLst/>
+              <a:uFillTx/>
+              <a:latin typeface="Arial"/>
+            </a:endParaRPr>
+          </a:p>
+        </p:txBody>
+      </p:sp>
+      <p:sp>
+        <p:nvSpPr>
+          <p:cNvPr id="94" name=""/>
+          <p:cNvSpPr/>
+          <p:nvPr/>
+        </p:nvSpPr>
+        <p:spPr>
+          <a:xfrm>
+            <a:off x="14174640" y="18865800"/>
+            <a:ext cx="4800600" cy="914400"/>
+          </a:xfrm>
+          <a:prstGeom prst="rect">
+            <a:avLst/>
+          </a:prstGeom>
+          <a:noFill/>
+          <a:ln w="0">
+            <a:solidFill>
+              <a:srgbClr val="3465a4"/>
+            </a:solidFill>
+          </a:ln>
+        </p:spPr>
+        <p:style>
+          <a:lnRef idx="0"/>
+          <a:fillRef idx="0"/>
+          <a:effectRef idx="0"/>
+          <a:fontRef idx="minor"/>
+        </p:style>
+        <p:txBody>
+          <a:bodyPr lIns="90000" rIns="90000" tIns="45000" bIns="45000" anchor="ctr">
+            <a:noAutofit/>
+          </a:bodyPr>
+          <a:p>
+            <a:pPr algn="ctr"/>
+            <a:r>
+              <a:rPr b="0" lang="en-US" sz="3200" strike="noStrike" u="none">
+                <a:solidFill>
+                  <a:srgbClr val="000000"/>
+                </a:solidFill>
+                <a:effectLst/>
+                <a:uFillTx/>
+                <a:latin typeface="Open Sans"/>
+              </a:rPr>
+              <a:t>PMP Table</a:t>
+            </a:r>
+            <a:endParaRPr b="0" lang="en-US" sz="3200" strike="noStrike" u="none">
+              <a:solidFill>
+                <a:srgbClr val="000000"/>
+              </a:solidFill>
+              <a:effectLst/>
+              <a:uFillTx/>
+              <a:latin typeface="Arial"/>
+            </a:endParaRPr>
+          </a:p>
+        </p:txBody>
+      </p:sp>
+      <p:sp>
+        <p:nvSpPr>
+          <p:cNvPr id="95" name=""/>
+          <p:cNvSpPr/>
+          <p:nvPr/>
+        </p:nvSpPr>
+        <p:spPr>
+          <a:xfrm>
+            <a:off x="16509240" y="18059400"/>
+            <a:ext cx="0" cy="685800"/>
+          </a:xfrm>
+          <a:prstGeom prst="line">
+            <a:avLst/>
+          </a:prstGeom>
+          <a:ln w="38160">
+            <a:solidFill>
+              <a:srgbClr val="000000"/>
+            </a:solidFill>
+            <a:round/>
+            <a:tailEnd len="med" type="triangle" w="med"/>
+          </a:ln>
+        </p:spPr>
+        <p:style>
+          <a:lnRef idx="0"/>
+          <a:fillRef idx="0"/>
+          <a:effectRef idx="0"/>
+          <a:fontRef idx="minor"/>
+        </p:style>
+        <p:txBody>
+          <a:bodyPr lIns="109080" rIns="109080" tIns="64080" bIns="64080" anchor="ctr">
+            <a:noAutofit/>
+          </a:bodyPr>
+          <a:p>
+            <a:endParaRPr b="0" lang="en-US" sz="1800" strike="noStrike" u="none">
+              <a:solidFill>
+                <a:srgbClr val="000000"/>
+              </a:solidFill>
+              <a:effectLst/>
+              <a:uFillTx/>
+              <a:latin typeface="Arial"/>
+            </a:endParaRPr>
+          </a:p>
+        </p:txBody>
+      </p:sp>
+      <p:sp>
+        <p:nvSpPr>
+          <p:cNvPr id="96" name=""/>
+          <p:cNvSpPr/>
+          <p:nvPr/>
+        </p:nvSpPr>
+        <p:spPr>
+          <a:xfrm>
+            <a:off x="14173200" y="19774080"/>
+            <a:ext cx="1636200" cy="799920"/>
+          </a:xfrm>
+          <a:prstGeom prst="rect">
+            <a:avLst/>
+          </a:prstGeom>
+          <a:solidFill>
+            <a:srgbClr val="729fcf"/>
+          </a:solidFill>
+          <a:ln w="0">
+            <a:solidFill>
+              <a:srgbClr val="3465a4"/>
+            </a:solidFill>
+          </a:ln>
+        </p:spPr>
+        <p:style>
+          <a:lnRef idx="0"/>
+          <a:fillRef idx="0"/>
+          <a:effectRef idx="0"/>
+          <a:fontRef idx="minor"/>
+        </p:style>
+        <p:txBody>
+          <a:bodyPr lIns="90000" rIns="90000" tIns="45000" bIns="45000" anchor="ctr">
+            <a:noAutofit/>
+          </a:bodyPr>
+          <a:p>
+            <a:endParaRPr b="0" lang="en-US" sz="1800" strike="noStrike" u="none">
+              <a:solidFill>
+                <a:srgbClr val="000000"/>
+              </a:solidFill>
+              <a:effectLst/>
+              <a:uFillTx/>
+              <a:latin typeface="Arial"/>
+            </a:endParaRPr>
+          </a:p>
+        </p:txBody>
+      </p:sp>
+      <p:sp>
+        <p:nvSpPr>
+          <p:cNvPr id="97" name=""/>
+          <p:cNvSpPr/>
+          <p:nvPr/>
+        </p:nvSpPr>
+        <p:spPr>
+          <a:xfrm>
+            <a:off x="15807240" y="19774080"/>
+            <a:ext cx="1636200" cy="799920"/>
+          </a:xfrm>
+          <a:prstGeom prst="rect">
+            <a:avLst/>
+          </a:prstGeom>
+          <a:solidFill>
+            <a:srgbClr val="77bc65"/>
+          </a:solidFill>
+          <a:ln w="0">
+            <a:solidFill>
+              <a:srgbClr val="3465a4"/>
+            </a:solidFill>
+          </a:ln>
+        </p:spPr>
+        <p:style>
+          <a:lnRef idx="0"/>
+          <a:fillRef idx="0"/>
+          <a:effectRef idx="0"/>
+          <a:fontRef idx="minor"/>
+        </p:style>
+        <p:txBody>
+          <a:bodyPr lIns="90000" rIns="90000" tIns="45000" bIns="45000" anchor="ctr">
+            <a:noAutofit/>
+          </a:bodyPr>
+          <a:p>
+            <a:endParaRPr b="0" lang="en-US" sz="1800" strike="noStrike" u="none">
+              <a:solidFill>
+                <a:srgbClr val="000000"/>
+              </a:solidFill>
+              <a:effectLst/>
+              <a:uFillTx/>
+              <a:latin typeface="Arial"/>
+            </a:endParaRPr>
+          </a:p>
+        </p:txBody>
+      </p:sp>
+      <p:sp>
+        <p:nvSpPr>
+          <p:cNvPr id="98" name=""/>
+          <p:cNvSpPr/>
+          <p:nvPr/>
+        </p:nvSpPr>
+        <p:spPr>
+          <a:xfrm>
+            <a:off x="17355240" y="19774080"/>
+            <a:ext cx="1618560" cy="799920"/>
+          </a:xfrm>
+          <a:prstGeom prst="rect">
+            <a:avLst/>
+          </a:prstGeom>
+          <a:solidFill>
+            <a:srgbClr val="ffa6a6"/>
+          </a:solidFill>
+          <a:ln w="0">
+            <a:solidFill>
+              <a:srgbClr val="3465a4"/>
+            </a:solidFill>
+          </a:ln>
+        </p:spPr>
+        <p:style>
+          <a:lnRef idx="0"/>
+          <a:fillRef idx="0"/>
+          <a:effectRef idx="0"/>
+          <a:fontRef idx="minor"/>
+        </p:style>
+        <p:txBody>
+          <a:bodyPr lIns="90000" rIns="90000" tIns="45000" bIns="45000" anchor="ctr">
+            <a:noAutofit/>
+          </a:bodyPr>
+          <a:p>
+            <a:endParaRPr b="0" lang="en-US" sz="1800" strike="noStrike" u="none">
+              <a:solidFill>
+                <a:srgbClr val="000000"/>
               </a:solidFill>
               <a:effectLst/>
               <a:uFillTx/>

--- a/presentations/YARCH25.pptx
+++ b/presentations/YARCH25.pptx
@@ -31,7 +31,7 @@
       </p:grpSpPr>
       <p:sp>
         <p:nvSpPr>
-          <p:cNvPr id="8" name="PlaceHolder 1"/>
+          <p:cNvPr id="9" name="PlaceHolder 1"/>
           <p:cNvSpPr>
             <a:spLocks noGrp="1"/>
           </p:cNvSpPr>
@@ -41,8 +41,8 @@
         </p:nvSpPr>
         <p:spPr>
           <a:xfrm>
-            <a:off x="3291480" y="13439520"/>
-            <a:ext cx="37305000" cy="625320"/>
+            <a:off x="3291480" y="13439160"/>
+            <a:ext cx="37304640" cy="625320"/>
           </a:xfrm>
           <a:prstGeom prst="rect">
             <a:avLst/>
@@ -54,7 +54,7 @@
         </p:spPr>
         <p:txBody>
           <a:bodyPr lIns="0" rIns="0" tIns="0" bIns="0" anchor="ctr">
-            <a:spAutoFit/>
+            <a:noAutofit/>
           </a:bodyPr>
           <a:p>
             <a:pPr indent="0" algn="ctr">
@@ -64,16 +64,15 @@
               <a:solidFill>
                 <a:srgbClr val="000000"/>
               </a:solidFill>
-              <a:effectLst/>
-              <a:uFillTx/>
-              <a:latin typeface="Arial"/>
-            </a:endParaRPr>
-          </a:p>
-        </p:txBody>
-      </p:sp>
-      <p:sp>
-        <p:nvSpPr>
-          <p:cNvPr id="9" name="PlaceHolder 2"/>
+              <a:uFillTx/>
+              <a:latin typeface="Arial"/>
+            </a:endParaRPr>
+          </a:p>
+        </p:txBody>
+      </p:sp>
+      <p:sp>
+        <p:nvSpPr>
+          <p:cNvPr id="10" name="PlaceHolder 2"/>
           <p:cNvSpPr>
             <a:spLocks noGrp="1"/>
           </p:cNvSpPr>
@@ -96,7 +95,7 @@
         </p:spPr>
         <p:txBody>
           <a:bodyPr lIns="0" rIns="0" tIns="0" bIns="0" anchor="ctr">
-            <a:spAutoFit/>
+            <a:noAutofit/>
           </a:bodyPr>
           <a:p>
             <a:pPr indent="0" algn="ctr">
@@ -106,7 +105,6 @@
               <a:solidFill>
                 <a:srgbClr val="000000"/>
               </a:solidFill>
-              <a:effectLst/>
               <a:uFillTx/>
               <a:latin typeface="Arial"/>
             </a:endParaRPr>
@@ -147,7 +145,7 @@
         <p:txBody>
           <a:bodyPr/>
           <a:p>
-            <a:fld id="{37F69402-DFDC-44F4-831A-CC59C2D02039}" type="slidenum">
+            <a:fld id="{C765C604-EB1A-4F0E-9C15-C3D93511B8BA}" type="slidenum">
               <a:t>&lt;#&gt;</a:t>
             </a:fld>
           </a:p>
@@ -215,13 +213,12 @@
         </p:blipFill>
         <p:spPr>
           <a:xfrm rot="16200000">
-            <a:off x="-11071080" y="16462440"/>
-            <a:ext cx="14271480" cy="3933720"/>
+            <a:off x="-11070720" y="16462800"/>
+            <a:ext cx="14271120" cy="3933360"/>
           </a:xfrm>
           <a:prstGeom prst="rect">
             <a:avLst/>
           </a:prstGeom>
-          <a:noFill/>
           <a:ln w="0">
             <a:noFill/>
           </a:ln>
@@ -239,13 +236,12 @@
         </p:blipFill>
         <p:spPr>
           <a:xfrm rot="5400000">
-            <a:off x="40694040" y="16459200"/>
-            <a:ext cx="14271480" cy="3933720"/>
+            <a:off x="40694400" y="16459200"/>
+            <a:ext cx="14271120" cy="3933360"/>
           </a:xfrm>
           <a:prstGeom prst="rect">
             <a:avLst/>
           </a:prstGeom>
-          <a:noFill/>
           <a:ln w="0">
             <a:noFill/>
           </a:ln>
@@ -264,12 +260,11 @@
         <p:spPr>
           <a:xfrm>
             <a:off x="6946920" y="33426360"/>
-            <a:ext cx="29994120" cy="1444680"/>
+            <a:ext cx="29993760" cy="1444320"/>
           </a:xfrm>
           <a:prstGeom prst="rect">
             <a:avLst/>
           </a:prstGeom>
-          <a:noFill/>
           <a:ln w="0">
             <a:noFill/>
           </a:ln>
@@ -284,7 +279,7 @@
         <p:spPr>
           <a:xfrm>
             <a:off x="6946920" y="33998040"/>
-            <a:ext cx="21942360" cy="1266840"/>
+            <a:ext cx="21942000" cy="1266480"/>
           </a:xfrm>
           <a:prstGeom prst="rect">
             <a:avLst/>
@@ -315,7 +310,6 @@
                 <a:solidFill>
                   <a:srgbClr val="808080"/>
                 </a:solidFill>
-                <a:effectLst/>
                 <a:uFillTx/>
                 <a:latin typeface="Arial"/>
                 <a:ea typeface="Arial"/>
@@ -326,7 +320,6 @@
               <a:solidFill>
                 <a:srgbClr val="000000"/>
               </a:solidFill>
-              <a:effectLst/>
               <a:uFillTx/>
               <a:latin typeface="Arial"/>
             </a:endParaRPr>
@@ -345,8 +338,8 @@
         </p:nvSpPr>
         <p:spPr>
           <a:xfrm>
-            <a:off x="3291480" y="13614840"/>
-            <a:ext cx="37305000" cy="274680"/>
+            <a:off x="3291480" y="13614480"/>
+            <a:ext cx="37304640" cy="274680"/>
           </a:xfrm>
           <a:prstGeom prst="rect">
             <a:avLst/>
@@ -358,7 +351,7 @@
         </p:spPr>
         <p:txBody>
           <a:bodyPr lIns="0" rIns="0" tIns="0" bIns="0" anchor="ctr">
-            <a:spAutoFit/>
+            <a:noAutofit/>
           </a:bodyPr>
           <a:p>
             <a:pPr indent="0">
@@ -369,7 +362,6 @@
                 <a:solidFill>
                   <a:srgbClr val="000000"/>
                 </a:solidFill>
-                <a:effectLst/>
                 <a:uFillTx/>
                 <a:latin typeface="Arial"/>
               </a:rPr>
@@ -379,7 +371,6 @@
               <a:solidFill>
                 <a:srgbClr val="000000"/>
               </a:solidFill>
-              <a:effectLst/>
               <a:uFillTx/>
               <a:latin typeface="Arial"/>
             </a:endParaRPr>
@@ -399,7 +390,7 @@
         <p:spPr>
           <a:xfrm>
             <a:off x="14994360" y="29977560"/>
-            <a:ext cx="13898880" cy="2282760"/>
+            <a:ext cx="13898520" cy="2282400"/>
           </a:xfrm>
           <a:prstGeom prst="rect">
             <a:avLst/>
@@ -426,7 +417,6 @@
                 <a:solidFill>
                   <a:srgbClr val="000000"/>
                 </a:solidFill>
-                <a:effectLst/>
                 <a:uFillTx/>
                 <a:latin typeface="Times New Roman"/>
               </a:defRPr>
@@ -447,7 +437,6 @@
                 <a:solidFill>
                   <a:srgbClr val="000000"/>
                 </a:solidFill>
-                <a:effectLst/>
                 <a:uFillTx/>
                 <a:latin typeface="Times New Roman"/>
               </a:rPr>
@@ -457,7 +446,6 @@
               <a:solidFill>
                 <a:srgbClr val="000000"/>
               </a:solidFill>
-              <a:effectLst/>
               <a:uFillTx/>
               <a:latin typeface="Times New Roman"/>
             </a:endParaRPr>
@@ -477,7 +465,7 @@
         <p:spPr>
           <a:xfrm>
             <a:off x="31453560" y="29977560"/>
-            <a:ext cx="10241280" cy="2282760"/>
+            <a:ext cx="10240920" cy="2282400"/>
           </a:xfrm>
           <a:prstGeom prst="rect">
             <a:avLst/>
@@ -504,7 +492,6 @@
                 <a:solidFill>
                   <a:schemeClr val="dk1"/>
                 </a:solidFill>
-                <a:effectLst/>
                 <a:uFillTx/>
                 <a:latin typeface="Arial"/>
                 <a:ea typeface="Arial"/>
@@ -521,12 +508,11 @@
                 <a:tab algn="l" pos="0"/>
               </a:tabLst>
             </a:pPr>
-            <a:fld id="{14D0CDBB-0F60-4849-985D-274D0DA302E0}" type="slidenum">
+            <a:fld id="{EFBF6ABF-5295-49D7-85ED-7D85F73C0216}" type="slidenum">
               <a:rPr b="0" lang="en-US" sz="5030" strike="noStrike" u="none">
                 <a:solidFill>
                   <a:schemeClr val="dk1"/>
                 </a:solidFill>
-                <a:effectLst/>
                 <a:uFillTx/>
                 <a:latin typeface="Arial"/>
                 <a:ea typeface="Arial"/>
@@ -537,7 +523,6 @@
               <a:solidFill>
                 <a:srgbClr val="000000"/>
               </a:solidFill>
-              <a:effectLst/>
               <a:uFillTx/>
               <a:latin typeface="Times New Roman"/>
             </a:endParaRPr>
@@ -557,7 +542,7 @@
         <p:spPr>
           <a:xfrm>
             <a:off x="2192760" y="29977560"/>
-            <a:ext cx="10241280" cy="2282760"/>
+            <a:ext cx="10240920" cy="2282400"/>
           </a:xfrm>
           <a:prstGeom prst="rect">
             <a:avLst/>
@@ -578,7 +563,6 @@
                 <a:solidFill>
                   <a:srgbClr val="000000"/>
                 </a:solidFill>
-                <a:effectLst/>
                 <a:uFillTx/>
                 <a:latin typeface="Times New Roman"/>
               </a:defRPr>
@@ -593,7 +577,6 @@
                 <a:solidFill>
                   <a:srgbClr val="000000"/>
                 </a:solidFill>
-                <a:effectLst/>
                 <a:uFillTx/>
                 <a:latin typeface="Times New Roman"/>
               </a:rPr>
@@ -603,9 +586,247 @@
               <a:solidFill>
                 <a:srgbClr val="000000"/>
               </a:solidFill>
-              <a:effectLst/>
               <a:uFillTx/>
               <a:latin typeface="Times New Roman"/>
+            </a:endParaRPr>
+          </a:p>
+        </p:txBody>
+      </p:sp>
+      <p:sp>
+        <p:nvSpPr>
+          <p:cNvPr id="8" name="PlaceHolder 5"/>
+          <p:cNvSpPr>
+            <a:spLocks noGrp="1"/>
+          </p:cNvSpPr>
+          <p:nvPr>
+            <p:ph type="body"/>
+          </p:nvPr>
+        </p:nvSpPr>
+        <p:spPr>
+          <a:xfrm>
+            <a:off x="2194560" y="7702560"/>
+            <a:ext cx="39501720" cy="19092240"/>
+          </a:xfrm>
+          <a:prstGeom prst="rect">
+            <a:avLst/>
+          </a:prstGeom>
+          <a:noFill/>
+          <a:ln w="0">
+            <a:noFill/>
+          </a:ln>
+        </p:spPr>
+        <p:txBody>
+          <a:bodyPr lIns="0" rIns="0" tIns="0" bIns="0" anchor="t">
+            <a:normAutofit/>
+          </a:bodyPr>
+          <a:p>
+            <a:pPr marL="432000" indent="-324000">
+              <a:spcBef>
+                <a:spcPts val="1417"/>
+              </a:spcBef>
+              <a:buClr>
+                <a:srgbClr val="000000"/>
+              </a:buClr>
+              <a:buSzPct val="45000"/>
+              <a:buFont typeface="Wingdings" charset="2"/>
+              <a:buChar char=""/>
+            </a:pPr>
+            <a:r>
+              <a:rPr b="0" lang="en-US" sz="3200" strike="noStrike" u="none">
+                <a:solidFill>
+                  <a:srgbClr val="000000"/>
+                </a:solidFill>
+                <a:uFillTx/>
+                <a:latin typeface="Arial"/>
+              </a:rPr>
+              <a:t>Click to edit the outline text format</a:t>
+            </a:r>
+            <a:endParaRPr b="0" lang="en-US" sz="3200" strike="noStrike" u="none">
+              <a:solidFill>
+                <a:srgbClr val="000000"/>
+              </a:solidFill>
+              <a:uFillTx/>
+              <a:latin typeface="Arial"/>
+            </a:endParaRPr>
+          </a:p>
+          <a:p>
+            <a:pPr lvl="1" marL="864000" indent="-324000">
+              <a:spcBef>
+                <a:spcPts val="1134"/>
+              </a:spcBef>
+              <a:buClr>
+                <a:srgbClr val="000000"/>
+              </a:buClr>
+              <a:buSzPct val="75000"/>
+              <a:buFont typeface="Symbol" charset="2"/>
+              <a:buChar char=""/>
+            </a:pPr>
+            <a:r>
+              <a:rPr b="0" lang="en-US" sz="2800" strike="noStrike" u="none">
+                <a:solidFill>
+                  <a:srgbClr val="000000"/>
+                </a:solidFill>
+                <a:uFillTx/>
+                <a:latin typeface="Arial"/>
+              </a:rPr>
+              <a:t>Second Outline Level</a:t>
+            </a:r>
+            <a:endParaRPr b="0" lang="en-US" sz="2800" strike="noStrike" u="none">
+              <a:solidFill>
+                <a:srgbClr val="000000"/>
+              </a:solidFill>
+              <a:uFillTx/>
+              <a:latin typeface="Arial"/>
+            </a:endParaRPr>
+          </a:p>
+          <a:p>
+            <a:pPr lvl="2" marL="1296000" indent="-288000">
+              <a:spcBef>
+                <a:spcPts val="850"/>
+              </a:spcBef>
+              <a:buClr>
+                <a:srgbClr val="000000"/>
+              </a:buClr>
+              <a:buSzPct val="45000"/>
+              <a:buFont typeface="Wingdings" charset="2"/>
+              <a:buChar char=""/>
+            </a:pPr>
+            <a:r>
+              <a:rPr b="0" lang="en-US" sz="2400" strike="noStrike" u="none">
+                <a:solidFill>
+                  <a:srgbClr val="000000"/>
+                </a:solidFill>
+                <a:uFillTx/>
+                <a:latin typeface="Arial"/>
+              </a:rPr>
+              <a:t>Third Outline Level</a:t>
+            </a:r>
+            <a:endParaRPr b="0" lang="en-US" sz="2400" strike="noStrike" u="none">
+              <a:solidFill>
+                <a:srgbClr val="000000"/>
+              </a:solidFill>
+              <a:uFillTx/>
+              <a:latin typeface="Arial"/>
+            </a:endParaRPr>
+          </a:p>
+          <a:p>
+            <a:pPr lvl="3" marL="1728000" indent="-216000">
+              <a:spcBef>
+                <a:spcPts val="567"/>
+              </a:spcBef>
+              <a:buClr>
+                <a:srgbClr val="000000"/>
+              </a:buClr>
+              <a:buSzPct val="75000"/>
+              <a:buFont typeface="Symbol" charset="2"/>
+              <a:buChar char=""/>
+            </a:pPr>
+            <a:r>
+              <a:rPr b="0" lang="en-US" sz="2000" strike="noStrike" u="none">
+                <a:solidFill>
+                  <a:srgbClr val="000000"/>
+                </a:solidFill>
+                <a:uFillTx/>
+                <a:latin typeface="Arial"/>
+              </a:rPr>
+              <a:t>Fourth Outline Level</a:t>
+            </a:r>
+            <a:endParaRPr b="0" lang="en-US" sz="2000" strike="noStrike" u="none">
+              <a:solidFill>
+                <a:srgbClr val="000000"/>
+              </a:solidFill>
+              <a:uFillTx/>
+              <a:latin typeface="Arial"/>
+            </a:endParaRPr>
+          </a:p>
+          <a:p>
+            <a:pPr lvl="4" marL="2160000" indent="-216000">
+              <a:spcBef>
+                <a:spcPts val="283"/>
+              </a:spcBef>
+              <a:buClr>
+                <a:srgbClr val="000000"/>
+              </a:buClr>
+              <a:buSzPct val="45000"/>
+              <a:buFont typeface="Wingdings" charset="2"/>
+              <a:buChar char=""/>
+            </a:pPr>
+            <a:r>
+              <a:rPr b="0" lang="en-US" sz="2000" strike="noStrike" u="none">
+                <a:solidFill>
+                  <a:srgbClr val="000000"/>
+                </a:solidFill>
+                <a:uFillTx/>
+                <a:latin typeface="Arial"/>
+              </a:rPr>
+              <a:t>Fifth Outline Level</a:t>
+            </a:r>
+            <a:endParaRPr b="0" lang="en-US" sz="2000" strike="noStrike" u="none">
+              <a:solidFill>
+                <a:srgbClr val="000000"/>
+              </a:solidFill>
+              <a:uFillTx/>
+              <a:latin typeface="Arial"/>
+            </a:endParaRPr>
+          </a:p>
+          <a:p>
+            <a:pPr lvl="5" marL="2592000" indent="-216000">
+              <a:spcBef>
+                <a:spcPts val="283"/>
+              </a:spcBef>
+              <a:buClr>
+                <a:srgbClr val="000000"/>
+              </a:buClr>
+              <a:buSzPct val="45000"/>
+              <a:buFont typeface="Wingdings" charset="2"/>
+              <a:buChar char=""/>
+            </a:pPr>
+            <a:r>
+              <a:rPr b="0" lang="en-US" sz="2000" strike="noStrike" u="none">
+                <a:solidFill>
+                  <a:srgbClr val="000000"/>
+                </a:solidFill>
+                <a:uFillTx/>
+                <a:latin typeface="Arial"/>
+              </a:rPr>
+              <a:t>Sixth Outline Level</a:t>
+            </a:r>
+            <a:endParaRPr b="0" lang="en-US" sz="2000" strike="noStrike" u="none">
+              <a:solidFill>
+                <a:srgbClr val="000000"/>
+              </a:solidFill>
+              <a:uFillTx/>
+              <a:latin typeface="Arial"/>
+            </a:endParaRPr>
+          </a:p>
+          <a:p>
+            <a:pPr lvl="6" marL="3024000" indent="-216000">
+              <a:spcBef>
+                <a:spcPts val="283"/>
+              </a:spcBef>
+              <a:buClr>
+                <a:srgbClr val="000000"/>
+              </a:buClr>
+              <a:buSzPct val="45000"/>
+              <a:buFont typeface="Wingdings" charset="2"/>
+              <a:buChar char=""/>
+            </a:pPr>
+            <a:r>
+              <a:rPr b="0" lang="en-US" sz="2000" strike="noStrike" u="none">
+                <a:solidFill>
+                  <a:srgbClr val="000000"/>
+                </a:solidFill>
+                <a:uFillTx/>
+                <a:latin typeface="Arial"/>
+              </a:rPr>
+              <a:t>Seventh Outline Level</a:t>
+            </a:r>
+            <a:endParaRPr b="0" lang="en-US" sz="2000" strike="noStrike" u="none">
+              <a:solidFill>
+                <a:srgbClr val="000000"/>
+              </a:solidFill>
+              <a:uFillTx/>
+              <a:latin typeface="Arial"/>
             </a:endParaRPr>
           </a:p>
         </p:txBody>
@@ -638,14 +859,14 @@
       </p:grpSpPr>
       <p:sp>
         <p:nvSpPr>
-          <p:cNvPr id="10" name=""/>
+          <p:cNvPr id="11" name=""/>
           <p:cNvSpPr/>
           <p:nvPr/>
         </p:nvSpPr>
         <p:spPr>
           <a:xfrm>
             <a:off x="33147000" y="17454240"/>
-            <a:ext cx="10122120" cy="13982760"/>
+            <a:ext cx="10122480" cy="14081760"/>
           </a:xfrm>
           <a:prstGeom prst="rect">
             <a:avLst/>
@@ -681,7 +902,6 @@
                 <a:solidFill>
                   <a:schemeClr val="dk1"/>
                 </a:solidFill>
-                <a:effectLst/>
                 <a:uFillTx/>
                 <a:latin typeface="Open Sans"/>
                 <a:ea typeface="Open Sans"/>
@@ -692,23 +912,22 @@
               <a:solidFill>
                 <a:srgbClr val="000000"/>
               </a:solidFill>
-              <a:effectLst/>
-              <a:uFillTx/>
-              <a:latin typeface="Arial"/>
-            </a:endParaRPr>
-          </a:p>
-        </p:txBody>
-      </p:sp>
-      <p:sp>
-        <p:nvSpPr>
-          <p:cNvPr id="11" name=""/>
+              <a:uFillTx/>
+              <a:latin typeface="Arial"/>
+            </a:endParaRPr>
+          </a:p>
+        </p:txBody>
+      </p:sp>
+      <p:sp>
+        <p:nvSpPr>
+          <p:cNvPr id="12" name=""/>
           <p:cNvSpPr/>
           <p:nvPr/>
         </p:nvSpPr>
         <p:spPr>
           <a:xfrm>
             <a:off x="22174200" y="5558400"/>
-            <a:ext cx="10513800" cy="25986600"/>
+            <a:ext cx="10513440" cy="25986240"/>
           </a:xfrm>
           <a:prstGeom prst="rect">
             <a:avLst/>
@@ -743,7 +962,6 @@
               <a:solidFill>
                 <a:srgbClr val="000000"/>
               </a:solidFill>
-              <a:effectLst/>
               <a:uFillTx/>
               <a:latin typeface="Arial"/>
               <a:ea typeface="Arial"/>
@@ -753,14 +971,14 @@
       </p:sp>
       <p:sp>
         <p:nvSpPr>
-          <p:cNvPr id="12" name=""/>
+          <p:cNvPr id="13" name=""/>
           <p:cNvSpPr/>
           <p:nvPr/>
         </p:nvSpPr>
         <p:spPr>
           <a:xfrm>
             <a:off x="33147000" y="6413400"/>
-            <a:ext cx="10122120" cy="10200600"/>
+            <a:ext cx="10121760" cy="10200240"/>
           </a:xfrm>
           <a:prstGeom prst="rect">
             <a:avLst/>
@@ -802,7 +1020,6 @@
                 <a:solidFill>
                   <a:schemeClr val="dk1"/>
                 </a:solidFill>
-                <a:effectLst/>
                 <a:uFillTx/>
                 <a:latin typeface="Open Sans"/>
                 <a:ea typeface="Open Sans"/>
@@ -813,23 +1030,22 @@
               <a:solidFill>
                 <a:srgbClr val="000000"/>
               </a:solidFill>
-              <a:effectLst/>
-              <a:uFillTx/>
-              <a:latin typeface="Arial"/>
-            </a:endParaRPr>
-          </a:p>
-        </p:txBody>
-      </p:sp>
-      <p:sp>
-        <p:nvSpPr>
-          <p:cNvPr id="13" name=""/>
+              <a:uFillTx/>
+              <a:latin typeface="Arial"/>
+            </a:endParaRPr>
+          </a:p>
+        </p:txBody>
+      </p:sp>
+      <p:sp>
+        <p:nvSpPr>
+          <p:cNvPr id="14" name=""/>
           <p:cNvSpPr/>
           <p:nvPr/>
         </p:nvSpPr>
         <p:spPr>
           <a:xfrm>
             <a:off x="11201400" y="5558400"/>
-            <a:ext cx="10513800" cy="25986600"/>
+            <a:ext cx="10513440" cy="25986240"/>
           </a:xfrm>
           <a:prstGeom prst="rect">
             <a:avLst/>
@@ -855,16 +1071,21 @@
             <a:noAutofit/>
           </a:bodyPr>
           <a:p>
-            <a:pPr>
-              <a:lnSpc>
-                <a:spcPct val="100000"/>
-              </a:lnSpc>
-            </a:pPr>
-            <a:endParaRPr b="0" lang="en-US" sz="1800" strike="noStrike" u="none">
-              <a:solidFill>
-                <a:srgbClr val="000000"/>
-              </a:solidFill>
-              <a:effectLst/>
+            <a:pPr algn="ctr"/>
+            <a:r>
+              <a:rPr b="0" lang="en-US" sz="4200" strike="noStrike" u="none">
+                <a:solidFill>
+                  <a:srgbClr val="000000"/>
+                </a:solidFill>
+                <a:uFillTx/>
+                <a:latin typeface="Arial"/>
+              </a:rPr>
+              <a:t>TEE Building Blocks Fig</a:t>
+            </a:r>
+            <a:endParaRPr b="0" lang="en-US" sz="4200" strike="noStrike" u="none">
+              <a:solidFill>
+                <a:srgbClr val="000000"/>
+              </a:solidFill>
               <a:uFillTx/>
               <a:latin typeface="Arial"/>
               <a:ea typeface="Arial"/>
@@ -874,14 +1095,14 @@
       </p:sp>
       <p:sp>
         <p:nvSpPr>
-          <p:cNvPr id="14" name=""/>
+          <p:cNvPr id="15" name=""/>
           <p:cNvSpPr/>
           <p:nvPr/>
         </p:nvSpPr>
         <p:spPr>
           <a:xfrm>
             <a:off x="577800" y="5558400"/>
-            <a:ext cx="10164600" cy="11528280"/>
+            <a:ext cx="10164240" cy="11527920"/>
           </a:xfrm>
           <a:prstGeom prst="rect">
             <a:avLst/>
@@ -916,7 +1137,6 @@
               <a:solidFill>
                 <a:srgbClr val="000000"/>
               </a:solidFill>
-              <a:effectLst/>
               <a:uFillTx/>
               <a:latin typeface="Arial"/>
               <a:ea typeface="Arial"/>
@@ -926,14 +1146,14 @@
       </p:sp>
       <p:sp>
         <p:nvSpPr>
-          <p:cNvPr id="15" name="Rectangle 6"/>
+          <p:cNvPr id="16" name="Rectangle 6"/>
           <p:cNvSpPr/>
           <p:nvPr/>
         </p:nvSpPr>
         <p:spPr>
           <a:xfrm>
             <a:off x="0" y="3240"/>
-            <a:ext cx="43887960" cy="5251680"/>
+            <a:ext cx="43887600" cy="5251320"/>
           </a:xfrm>
           <a:prstGeom prst="rect">
             <a:avLst/>
@@ -965,7 +1185,6 @@
               <a:solidFill>
                 <a:schemeClr val="dk2"/>
               </a:solidFill>
-              <a:effectLst/>
               <a:uFillTx/>
               <a:latin typeface="Gill Sans"/>
               <a:ea typeface="Arial"/>
@@ -975,14 +1194,14 @@
       </p:sp>
       <p:sp>
         <p:nvSpPr>
-          <p:cNvPr id="16" name="TextBox 19"/>
-          <p:cNvSpPr/>
-          <p:nvPr/>
-        </p:nvSpPr>
-        <p:spPr>
-          <a:xfrm>
-            <a:off x="585360" y="6702480"/>
-            <a:ext cx="10204200" cy="9874440"/>
+          <p:cNvPr id="17" name="TextBox 19"/>
+          <p:cNvSpPr/>
+          <p:nvPr/>
+        </p:nvSpPr>
+        <p:spPr>
+          <a:xfrm>
+            <a:off x="585360" y="6522480"/>
+            <a:ext cx="10203840" cy="10542240"/>
           </a:xfrm>
           <a:prstGeom prst="rect">
             <a:avLst/>
@@ -1016,18 +1235,16 @@
                 <a:solidFill>
                   <a:schemeClr val="dk1"/>
                 </a:solidFill>
-                <a:effectLst/>
                 <a:uFillTx/>
                 <a:latin typeface="Open Sans"/>
                 <a:ea typeface="Open Sans"/>
               </a:rPr>
-              <a:t>Trusted Execution Environments (TEEs) provide hardware guarantees that seek to protect the security and isolation of application data. </a:t>
-            </a:r>
-            <a:endParaRPr b="0" lang="en-US" sz="3200" strike="noStrike" u="none">
-              <a:solidFill>
-                <a:srgbClr val="000000"/>
-              </a:solidFill>
-              <a:effectLst/>
+              <a:t>Trusted Execution Environments (TEEs) provide hardware guarantees that seek to protect the security and isolation of off-chip data.</a:t>
+            </a:r>
+            <a:endParaRPr b="0" lang="en-US" sz="3200" strike="noStrike" u="none">
+              <a:solidFill>
+                <a:srgbClr val="000000"/>
+              </a:solidFill>
               <a:uFillTx/>
               <a:latin typeface="Arial"/>
             </a:endParaRPr>
@@ -1041,11 +1258,21 @@
                 <a:spcPts val="1417"/>
               </a:spcBef>
             </a:pPr>
-            <a:endParaRPr b="0" lang="en-US" sz="3200" strike="noStrike" u="none">
-              <a:solidFill>
-                <a:srgbClr val="000000"/>
-              </a:solidFill>
-              <a:effectLst/>
+            <a:r>
+              <a:rPr b="0" lang="en-US" sz="3200" strike="noStrike" u="none">
+                <a:solidFill>
+                  <a:schemeClr val="dk1"/>
+                </a:solidFill>
+                <a:uFillTx/>
+                <a:latin typeface="Open Sans"/>
+                <a:ea typeface="Open Sans"/>
+              </a:rPr>
+              <a:t> </a:t>
+            </a:r>
+            <a:endParaRPr b="0" lang="en-US" sz="3200" strike="noStrike" u="none">
+              <a:solidFill>
+                <a:srgbClr val="000000"/>
+              </a:solidFill>
               <a:uFillTx/>
               <a:latin typeface="Arial"/>
             </a:endParaRPr>
@@ -1063,7 +1290,6 @@
               <a:solidFill>
                 <a:srgbClr val="000000"/>
               </a:solidFill>
-              <a:effectLst/>
               <a:uFillTx/>
               <a:latin typeface="Arial"/>
             </a:endParaRPr>
@@ -1081,7 +1307,6 @@
               <a:solidFill>
                 <a:srgbClr val="000000"/>
               </a:solidFill>
-              <a:effectLst/>
               <a:uFillTx/>
               <a:latin typeface="Arial"/>
             </a:endParaRPr>
@@ -1099,7 +1324,6 @@
               <a:solidFill>
                 <a:srgbClr val="000000"/>
               </a:solidFill>
-              <a:effectLst/>
               <a:uFillTx/>
               <a:latin typeface="Arial"/>
             </a:endParaRPr>
@@ -1117,7 +1341,6 @@
               <a:solidFill>
                 <a:srgbClr val="000000"/>
               </a:solidFill>
-              <a:effectLst/>
               <a:uFillTx/>
               <a:latin typeface="Arial"/>
             </a:endParaRPr>
@@ -1135,7 +1358,6 @@
               <a:solidFill>
                 <a:srgbClr val="000000"/>
               </a:solidFill>
-              <a:effectLst/>
               <a:uFillTx/>
               <a:latin typeface="Arial"/>
             </a:endParaRPr>
@@ -1153,7 +1375,6 @@
               <a:solidFill>
                 <a:srgbClr val="000000"/>
               </a:solidFill>
-              <a:effectLst/>
               <a:uFillTx/>
               <a:latin typeface="Arial"/>
             </a:endParaRPr>
@@ -1171,7 +1392,6 @@
               <a:solidFill>
                 <a:srgbClr val="000000"/>
               </a:solidFill>
-              <a:effectLst/>
               <a:uFillTx/>
               <a:latin typeface="Arial"/>
             </a:endParaRPr>
@@ -1189,7 +1409,6 @@
               <a:solidFill>
                 <a:srgbClr val="000000"/>
               </a:solidFill>
-              <a:effectLst/>
               <a:uFillTx/>
               <a:latin typeface="Arial"/>
             </a:endParaRPr>
@@ -1207,7 +1426,6 @@
               <a:solidFill>
                 <a:srgbClr val="000000"/>
               </a:solidFill>
-              <a:effectLst/>
               <a:uFillTx/>
               <a:latin typeface="Arial"/>
             </a:endParaRPr>
@@ -1221,12 +1439,28 @@
                 <a:spcPts val="1417"/>
               </a:spcBef>
             </a:pPr>
+            <a:endParaRPr b="0" lang="en-US" sz="3200" strike="noStrike" u="none">
+              <a:solidFill>
+                <a:srgbClr val="000000"/>
+              </a:solidFill>
+              <a:uFillTx/>
+              <a:latin typeface="Arial"/>
+            </a:endParaRPr>
+          </a:p>
+          <a:p>
+            <a:pPr>
+              <a:lnSpc>
+                <a:spcPct val="100000"/>
+              </a:lnSpc>
+              <a:spcBef>
+                <a:spcPts val="1417"/>
+              </a:spcBef>
+            </a:pPr>
             <a:r>
               <a:rPr b="0" lang="en-US" sz="3200" strike="noStrike" u="none">
                 <a:solidFill>
                   <a:schemeClr val="dk1"/>
                 </a:solidFill>
-                <a:effectLst/>
                 <a:uFillTx/>
                 <a:latin typeface="Open Sans"/>
                 <a:ea typeface="Open Sans"/>
@@ -1237,23 +1471,22 @@
               <a:solidFill>
                 <a:srgbClr val="000000"/>
               </a:solidFill>
-              <a:effectLst/>
-              <a:uFillTx/>
-              <a:latin typeface="Arial"/>
-            </a:endParaRPr>
-          </a:p>
-        </p:txBody>
-      </p:sp>
-      <p:sp>
-        <p:nvSpPr>
-          <p:cNvPr id="17" name="Text Placeholder 5"/>
+              <a:uFillTx/>
+              <a:latin typeface="Arial"/>
+            </a:endParaRPr>
+          </a:p>
+        </p:txBody>
+      </p:sp>
+      <p:sp>
+        <p:nvSpPr>
+          <p:cNvPr id="18" name="Text Placeholder 5"/>
           <p:cNvSpPr/>
           <p:nvPr/>
         </p:nvSpPr>
         <p:spPr>
           <a:xfrm>
             <a:off x="7543800" y="410400"/>
-            <a:ext cx="28800720" cy="2934360"/>
+            <a:ext cx="28800360" cy="2934000"/>
           </a:xfrm>
           <a:prstGeom prst="rect">
             <a:avLst/>
@@ -1290,7 +1523,6 @@
                 <a:solidFill>
                   <a:srgbClr val="ffffff"/>
                 </a:solidFill>
-                <a:effectLst/>
                 <a:uFillTx/>
                 <a:latin typeface="Bree Serif"/>
                 <a:ea typeface="Arial"/>
@@ -1301,23 +1533,22 @@
               <a:solidFill>
                 <a:srgbClr val="000000"/>
               </a:solidFill>
-              <a:effectLst/>
-              <a:uFillTx/>
-              <a:latin typeface="Arial"/>
-            </a:endParaRPr>
-          </a:p>
-        </p:txBody>
-      </p:sp>
-      <p:sp>
-        <p:nvSpPr>
-          <p:cNvPr id="18" name="Text Placeholder 5"/>
+              <a:uFillTx/>
+              <a:latin typeface="Arial"/>
+            </a:endParaRPr>
+          </a:p>
+        </p:txBody>
+      </p:sp>
+      <p:sp>
+        <p:nvSpPr>
+          <p:cNvPr id="19" name="Text Placeholder 5"/>
           <p:cNvSpPr/>
           <p:nvPr/>
         </p:nvSpPr>
         <p:spPr>
           <a:xfrm>
             <a:off x="3657600" y="3395880"/>
-            <a:ext cx="36572760" cy="2458800"/>
+            <a:ext cx="36572400" cy="2458440"/>
           </a:xfrm>
           <a:prstGeom prst="rect">
             <a:avLst/>
@@ -1354,7 +1585,6 @@
                 <a:solidFill>
                   <a:srgbClr val="ffffff"/>
                 </a:solidFill>
-                <a:effectLst/>
                 <a:uFillTx/>
                 <a:latin typeface="Open Sans"/>
                 <a:ea typeface="Open Sans"/>
@@ -1366,7 +1596,6 @@
                 <a:solidFill>
                   <a:srgbClr val="ffffff"/>
                 </a:solidFill>
-                <a:effectLst/>
                 <a:uFillTx/>
                 <a:latin typeface="Open Sans"/>
                 <a:ea typeface="Open Sans"/>
@@ -1378,7 +1607,6 @@
                 <a:solidFill>
                   <a:srgbClr val="ffffff"/>
                 </a:solidFill>
-                <a:effectLst/>
                 <a:uFillTx/>
                 <a:latin typeface="Open Sans"/>
                 <a:ea typeface="Open Sans"/>
@@ -1390,7 +1618,6 @@
                 <a:solidFill>
                   <a:srgbClr val="ffffff"/>
                 </a:solidFill>
-                <a:effectLst/>
                 <a:uFillTx/>
                 <a:latin typeface="Open Sans"/>
                 <a:ea typeface="Open Sans"/>
@@ -1402,7 +1629,6 @@
                 <a:solidFill>
                   <a:srgbClr val="ffffff"/>
                 </a:solidFill>
-                <a:effectLst/>
                 <a:uFillTx/>
                 <a:latin typeface="Open Sans"/>
                 <a:ea typeface="Open Sans"/>
@@ -1413,7 +1639,6 @@
               <a:solidFill>
                 <a:srgbClr val="000000"/>
               </a:solidFill>
-              <a:effectLst/>
               <a:uFillTx/>
               <a:latin typeface="Arial"/>
             </a:endParaRPr>
@@ -1435,18 +1660,27 @@
                 <a:solidFill>
                   <a:srgbClr val="ffffff"/>
                 </a:solidFill>
-                <a:effectLst/>
                 <a:uFillTx/>
                 <a:latin typeface="Open Sans"/>
                 <a:ea typeface="Open Sans"/>
               </a:rPr>
-              <a:t>  Department of Computer Science                      Department of Computer Science</a:t>
+              <a:t>  </a:t>
+            </a:r>
+            <a:r>
+              <a:rPr b="0" lang="en-US" sz="4000" strike="noStrike" u="none">
+                <a:solidFill>
+                  <a:srgbClr val="ffffff"/>
+                </a:solidFill>
+                <a:uFillTx/>
+                <a:latin typeface="Open Sans"/>
+                <a:ea typeface="Open Sans"/>
+              </a:rPr>
+              <a:t>Department of Computer Science                      Department of Computer Science</a:t>
             </a:r>
             <a:endParaRPr b="0" lang="en-US" sz="4000" strike="noStrike" u="none">
               <a:solidFill>
                 <a:srgbClr val="000000"/>
               </a:solidFill>
-              <a:effectLst/>
               <a:uFillTx/>
               <a:latin typeface="Arial"/>
             </a:endParaRPr>
@@ -1467,23 +1701,22 @@
               <a:solidFill>
                 <a:srgbClr val="000000"/>
               </a:solidFill>
-              <a:effectLst/>
-              <a:uFillTx/>
-              <a:latin typeface="Arial"/>
-            </a:endParaRPr>
-          </a:p>
-        </p:txBody>
-      </p:sp>
-      <p:sp>
-        <p:nvSpPr>
-          <p:cNvPr id="19" name="TextBox 19"/>
-          <p:cNvSpPr/>
-          <p:nvPr/>
-        </p:nvSpPr>
-        <p:spPr>
-          <a:xfrm>
-            <a:off x="11633040" y="6666480"/>
-            <a:ext cx="9597960" cy="16718760"/>
+              <a:uFillTx/>
+              <a:latin typeface="Arial"/>
+            </a:endParaRPr>
+          </a:p>
+        </p:txBody>
+      </p:sp>
+      <p:sp>
+        <p:nvSpPr>
+          <p:cNvPr id="20" name="TextBox 19"/>
+          <p:cNvSpPr/>
+          <p:nvPr/>
+        </p:nvSpPr>
+        <p:spPr>
+          <a:xfrm>
+            <a:off x="11633040" y="6450480"/>
+            <a:ext cx="9597600" cy="16718040"/>
           </a:xfrm>
           <a:prstGeom prst="rect">
             <a:avLst/>
@@ -1514,7 +1747,6 @@
                 <a:solidFill>
                   <a:schemeClr val="dk1"/>
                 </a:solidFill>
-                <a:effectLst/>
                 <a:uFillTx/>
                 <a:latin typeface="Open Sans"/>
                 <a:ea typeface="Open Sans"/>
@@ -1525,7 +1757,6 @@
               <a:solidFill>
                 <a:srgbClr val="000000"/>
               </a:solidFill>
-              <a:effectLst/>
               <a:uFillTx/>
               <a:latin typeface="Arial"/>
             </a:endParaRPr>
@@ -1540,7 +1771,6 @@
               <a:solidFill>
                 <a:srgbClr val="000000"/>
               </a:solidFill>
-              <a:effectLst/>
               <a:uFillTx/>
               <a:latin typeface="Arial"/>
             </a:endParaRPr>
@@ -1555,7 +1785,6 @@
               <a:solidFill>
                 <a:srgbClr val="000000"/>
               </a:solidFill>
-              <a:effectLst/>
               <a:uFillTx/>
               <a:latin typeface="Arial"/>
             </a:endParaRPr>
@@ -1570,7 +1799,6 @@
               <a:solidFill>
                 <a:srgbClr val="000000"/>
               </a:solidFill>
-              <a:effectLst/>
               <a:uFillTx/>
               <a:latin typeface="Arial"/>
             </a:endParaRPr>
@@ -1585,7 +1813,6 @@
               <a:solidFill>
                 <a:srgbClr val="000000"/>
               </a:solidFill>
-              <a:effectLst/>
               <a:uFillTx/>
               <a:latin typeface="Arial"/>
             </a:endParaRPr>
@@ -1600,7 +1827,6 @@
               <a:solidFill>
                 <a:srgbClr val="000000"/>
               </a:solidFill>
-              <a:effectLst/>
               <a:uFillTx/>
               <a:latin typeface="Arial"/>
             </a:endParaRPr>
@@ -1615,7 +1841,6 @@
               <a:solidFill>
                 <a:srgbClr val="000000"/>
               </a:solidFill>
-              <a:effectLst/>
               <a:uFillTx/>
               <a:latin typeface="Arial"/>
             </a:endParaRPr>
@@ -1630,7 +1855,6 @@
               <a:solidFill>
                 <a:srgbClr val="000000"/>
               </a:solidFill>
-              <a:effectLst/>
               <a:uFillTx/>
               <a:latin typeface="Arial"/>
             </a:endParaRPr>
@@ -1645,7 +1869,6 @@
               <a:solidFill>
                 <a:srgbClr val="000000"/>
               </a:solidFill>
-              <a:effectLst/>
               <a:uFillTx/>
               <a:latin typeface="Arial"/>
             </a:endParaRPr>
@@ -1660,7 +1883,6 @@
               <a:solidFill>
                 <a:srgbClr val="000000"/>
               </a:solidFill>
-              <a:effectLst/>
               <a:uFillTx/>
               <a:latin typeface="Arial"/>
             </a:endParaRPr>
@@ -1675,7 +1897,6 @@
               <a:solidFill>
                 <a:srgbClr val="000000"/>
               </a:solidFill>
-              <a:effectLst/>
               <a:uFillTx/>
               <a:latin typeface="Arial"/>
             </a:endParaRPr>
@@ -1690,7 +1911,6 @@
               <a:solidFill>
                 <a:srgbClr val="000000"/>
               </a:solidFill>
-              <a:effectLst/>
               <a:uFillTx/>
               <a:latin typeface="Arial"/>
             </a:endParaRPr>
@@ -1705,7 +1925,6 @@
               <a:solidFill>
                 <a:srgbClr val="000000"/>
               </a:solidFill>
-              <a:effectLst/>
               <a:uFillTx/>
               <a:latin typeface="Arial"/>
             </a:endParaRPr>
@@ -1721,7 +1940,6 @@
                 <a:solidFill>
                   <a:schemeClr val="dk1"/>
                 </a:solidFill>
-                <a:effectLst/>
                 <a:uFillTx/>
                 <a:latin typeface="Open Sans"/>
                 <a:ea typeface="Open Sans"/>
@@ -1732,7 +1950,6 @@
               <a:solidFill>
                 <a:srgbClr val="000000"/>
               </a:solidFill>
-              <a:effectLst/>
               <a:uFillTx/>
               <a:latin typeface="Arial"/>
             </a:endParaRPr>
@@ -1747,7 +1964,6 @@
               <a:solidFill>
                 <a:srgbClr val="000000"/>
               </a:solidFill>
-              <a:effectLst/>
               <a:uFillTx/>
               <a:latin typeface="Arial"/>
             </a:endParaRPr>
@@ -1762,7 +1978,6 @@
               <a:solidFill>
                 <a:srgbClr val="000000"/>
               </a:solidFill>
-              <a:effectLst/>
               <a:uFillTx/>
               <a:latin typeface="Arial"/>
             </a:endParaRPr>
@@ -1777,7 +1992,6 @@
               <a:solidFill>
                 <a:srgbClr val="000000"/>
               </a:solidFill>
-              <a:effectLst/>
               <a:uFillTx/>
               <a:latin typeface="Arial"/>
             </a:endParaRPr>
@@ -1792,7 +2006,6 @@
               <a:solidFill>
                 <a:srgbClr val="000000"/>
               </a:solidFill>
-              <a:effectLst/>
               <a:uFillTx/>
               <a:latin typeface="Arial"/>
             </a:endParaRPr>
@@ -1807,7 +2020,6 @@
               <a:solidFill>
                 <a:srgbClr val="000000"/>
               </a:solidFill>
-              <a:effectLst/>
               <a:uFillTx/>
               <a:latin typeface="Arial"/>
             </a:endParaRPr>
@@ -1822,7 +2034,6 @@
               <a:solidFill>
                 <a:srgbClr val="000000"/>
               </a:solidFill>
-              <a:effectLst/>
               <a:uFillTx/>
               <a:latin typeface="Arial"/>
             </a:endParaRPr>
@@ -1837,7 +2048,6 @@
               <a:solidFill>
                 <a:srgbClr val="000000"/>
               </a:solidFill>
-              <a:effectLst/>
               <a:uFillTx/>
               <a:latin typeface="Arial"/>
             </a:endParaRPr>
@@ -1852,7 +2062,6 @@
               <a:solidFill>
                 <a:srgbClr val="000000"/>
               </a:solidFill>
-              <a:effectLst/>
               <a:uFillTx/>
               <a:latin typeface="Arial"/>
             </a:endParaRPr>
@@ -1867,7 +2076,6 @@
               <a:solidFill>
                 <a:srgbClr val="000000"/>
               </a:solidFill>
-              <a:effectLst/>
               <a:uFillTx/>
               <a:latin typeface="Arial"/>
             </a:endParaRPr>
@@ -1882,7 +2090,6 @@
               <a:solidFill>
                 <a:srgbClr val="000000"/>
               </a:solidFill>
-              <a:effectLst/>
               <a:uFillTx/>
               <a:latin typeface="Arial"/>
             </a:endParaRPr>
@@ -1898,7 +2105,6 @@
                 <a:solidFill>
                   <a:schemeClr val="dk1"/>
                 </a:solidFill>
-                <a:effectLst/>
                 <a:uFillTx/>
                 <a:latin typeface="Open Sans"/>
                 <a:ea typeface="Open Sans"/>
@@ -1909,23 +2115,22 @@
               <a:solidFill>
                 <a:srgbClr val="000000"/>
               </a:solidFill>
-              <a:effectLst/>
-              <a:uFillTx/>
-              <a:latin typeface="Arial"/>
-            </a:endParaRPr>
-          </a:p>
-        </p:txBody>
-      </p:sp>
-      <p:sp>
-        <p:nvSpPr>
-          <p:cNvPr id="20" name="TextBox 19"/>
-          <p:cNvSpPr/>
-          <p:nvPr/>
-        </p:nvSpPr>
-        <p:spPr>
-          <a:xfrm>
-            <a:off x="22656960" y="6666480"/>
-            <a:ext cx="9597960" cy="23778720"/>
+              <a:uFillTx/>
+              <a:latin typeface="Arial"/>
+            </a:endParaRPr>
+          </a:p>
+        </p:txBody>
+      </p:sp>
+      <p:sp>
+        <p:nvSpPr>
+          <p:cNvPr id="21" name="TextBox 19"/>
+          <p:cNvSpPr/>
+          <p:nvPr/>
+        </p:nvSpPr>
+        <p:spPr>
+          <a:xfrm>
+            <a:off x="22656960" y="6414480"/>
+            <a:ext cx="9597600" cy="9392760"/>
           </a:xfrm>
           <a:prstGeom prst="rect">
             <a:avLst/>
@@ -1962,7 +2167,6 @@
                 <a:solidFill>
                   <a:schemeClr val="dk1"/>
                 </a:solidFill>
-                <a:effectLst/>
                 <a:uFillTx/>
                 <a:latin typeface="Open Sans"/>
                 <a:ea typeface="Open Sans"/>
@@ -1973,7 +2177,6 @@
               <a:solidFill>
                 <a:srgbClr val="000000"/>
               </a:solidFill>
-              <a:effectLst/>
               <a:uFillTx/>
               <a:latin typeface="Arial"/>
             </a:endParaRPr>
@@ -1994,7 +2197,6 @@
               <a:solidFill>
                 <a:srgbClr val="000000"/>
               </a:solidFill>
-              <a:effectLst/>
               <a:uFillTx/>
               <a:latin typeface="Arial"/>
             </a:endParaRPr>
@@ -2011,23 +2213,10 @@
                 <a:spcPts val="283"/>
               </a:spcAft>
             </a:pPr>
-            <a:r>
-              <a:rPr b="0" lang="en-US" sz="3200" strike="noStrike" u="none">
-                <a:solidFill>
-                  <a:schemeClr val="dk1"/>
-                </a:solidFill>
-                <a:effectLst/>
-                <a:uFillTx/>
-                <a:latin typeface="Open Sans"/>
-                <a:ea typeface="Open Sans"/>
-              </a:rPr>
-              <a:t>For example, to properly connect the PMP to the proposed ePMP, it is either necessary to write a new:</a:t>
-            </a:r>
-            <a:endParaRPr b="0" lang="en-US" sz="3200" strike="noStrike" u="none">
-              <a:solidFill>
-                <a:srgbClr val="000000"/>
-              </a:solidFill>
-              <a:effectLst/>
+            <a:endParaRPr b="0" lang="en-US" sz="3200" strike="noStrike" u="none">
+              <a:solidFill>
+                <a:srgbClr val="000000"/>
+              </a:solidFill>
               <a:uFillTx/>
               <a:latin typeface="Arial"/>
             </a:endParaRPr>
@@ -2044,35 +2233,10 @@
                 <a:spcPts val="283"/>
               </a:spcAft>
             </a:pPr>
-            <a:r>
-              <a:rPr b="0" lang="en-US" sz="3200" strike="noStrike" u="none">
-                <a:solidFill>
-                  <a:schemeClr val="dk1"/>
-                </a:solidFill>
-                <a:effectLst/>
-                <a:uFillTx/>
-                <a:latin typeface="Open Sans"/>
-                <a:ea typeface="Open Sans"/>
-              </a:rPr>
-              <a:t>	</a:t>
-            </a:r>
-            <a:r>
-              <a:rPr b="0" lang="en-US" sz="3200" strike="noStrike" u="none">
-                <a:solidFill>
-                  <a:schemeClr val="dk1"/>
-                </a:solidFill>
-                <a:effectLst/>
-                <a:uFillTx/>
-                <a:latin typeface="Open Sans"/>
-                <a:ea typeface="Open Sans"/>
-              </a:rPr>
-              <a:t>- Packet type, bypassing the cache hierarchy</a:t>
-            </a:r>
-            <a:endParaRPr b="0" lang="en-US" sz="3200" strike="noStrike" u="none">
-              <a:solidFill>
-                <a:srgbClr val="000000"/>
-              </a:solidFill>
-              <a:effectLst/>
+            <a:endParaRPr b="0" lang="en-US" sz="3200" strike="noStrike" u="none">
+              <a:solidFill>
+                <a:srgbClr val="000000"/>
+              </a:solidFill>
               <a:uFillTx/>
               <a:latin typeface="Arial"/>
             </a:endParaRPr>
@@ -2089,23 +2253,10 @@
                 <a:spcPts val="283"/>
               </a:spcAft>
             </a:pPr>
-            <a:r>
-              <a:rPr b="0" lang="en-US" sz="3200" strike="noStrike" u="none">
-                <a:solidFill>
-                  <a:schemeClr val="dk1"/>
-                </a:solidFill>
-                <a:effectLst/>
-                <a:uFillTx/>
-                <a:latin typeface="Open Sans"/>
-                <a:ea typeface="Open Sans"/>
-              </a:rPr>
-              <a:t>Or</a:t>
-            </a:r>
-            <a:endParaRPr b="0" lang="en-US" sz="3200" strike="noStrike" u="none">
-              <a:solidFill>
-                <a:srgbClr val="000000"/>
-              </a:solidFill>
-              <a:effectLst/>
+            <a:endParaRPr b="0" lang="en-US" sz="3200" strike="noStrike" u="none">
+              <a:solidFill>
+                <a:srgbClr val="000000"/>
+              </a:solidFill>
               <a:uFillTx/>
               <a:latin typeface="Arial"/>
             </a:endParaRPr>
@@ -2122,35 +2273,10 @@
                 <a:spcPts val="283"/>
               </a:spcAft>
             </a:pPr>
-            <a:r>
-              <a:rPr b="0" lang="en-US" sz="3200" strike="noStrike" u="none">
-                <a:solidFill>
-                  <a:schemeClr val="dk1"/>
-                </a:solidFill>
-                <a:effectLst/>
-                <a:uFillTx/>
-                <a:latin typeface="Open Sans"/>
-                <a:ea typeface="Open Sans"/>
-              </a:rPr>
-              <a:t>	</a:t>
-            </a:r>
-            <a:r>
-              <a:rPr b="0" lang="en-US" sz="3200" strike="noStrike" u="none">
-                <a:solidFill>
-                  <a:schemeClr val="dk1"/>
-                </a:solidFill>
-                <a:effectLst/>
-                <a:uFillTx/>
-                <a:latin typeface="Open Sans"/>
-                <a:ea typeface="Open Sans"/>
-              </a:rPr>
-              <a:t>- Port type directly connecting the core(s) to the Memory Encryption Engine </a:t>
-            </a:r>
-            <a:endParaRPr b="0" lang="en-US" sz="3200" strike="noStrike" u="none">
-              <a:solidFill>
-                <a:srgbClr val="000000"/>
-              </a:solidFill>
-              <a:effectLst/>
+            <a:endParaRPr b="0" lang="en-US" sz="3200" strike="noStrike" u="none">
+              <a:solidFill>
+                <a:srgbClr val="000000"/>
+              </a:solidFill>
               <a:uFillTx/>
               <a:latin typeface="Arial"/>
             </a:endParaRPr>
@@ -2171,7 +2297,6 @@
               <a:solidFill>
                 <a:srgbClr val="000000"/>
               </a:solidFill>
-              <a:effectLst/>
               <a:uFillTx/>
               <a:latin typeface="Arial"/>
             </a:endParaRPr>
@@ -2192,7 +2317,6 @@
               <a:solidFill>
                 <a:srgbClr val="000000"/>
               </a:solidFill>
-              <a:effectLst/>
               <a:uFillTx/>
               <a:latin typeface="Arial"/>
             </a:endParaRPr>
@@ -2209,11 +2333,21 @@
                 <a:spcPts val="283"/>
               </a:spcAft>
             </a:pPr>
-            <a:endParaRPr b="0" lang="en-US" sz="3200" strike="noStrike" u="none">
-              <a:solidFill>
-                <a:srgbClr val="000000"/>
-              </a:solidFill>
-              <a:effectLst/>
+            <a:r>
+              <a:rPr b="0" lang="en-US" sz="3200" strike="noStrike" u="none">
+                <a:solidFill>
+                  <a:schemeClr val="dk1"/>
+                </a:solidFill>
+                <a:uFillTx/>
+                <a:latin typeface="Open Sans"/>
+                <a:ea typeface="Open Sans"/>
+              </a:rPr>
+              <a:t>Developers wishing to extend Keystone components can create their own version of the desired component’s class structure, often requiring close attention to:</a:t>
+            </a:r>
+            <a:endParaRPr b="0" lang="en-US" sz="3200" strike="noStrike" u="none">
+              <a:solidFill>
+                <a:srgbClr val="000000"/>
+              </a:solidFill>
               <a:uFillTx/>
               <a:latin typeface="Arial"/>
             </a:endParaRPr>
@@ -2230,11 +2364,32 @@
                 <a:spcPts val="283"/>
               </a:spcAft>
             </a:pPr>
-            <a:endParaRPr b="0" lang="en-US" sz="3200" strike="noStrike" u="none">
-              <a:solidFill>
-                <a:srgbClr val="000000"/>
-              </a:solidFill>
-              <a:effectLst/>
+            <a:r>
+              <a:rPr b="0" lang="en-US" sz="3200" strike="noStrike" u="none">
+                <a:solidFill>
+                  <a:schemeClr val="dk1"/>
+                </a:solidFill>
+                <a:uFillTx/>
+                <a:latin typeface="Open Sans"/>
+                <a:ea typeface="Open Sans"/>
+              </a:rPr>
+              <a:t>	</a:t>
+            </a:r>
+            <a:r>
+              <a:rPr b="0" lang="en-US" sz="3200" strike="noStrike" u="none">
+                <a:solidFill>
+                  <a:schemeClr val="dk1"/>
+                </a:solidFill>
+                <a:uFillTx/>
+                <a:latin typeface="Open Sans"/>
+                <a:ea typeface="Open Sans"/>
+              </a:rPr>
+              <a:t>- Port connections</a:t>
+            </a:r>
+            <a:endParaRPr b="0" lang="en-US" sz="3200" strike="noStrike" u="none">
+              <a:solidFill>
+                <a:srgbClr val="000000"/>
+              </a:solidFill>
               <a:uFillTx/>
               <a:latin typeface="Arial"/>
             </a:endParaRPr>
@@ -2251,528 +2406,48 @@
                 <a:spcPts val="283"/>
               </a:spcAft>
             </a:pPr>
-            <a:endParaRPr b="0" lang="en-US" sz="3200" strike="noStrike" u="none">
-              <a:solidFill>
-                <a:srgbClr val="000000"/>
-              </a:solidFill>
-              <a:effectLst/>
-              <a:uFillTx/>
-              <a:latin typeface="Arial"/>
-            </a:endParaRPr>
-          </a:p>
-          <a:p>
-            <a:pPr algn="just">
-              <a:lnSpc>
-                <a:spcPct val="110000"/>
-              </a:lnSpc>
-              <a:spcBef>
-                <a:spcPts val="283"/>
-              </a:spcBef>
-              <a:spcAft>
-                <a:spcPts val="283"/>
-              </a:spcAft>
-            </a:pPr>
-            <a:endParaRPr b="0" lang="en-US" sz="3200" strike="noStrike" u="none">
-              <a:solidFill>
-                <a:srgbClr val="000000"/>
-              </a:solidFill>
-              <a:effectLst/>
-              <a:uFillTx/>
-              <a:latin typeface="Arial"/>
-            </a:endParaRPr>
-          </a:p>
-          <a:p>
-            <a:pPr algn="just">
-              <a:lnSpc>
-                <a:spcPct val="110000"/>
-              </a:lnSpc>
-              <a:spcBef>
-                <a:spcPts val="283"/>
-              </a:spcBef>
-              <a:spcAft>
-                <a:spcPts val="283"/>
-              </a:spcAft>
-            </a:pPr>
-            <a:endParaRPr b="0" lang="en-US" sz="3200" strike="noStrike" u="none">
-              <a:solidFill>
-                <a:srgbClr val="000000"/>
-              </a:solidFill>
-              <a:effectLst/>
-              <a:uFillTx/>
-              <a:latin typeface="Arial"/>
-            </a:endParaRPr>
-          </a:p>
-          <a:p>
-            <a:pPr algn="just">
-              <a:lnSpc>
-                <a:spcPct val="110000"/>
-              </a:lnSpc>
-              <a:spcBef>
-                <a:spcPts val="283"/>
-              </a:spcBef>
-              <a:spcAft>
-                <a:spcPts val="283"/>
-              </a:spcAft>
-            </a:pPr>
-            <a:endParaRPr b="0" lang="en-US" sz="3200" strike="noStrike" u="none">
-              <a:solidFill>
-                <a:srgbClr val="000000"/>
-              </a:solidFill>
-              <a:effectLst/>
-              <a:uFillTx/>
-              <a:latin typeface="Arial"/>
-            </a:endParaRPr>
-          </a:p>
-          <a:p>
-            <a:pPr algn="just">
-              <a:lnSpc>
-                <a:spcPct val="110000"/>
-              </a:lnSpc>
-              <a:spcBef>
-                <a:spcPts val="283"/>
-              </a:spcBef>
-              <a:spcAft>
-                <a:spcPts val="283"/>
-              </a:spcAft>
-            </a:pPr>
-            <a:endParaRPr b="0" lang="en-US" sz="3200" strike="noStrike" u="none">
-              <a:solidFill>
-                <a:srgbClr val="000000"/>
-              </a:solidFill>
-              <a:effectLst/>
-              <a:uFillTx/>
-              <a:latin typeface="Arial"/>
-            </a:endParaRPr>
-          </a:p>
-          <a:p>
-            <a:pPr algn="just">
-              <a:lnSpc>
-                <a:spcPct val="110000"/>
-              </a:lnSpc>
-              <a:spcBef>
-                <a:spcPts val="283"/>
-              </a:spcBef>
-              <a:spcAft>
-                <a:spcPts val="283"/>
-              </a:spcAft>
-            </a:pPr>
-            <a:endParaRPr b="0" lang="en-US" sz="3200" strike="noStrike" u="none">
-              <a:solidFill>
-                <a:srgbClr val="000000"/>
-              </a:solidFill>
-              <a:effectLst/>
-              <a:uFillTx/>
-              <a:latin typeface="Arial"/>
-            </a:endParaRPr>
-          </a:p>
-          <a:p>
-            <a:pPr algn="just">
-              <a:lnSpc>
-                <a:spcPct val="110000"/>
-              </a:lnSpc>
-              <a:spcBef>
-                <a:spcPts val="283"/>
-              </a:spcBef>
-              <a:spcAft>
-                <a:spcPts val="283"/>
-              </a:spcAft>
-            </a:pPr>
-            <a:endParaRPr b="0" lang="en-US" sz="3200" strike="noStrike" u="none">
-              <a:solidFill>
-                <a:srgbClr val="000000"/>
-              </a:solidFill>
-              <a:effectLst/>
-              <a:uFillTx/>
-              <a:latin typeface="Arial"/>
-            </a:endParaRPr>
-          </a:p>
-          <a:p>
-            <a:pPr algn="just">
-              <a:lnSpc>
-                <a:spcPct val="110000"/>
-              </a:lnSpc>
-              <a:spcBef>
-                <a:spcPts val="283"/>
-              </a:spcBef>
-              <a:spcAft>
-                <a:spcPts val="283"/>
-              </a:spcAft>
-            </a:pPr>
-            <a:endParaRPr b="0" lang="en-US" sz="3200" strike="noStrike" u="none">
-              <a:solidFill>
-                <a:srgbClr val="000000"/>
-              </a:solidFill>
-              <a:effectLst/>
-              <a:uFillTx/>
-              <a:latin typeface="Arial"/>
-            </a:endParaRPr>
-          </a:p>
-          <a:p>
-            <a:pPr algn="just">
-              <a:lnSpc>
-                <a:spcPct val="110000"/>
-              </a:lnSpc>
-              <a:spcBef>
-                <a:spcPts val="283"/>
-              </a:spcBef>
-              <a:spcAft>
-                <a:spcPts val="283"/>
-              </a:spcAft>
-            </a:pPr>
-            <a:endParaRPr b="0" lang="en-US" sz="3200" strike="noStrike" u="none">
-              <a:solidFill>
-                <a:srgbClr val="000000"/>
-              </a:solidFill>
-              <a:effectLst/>
-              <a:uFillTx/>
-              <a:latin typeface="Arial"/>
-            </a:endParaRPr>
-          </a:p>
-          <a:p>
-            <a:pPr algn="just">
-              <a:lnSpc>
-                <a:spcPct val="110000"/>
-              </a:lnSpc>
-              <a:spcBef>
-                <a:spcPts val="283"/>
-              </a:spcBef>
-              <a:spcAft>
-                <a:spcPts val="283"/>
-              </a:spcAft>
-            </a:pPr>
-            <a:endParaRPr b="0" lang="en-US" sz="3200" strike="noStrike" u="none">
-              <a:solidFill>
-                <a:srgbClr val="000000"/>
-              </a:solidFill>
-              <a:effectLst/>
-              <a:uFillTx/>
-              <a:latin typeface="Arial"/>
-            </a:endParaRPr>
-          </a:p>
-          <a:p>
-            <a:pPr algn="just">
-              <a:lnSpc>
-                <a:spcPct val="110000"/>
-              </a:lnSpc>
-              <a:spcBef>
-                <a:spcPts val="283"/>
-              </a:spcBef>
-              <a:spcAft>
-                <a:spcPts val="283"/>
-              </a:spcAft>
-            </a:pPr>
-            <a:endParaRPr b="0" lang="en-US" sz="3200" strike="noStrike" u="none">
-              <a:solidFill>
-                <a:srgbClr val="000000"/>
-              </a:solidFill>
-              <a:effectLst/>
-              <a:uFillTx/>
-              <a:latin typeface="Arial"/>
-            </a:endParaRPr>
-          </a:p>
-          <a:p>
-            <a:pPr algn="just">
-              <a:lnSpc>
-                <a:spcPct val="110000"/>
-              </a:lnSpc>
-              <a:spcBef>
-                <a:spcPts val="283"/>
-              </a:spcBef>
-              <a:spcAft>
-                <a:spcPts val="283"/>
-              </a:spcAft>
-            </a:pPr>
-            <a:endParaRPr b="0" lang="en-US" sz="3200" strike="noStrike" u="none">
-              <a:solidFill>
-                <a:srgbClr val="000000"/>
-              </a:solidFill>
-              <a:effectLst/>
-              <a:uFillTx/>
-              <a:latin typeface="Arial"/>
-            </a:endParaRPr>
-          </a:p>
-          <a:p>
-            <a:pPr algn="just">
-              <a:lnSpc>
-                <a:spcPct val="110000"/>
-              </a:lnSpc>
-              <a:spcBef>
-                <a:spcPts val="283"/>
-              </a:spcBef>
-              <a:spcAft>
-                <a:spcPts val="283"/>
-              </a:spcAft>
-            </a:pPr>
-            <a:endParaRPr b="0" lang="en-US" sz="3200" strike="noStrike" u="none">
-              <a:solidFill>
-                <a:srgbClr val="000000"/>
-              </a:solidFill>
-              <a:effectLst/>
-              <a:uFillTx/>
-              <a:latin typeface="Arial"/>
-            </a:endParaRPr>
-          </a:p>
-          <a:p>
-            <a:pPr algn="just">
-              <a:lnSpc>
-                <a:spcPct val="110000"/>
-              </a:lnSpc>
-              <a:spcBef>
-                <a:spcPts val="283"/>
-              </a:spcBef>
-              <a:spcAft>
-                <a:spcPts val="283"/>
-              </a:spcAft>
-            </a:pPr>
-            <a:endParaRPr b="0" lang="en-US" sz="3200" strike="noStrike" u="none">
-              <a:solidFill>
-                <a:srgbClr val="000000"/>
-              </a:solidFill>
-              <a:effectLst/>
-              <a:uFillTx/>
-              <a:latin typeface="Arial"/>
-            </a:endParaRPr>
-          </a:p>
-          <a:p>
-            <a:pPr algn="just">
-              <a:lnSpc>
-                <a:spcPct val="110000"/>
-              </a:lnSpc>
-              <a:spcBef>
-                <a:spcPts val="283"/>
-              </a:spcBef>
-              <a:spcAft>
-                <a:spcPts val="283"/>
-              </a:spcAft>
-            </a:pPr>
-            <a:endParaRPr b="0" lang="en-US" sz="3200" strike="noStrike" u="none">
-              <a:solidFill>
-                <a:srgbClr val="000000"/>
-              </a:solidFill>
-              <a:effectLst/>
-              <a:uFillTx/>
-              <a:latin typeface="Arial"/>
-            </a:endParaRPr>
-          </a:p>
-          <a:p>
-            <a:pPr algn="just">
-              <a:lnSpc>
-                <a:spcPct val="110000"/>
-              </a:lnSpc>
-              <a:spcBef>
-                <a:spcPts val="283"/>
-              </a:spcBef>
-              <a:spcAft>
-                <a:spcPts val="283"/>
-              </a:spcAft>
-            </a:pPr>
-            <a:endParaRPr b="0" lang="en-US" sz="3200" strike="noStrike" u="none">
-              <a:solidFill>
-                <a:srgbClr val="000000"/>
-              </a:solidFill>
-              <a:effectLst/>
-              <a:uFillTx/>
-              <a:latin typeface="Arial"/>
-            </a:endParaRPr>
-          </a:p>
-          <a:p>
-            <a:pPr algn="just">
-              <a:lnSpc>
-                <a:spcPct val="110000"/>
-              </a:lnSpc>
-              <a:spcBef>
-                <a:spcPts val="283"/>
-              </a:spcBef>
-              <a:spcAft>
-                <a:spcPts val="283"/>
-              </a:spcAft>
-            </a:pPr>
-            <a:endParaRPr b="0" lang="en-US" sz="3200" strike="noStrike" u="none">
-              <a:solidFill>
-                <a:srgbClr val="000000"/>
-              </a:solidFill>
-              <a:effectLst/>
-              <a:uFillTx/>
-              <a:latin typeface="Arial"/>
-            </a:endParaRPr>
-          </a:p>
-          <a:p>
-            <a:pPr algn="just">
-              <a:lnSpc>
-                <a:spcPct val="110000"/>
-              </a:lnSpc>
-              <a:spcBef>
-                <a:spcPts val="283"/>
-              </a:spcBef>
-              <a:spcAft>
-                <a:spcPts val="283"/>
-              </a:spcAft>
-            </a:pPr>
-            <a:endParaRPr b="0" lang="en-US" sz="3200" strike="noStrike" u="none">
-              <a:solidFill>
-                <a:srgbClr val="000000"/>
-              </a:solidFill>
-              <a:effectLst/>
-              <a:uFillTx/>
-              <a:latin typeface="Arial"/>
-            </a:endParaRPr>
-          </a:p>
-          <a:p>
-            <a:pPr algn="just">
-              <a:lnSpc>
-                <a:spcPct val="110000"/>
-              </a:lnSpc>
-              <a:spcBef>
-                <a:spcPts val="283"/>
-              </a:spcBef>
-              <a:spcAft>
-                <a:spcPts val="283"/>
-              </a:spcAft>
-            </a:pPr>
-            <a:endParaRPr b="0" lang="en-US" sz="3200" strike="noStrike" u="none">
-              <a:solidFill>
-                <a:srgbClr val="000000"/>
-              </a:solidFill>
-              <a:effectLst/>
-              <a:uFillTx/>
-              <a:latin typeface="Arial"/>
-            </a:endParaRPr>
-          </a:p>
-          <a:p>
-            <a:pPr algn="just">
-              <a:lnSpc>
-                <a:spcPct val="110000"/>
-              </a:lnSpc>
-              <a:spcBef>
-                <a:spcPts val="283"/>
-              </a:spcBef>
-              <a:spcAft>
-                <a:spcPts val="283"/>
-              </a:spcAft>
-            </a:pPr>
             <a:r>
               <a:rPr b="0" lang="en-US" sz="3200" strike="noStrike" u="none">
                 <a:solidFill>
                   <a:schemeClr val="dk1"/>
                 </a:solidFill>
-                <a:effectLst/>
                 <a:uFillTx/>
                 <a:latin typeface="Open Sans"/>
                 <a:ea typeface="Open Sans"/>
               </a:rPr>
-              <a:t>Developers wishing to extend Keystone components can create their own version of the desired component’s class structure, often requiring close attention to:</a:t>
-            </a:r>
-            <a:endParaRPr b="0" lang="en-US" sz="3200" strike="noStrike" u="none">
-              <a:solidFill>
-                <a:srgbClr val="000000"/>
-              </a:solidFill>
-              <a:effectLst/>
-              <a:uFillTx/>
-              <a:latin typeface="Arial"/>
-            </a:endParaRPr>
-          </a:p>
-          <a:p>
-            <a:pPr algn="just">
-              <a:lnSpc>
-                <a:spcPct val="110000"/>
-              </a:lnSpc>
-              <a:spcBef>
-                <a:spcPts val="283"/>
-              </a:spcBef>
-              <a:spcAft>
-                <a:spcPts val="283"/>
-              </a:spcAft>
-            </a:pPr>
+              <a:t>	</a:t>
+            </a:r>
             <a:r>
               <a:rPr b="0" lang="en-US" sz="3200" strike="noStrike" u="none">
                 <a:solidFill>
                   <a:schemeClr val="dk1"/>
                 </a:solidFill>
-                <a:effectLst/>
                 <a:uFillTx/>
                 <a:latin typeface="Open Sans"/>
                 <a:ea typeface="Open Sans"/>
               </a:rPr>
-              <a:t>	</a:t>
-            </a:r>
-            <a:r>
-              <a:rPr b="0" lang="en-US" sz="3200" strike="noStrike" u="none">
-                <a:solidFill>
-                  <a:schemeClr val="dk1"/>
-                </a:solidFill>
-                <a:effectLst/>
-                <a:uFillTx/>
-                <a:latin typeface="Open Sans"/>
-                <a:ea typeface="Open Sans"/>
-              </a:rPr>
-              <a:t>- Port connections</a:t>
-            </a:r>
-            <a:endParaRPr b="0" lang="en-US" sz="3200" strike="noStrike" u="none">
-              <a:solidFill>
-                <a:srgbClr val="000000"/>
-              </a:solidFill>
-              <a:effectLst/>
-              <a:uFillTx/>
-              <a:latin typeface="Arial"/>
-            </a:endParaRPr>
-          </a:p>
-          <a:p>
-            <a:pPr algn="just">
-              <a:lnSpc>
-                <a:spcPct val="110000"/>
-              </a:lnSpc>
-              <a:spcBef>
-                <a:spcPts val="283"/>
-              </a:spcBef>
-              <a:spcAft>
-                <a:spcPts val="283"/>
-              </a:spcAft>
-            </a:pPr>
-            <a:r>
-              <a:rPr b="0" lang="en-US" sz="3200" strike="noStrike" u="none">
-                <a:solidFill>
-                  <a:schemeClr val="dk1"/>
-                </a:solidFill>
-                <a:effectLst/>
-                <a:uFillTx/>
-                <a:latin typeface="Open Sans"/>
-                <a:ea typeface="Open Sans"/>
-              </a:rPr>
-              <a:t>	</a:t>
-            </a:r>
-            <a:r>
-              <a:rPr b="0" lang="en-US" sz="3200" strike="noStrike" u="none">
-                <a:solidFill>
-                  <a:schemeClr val="dk1"/>
-                </a:solidFill>
-                <a:effectLst/>
-                <a:uFillTx/>
-                <a:latin typeface="Open Sans"/>
-                <a:ea typeface="Open Sans"/>
-              </a:rPr>
               <a:t>- Packet handling</a:t>
             </a:r>
             <a:endParaRPr b="0" lang="en-US" sz="3200" strike="noStrike" u="none">
               <a:solidFill>
                 <a:srgbClr val="000000"/>
               </a:solidFill>
-              <a:effectLst/>
-              <a:uFillTx/>
-              <a:latin typeface="Arial"/>
-            </a:endParaRPr>
-          </a:p>
-        </p:txBody>
-      </p:sp>
-      <p:sp>
-        <p:nvSpPr>
-          <p:cNvPr id="21" name="Rectangle 6"/>
+              <a:uFillTx/>
+              <a:latin typeface="Arial"/>
+            </a:endParaRPr>
+          </a:p>
+        </p:txBody>
+      </p:sp>
+      <p:sp>
+        <p:nvSpPr>
+          <p:cNvPr id="22" name="Rectangle 6"/>
           <p:cNvSpPr/>
           <p:nvPr/>
         </p:nvSpPr>
         <p:spPr>
           <a:xfrm>
             <a:off x="0" y="32004000"/>
-            <a:ext cx="43887960" cy="911160"/>
+            <a:ext cx="43887600" cy="910800"/>
           </a:xfrm>
           <a:prstGeom prst="rect">
             <a:avLst/>
@@ -2804,7 +2479,6 @@
               <a:solidFill>
                 <a:schemeClr val="dk2"/>
               </a:solidFill>
-              <a:effectLst/>
               <a:uFillTx/>
               <a:latin typeface="Gill Sans"/>
               <a:ea typeface="Arial"/>
@@ -2814,14 +2488,14 @@
       </p:sp>
       <p:sp>
         <p:nvSpPr>
-          <p:cNvPr id="22" name=""/>
+          <p:cNvPr id="23" name=""/>
           <p:cNvSpPr/>
           <p:nvPr/>
         </p:nvSpPr>
         <p:spPr>
           <a:xfrm>
             <a:off x="11633040" y="28047240"/>
-            <a:ext cx="3562560" cy="3270600"/>
+            <a:ext cx="3562200" cy="3270240"/>
           </a:xfrm>
           <a:prstGeom prst="ellipse">
             <a:avLst/>
@@ -2855,7 +2529,6 @@
                 <a:solidFill>
                   <a:srgbClr val="000000"/>
                 </a:solidFill>
-                <a:effectLst/>
                 <a:uFillTx/>
                 <a:latin typeface="Arial"/>
                 <a:ea typeface="Arial"/>
@@ -2866,23 +2539,22 @@
               <a:solidFill>
                 <a:srgbClr val="000000"/>
               </a:solidFill>
-              <a:effectLst/>
-              <a:uFillTx/>
-              <a:latin typeface="Arial"/>
-            </a:endParaRPr>
-          </a:p>
-        </p:txBody>
-      </p:sp>
-      <p:sp>
-        <p:nvSpPr>
-          <p:cNvPr id="23" name=""/>
+              <a:uFillTx/>
+              <a:latin typeface="Arial"/>
+            </a:endParaRPr>
+          </a:p>
+        </p:txBody>
+      </p:sp>
+      <p:sp>
+        <p:nvSpPr>
+          <p:cNvPr id="24" name=""/>
           <p:cNvSpPr/>
           <p:nvPr/>
         </p:nvSpPr>
         <p:spPr>
           <a:xfrm rot="3166200">
             <a:off x="17088480" y="27142920"/>
-            <a:ext cx="1540800" cy="879840"/>
+            <a:ext cx="1540440" cy="879480"/>
           </a:xfrm>
           <a:prstGeom prst="rightArrow">
             <a:avLst>
@@ -2918,7 +2590,6 @@
               <a:solidFill>
                 <a:srgbClr val="000000"/>
               </a:solidFill>
-              <a:effectLst/>
               <a:uFillTx/>
               <a:latin typeface="Arial"/>
               <a:ea typeface="Arial"/>
@@ -2928,14 +2599,14 @@
       </p:sp>
       <p:sp>
         <p:nvSpPr>
-          <p:cNvPr id="24" name=""/>
+          <p:cNvPr id="25" name=""/>
           <p:cNvSpPr/>
           <p:nvPr/>
         </p:nvSpPr>
         <p:spPr>
           <a:xfrm rot="18804600">
-            <a:off x="14250960" y="27077760"/>
-            <a:ext cx="1541520" cy="879480"/>
+            <a:off x="14250600" y="27077760"/>
+            <a:ext cx="1541160" cy="879120"/>
           </a:xfrm>
           <a:prstGeom prst="rightArrow">
             <a:avLst>
@@ -2971,7 +2642,6 @@
               <a:solidFill>
                 <a:srgbClr val="000000"/>
               </a:solidFill>
-              <a:effectLst/>
               <a:uFillTx/>
               <a:latin typeface="Arial"/>
               <a:ea typeface="Arial"/>
@@ -2981,14 +2651,14 @@
       </p:sp>
       <p:sp>
         <p:nvSpPr>
-          <p:cNvPr id="25" name=""/>
+          <p:cNvPr id="26" name=""/>
           <p:cNvSpPr/>
           <p:nvPr/>
         </p:nvSpPr>
         <p:spPr>
           <a:xfrm rot="10800000">
-            <a:off x="15708240" y="28610280"/>
-            <a:ext cx="1541520" cy="879120"/>
+            <a:off x="15708600" y="28610640"/>
+            <a:ext cx="1541160" cy="878760"/>
           </a:xfrm>
           <a:prstGeom prst="rightArrow">
             <a:avLst>
@@ -3024,7 +2694,6 @@
               <a:solidFill>
                 <a:srgbClr val="000000"/>
               </a:solidFill>
-              <a:effectLst/>
               <a:uFillTx/>
               <a:latin typeface="Arial"/>
               <a:ea typeface="Arial"/>
@@ -3034,14 +2703,14 @@
       </p:sp>
       <p:sp>
         <p:nvSpPr>
-          <p:cNvPr id="26" name=""/>
+          <p:cNvPr id="27" name=""/>
           <p:cNvSpPr/>
           <p:nvPr/>
         </p:nvSpPr>
         <p:spPr>
           <a:xfrm>
             <a:off x="1252800" y="8686800"/>
-            <a:ext cx="8997840" cy="1978200"/>
+            <a:ext cx="8997480" cy="1977840"/>
           </a:xfrm>
           <a:prstGeom prst="roundRect">
             <a:avLst>
@@ -3078,7 +2747,6 @@
                 <a:solidFill>
                   <a:srgbClr val="000000"/>
                 </a:solidFill>
-                <a:effectLst/>
                 <a:uFillTx/>
                 <a:latin typeface="Arial"/>
                 <a:ea typeface="Arial"/>
@@ -3089,23 +2757,22 @@
               <a:solidFill>
                 <a:srgbClr val="000000"/>
               </a:solidFill>
-              <a:effectLst/>
-              <a:uFillTx/>
-              <a:latin typeface="Arial"/>
-            </a:endParaRPr>
-          </a:p>
-        </p:txBody>
-      </p:sp>
-      <p:sp>
-        <p:nvSpPr>
-          <p:cNvPr id="27" name=""/>
+              <a:uFillTx/>
+              <a:latin typeface="Arial"/>
+            </a:endParaRPr>
+          </a:p>
+        </p:txBody>
+      </p:sp>
+      <p:sp>
+        <p:nvSpPr>
+          <p:cNvPr id="28" name=""/>
           <p:cNvSpPr/>
           <p:nvPr/>
         </p:nvSpPr>
         <p:spPr>
           <a:xfrm>
             <a:off x="1752840" y="9365040"/>
-            <a:ext cx="1997640" cy="988200"/>
+            <a:ext cx="1997280" cy="987840"/>
           </a:xfrm>
           <a:prstGeom prst="rect">
             <a:avLst/>
@@ -3140,7 +2807,6 @@
                 <a:solidFill>
                   <a:srgbClr val="000000"/>
                 </a:solidFill>
-                <a:effectLst/>
                 <a:uFillTx/>
                 <a:latin typeface="Arial"/>
                 <a:ea typeface="Arial"/>
@@ -3151,23 +2817,22 @@
               <a:solidFill>
                 <a:srgbClr val="000000"/>
               </a:solidFill>
-              <a:effectLst/>
-              <a:uFillTx/>
-              <a:latin typeface="Arial"/>
-            </a:endParaRPr>
-          </a:p>
-        </p:txBody>
-      </p:sp>
-      <p:sp>
-        <p:nvSpPr>
-          <p:cNvPr id="28" name=""/>
+              <a:uFillTx/>
+              <a:latin typeface="Arial"/>
+            </a:endParaRPr>
+          </a:p>
+        </p:txBody>
+      </p:sp>
+      <p:sp>
+        <p:nvSpPr>
+          <p:cNvPr id="29" name=""/>
           <p:cNvSpPr/>
           <p:nvPr/>
         </p:nvSpPr>
         <p:spPr>
           <a:xfrm>
             <a:off x="4784400" y="9365040"/>
-            <a:ext cx="1997640" cy="988200"/>
+            <a:ext cx="1997280" cy="987840"/>
           </a:xfrm>
           <a:prstGeom prst="rect">
             <a:avLst/>
@@ -3202,7 +2867,6 @@
                 <a:solidFill>
                   <a:srgbClr val="000000"/>
                 </a:solidFill>
-                <a:effectLst/>
                 <a:uFillTx/>
                 <a:latin typeface="Arial"/>
                 <a:ea typeface="Arial"/>
@@ -3213,23 +2877,22 @@
               <a:solidFill>
                 <a:srgbClr val="000000"/>
               </a:solidFill>
-              <a:effectLst/>
-              <a:uFillTx/>
-              <a:latin typeface="Arial"/>
-            </a:endParaRPr>
-          </a:p>
-        </p:txBody>
-      </p:sp>
-      <p:sp>
-        <p:nvSpPr>
-          <p:cNvPr id="29" name=""/>
+              <a:uFillTx/>
+              <a:latin typeface="Arial"/>
+            </a:endParaRPr>
+          </a:p>
+        </p:txBody>
+      </p:sp>
+      <p:sp>
+        <p:nvSpPr>
+          <p:cNvPr id="30" name=""/>
           <p:cNvSpPr/>
           <p:nvPr/>
         </p:nvSpPr>
         <p:spPr>
           <a:xfrm>
             <a:off x="7894800" y="9365040"/>
-            <a:ext cx="1997640" cy="988200"/>
+            <a:ext cx="1997280" cy="987840"/>
           </a:xfrm>
           <a:prstGeom prst="rect">
             <a:avLst/>
@@ -3264,7 +2927,6 @@
                 <a:solidFill>
                   <a:srgbClr val="000000"/>
                 </a:solidFill>
-                <a:effectLst/>
                 <a:uFillTx/>
                 <a:latin typeface="Arial"/>
                 <a:ea typeface="Arial"/>
@@ -3275,23 +2937,22 @@
               <a:solidFill>
                 <a:srgbClr val="000000"/>
               </a:solidFill>
-              <a:effectLst/>
-              <a:uFillTx/>
-              <a:latin typeface="Arial"/>
-            </a:endParaRPr>
-          </a:p>
-        </p:txBody>
-      </p:sp>
-      <p:sp>
-        <p:nvSpPr>
-          <p:cNvPr id="30" name=""/>
+              <a:uFillTx/>
+              <a:latin typeface="Arial"/>
+            </a:endParaRPr>
+          </a:p>
+        </p:txBody>
+      </p:sp>
+      <p:sp>
+        <p:nvSpPr>
+          <p:cNvPr id="31" name=""/>
           <p:cNvSpPr/>
           <p:nvPr/>
         </p:nvSpPr>
         <p:spPr>
           <a:xfrm>
             <a:off x="3595320" y="13151880"/>
-            <a:ext cx="4498200" cy="1177560"/>
+            <a:ext cx="4497840" cy="1177200"/>
           </a:xfrm>
           <a:prstGeom prst="roundRect">
             <a:avLst>
@@ -3328,7 +2989,6 @@
                 <a:solidFill>
                   <a:srgbClr val="000000"/>
                 </a:solidFill>
-                <a:effectLst/>
                 <a:uFillTx/>
                 <a:latin typeface="Arial"/>
                 <a:ea typeface="Arial"/>
@@ -3339,16 +2999,15 @@
               <a:solidFill>
                 <a:srgbClr val="000000"/>
               </a:solidFill>
-              <a:effectLst/>
-              <a:uFillTx/>
-              <a:latin typeface="Arial"/>
-            </a:endParaRPr>
-          </a:p>
-        </p:txBody>
-      </p:sp>
-      <p:sp>
-        <p:nvSpPr>
-          <p:cNvPr id="31" name=""/>
+              <a:uFillTx/>
+              <a:latin typeface="Arial"/>
+            </a:endParaRPr>
+          </a:p>
+        </p:txBody>
+      </p:sp>
+      <p:sp>
+        <p:nvSpPr>
+          <p:cNvPr id="32" name=""/>
           <p:cNvSpPr/>
           <p:nvPr/>
         </p:nvSpPr>
@@ -3383,7 +3042,6 @@
               <a:solidFill>
                 <a:srgbClr val="000000"/>
               </a:solidFill>
-              <a:effectLst/>
               <a:uFillTx/>
               <a:latin typeface="Arial"/>
               <a:ea typeface="Arial"/>
@@ -3393,14 +3051,14 @@
       </p:sp>
       <p:sp>
         <p:nvSpPr>
-          <p:cNvPr id="32" name=""/>
+          <p:cNvPr id="33" name=""/>
           <p:cNvSpPr/>
           <p:nvPr/>
         </p:nvSpPr>
         <p:spPr>
           <a:xfrm>
             <a:off x="4635000" y="11409480"/>
-            <a:ext cx="2233440" cy="988200"/>
+            <a:ext cx="2233080" cy="987840"/>
           </a:xfrm>
           <a:prstGeom prst="rect">
             <a:avLst/>
@@ -3435,7 +3093,6 @@
                 <a:solidFill>
                   <a:srgbClr val="000000"/>
                 </a:solidFill>
-                <a:effectLst/>
                 <a:uFillTx/>
                 <a:latin typeface="Arial"/>
                 <a:ea typeface="Arial"/>
@@ -3446,16 +3103,15 @@
               <a:solidFill>
                 <a:srgbClr val="000000"/>
               </a:solidFill>
-              <a:effectLst/>
-              <a:uFillTx/>
-              <a:latin typeface="Arial"/>
-            </a:endParaRPr>
-          </a:p>
-        </p:txBody>
-      </p:sp>
-      <p:sp>
-        <p:nvSpPr>
-          <p:cNvPr id="33" name=""/>
+              <a:uFillTx/>
+              <a:latin typeface="Arial"/>
+            </a:endParaRPr>
+          </a:p>
+        </p:txBody>
+      </p:sp>
+      <p:sp>
+        <p:nvSpPr>
+          <p:cNvPr id="34" name=""/>
           <p:cNvSpPr/>
           <p:nvPr/>
         </p:nvSpPr>
@@ -3490,7 +3146,6 @@
               <a:solidFill>
                 <a:srgbClr val="000000"/>
               </a:solidFill>
-              <a:effectLst/>
               <a:uFillTx/>
               <a:latin typeface="Arial"/>
               <a:ea typeface="Arial"/>
@@ -3500,7 +3155,7 @@
       </p:sp>
       <p:sp>
         <p:nvSpPr>
-          <p:cNvPr id="34" name=""/>
+          <p:cNvPr id="35" name=""/>
           <p:cNvSpPr/>
           <p:nvPr/>
         </p:nvSpPr>
@@ -3535,7 +3190,6 @@
               <a:solidFill>
                 <a:srgbClr val="000000"/>
               </a:solidFill>
-              <a:effectLst/>
               <a:uFillTx/>
               <a:latin typeface="Arial"/>
               <a:ea typeface="Arial"/>
@@ -3545,7 +3199,7 @@
       </p:sp>
       <p:sp>
         <p:nvSpPr>
-          <p:cNvPr id="35" name=""/>
+          <p:cNvPr id="36" name=""/>
           <p:cNvSpPr/>
           <p:nvPr/>
         </p:nvSpPr>
@@ -3580,7 +3234,6 @@
               <a:solidFill>
                 <a:srgbClr val="000000"/>
               </a:solidFill>
-              <a:effectLst/>
               <a:uFillTx/>
               <a:latin typeface="Arial"/>
               <a:ea typeface="Arial"/>
@@ -3590,14 +3243,14 @@
       </p:sp>
       <p:sp>
         <p:nvSpPr>
-          <p:cNvPr id="36" name=""/>
+          <p:cNvPr id="37" name=""/>
           <p:cNvSpPr/>
           <p:nvPr/>
         </p:nvSpPr>
         <p:spPr>
           <a:xfrm>
             <a:off x="11230920" y="5558400"/>
-            <a:ext cx="10484280" cy="840600"/>
+            <a:ext cx="10483920" cy="840240"/>
           </a:xfrm>
           <a:prstGeom prst="rect">
             <a:avLst/>
@@ -3632,7 +3285,6 @@
                 <a:solidFill>
                   <a:srgbClr val="ffffff"/>
                 </a:solidFill>
-                <a:effectLst/>
                 <a:uFillTx/>
                 <a:latin typeface="Bree Serif"/>
                 <a:ea typeface="Arial"/>
@@ -3643,23 +3295,22 @@
               <a:solidFill>
                 <a:srgbClr val="ffffff"/>
               </a:solidFill>
-              <a:effectLst/>
-              <a:uFillTx/>
-              <a:latin typeface="Arial"/>
-            </a:endParaRPr>
-          </a:p>
-        </p:txBody>
-      </p:sp>
-      <p:sp>
-        <p:nvSpPr>
-          <p:cNvPr id="37" name=""/>
+              <a:uFillTx/>
+              <a:latin typeface="Arial"/>
+            </a:endParaRPr>
+          </a:p>
+        </p:txBody>
+      </p:sp>
+      <p:sp>
+        <p:nvSpPr>
+          <p:cNvPr id="38" name=""/>
           <p:cNvSpPr/>
           <p:nvPr/>
         </p:nvSpPr>
         <p:spPr>
           <a:xfrm>
             <a:off x="33147000" y="5571000"/>
-            <a:ext cx="10126440" cy="840600"/>
+            <a:ext cx="10126080" cy="840240"/>
           </a:xfrm>
           <a:prstGeom prst="rect">
             <a:avLst/>
@@ -3694,7 +3345,6 @@
                 <a:solidFill>
                   <a:srgbClr val="ffffff"/>
                 </a:solidFill>
-                <a:effectLst/>
                 <a:uFillTx/>
                 <a:latin typeface="Bree Serif"/>
                 <a:ea typeface="Arial"/>
@@ -3705,23 +3355,22 @@
               <a:solidFill>
                 <a:srgbClr val="ffffff"/>
               </a:solidFill>
-              <a:effectLst/>
-              <a:uFillTx/>
-              <a:latin typeface="Arial"/>
-            </a:endParaRPr>
-          </a:p>
-        </p:txBody>
-      </p:sp>
-      <p:sp>
-        <p:nvSpPr>
-          <p:cNvPr id="38" name=""/>
+              <a:uFillTx/>
+              <a:latin typeface="Arial"/>
+            </a:endParaRPr>
+          </a:p>
+        </p:txBody>
+      </p:sp>
+      <p:sp>
+        <p:nvSpPr>
+          <p:cNvPr id="39" name=""/>
           <p:cNvSpPr/>
           <p:nvPr/>
         </p:nvSpPr>
         <p:spPr>
           <a:xfrm>
             <a:off x="22213440" y="5558400"/>
-            <a:ext cx="10474560" cy="840600"/>
+            <a:ext cx="10474200" cy="840240"/>
           </a:xfrm>
           <a:prstGeom prst="rect">
             <a:avLst/>
@@ -3756,7 +3405,6 @@
                 <a:solidFill>
                   <a:srgbClr val="ffffff"/>
                 </a:solidFill>
-                <a:effectLst/>
                 <a:uFillTx/>
                 <a:latin typeface="Bree Serif"/>
                 <a:ea typeface="Arial"/>
@@ -3767,23 +3415,22 @@
               <a:solidFill>
                 <a:srgbClr val="ffffff"/>
               </a:solidFill>
-              <a:effectLst/>
-              <a:uFillTx/>
-              <a:latin typeface="Arial"/>
-            </a:endParaRPr>
-          </a:p>
-        </p:txBody>
-      </p:sp>
-      <p:sp>
-        <p:nvSpPr>
-          <p:cNvPr id="39" name=""/>
+              <a:uFillTx/>
+              <a:latin typeface="Arial"/>
+            </a:endParaRPr>
+          </a:p>
+        </p:txBody>
+      </p:sp>
+      <p:sp>
+        <p:nvSpPr>
+          <p:cNvPr id="40" name=""/>
           <p:cNvSpPr/>
           <p:nvPr/>
         </p:nvSpPr>
         <p:spPr>
           <a:xfrm>
             <a:off x="33147000" y="16618320"/>
-            <a:ext cx="10131120" cy="835560"/>
+            <a:ext cx="10130760" cy="835200"/>
           </a:xfrm>
           <a:prstGeom prst="rect">
             <a:avLst/>
@@ -3818,7 +3465,6 @@
                 <a:solidFill>
                   <a:srgbClr val="ffffff"/>
                 </a:solidFill>
-                <a:effectLst/>
                 <a:uFillTx/>
                 <a:latin typeface="Bree Serif"/>
                 <a:ea typeface="Arial"/>
@@ -3829,7 +3475,6 @@
               <a:solidFill>
                 <a:srgbClr val="ffffff"/>
               </a:solidFill>
-              <a:effectLst/>
               <a:uFillTx/>
               <a:latin typeface="Arial"/>
             </a:endParaRPr>
@@ -3838,7 +3483,7 @@
       </p:sp>
       <p:pic>
         <p:nvPicPr>
-          <p:cNvPr id="40" name="" descr=""/>
+          <p:cNvPr id="41" name="" descr=""/>
           <p:cNvPicPr/>
           <p:nvPr/>
         </p:nvPicPr>
@@ -3849,41 +3494,16 @@
         <p:spPr>
           <a:xfrm>
             <a:off x="33832800" y="3477600"/>
-            <a:ext cx="10238400" cy="1759320"/>
+            <a:ext cx="10238040" cy="1758960"/>
           </a:xfrm>
           <a:prstGeom prst="rect">
             <a:avLst/>
           </a:prstGeom>
-          <a:noFill/>
           <a:ln w="0">
             <a:noFill/>
           </a:ln>
         </p:spPr>
       </p:pic>
-      <p:pic>
-        <p:nvPicPr>
-          <p:cNvPr id="41" name="" descr=""/>
-          <p:cNvPicPr/>
-          <p:nvPr/>
-        </p:nvPicPr>
-        <p:blipFill>
-          <a:blip r:embed="rId2"/>
-          <a:stretch/>
-        </p:blipFill>
-        <p:spPr>
-          <a:xfrm>
-            <a:off x="23545800" y="12994200"/>
-            <a:ext cx="8227800" cy="13980960"/>
-          </a:xfrm>
-          <a:prstGeom prst="rect">
-            <a:avLst/>
-          </a:prstGeom>
-          <a:noFill/>
-          <a:ln w="0">
-            <a:noFill/>
-          </a:ln>
-        </p:spPr>
-      </p:pic>
       <p:sp>
         <p:nvSpPr>
           <p:cNvPr id="42" name=""/>
@@ -3893,7 +3513,7 @@
         <p:spPr>
           <a:xfrm>
             <a:off x="574920" y="5558400"/>
-            <a:ext cx="10167480" cy="840600"/>
+            <a:ext cx="10167120" cy="840240"/>
           </a:xfrm>
           <a:prstGeom prst="rect">
             <a:avLst/>
@@ -3928,7 +3548,6 @@
                 <a:solidFill>
                   <a:srgbClr val="ffffff"/>
                 </a:solidFill>
-                <a:effectLst/>
                 <a:uFillTx/>
                 <a:latin typeface="Bree Serif"/>
                 <a:ea typeface="Arial"/>
@@ -3939,7 +3558,6 @@
               <a:solidFill>
                 <a:srgbClr val="ffffff"/>
               </a:solidFill>
-              <a:effectLst/>
               <a:uFillTx/>
               <a:latin typeface="Arial"/>
             </a:endParaRPr>
@@ -3954,8 +3572,8 @@
         </p:nvSpPr>
         <p:spPr>
           <a:xfrm>
-            <a:off x="576000" y="17897400"/>
-            <a:ext cx="10164600" cy="7260840"/>
+            <a:off x="576000" y="17969400"/>
+            <a:ext cx="10164240" cy="7260480"/>
           </a:xfrm>
           <a:prstGeom prst="rect">
             <a:avLst/>
@@ -3986,38 +3604,21 @@
                 <a:spcPct val="100000"/>
               </a:lnSpc>
             </a:pPr>
-            <a:endParaRPr b="0" lang="en-US" sz="1800" strike="noStrike" u="none">
-              <a:solidFill>
-                <a:srgbClr val="000000"/>
-              </a:solidFill>
-              <a:effectLst/>
-              <a:uFillTx/>
-              <a:latin typeface="Arial"/>
-            </a:endParaRPr>
-          </a:p>
-          <a:p>
-            <a:pPr>
-              <a:lnSpc>
-                <a:spcPct val="100000"/>
-              </a:lnSpc>
-            </a:pPr>
             <a:r>
               <a:rPr b="0" lang="en-US" sz="3200" strike="noStrike" u="none">
                 <a:solidFill>
                   <a:srgbClr val="000000"/>
                 </a:solidFill>
-                <a:effectLst/>
                 <a:uFillTx/>
                 <a:latin typeface="Open Sans"/>
                 <a:ea typeface="Arial"/>
               </a:rPr>
-              <a:t>Experimentation within simulation allows a shorter pipeline from design idea to implementation testing.</a:t>
-            </a:r>
-            <a:endParaRPr b="0" lang="en-US" sz="3200" strike="noStrike" u="none">
-              <a:solidFill>
-                <a:srgbClr val="000000"/>
-              </a:solidFill>
-              <a:effectLst/>
+              <a:t>Simulation allows a shorter pipeline from design idea to implementation testing.</a:t>
+            </a:r>
+            <a:endParaRPr b="0" lang="en-US" sz="3200" strike="noStrike" u="none">
+              <a:solidFill>
+                <a:srgbClr val="000000"/>
+              </a:solidFill>
               <a:uFillTx/>
               <a:latin typeface="Arial"/>
             </a:endParaRPr>
@@ -4032,7 +3633,6 @@
               <a:solidFill>
                 <a:srgbClr val="000000"/>
               </a:solidFill>
-              <a:effectLst/>
               <a:uFillTx/>
               <a:latin typeface="Arial"/>
             </a:endParaRPr>
@@ -4047,7 +3647,6 @@
               <a:solidFill>
                 <a:srgbClr val="000000"/>
               </a:solidFill>
-              <a:effectLst/>
               <a:uFillTx/>
               <a:latin typeface="Arial"/>
             </a:endParaRPr>
@@ -4062,7 +3661,6 @@
               <a:solidFill>
                 <a:srgbClr val="000000"/>
               </a:solidFill>
-              <a:effectLst/>
               <a:uFillTx/>
               <a:latin typeface="Arial"/>
             </a:endParaRPr>
@@ -4077,7 +3675,6 @@
               <a:solidFill>
                 <a:srgbClr val="000000"/>
               </a:solidFill>
-              <a:effectLst/>
               <a:uFillTx/>
               <a:latin typeface="Arial"/>
             </a:endParaRPr>
@@ -4092,7 +3689,6 @@
               <a:solidFill>
                 <a:srgbClr val="000000"/>
               </a:solidFill>
-              <a:effectLst/>
               <a:uFillTx/>
               <a:latin typeface="Arial"/>
             </a:endParaRPr>
@@ -4107,7 +3703,6 @@
               <a:solidFill>
                 <a:srgbClr val="000000"/>
               </a:solidFill>
-              <a:effectLst/>
               <a:uFillTx/>
               <a:latin typeface="Arial"/>
             </a:endParaRPr>
@@ -4122,7 +3717,6 @@
               <a:solidFill>
                 <a:srgbClr val="000000"/>
               </a:solidFill>
-              <a:effectLst/>
               <a:uFillTx/>
               <a:latin typeface="Arial"/>
             </a:endParaRPr>
@@ -4137,7 +3731,6 @@
               <a:solidFill>
                 <a:srgbClr val="000000"/>
               </a:solidFill>
-              <a:effectLst/>
               <a:uFillTx/>
               <a:latin typeface="Arial"/>
             </a:endParaRPr>
@@ -4152,7 +3745,6 @@
               <a:solidFill>
                 <a:srgbClr val="000000"/>
               </a:solidFill>
-              <a:effectLst/>
               <a:uFillTx/>
               <a:latin typeface="Arial"/>
             </a:endParaRPr>
@@ -4167,7 +3759,6 @@
               <a:solidFill>
                 <a:srgbClr val="000000"/>
               </a:solidFill>
-              <a:effectLst/>
               <a:uFillTx/>
               <a:latin typeface="Arial"/>
             </a:endParaRPr>
@@ -4183,7 +3774,6 @@
                 <a:solidFill>
                   <a:srgbClr val="000000"/>
                 </a:solidFill>
-                <a:effectLst/>
                 <a:uFillTx/>
                 <a:latin typeface="Open Sans"/>
                 <a:ea typeface="Arial"/>
@@ -4194,7 +3784,6 @@
               <a:solidFill>
                 <a:srgbClr val="000000"/>
               </a:solidFill>
-              <a:effectLst/>
               <a:uFillTx/>
               <a:latin typeface="Arial"/>
             </a:endParaRPr>
@@ -4209,7 +3798,6 @@
               <a:solidFill>
                 <a:srgbClr val="000000"/>
               </a:solidFill>
-              <a:effectLst/>
               <a:uFillTx/>
               <a:latin typeface="Arial"/>
             </a:endParaRPr>
@@ -4224,7 +3812,6 @@
               <a:solidFill>
                 <a:srgbClr val="000000"/>
               </a:solidFill>
-              <a:effectLst/>
               <a:uFillTx/>
               <a:latin typeface="Arial"/>
             </a:endParaRPr>
@@ -4239,7 +3826,6 @@
               <a:solidFill>
                 <a:srgbClr val="000000"/>
               </a:solidFill>
-              <a:effectLst/>
               <a:uFillTx/>
               <a:latin typeface="Arial"/>
             </a:endParaRPr>
@@ -4254,7 +3840,6 @@
               <a:solidFill>
                 <a:srgbClr val="000000"/>
               </a:solidFill>
-              <a:effectLst/>
               <a:uFillTx/>
               <a:latin typeface="Arial"/>
             </a:endParaRPr>
@@ -4269,7 +3854,6 @@
               <a:solidFill>
                 <a:srgbClr val="000000"/>
               </a:solidFill>
-              <a:effectLst/>
               <a:uFillTx/>
               <a:latin typeface="Arial"/>
             </a:endParaRPr>
@@ -4284,7 +3868,6 @@
               <a:solidFill>
                 <a:srgbClr val="000000"/>
               </a:solidFill>
-              <a:effectLst/>
               <a:uFillTx/>
               <a:latin typeface="Arial"/>
             </a:endParaRPr>
@@ -4299,7 +3882,6 @@
               <a:solidFill>
                 <a:srgbClr val="000000"/>
               </a:solidFill>
-              <a:effectLst/>
               <a:uFillTx/>
               <a:latin typeface="Arial"/>
             </a:endParaRPr>
@@ -4314,7 +3896,6 @@
               <a:solidFill>
                 <a:srgbClr val="000000"/>
               </a:solidFill>
-              <a:effectLst/>
               <a:uFillTx/>
               <a:latin typeface="Arial"/>
             </a:endParaRPr>
@@ -4329,7 +3910,6 @@
               <a:solidFill>
                 <a:srgbClr val="000000"/>
               </a:solidFill>
-              <a:effectLst/>
               <a:uFillTx/>
               <a:latin typeface="Arial"/>
             </a:endParaRPr>
@@ -4344,7 +3924,6 @@
               <a:solidFill>
                 <a:srgbClr val="000000"/>
               </a:solidFill>
-              <a:effectLst/>
               <a:uFillTx/>
               <a:latin typeface="Arial"/>
             </a:endParaRPr>
@@ -4360,7 +3939,7 @@
         <p:spPr>
           <a:xfrm>
             <a:off x="567000" y="25956360"/>
-            <a:ext cx="10167840" cy="5566680"/>
+            <a:ext cx="10167480" cy="5566320"/>
           </a:xfrm>
           <a:prstGeom prst="rect">
             <a:avLst/>
@@ -4395,7 +3974,6 @@
               <a:solidFill>
                 <a:srgbClr val="000000"/>
               </a:solidFill>
-              <a:effectLst/>
               <a:uFillTx/>
               <a:latin typeface="Arial"/>
             </a:endParaRPr>
@@ -4410,7 +3988,6 @@
               <a:solidFill>
                 <a:srgbClr val="000000"/>
               </a:solidFill>
-              <a:effectLst/>
               <a:uFillTx/>
               <a:latin typeface="Arial"/>
             </a:endParaRPr>
@@ -4425,7 +4002,6 @@
               <a:solidFill>
                 <a:srgbClr val="000000"/>
               </a:solidFill>
-              <a:effectLst/>
               <a:uFillTx/>
               <a:latin typeface="Arial"/>
             </a:endParaRPr>
@@ -4440,7 +4016,6 @@
               <a:solidFill>
                 <a:srgbClr val="000000"/>
               </a:solidFill>
-              <a:effectLst/>
               <a:uFillTx/>
               <a:latin typeface="Arial"/>
             </a:endParaRPr>
@@ -4455,7 +4030,6 @@
               <a:solidFill>
                 <a:srgbClr val="000000"/>
               </a:solidFill>
-              <a:effectLst/>
               <a:uFillTx/>
               <a:latin typeface="Arial"/>
             </a:endParaRPr>
@@ -4470,7 +4044,6 @@
               <a:solidFill>
                 <a:srgbClr val="000000"/>
               </a:solidFill>
-              <a:effectLst/>
               <a:uFillTx/>
               <a:latin typeface="Arial"/>
             </a:endParaRPr>
@@ -4485,7 +4058,6 @@
               <a:solidFill>
                 <a:srgbClr val="000000"/>
               </a:solidFill>
-              <a:effectLst/>
               <a:uFillTx/>
               <a:latin typeface="Arial"/>
             </a:endParaRPr>
@@ -4500,7 +4072,6 @@
               <a:solidFill>
                 <a:srgbClr val="000000"/>
               </a:solidFill>
-              <a:effectLst/>
               <a:uFillTx/>
               <a:latin typeface="Arial"/>
             </a:endParaRPr>
@@ -4515,7 +4086,6 @@
               <a:solidFill>
                 <a:srgbClr val="000000"/>
               </a:solidFill>
-              <a:effectLst/>
               <a:uFillTx/>
               <a:latin typeface="Arial"/>
             </a:endParaRPr>
@@ -4530,7 +4100,6 @@
               <a:solidFill>
                 <a:srgbClr val="000000"/>
               </a:solidFill>
-              <a:effectLst/>
               <a:uFillTx/>
               <a:latin typeface="Arial"/>
             </a:endParaRPr>
@@ -4545,7 +4114,6 @@
               <a:solidFill>
                 <a:srgbClr val="000000"/>
               </a:solidFill>
-              <a:effectLst/>
               <a:uFillTx/>
               <a:latin typeface="Arial"/>
             </a:endParaRPr>
@@ -4560,8 +4128,8 @@
         </p:nvSpPr>
         <p:spPr>
           <a:xfrm rot="16241400">
-            <a:off x="504000" y="21086640"/>
-            <a:ext cx="3306600" cy="1770120"/>
+            <a:off x="504000" y="20546640"/>
+            <a:ext cx="3306240" cy="1769760"/>
           </a:xfrm>
           <a:prstGeom prst="rightArrow">
             <a:avLst>
@@ -4599,7 +4167,6 @@
                 <a:solidFill>
                   <a:srgbClr val="000000"/>
                 </a:solidFill>
-                <a:effectLst/>
                 <a:uFillTx/>
                 <a:latin typeface="Open Sans"/>
                 <a:ea typeface="Arial"/>
@@ -4610,7 +4177,6 @@
               <a:solidFill>
                 <a:srgbClr val="000000"/>
               </a:solidFill>
-              <a:effectLst/>
               <a:uFillTx/>
               <a:latin typeface="Arial"/>
             </a:endParaRPr>
@@ -4625,7 +4191,7 @@
         </p:nvSpPr>
         <p:spPr>
           <a:xfrm>
-            <a:off x="3198600" y="21144960"/>
+            <a:off x="3198600" y="20604960"/>
             <a:ext cx="6400080" cy="360"/>
           </a:xfrm>
           <a:prstGeom prst="line">
@@ -4653,7 +4219,6 @@
               <a:solidFill>
                 <a:srgbClr val="000000"/>
               </a:solidFill>
-              <a:effectLst/>
               <a:uFillTx/>
               <a:latin typeface="Arial"/>
               <a:ea typeface="Arial"/>
@@ -4669,8 +4234,8 @@
         </p:nvSpPr>
         <p:spPr>
           <a:xfrm>
-            <a:off x="4019400" y="20387880"/>
-            <a:ext cx="4494240" cy="749880"/>
+            <a:off x="4019400" y="19847880"/>
+            <a:ext cx="4493880" cy="749520"/>
           </a:xfrm>
           <a:prstGeom prst="rect">
             <a:avLst/>
@@ -4705,7 +4270,6 @@
                 <a:solidFill>
                   <a:srgbClr val="000000"/>
                 </a:solidFill>
-                <a:effectLst/>
                 <a:uFillTx/>
                 <a:latin typeface="Arial"/>
                 <a:ea typeface="Arial"/>
@@ -4716,7 +4280,6 @@
               <a:solidFill>
                 <a:srgbClr val="000000"/>
               </a:solidFill>
-              <a:effectLst/>
               <a:uFillTx/>
               <a:latin typeface="Arial"/>
             </a:endParaRPr>
@@ -4731,7 +4294,7 @@
         </p:nvSpPr>
         <p:spPr>
           <a:xfrm>
-            <a:off x="3198600" y="22368960"/>
+            <a:off x="3198600" y="21828960"/>
             <a:ext cx="6400080" cy="360"/>
           </a:xfrm>
           <a:prstGeom prst="line">
@@ -4759,7 +4322,6 @@
               <a:solidFill>
                 <a:srgbClr val="000000"/>
               </a:solidFill>
-              <a:effectLst/>
               <a:uFillTx/>
               <a:latin typeface="Arial"/>
               <a:ea typeface="Arial"/>
@@ -4775,8 +4337,8 @@
         </p:nvSpPr>
         <p:spPr>
           <a:xfrm>
-            <a:off x="4019400" y="21611880"/>
-            <a:ext cx="4494240" cy="749880"/>
+            <a:off x="4019400" y="21071880"/>
+            <a:ext cx="4493880" cy="749520"/>
           </a:xfrm>
           <a:prstGeom prst="rect">
             <a:avLst/>
@@ -4811,7 +4373,6 @@
                 <a:solidFill>
                   <a:srgbClr val="000000"/>
                 </a:solidFill>
-                <a:effectLst/>
                 <a:uFillTx/>
                 <a:latin typeface="Arial"/>
                 <a:ea typeface="Arial"/>
@@ -4822,7 +4383,6 @@
               <a:solidFill>
                 <a:srgbClr val="000000"/>
               </a:solidFill>
-              <a:effectLst/>
               <a:uFillTx/>
               <a:latin typeface="Arial"/>
             </a:endParaRPr>
@@ -4837,7 +4397,7 @@
         </p:nvSpPr>
         <p:spPr>
           <a:xfrm>
-            <a:off x="3198600" y="23700960"/>
+            <a:off x="3198600" y="23160960"/>
             <a:ext cx="6400080" cy="360"/>
           </a:xfrm>
           <a:prstGeom prst="line">
@@ -4865,7 +4425,6 @@
               <a:solidFill>
                 <a:srgbClr val="000000"/>
               </a:solidFill>
-              <a:effectLst/>
               <a:uFillTx/>
               <a:latin typeface="Arial"/>
               <a:ea typeface="Arial"/>
@@ -4881,8 +4440,8 @@
         </p:nvSpPr>
         <p:spPr>
           <a:xfrm>
-            <a:off x="4019400" y="22943880"/>
-            <a:ext cx="4494240" cy="749880"/>
+            <a:off x="4019400" y="22403880"/>
+            <a:ext cx="4493880" cy="749520"/>
           </a:xfrm>
           <a:prstGeom prst="rect">
             <a:avLst/>
@@ -4917,7 +4476,6 @@
                 <a:solidFill>
                   <a:srgbClr val="000000"/>
                 </a:solidFill>
-                <a:effectLst/>
                 <a:uFillTx/>
                 <a:latin typeface="Arial"/>
                 <a:ea typeface="Arial"/>
@@ -4928,7 +4486,6 @@
               <a:solidFill>
                 <a:srgbClr val="000000"/>
               </a:solidFill>
-              <a:effectLst/>
               <a:uFillTx/>
               <a:latin typeface="Arial"/>
             </a:endParaRPr>
@@ -4944,7 +4501,7 @@
         <p:spPr>
           <a:xfrm>
             <a:off x="2786760" y="26253000"/>
-            <a:ext cx="2632320" cy="2133000"/>
+            <a:ext cx="2631960" cy="2132640"/>
           </a:xfrm>
           <a:prstGeom prst="rect">
             <a:avLst/>
@@ -4979,7 +4536,6 @@
                 <a:solidFill>
                   <a:srgbClr val="000000"/>
                 </a:solidFill>
-                <a:effectLst/>
                 <a:uFillTx/>
                 <a:latin typeface="Arial"/>
                 <a:ea typeface="Arial"/>
@@ -4990,7 +4546,6 @@
               <a:solidFill>
                 <a:srgbClr val="000000"/>
               </a:solidFill>
-              <a:effectLst/>
               <a:uFillTx/>
               <a:latin typeface="Arial"/>
             </a:endParaRPr>
@@ -5006,7 +4561,7 @@
         <p:spPr>
           <a:xfrm>
             <a:off x="2878560" y="26821440"/>
-            <a:ext cx="876240" cy="642960"/>
+            <a:ext cx="875880" cy="642600"/>
           </a:xfrm>
           <a:prstGeom prst="rect">
             <a:avLst/>
@@ -5041,7 +4596,6 @@
                 <a:solidFill>
                   <a:srgbClr val="000000"/>
                 </a:solidFill>
-                <a:effectLst/>
                 <a:uFillTx/>
                 <a:latin typeface="Arial"/>
                 <a:ea typeface="Arial"/>
@@ -5052,7 +4606,6 @@
               <a:solidFill>
                 <a:srgbClr val="000000"/>
               </a:solidFill>
-              <a:effectLst/>
               <a:uFillTx/>
               <a:latin typeface="Arial"/>
             </a:endParaRPr>
@@ -5068,7 +4621,7 @@
         <p:spPr>
           <a:xfrm>
             <a:off x="4446000" y="26821440"/>
-            <a:ext cx="875880" cy="642960"/>
+            <a:ext cx="875520" cy="642600"/>
           </a:xfrm>
           <a:prstGeom prst="rect">
             <a:avLst/>
@@ -5103,7 +4656,6 @@
                 <a:solidFill>
                   <a:srgbClr val="000000"/>
                 </a:solidFill>
-                <a:effectLst/>
                 <a:uFillTx/>
                 <a:latin typeface="Arial"/>
                 <a:ea typeface="Arial"/>
@@ -5114,7 +4666,6 @@
               <a:solidFill>
                 <a:srgbClr val="000000"/>
               </a:solidFill>
-              <a:effectLst/>
               <a:uFillTx/>
               <a:latin typeface="Arial"/>
             </a:endParaRPr>
@@ -5130,7 +4681,7 @@
         <p:spPr>
           <a:xfrm>
             <a:off x="2970720" y="27689760"/>
-            <a:ext cx="2248200" cy="642960"/>
+            <a:ext cx="2247840" cy="642600"/>
           </a:xfrm>
           <a:prstGeom prst="rect">
             <a:avLst/>
@@ -5165,7 +4716,6 @@
                 <a:solidFill>
                   <a:srgbClr val="000000"/>
                 </a:solidFill>
-                <a:effectLst/>
                 <a:uFillTx/>
                 <a:latin typeface="Arial"/>
                 <a:ea typeface="Arial"/>
@@ -5176,7 +4726,6 @@
               <a:solidFill>
                 <a:srgbClr val="000000"/>
               </a:solidFill>
-              <a:effectLst/>
               <a:uFillTx/>
               <a:latin typeface="Arial"/>
             </a:endParaRPr>
@@ -5192,18 +4741,27 @@
                 <a:solidFill>
                   <a:srgbClr val="000000"/>
                 </a:solidFill>
-                <a:effectLst/>
                 <a:uFillTx/>
                 <a:latin typeface="Arial"/>
                 <a:ea typeface="Arial"/>
               </a:rPr>
-              <a:t> (OS)</a:t>
+              <a:t> </a:t>
+            </a:r>
+            <a:r>
+              <a:rPr b="0" lang="en-US" sz="2000" strike="noStrike" u="none">
+                <a:solidFill>
+                  <a:srgbClr val="000000"/>
+                </a:solidFill>
+                <a:uFillTx/>
+                <a:latin typeface="Arial"/>
+                <a:ea typeface="Arial"/>
+              </a:rPr>
+              <a:t>(OS)</a:t>
             </a:r>
             <a:endParaRPr b="0" lang="en-US" sz="2000" strike="noStrike" u="none">
               <a:solidFill>
                 <a:srgbClr val="000000"/>
               </a:solidFill>
-              <a:effectLst/>
               <a:uFillTx/>
               <a:latin typeface="Arial"/>
             </a:endParaRPr>
@@ -5219,15 +4777,15 @@
         <p:spPr>
           <a:xfrm>
             <a:off x="5647680" y="26253000"/>
-            <a:ext cx="2339280" cy="2133000"/>
+            <a:ext cx="2338920" cy="2132640"/>
           </a:xfrm>
           <a:custGeom>
             <a:avLst/>
             <a:gdLst>
-              <a:gd name="textAreaLeft" fmla="*/ 113760 w 2339280"/>
-              <a:gd name="textAreaRight" fmla="*/ 2226960 w 2339280"/>
-              <a:gd name="textAreaTop" fmla="*/ 97560 h 2133000"/>
-              <a:gd name="textAreaBottom" fmla="*/ 2036880 h 2133000"/>
+              <a:gd name="textAreaLeft" fmla="*/ 113760 w 2338920"/>
+              <a:gd name="textAreaRight" fmla="*/ 2226960 w 2338920"/>
+              <a:gd name="textAreaTop" fmla="*/ 97560 h 2132640"/>
+              <a:gd name="textAreaBottom" fmla="*/ 2036880 h 2132640"/>
             </a:gdLst>
             <a:ahLst/>
             <a:rect l="textAreaLeft" t="textAreaTop" r="textAreaRight" b="textAreaBottom"/>
@@ -5283,7 +4841,6 @@
                 <a:solidFill>
                   <a:srgbClr val="000000"/>
                 </a:solidFill>
-                <a:effectLst/>
                 <a:uFillTx/>
                 <a:latin typeface="Arial"/>
                 <a:ea typeface="Arial"/>
@@ -5294,7 +4851,6 @@
               <a:solidFill>
                 <a:srgbClr val="000000"/>
               </a:solidFill>
-              <a:effectLst/>
               <a:uFillTx/>
               <a:latin typeface="Arial"/>
             </a:endParaRPr>
@@ -5310,7 +4866,7 @@
         <p:spPr>
           <a:xfrm>
             <a:off x="5870520" y="26821440"/>
-            <a:ext cx="1915560" cy="642960"/>
+            <a:ext cx="1915200" cy="642600"/>
           </a:xfrm>
           <a:prstGeom prst="rect">
             <a:avLst/>
@@ -5345,7 +4901,6 @@
                 <a:solidFill>
                   <a:srgbClr val="000000"/>
                 </a:solidFill>
-                <a:effectLst/>
                 <a:uFillTx/>
                 <a:latin typeface="Arial"/>
                 <a:ea typeface="Arial"/>
@@ -5356,7 +4911,6 @@
               <a:solidFill>
                 <a:srgbClr val="000000"/>
               </a:solidFill>
-              <a:effectLst/>
               <a:uFillTx/>
               <a:latin typeface="Arial"/>
             </a:endParaRPr>
@@ -5372,7 +4926,7 @@
         <p:spPr>
           <a:xfrm>
             <a:off x="5778720" y="27677520"/>
-            <a:ext cx="2116080" cy="536760"/>
+            <a:ext cx="2115720" cy="536400"/>
           </a:xfrm>
           <a:prstGeom prst="rect">
             <a:avLst/>
@@ -5407,7 +4961,6 @@
                 <a:solidFill>
                   <a:srgbClr val="000000"/>
                 </a:solidFill>
-                <a:effectLst/>
                 <a:uFillTx/>
                 <a:latin typeface="Arial"/>
                 <a:ea typeface="Arial"/>
@@ -5418,7 +4971,6 @@
               <a:solidFill>
                 <a:srgbClr val="000000"/>
               </a:solidFill>
-              <a:effectLst/>
               <a:uFillTx/>
               <a:latin typeface="Arial"/>
             </a:endParaRPr>
@@ -5434,15 +4986,15 @@
         <p:spPr>
           <a:xfrm>
             <a:off x="8233560" y="26253360"/>
-            <a:ext cx="1788840" cy="2132640"/>
+            <a:ext cx="1788480" cy="2132280"/>
           </a:xfrm>
           <a:custGeom>
             <a:avLst/>
             <a:gdLst>
-              <a:gd name="textAreaLeft" fmla="*/ 86760 w 1788840"/>
-              <a:gd name="textAreaRight" fmla="*/ 1703520 w 1788840"/>
-              <a:gd name="textAreaTop" fmla="*/ 74520 h 2132640"/>
-              <a:gd name="textAreaBottom" fmla="*/ 2059560 h 2132640"/>
+              <a:gd name="textAreaLeft" fmla="*/ 86760 w 1788480"/>
+              <a:gd name="textAreaRight" fmla="*/ 1703520 w 1788480"/>
+              <a:gd name="textAreaTop" fmla="*/ 74520 h 2132280"/>
+              <a:gd name="textAreaBottom" fmla="*/ 2059560 h 2132280"/>
             </a:gdLst>
             <a:ahLst/>
             <a:rect l="textAreaLeft" t="textAreaTop" r="textAreaRight" b="textAreaBottom"/>
@@ -5498,7 +5050,6 @@
                 <a:solidFill>
                   <a:srgbClr val="000000"/>
                 </a:solidFill>
-                <a:effectLst/>
                 <a:uFillTx/>
                 <a:latin typeface="Arial"/>
                 <a:ea typeface="Arial"/>
@@ -5509,7 +5060,6 @@
               <a:solidFill>
                 <a:srgbClr val="000000"/>
               </a:solidFill>
-              <a:effectLst/>
               <a:uFillTx/>
               <a:latin typeface="Arial"/>
             </a:endParaRPr>
@@ -5525,7 +5075,7 @@
         <p:spPr>
           <a:xfrm>
             <a:off x="8425440" y="26822160"/>
-            <a:ext cx="1345320" cy="642600"/>
+            <a:ext cx="1344960" cy="642240"/>
           </a:xfrm>
           <a:prstGeom prst="rect">
             <a:avLst/>
@@ -5560,7 +5110,6 @@
                 <a:solidFill>
                   <a:srgbClr val="000000"/>
                 </a:solidFill>
-                <a:effectLst/>
                 <a:uFillTx/>
                 <a:latin typeface="Arial"/>
                 <a:ea typeface="Arial"/>
@@ -5571,7 +5120,6 @@
               <a:solidFill>
                 <a:srgbClr val="000000"/>
               </a:solidFill>
-              <a:effectLst/>
               <a:uFillTx/>
               <a:latin typeface="Arial"/>
             </a:endParaRPr>
@@ -5587,7 +5135,7 @@
         <p:spPr>
           <a:xfrm>
             <a:off x="8346600" y="27677880"/>
-            <a:ext cx="1424160" cy="536760"/>
+            <a:ext cx="1423800" cy="536400"/>
           </a:xfrm>
           <a:prstGeom prst="rect">
             <a:avLst/>
@@ -5622,7 +5170,6 @@
                 <a:solidFill>
                   <a:srgbClr val="000000"/>
                 </a:solidFill>
-                <a:effectLst/>
                 <a:uFillTx/>
                 <a:latin typeface="Arial"/>
                 <a:ea typeface="Arial"/>
@@ -5633,7 +5180,6 @@
               <a:solidFill>
                 <a:srgbClr val="000000"/>
               </a:solidFill>
-              <a:effectLst/>
               <a:uFillTx/>
               <a:latin typeface="Arial"/>
             </a:endParaRPr>
@@ -5677,7 +5223,6 @@
               <a:solidFill>
                 <a:srgbClr val="000000"/>
               </a:solidFill>
-              <a:effectLst/>
               <a:uFillTx/>
               <a:latin typeface="Arial"/>
               <a:ea typeface="Arial"/>
@@ -5722,7 +5267,6 @@
               <a:solidFill>
                 <a:srgbClr val="000000"/>
               </a:solidFill>
-              <a:effectLst/>
               <a:uFillTx/>
               <a:latin typeface="Arial"/>
               <a:ea typeface="Arial"/>
@@ -5739,7 +5283,7 @@
         <p:spPr>
           <a:xfrm>
             <a:off x="2701440" y="28627560"/>
-            <a:ext cx="7477200" cy="1469160"/>
+            <a:ext cx="7476840" cy="1468800"/>
           </a:xfrm>
           <a:prstGeom prst="roundRect">
             <a:avLst>
@@ -5776,7 +5320,6 @@
               <a:solidFill>
                 <a:srgbClr val="000000"/>
               </a:solidFill>
-              <a:effectLst/>
               <a:uFillTx/>
               <a:latin typeface="Arial"/>
               <a:ea typeface="Arial"/>
@@ -5793,7 +5336,7 @@
         <p:spPr>
           <a:xfrm>
             <a:off x="2787120" y="28742040"/>
-            <a:ext cx="7269480" cy="498600"/>
+            <a:ext cx="7269120" cy="498240"/>
           </a:xfrm>
           <a:prstGeom prst="rect">
             <a:avLst/>
@@ -5828,7 +5371,6 @@
                 <a:solidFill>
                   <a:srgbClr val="000000"/>
                 </a:solidFill>
-                <a:effectLst/>
                 <a:uFillTx/>
                 <a:latin typeface="Arial"/>
                 <a:ea typeface="Arial"/>
@@ -5839,7 +5381,6 @@
               <a:solidFill>
                 <a:srgbClr val="000000"/>
               </a:solidFill>
-              <a:effectLst/>
               <a:uFillTx/>
               <a:latin typeface="Arial"/>
             </a:endParaRPr>
@@ -5855,7 +5396,7 @@
         <p:spPr>
           <a:xfrm>
             <a:off x="1210320" y="29341440"/>
-            <a:ext cx="1501920" cy="749520"/>
+            <a:ext cx="1501560" cy="749160"/>
           </a:xfrm>
           <a:prstGeom prst="rect">
             <a:avLst/>
@@ -5886,7 +5427,6 @@
                 <a:solidFill>
                   <a:srgbClr val="000000"/>
                 </a:solidFill>
-                <a:effectLst/>
                 <a:uFillTx/>
                 <a:latin typeface="Open Sans"/>
                 <a:ea typeface="Arial"/>
@@ -5897,7 +5437,6 @@
               <a:solidFill>
                 <a:srgbClr val="000000"/>
               </a:solidFill>
-              <a:effectLst/>
               <a:uFillTx/>
               <a:latin typeface="Arial"/>
             </a:endParaRPr>
@@ -5913,7 +5452,7 @@
         <p:spPr>
           <a:xfrm>
             <a:off x="2781360" y="29375280"/>
-            <a:ext cx="7246080" cy="615600"/>
+            <a:ext cx="7245720" cy="615240"/>
           </a:xfrm>
           <a:prstGeom prst="rect">
             <a:avLst/>
@@ -5947,7 +5486,6 @@
               <a:solidFill>
                 <a:srgbClr val="000000"/>
               </a:solidFill>
-              <a:effectLst/>
               <a:uFillTx/>
               <a:latin typeface="Arial"/>
               <a:ea typeface="Arial"/>
@@ -5964,7 +5502,7 @@
         <p:spPr>
           <a:xfrm>
             <a:off x="2862360" y="29470320"/>
-            <a:ext cx="1932120" cy="441000"/>
+            <a:ext cx="1931760" cy="440640"/>
           </a:xfrm>
           <a:prstGeom prst="rect">
             <a:avLst/>
@@ -5999,7 +5537,6 @@
                 <a:solidFill>
                   <a:srgbClr val="000000"/>
                 </a:solidFill>
-                <a:effectLst/>
                 <a:uFillTx/>
                 <a:latin typeface="Arial"/>
                 <a:ea typeface="Arial"/>
@@ -6010,7 +5547,6 @@
               <a:solidFill>
                 <a:srgbClr val="000000"/>
               </a:solidFill>
-              <a:effectLst/>
               <a:uFillTx/>
               <a:latin typeface="Arial"/>
             </a:endParaRPr>
@@ -6026,7 +5562,7 @@
         <p:spPr>
           <a:xfrm>
             <a:off x="4926600" y="29470320"/>
-            <a:ext cx="2982600" cy="441000"/>
+            <a:ext cx="2982240" cy="440640"/>
           </a:xfrm>
           <a:prstGeom prst="rect">
             <a:avLst/>
@@ -6061,7 +5597,6 @@
                 <a:solidFill>
                   <a:srgbClr val="000000"/>
                 </a:solidFill>
-                <a:effectLst/>
                 <a:uFillTx/>
                 <a:latin typeface="Arial"/>
                 <a:ea typeface="Arial"/>
@@ -6072,7 +5607,6 @@
               <a:solidFill>
                 <a:srgbClr val="000000"/>
               </a:solidFill>
-              <a:effectLst/>
               <a:uFillTx/>
               <a:latin typeface="Arial"/>
             </a:endParaRPr>
@@ -6088,7 +5622,7 @@
         <p:spPr>
           <a:xfrm>
             <a:off x="8035560" y="29471400"/>
-            <a:ext cx="1932840" cy="440640"/>
+            <a:ext cx="1932480" cy="440280"/>
           </a:xfrm>
           <a:prstGeom prst="rect">
             <a:avLst/>
@@ -6123,7 +5657,6 @@
                 <a:solidFill>
                   <a:srgbClr val="000000"/>
                 </a:solidFill>
-                <a:effectLst/>
                 <a:uFillTx/>
                 <a:latin typeface="Arial"/>
                 <a:ea typeface="Arial"/>
@@ -6134,7 +5667,6 @@
               <a:solidFill>
                 <a:srgbClr val="000000"/>
               </a:solidFill>
-              <a:effectLst/>
               <a:uFillTx/>
               <a:latin typeface="Arial"/>
             </a:endParaRPr>
@@ -6177,7 +5709,6 @@
               <a:solidFill>
                 <a:srgbClr val="000000"/>
               </a:solidFill>
-              <a:effectLst/>
               <a:uFillTx/>
               <a:latin typeface="Arial"/>
               <a:ea typeface="Arial"/>
@@ -6194,7 +5725,7 @@
         <p:spPr>
           <a:xfrm>
             <a:off x="5461560" y="30621600"/>
-            <a:ext cx="1827360" cy="684360"/>
+            <a:ext cx="1827000" cy="684000"/>
           </a:xfrm>
           <a:prstGeom prst="roundRect">
             <a:avLst>
@@ -6230,7 +5761,6 @@
                 <a:solidFill>
                   <a:srgbClr val="000000"/>
                 </a:solidFill>
-                <a:effectLst/>
                 <a:uFillTx/>
                 <a:latin typeface="Arial"/>
                 <a:ea typeface="Arial"/>
@@ -6241,7 +5771,6 @@
               <a:solidFill>
                 <a:srgbClr val="000000"/>
               </a:solidFill>
-              <a:effectLst/>
               <a:uFillTx/>
               <a:latin typeface="Arial"/>
             </a:endParaRPr>
@@ -6285,7 +5814,6 @@
               <a:solidFill>
                 <a:srgbClr val="000000"/>
               </a:solidFill>
-              <a:effectLst/>
               <a:uFillTx/>
               <a:latin typeface="Arial"/>
               <a:ea typeface="Arial"/>
@@ -6302,7 +5830,7 @@
         <p:spPr>
           <a:xfrm>
             <a:off x="988560" y="26794440"/>
-            <a:ext cx="1754280" cy="749880"/>
+            <a:ext cx="1753920" cy="749520"/>
           </a:xfrm>
           <a:prstGeom prst="rect">
             <a:avLst/>
@@ -6333,7 +5861,6 @@
                 <a:solidFill>
                   <a:srgbClr val="000000"/>
                 </a:solidFill>
-                <a:effectLst/>
                 <a:uFillTx/>
                 <a:latin typeface="Open Sans"/>
                 <a:ea typeface="Arial"/>
@@ -6344,7 +5871,6 @@
               <a:solidFill>
                 <a:srgbClr val="000000"/>
               </a:solidFill>
-              <a:effectLst/>
               <a:uFillTx/>
               <a:latin typeface="Arial"/>
             </a:endParaRPr>
@@ -6360,7 +5886,6 @@
                 <a:solidFill>
                   <a:srgbClr val="000000"/>
                 </a:solidFill>
-                <a:effectLst/>
                 <a:uFillTx/>
                 <a:latin typeface="Open Sans"/>
                 <a:ea typeface="Arial"/>
@@ -6371,7 +5896,6 @@
               <a:solidFill>
                 <a:srgbClr val="000000"/>
               </a:solidFill>
-              <a:effectLst/>
               <a:uFillTx/>
               <a:latin typeface="Arial"/>
             </a:endParaRPr>
@@ -6387,7 +5911,7 @@
         <p:spPr>
           <a:xfrm>
             <a:off x="882000" y="27735480"/>
-            <a:ext cx="1828800" cy="749160"/>
+            <a:ext cx="1828440" cy="748800"/>
           </a:xfrm>
           <a:prstGeom prst="rect">
             <a:avLst/>
@@ -6418,7 +5942,6 @@
                 <a:solidFill>
                   <a:srgbClr val="000000"/>
                 </a:solidFill>
-                <a:effectLst/>
                 <a:uFillTx/>
                 <a:latin typeface="Open Sans"/>
                 <a:ea typeface="Arial"/>
@@ -6429,7 +5952,6 @@
               <a:solidFill>
                 <a:srgbClr val="000000"/>
               </a:solidFill>
-              <a:effectLst/>
               <a:uFillTx/>
               <a:latin typeface="Arial"/>
             </a:endParaRPr>
@@ -6445,7 +5967,6 @@
                 <a:solidFill>
                   <a:srgbClr val="000000"/>
                 </a:solidFill>
-                <a:effectLst/>
                 <a:uFillTx/>
                 <a:latin typeface="Open Sans"/>
                 <a:ea typeface="Arial"/>
@@ -6456,7 +5977,6 @@
               <a:solidFill>
                 <a:srgbClr val="000000"/>
               </a:solidFill>
-              <a:effectLst/>
               <a:uFillTx/>
               <a:latin typeface="Arial"/>
             </a:endParaRPr>
@@ -6472,7 +5992,7 @@
         <p:spPr>
           <a:xfrm>
             <a:off x="952560" y="28571400"/>
-            <a:ext cx="1748880" cy="749880"/>
+            <a:ext cx="1748520" cy="749520"/>
           </a:xfrm>
           <a:prstGeom prst="rect">
             <a:avLst/>
@@ -6503,7 +6023,6 @@
                 <a:solidFill>
                   <a:srgbClr val="000000"/>
                 </a:solidFill>
-                <a:effectLst/>
                 <a:uFillTx/>
                 <a:latin typeface="Open Sans"/>
                 <a:ea typeface="Arial"/>
@@ -6514,7 +6033,6 @@
               <a:solidFill>
                 <a:srgbClr val="000000"/>
               </a:solidFill>
-              <a:effectLst/>
               <a:uFillTx/>
               <a:latin typeface="Arial"/>
             </a:endParaRPr>
@@ -6530,7 +6048,6 @@
                 <a:solidFill>
                   <a:srgbClr val="000000"/>
                 </a:solidFill>
-                <a:effectLst/>
                 <a:uFillTx/>
                 <a:latin typeface="Open Sans"/>
                 <a:ea typeface="Arial"/>
@@ -6541,7 +6058,6 @@
               <a:solidFill>
                 <a:srgbClr val="000000"/>
               </a:solidFill>
-              <a:effectLst/>
               <a:uFillTx/>
               <a:latin typeface="Arial"/>
             </a:endParaRPr>
@@ -6556,8 +6072,8 @@
         </p:nvSpPr>
         <p:spPr>
           <a:xfrm>
-            <a:off x="16666560" y="10077120"/>
-            <a:ext cx="2998440" cy="1294920"/>
+            <a:off x="16666560" y="9825120"/>
+            <a:ext cx="2998080" cy="1294560"/>
           </a:xfrm>
           <a:prstGeom prst="roundRect">
             <a:avLst>
@@ -6594,7 +6110,6 @@
                 <a:solidFill>
                   <a:srgbClr val="000000"/>
                 </a:solidFill>
-                <a:effectLst/>
                 <a:uFillTx/>
                 <a:latin typeface="Open Sans"/>
                 <a:ea typeface="DejaVu Sans"/>
@@ -6605,7 +6120,6 @@
               <a:solidFill>
                 <a:srgbClr val="000000"/>
               </a:solidFill>
-              <a:effectLst/>
               <a:uFillTx/>
               <a:latin typeface="Arial"/>
             </a:endParaRPr>
@@ -6620,16 +6134,16 @@
         </p:nvSpPr>
         <p:spPr>
           <a:xfrm>
-            <a:off x="13120560" y="9899280"/>
-            <a:ext cx="3203640" cy="4323960"/>
+            <a:off x="13120560" y="9647280"/>
+            <a:ext cx="3203280" cy="4323600"/>
           </a:xfrm>
           <a:custGeom>
             <a:avLst/>
             <a:gdLst>
-              <a:gd name="textAreaLeft" fmla="*/ 155880 w 3203640"/>
-              <a:gd name="textAreaRight" fmla="*/ 3048120 w 3203640"/>
-              <a:gd name="textAreaTop" fmla="*/ 154800 h 4323960"/>
-              <a:gd name="textAreaBottom" fmla="*/ 4169520 h 4323960"/>
+              <a:gd name="textAreaLeft" fmla="*/ 155880 w 3203280"/>
+              <a:gd name="textAreaRight" fmla="*/ 3048120 w 3203280"/>
+              <a:gd name="textAreaTop" fmla="*/ 154800 h 4323600"/>
+              <a:gd name="textAreaBottom" fmla="*/ 4169520 h 4323600"/>
             </a:gdLst>
             <a:ahLst/>
             <a:rect l="textAreaLeft" t="textAreaTop" r="textAreaRight" b="textAreaBottom"/>
@@ -6683,7 +6197,6 @@
               <a:solidFill>
                 <a:srgbClr val="000000"/>
               </a:solidFill>
-              <a:effectLst/>
               <a:uFillTx/>
               <a:latin typeface="Arial"/>
               <a:ea typeface="DejaVu Sans"/>
@@ -6699,8 +6212,8 @@
         </p:nvSpPr>
         <p:spPr>
           <a:xfrm>
-            <a:off x="13217040" y="10077120"/>
-            <a:ext cx="2998440" cy="1294920"/>
+            <a:off x="13217040" y="9825120"/>
+            <a:ext cx="2998080" cy="1294560"/>
           </a:xfrm>
           <a:prstGeom prst="roundRect">
             <a:avLst>
@@ -6737,7 +6250,6 @@
                 <a:solidFill>
                   <a:srgbClr val="000000"/>
                 </a:solidFill>
-                <a:effectLst/>
                 <a:uFillTx/>
                 <a:latin typeface="Open Sans"/>
                 <a:ea typeface="DejaVu Sans"/>
@@ -6748,7 +6260,6 @@
               <a:solidFill>
                 <a:srgbClr val="000000"/>
               </a:solidFill>
-              <a:effectLst/>
               <a:uFillTx/>
               <a:latin typeface="Arial"/>
             </a:endParaRPr>
@@ -6763,8 +6274,8 @@
         </p:nvSpPr>
         <p:spPr>
           <a:xfrm>
-            <a:off x="13217040" y="11423880"/>
-            <a:ext cx="2998440" cy="1295280"/>
+            <a:off x="13217040" y="11171880"/>
+            <a:ext cx="2998080" cy="1294920"/>
           </a:xfrm>
           <a:prstGeom prst="roundRect">
             <a:avLst>
@@ -6801,7 +6312,6 @@
                 <a:solidFill>
                   <a:srgbClr val="000000"/>
                 </a:solidFill>
-                <a:effectLst/>
                 <a:uFillTx/>
                 <a:latin typeface="Open Sans"/>
                 <a:ea typeface="DejaVu Sans"/>
@@ -6812,7 +6322,6 @@
               <a:solidFill>
                 <a:srgbClr val="000000"/>
               </a:solidFill>
-              <a:effectLst/>
               <a:uFillTx/>
               <a:latin typeface="Arial"/>
             </a:endParaRPr>
@@ -6827,8 +6336,8 @@
         </p:nvSpPr>
         <p:spPr>
           <a:xfrm>
-            <a:off x="13217040" y="12771000"/>
-            <a:ext cx="2998440" cy="1295280"/>
+            <a:off x="13217040" y="12519000"/>
+            <a:ext cx="2998080" cy="1294920"/>
           </a:xfrm>
           <a:prstGeom prst="roundRect">
             <a:avLst>
@@ -6865,7 +6374,6 @@
                 <a:solidFill>
                   <a:srgbClr val="000000"/>
                 </a:solidFill>
-                <a:effectLst/>
                 <a:uFillTx/>
                 <a:latin typeface="Open Sans"/>
                 <a:ea typeface="DejaVu Sans"/>
@@ -6876,7 +6384,6 @@
               <a:solidFill>
                 <a:srgbClr val="000000"/>
               </a:solidFill>
-              <a:effectLst/>
               <a:uFillTx/>
               <a:latin typeface="Arial"/>
             </a:endParaRPr>
@@ -6891,8 +6398,8 @@
         </p:nvSpPr>
         <p:spPr>
           <a:xfrm>
-            <a:off x="16666560" y="11423880"/>
-            <a:ext cx="2998440" cy="1295280"/>
+            <a:off x="16666560" y="11171880"/>
+            <a:ext cx="2998080" cy="1294920"/>
           </a:xfrm>
           <a:prstGeom prst="roundRect">
             <a:avLst>
@@ -6929,7 +6436,6 @@
                 <a:solidFill>
                   <a:srgbClr val="000000"/>
                 </a:solidFill>
-                <a:effectLst/>
                 <a:uFillTx/>
                 <a:latin typeface="Open Sans"/>
                 <a:ea typeface="DejaVu Sans"/>
@@ -6940,7 +6446,6 @@
               <a:solidFill>
                 <a:srgbClr val="000000"/>
               </a:solidFill>
-              <a:effectLst/>
               <a:uFillTx/>
               <a:latin typeface="Arial"/>
             </a:endParaRPr>
@@ -6955,8 +6460,8 @@
         </p:nvSpPr>
         <p:spPr>
           <a:xfrm>
-            <a:off x="16666560" y="12771000"/>
-            <a:ext cx="2998440" cy="1295280"/>
+            <a:off x="16666560" y="12519000"/>
+            <a:ext cx="2998080" cy="1294920"/>
           </a:xfrm>
           <a:prstGeom prst="roundRect">
             <a:avLst>
@@ -6993,7 +6498,6 @@
                 <a:solidFill>
                   <a:srgbClr val="000000"/>
                 </a:solidFill>
-                <a:effectLst/>
                 <a:uFillTx/>
                 <a:latin typeface="Open Sans"/>
                 <a:ea typeface="DejaVu Sans"/>
@@ -7004,7 +6508,6 @@
               <a:solidFill>
                 <a:srgbClr val="000000"/>
               </a:solidFill>
-              <a:effectLst/>
               <a:uFillTx/>
               <a:latin typeface="Arial"/>
             </a:endParaRPr>
@@ -7019,16 +6522,16 @@
         </p:nvSpPr>
         <p:spPr>
           <a:xfrm>
-            <a:off x="16570080" y="9899280"/>
-            <a:ext cx="3203640" cy="4323960"/>
+            <a:off x="16570080" y="9647280"/>
+            <a:ext cx="3203280" cy="4323600"/>
           </a:xfrm>
           <a:custGeom>
             <a:avLst/>
             <a:gdLst>
-              <a:gd name="textAreaLeft" fmla="*/ 155880 w 3203640"/>
-              <a:gd name="textAreaRight" fmla="*/ 3048120 w 3203640"/>
-              <a:gd name="textAreaTop" fmla="*/ 154800 h 4323960"/>
-              <a:gd name="textAreaBottom" fmla="*/ 4169520 h 4323960"/>
+              <a:gd name="textAreaLeft" fmla="*/ 155880 w 3203280"/>
+              <a:gd name="textAreaRight" fmla="*/ 3048120 w 3203280"/>
+              <a:gd name="textAreaTop" fmla="*/ 154800 h 4323600"/>
+              <a:gd name="textAreaBottom" fmla="*/ 4169520 h 4323600"/>
             </a:gdLst>
             <a:ahLst/>
             <a:rect l="textAreaLeft" t="textAreaTop" r="textAreaRight" b="textAreaBottom"/>
@@ -7082,7 +6585,6 @@
               <a:solidFill>
                 <a:srgbClr val="000000"/>
               </a:solidFill>
-              <a:effectLst/>
               <a:uFillTx/>
               <a:latin typeface="Arial"/>
               <a:ea typeface="DejaVu Sans"/>
@@ -7098,8 +6600,8 @@
         </p:nvSpPr>
         <p:spPr>
           <a:xfrm>
-            <a:off x="12956400" y="9169920"/>
-            <a:ext cx="6977520" cy="5312520"/>
+            <a:off x="12956400" y="8917920"/>
+            <a:ext cx="6977160" cy="5312160"/>
           </a:xfrm>
           <a:prstGeom prst="roundRect">
             <a:avLst>
@@ -7134,7 +6636,6 @@
               <a:solidFill>
                 <a:srgbClr val="000000"/>
               </a:solidFill>
-              <a:effectLst/>
               <a:uFillTx/>
               <a:latin typeface="Arial"/>
               <a:ea typeface="DejaVu Sans"/>
@@ -7150,8 +6651,8 @@
         </p:nvSpPr>
         <p:spPr>
           <a:xfrm>
-            <a:off x="13415400" y="9272880"/>
-            <a:ext cx="2648160" cy="486720"/>
+            <a:off x="13415400" y="9020880"/>
+            <a:ext cx="2647800" cy="485640"/>
           </a:xfrm>
           <a:prstGeom prst="rect">
             <a:avLst/>
@@ -7182,7 +6683,6 @@
                 <a:solidFill>
                   <a:srgbClr val="000000"/>
                 </a:solidFill>
-                <a:effectLst/>
                 <a:uFillTx/>
                 <a:latin typeface="Open Sans"/>
                 <a:ea typeface="DejaVu Sans"/>
@@ -7193,7 +6693,6 @@
               <a:solidFill>
                 <a:srgbClr val="000000"/>
               </a:solidFill>
-              <a:effectLst/>
               <a:uFillTx/>
               <a:latin typeface="Arial"/>
             </a:endParaRPr>
@@ -7208,8 +6707,8 @@
         </p:nvSpPr>
         <p:spPr>
           <a:xfrm>
-            <a:off x="16659720" y="9273240"/>
-            <a:ext cx="3038760" cy="486720"/>
+            <a:off x="16659720" y="9021240"/>
+            <a:ext cx="3038400" cy="485640"/>
           </a:xfrm>
           <a:prstGeom prst="rect">
             <a:avLst/>
@@ -7240,7 +6739,6 @@
                 <a:solidFill>
                   <a:srgbClr val="000000"/>
                 </a:solidFill>
-                <a:effectLst/>
                 <a:uFillTx/>
                 <a:latin typeface="Open Sans"/>
                 <a:ea typeface="DejaVu Sans"/>
@@ -7251,7 +6749,6 @@
               <a:solidFill>
                 <a:srgbClr val="000000"/>
               </a:solidFill>
-              <a:effectLst/>
               <a:uFillTx/>
               <a:latin typeface="Arial"/>
             </a:endParaRPr>
@@ -7266,8 +6763,8 @@
         </p:nvSpPr>
         <p:spPr>
           <a:xfrm>
-            <a:off x="13195800" y="8497800"/>
-            <a:ext cx="1563840" cy="578520"/>
+            <a:off x="13195800" y="8245800"/>
+            <a:ext cx="1563480" cy="577440"/>
           </a:xfrm>
           <a:prstGeom prst="rect">
             <a:avLst/>
@@ -7298,7 +6795,6 @@
                 <a:solidFill>
                   <a:srgbClr val="000000"/>
                 </a:solidFill>
-                <a:effectLst/>
                 <a:uFillTx/>
                 <a:latin typeface="Open Sans"/>
                 <a:ea typeface="DejaVu Sans"/>
@@ -7309,7 +6805,6 @@
               <a:solidFill>
                 <a:srgbClr val="000000"/>
               </a:solidFill>
-              <a:effectLst/>
               <a:uFillTx/>
               <a:latin typeface="Arial"/>
             </a:endParaRPr>
@@ -7325,7 +6820,7 @@
         <p:spPr>
           <a:xfrm>
             <a:off x="17825040" y="28047240"/>
-            <a:ext cx="3562560" cy="3270600"/>
+            <a:ext cx="3562200" cy="3270240"/>
           </a:xfrm>
           <a:prstGeom prst="ellipse">
             <a:avLst/>
@@ -7359,7 +6854,6 @@
                 <a:solidFill>
                   <a:srgbClr val="000000"/>
                 </a:solidFill>
-                <a:effectLst/>
                 <a:uFillTx/>
                 <a:latin typeface="Arial"/>
                 <a:ea typeface="Arial"/>
@@ -7370,7 +6864,6 @@
               <a:solidFill>
                 <a:srgbClr val="000000"/>
               </a:solidFill>
-              <a:effectLst/>
               <a:uFillTx/>
               <a:latin typeface="Arial"/>
             </a:endParaRPr>
@@ -7386,7 +6879,7 @@
         <p:spPr>
           <a:xfrm>
             <a:off x="14801040" y="23583240"/>
-            <a:ext cx="3562560" cy="3270600"/>
+            <a:ext cx="3562200" cy="3270240"/>
           </a:xfrm>
           <a:prstGeom prst="ellipse">
             <a:avLst/>
@@ -7420,7 +6913,6 @@
                 <a:solidFill>
                   <a:srgbClr val="000000"/>
                 </a:solidFill>
-                <a:effectLst/>
                 <a:uFillTx/>
                 <a:latin typeface="Arial"/>
                 <a:ea typeface="Arial"/>
@@ -7431,7 +6923,6 @@
               <a:solidFill>
                 <a:srgbClr val="000000"/>
               </a:solidFill>
-              <a:effectLst/>
               <a:uFillTx/>
               <a:latin typeface="Arial"/>
             </a:endParaRPr>
@@ -7447,7 +6938,7 @@
         <p:spPr>
           <a:xfrm>
             <a:off x="567000" y="25115400"/>
-            <a:ext cx="10186200" cy="840600"/>
+            <a:ext cx="10185840" cy="840240"/>
           </a:xfrm>
           <a:prstGeom prst="rect">
             <a:avLst/>
@@ -7482,7 +6973,6 @@
                 <a:solidFill>
                   <a:srgbClr val="ffffff"/>
                 </a:solidFill>
-                <a:effectLst/>
                 <a:uFillTx/>
                 <a:latin typeface="Bree Serif"/>
                 <a:ea typeface="Arial"/>
@@ -7493,7 +6983,6 @@
               <a:solidFill>
                 <a:srgbClr val="ffffff"/>
               </a:solidFill>
-              <a:effectLst/>
               <a:uFillTx/>
               <a:latin typeface="Arial"/>
             </a:endParaRPr>
@@ -7509,7 +6998,7 @@
         <p:spPr>
           <a:xfrm>
             <a:off x="567000" y="17087400"/>
-            <a:ext cx="10186200" cy="840600"/>
+            <a:ext cx="10185840" cy="840240"/>
           </a:xfrm>
           <a:prstGeom prst="rect">
             <a:avLst/>
@@ -7544,7 +7033,6 @@
                 <a:solidFill>
                   <a:srgbClr val="ffffff"/>
                 </a:solidFill>
-                <a:effectLst/>
                 <a:uFillTx/>
                 <a:latin typeface="Bree Serif"/>
                 <a:ea typeface="Arial"/>
@@ -7555,298 +7043,6 @@
               <a:solidFill>
                 <a:srgbClr val="ffffff"/>
               </a:solidFill>
-              <a:effectLst/>
-              <a:uFillTx/>
-              <a:latin typeface="Arial"/>
-            </a:endParaRPr>
-          </a:p>
-        </p:txBody>
-      </p:sp>
-      <p:sp>
-        <p:nvSpPr>
-          <p:cNvPr id="93" name=""/>
-          <p:cNvSpPr/>
-          <p:nvPr/>
-        </p:nvSpPr>
-        <p:spPr>
-          <a:xfrm>
-            <a:off x="15231240" y="16922880"/>
-            <a:ext cx="2629080" cy="1028520"/>
-          </a:xfrm>
-          <a:prstGeom prst="rect">
-            <a:avLst/>
-          </a:prstGeom>
-          <a:solidFill>
-            <a:srgbClr val="77bc65"/>
-          </a:solidFill>
-          <a:ln w="0">
-            <a:solidFill>
-              <a:srgbClr val="3465a4"/>
-            </a:solidFill>
-          </a:ln>
-        </p:spPr>
-        <p:style>
-          <a:lnRef idx="0"/>
-          <a:fillRef idx="0"/>
-          <a:effectRef idx="0"/>
-          <a:fontRef idx="minor"/>
-        </p:style>
-        <p:txBody>
-          <a:bodyPr lIns="90000" rIns="90000" tIns="45000" bIns="45000" anchor="ctr">
-            <a:noAutofit/>
-          </a:bodyPr>
-          <a:p>
-            <a:pPr algn="ctr"/>
-            <a:r>
-              <a:rPr b="0" lang="en-US" sz="3200" strike="noStrike" u="none">
-                <a:solidFill>
-                  <a:srgbClr val="000000"/>
-                </a:solidFill>
-                <a:effectLst/>
-                <a:uFillTx/>
-                <a:latin typeface="Open Sans"/>
-              </a:rPr>
-              <a:t>Application Request</a:t>
-            </a:r>
-            <a:endParaRPr b="0" lang="en-US" sz="3200" strike="noStrike" u="none">
-              <a:solidFill>
-                <a:srgbClr val="000000"/>
-              </a:solidFill>
-              <a:effectLst/>
-              <a:uFillTx/>
-              <a:latin typeface="Arial"/>
-            </a:endParaRPr>
-          </a:p>
-        </p:txBody>
-      </p:sp>
-      <p:sp>
-        <p:nvSpPr>
-          <p:cNvPr id="94" name=""/>
-          <p:cNvSpPr/>
-          <p:nvPr/>
-        </p:nvSpPr>
-        <p:spPr>
-          <a:xfrm>
-            <a:off x="14174640" y="18865800"/>
-            <a:ext cx="4800600" cy="914400"/>
-          </a:xfrm>
-          <a:prstGeom prst="rect">
-            <a:avLst/>
-          </a:prstGeom>
-          <a:noFill/>
-          <a:ln w="0">
-            <a:solidFill>
-              <a:srgbClr val="3465a4"/>
-            </a:solidFill>
-          </a:ln>
-        </p:spPr>
-        <p:style>
-          <a:lnRef idx="0"/>
-          <a:fillRef idx="0"/>
-          <a:effectRef idx="0"/>
-          <a:fontRef idx="minor"/>
-        </p:style>
-        <p:txBody>
-          <a:bodyPr lIns="90000" rIns="90000" tIns="45000" bIns="45000" anchor="ctr">
-            <a:noAutofit/>
-          </a:bodyPr>
-          <a:p>
-            <a:pPr algn="ctr"/>
-            <a:r>
-              <a:rPr b="0" lang="en-US" sz="3200" strike="noStrike" u="none">
-                <a:solidFill>
-                  <a:srgbClr val="000000"/>
-                </a:solidFill>
-                <a:effectLst/>
-                <a:uFillTx/>
-                <a:latin typeface="Open Sans"/>
-              </a:rPr>
-              <a:t>PMP Table</a:t>
-            </a:r>
-            <a:endParaRPr b="0" lang="en-US" sz="3200" strike="noStrike" u="none">
-              <a:solidFill>
-                <a:srgbClr val="000000"/>
-              </a:solidFill>
-              <a:effectLst/>
-              <a:uFillTx/>
-              <a:latin typeface="Arial"/>
-            </a:endParaRPr>
-          </a:p>
-        </p:txBody>
-      </p:sp>
-      <p:sp>
-        <p:nvSpPr>
-          <p:cNvPr id="95" name=""/>
-          <p:cNvSpPr/>
-          <p:nvPr/>
-        </p:nvSpPr>
-        <p:spPr>
-          <a:xfrm>
-            <a:off x="16509240" y="18059400"/>
-            <a:ext cx="0" cy="685800"/>
-          </a:xfrm>
-          <a:prstGeom prst="line">
-            <a:avLst/>
-          </a:prstGeom>
-          <a:ln w="38160">
-            <a:solidFill>
-              <a:srgbClr val="000000"/>
-            </a:solidFill>
-            <a:round/>
-            <a:tailEnd len="med" type="triangle" w="med"/>
-          </a:ln>
-        </p:spPr>
-        <p:style>
-          <a:lnRef idx="0"/>
-          <a:fillRef idx="0"/>
-          <a:effectRef idx="0"/>
-          <a:fontRef idx="minor"/>
-        </p:style>
-        <p:txBody>
-          <a:bodyPr lIns="109080" rIns="109080" tIns="64080" bIns="64080" anchor="ctr">
-            <a:noAutofit/>
-          </a:bodyPr>
-          <a:p>
-            <a:endParaRPr b="0" lang="en-US" sz="1800" strike="noStrike" u="none">
-              <a:solidFill>
-                <a:srgbClr val="000000"/>
-              </a:solidFill>
-              <a:effectLst/>
-              <a:uFillTx/>
-              <a:latin typeface="Arial"/>
-            </a:endParaRPr>
-          </a:p>
-        </p:txBody>
-      </p:sp>
-      <p:sp>
-        <p:nvSpPr>
-          <p:cNvPr id="96" name=""/>
-          <p:cNvSpPr/>
-          <p:nvPr/>
-        </p:nvSpPr>
-        <p:spPr>
-          <a:xfrm>
-            <a:off x="14173200" y="19774080"/>
-            <a:ext cx="1636200" cy="799920"/>
-          </a:xfrm>
-          <a:prstGeom prst="rect">
-            <a:avLst/>
-          </a:prstGeom>
-          <a:solidFill>
-            <a:srgbClr val="729fcf"/>
-          </a:solidFill>
-          <a:ln w="0">
-            <a:solidFill>
-              <a:srgbClr val="3465a4"/>
-            </a:solidFill>
-          </a:ln>
-        </p:spPr>
-        <p:style>
-          <a:lnRef idx="0"/>
-          <a:fillRef idx="0"/>
-          <a:effectRef idx="0"/>
-          <a:fontRef idx="minor"/>
-        </p:style>
-        <p:txBody>
-          <a:bodyPr lIns="90000" rIns="90000" tIns="45000" bIns="45000" anchor="ctr">
-            <a:noAutofit/>
-          </a:bodyPr>
-          <a:p>
-            <a:endParaRPr b="0" lang="en-US" sz="1800" strike="noStrike" u="none">
-              <a:solidFill>
-                <a:srgbClr val="000000"/>
-              </a:solidFill>
-              <a:effectLst/>
-              <a:uFillTx/>
-              <a:latin typeface="Arial"/>
-            </a:endParaRPr>
-          </a:p>
-        </p:txBody>
-      </p:sp>
-      <p:sp>
-        <p:nvSpPr>
-          <p:cNvPr id="97" name=""/>
-          <p:cNvSpPr/>
-          <p:nvPr/>
-        </p:nvSpPr>
-        <p:spPr>
-          <a:xfrm>
-            <a:off x="15807240" y="19774080"/>
-            <a:ext cx="1636200" cy="799920"/>
-          </a:xfrm>
-          <a:prstGeom prst="rect">
-            <a:avLst/>
-          </a:prstGeom>
-          <a:solidFill>
-            <a:srgbClr val="77bc65"/>
-          </a:solidFill>
-          <a:ln w="0">
-            <a:solidFill>
-              <a:srgbClr val="3465a4"/>
-            </a:solidFill>
-          </a:ln>
-        </p:spPr>
-        <p:style>
-          <a:lnRef idx="0"/>
-          <a:fillRef idx="0"/>
-          <a:effectRef idx="0"/>
-          <a:fontRef idx="minor"/>
-        </p:style>
-        <p:txBody>
-          <a:bodyPr lIns="90000" rIns="90000" tIns="45000" bIns="45000" anchor="ctr">
-            <a:noAutofit/>
-          </a:bodyPr>
-          <a:p>
-            <a:endParaRPr b="0" lang="en-US" sz="1800" strike="noStrike" u="none">
-              <a:solidFill>
-                <a:srgbClr val="000000"/>
-              </a:solidFill>
-              <a:effectLst/>
-              <a:uFillTx/>
-              <a:latin typeface="Arial"/>
-            </a:endParaRPr>
-          </a:p>
-        </p:txBody>
-      </p:sp>
-      <p:sp>
-        <p:nvSpPr>
-          <p:cNvPr id="98" name=""/>
-          <p:cNvSpPr/>
-          <p:nvPr/>
-        </p:nvSpPr>
-        <p:spPr>
-          <a:xfrm>
-            <a:off x="17355240" y="19774080"/>
-            <a:ext cx="1618560" cy="799920"/>
-          </a:xfrm>
-          <a:prstGeom prst="rect">
-            <a:avLst/>
-          </a:prstGeom>
-          <a:solidFill>
-            <a:srgbClr val="ffa6a6"/>
-          </a:solidFill>
-          <a:ln w="0">
-            <a:solidFill>
-              <a:srgbClr val="3465a4"/>
-            </a:solidFill>
-          </a:ln>
-        </p:spPr>
-        <p:style>
-          <a:lnRef idx="0"/>
-          <a:fillRef idx="0"/>
-          <a:effectRef idx="0"/>
-          <a:fontRef idx="minor"/>
-        </p:style>
-        <p:txBody>
-          <a:bodyPr lIns="90000" rIns="90000" tIns="45000" bIns="45000" anchor="ctr">
-            <a:noAutofit/>
-          </a:bodyPr>
-          <a:p>
-            <a:endParaRPr b="0" lang="en-US" sz="1800" strike="noStrike" u="none">
-              <a:solidFill>
-                <a:srgbClr val="000000"/>
-              </a:solidFill>
-              <a:effectLst/>
               <a:uFillTx/>
               <a:latin typeface="Arial"/>
             </a:endParaRPr>

--- a/presentations/YARCH25.pptx
+++ b/presentations/YARCH25.pptx
@@ -42,7 +42,7 @@
         <p:spPr>
           <a:xfrm>
             <a:off x="3291480" y="13439160"/>
-            <a:ext cx="37304640" cy="625320"/>
+            <a:ext cx="37304280" cy="625320"/>
           </a:xfrm>
           <a:prstGeom prst="rect">
             <a:avLst/>
@@ -54,7 +54,7 @@
         </p:spPr>
         <p:txBody>
           <a:bodyPr lIns="0" rIns="0" tIns="0" bIns="0" anchor="ctr">
-            <a:noAutofit/>
+            <a:spAutoFit/>
           </a:bodyPr>
           <a:p>
             <a:pPr indent="0" algn="ctr">
@@ -64,6 +64,7 @@
               <a:solidFill>
                 <a:srgbClr val="000000"/>
               </a:solidFill>
+              <a:effectLst/>
               <a:uFillTx/>
               <a:latin typeface="Arial"/>
             </a:endParaRPr>
@@ -95,7 +96,7 @@
         </p:spPr>
         <p:txBody>
           <a:bodyPr lIns="0" rIns="0" tIns="0" bIns="0" anchor="ctr">
-            <a:noAutofit/>
+            <a:spAutoFit/>
           </a:bodyPr>
           <a:p>
             <a:pPr indent="0" algn="ctr">
@@ -105,6 +106,7 @@
               <a:solidFill>
                 <a:srgbClr val="000000"/>
               </a:solidFill>
+              <a:effectLst/>
               <a:uFillTx/>
               <a:latin typeface="Arial"/>
             </a:endParaRPr>
@@ -145,7 +147,7 @@
         <p:txBody>
           <a:bodyPr/>
           <a:p>
-            <a:fld id="{C765C604-EB1A-4F0E-9C15-C3D93511B8BA}" type="slidenum">
+            <a:fld id="{DF86226F-9602-464D-90D1-9354BD0F1282}" type="slidenum">
               <a:t>&lt;#&gt;</a:t>
             </a:fld>
           </a:p>
@@ -213,12 +215,13 @@
         </p:blipFill>
         <p:spPr>
           <a:xfrm rot="16200000">
-            <a:off x="-11070720" y="16462800"/>
-            <a:ext cx="14271120" cy="3933360"/>
+            <a:off x="-11070360" y="16463160"/>
+            <a:ext cx="14270760" cy="3933000"/>
           </a:xfrm>
           <a:prstGeom prst="rect">
             <a:avLst/>
           </a:prstGeom>
+          <a:noFill/>
           <a:ln w="0">
             <a:noFill/>
           </a:ln>
@@ -236,12 +239,13 @@
         </p:blipFill>
         <p:spPr>
           <a:xfrm rot="5400000">
-            <a:off x="40694400" y="16459200"/>
-            <a:ext cx="14271120" cy="3933360"/>
+            <a:off x="40694760" y="16459200"/>
+            <a:ext cx="14270760" cy="3933000"/>
           </a:xfrm>
           <a:prstGeom prst="rect">
             <a:avLst/>
           </a:prstGeom>
+          <a:noFill/>
           <a:ln w="0">
             <a:noFill/>
           </a:ln>
@@ -260,11 +264,12 @@
         <p:spPr>
           <a:xfrm>
             <a:off x="6946920" y="33426360"/>
-            <a:ext cx="29993760" cy="1444320"/>
+            <a:ext cx="29993400" cy="1443960"/>
           </a:xfrm>
           <a:prstGeom prst="rect">
             <a:avLst/>
           </a:prstGeom>
+          <a:noFill/>
           <a:ln w="0">
             <a:noFill/>
           </a:ln>
@@ -279,7 +284,7 @@
         <p:spPr>
           <a:xfrm>
             <a:off x="6946920" y="33998040"/>
-            <a:ext cx="21942000" cy="1266480"/>
+            <a:ext cx="21941640" cy="1266120"/>
           </a:xfrm>
           <a:prstGeom prst="rect">
             <a:avLst/>
@@ -310,6 +315,7 @@
                 <a:solidFill>
                   <a:srgbClr val="808080"/>
                 </a:solidFill>
+                <a:effectLst/>
                 <a:uFillTx/>
                 <a:latin typeface="Arial"/>
                 <a:ea typeface="Arial"/>
@@ -320,6 +326,7 @@
               <a:solidFill>
                 <a:srgbClr val="000000"/>
               </a:solidFill>
+              <a:effectLst/>
               <a:uFillTx/>
               <a:latin typeface="Arial"/>
             </a:endParaRPr>
@@ -338,8 +345,8 @@
         </p:nvSpPr>
         <p:spPr>
           <a:xfrm>
-            <a:off x="3291480" y="13614480"/>
-            <a:ext cx="37304640" cy="274680"/>
+            <a:off x="3291480" y="13439160"/>
+            <a:ext cx="37304280" cy="624960"/>
           </a:xfrm>
           <a:prstGeom prst="rect">
             <a:avLst/>
@@ -362,6 +369,7 @@
                 <a:solidFill>
                   <a:srgbClr val="000000"/>
                 </a:solidFill>
+                <a:effectLst/>
                 <a:uFillTx/>
                 <a:latin typeface="Arial"/>
               </a:rPr>
@@ -371,6 +379,7 @@
               <a:solidFill>
                 <a:srgbClr val="000000"/>
               </a:solidFill>
+              <a:effectLst/>
               <a:uFillTx/>
               <a:latin typeface="Arial"/>
             </a:endParaRPr>
@@ -390,7 +399,7 @@
         <p:spPr>
           <a:xfrm>
             <a:off x="14994360" y="29977560"/>
-            <a:ext cx="13898520" cy="2282400"/>
+            <a:ext cx="13898160" cy="2282040"/>
           </a:xfrm>
           <a:prstGeom prst="rect">
             <a:avLst/>
@@ -417,6 +426,7 @@
                 <a:solidFill>
                   <a:srgbClr val="000000"/>
                 </a:solidFill>
+                <a:effectLst/>
                 <a:uFillTx/>
                 <a:latin typeface="Times New Roman"/>
               </a:defRPr>
@@ -437,6 +447,7 @@
                 <a:solidFill>
                   <a:srgbClr val="000000"/>
                 </a:solidFill>
+                <a:effectLst/>
                 <a:uFillTx/>
                 <a:latin typeface="Times New Roman"/>
               </a:rPr>
@@ -446,6 +457,7 @@
               <a:solidFill>
                 <a:srgbClr val="000000"/>
               </a:solidFill>
+              <a:effectLst/>
               <a:uFillTx/>
               <a:latin typeface="Times New Roman"/>
             </a:endParaRPr>
@@ -465,7 +477,7 @@
         <p:spPr>
           <a:xfrm>
             <a:off x="31453560" y="29977560"/>
-            <a:ext cx="10240920" cy="2282400"/>
+            <a:ext cx="10240560" cy="2282040"/>
           </a:xfrm>
           <a:prstGeom prst="rect">
             <a:avLst/>
@@ -492,6 +504,7 @@
                 <a:solidFill>
                   <a:schemeClr val="dk1"/>
                 </a:solidFill>
+                <a:effectLst/>
                 <a:uFillTx/>
                 <a:latin typeface="Arial"/>
                 <a:ea typeface="Arial"/>
@@ -508,11 +521,12 @@
                 <a:tab algn="l" pos="0"/>
               </a:tabLst>
             </a:pPr>
-            <a:fld id="{EFBF6ABF-5295-49D7-85ED-7D85F73C0216}" type="slidenum">
+            <a:fld id="{B52C5228-462F-4BD6-A266-23C38BF2401D}" type="slidenum">
               <a:rPr b="0" lang="en-US" sz="5030" strike="noStrike" u="none">
                 <a:solidFill>
                   <a:schemeClr val="dk1"/>
                 </a:solidFill>
+                <a:effectLst/>
                 <a:uFillTx/>
                 <a:latin typeface="Arial"/>
                 <a:ea typeface="Arial"/>
@@ -523,6 +537,7 @@
               <a:solidFill>
                 <a:srgbClr val="000000"/>
               </a:solidFill>
+              <a:effectLst/>
               <a:uFillTx/>
               <a:latin typeface="Times New Roman"/>
             </a:endParaRPr>
@@ -542,7 +557,7 @@
         <p:spPr>
           <a:xfrm>
             <a:off x="2192760" y="29977560"/>
-            <a:ext cx="10240920" cy="2282400"/>
+            <a:ext cx="10240560" cy="2282040"/>
           </a:xfrm>
           <a:prstGeom prst="rect">
             <a:avLst/>
@@ -563,6 +578,7 @@
                 <a:solidFill>
                   <a:srgbClr val="000000"/>
                 </a:solidFill>
+                <a:effectLst/>
                 <a:uFillTx/>
                 <a:latin typeface="Times New Roman"/>
               </a:defRPr>
@@ -577,6 +593,7 @@
                 <a:solidFill>
                   <a:srgbClr val="000000"/>
                 </a:solidFill>
+                <a:effectLst/>
                 <a:uFillTx/>
                 <a:latin typeface="Times New Roman"/>
               </a:rPr>
@@ -586,6 +603,7 @@
               <a:solidFill>
                 <a:srgbClr val="000000"/>
               </a:solidFill>
+              <a:effectLst/>
               <a:uFillTx/>
               <a:latin typeface="Times New Roman"/>
             </a:endParaRPr>
@@ -636,6 +654,7 @@
                 <a:solidFill>
                   <a:srgbClr val="000000"/>
                 </a:solidFill>
+                <a:effectLst/>
                 <a:uFillTx/>
                 <a:latin typeface="Arial"/>
               </a:rPr>
@@ -645,6 +664,7 @@
               <a:solidFill>
                 <a:srgbClr val="000000"/>
               </a:solidFill>
+              <a:effectLst/>
               <a:uFillTx/>
               <a:latin typeface="Arial"/>
             </a:endParaRPr>
@@ -666,6 +686,7 @@
                 <a:solidFill>
                   <a:srgbClr val="000000"/>
                 </a:solidFill>
+                <a:effectLst/>
                 <a:uFillTx/>
                 <a:latin typeface="Arial"/>
               </a:rPr>
@@ -675,6 +696,7 @@
               <a:solidFill>
                 <a:srgbClr val="000000"/>
               </a:solidFill>
+              <a:effectLst/>
               <a:uFillTx/>
               <a:latin typeface="Arial"/>
             </a:endParaRPr>
@@ -696,6 +718,7 @@
                 <a:solidFill>
                   <a:srgbClr val="000000"/>
                 </a:solidFill>
+                <a:effectLst/>
                 <a:uFillTx/>
                 <a:latin typeface="Arial"/>
               </a:rPr>
@@ -705,6 +728,7 @@
               <a:solidFill>
                 <a:srgbClr val="000000"/>
               </a:solidFill>
+              <a:effectLst/>
               <a:uFillTx/>
               <a:latin typeface="Arial"/>
             </a:endParaRPr>
@@ -726,6 +750,7 @@
                 <a:solidFill>
                   <a:srgbClr val="000000"/>
                 </a:solidFill>
+                <a:effectLst/>
                 <a:uFillTx/>
                 <a:latin typeface="Arial"/>
               </a:rPr>
@@ -735,6 +760,7 @@
               <a:solidFill>
                 <a:srgbClr val="000000"/>
               </a:solidFill>
+              <a:effectLst/>
               <a:uFillTx/>
               <a:latin typeface="Arial"/>
             </a:endParaRPr>
@@ -756,6 +782,7 @@
                 <a:solidFill>
                   <a:srgbClr val="000000"/>
                 </a:solidFill>
+                <a:effectLst/>
                 <a:uFillTx/>
                 <a:latin typeface="Arial"/>
               </a:rPr>
@@ -765,6 +792,7 @@
               <a:solidFill>
                 <a:srgbClr val="000000"/>
               </a:solidFill>
+              <a:effectLst/>
               <a:uFillTx/>
               <a:latin typeface="Arial"/>
             </a:endParaRPr>
@@ -786,6 +814,7 @@
                 <a:solidFill>
                   <a:srgbClr val="000000"/>
                 </a:solidFill>
+                <a:effectLst/>
                 <a:uFillTx/>
                 <a:latin typeface="Arial"/>
               </a:rPr>
@@ -795,6 +824,7 @@
               <a:solidFill>
                 <a:srgbClr val="000000"/>
               </a:solidFill>
+              <a:effectLst/>
               <a:uFillTx/>
               <a:latin typeface="Arial"/>
             </a:endParaRPr>
@@ -816,6 +846,7 @@
                 <a:solidFill>
                   <a:srgbClr val="000000"/>
                 </a:solidFill>
+                <a:effectLst/>
                 <a:uFillTx/>
                 <a:latin typeface="Arial"/>
               </a:rPr>
@@ -825,6 +856,7 @@
               <a:solidFill>
                 <a:srgbClr val="000000"/>
               </a:solidFill>
+              <a:effectLst/>
               <a:uFillTx/>
               <a:latin typeface="Arial"/>
             </a:endParaRPr>
@@ -865,8 +897,8 @@
         </p:nvSpPr>
         <p:spPr>
           <a:xfrm>
-            <a:off x="33147000" y="17454240"/>
-            <a:ext cx="10122480" cy="14081760"/>
+            <a:off x="33147000" y="26517600"/>
+            <a:ext cx="10122120" cy="5018040"/>
           </a:xfrm>
           <a:prstGeom prst="rect">
             <a:avLst/>
@@ -902,16 +934,81 @@
                 <a:solidFill>
                   <a:schemeClr val="dk1"/>
                 </a:solidFill>
+                <a:effectLst/>
                 <a:uFillTx/>
                 <a:latin typeface="Open Sans"/>
                 <a:ea typeface="Open Sans"/>
               </a:rPr>
-              <a:t>Designs in simulation can be tested on real workloads and state-of-the-art, or custom benchmarks.</a:t>
-            </a:r>
-            <a:endParaRPr b="0" lang="en-US" sz="3200" strike="noStrike" u="none">
-              <a:solidFill>
-                <a:srgbClr val="000000"/>
-              </a:solidFill>
+              <a:t>[1] Dayeol Lee, David Kohlbrenner, Shweta Shinde, Krste Asanovic, and Dawn Song, Keystone: An Open Framework for Architecting Trusted Execution Environments, In </a:t>
+            </a:r>
+            <a:r>
+              <a:rPr b="0" i="1" lang="en-US" sz="3200" strike="noStrike" u="none">
+                <a:solidFill>
+                  <a:schemeClr val="dk1"/>
+                </a:solidFill>
+                <a:effectLst/>
+                <a:uFillTx/>
+                <a:latin typeface="Open Sans"/>
+                <a:ea typeface="Open Sans"/>
+              </a:rPr>
+              <a:t>Fifteenth European Conference on Computer Systems (EuroSys ’20)</a:t>
+            </a:r>
+            <a:r>
+              <a:rPr b="0" lang="en-US" sz="3200" strike="noStrike" u="none">
+                <a:solidFill>
+                  <a:schemeClr val="dk1"/>
+                </a:solidFill>
+                <a:effectLst/>
+                <a:uFillTx/>
+                <a:latin typeface="Open Sans"/>
+                <a:ea typeface="Open Sans"/>
+              </a:rPr>
+              <a:t> 2020.</a:t>
+            </a:r>
+            <a:endParaRPr b="0" lang="en-US" sz="3200" strike="noStrike" u="none">
+              <a:solidFill>
+                <a:srgbClr val="000000"/>
+              </a:solidFill>
+              <a:effectLst/>
+              <a:uFillTx/>
+              <a:latin typeface="Arial"/>
+            </a:endParaRPr>
+          </a:p>
+          <a:p>
+            <a:pPr algn="just">
+              <a:lnSpc>
+                <a:spcPct val="110000"/>
+              </a:lnSpc>
+            </a:pPr>
+            <a:r>
+              <a:rPr b="0" lang="en-US" sz="3200" strike="noStrike" u="none">
+                <a:solidFill>
+                  <a:schemeClr val="dk1"/>
+                </a:solidFill>
+                <a:effectLst/>
+                <a:uFillTx/>
+                <a:latin typeface="Open Sans"/>
+                <a:ea typeface="Open Sans"/>
+              </a:rPr>
+              <a:t>[2] Zach Moolman and Tamara Silbergleit Lehman, Extending RISC-V Keystone to Include Efficient Secure Memory, In: </a:t>
+            </a:r>
+            <a:r>
+              <a:rPr b="0" i="1" lang="en-US" sz="3200" strike="noStrike" u="none">
+                <a:solidFill>
+                  <a:schemeClr val="dk1"/>
+                </a:solidFill>
+                <a:effectLst/>
+                <a:uFillTx/>
+                <a:latin typeface="Open Sans"/>
+                <a:ea typeface="Open Sans"/>
+              </a:rPr>
+              <a:t>Eighth Workshop on Computer Architecture Research with RISC-V (CARRV 2024)</a:t>
+            </a:r>
+            <a:endParaRPr b="0" lang="en-US" sz="3200" strike="noStrike" u="none">
+              <a:solidFill>
+                <a:srgbClr val="000000"/>
+              </a:solidFill>
+              <a:effectLst/>
               <a:uFillTx/>
               <a:latin typeface="Arial"/>
             </a:endParaRPr>
@@ -927,7 +1024,7 @@
         <p:spPr>
           <a:xfrm>
             <a:off x="22174200" y="5558400"/>
-            <a:ext cx="10513440" cy="25986240"/>
+            <a:ext cx="10513080" cy="25985880"/>
           </a:xfrm>
           <a:prstGeom prst="rect">
             <a:avLst/>
@@ -962,6 +1059,7 @@
               <a:solidFill>
                 <a:srgbClr val="000000"/>
               </a:solidFill>
+              <a:effectLst/>
               <a:uFillTx/>
               <a:latin typeface="Arial"/>
               <a:ea typeface="Arial"/>
@@ -978,7 +1076,7 @@
         <p:spPr>
           <a:xfrm>
             <a:off x="33147000" y="6413400"/>
-            <a:ext cx="10121760" cy="10200240"/>
+            <a:ext cx="10121400" cy="19245600"/>
           </a:xfrm>
           <a:prstGeom prst="rect">
             <a:avLst/>
@@ -1004,13 +1102,10 @@
             <a:noAutofit/>
           </a:bodyPr>
           <a:p>
-            <a:pPr>
-              <a:lnSpc>
-                <a:spcPct val="100000"/>
-              </a:lnSpc>
-              <a:spcBef>
-                <a:spcPts val="1417"/>
-              </a:spcBef>
+            <a:pPr algn="just">
+              <a:lnSpc>
+                <a:spcPct val="110000"/>
+              </a:lnSpc>
               <a:tabLst>
                 <a:tab algn="l" pos="0"/>
               </a:tabLst>
@@ -1020,6 +1115,7 @@
                 <a:solidFill>
                   <a:schemeClr val="dk1"/>
                 </a:solidFill>
+                <a:effectLst/>
                 <a:uFillTx/>
                 <a:latin typeface="Open Sans"/>
                 <a:ea typeface="Open Sans"/>
@@ -1030,6 +1126,7 @@
               <a:solidFill>
                 <a:srgbClr val="000000"/>
               </a:solidFill>
+              <a:effectLst/>
               <a:uFillTx/>
               <a:latin typeface="Arial"/>
             </a:endParaRPr>
@@ -1045,7 +1142,7 @@
         <p:spPr>
           <a:xfrm>
             <a:off x="11201400" y="5558400"/>
-            <a:ext cx="10513440" cy="25986240"/>
+            <a:ext cx="10513080" cy="25985880"/>
           </a:xfrm>
           <a:prstGeom prst="rect">
             <a:avLst/>
@@ -1071,24 +1168,18 @@
             <a:noAutofit/>
           </a:bodyPr>
           <a:p>
-            <a:pPr algn="ctr"/>
-            <a:r>
-              <a:rPr b="0" lang="en-US" sz="4200" strike="noStrike" u="none">
-                <a:solidFill>
-                  <a:srgbClr val="000000"/>
-                </a:solidFill>
-                <a:uFillTx/>
-                <a:latin typeface="Arial"/>
-              </a:rPr>
-              <a:t>TEE Building Blocks Fig</a:t>
-            </a:r>
-            <a:endParaRPr b="0" lang="en-US" sz="4200" strike="noStrike" u="none">
-              <a:solidFill>
-                <a:srgbClr val="000000"/>
-              </a:solidFill>
-              <a:uFillTx/>
-              <a:latin typeface="Arial"/>
-              <a:ea typeface="Arial"/>
+            <a:pPr algn="ctr">
+              <a:lnSpc>
+                <a:spcPct val="100000"/>
+              </a:lnSpc>
+            </a:pPr>
+            <a:endParaRPr b="0" lang="en-US" sz="1800" strike="noStrike" u="none">
+              <a:solidFill>
+                <a:srgbClr val="000000"/>
+              </a:solidFill>
+              <a:effectLst/>
+              <a:uFillTx/>
+              <a:latin typeface="Arial"/>
             </a:endParaRPr>
           </a:p>
         </p:txBody>
@@ -1102,7 +1193,7 @@
         <p:spPr>
           <a:xfrm>
             <a:off x="577800" y="5558400"/>
-            <a:ext cx="10164240" cy="11527920"/>
+            <a:ext cx="10163880" cy="11527560"/>
           </a:xfrm>
           <a:prstGeom prst="rect">
             <a:avLst/>
@@ -1137,6 +1228,7 @@
               <a:solidFill>
                 <a:srgbClr val="000000"/>
               </a:solidFill>
+              <a:effectLst/>
               <a:uFillTx/>
               <a:latin typeface="Arial"/>
               <a:ea typeface="Arial"/>
@@ -1153,7 +1245,7 @@
         <p:spPr>
           <a:xfrm>
             <a:off x="0" y="3240"/>
-            <a:ext cx="43887600" cy="5251320"/>
+            <a:ext cx="43887240" cy="5250960"/>
           </a:xfrm>
           <a:prstGeom prst="rect">
             <a:avLst/>
@@ -1185,6 +1277,7 @@
               <a:solidFill>
                 <a:schemeClr val="dk2"/>
               </a:solidFill>
+              <a:effectLst/>
               <a:uFillTx/>
               <a:latin typeface="Gill Sans"/>
               <a:ea typeface="Arial"/>
@@ -1201,7 +1294,7 @@
         <p:spPr>
           <a:xfrm>
             <a:off x="585360" y="6522480"/>
-            <a:ext cx="10203840" cy="10542240"/>
+            <a:ext cx="10203480" cy="10542240"/>
           </a:xfrm>
           <a:prstGeom prst="rect">
             <a:avLst/>
@@ -1235,6 +1328,7 @@
                 <a:solidFill>
                   <a:schemeClr val="dk1"/>
                 </a:solidFill>
+                <a:effectLst/>
                 <a:uFillTx/>
                 <a:latin typeface="Open Sans"/>
                 <a:ea typeface="Open Sans"/>
@@ -1245,6 +1339,7 @@
               <a:solidFill>
                 <a:srgbClr val="000000"/>
               </a:solidFill>
+              <a:effectLst/>
               <a:uFillTx/>
               <a:latin typeface="Arial"/>
             </a:endParaRPr>
@@ -1263,6 +1358,7 @@
                 <a:solidFill>
                   <a:schemeClr val="dk1"/>
                 </a:solidFill>
+                <a:effectLst/>
                 <a:uFillTx/>
                 <a:latin typeface="Open Sans"/>
                 <a:ea typeface="Open Sans"/>
@@ -1273,6 +1369,7 @@
               <a:solidFill>
                 <a:srgbClr val="000000"/>
               </a:solidFill>
+              <a:effectLst/>
               <a:uFillTx/>
               <a:latin typeface="Arial"/>
             </a:endParaRPr>
@@ -1290,6 +1387,7 @@
               <a:solidFill>
                 <a:srgbClr val="000000"/>
               </a:solidFill>
+              <a:effectLst/>
               <a:uFillTx/>
               <a:latin typeface="Arial"/>
             </a:endParaRPr>
@@ -1307,6 +1405,7 @@
               <a:solidFill>
                 <a:srgbClr val="000000"/>
               </a:solidFill>
+              <a:effectLst/>
               <a:uFillTx/>
               <a:latin typeface="Arial"/>
             </a:endParaRPr>
@@ -1324,6 +1423,7 @@
               <a:solidFill>
                 <a:srgbClr val="000000"/>
               </a:solidFill>
+              <a:effectLst/>
               <a:uFillTx/>
               <a:latin typeface="Arial"/>
             </a:endParaRPr>
@@ -1341,6 +1441,7 @@
               <a:solidFill>
                 <a:srgbClr val="000000"/>
               </a:solidFill>
+              <a:effectLst/>
               <a:uFillTx/>
               <a:latin typeface="Arial"/>
             </a:endParaRPr>
@@ -1358,6 +1459,7 @@
               <a:solidFill>
                 <a:srgbClr val="000000"/>
               </a:solidFill>
+              <a:effectLst/>
               <a:uFillTx/>
               <a:latin typeface="Arial"/>
             </a:endParaRPr>
@@ -1375,6 +1477,7 @@
               <a:solidFill>
                 <a:srgbClr val="000000"/>
               </a:solidFill>
+              <a:effectLst/>
               <a:uFillTx/>
               <a:latin typeface="Arial"/>
             </a:endParaRPr>
@@ -1392,6 +1495,7 @@
               <a:solidFill>
                 <a:srgbClr val="000000"/>
               </a:solidFill>
+              <a:effectLst/>
               <a:uFillTx/>
               <a:latin typeface="Arial"/>
             </a:endParaRPr>
@@ -1409,6 +1513,7 @@
               <a:solidFill>
                 <a:srgbClr val="000000"/>
               </a:solidFill>
+              <a:effectLst/>
               <a:uFillTx/>
               <a:latin typeface="Arial"/>
             </a:endParaRPr>
@@ -1426,6 +1531,7 @@
               <a:solidFill>
                 <a:srgbClr val="000000"/>
               </a:solidFill>
+              <a:effectLst/>
               <a:uFillTx/>
               <a:latin typeface="Arial"/>
             </a:endParaRPr>
@@ -1443,6 +1549,7 @@
               <a:solidFill>
                 <a:srgbClr val="000000"/>
               </a:solidFill>
+              <a:effectLst/>
               <a:uFillTx/>
               <a:latin typeface="Arial"/>
             </a:endParaRPr>
@@ -1461,6 +1568,7 @@
                 <a:solidFill>
                   <a:schemeClr val="dk1"/>
                 </a:solidFill>
+                <a:effectLst/>
                 <a:uFillTx/>
                 <a:latin typeface="Open Sans"/>
                 <a:ea typeface="Open Sans"/>
@@ -1471,6 +1579,7 @@
               <a:solidFill>
                 <a:srgbClr val="000000"/>
               </a:solidFill>
+              <a:effectLst/>
               <a:uFillTx/>
               <a:latin typeface="Arial"/>
             </a:endParaRPr>
@@ -1486,7 +1595,7 @@
         <p:spPr>
           <a:xfrm>
             <a:off x="7543800" y="410400"/>
-            <a:ext cx="28800360" cy="2934000"/>
+            <a:ext cx="28800000" cy="2933640"/>
           </a:xfrm>
           <a:prstGeom prst="rect">
             <a:avLst/>
@@ -1523,6 +1632,7 @@
                 <a:solidFill>
                   <a:srgbClr val="ffffff"/>
                 </a:solidFill>
+                <a:effectLst/>
                 <a:uFillTx/>
                 <a:latin typeface="Bree Serif"/>
                 <a:ea typeface="Arial"/>
@@ -1533,6 +1643,7 @@
               <a:solidFill>
                 <a:srgbClr val="000000"/>
               </a:solidFill>
+              <a:effectLst/>
               <a:uFillTx/>
               <a:latin typeface="Arial"/>
             </a:endParaRPr>
@@ -1548,7 +1659,7 @@
         <p:spPr>
           <a:xfrm>
             <a:off x="3657600" y="3395880"/>
-            <a:ext cx="36572400" cy="2458440"/>
+            <a:ext cx="36572040" cy="2458440"/>
           </a:xfrm>
           <a:prstGeom prst="rect">
             <a:avLst/>
@@ -1585,6 +1696,7 @@
                 <a:solidFill>
                   <a:srgbClr val="ffffff"/>
                 </a:solidFill>
+                <a:effectLst/>
                 <a:uFillTx/>
                 <a:latin typeface="Open Sans"/>
                 <a:ea typeface="Open Sans"/>
@@ -1596,6 +1708,7 @@
                 <a:solidFill>
                   <a:srgbClr val="ffffff"/>
                 </a:solidFill>
+                <a:effectLst/>
                 <a:uFillTx/>
                 <a:latin typeface="Open Sans"/>
                 <a:ea typeface="Open Sans"/>
@@ -1607,6 +1720,7 @@
                 <a:solidFill>
                   <a:srgbClr val="ffffff"/>
                 </a:solidFill>
+                <a:effectLst/>
                 <a:uFillTx/>
                 <a:latin typeface="Open Sans"/>
                 <a:ea typeface="Open Sans"/>
@@ -1618,6 +1732,7 @@
                 <a:solidFill>
                   <a:srgbClr val="ffffff"/>
                 </a:solidFill>
+                <a:effectLst/>
                 <a:uFillTx/>
                 <a:latin typeface="Open Sans"/>
                 <a:ea typeface="Open Sans"/>
@@ -1629,6 +1744,7 @@
                 <a:solidFill>
                   <a:srgbClr val="ffffff"/>
                 </a:solidFill>
+                <a:effectLst/>
                 <a:uFillTx/>
                 <a:latin typeface="Open Sans"/>
                 <a:ea typeface="Open Sans"/>
@@ -1639,6 +1755,7 @@
               <a:solidFill>
                 <a:srgbClr val="000000"/>
               </a:solidFill>
+              <a:effectLst/>
               <a:uFillTx/>
               <a:latin typeface="Arial"/>
             </a:endParaRPr>
@@ -1660,27 +1777,18 @@
                 <a:solidFill>
                   <a:srgbClr val="ffffff"/>
                 </a:solidFill>
+                <a:effectLst/>
                 <a:uFillTx/>
                 <a:latin typeface="Open Sans"/>
                 <a:ea typeface="Open Sans"/>
               </a:rPr>
-              <a:t>  </a:t>
-            </a:r>
-            <a:r>
-              <a:rPr b="0" lang="en-US" sz="4000" strike="noStrike" u="none">
-                <a:solidFill>
-                  <a:srgbClr val="ffffff"/>
-                </a:solidFill>
-                <a:uFillTx/>
-                <a:latin typeface="Open Sans"/>
-                <a:ea typeface="Open Sans"/>
-              </a:rPr>
-              <a:t>Department of Computer Science                      Department of Computer Science</a:t>
+              <a:t>  Department of Computer Science                      Department of Computer Science</a:t>
             </a:r>
             <a:endParaRPr b="0" lang="en-US" sz="4000" strike="noStrike" u="none">
               <a:solidFill>
                 <a:srgbClr val="000000"/>
               </a:solidFill>
+              <a:effectLst/>
               <a:uFillTx/>
               <a:latin typeface="Arial"/>
             </a:endParaRPr>
@@ -1701,6 +1809,7 @@
               <a:solidFill>
                 <a:srgbClr val="000000"/>
               </a:solidFill>
+              <a:effectLst/>
               <a:uFillTx/>
               <a:latin typeface="Arial"/>
             </a:endParaRPr>
@@ -1716,7 +1825,7 @@
         <p:spPr>
           <a:xfrm>
             <a:off x="11633040" y="6450480"/>
-            <a:ext cx="9597600" cy="16718040"/>
+            <a:ext cx="9597240" cy="21581640"/>
           </a:xfrm>
           <a:prstGeom prst="rect">
             <a:avLst/>
@@ -1747,16 +1856,18 @@
                 <a:solidFill>
                   <a:schemeClr val="dk1"/>
                 </a:solidFill>
+                <a:effectLst/>
                 <a:uFillTx/>
                 <a:latin typeface="Open Sans"/>
                 <a:ea typeface="Open Sans"/>
               </a:rPr>
-              <a:t>Many TEE implementations exist, but Keystone is a popular, open-source version with many pre-existing simulator implementations.</a:t>
-            </a:r>
-            <a:endParaRPr b="0" lang="en-US" sz="3200" strike="noStrike" u="none">
-              <a:solidFill>
-                <a:srgbClr val="000000"/>
-              </a:solidFill>
+              <a:t>Many TEE implementations exist, but Keystone is a popular, open-source version with many pre-existing simulator components.</a:t>
+            </a:r>
+            <a:endParaRPr b="0" lang="en-US" sz="3200" strike="noStrike" u="none">
+              <a:solidFill>
+                <a:srgbClr val="000000"/>
+              </a:solidFill>
+              <a:effectLst/>
               <a:uFillTx/>
               <a:latin typeface="Arial"/>
             </a:endParaRPr>
@@ -1771,6 +1882,7 @@
               <a:solidFill>
                 <a:srgbClr val="000000"/>
               </a:solidFill>
+              <a:effectLst/>
               <a:uFillTx/>
               <a:latin typeface="Arial"/>
             </a:endParaRPr>
@@ -1785,6 +1897,7 @@
               <a:solidFill>
                 <a:srgbClr val="000000"/>
               </a:solidFill>
+              <a:effectLst/>
               <a:uFillTx/>
               <a:latin typeface="Arial"/>
             </a:endParaRPr>
@@ -1799,6 +1912,7 @@
               <a:solidFill>
                 <a:srgbClr val="000000"/>
               </a:solidFill>
+              <a:effectLst/>
               <a:uFillTx/>
               <a:latin typeface="Arial"/>
             </a:endParaRPr>
@@ -1813,6 +1927,7 @@
               <a:solidFill>
                 <a:srgbClr val="000000"/>
               </a:solidFill>
+              <a:effectLst/>
               <a:uFillTx/>
               <a:latin typeface="Arial"/>
             </a:endParaRPr>
@@ -1827,6 +1942,7 @@
               <a:solidFill>
                 <a:srgbClr val="000000"/>
               </a:solidFill>
+              <a:effectLst/>
               <a:uFillTx/>
               <a:latin typeface="Arial"/>
             </a:endParaRPr>
@@ -1841,6 +1957,7 @@
               <a:solidFill>
                 <a:srgbClr val="000000"/>
               </a:solidFill>
+              <a:effectLst/>
               <a:uFillTx/>
               <a:latin typeface="Arial"/>
             </a:endParaRPr>
@@ -1855,6 +1972,7 @@
               <a:solidFill>
                 <a:srgbClr val="000000"/>
               </a:solidFill>
+              <a:effectLst/>
               <a:uFillTx/>
               <a:latin typeface="Arial"/>
             </a:endParaRPr>
@@ -1869,6 +1987,7 @@
               <a:solidFill>
                 <a:srgbClr val="000000"/>
               </a:solidFill>
+              <a:effectLst/>
               <a:uFillTx/>
               <a:latin typeface="Arial"/>
             </a:endParaRPr>
@@ -1883,6 +2002,7 @@
               <a:solidFill>
                 <a:srgbClr val="000000"/>
               </a:solidFill>
+              <a:effectLst/>
               <a:uFillTx/>
               <a:latin typeface="Arial"/>
             </a:endParaRPr>
@@ -1897,6 +2017,7 @@
               <a:solidFill>
                 <a:srgbClr val="000000"/>
               </a:solidFill>
+              <a:effectLst/>
               <a:uFillTx/>
               <a:latin typeface="Arial"/>
             </a:endParaRPr>
@@ -1911,6 +2032,7 @@
               <a:solidFill>
                 <a:srgbClr val="000000"/>
               </a:solidFill>
+              <a:effectLst/>
               <a:uFillTx/>
               <a:latin typeface="Arial"/>
             </a:endParaRPr>
@@ -1925,6 +2047,7 @@
               <a:solidFill>
                 <a:srgbClr val="000000"/>
               </a:solidFill>
+              <a:effectLst/>
               <a:uFillTx/>
               <a:latin typeface="Arial"/>
             </a:endParaRPr>
@@ -1935,21 +2058,38 @@
                 <a:spcPct val="110000"/>
               </a:lnSpc>
             </a:pPr>
+            <a:endParaRPr b="0" lang="en-US" sz="3200" strike="noStrike" u="none">
+              <a:solidFill>
+                <a:srgbClr val="000000"/>
+              </a:solidFill>
+              <a:effectLst/>
+              <a:uFillTx/>
+              <a:latin typeface="Arial"/>
+            </a:endParaRPr>
+          </a:p>
+          <a:p>
+            <a:pPr algn="just">
+              <a:lnSpc>
+                <a:spcPct val="110000"/>
+              </a:lnSpc>
+            </a:pPr>
             <a:r>
               <a:rPr b="0" lang="en-US" sz="3200" strike="noStrike" u="none">
                 <a:solidFill>
                   <a:schemeClr val="dk1"/>
                 </a:solidFill>
+                <a:effectLst/>
                 <a:uFillTx/>
                 <a:latin typeface="Open Sans"/>
                 <a:ea typeface="Open Sans"/>
               </a:rPr>
-              <a:t>Keystone achieves isolation by segmenting memory &amp; defining rules for different threads with a structure called a PMP table.</a:t>
-            </a:r>
-            <a:endParaRPr b="0" lang="en-US" sz="3200" strike="noStrike" u="none">
-              <a:solidFill>
-                <a:srgbClr val="000000"/>
-              </a:solidFill>
+              <a:t>Keystone provides security through memory isolation, utilizing customized RISC-V hardware primitives.</a:t>
+            </a:r>
+            <a:endParaRPr b="0" lang="en-US" sz="3200" strike="noStrike" u="none">
+              <a:solidFill>
+                <a:srgbClr val="000000"/>
+              </a:solidFill>
+              <a:effectLst/>
               <a:uFillTx/>
               <a:latin typeface="Arial"/>
             </a:endParaRPr>
@@ -1964,6 +2104,7 @@
               <a:solidFill>
                 <a:srgbClr val="000000"/>
               </a:solidFill>
+              <a:effectLst/>
               <a:uFillTx/>
               <a:latin typeface="Arial"/>
             </a:endParaRPr>
@@ -1978,6 +2119,7 @@
               <a:solidFill>
                 <a:srgbClr val="000000"/>
               </a:solidFill>
+              <a:effectLst/>
               <a:uFillTx/>
               <a:latin typeface="Arial"/>
             </a:endParaRPr>
@@ -1992,6 +2134,7 @@
               <a:solidFill>
                 <a:srgbClr val="000000"/>
               </a:solidFill>
+              <a:effectLst/>
               <a:uFillTx/>
               <a:latin typeface="Arial"/>
             </a:endParaRPr>
@@ -2006,6 +2149,7 @@
               <a:solidFill>
                 <a:srgbClr val="000000"/>
               </a:solidFill>
+              <a:effectLst/>
               <a:uFillTx/>
               <a:latin typeface="Arial"/>
             </a:endParaRPr>
@@ -2020,6 +2164,7 @@
               <a:solidFill>
                 <a:srgbClr val="000000"/>
               </a:solidFill>
+              <a:effectLst/>
               <a:uFillTx/>
               <a:latin typeface="Arial"/>
             </a:endParaRPr>
@@ -2034,6 +2179,7 @@
               <a:solidFill>
                 <a:srgbClr val="000000"/>
               </a:solidFill>
+              <a:effectLst/>
               <a:uFillTx/>
               <a:latin typeface="Arial"/>
             </a:endParaRPr>
@@ -2048,6 +2194,7 @@
               <a:solidFill>
                 <a:srgbClr val="000000"/>
               </a:solidFill>
+              <a:effectLst/>
               <a:uFillTx/>
               <a:latin typeface="Arial"/>
             </a:endParaRPr>
@@ -2062,6 +2209,7 @@
               <a:solidFill>
                 <a:srgbClr val="000000"/>
               </a:solidFill>
+              <a:effectLst/>
               <a:uFillTx/>
               <a:latin typeface="Arial"/>
             </a:endParaRPr>
@@ -2076,6 +2224,7 @@
               <a:solidFill>
                 <a:srgbClr val="000000"/>
               </a:solidFill>
+              <a:effectLst/>
               <a:uFillTx/>
               <a:latin typeface="Arial"/>
             </a:endParaRPr>
@@ -2090,6 +2239,7 @@
               <a:solidFill>
                 <a:srgbClr val="000000"/>
               </a:solidFill>
+              <a:effectLst/>
               <a:uFillTx/>
               <a:latin typeface="Arial"/>
             </a:endParaRPr>
@@ -2100,56 +2250,120 @@
                 <a:spcPct val="110000"/>
               </a:lnSpc>
             </a:pPr>
-            <a:r>
-              <a:rPr b="0" lang="en-US" sz="3200" strike="noStrike" u="none">
-                <a:solidFill>
-                  <a:schemeClr val="dk1"/>
-                </a:solidFill>
-                <a:uFillTx/>
-                <a:latin typeface="Open Sans"/>
-                <a:ea typeface="Open Sans"/>
-              </a:rPr>
-              <a:t>This work proposes ready-made simulations, reducing set-up time for future developers to build their contributions.</a:t>
-            </a:r>
-            <a:endParaRPr b="0" lang="en-US" sz="3200" strike="noStrike" u="none">
-              <a:solidFill>
-                <a:srgbClr val="000000"/>
-              </a:solidFill>
-              <a:uFillTx/>
-              <a:latin typeface="Arial"/>
-            </a:endParaRPr>
-          </a:p>
-        </p:txBody>
-      </p:sp>
-      <p:sp>
-        <p:nvSpPr>
-          <p:cNvPr id="21" name="TextBox 19"/>
-          <p:cNvSpPr/>
-          <p:nvPr/>
-        </p:nvSpPr>
-        <p:spPr>
-          <a:xfrm>
-            <a:off x="22656960" y="6414480"/>
-            <a:ext cx="9597600" cy="9392760"/>
-          </a:xfrm>
-          <a:prstGeom prst="rect">
-            <a:avLst/>
-          </a:prstGeom>
-          <a:noFill/>
-          <a:ln w="0">
-            <a:noFill/>
-          </a:ln>
-        </p:spPr>
-        <p:style>
-          <a:lnRef idx="0"/>
-          <a:fillRef idx="0"/>
-          <a:effectRef idx="0"/>
-          <a:fontRef idx="minor"/>
-        </p:style>
-        <p:txBody>
-          <a:bodyPr lIns="90000" rIns="90000" tIns="45000" bIns="45000" anchor="t">
-            <a:spAutoFit/>
-          </a:bodyPr>
+            <a:endParaRPr b="0" lang="en-US" sz="3200" strike="noStrike" u="none">
+              <a:solidFill>
+                <a:srgbClr val="000000"/>
+              </a:solidFill>
+              <a:effectLst/>
+              <a:uFillTx/>
+              <a:latin typeface="Arial"/>
+            </a:endParaRPr>
+          </a:p>
+          <a:p>
+            <a:pPr algn="just">
+              <a:lnSpc>
+                <a:spcPct val="110000"/>
+              </a:lnSpc>
+            </a:pPr>
+            <a:endParaRPr b="0" lang="en-US" sz="3200" strike="noStrike" u="none">
+              <a:solidFill>
+                <a:srgbClr val="000000"/>
+              </a:solidFill>
+              <a:effectLst/>
+              <a:uFillTx/>
+              <a:latin typeface="Arial"/>
+            </a:endParaRPr>
+          </a:p>
+          <a:p>
+            <a:pPr algn="just">
+              <a:lnSpc>
+                <a:spcPct val="110000"/>
+              </a:lnSpc>
+            </a:pPr>
+            <a:endParaRPr b="0" lang="en-US" sz="3200" strike="noStrike" u="none">
+              <a:solidFill>
+                <a:srgbClr val="000000"/>
+              </a:solidFill>
+              <a:effectLst/>
+              <a:uFillTx/>
+              <a:latin typeface="Arial"/>
+            </a:endParaRPr>
+          </a:p>
+          <a:p>
+            <a:pPr algn="just">
+              <a:lnSpc>
+                <a:spcPct val="110000"/>
+              </a:lnSpc>
+            </a:pPr>
+            <a:endParaRPr b="0" lang="en-US" sz="3200" strike="noStrike" u="none">
+              <a:solidFill>
+                <a:srgbClr val="000000"/>
+              </a:solidFill>
+              <a:effectLst/>
+              <a:uFillTx/>
+              <a:latin typeface="Arial"/>
+            </a:endParaRPr>
+          </a:p>
+          <a:p>
+            <a:pPr algn="just">
+              <a:lnSpc>
+                <a:spcPct val="110000"/>
+              </a:lnSpc>
+            </a:pPr>
+            <a:endParaRPr b="0" lang="en-US" sz="3200" strike="noStrike" u="none">
+              <a:solidFill>
+                <a:srgbClr val="000000"/>
+              </a:solidFill>
+              <a:effectLst/>
+              <a:uFillTx/>
+              <a:latin typeface="Arial"/>
+            </a:endParaRPr>
+          </a:p>
+          <a:p>
+            <a:pPr algn="just">
+              <a:lnSpc>
+                <a:spcPct val="110000"/>
+              </a:lnSpc>
+            </a:pPr>
+            <a:endParaRPr b="0" lang="en-US" sz="3200" strike="noStrike" u="none">
+              <a:solidFill>
+                <a:srgbClr val="000000"/>
+              </a:solidFill>
+              <a:effectLst/>
+              <a:uFillTx/>
+              <a:latin typeface="Arial"/>
+            </a:endParaRPr>
+          </a:p>
+          <a:p>
+            <a:pPr algn="just">
+              <a:lnSpc>
+                <a:spcPct val="110000"/>
+              </a:lnSpc>
+            </a:pPr>
+            <a:endParaRPr b="0" lang="en-US" sz="3200" strike="noStrike" u="none">
+              <a:solidFill>
+                <a:srgbClr val="000000"/>
+              </a:solidFill>
+              <a:effectLst/>
+              <a:uFillTx/>
+              <a:latin typeface="Arial"/>
+            </a:endParaRPr>
+          </a:p>
+          <a:p>
+            <a:pPr algn="just">
+              <a:lnSpc>
+                <a:spcPct val="110000"/>
+              </a:lnSpc>
+            </a:pPr>
+            <a:endParaRPr b="0" lang="en-US" sz="3200" strike="noStrike" u="none">
+              <a:solidFill>
+                <a:srgbClr val="000000"/>
+              </a:solidFill>
+              <a:effectLst/>
+              <a:uFillTx/>
+              <a:latin typeface="Arial"/>
+            </a:endParaRPr>
+          </a:p>
           <a:p>
             <a:pPr algn="just">
               <a:lnSpc>
@@ -2167,20 +2381,53 @@
                 <a:solidFill>
                   <a:schemeClr val="dk1"/>
                 </a:solidFill>
+                <a:effectLst/>
                 <a:uFillTx/>
                 <a:latin typeface="Open Sans"/>
                 <a:ea typeface="Open Sans"/>
               </a:rPr>
-              <a:t>gem5 presents architectural design as typical class structures with attributes based on the behavior of the real world component</a:t>
-            </a:r>
-            <a:endParaRPr b="0" lang="en-US" sz="3200" strike="noStrike" u="none">
-              <a:solidFill>
-                <a:srgbClr val="000000"/>
-              </a:solidFill>
-              <a:uFillTx/>
-              <a:latin typeface="Arial"/>
-            </a:endParaRPr>
-          </a:p>
+              <a:t>Developers wishing to contribute to Keystone components must then implement hardware designs and corrresponding ISA extensions.</a:t>
+            </a:r>
+            <a:endParaRPr b="0" lang="en-US" sz="3200" strike="noStrike" u="none">
+              <a:solidFill>
+                <a:srgbClr val="000000"/>
+              </a:solidFill>
+              <a:effectLst/>
+              <a:uFillTx/>
+              <a:latin typeface="Arial"/>
+            </a:endParaRPr>
+          </a:p>
+        </p:txBody>
+      </p:sp>
+      <p:sp>
+        <p:nvSpPr>
+          <p:cNvPr id="21" name="TextBox 19"/>
+          <p:cNvSpPr/>
+          <p:nvPr/>
+        </p:nvSpPr>
+        <p:spPr>
+          <a:xfrm>
+            <a:off x="22656960" y="6414480"/>
+            <a:ext cx="9597240" cy="17225640"/>
+          </a:xfrm>
+          <a:prstGeom prst="rect">
+            <a:avLst/>
+          </a:prstGeom>
+          <a:noFill/>
+          <a:ln w="0">
+            <a:noFill/>
+          </a:ln>
+        </p:spPr>
+        <p:style>
+          <a:lnRef idx="0"/>
+          <a:fillRef idx="0"/>
+          <a:effectRef idx="0"/>
+          <a:fontRef idx="minor"/>
+        </p:style>
+        <p:txBody>
+          <a:bodyPr lIns="90000" rIns="90000" tIns="45000" bIns="45000" anchor="t">
+            <a:spAutoFit/>
+          </a:bodyPr>
           <a:p>
             <a:pPr algn="just">
               <a:lnSpc>
@@ -2193,10 +2440,23 @@
                 <a:spcPts val="283"/>
               </a:spcAft>
             </a:pPr>
-            <a:endParaRPr b="0" lang="en-US" sz="3200" strike="noStrike" u="none">
-              <a:solidFill>
-                <a:srgbClr val="000000"/>
-              </a:solidFill>
+            <a:r>
+              <a:rPr b="0" lang="en-US" sz="3200" strike="noStrike" u="none">
+                <a:solidFill>
+                  <a:schemeClr val="dk1"/>
+                </a:solidFill>
+                <a:effectLst/>
+                <a:uFillTx/>
+                <a:latin typeface="Open Sans"/>
+                <a:ea typeface="Open Sans"/>
+              </a:rPr>
+              <a:t>gem5 presents architectural design from the bottom-up with ISA protocols, hardware descriptions and user-space benchmarking, enabling full-stack development.</a:t>
+            </a:r>
+            <a:endParaRPr b="0" lang="en-US" sz="3200" strike="noStrike" u="none">
+              <a:solidFill>
+                <a:srgbClr val="000000"/>
+              </a:solidFill>
+              <a:effectLst/>
               <a:uFillTx/>
               <a:latin typeface="Arial"/>
             </a:endParaRPr>
@@ -2217,6 +2477,7 @@
               <a:solidFill>
                 <a:srgbClr val="000000"/>
               </a:solidFill>
+              <a:effectLst/>
               <a:uFillTx/>
               <a:latin typeface="Arial"/>
             </a:endParaRPr>
@@ -2237,6 +2498,7 @@
               <a:solidFill>
                 <a:srgbClr val="000000"/>
               </a:solidFill>
+              <a:effectLst/>
               <a:uFillTx/>
               <a:latin typeface="Arial"/>
             </a:endParaRPr>
@@ -2257,6 +2519,7 @@
               <a:solidFill>
                 <a:srgbClr val="000000"/>
               </a:solidFill>
+              <a:effectLst/>
               <a:uFillTx/>
               <a:latin typeface="Arial"/>
             </a:endParaRPr>
@@ -2277,6 +2540,7 @@
               <a:solidFill>
                 <a:srgbClr val="000000"/>
               </a:solidFill>
+              <a:effectLst/>
               <a:uFillTx/>
               <a:latin typeface="Arial"/>
             </a:endParaRPr>
@@ -2297,6 +2561,7 @@
               <a:solidFill>
                 <a:srgbClr val="000000"/>
               </a:solidFill>
+              <a:effectLst/>
               <a:uFillTx/>
               <a:latin typeface="Arial"/>
             </a:endParaRPr>
@@ -2317,6 +2582,7 @@
               <a:solidFill>
                 <a:srgbClr val="000000"/>
               </a:solidFill>
+              <a:effectLst/>
               <a:uFillTx/>
               <a:latin typeface="Arial"/>
             </a:endParaRPr>
@@ -2333,21 +2599,11 @@
                 <a:spcPts val="283"/>
               </a:spcAft>
             </a:pPr>
-            <a:r>
-              <a:rPr b="0" lang="en-US" sz="3200" strike="noStrike" u="none">
-                <a:solidFill>
-                  <a:schemeClr val="dk1"/>
-                </a:solidFill>
-                <a:uFillTx/>
-                <a:latin typeface="Open Sans"/>
-                <a:ea typeface="Open Sans"/>
-              </a:rPr>
-              <a:t>Developers wishing to extend Keystone components can create their own version of the desired component’s class structure, often requiring close attention to:</a:t>
-            </a:r>
-            <a:endParaRPr b="0" lang="en-US" sz="3200" strike="noStrike" u="none">
-              <a:solidFill>
-                <a:srgbClr val="000000"/>
-              </a:solidFill>
+            <a:endParaRPr b="0" lang="en-US" sz="3200" strike="noStrike" u="none">
+              <a:solidFill>
+                <a:srgbClr val="000000"/>
+              </a:solidFill>
+              <a:effectLst/>
               <a:uFillTx/>
               <a:latin typeface="Arial"/>
             </a:endParaRPr>
@@ -2364,32 +2620,11 @@
                 <a:spcPts val="283"/>
               </a:spcAft>
             </a:pPr>
-            <a:r>
-              <a:rPr b="0" lang="en-US" sz="3200" strike="noStrike" u="none">
-                <a:solidFill>
-                  <a:schemeClr val="dk1"/>
-                </a:solidFill>
-                <a:uFillTx/>
-                <a:latin typeface="Open Sans"/>
-                <a:ea typeface="Open Sans"/>
-              </a:rPr>
-              <a:t>	</a:t>
-            </a:r>
-            <a:r>
-              <a:rPr b="0" lang="en-US" sz="3200" strike="noStrike" u="none">
-                <a:solidFill>
-                  <a:schemeClr val="dk1"/>
-                </a:solidFill>
-                <a:uFillTx/>
-                <a:latin typeface="Open Sans"/>
-                <a:ea typeface="Open Sans"/>
-              </a:rPr>
-              <a:t>- Port connections</a:t>
-            </a:r>
-            <a:endParaRPr b="0" lang="en-US" sz="3200" strike="noStrike" u="none">
-              <a:solidFill>
-                <a:srgbClr val="000000"/>
-              </a:solidFill>
+            <a:endParaRPr b="0" lang="en-US" sz="3200" strike="noStrike" u="none">
+              <a:solidFill>
+                <a:srgbClr val="000000"/>
+              </a:solidFill>
+              <a:effectLst/>
               <a:uFillTx/>
               <a:latin typeface="Arial"/>
             </a:endParaRPr>
@@ -2406,32 +2641,275 @@
                 <a:spcPts val="283"/>
               </a:spcAft>
             </a:pPr>
+            <a:endParaRPr b="0" lang="en-US" sz="3200" strike="noStrike" u="none">
+              <a:solidFill>
+                <a:srgbClr val="000000"/>
+              </a:solidFill>
+              <a:effectLst/>
+              <a:uFillTx/>
+              <a:latin typeface="Arial"/>
+            </a:endParaRPr>
+          </a:p>
+          <a:p>
+            <a:pPr algn="just">
+              <a:lnSpc>
+                <a:spcPct val="110000"/>
+              </a:lnSpc>
+              <a:spcBef>
+                <a:spcPts val="283"/>
+              </a:spcBef>
+              <a:spcAft>
+                <a:spcPts val="283"/>
+              </a:spcAft>
+            </a:pPr>
+            <a:endParaRPr b="0" lang="en-US" sz="3200" strike="noStrike" u="none">
+              <a:solidFill>
+                <a:srgbClr val="000000"/>
+              </a:solidFill>
+              <a:effectLst/>
+              <a:uFillTx/>
+              <a:latin typeface="Arial"/>
+            </a:endParaRPr>
+          </a:p>
+          <a:p>
+            <a:pPr algn="just">
+              <a:lnSpc>
+                <a:spcPct val="110000"/>
+              </a:lnSpc>
+              <a:spcBef>
+                <a:spcPts val="283"/>
+              </a:spcBef>
+              <a:spcAft>
+                <a:spcPts val="283"/>
+              </a:spcAft>
+            </a:pPr>
+            <a:endParaRPr b="0" lang="en-US" sz="3200" strike="noStrike" u="none">
+              <a:solidFill>
+                <a:srgbClr val="000000"/>
+              </a:solidFill>
+              <a:effectLst/>
+              <a:uFillTx/>
+              <a:latin typeface="Arial"/>
+            </a:endParaRPr>
+          </a:p>
+          <a:p>
+            <a:pPr algn="just">
+              <a:lnSpc>
+                <a:spcPct val="110000"/>
+              </a:lnSpc>
+              <a:spcBef>
+                <a:spcPts val="283"/>
+              </a:spcBef>
+              <a:spcAft>
+                <a:spcPts val="283"/>
+              </a:spcAft>
+            </a:pPr>
+            <a:endParaRPr b="0" lang="en-US" sz="3200" strike="noStrike" u="none">
+              <a:solidFill>
+                <a:srgbClr val="000000"/>
+              </a:solidFill>
+              <a:effectLst/>
+              <a:uFillTx/>
+              <a:latin typeface="Arial"/>
+            </a:endParaRPr>
+          </a:p>
+          <a:p>
+            <a:pPr algn="just">
+              <a:lnSpc>
+                <a:spcPct val="110000"/>
+              </a:lnSpc>
+              <a:spcBef>
+                <a:spcPts val="283"/>
+              </a:spcBef>
+              <a:spcAft>
+                <a:spcPts val="283"/>
+              </a:spcAft>
+            </a:pPr>
             <a:r>
               <a:rPr b="0" lang="en-US" sz="3200" strike="noStrike" u="none">
                 <a:solidFill>
                   <a:schemeClr val="dk1"/>
                 </a:solidFill>
+                <a:effectLst/>
                 <a:uFillTx/>
                 <a:latin typeface="Open Sans"/>
                 <a:ea typeface="Open Sans"/>
               </a:rPr>
-              <a:t>	</a:t>
-            </a:r>
+              <a:t>In order to build Keystone in gem5, the developer must also make use of full-system resources.</a:t>
+            </a:r>
+            <a:endParaRPr b="0" lang="en-US" sz="3200" strike="noStrike" u="none">
+              <a:solidFill>
+                <a:srgbClr val="000000"/>
+              </a:solidFill>
+              <a:effectLst/>
+              <a:uFillTx/>
+              <a:latin typeface="Arial"/>
+            </a:endParaRPr>
+          </a:p>
+          <a:p>
+            <a:pPr algn="just">
+              <a:lnSpc>
+                <a:spcPct val="110000"/>
+              </a:lnSpc>
+              <a:spcBef>
+                <a:spcPts val="283"/>
+              </a:spcBef>
+              <a:spcAft>
+                <a:spcPts val="283"/>
+              </a:spcAft>
+            </a:pPr>
+            <a:endParaRPr b="0" lang="en-US" sz="3200" strike="noStrike" u="none">
+              <a:solidFill>
+                <a:srgbClr val="000000"/>
+              </a:solidFill>
+              <a:effectLst/>
+              <a:uFillTx/>
+              <a:latin typeface="Arial"/>
+            </a:endParaRPr>
+          </a:p>
+          <a:p>
+            <a:pPr algn="just">
+              <a:lnSpc>
+                <a:spcPct val="110000"/>
+              </a:lnSpc>
+            </a:pPr>
+            <a:endParaRPr b="0" lang="en-US" sz="3200" strike="noStrike" u="none">
+              <a:solidFill>
+                <a:srgbClr val="000000"/>
+              </a:solidFill>
+              <a:effectLst/>
+              <a:uFillTx/>
+              <a:latin typeface="Arial"/>
+            </a:endParaRPr>
+          </a:p>
+          <a:p>
+            <a:pPr algn="just">
+              <a:lnSpc>
+                <a:spcPct val="110000"/>
+              </a:lnSpc>
+            </a:pPr>
+            <a:endParaRPr b="0" lang="en-US" sz="3200" strike="noStrike" u="none">
+              <a:solidFill>
+                <a:srgbClr val="000000"/>
+              </a:solidFill>
+              <a:effectLst/>
+              <a:uFillTx/>
+              <a:latin typeface="Arial"/>
+            </a:endParaRPr>
+          </a:p>
+          <a:p>
+            <a:pPr algn="just">
+              <a:lnSpc>
+                <a:spcPct val="110000"/>
+              </a:lnSpc>
+            </a:pPr>
+            <a:endParaRPr b="0" lang="en-US" sz="3200" strike="noStrike" u="none">
+              <a:solidFill>
+                <a:srgbClr val="000000"/>
+              </a:solidFill>
+              <a:effectLst/>
+              <a:uFillTx/>
+              <a:latin typeface="Arial"/>
+            </a:endParaRPr>
+          </a:p>
+          <a:p>
+            <a:pPr algn="just">
+              <a:lnSpc>
+                <a:spcPct val="110000"/>
+              </a:lnSpc>
+            </a:pPr>
+            <a:endParaRPr b="0" lang="en-US" sz="3200" strike="noStrike" u="none">
+              <a:solidFill>
+                <a:srgbClr val="000000"/>
+              </a:solidFill>
+              <a:effectLst/>
+              <a:uFillTx/>
+              <a:latin typeface="Arial"/>
+            </a:endParaRPr>
+          </a:p>
+          <a:p>
+            <a:pPr algn="just">
+              <a:lnSpc>
+                <a:spcPct val="110000"/>
+              </a:lnSpc>
+            </a:pPr>
+            <a:endParaRPr b="0" lang="en-US" sz="3200" strike="noStrike" u="none">
+              <a:solidFill>
+                <a:srgbClr val="000000"/>
+              </a:solidFill>
+              <a:effectLst/>
+              <a:uFillTx/>
+              <a:latin typeface="Arial"/>
+            </a:endParaRPr>
+          </a:p>
+          <a:p>
+            <a:pPr algn="just">
+              <a:lnSpc>
+                <a:spcPct val="110000"/>
+              </a:lnSpc>
+            </a:pPr>
+            <a:endParaRPr b="0" lang="en-US" sz="3200" strike="noStrike" u="none">
+              <a:solidFill>
+                <a:srgbClr val="000000"/>
+              </a:solidFill>
+              <a:effectLst/>
+              <a:uFillTx/>
+              <a:latin typeface="Arial"/>
+            </a:endParaRPr>
+          </a:p>
+          <a:p>
+            <a:pPr algn="just">
+              <a:lnSpc>
+                <a:spcPct val="110000"/>
+              </a:lnSpc>
+            </a:pPr>
+            <a:endParaRPr b="0" lang="en-US" sz="3200" strike="noStrike" u="none">
+              <a:solidFill>
+                <a:srgbClr val="000000"/>
+              </a:solidFill>
+              <a:effectLst/>
+              <a:uFillTx/>
+              <a:latin typeface="Arial"/>
+            </a:endParaRPr>
+          </a:p>
+          <a:p>
+            <a:pPr algn="just">
+              <a:lnSpc>
+                <a:spcPct val="110000"/>
+              </a:lnSpc>
+            </a:pPr>
+            <a:endParaRPr b="0" lang="en-US" sz="3200" strike="noStrike" u="none">
+              <a:solidFill>
+                <a:srgbClr val="000000"/>
+              </a:solidFill>
+              <a:effectLst/>
+              <a:uFillTx/>
+              <a:latin typeface="Arial"/>
+            </a:endParaRPr>
+          </a:p>
+          <a:p>
+            <a:pPr algn="just">
+              <a:lnSpc>
+                <a:spcPct val="110000"/>
+              </a:lnSpc>
+            </a:pPr>
             <a:r>
               <a:rPr b="0" lang="en-US" sz="3200" strike="noStrike" u="none">
                 <a:solidFill>
                   <a:schemeClr val="dk1"/>
                 </a:solidFill>
+                <a:effectLst/>
                 <a:uFillTx/>
                 <a:latin typeface="Open Sans"/>
                 <a:ea typeface="Open Sans"/>
               </a:rPr>
-              <a:t>- Packet handling</a:t>
-            </a:r>
-            <a:endParaRPr b="0" lang="en-US" sz="3200" strike="noStrike" u="none">
-              <a:solidFill>
-                <a:srgbClr val="000000"/>
-              </a:solidFill>
+              <a:t>This work proposes ready-built simulations, reducing set-up time for future developers to implement their contributions.</a:t>
+            </a:r>
+            <a:endParaRPr b="0" lang="en-US" sz="3200" strike="noStrike" u="none">
+              <a:solidFill>
+                <a:srgbClr val="000000"/>
+              </a:solidFill>
+              <a:effectLst/>
               <a:uFillTx/>
               <a:latin typeface="Arial"/>
             </a:endParaRPr>
@@ -2447,7 +2925,7 @@
         <p:spPr>
           <a:xfrm>
             <a:off x="0" y="32004000"/>
-            <a:ext cx="43887600" cy="910800"/>
+            <a:ext cx="43887240" cy="910440"/>
           </a:xfrm>
           <a:prstGeom prst="rect">
             <a:avLst/>
@@ -2479,6 +2957,7 @@
               <a:solidFill>
                 <a:schemeClr val="dk2"/>
               </a:solidFill>
+              <a:effectLst/>
               <a:uFillTx/>
               <a:latin typeface="Gill Sans"/>
               <a:ea typeface="Arial"/>
@@ -2494,8 +2973,8 @@
         </p:nvSpPr>
         <p:spPr>
           <a:xfrm>
-            <a:off x="11633040" y="28047240"/>
-            <a:ext cx="3562200" cy="3270240"/>
+            <a:off x="22860000" y="28197720"/>
+            <a:ext cx="3385440" cy="3107880"/>
           </a:xfrm>
           <a:prstGeom prst="ellipse">
             <a:avLst/>
@@ -2525,20 +3004,22 @@
               </a:lnSpc>
             </a:pPr>
             <a:r>
-              <a:rPr b="0" lang="en-US" sz="2800" strike="noStrike" u="none">
+              <a:rPr b="0" lang="en-US" sz="2600" strike="noStrike" u="none">
                 <a:solidFill>
                   <a:srgbClr val="000000"/>
                 </a:solidFill>
+                <a:effectLst/>
                 <a:uFillTx/>
                 <a:latin typeface="Arial"/>
                 <a:ea typeface="Arial"/>
               </a:rPr>
               <a:t>Real-world Benchmarking</a:t>
             </a:r>
-            <a:endParaRPr b="0" lang="en-US" sz="2800" strike="noStrike" u="none">
-              <a:solidFill>
-                <a:srgbClr val="000000"/>
-              </a:solidFill>
+            <a:endParaRPr b="0" lang="en-US" sz="2600" strike="noStrike" u="none">
+              <a:solidFill>
+                <a:srgbClr val="000000"/>
+              </a:solidFill>
+              <a:effectLst/>
               <a:uFillTx/>
               <a:latin typeface="Arial"/>
             </a:endParaRPr>
@@ -2552,9 +3033,9 @@
           <p:nvPr/>
         </p:nvSpPr>
         <p:spPr>
-          <a:xfrm rot="3166200">
-            <a:off x="17088480" y="27142920"/>
-            <a:ext cx="1540440" cy="879480"/>
+          <a:xfrm rot="3166800">
+            <a:off x="28045440" y="27337680"/>
+            <a:ext cx="1463760" cy="835560"/>
           </a:xfrm>
           <a:prstGeom prst="rightArrow">
             <a:avLst>
@@ -2590,6 +3071,7 @@
               <a:solidFill>
                 <a:srgbClr val="000000"/>
               </a:solidFill>
+              <a:effectLst/>
               <a:uFillTx/>
               <a:latin typeface="Arial"/>
               <a:ea typeface="Arial"/>
@@ -2605,8 +3087,8 @@
         </p:nvSpPr>
         <p:spPr>
           <a:xfrm rot="18804600">
-            <a:off x="14250600" y="27077760"/>
-            <a:ext cx="1541160" cy="879120"/>
+            <a:off x="25347960" y="27276480"/>
+            <a:ext cx="1464120" cy="834840"/>
           </a:xfrm>
           <a:prstGeom prst="rightArrow">
             <a:avLst>
@@ -2642,6 +3124,7 @@
               <a:solidFill>
                 <a:srgbClr val="000000"/>
               </a:solidFill>
+              <a:effectLst/>
               <a:uFillTx/>
               <a:latin typeface="Arial"/>
               <a:ea typeface="Arial"/>
@@ -2657,8 +3140,8 @@
         </p:nvSpPr>
         <p:spPr>
           <a:xfrm rot="10800000">
-            <a:off x="15708600" y="28610640"/>
-            <a:ext cx="1541160" cy="878760"/>
+            <a:off x="26734320" y="28733400"/>
+            <a:ext cx="1464480" cy="834840"/>
           </a:xfrm>
           <a:prstGeom prst="rightArrow">
             <a:avLst>
@@ -2694,6 +3177,7 @@
               <a:solidFill>
                 <a:srgbClr val="000000"/>
               </a:solidFill>
+              <a:effectLst/>
               <a:uFillTx/>
               <a:latin typeface="Arial"/>
               <a:ea typeface="Arial"/>
@@ -2710,7 +3194,7 @@
         <p:spPr>
           <a:xfrm>
             <a:off x="1252800" y="8686800"/>
-            <a:ext cx="8997480" cy="1977840"/>
+            <a:ext cx="8997120" cy="1977480"/>
           </a:xfrm>
           <a:prstGeom prst="roundRect">
             <a:avLst>
@@ -2747,6 +3231,7 @@
                 <a:solidFill>
                   <a:srgbClr val="000000"/>
                 </a:solidFill>
+                <a:effectLst/>
                 <a:uFillTx/>
                 <a:latin typeface="Arial"/>
                 <a:ea typeface="Arial"/>
@@ -2757,6 +3242,7 @@
               <a:solidFill>
                 <a:srgbClr val="000000"/>
               </a:solidFill>
+              <a:effectLst/>
               <a:uFillTx/>
               <a:latin typeface="Arial"/>
             </a:endParaRPr>
@@ -2772,7 +3258,7 @@
         <p:spPr>
           <a:xfrm>
             <a:off x="1752840" y="9365040"/>
-            <a:ext cx="1997280" cy="987840"/>
+            <a:ext cx="1996920" cy="987480"/>
           </a:xfrm>
           <a:prstGeom prst="rect">
             <a:avLst/>
@@ -2807,6 +3293,7 @@
                 <a:solidFill>
                   <a:srgbClr val="000000"/>
                 </a:solidFill>
+                <a:effectLst/>
                 <a:uFillTx/>
                 <a:latin typeface="Arial"/>
                 <a:ea typeface="Arial"/>
@@ -2817,6 +3304,7 @@
               <a:solidFill>
                 <a:srgbClr val="000000"/>
               </a:solidFill>
+              <a:effectLst/>
               <a:uFillTx/>
               <a:latin typeface="Arial"/>
             </a:endParaRPr>
@@ -2832,7 +3320,7 @@
         <p:spPr>
           <a:xfrm>
             <a:off x="4784400" y="9365040"/>
-            <a:ext cx="1997280" cy="987840"/>
+            <a:ext cx="1996920" cy="987480"/>
           </a:xfrm>
           <a:prstGeom prst="rect">
             <a:avLst/>
@@ -2867,6 +3355,7 @@
                 <a:solidFill>
                   <a:srgbClr val="000000"/>
                 </a:solidFill>
+                <a:effectLst/>
                 <a:uFillTx/>
                 <a:latin typeface="Arial"/>
                 <a:ea typeface="Arial"/>
@@ -2877,6 +3366,7 @@
               <a:solidFill>
                 <a:srgbClr val="000000"/>
               </a:solidFill>
+              <a:effectLst/>
               <a:uFillTx/>
               <a:latin typeface="Arial"/>
             </a:endParaRPr>
@@ -2892,7 +3382,7 @@
         <p:spPr>
           <a:xfrm>
             <a:off x="7894800" y="9365040"/>
-            <a:ext cx="1997280" cy="987840"/>
+            <a:ext cx="1996920" cy="987480"/>
           </a:xfrm>
           <a:prstGeom prst="rect">
             <a:avLst/>
@@ -2927,6 +3417,7 @@
                 <a:solidFill>
                   <a:srgbClr val="000000"/>
                 </a:solidFill>
+                <a:effectLst/>
                 <a:uFillTx/>
                 <a:latin typeface="Arial"/>
                 <a:ea typeface="Arial"/>
@@ -2937,6 +3428,7 @@
               <a:solidFill>
                 <a:srgbClr val="000000"/>
               </a:solidFill>
+              <a:effectLst/>
               <a:uFillTx/>
               <a:latin typeface="Arial"/>
             </a:endParaRPr>
@@ -2952,7 +3444,7 @@
         <p:spPr>
           <a:xfrm>
             <a:off x="3595320" y="13151880"/>
-            <a:ext cx="4497840" cy="1177200"/>
+            <a:ext cx="4497480" cy="1176840"/>
           </a:xfrm>
           <a:prstGeom prst="roundRect">
             <a:avLst>
@@ -2989,6 +3481,7 @@
                 <a:solidFill>
                   <a:srgbClr val="000000"/>
                 </a:solidFill>
+                <a:effectLst/>
                 <a:uFillTx/>
                 <a:latin typeface="Arial"/>
                 <a:ea typeface="Arial"/>
@@ -2999,6 +3492,7 @@
               <a:solidFill>
                 <a:srgbClr val="000000"/>
               </a:solidFill>
+              <a:effectLst/>
               <a:uFillTx/>
               <a:latin typeface="Arial"/>
             </a:endParaRPr>
@@ -3042,6 +3536,7 @@
               <a:solidFill>
                 <a:srgbClr val="000000"/>
               </a:solidFill>
+              <a:effectLst/>
               <a:uFillTx/>
               <a:latin typeface="Arial"/>
               <a:ea typeface="Arial"/>
@@ -3058,7 +3553,7 @@
         <p:spPr>
           <a:xfrm>
             <a:off x="4635000" y="11409480"/>
-            <a:ext cx="2233080" cy="987840"/>
+            <a:ext cx="2232720" cy="987480"/>
           </a:xfrm>
           <a:prstGeom prst="rect">
             <a:avLst/>
@@ -3093,6 +3588,7 @@
                 <a:solidFill>
                   <a:srgbClr val="000000"/>
                 </a:solidFill>
+                <a:effectLst/>
                 <a:uFillTx/>
                 <a:latin typeface="Arial"/>
                 <a:ea typeface="Arial"/>
@@ -3103,6 +3599,7 @@
               <a:solidFill>
                 <a:srgbClr val="000000"/>
               </a:solidFill>
+              <a:effectLst/>
               <a:uFillTx/>
               <a:latin typeface="Arial"/>
             </a:endParaRPr>
@@ -3146,6 +3643,7 @@
               <a:solidFill>
                 <a:srgbClr val="000000"/>
               </a:solidFill>
+              <a:effectLst/>
               <a:uFillTx/>
               <a:latin typeface="Arial"/>
               <a:ea typeface="Arial"/>
@@ -3190,6 +3688,7 @@
               <a:solidFill>
                 <a:srgbClr val="000000"/>
               </a:solidFill>
+              <a:effectLst/>
               <a:uFillTx/>
               <a:latin typeface="Arial"/>
               <a:ea typeface="Arial"/>
@@ -3234,6 +3733,7 @@
               <a:solidFill>
                 <a:srgbClr val="000000"/>
               </a:solidFill>
+              <a:effectLst/>
               <a:uFillTx/>
               <a:latin typeface="Arial"/>
               <a:ea typeface="Arial"/>
@@ -3250,7 +3750,7 @@
         <p:spPr>
           <a:xfrm>
             <a:off x="11230920" y="5558400"/>
-            <a:ext cx="10483920" cy="840240"/>
+            <a:ext cx="10483560" cy="839880"/>
           </a:xfrm>
           <a:prstGeom prst="rect">
             <a:avLst/>
@@ -3285,6 +3785,7 @@
                 <a:solidFill>
                   <a:srgbClr val="ffffff"/>
                 </a:solidFill>
+                <a:effectLst/>
                 <a:uFillTx/>
                 <a:latin typeface="Bree Serif"/>
                 <a:ea typeface="Arial"/>
@@ -3295,22 +3796,47 @@
               <a:solidFill>
                 <a:srgbClr val="ffffff"/>
               </a:solidFill>
-              <a:uFillTx/>
-              <a:latin typeface="Arial"/>
-            </a:endParaRPr>
-          </a:p>
-        </p:txBody>
-      </p:sp>
-      <p:sp>
-        <p:nvSpPr>
-          <p:cNvPr id="38" name=""/>
-          <p:cNvSpPr/>
-          <p:nvPr/>
-        </p:nvSpPr>
-        <p:spPr>
-          <a:xfrm>
-            <a:off x="33147000" y="5571000"/>
-            <a:ext cx="10126080" cy="840240"/>
+              <a:effectLst/>
+              <a:uFillTx/>
+              <a:latin typeface="Arial"/>
+            </a:endParaRPr>
+          </a:p>
+        </p:txBody>
+      </p:sp>
+      <p:pic>
+        <p:nvPicPr>
+          <p:cNvPr id="38" name="" descr=""/>
+          <p:cNvPicPr/>
+          <p:nvPr/>
+        </p:nvPicPr>
+        <p:blipFill>
+          <a:blip r:embed="rId1"/>
+          <a:stretch/>
+        </p:blipFill>
+        <p:spPr>
+          <a:xfrm>
+            <a:off x="33832800" y="3477600"/>
+            <a:ext cx="10237680" cy="1758600"/>
+          </a:xfrm>
+          <a:prstGeom prst="rect">
+            <a:avLst/>
+          </a:prstGeom>
+          <a:noFill/>
+          <a:ln w="0">
+            <a:noFill/>
+          </a:ln>
+        </p:spPr>
+      </p:pic>
+      <p:sp>
+        <p:nvSpPr>
+          <p:cNvPr id="39" name=""/>
+          <p:cNvSpPr/>
+          <p:nvPr/>
+        </p:nvSpPr>
+        <p:spPr>
+          <a:xfrm>
+            <a:off x="574920" y="5558400"/>
+            <a:ext cx="10166760" cy="839880"/>
           </a:xfrm>
           <a:prstGeom prst="rect">
             <a:avLst/>
@@ -3341,80 +3867,22 @@
               </a:lnSpc>
             </a:pPr>
             <a:r>
-              <a:rPr b="0" lang="en-US" sz="4800" strike="noStrike" u="none">
+              <a:rPr b="0" lang="en-US" sz="4600" strike="noStrike" u="none">
                 <a:solidFill>
                   <a:srgbClr val="ffffff"/>
                 </a:solidFill>
+                <a:effectLst/>
                 <a:uFillTx/>
                 <a:latin typeface="Bree Serif"/>
                 <a:ea typeface="Arial"/>
               </a:rPr>
-              <a:t>Insights</a:t>
-            </a:r>
-            <a:endParaRPr b="0" lang="en-US" sz="4800" strike="noStrike" u="none">
+              <a:t>Background</a:t>
+            </a:r>
+            <a:endParaRPr b="0" lang="en-US" sz="4600" strike="noStrike" u="none">
               <a:solidFill>
                 <a:srgbClr val="ffffff"/>
               </a:solidFill>
-              <a:uFillTx/>
-              <a:latin typeface="Arial"/>
-            </a:endParaRPr>
-          </a:p>
-        </p:txBody>
-      </p:sp>
-      <p:sp>
-        <p:nvSpPr>
-          <p:cNvPr id="39" name=""/>
-          <p:cNvSpPr/>
-          <p:nvPr/>
-        </p:nvSpPr>
-        <p:spPr>
-          <a:xfrm>
-            <a:off x="22213440" y="5558400"/>
-            <a:ext cx="10474200" cy="840240"/>
-          </a:xfrm>
-          <a:prstGeom prst="rect">
-            <a:avLst/>
-          </a:prstGeom>
-          <a:solidFill>
-            <a:srgbClr val="21314d"/>
-          </a:solidFill>
-          <a:ln w="0">
-            <a:solidFill>
-              <a:srgbClr val="000000"/>
-            </a:solidFill>
-          </a:ln>
-        </p:spPr>
-        <p:style>
-          <a:lnRef idx="0"/>
-          <a:fillRef idx="0"/>
-          <a:effectRef idx="0"/>
-          <a:fontRef idx="minor"/>
-        </p:style>
-        <p:txBody>
-          <a:bodyPr lIns="90000" rIns="90000" tIns="45000" bIns="45000" anchor="ctr">
-            <a:noAutofit/>
-          </a:bodyPr>
-          <a:p>
-            <a:pPr algn="ctr">
-              <a:lnSpc>
-                <a:spcPct val="100000"/>
-              </a:lnSpc>
-            </a:pPr>
-            <a:r>
-              <a:rPr b="0" lang="en-US" sz="4800" strike="noStrike" u="none">
-                <a:solidFill>
-                  <a:srgbClr val="ffffff"/>
-                </a:solidFill>
-                <a:uFillTx/>
-                <a:latin typeface="Bree Serif"/>
-                <a:ea typeface="Arial"/>
-              </a:rPr>
-              <a:t>gem5</a:t>
-            </a:r>
-            <a:endParaRPr b="0" lang="en-US" sz="4800" strike="noStrike" u="none">
-              <a:solidFill>
-                <a:srgbClr val="ffffff"/>
-              </a:solidFill>
+              <a:effectLst/>
               <a:uFillTx/>
               <a:latin typeface="Arial"/>
             </a:endParaRPr>
@@ -3429,151 +3897,8 @@
         </p:nvSpPr>
         <p:spPr>
           <a:xfrm>
-            <a:off x="33147000" y="16618320"/>
-            <a:ext cx="10130760" cy="835200"/>
-          </a:xfrm>
-          <a:prstGeom prst="rect">
-            <a:avLst/>
-          </a:prstGeom>
-          <a:solidFill>
-            <a:srgbClr val="21314d"/>
-          </a:solidFill>
-          <a:ln w="0">
-            <a:solidFill>
-              <a:srgbClr val="000000"/>
-            </a:solidFill>
-          </a:ln>
-        </p:spPr>
-        <p:style>
-          <a:lnRef idx="0"/>
-          <a:fillRef idx="0"/>
-          <a:effectRef idx="0"/>
-          <a:fontRef idx="minor"/>
-        </p:style>
-        <p:txBody>
-          <a:bodyPr lIns="90000" rIns="90000" tIns="45000" bIns="45000" anchor="ctr">
-            <a:noAutofit/>
-          </a:bodyPr>
-          <a:p>
-            <a:pPr algn="ctr">
-              <a:lnSpc>
-                <a:spcPct val="100000"/>
-              </a:lnSpc>
-            </a:pPr>
-            <a:r>
-              <a:rPr b="0" lang="en-US" sz="4800" strike="noStrike" u="none">
-                <a:solidFill>
-                  <a:srgbClr val="ffffff"/>
-                </a:solidFill>
-                <a:uFillTx/>
-                <a:latin typeface="Bree Serif"/>
-                <a:ea typeface="Arial"/>
-              </a:rPr>
-              <a:t>Future Work</a:t>
-            </a:r>
-            <a:endParaRPr b="0" lang="en-US" sz="4800" strike="noStrike" u="none">
-              <a:solidFill>
-                <a:srgbClr val="ffffff"/>
-              </a:solidFill>
-              <a:uFillTx/>
-              <a:latin typeface="Arial"/>
-            </a:endParaRPr>
-          </a:p>
-        </p:txBody>
-      </p:sp>
-      <p:pic>
-        <p:nvPicPr>
-          <p:cNvPr id="41" name="" descr=""/>
-          <p:cNvPicPr/>
-          <p:nvPr/>
-        </p:nvPicPr>
-        <p:blipFill>
-          <a:blip r:embed="rId1"/>
-          <a:stretch/>
-        </p:blipFill>
-        <p:spPr>
-          <a:xfrm>
-            <a:off x="33832800" y="3477600"/>
-            <a:ext cx="10238040" cy="1758960"/>
-          </a:xfrm>
-          <a:prstGeom prst="rect">
-            <a:avLst/>
-          </a:prstGeom>
-          <a:ln w="0">
-            <a:noFill/>
-          </a:ln>
-        </p:spPr>
-      </p:pic>
-      <p:sp>
-        <p:nvSpPr>
-          <p:cNvPr id="42" name=""/>
-          <p:cNvSpPr/>
-          <p:nvPr/>
-        </p:nvSpPr>
-        <p:spPr>
-          <a:xfrm>
-            <a:off x="574920" y="5558400"/>
-            <a:ext cx="10167120" cy="840240"/>
-          </a:xfrm>
-          <a:prstGeom prst="rect">
-            <a:avLst/>
-          </a:prstGeom>
-          <a:solidFill>
-            <a:srgbClr val="21314d"/>
-          </a:solidFill>
-          <a:ln w="0">
-            <a:solidFill>
-              <a:srgbClr val="000000"/>
-            </a:solidFill>
-          </a:ln>
-        </p:spPr>
-        <p:style>
-          <a:lnRef idx="0"/>
-          <a:fillRef idx="0"/>
-          <a:effectRef idx="0"/>
-          <a:fontRef idx="minor"/>
-        </p:style>
-        <p:txBody>
-          <a:bodyPr lIns="90000" rIns="90000" tIns="45000" bIns="45000" anchor="ctr">
-            <a:noAutofit/>
-          </a:bodyPr>
-          <a:p>
-            <a:pPr algn="ctr">
-              <a:lnSpc>
-                <a:spcPct val="100000"/>
-              </a:lnSpc>
-            </a:pPr>
-            <a:r>
-              <a:rPr b="0" lang="en-US" sz="4600" strike="noStrike" u="none">
-                <a:solidFill>
-                  <a:srgbClr val="ffffff"/>
-                </a:solidFill>
-                <a:uFillTx/>
-                <a:latin typeface="Bree Serif"/>
-                <a:ea typeface="Arial"/>
-              </a:rPr>
-              <a:t>Background</a:t>
-            </a:r>
-            <a:endParaRPr b="0" lang="en-US" sz="4600" strike="noStrike" u="none">
-              <a:solidFill>
-                <a:srgbClr val="ffffff"/>
-              </a:solidFill>
-              <a:uFillTx/>
-              <a:latin typeface="Arial"/>
-            </a:endParaRPr>
-          </a:p>
-        </p:txBody>
-      </p:sp>
-      <p:sp>
-        <p:nvSpPr>
-          <p:cNvPr id="43" name=""/>
-          <p:cNvSpPr/>
-          <p:nvPr/>
-        </p:nvSpPr>
-        <p:spPr>
-          <a:xfrm>
-            <a:off x="576000" y="17969400"/>
-            <a:ext cx="10164240" cy="7260480"/>
+            <a:off x="576000" y="17927280"/>
+            <a:ext cx="10163880" cy="7302240"/>
           </a:xfrm>
           <a:prstGeom prst="rect">
             <a:avLst/>
@@ -3609,6 +3934,7 @@
                 <a:solidFill>
                   <a:srgbClr val="000000"/>
                 </a:solidFill>
+                <a:effectLst/>
                 <a:uFillTx/>
                 <a:latin typeface="Open Sans"/>
                 <a:ea typeface="Arial"/>
@@ -3619,6 +3945,7 @@
               <a:solidFill>
                 <a:srgbClr val="000000"/>
               </a:solidFill>
+              <a:effectLst/>
               <a:uFillTx/>
               <a:latin typeface="Arial"/>
             </a:endParaRPr>
@@ -3633,6 +3960,7 @@
               <a:solidFill>
                 <a:srgbClr val="000000"/>
               </a:solidFill>
+              <a:effectLst/>
               <a:uFillTx/>
               <a:latin typeface="Arial"/>
             </a:endParaRPr>
@@ -3647,6 +3975,7 @@
               <a:solidFill>
                 <a:srgbClr val="000000"/>
               </a:solidFill>
+              <a:effectLst/>
               <a:uFillTx/>
               <a:latin typeface="Arial"/>
             </a:endParaRPr>
@@ -3661,6 +3990,7 @@
               <a:solidFill>
                 <a:srgbClr val="000000"/>
               </a:solidFill>
+              <a:effectLst/>
               <a:uFillTx/>
               <a:latin typeface="Arial"/>
             </a:endParaRPr>
@@ -3675,6 +4005,7 @@
               <a:solidFill>
                 <a:srgbClr val="000000"/>
               </a:solidFill>
+              <a:effectLst/>
               <a:uFillTx/>
               <a:latin typeface="Arial"/>
             </a:endParaRPr>
@@ -3689,6 +4020,7 @@
               <a:solidFill>
                 <a:srgbClr val="000000"/>
               </a:solidFill>
+              <a:effectLst/>
               <a:uFillTx/>
               <a:latin typeface="Arial"/>
             </a:endParaRPr>
@@ -3703,6 +4035,7 @@
               <a:solidFill>
                 <a:srgbClr val="000000"/>
               </a:solidFill>
+              <a:effectLst/>
               <a:uFillTx/>
               <a:latin typeface="Arial"/>
             </a:endParaRPr>
@@ -3717,6 +4050,7 @@
               <a:solidFill>
                 <a:srgbClr val="000000"/>
               </a:solidFill>
+              <a:effectLst/>
               <a:uFillTx/>
               <a:latin typeface="Arial"/>
             </a:endParaRPr>
@@ -3731,6 +4065,7 @@
               <a:solidFill>
                 <a:srgbClr val="000000"/>
               </a:solidFill>
+              <a:effectLst/>
               <a:uFillTx/>
               <a:latin typeface="Arial"/>
             </a:endParaRPr>
@@ -3745,6 +4080,7 @@
               <a:solidFill>
                 <a:srgbClr val="000000"/>
               </a:solidFill>
+              <a:effectLst/>
               <a:uFillTx/>
               <a:latin typeface="Arial"/>
             </a:endParaRPr>
@@ -3759,6 +4095,7 @@
               <a:solidFill>
                 <a:srgbClr val="000000"/>
               </a:solidFill>
+              <a:effectLst/>
               <a:uFillTx/>
               <a:latin typeface="Arial"/>
             </a:endParaRPr>
@@ -3774,6 +4111,7 @@
                 <a:solidFill>
                   <a:srgbClr val="000000"/>
                 </a:solidFill>
+                <a:effectLst/>
                 <a:uFillTx/>
                 <a:latin typeface="Open Sans"/>
                 <a:ea typeface="Arial"/>
@@ -3784,6 +4122,7 @@
               <a:solidFill>
                 <a:srgbClr val="000000"/>
               </a:solidFill>
+              <a:effectLst/>
               <a:uFillTx/>
               <a:latin typeface="Arial"/>
             </a:endParaRPr>
@@ -3798,6 +4137,7 @@
               <a:solidFill>
                 <a:srgbClr val="000000"/>
               </a:solidFill>
+              <a:effectLst/>
               <a:uFillTx/>
               <a:latin typeface="Arial"/>
             </a:endParaRPr>
@@ -3812,6 +4152,7 @@
               <a:solidFill>
                 <a:srgbClr val="000000"/>
               </a:solidFill>
+              <a:effectLst/>
               <a:uFillTx/>
               <a:latin typeface="Arial"/>
             </a:endParaRPr>
@@ -3826,6 +4167,7 @@
               <a:solidFill>
                 <a:srgbClr val="000000"/>
               </a:solidFill>
+              <a:effectLst/>
               <a:uFillTx/>
               <a:latin typeface="Arial"/>
             </a:endParaRPr>
@@ -3840,6 +4182,7 @@
               <a:solidFill>
                 <a:srgbClr val="000000"/>
               </a:solidFill>
+              <a:effectLst/>
               <a:uFillTx/>
               <a:latin typeface="Arial"/>
             </a:endParaRPr>
@@ -3854,6 +4197,7 @@
               <a:solidFill>
                 <a:srgbClr val="000000"/>
               </a:solidFill>
+              <a:effectLst/>
               <a:uFillTx/>
               <a:latin typeface="Arial"/>
             </a:endParaRPr>
@@ -3868,6 +4212,7 @@
               <a:solidFill>
                 <a:srgbClr val="000000"/>
               </a:solidFill>
+              <a:effectLst/>
               <a:uFillTx/>
               <a:latin typeface="Arial"/>
             </a:endParaRPr>
@@ -3882,6 +4227,7 @@
               <a:solidFill>
                 <a:srgbClr val="000000"/>
               </a:solidFill>
+              <a:effectLst/>
               <a:uFillTx/>
               <a:latin typeface="Arial"/>
             </a:endParaRPr>
@@ -3896,6 +4242,7 @@
               <a:solidFill>
                 <a:srgbClr val="000000"/>
               </a:solidFill>
+              <a:effectLst/>
               <a:uFillTx/>
               <a:latin typeface="Arial"/>
             </a:endParaRPr>
@@ -3910,6 +4257,7 @@
               <a:solidFill>
                 <a:srgbClr val="000000"/>
               </a:solidFill>
+              <a:effectLst/>
               <a:uFillTx/>
               <a:latin typeface="Arial"/>
             </a:endParaRPr>
@@ -3924,22 +4272,23 @@
               <a:solidFill>
                 <a:srgbClr val="000000"/>
               </a:solidFill>
-              <a:uFillTx/>
-              <a:latin typeface="Arial"/>
-            </a:endParaRPr>
-          </a:p>
-        </p:txBody>
-      </p:sp>
-      <p:sp>
-        <p:nvSpPr>
-          <p:cNvPr id="44" name=""/>
+              <a:effectLst/>
+              <a:uFillTx/>
+              <a:latin typeface="Arial"/>
+            </a:endParaRPr>
+          </a:p>
+        </p:txBody>
+      </p:sp>
+      <p:sp>
+        <p:nvSpPr>
+          <p:cNvPr id="41" name=""/>
           <p:cNvSpPr/>
           <p:nvPr/>
         </p:nvSpPr>
         <p:spPr>
           <a:xfrm>
             <a:off x="567000" y="25956360"/>
-            <a:ext cx="10167480" cy="5566320"/>
+            <a:ext cx="10167120" cy="5565960"/>
           </a:xfrm>
           <a:prstGeom prst="rect">
             <a:avLst/>
@@ -3974,6 +4323,7 @@
               <a:solidFill>
                 <a:srgbClr val="000000"/>
               </a:solidFill>
+              <a:effectLst/>
               <a:uFillTx/>
               <a:latin typeface="Arial"/>
             </a:endParaRPr>
@@ -3988,6 +4338,7 @@
               <a:solidFill>
                 <a:srgbClr val="000000"/>
               </a:solidFill>
+              <a:effectLst/>
               <a:uFillTx/>
               <a:latin typeface="Arial"/>
             </a:endParaRPr>
@@ -4002,6 +4353,7 @@
               <a:solidFill>
                 <a:srgbClr val="000000"/>
               </a:solidFill>
+              <a:effectLst/>
               <a:uFillTx/>
               <a:latin typeface="Arial"/>
             </a:endParaRPr>
@@ -4016,6 +4368,7 @@
               <a:solidFill>
                 <a:srgbClr val="000000"/>
               </a:solidFill>
+              <a:effectLst/>
               <a:uFillTx/>
               <a:latin typeface="Arial"/>
             </a:endParaRPr>
@@ -4030,6 +4383,7 @@
               <a:solidFill>
                 <a:srgbClr val="000000"/>
               </a:solidFill>
+              <a:effectLst/>
               <a:uFillTx/>
               <a:latin typeface="Arial"/>
             </a:endParaRPr>
@@ -4044,6 +4398,7 @@
               <a:solidFill>
                 <a:srgbClr val="000000"/>
               </a:solidFill>
+              <a:effectLst/>
               <a:uFillTx/>
               <a:latin typeface="Arial"/>
             </a:endParaRPr>
@@ -4058,6 +4413,7 @@
               <a:solidFill>
                 <a:srgbClr val="000000"/>
               </a:solidFill>
+              <a:effectLst/>
               <a:uFillTx/>
               <a:latin typeface="Arial"/>
             </a:endParaRPr>
@@ -4072,6 +4428,7 @@
               <a:solidFill>
                 <a:srgbClr val="000000"/>
               </a:solidFill>
+              <a:effectLst/>
               <a:uFillTx/>
               <a:latin typeface="Arial"/>
             </a:endParaRPr>
@@ -4086,6 +4443,7 @@
               <a:solidFill>
                 <a:srgbClr val="000000"/>
               </a:solidFill>
+              <a:effectLst/>
               <a:uFillTx/>
               <a:latin typeface="Arial"/>
             </a:endParaRPr>
@@ -4100,6 +4458,7 @@
               <a:solidFill>
                 <a:srgbClr val="000000"/>
               </a:solidFill>
+              <a:effectLst/>
               <a:uFillTx/>
               <a:latin typeface="Arial"/>
             </a:endParaRPr>
@@ -4114,22 +4473,23 @@
               <a:solidFill>
                 <a:srgbClr val="000000"/>
               </a:solidFill>
-              <a:uFillTx/>
-              <a:latin typeface="Arial"/>
-            </a:endParaRPr>
-          </a:p>
-        </p:txBody>
-      </p:sp>
-      <p:sp>
-        <p:nvSpPr>
-          <p:cNvPr id="45" name=""/>
+              <a:effectLst/>
+              <a:uFillTx/>
+              <a:latin typeface="Arial"/>
+            </a:endParaRPr>
+          </a:p>
+        </p:txBody>
+      </p:sp>
+      <p:sp>
+        <p:nvSpPr>
+          <p:cNvPr id="42" name=""/>
           <p:cNvSpPr/>
           <p:nvPr/>
         </p:nvSpPr>
         <p:spPr>
           <a:xfrm rot="16241400">
             <a:off x="504000" y="20546640"/>
-            <a:ext cx="3306240" cy="1769760"/>
+            <a:ext cx="3305880" cy="1769400"/>
           </a:xfrm>
           <a:prstGeom prst="rightArrow">
             <a:avLst>
@@ -4167,6 +4527,7 @@
                 <a:solidFill>
                   <a:srgbClr val="000000"/>
                 </a:solidFill>
+                <a:effectLst/>
                 <a:uFillTx/>
                 <a:latin typeface="Open Sans"/>
                 <a:ea typeface="Arial"/>
@@ -4177,15 +4538,16 @@
               <a:solidFill>
                 <a:srgbClr val="000000"/>
               </a:solidFill>
-              <a:uFillTx/>
-              <a:latin typeface="Arial"/>
-            </a:endParaRPr>
-          </a:p>
-        </p:txBody>
-      </p:sp>
-      <p:sp>
-        <p:nvSpPr>
-          <p:cNvPr id="46" name=""/>
+              <a:effectLst/>
+              <a:uFillTx/>
+              <a:latin typeface="Arial"/>
+            </a:endParaRPr>
+          </a:p>
+        </p:txBody>
+      </p:sp>
+      <p:sp>
+        <p:nvSpPr>
+          <p:cNvPr id="43" name=""/>
           <p:cNvSpPr/>
           <p:nvPr/>
         </p:nvSpPr>
@@ -4219,6 +4581,7 @@
               <a:solidFill>
                 <a:srgbClr val="000000"/>
               </a:solidFill>
+              <a:effectLst/>
               <a:uFillTx/>
               <a:latin typeface="Arial"/>
               <a:ea typeface="Arial"/>
@@ -4228,14 +4591,14 @@
       </p:sp>
       <p:sp>
         <p:nvSpPr>
-          <p:cNvPr id="47" name=""/>
+          <p:cNvPr id="44" name=""/>
           <p:cNvSpPr/>
           <p:nvPr/>
         </p:nvSpPr>
         <p:spPr>
           <a:xfrm>
             <a:off x="4019400" y="19847880"/>
-            <a:ext cx="4493880" cy="749520"/>
+            <a:ext cx="4493520" cy="749160"/>
           </a:xfrm>
           <a:prstGeom prst="rect">
             <a:avLst/>
@@ -4270,6 +4633,7 @@
                 <a:solidFill>
                   <a:srgbClr val="000000"/>
                 </a:solidFill>
+                <a:effectLst/>
                 <a:uFillTx/>
                 <a:latin typeface="Arial"/>
                 <a:ea typeface="Arial"/>
@@ -4280,15 +4644,16 @@
               <a:solidFill>
                 <a:srgbClr val="000000"/>
               </a:solidFill>
-              <a:uFillTx/>
-              <a:latin typeface="Arial"/>
-            </a:endParaRPr>
-          </a:p>
-        </p:txBody>
-      </p:sp>
-      <p:sp>
-        <p:nvSpPr>
-          <p:cNvPr id="48" name=""/>
+              <a:effectLst/>
+              <a:uFillTx/>
+              <a:latin typeface="Arial"/>
+            </a:endParaRPr>
+          </a:p>
+        </p:txBody>
+      </p:sp>
+      <p:sp>
+        <p:nvSpPr>
+          <p:cNvPr id="45" name=""/>
           <p:cNvSpPr/>
           <p:nvPr/>
         </p:nvSpPr>
@@ -4322,6 +4687,7 @@
               <a:solidFill>
                 <a:srgbClr val="000000"/>
               </a:solidFill>
+              <a:effectLst/>
               <a:uFillTx/>
               <a:latin typeface="Arial"/>
               <a:ea typeface="Arial"/>
@@ -4331,14 +4697,14 @@
       </p:sp>
       <p:sp>
         <p:nvSpPr>
-          <p:cNvPr id="49" name=""/>
+          <p:cNvPr id="46" name=""/>
           <p:cNvSpPr/>
           <p:nvPr/>
         </p:nvSpPr>
         <p:spPr>
           <a:xfrm>
             <a:off x="4019400" y="21071880"/>
-            <a:ext cx="4493880" cy="749520"/>
+            <a:ext cx="4493520" cy="749160"/>
           </a:xfrm>
           <a:prstGeom prst="rect">
             <a:avLst/>
@@ -4373,6 +4739,7 @@
                 <a:solidFill>
                   <a:srgbClr val="000000"/>
                 </a:solidFill>
+                <a:effectLst/>
                 <a:uFillTx/>
                 <a:latin typeface="Arial"/>
                 <a:ea typeface="Arial"/>
@@ -4383,15 +4750,16 @@
               <a:solidFill>
                 <a:srgbClr val="000000"/>
               </a:solidFill>
-              <a:uFillTx/>
-              <a:latin typeface="Arial"/>
-            </a:endParaRPr>
-          </a:p>
-        </p:txBody>
-      </p:sp>
-      <p:sp>
-        <p:nvSpPr>
-          <p:cNvPr id="50" name=""/>
+              <a:effectLst/>
+              <a:uFillTx/>
+              <a:latin typeface="Arial"/>
+            </a:endParaRPr>
+          </a:p>
+        </p:txBody>
+      </p:sp>
+      <p:sp>
+        <p:nvSpPr>
+          <p:cNvPr id="47" name=""/>
           <p:cNvSpPr/>
           <p:nvPr/>
         </p:nvSpPr>
@@ -4425,6 +4793,7 @@
               <a:solidFill>
                 <a:srgbClr val="000000"/>
               </a:solidFill>
+              <a:effectLst/>
               <a:uFillTx/>
               <a:latin typeface="Arial"/>
               <a:ea typeface="Arial"/>
@@ -4434,14 +4803,14 @@
       </p:sp>
       <p:sp>
         <p:nvSpPr>
-          <p:cNvPr id="51" name=""/>
+          <p:cNvPr id="48" name=""/>
           <p:cNvSpPr/>
           <p:nvPr/>
         </p:nvSpPr>
         <p:spPr>
           <a:xfrm>
             <a:off x="4019400" y="22403880"/>
-            <a:ext cx="4493880" cy="749520"/>
+            <a:ext cx="4493520" cy="749160"/>
           </a:xfrm>
           <a:prstGeom prst="rect">
             <a:avLst/>
@@ -4476,6 +4845,7 @@
                 <a:solidFill>
                   <a:srgbClr val="000000"/>
                 </a:solidFill>
+                <a:effectLst/>
                 <a:uFillTx/>
                 <a:latin typeface="Arial"/>
                 <a:ea typeface="Arial"/>
@@ -4486,22 +4856,23 @@
               <a:solidFill>
                 <a:srgbClr val="000000"/>
               </a:solidFill>
-              <a:uFillTx/>
-              <a:latin typeface="Arial"/>
-            </a:endParaRPr>
-          </a:p>
-        </p:txBody>
-      </p:sp>
-      <p:sp>
-        <p:nvSpPr>
-          <p:cNvPr id="52" name=""/>
+              <a:effectLst/>
+              <a:uFillTx/>
+              <a:latin typeface="Arial"/>
+            </a:endParaRPr>
+          </a:p>
+        </p:txBody>
+      </p:sp>
+      <p:sp>
+        <p:nvSpPr>
+          <p:cNvPr id="49" name=""/>
           <p:cNvSpPr/>
           <p:nvPr/>
         </p:nvSpPr>
         <p:spPr>
           <a:xfrm>
             <a:off x="2786760" y="26253000"/>
-            <a:ext cx="2631960" cy="2132640"/>
+            <a:ext cx="2631600" cy="2132280"/>
           </a:xfrm>
           <a:prstGeom prst="rect">
             <a:avLst/>
@@ -4536,6 +4907,7 @@
                 <a:solidFill>
                   <a:srgbClr val="000000"/>
                 </a:solidFill>
+                <a:effectLst/>
                 <a:uFillTx/>
                 <a:latin typeface="Arial"/>
                 <a:ea typeface="Arial"/>
@@ -4546,22 +4918,23 @@
               <a:solidFill>
                 <a:srgbClr val="000000"/>
               </a:solidFill>
-              <a:uFillTx/>
-              <a:latin typeface="Arial"/>
-            </a:endParaRPr>
-          </a:p>
-        </p:txBody>
-      </p:sp>
-      <p:sp>
-        <p:nvSpPr>
-          <p:cNvPr id="53" name=""/>
+              <a:effectLst/>
+              <a:uFillTx/>
+              <a:latin typeface="Arial"/>
+            </a:endParaRPr>
+          </a:p>
+        </p:txBody>
+      </p:sp>
+      <p:sp>
+        <p:nvSpPr>
+          <p:cNvPr id="50" name=""/>
           <p:cNvSpPr/>
           <p:nvPr/>
         </p:nvSpPr>
         <p:spPr>
           <a:xfrm>
             <a:off x="2878560" y="26821440"/>
-            <a:ext cx="875880" cy="642600"/>
+            <a:ext cx="875520" cy="642240"/>
           </a:xfrm>
           <a:prstGeom prst="rect">
             <a:avLst/>
@@ -4596,6 +4969,7 @@
                 <a:solidFill>
                   <a:srgbClr val="000000"/>
                 </a:solidFill>
+                <a:effectLst/>
                 <a:uFillTx/>
                 <a:latin typeface="Arial"/>
                 <a:ea typeface="Arial"/>
@@ -4606,22 +4980,23 @@
               <a:solidFill>
                 <a:srgbClr val="000000"/>
               </a:solidFill>
-              <a:uFillTx/>
-              <a:latin typeface="Arial"/>
-            </a:endParaRPr>
-          </a:p>
-        </p:txBody>
-      </p:sp>
-      <p:sp>
-        <p:nvSpPr>
-          <p:cNvPr id="54" name=""/>
+              <a:effectLst/>
+              <a:uFillTx/>
+              <a:latin typeface="Arial"/>
+            </a:endParaRPr>
+          </a:p>
+        </p:txBody>
+      </p:sp>
+      <p:sp>
+        <p:nvSpPr>
+          <p:cNvPr id="51" name=""/>
           <p:cNvSpPr/>
           <p:nvPr/>
         </p:nvSpPr>
         <p:spPr>
           <a:xfrm>
             <a:off x="4446000" y="26821440"/>
-            <a:ext cx="875520" cy="642600"/>
+            <a:ext cx="875160" cy="642240"/>
           </a:xfrm>
           <a:prstGeom prst="rect">
             <a:avLst/>
@@ -4656,6 +5031,7 @@
                 <a:solidFill>
                   <a:srgbClr val="000000"/>
                 </a:solidFill>
+                <a:effectLst/>
                 <a:uFillTx/>
                 <a:latin typeface="Arial"/>
                 <a:ea typeface="Arial"/>
@@ -4666,22 +5042,23 @@
               <a:solidFill>
                 <a:srgbClr val="000000"/>
               </a:solidFill>
-              <a:uFillTx/>
-              <a:latin typeface="Arial"/>
-            </a:endParaRPr>
-          </a:p>
-        </p:txBody>
-      </p:sp>
-      <p:sp>
-        <p:nvSpPr>
-          <p:cNvPr id="55" name=""/>
+              <a:effectLst/>
+              <a:uFillTx/>
+              <a:latin typeface="Arial"/>
+            </a:endParaRPr>
+          </a:p>
+        </p:txBody>
+      </p:sp>
+      <p:sp>
+        <p:nvSpPr>
+          <p:cNvPr id="52" name=""/>
           <p:cNvSpPr/>
           <p:nvPr/>
         </p:nvSpPr>
         <p:spPr>
           <a:xfrm>
             <a:off x="2970720" y="27689760"/>
-            <a:ext cx="2247840" cy="642600"/>
+            <a:ext cx="2247480" cy="642240"/>
           </a:xfrm>
           <a:prstGeom prst="rect">
             <a:avLst/>
@@ -4716,6 +5093,7 @@
                 <a:solidFill>
                   <a:srgbClr val="000000"/>
                 </a:solidFill>
+                <a:effectLst/>
                 <a:uFillTx/>
                 <a:latin typeface="Arial"/>
                 <a:ea typeface="Arial"/>
@@ -4726,6 +5104,7 @@
               <a:solidFill>
                 <a:srgbClr val="000000"/>
               </a:solidFill>
+              <a:effectLst/>
               <a:uFillTx/>
               <a:latin typeface="Arial"/>
             </a:endParaRPr>
@@ -4741,51 +5120,42 @@
                 <a:solidFill>
                   <a:srgbClr val="000000"/>
                 </a:solidFill>
+                <a:effectLst/>
                 <a:uFillTx/>
                 <a:latin typeface="Arial"/>
                 <a:ea typeface="Arial"/>
               </a:rPr>
-              <a:t> </a:t>
-            </a:r>
-            <a:r>
-              <a:rPr b="0" lang="en-US" sz="2000" strike="noStrike" u="none">
-                <a:solidFill>
-                  <a:srgbClr val="000000"/>
-                </a:solidFill>
-                <a:uFillTx/>
-                <a:latin typeface="Arial"/>
-                <a:ea typeface="Arial"/>
-              </a:rPr>
-              <a:t>(OS)</a:t>
+              <a:t> (OS)</a:t>
             </a:r>
             <a:endParaRPr b="0" lang="en-US" sz="2000" strike="noStrike" u="none">
               <a:solidFill>
                 <a:srgbClr val="000000"/>
               </a:solidFill>
-              <a:uFillTx/>
-              <a:latin typeface="Arial"/>
-            </a:endParaRPr>
-          </a:p>
-        </p:txBody>
-      </p:sp>
-      <p:sp>
-        <p:nvSpPr>
-          <p:cNvPr id="56" name=""/>
+              <a:effectLst/>
+              <a:uFillTx/>
+              <a:latin typeface="Arial"/>
+            </a:endParaRPr>
+          </a:p>
+        </p:txBody>
+      </p:sp>
+      <p:sp>
+        <p:nvSpPr>
+          <p:cNvPr id="53" name=""/>
           <p:cNvSpPr/>
           <p:nvPr/>
         </p:nvSpPr>
         <p:spPr>
           <a:xfrm>
             <a:off x="5647680" y="26253000"/>
-            <a:ext cx="2338920" cy="2132640"/>
+            <a:ext cx="2338560" cy="2132280"/>
           </a:xfrm>
           <a:custGeom>
             <a:avLst/>
             <a:gdLst>
-              <a:gd name="textAreaLeft" fmla="*/ 113760 w 2338920"/>
-              <a:gd name="textAreaRight" fmla="*/ 2226960 w 2338920"/>
-              <a:gd name="textAreaTop" fmla="*/ 97560 h 2132640"/>
-              <a:gd name="textAreaBottom" fmla="*/ 2036880 h 2132640"/>
+              <a:gd name="textAreaLeft" fmla="*/ 113760 w 2338560"/>
+              <a:gd name="textAreaRight" fmla="*/ 2226960 w 2338560"/>
+              <a:gd name="textAreaTop" fmla="*/ 97560 h 2132280"/>
+              <a:gd name="textAreaBottom" fmla="*/ 2036880 h 2132280"/>
             </a:gdLst>
             <a:ahLst/>
             <a:rect l="textAreaLeft" t="textAreaTop" r="textAreaRight" b="textAreaBottom"/>
@@ -4841,6 +5211,7 @@
                 <a:solidFill>
                   <a:srgbClr val="000000"/>
                 </a:solidFill>
+                <a:effectLst/>
                 <a:uFillTx/>
                 <a:latin typeface="Arial"/>
                 <a:ea typeface="Arial"/>
@@ -4851,22 +5222,23 @@
               <a:solidFill>
                 <a:srgbClr val="000000"/>
               </a:solidFill>
-              <a:uFillTx/>
-              <a:latin typeface="Arial"/>
-            </a:endParaRPr>
-          </a:p>
-        </p:txBody>
-      </p:sp>
-      <p:sp>
-        <p:nvSpPr>
-          <p:cNvPr id="57" name=""/>
+              <a:effectLst/>
+              <a:uFillTx/>
+              <a:latin typeface="Arial"/>
+            </a:endParaRPr>
+          </a:p>
+        </p:txBody>
+      </p:sp>
+      <p:sp>
+        <p:nvSpPr>
+          <p:cNvPr id="54" name=""/>
           <p:cNvSpPr/>
           <p:nvPr/>
         </p:nvSpPr>
         <p:spPr>
           <a:xfrm>
             <a:off x="5870520" y="26821440"/>
-            <a:ext cx="1915200" cy="642600"/>
+            <a:ext cx="1914840" cy="642240"/>
           </a:xfrm>
           <a:prstGeom prst="rect">
             <a:avLst/>
@@ -4901,6 +5273,7 @@
                 <a:solidFill>
                   <a:srgbClr val="000000"/>
                 </a:solidFill>
+                <a:effectLst/>
                 <a:uFillTx/>
                 <a:latin typeface="Arial"/>
                 <a:ea typeface="Arial"/>
@@ -4911,22 +5284,23 @@
               <a:solidFill>
                 <a:srgbClr val="000000"/>
               </a:solidFill>
-              <a:uFillTx/>
-              <a:latin typeface="Arial"/>
-            </a:endParaRPr>
-          </a:p>
-        </p:txBody>
-      </p:sp>
-      <p:sp>
-        <p:nvSpPr>
-          <p:cNvPr id="58" name=""/>
+              <a:effectLst/>
+              <a:uFillTx/>
+              <a:latin typeface="Arial"/>
+            </a:endParaRPr>
+          </a:p>
+        </p:txBody>
+      </p:sp>
+      <p:sp>
+        <p:nvSpPr>
+          <p:cNvPr id="55" name=""/>
           <p:cNvSpPr/>
           <p:nvPr/>
         </p:nvSpPr>
         <p:spPr>
           <a:xfrm>
             <a:off x="5778720" y="27677520"/>
-            <a:ext cx="2115720" cy="536400"/>
+            <a:ext cx="2115360" cy="536040"/>
           </a:xfrm>
           <a:prstGeom prst="rect">
             <a:avLst/>
@@ -4961,6 +5335,7 @@
                 <a:solidFill>
                   <a:srgbClr val="000000"/>
                 </a:solidFill>
+                <a:effectLst/>
                 <a:uFillTx/>
                 <a:latin typeface="Arial"/>
                 <a:ea typeface="Arial"/>
@@ -4971,30 +5346,31 @@
               <a:solidFill>
                 <a:srgbClr val="000000"/>
               </a:solidFill>
-              <a:uFillTx/>
-              <a:latin typeface="Arial"/>
-            </a:endParaRPr>
-          </a:p>
-        </p:txBody>
-      </p:sp>
-      <p:sp>
-        <p:nvSpPr>
-          <p:cNvPr id="59" name=""/>
+              <a:effectLst/>
+              <a:uFillTx/>
+              <a:latin typeface="Arial"/>
+            </a:endParaRPr>
+          </a:p>
+        </p:txBody>
+      </p:sp>
+      <p:sp>
+        <p:nvSpPr>
+          <p:cNvPr id="56" name=""/>
           <p:cNvSpPr/>
           <p:nvPr/>
         </p:nvSpPr>
         <p:spPr>
           <a:xfrm>
             <a:off x="8233560" y="26253360"/>
-            <a:ext cx="1788480" cy="2132280"/>
+            <a:ext cx="1788120" cy="2131920"/>
           </a:xfrm>
           <a:custGeom>
             <a:avLst/>
             <a:gdLst>
-              <a:gd name="textAreaLeft" fmla="*/ 86760 w 1788480"/>
-              <a:gd name="textAreaRight" fmla="*/ 1703520 w 1788480"/>
-              <a:gd name="textAreaTop" fmla="*/ 74520 h 2132280"/>
-              <a:gd name="textAreaBottom" fmla="*/ 2059560 h 2132280"/>
+              <a:gd name="textAreaLeft" fmla="*/ 86760 w 1788120"/>
+              <a:gd name="textAreaRight" fmla="*/ 1703520 w 1788120"/>
+              <a:gd name="textAreaTop" fmla="*/ 74520 h 2131920"/>
+              <a:gd name="textAreaBottom" fmla="*/ 2059560 h 2131920"/>
             </a:gdLst>
             <a:ahLst/>
             <a:rect l="textAreaLeft" t="textAreaTop" r="textAreaRight" b="textAreaBottom"/>
@@ -5050,6 +5426,7 @@
                 <a:solidFill>
                   <a:srgbClr val="000000"/>
                 </a:solidFill>
+                <a:effectLst/>
                 <a:uFillTx/>
                 <a:latin typeface="Arial"/>
                 <a:ea typeface="Arial"/>
@@ -5060,22 +5437,23 @@
               <a:solidFill>
                 <a:srgbClr val="000000"/>
               </a:solidFill>
-              <a:uFillTx/>
-              <a:latin typeface="Arial"/>
-            </a:endParaRPr>
-          </a:p>
-        </p:txBody>
-      </p:sp>
-      <p:sp>
-        <p:nvSpPr>
-          <p:cNvPr id="60" name=""/>
+              <a:effectLst/>
+              <a:uFillTx/>
+              <a:latin typeface="Arial"/>
+            </a:endParaRPr>
+          </a:p>
+        </p:txBody>
+      </p:sp>
+      <p:sp>
+        <p:nvSpPr>
+          <p:cNvPr id="57" name=""/>
           <p:cNvSpPr/>
           <p:nvPr/>
         </p:nvSpPr>
         <p:spPr>
           <a:xfrm>
             <a:off x="8425440" y="26822160"/>
-            <a:ext cx="1344960" cy="642240"/>
+            <a:ext cx="1344600" cy="641880"/>
           </a:xfrm>
           <a:prstGeom prst="rect">
             <a:avLst/>
@@ -5110,6 +5488,7 @@
                 <a:solidFill>
                   <a:srgbClr val="000000"/>
                 </a:solidFill>
+                <a:effectLst/>
                 <a:uFillTx/>
                 <a:latin typeface="Arial"/>
                 <a:ea typeface="Arial"/>
@@ -5120,22 +5499,23 @@
               <a:solidFill>
                 <a:srgbClr val="000000"/>
               </a:solidFill>
-              <a:uFillTx/>
-              <a:latin typeface="Arial"/>
-            </a:endParaRPr>
-          </a:p>
-        </p:txBody>
-      </p:sp>
-      <p:sp>
-        <p:nvSpPr>
-          <p:cNvPr id="61" name=""/>
+              <a:effectLst/>
+              <a:uFillTx/>
+              <a:latin typeface="Arial"/>
+            </a:endParaRPr>
+          </a:p>
+        </p:txBody>
+      </p:sp>
+      <p:sp>
+        <p:nvSpPr>
+          <p:cNvPr id="58" name=""/>
           <p:cNvSpPr/>
           <p:nvPr/>
         </p:nvSpPr>
         <p:spPr>
           <a:xfrm>
             <a:off x="8346600" y="27677880"/>
-            <a:ext cx="1423800" cy="536400"/>
+            <a:ext cx="1423440" cy="536040"/>
           </a:xfrm>
           <a:prstGeom prst="rect">
             <a:avLst/>
@@ -5170,6 +5550,7 @@
                 <a:solidFill>
                   <a:srgbClr val="000000"/>
                 </a:solidFill>
+                <a:effectLst/>
                 <a:uFillTx/>
                 <a:latin typeface="Arial"/>
                 <a:ea typeface="Arial"/>
@@ -5180,15 +5561,16 @@
               <a:solidFill>
                 <a:srgbClr val="000000"/>
               </a:solidFill>
-              <a:uFillTx/>
-              <a:latin typeface="Arial"/>
-            </a:endParaRPr>
-          </a:p>
-        </p:txBody>
-      </p:sp>
-      <p:sp>
-        <p:nvSpPr>
-          <p:cNvPr id="62" name=""/>
+              <a:effectLst/>
+              <a:uFillTx/>
+              <a:latin typeface="Arial"/>
+            </a:endParaRPr>
+          </a:p>
+        </p:txBody>
+      </p:sp>
+      <p:sp>
+        <p:nvSpPr>
+          <p:cNvPr id="59" name=""/>
           <p:cNvSpPr/>
           <p:nvPr/>
         </p:nvSpPr>
@@ -5223,6 +5605,7 @@
               <a:solidFill>
                 <a:srgbClr val="000000"/>
               </a:solidFill>
+              <a:effectLst/>
               <a:uFillTx/>
               <a:latin typeface="Arial"/>
               <a:ea typeface="Arial"/>
@@ -5232,7 +5615,7 @@
       </p:sp>
       <p:sp>
         <p:nvSpPr>
-          <p:cNvPr id="63" name=""/>
+          <p:cNvPr id="60" name=""/>
           <p:cNvSpPr/>
           <p:nvPr/>
         </p:nvSpPr>
@@ -5267,6 +5650,7 @@
               <a:solidFill>
                 <a:srgbClr val="000000"/>
               </a:solidFill>
+              <a:effectLst/>
               <a:uFillTx/>
               <a:latin typeface="Arial"/>
               <a:ea typeface="Arial"/>
@@ -5276,14 +5660,14 @@
       </p:sp>
       <p:sp>
         <p:nvSpPr>
-          <p:cNvPr id="64" name=""/>
+          <p:cNvPr id="61" name=""/>
           <p:cNvSpPr/>
           <p:nvPr/>
         </p:nvSpPr>
         <p:spPr>
           <a:xfrm>
             <a:off x="2701440" y="28627560"/>
-            <a:ext cx="7476840" cy="1468800"/>
+            <a:ext cx="7476480" cy="1468440"/>
           </a:xfrm>
           <a:prstGeom prst="roundRect">
             <a:avLst>
@@ -5320,6 +5704,7 @@
               <a:solidFill>
                 <a:srgbClr val="000000"/>
               </a:solidFill>
+              <a:effectLst/>
               <a:uFillTx/>
               <a:latin typeface="Arial"/>
               <a:ea typeface="Arial"/>
@@ -5329,14 +5714,14 @@
       </p:sp>
       <p:sp>
         <p:nvSpPr>
-          <p:cNvPr id="65" name=""/>
+          <p:cNvPr id="62" name=""/>
           <p:cNvSpPr/>
           <p:nvPr/>
         </p:nvSpPr>
         <p:spPr>
           <a:xfrm>
             <a:off x="2787120" y="28742040"/>
-            <a:ext cx="7269120" cy="498240"/>
+            <a:ext cx="7268760" cy="497880"/>
           </a:xfrm>
           <a:prstGeom prst="rect">
             <a:avLst/>
@@ -5371,6 +5756,7 @@
                 <a:solidFill>
                   <a:srgbClr val="000000"/>
                 </a:solidFill>
+                <a:effectLst/>
                 <a:uFillTx/>
                 <a:latin typeface="Arial"/>
                 <a:ea typeface="Arial"/>
@@ -5381,22 +5767,23 @@
               <a:solidFill>
                 <a:srgbClr val="000000"/>
               </a:solidFill>
-              <a:uFillTx/>
-              <a:latin typeface="Arial"/>
-            </a:endParaRPr>
-          </a:p>
-        </p:txBody>
-      </p:sp>
-      <p:sp>
-        <p:nvSpPr>
-          <p:cNvPr id="66" name=""/>
+              <a:effectLst/>
+              <a:uFillTx/>
+              <a:latin typeface="Arial"/>
+            </a:endParaRPr>
+          </a:p>
+        </p:txBody>
+      </p:sp>
+      <p:sp>
+        <p:nvSpPr>
+          <p:cNvPr id="63" name=""/>
           <p:cNvSpPr/>
           <p:nvPr/>
         </p:nvSpPr>
         <p:spPr>
           <a:xfrm>
             <a:off x="1210320" y="29341440"/>
-            <a:ext cx="1501560" cy="749160"/>
+            <a:ext cx="1501200" cy="748800"/>
           </a:xfrm>
           <a:prstGeom prst="rect">
             <a:avLst/>
@@ -5427,6 +5814,7 @@
                 <a:solidFill>
                   <a:srgbClr val="000000"/>
                 </a:solidFill>
+                <a:effectLst/>
                 <a:uFillTx/>
                 <a:latin typeface="Open Sans"/>
                 <a:ea typeface="Arial"/>
@@ -5437,22 +5825,23 @@
               <a:solidFill>
                 <a:srgbClr val="000000"/>
               </a:solidFill>
-              <a:uFillTx/>
-              <a:latin typeface="Arial"/>
-            </a:endParaRPr>
-          </a:p>
-        </p:txBody>
-      </p:sp>
-      <p:sp>
-        <p:nvSpPr>
-          <p:cNvPr id="67" name=""/>
+              <a:effectLst/>
+              <a:uFillTx/>
+              <a:latin typeface="Arial"/>
+            </a:endParaRPr>
+          </a:p>
+        </p:txBody>
+      </p:sp>
+      <p:sp>
+        <p:nvSpPr>
+          <p:cNvPr id="64" name=""/>
           <p:cNvSpPr/>
           <p:nvPr/>
         </p:nvSpPr>
         <p:spPr>
           <a:xfrm>
             <a:off x="2781360" y="29375280"/>
-            <a:ext cx="7245720" cy="615240"/>
+            <a:ext cx="7245360" cy="614880"/>
           </a:xfrm>
           <a:prstGeom prst="rect">
             <a:avLst/>
@@ -5486,6 +5875,7 @@
               <a:solidFill>
                 <a:srgbClr val="000000"/>
               </a:solidFill>
+              <a:effectLst/>
               <a:uFillTx/>
               <a:latin typeface="Arial"/>
               <a:ea typeface="Arial"/>
@@ -5495,14 +5885,14 @@
       </p:sp>
       <p:sp>
         <p:nvSpPr>
-          <p:cNvPr id="68" name=""/>
+          <p:cNvPr id="65" name=""/>
           <p:cNvSpPr/>
           <p:nvPr/>
         </p:nvSpPr>
         <p:spPr>
           <a:xfrm>
             <a:off x="2862360" y="29470320"/>
-            <a:ext cx="1931760" cy="440640"/>
+            <a:ext cx="1931400" cy="440280"/>
           </a:xfrm>
           <a:prstGeom prst="rect">
             <a:avLst/>
@@ -5537,6 +5927,7 @@
                 <a:solidFill>
                   <a:srgbClr val="000000"/>
                 </a:solidFill>
+                <a:effectLst/>
                 <a:uFillTx/>
                 <a:latin typeface="Arial"/>
                 <a:ea typeface="Arial"/>
@@ -5547,22 +5938,23 @@
               <a:solidFill>
                 <a:srgbClr val="000000"/>
               </a:solidFill>
-              <a:uFillTx/>
-              <a:latin typeface="Arial"/>
-            </a:endParaRPr>
-          </a:p>
-        </p:txBody>
-      </p:sp>
-      <p:sp>
-        <p:nvSpPr>
-          <p:cNvPr id="69" name=""/>
+              <a:effectLst/>
+              <a:uFillTx/>
+              <a:latin typeface="Arial"/>
+            </a:endParaRPr>
+          </a:p>
+        </p:txBody>
+      </p:sp>
+      <p:sp>
+        <p:nvSpPr>
+          <p:cNvPr id="66" name=""/>
           <p:cNvSpPr/>
           <p:nvPr/>
         </p:nvSpPr>
         <p:spPr>
           <a:xfrm>
             <a:off x="4926600" y="29470320"/>
-            <a:ext cx="2982240" cy="440640"/>
+            <a:ext cx="2981880" cy="440280"/>
           </a:xfrm>
           <a:prstGeom prst="rect">
             <a:avLst/>
@@ -5597,6 +5989,7 @@
                 <a:solidFill>
                   <a:srgbClr val="000000"/>
                 </a:solidFill>
+                <a:effectLst/>
                 <a:uFillTx/>
                 <a:latin typeface="Arial"/>
                 <a:ea typeface="Arial"/>
@@ -5607,22 +6000,23 @@
               <a:solidFill>
                 <a:srgbClr val="000000"/>
               </a:solidFill>
-              <a:uFillTx/>
-              <a:latin typeface="Arial"/>
-            </a:endParaRPr>
-          </a:p>
-        </p:txBody>
-      </p:sp>
-      <p:sp>
-        <p:nvSpPr>
-          <p:cNvPr id="70" name=""/>
+              <a:effectLst/>
+              <a:uFillTx/>
+              <a:latin typeface="Arial"/>
+            </a:endParaRPr>
+          </a:p>
+        </p:txBody>
+      </p:sp>
+      <p:sp>
+        <p:nvSpPr>
+          <p:cNvPr id="67" name=""/>
           <p:cNvSpPr/>
           <p:nvPr/>
         </p:nvSpPr>
         <p:spPr>
           <a:xfrm>
             <a:off x="8035560" y="29471400"/>
-            <a:ext cx="1932480" cy="440280"/>
+            <a:ext cx="1932120" cy="439920"/>
           </a:xfrm>
           <a:prstGeom prst="rect">
             <a:avLst/>
@@ -5657,6 +6051,7 @@
                 <a:solidFill>
                   <a:srgbClr val="000000"/>
                 </a:solidFill>
+                <a:effectLst/>
                 <a:uFillTx/>
                 <a:latin typeface="Arial"/>
                 <a:ea typeface="Arial"/>
@@ -5667,15 +6062,16 @@
               <a:solidFill>
                 <a:srgbClr val="000000"/>
               </a:solidFill>
-              <a:uFillTx/>
-              <a:latin typeface="Arial"/>
-            </a:endParaRPr>
-          </a:p>
-        </p:txBody>
-      </p:sp>
-      <p:sp>
-        <p:nvSpPr>
-          <p:cNvPr id="71" name=""/>
+              <a:effectLst/>
+              <a:uFillTx/>
+              <a:latin typeface="Arial"/>
+            </a:endParaRPr>
+          </a:p>
+        </p:txBody>
+      </p:sp>
+      <p:sp>
+        <p:nvSpPr>
+          <p:cNvPr id="68" name=""/>
           <p:cNvSpPr/>
           <p:nvPr/>
         </p:nvSpPr>
@@ -5709,6 +6105,7 @@
               <a:solidFill>
                 <a:srgbClr val="000000"/>
               </a:solidFill>
+              <a:effectLst/>
               <a:uFillTx/>
               <a:latin typeface="Arial"/>
               <a:ea typeface="Arial"/>
@@ -5718,14 +6115,14 @@
       </p:sp>
       <p:sp>
         <p:nvSpPr>
-          <p:cNvPr id="72" name=""/>
+          <p:cNvPr id="69" name=""/>
           <p:cNvSpPr/>
           <p:nvPr/>
         </p:nvSpPr>
         <p:spPr>
           <a:xfrm>
             <a:off x="5461560" y="30621600"/>
-            <a:ext cx="1827000" cy="684000"/>
+            <a:ext cx="1826640" cy="683640"/>
           </a:xfrm>
           <a:prstGeom prst="roundRect">
             <a:avLst>
@@ -5761,6 +6158,7 @@
                 <a:solidFill>
                   <a:srgbClr val="000000"/>
                 </a:solidFill>
+                <a:effectLst/>
                 <a:uFillTx/>
                 <a:latin typeface="Arial"/>
                 <a:ea typeface="Arial"/>
@@ -5771,15 +6169,16 @@
               <a:solidFill>
                 <a:srgbClr val="000000"/>
               </a:solidFill>
-              <a:uFillTx/>
-              <a:latin typeface="Arial"/>
-            </a:endParaRPr>
-          </a:p>
-        </p:txBody>
-      </p:sp>
-      <p:sp>
-        <p:nvSpPr>
-          <p:cNvPr id="73" name=""/>
+              <a:effectLst/>
+              <a:uFillTx/>
+              <a:latin typeface="Arial"/>
+            </a:endParaRPr>
+          </a:p>
+        </p:txBody>
+      </p:sp>
+      <p:sp>
+        <p:nvSpPr>
+          <p:cNvPr id="70" name=""/>
           <p:cNvSpPr/>
           <p:nvPr/>
         </p:nvSpPr>
@@ -5814,6 +6213,7 @@
               <a:solidFill>
                 <a:srgbClr val="000000"/>
               </a:solidFill>
+              <a:effectLst/>
               <a:uFillTx/>
               <a:latin typeface="Arial"/>
               <a:ea typeface="Arial"/>
@@ -5823,14 +6223,14 @@
       </p:sp>
       <p:sp>
         <p:nvSpPr>
-          <p:cNvPr id="74" name=""/>
+          <p:cNvPr id="71" name=""/>
           <p:cNvSpPr/>
           <p:nvPr/>
         </p:nvSpPr>
         <p:spPr>
           <a:xfrm>
             <a:off x="988560" y="26794440"/>
-            <a:ext cx="1753920" cy="749520"/>
+            <a:ext cx="1753560" cy="749160"/>
           </a:xfrm>
           <a:prstGeom prst="rect">
             <a:avLst/>
@@ -5861,6 +6261,7 @@
                 <a:solidFill>
                   <a:srgbClr val="000000"/>
                 </a:solidFill>
+                <a:effectLst/>
                 <a:uFillTx/>
                 <a:latin typeface="Open Sans"/>
                 <a:ea typeface="Arial"/>
@@ -5871,6 +6272,7 @@
               <a:solidFill>
                 <a:srgbClr val="000000"/>
               </a:solidFill>
+              <a:effectLst/>
               <a:uFillTx/>
               <a:latin typeface="Arial"/>
             </a:endParaRPr>
@@ -5886,6 +6288,7 @@
                 <a:solidFill>
                   <a:srgbClr val="000000"/>
                 </a:solidFill>
+                <a:effectLst/>
                 <a:uFillTx/>
                 <a:latin typeface="Open Sans"/>
                 <a:ea typeface="Arial"/>
@@ -5896,22 +6299,23 @@
               <a:solidFill>
                 <a:srgbClr val="000000"/>
               </a:solidFill>
-              <a:uFillTx/>
-              <a:latin typeface="Arial"/>
-            </a:endParaRPr>
-          </a:p>
-        </p:txBody>
-      </p:sp>
-      <p:sp>
-        <p:nvSpPr>
-          <p:cNvPr id="75" name=""/>
+              <a:effectLst/>
+              <a:uFillTx/>
+              <a:latin typeface="Arial"/>
+            </a:endParaRPr>
+          </a:p>
+        </p:txBody>
+      </p:sp>
+      <p:sp>
+        <p:nvSpPr>
+          <p:cNvPr id="72" name=""/>
           <p:cNvSpPr/>
           <p:nvPr/>
         </p:nvSpPr>
         <p:spPr>
           <a:xfrm>
             <a:off x="882000" y="27735480"/>
-            <a:ext cx="1828440" cy="748800"/>
+            <a:ext cx="1828080" cy="748440"/>
           </a:xfrm>
           <a:prstGeom prst="rect">
             <a:avLst/>
@@ -5942,6 +6346,7 @@
                 <a:solidFill>
                   <a:srgbClr val="000000"/>
                 </a:solidFill>
+                <a:effectLst/>
                 <a:uFillTx/>
                 <a:latin typeface="Open Sans"/>
                 <a:ea typeface="Arial"/>
@@ -5952,6 +6357,7 @@
               <a:solidFill>
                 <a:srgbClr val="000000"/>
               </a:solidFill>
+              <a:effectLst/>
               <a:uFillTx/>
               <a:latin typeface="Arial"/>
             </a:endParaRPr>
@@ -5967,6 +6373,7 @@
                 <a:solidFill>
                   <a:srgbClr val="000000"/>
                 </a:solidFill>
+                <a:effectLst/>
                 <a:uFillTx/>
                 <a:latin typeface="Open Sans"/>
                 <a:ea typeface="Arial"/>
@@ -5977,22 +6384,23 @@
               <a:solidFill>
                 <a:srgbClr val="000000"/>
               </a:solidFill>
-              <a:uFillTx/>
-              <a:latin typeface="Arial"/>
-            </a:endParaRPr>
-          </a:p>
-        </p:txBody>
-      </p:sp>
-      <p:sp>
-        <p:nvSpPr>
-          <p:cNvPr id="76" name=""/>
+              <a:effectLst/>
+              <a:uFillTx/>
+              <a:latin typeface="Arial"/>
+            </a:endParaRPr>
+          </a:p>
+        </p:txBody>
+      </p:sp>
+      <p:sp>
+        <p:nvSpPr>
+          <p:cNvPr id="73" name=""/>
           <p:cNvSpPr/>
           <p:nvPr/>
         </p:nvSpPr>
         <p:spPr>
           <a:xfrm>
             <a:off x="952560" y="28571400"/>
-            <a:ext cx="1748520" cy="749520"/>
+            <a:ext cx="1748160" cy="749160"/>
           </a:xfrm>
           <a:prstGeom prst="rect">
             <a:avLst/>
@@ -6023,6 +6431,7 @@
                 <a:solidFill>
                   <a:srgbClr val="000000"/>
                 </a:solidFill>
+                <a:effectLst/>
                 <a:uFillTx/>
                 <a:latin typeface="Open Sans"/>
                 <a:ea typeface="Arial"/>
@@ -6033,6 +6442,7 @@
               <a:solidFill>
                 <a:srgbClr val="000000"/>
               </a:solidFill>
+              <a:effectLst/>
               <a:uFillTx/>
               <a:latin typeface="Arial"/>
             </a:endParaRPr>
@@ -6048,6 +6458,7 @@
                 <a:solidFill>
                   <a:srgbClr val="000000"/>
                 </a:solidFill>
+                <a:effectLst/>
                 <a:uFillTx/>
                 <a:latin typeface="Open Sans"/>
                 <a:ea typeface="Arial"/>
@@ -6058,22 +6469,23 @@
               <a:solidFill>
                 <a:srgbClr val="000000"/>
               </a:solidFill>
-              <a:uFillTx/>
-              <a:latin typeface="Arial"/>
-            </a:endParaRPr>
-          </a:p>
-        </p:txBody>
-      </p:sp>
-      <p:sp>
-        <p:nvSpPr>
-          <p:cNvPr id="77" name=""/>
-          <p:cNvSpPr/>
-          <p:nvPr/>
-        </p:nvSpPr>
-        <p:spPr>
-          <a:xfrm>
-            <a:off x="16666560" y="9825120"/>
-            <a:ext cx="2998080" cy="1294560"/>
+              <a:effectLst/>
+              <a:uFillTx/>
+              <a:latin typeface="Arial"/>
+            </a:endParaRPr>
+          </a:p>
+        </p:txBody>
+      </p:sp>
+      <p:sp>
+        <p:nvSpPr>
+          <p:cNvPr id="74" name=""/>
+          <p:cNvSpPr/>
+          <p:nvPr/>
+        </p:nvSpPr>
+        <p:spPr>
+          <a:xfrm>
+            <a:off x="16774560" y="9969120"/>
+            <a:ext cx="2997720" cy="1294200"/>
           </a:xfrm>
           <a:prstGeom prst="roundRect">
             <a:avLst>
@@ -6110,6 +6522,7 @@
                 <a:solidFill>
                   <a:srgbClr val="000000"/>
                 </a:solidFill>
+                <a:effectLst/>
                 <a:uFillTx/>
                 <a:latin typeface="Open Sans"/>
                 <a:ea typeface="DejaVu Sans"/>
@@ -6120,30 +6533,31 @@
               <a:solidFill>
                 <a:srgbClr val="000000"/>
               </a:solidFill>
-              <a:uFillTx/>
-              <a:latin typeface="Arial"/>
-            </a:endParaRPr>
-          </a:p>
-        </p:txBody>
-      </p:sp>
-      <p:sp>
-        <p:nvSpPr>
-          <p:cNvPr id="78" name=""/>
-          <p:cNvSpPr/>
-          <p:nvPr/>
-        </p:nvSpPr>
-        <p:spPr>
-          <a:xfrm>
-            <a:off x="13120560" y="9647280"/>
-            <a:ext cx="3203280" cy="4323600"/>
+              <a:effectLst/>
+              <a:uFillTx/>
+              <a:latin typeface="Arial"/>
+            </a:endParaRPr>
+          </a:p>
+        </p:txBody>
+      </p:sp>
+      <p:sp>
+        <p:nvSpPr>
+          <p:cNvPr id="75" name=""/>
+          <p:cNvSpPr/>
+          <p:nvPr/>
+        </p:nvSpPr>
+        <p:spPr>
+          <a:xfrm>
+            <a:off x="13228560" y="9791280"/>
+            <a:ext cx="3202920" cy="4323240"/>
           </a:xfrm>
           <a:custGeom>
             <a:avLst/>
             <a:gdLst>
-              <a:gd name="textAreaLeft" fmla="*/ 155880 w 3203280"/>
-              <a:gd name="textAreaRight" fmla="*/ 3048120 w 3203280"/>
-              <a:gd name="textAreaTop" fmla="*/ 154800 h 4323600"/>
-              <a:gd name="textAreaBottom" fmla="*/ 4169520 h 4323600"/>
+              <a:gd name="textAreaLeft" fmla="*/ 155880 w 3202920"/>
+              <a:gd name="textAreaRight" fmla="*/ 3048120 w 3202920"/>
+              <a:gd name="textAreaTop" fmla="*/ 154800 h 4323240"/>
+              <a:gd name="textAreaBottom" fmla="*/ 4169520 h 4323240"/>
             </a:gdLst>
             <a:ahLst/>
             <a:rect l="textAreaLeft" t="textAreaTop" r="textAreaRight" b="textAreaBottom"/>
@@ -6197,6 +6611,7 @@
               <a:solidFill>
                 <a:srgbClr val="000000"/>
               </a:solidFill>
+              <a:effectLst/>
               <a:uFillTx/>
               <a:latin typeface="Arial"/>
               <a:ea typeface="DejaVu Sans"/>
@@ -6206,14 +6621,14 @@
       </p:sp>
       <p:sp>
         <p:nvSpPr>
-          <p:cNvPr id="79" name=""/>
-          <p:cNvSpPr/>
-          <p:nvPr/>
-        </p:nvSpPr>
-        <p:spPr>
-          <a:xfrm>
-            <a:off x="13217040" y="9825120"/>
-            <a:ext cx="2998080" cy="1294560"/>
+          <p:cNvPr id="76" name=""/>
+          <p:cNvSpPr/>
+          <p:nvPr/>
+        </p:nvSpPr>
+        <p:spPr>
+          <a:xfrm>
+            <a:off x="13325040" y="9969120"/>
+            <a:ext cx="2997720" cy="1294200"/>
           </a:xfrm>
           <a:prstGeom prst="roundRect">
             <a:avLst>
@@ -6250,6 +6665,7 @@
                 <a:solidFill>
                   <a:srgbClr val="000000"/>
                 </a:solidFill>
+                <a:effectLst/>
                 <a:uFillTx/>
                 <a:latin typeface="Open Sans"/>
                 <a:ea typeface="DejaVu Sans"/>
@@ -6260,22 +6676,23 @@
               <a:solidFill>
                 <a:srgbClr val="000000"/>
               </a:solidFill>
-              <a:uFillTx/>
-              <a:latin typeface="Arial"/>
-            </a:endParaRPr>
-          </a:p>
-        </p:txBody>
-      </p:sp>
-      <p:sp>
-        <p:nvSpPr>
-          <p:cNvPr id="80" name=""/>
-          <p:cNvSpPr/>
-          <p:nvPr/>
-        </p:nvSpPr>
-        <p:spPr>
-          <a:xfrm>
-            <a:off x="13217040" y="11171880"/>
-            <a:ext cx="2998080" cy="1294920"/>
+              <a:effectLst/>
+              <a:uFillTx/>
+              <a:latin typeface="Arial"/>
+            </a:endParaRPr>
+          </a:p>
+        </p:txBody>
+      </p:sp>
+      <p:sp>
+        <p:nvSpPr>
+          <p:cNvPr id="77" name=""/>
+          <p:cNvSpPr/>
+          <p:nvPr/>
+        </p:nvSpPr>
+        <p:spPr>
+          <a:xfrm>
+            <a:off x="13325040" y="11315880"/>
+            <a:ext cx="2997720" cy="1294560"/>
           </a:xfrm>
           <a:prstGeom prst="roundRect">
             <a:avLst>
@@ -6312,6 +6729,7 @@
                 <a:solidFill>
                   <a:srgbClr val="000000"/>
                 </a:solidFill>
+                <a:effectLst/>
                 <a:uFillTx/>
                 <a:latin typeface="Open Sans"/>
                 <a:ea typeface="DejaVu Sans"/>
@@ -6322,22 +6740,23 @@
               <a:solidFill>
                 <a:srgbClr val="000000"/>
               </a:solidFill>
-              <a:uFillTx/>
-              <a:latin typeface="Arial"/>
-            </a:endParaRPr>
-          </a:p>
-        </p:txBody>
-      </p:sp>
-      <p:sp>
-        <p:nvSpPr>
-          <p:cNvPr id="81" name=""/>
-          <p:cNvSpPr/>
-          <p:nvPr/>
-        </p:nvSpPr>
-        <p:spPr>
-          <a:xfrm>
-            <a:off x="13217040" y="12519000"/>
-            <a:ext cx="2998080" cy="1294920"/>
+              <a:effectLst/>
+              <a:uFillTx/>
+              <a:latin typeface="Arial"/>
+            </a:endParaRPr>
+          </a:p>
+        </p:txBody>
+      </p:sp>
+      <p:sp>
+        <p:nvSpPr>
+          <p:cNvPr id="78" name=""/>
+          <p:cNvSpPr/>
+          <p:nvPr/>
+        </p:nvSpPr>
+        <p:spPr>
+          <a:xfrm>
+            <a:off x="13325040" y="12663000"/>
+            <a:ext cx="2997720" cy="1294560"/>
           </a:xfrm>
           <a:prstGeom prst="roundRect">
             <a:avLst>
@@ -6374,6 +6793,7 @@
                 <a:solidFill>
                   <a:srgbClr val="000000"/>
                 </a:solidFill>
+                <a:effectLst/>
                 <a:uFillTx/>
                 <a:latin typeface="Open Sans"/>
                 <a:ea typeface="DejaVu Sans"/>
@@ -6384,22 +6804,23 @@
               <a:solidFill>
                 <a:srgbClr val="000000"/>
               </a:solidFill>
-              <a:uFillTx/>
-              <a:latin typeface="Arial"/>
-            </a:endParaRPr>
-          </a:p>
-        </p:txBody>
-      </p:sp>
-      <p:sp>
-        <p:nvSpPr>
-          <p:cNvPr id="82" name=""/>
-          <p:cNvSpPr/>
-          <p:nvPr/>
-        </p:nvSpPr>
-        <p:spPr>
-          <a:xfrm>
-            <a:off x="16666560" y="11171880"/>
-            <a:ext cx="2998080" cy="1294920"/>
+              <a:effectLst/>
+              <a:uFillTx/>
+              <a:latin typeface="Arial"/>
+            </a:endParaRPr>
+          </a:p>
+        </p:txBody>
+      </p:sp>
+      <p:sp>
+        <p:nvSpPr>
+          <p:cNvPr id="79" name=""/>
+          <p:cNvSpPr/>
+          <p:nvPr/>
+        </p:nvSpPr>
+        <p:spPr>
+          <a:xfrm>
+            <a:off x="16774560" y="11315880"/>
+            <a:ext cx="2997720" cy="1294560"/>
           </a:xfrm>
           <a:prstGeom prst="roundRect">
             <a:avLst>
@@ -6436,6 +6857,7 @@
                 <a:solidFill>
                   <a:srgbClr val="000000"/>
                 </a:solidFill>
+                <a:effectLst/>
                 <a:uFillTx/>
                 <a:latin typeface="Open Sans"/>
                 <a:ea typeface="DejaVu Sans"/>
@@ -6446,22 +6868,23 @@
               <a:solidFill>
                 <a:srgbClr val="000000"/>
               </a:solidFill>
-              <a:uFillTx/>
-              <a:latin typeface="Arial"/>
-            </a:endParaRPr>
-          </a:p>
-        </p:txBody>
-      </p:sp>
-      <p:sp>
-        <p:nvSpPr>
-          <p:cNvPr id="83" name=""/>
-          <p:cNvSpPr/>
-          <p:nvPr/>
-        </p:nvSpPr>
-        <p:spPr>
-          <a:xfrm>
-            <a:off x="16666560" y="12519000"/>
-            <a:ext cx="2998080" cy="1294920"/>
+              <a:effectLst/>
+              <a:uFillTx/>
+              <a:latin typeface="Arial"/>
+            </a:endParaRPr>
+          </a:p>
+        </p:txBody>
+      </p:sp>
+      <p:sp>
+        <p:nvSpPr>
+          <p:cNvPr id="80" name=""/>
+          <p:cNvSpPr/>
+          <p:nvPr/>
+        </p:nvSpPr>
+        <p:spPr>
+          <a:xfrm>
+            <a:off x="16774560" y="12663000"/>
+            <a:ext cx="2997720" cy="1294560"/>
           </a:xfrm>
           <a:prstGeom prst="roundRect">
             <a:avLst>
@@ -6498,6 +6921,7 @@
                 <a:solidFill>
                   <a:srgbClr val="000000"/>
                 </a:solidFill>
+                <a:effectLst/>
                 <a:uFillTx/>
                 <a:latin typeface="Open Sans"/>
                 <a:ea typeface="DejaVu Sans"/>
@@ -6508,30 +6932,31 @@
               <a:solidFill>
                 <a:srgbClr val="000000"/>
               </a:solidFill>
-              <a:uFillTx/>
-              <a:latin typeface="Arial"/>
-            </a:endParaRPr>
-          </a:p>
-        </p:txBody>
-      </p:sp>
-      <p:sp>
-        <p:nvSpPr>
-          <p:cNvPr id="84" name=""/>
-          <p:cNvSpPr/>
-          <p:nvPr/>
-        </p:nvSpPr>
-        <p:spPr>
-          <a:xfrm>
-            <a:off x="16570080" y="9647280"/>
-            <a:ext cx="3203280" cy="4323600"/>
+              <a:effectLst/>
+              <a:uFillTx/>
+              <a:latin typeface="Arial"/>
+            </a:endParaRPr>
+          </a:p>
+        </p:txBody>
+      </p:sp>
+      <p:sp>
+        <p:nvSpPr>
+          <p:cNvPr id="81" name=""/>
+          <p:cNvSpPr/>
+          <p:nvPr/>
+        </p:nvSpPr>
+        <p:spPr>
+          <a:xfrm>
+            <a:off x="16678080" y="9791280"/>
+            <a:ext cx="3202920" cy="4323240"/>
           </a:xfrm>
           <a:custGeom>
             <a:avLst/>
             <a:gdLst>
-              <a:gd name="textAreaLeft" fmla="*/ 155880 w 3203280"/>
-              <a:gd name="textAreaRight" fmla="*/ 3048120 w 3203280"/>
-              <a:gd name="textAreaTop" fmla="*/ 154800 h 4323600"/>
-              <a:gd name="textAreaBottom" fmla="*/ 4169520 h 4323600"/>
+              <a:gd name="textAreaLeft" fmla="*/ 155880 w 3202920"/>
+              <a:gd name="textAreaRight" fmla="*/ 3048120 w 3202920"/>
+              <a:gd name="textAreaTop" fmla="*/ 154800 h 4323240"/>
+              <a:gd name="textAreaBottom" fmla="*/ 4169520 h 4323240"/>
             </a:gdLst>
             <a:ahLst/>
             <a:rect l="textAreaLeft" t="textAreaTop" r="textAreaRight" b="textAreaBottom"/>
@@ -6585,6 +7010,7 @@
               <a:solidFill>
                 <a:srgbClr val="000000"/>
               </a:solidFill>
+              <a:effectLst/>
               <a:uFillTx/>
               <a:latin typeface="Arial"/>
               <a:ea typeface="DejaVu Sans"/>
@@ -6594,14 +7020,14 @@
       </p:sp>
       <p:sp>
         <p:nvSpPr>
-          <p:cNvPr id="85" name=""/>
-          <p:cNvSpPr/>
-          <p:nvPr/>
-        </p:nvSpPr>
-        <p:spPr>
-          <a:xfrm>
-            <a:off x="12956400" y="8917920"/>
-            <a:ext cx="6977160" cy="5312160"/>
+          <p:cNvPr id="82" name=""/>
+          <p:cNvSpPr/>
+          <p:nvPr/>
+        </p:nvSpPr>
+        <p:spPr>
+          <a:xfrm>
+            <a:off x="13064400" y="9061920"/>
+            <a:ext cx="6976800" cy="5311800"/>
           </a:xfrm>
           <a:prstGeom prst="roundRect">
             <a:avLst>
@@ -6636,6 +7062,7 @@
               <a:solidFill>
                 <a:srgbClr val="000000"/>
               </a:solidFill>
+              <a:effectLst/>
               <a:uFillTx/>
               <a:latin typeface="Arial"/>
               <a:ea typeface="DejaVu Sans"/>
@@ -6645,14 +7072,14 @@
       </p:sp>
       <p:sp>
         <p:nvSpPr>
-          <p:cNvPr id="86" name=""/>
-          <p:cNvSpPr/>
-          <p:nvPr/>
-        </p:nvSpPr>
-        <p:spPr>
-          <a:xfrm>
-            <a:off x="13415400" y="9020880"/>
-            <a:ext cx="2647800" cy="485640"/>
+          <p:cNvPr id="83" name=""/>
+          <p:cNvSpPr/>
+          <p:nvPr/>
+        </p:nvSpPr>
+        <p:spPr>
+          <a:xfrm>
+            <a:off x="13523400" y="9164880"/>
+            <a:ext cx="2647440" cy="485640"/>
           </a:xfrm>
           <a:prstGeom prst="rect">
             <a:avLst/>
@@ -6683,6 +7110,7 @@
                 <a:solidFill>
                   <a:srgbClr val="000000"/>
                 </a:solidFill>
+                <a:effectLst/>
                 <a:uFillTx/>
                 <a:latin typeface="Open Sans"/>
                 <a:ea typeface="DejaVu Sans"/>
@@ -6693,22 +7121,23 @@
               <a:solidFill>
                 <a:srgbClr val="000000"/>
               </a:solidFill>
-              <a:uFillTx/>
-              <a:latin typeface="Arial"/>
-            </a:endParaRPr>
-          </a:p>
-        </p:txBody>
-      </p:sp>
-      <p:sp>
-        <p:nvSpPr>
-          <p:cNvPr id="87" name=""/>
-          <p:cNvSpPr/>
-          <p:nvPr/>
-        </p:nvSpPr>
-        <p:spPr>
-          <a:xfrm>
-            <a:off x="16659720" y="9021240"/>
-            <a:ext cx="3038400" cy="485640"/>
+              <a:effectLst/>
+              <a:uFillTx/>
+              <a:latin typeface="Arial"/>
+            </a:endParaRPr>
+          </a:p>
+        </p:txBody>
+      </p:sp>
+      <p:sp>
+        <p:nvSpPr>
+          <p:cNvPr id="84" name=""/>
+          <p:cNvSpPr/>
+          <p:nvPr/>
+        </p:nvSpPr>
+        <p:spPr>
+          <a:xfrm>
+            <a:off x="16767720" y="9165240"/>
+            <a:ext cx="3038040" cy="485640"/>
           </a:xfrm>
           <a:prstGeom prst="rect">
             <a:avLst/>
@@ -6739,6 +7168,7 @@
                 <a:solidFill>
                   <a:srgbClr val="000000"/>
                 </a:solidFill>
+                <a:effectLst/>
                 <a:uFillTx/>
                 <a:latin typeface="Open Sans"/>
                 <a:ea typeface="DejaVu Sans"/>
@@ -6749,22 +7179,23 @@
               <a:solidFill>
                 <a:srgbClr val="000000"/>
               </a:solidFill>
-              <a:uFillTx/>
-              <a:latin typeface="Arial"/>
-            </a:endParaRPr>
-          </a:p>
-        </p:txBody>
-      </p:sp>
-      <p:sp>
-        <p:nvSpPr>
-          <p:cNvPr id="88" name=""/>
-          <p:cNvSpPr/>
-          <p:nvPr/>
-        </p:nvSpPr>
-        <p:spPr>
-          <a:xfrm>
-            <a:off x="13195800" y="8245800"/>
-            <a:ext cx="1563480" cy="577440"/>
+              <a:effectLst/>
+              <a:uFillTx/>
+              <a:latin typeface="Arial"/>
+            </a:endParaRPr>
+          </a:p>
+        </p:txBody>
+      </p:sp>
+      <p:sp>
+        <p:nvSpPr>
+          <p:cNvPr id="85" name=""/>
+          <p:cNvSpPr/>
+          <p:nvPr/>
+        </p:nvSpPr>
+        <p:spPr>
+          <a:xfrm>
+            <a:off x="13303800" y="8389800"/>
+            <a:ext cx="1563120" cy="577440"/>
           </a:xfrm>
           <a:prstGeom prst="rect">
             <a:avLst/>
@@ -6795,6 +7226,7 @@
                 <a:solidFill>
                   <a:srgbClr val="000000"/>
                 </a:solidFill>
+                <a:effectLst/>
                 <a:uFillTx/>
                 <a:latin typeface="Open Sans"/>
                 <a:ea typeface="DejaVu Sans"/>
@@ -6805,22 +7237,23 @@
               <a:solidFill>
                 <a:srgbClr val="000000"/>
               </a:solidFill>
-              <a:uFillTx/>
-              <a:latin typeface="Arial"/>
-            </a:endParaRPr>
-          </a:p>
-        </p:txBody>
-      </p:sp>
-      <p:sp>
-        <p:nvSpPr>
-          <p:cNvPr id="89" name=""/>
-          <p:cNvSpPr/>
-          <p:nvPr/>
-        </p:nvSpPr>
-        <p:spPr>
-          <a:xfrm>
-            <a:off x="17825040" y="28047240"/>
-            <a:ext cx="3562200" cy="3270240"/>
+              <a:effectLst/>
+              <a:uFillTx/>
+              <a:latin typeface="Arial"/>
+            </a:endParaRPr>
+          </a:p>
+        </p:txBody>
+      </p:sp>
+      <p:sp>
+        <p:nvSpPr>
+          <p:cNvPr id="86" name=""/>
+          <p:cNvSpPr/>
+          <p:nvPr/>
+        </p:nvSpPr>
+        <p:spPr>
+          <a:xfrm>
+            <a:off x="28745640" y="28197720"/>
+            <a:ext cx="3385440" cy="3107880"/>
           </a:xfrm>
           <a:prstGeom prst="ellipse">
             <a:avLst/>
@@ -6854,6 +7287,7 @@
                 <a:solidFill>
                   <a:srgbClr val="000000"/>
                 </a:solidFill>
+                <a:effectLst/>
                 <a:uFillTx/>
                 <a:latin typeface="Arial"/>
                 <a:ea typeface="Arial"/>
@@ -6864,22 +7298,23 @@
               <a:solidFill>
                 <a:srgbClr val="000000"/>
               </a:solidFill>
-              <a:uFillTx/>
-              <a:latin typeface="Arial"/>
-            </a:endParaRPr>
-          </a:p>
-        </p:txBody>
-      </p:sp>
-      <p:sp>
-        <p:nvSpPr>
-          <p:cNvPr id="90" name=""/>
-          <p:cNvSpPr/>
-          <p:nvPr/>
-        </p:nvSpPr>
-        <p:spPr>
-          <a:xfrm>
-            <a:off x="14801040" y="23583240"/>
-            <a:ext cx="3562200" cy="3270240"/>
+              <a:effectLst/>
+              <a:uFillTx/>
+              <a:latin typeface="Arial"/>
+            </a:endParaRPr>
+          </a:p>
+        </p:txBody>
+      </p:sp>
+      <p:sp>
+        <p:nvSpPr>
+          <p:cNvPr id="87" name=""/>
+          <p:cNvSpPr/>
+          <p:nvPr/>
+        </p:nvSpPr>
+        <p:spPr>
+          <a:xfrm>
+            <a:off x="25871040" y="23954400"/>
+            <a:ext cx="3385800" cy="3108240"/>
           </a:xfrm>
           <a:prstGeom prst="ellipse">
             <a:avLst/>
@@ -6913,6 +7348,7 @@
                 <a:solidFill>
                   <a:srgbClr val="000000"/>
                 </a:solidFill>
+                <a:effectLst/>
                 <a:uFillTx/>
                 <a:latin typeface="Arial"/>
                 <a:ea typeface="Arial"/>
@@ -6923,22 +7359,23 @@
               <a:solidFill>
                 <a:srgbClr val="000000"/>
               </a:solidFill>
-              <a:uFillTx/>
-              <a:latin typeface="Arial"/>
-            </a:endParaRPr>
-          </a:p>
-        </p:txBody>
-      </p:sp>
-      <p:sp>
-        <p:nvSpPr>
-          <p:cNvPr id="91" name=""/>
+              <a:effectLst/>
+              <a:uFillTx/>
+              <a:latin typeface="Arial"/>
+            </a:endParaRPr>
+          </a:p>
+        </p:txBody>
+      </p:sp>
+      <p:sp>
+        <p:nvSpPr>
+          <p:cNvPr id="88" name=""/>
           <p:cNvSpPr/>
           <p:nvPr/>
         </p:nvSpPr>
         <p:spPr>
           <a:xfrm>
             <a:off x="567000" y="25115400"/>
-            <a:ext cx="10185840" cy="840240"/>
+            <a:ext cx="10185480" cy="839880"/>
           </a:xfrm>
           <a:prstGeom prst="rect">
             <a:avLst/>
@@ -6973,6 +7410,7 @@
                 <a:solidFill>
                   <a:srgbClr val="ffffff"/>
                 </a:solidFill>
+                <a:effectLst/>
                 <a:uFillTx/>
                 <a:latin typeface="Bree Serif"/>
                 <a:ea typeface="Arial"/>
@@ -6983,6 +7421,159 @@
               <a:solidFill>
                 <a:srgbClr val="ffffff"/>
               </a:solidFill>
+              <a:effectLst/>
+              <a:uFillTx/>
+              <a:latin typeface="Arial"/>
+            </a:endParaRPr>
+          </a:p>
+        </p:txBody>
+      </p:sp>
+      <p:sp>
+        <p:nvSpPr>
+          <p:cNvPr id="89" name=""/>
+          <p:cNvSpPr txBox="1"/>
+          <p:nvPr/>
+        </p:nvSpPr>
+        <p:spPr>
+          <a:xfrm>
+            <a:off x="14352840" y="19523520"/>
+            <a:ext cx="3657600" cy="1197000"/>
+          </a:xfrm>
+          <a:prstGeom prst="rect">
+            <a:avLst/>
+          </a:prstGeom>
+          <a:noFill/>
+          <a:ln w="0">
+            <a:noFill/>
+          </a:ln>
+        </p:spPr>
+        <p:txBody>
+          <a:bodyPr lIns="90000" rIns="90000" tIns="45000" bIns="45000" anchor="t">
+            <a:spAutoFit/>
+          </a:bodyPr>
+          <a:p>
+            <a:r>
+              <a:rPr b="0" lang="en-US" sz="3200" strike="noStrike" u="none">
+                <a:solidFill>
+                  <a:srgbClr val="000000"/>
+                </a:solidFill>
+                <a:effectLst/>
+                <a:uFillTx/>
+                <a:latin typeface="Open Sans"/>
+              </a:rPr>
+              <a:t>Memory Isolation</a:t>
+            </a:r>
+            <a:endParaRPr b="0" lang="en-US" sz="3200" strike="noStrike" u="none">
+              <a:solidFill>
+                <a:srgbClr val="000000"/>
+              </a:solidFill>
+              <a:effectLst/>
+              <a:uFillTx/>
+              <a:latin typeface="Open Sans"/>
+            </a:endParaRPr>
+          </a:p>
+        </p:txBody>
+      </p:sp>
+      <p:sp>
+        <p:nvSpPr>
+          <p:cNvPr id="90" name=""/>
+          <p:cNvSpPr/>
+          <p:nvPr/>
+        </p:nvSpPr>
+        <p:spPr>
+          <a:xfrm>
+            <a:off x="14549760" y="20268720"/>
+            <a:ext cx="4000680" cy="1943280"/>
+          </a:xfrm>
+          <a:prstGeom prst="roundRect">
+            <a:avLst>
+              <a:gd name="adj" fmla="val 16667"/>
+            </a:avLst>
+          </a:prstGeom>
+          <a:solidFill>
+            <a:srgbClr val="77bc65"/>
+          </a:solidFill>
+          <a:ln w="0">
+            <a:solidFill>
+              <a:srgbClr val="3465a4"/>
+            </a:solidFill>
+          </a:ln>
+        </p:spPr>
+        <p:style>
+          <a:lnRef idx="0"/>
+          <a:fillRef idx="0"/>
+          <a:effectRef idx="0"/>
+          <a:fontRef idx="minor"/>
+        </p:style>
+        <p:txBody>
+          <a:bodyPr lIns="90000" rIns="90000" tIns="45000" bIns="45000" anchor="ctr">
+            <a:noAutofit/>
+          </a:bodyPr>
+          <a:p>
+            <a:endParaRPr b="0" lang="en-US" sz="3200" strike="noStrike" u="none">
+              <a:solidFill>
+                <a:srgbClr val="000000"/>
+              </a:solidFill>
+              <a:effectLst/>
+              <a:uFillTx/>
+              <a:latin typeface="Open Sans"/>
+            </a:endParaRPr>
+          </a:p>
+        </p:txBody>
+      </p:sp>
+      <p:sp>
+        <p:nvSpPr>
+          <p:cNvPr id="91" name=""/>
+          <p:cNvSpPr/>
+          <p:nvPr/>
+        </p:nvSpPr>
+        <p:spPr>
+          <a:xfrm>
+            <a:off x="16457040" y="20954520"/>
+            <a:ext cx="1943280" cy="1028880"/>
+          </a:xfrm>
+          <a:prstGeom prst="roundRect">
+            <a:avLst>
+              <a:gd name="adj" fmla="val 16667"/>
+            </a:avLst>
+          </a:prstGeom>
+          <a:solidFill>
+            <a:srgbClr val="ffa6a6"/>
+          </a:solidFill>
+          <a:ln w="0">
+            <a:solidFill>
+              <a:srgbClr val="3465a4"/>
+            </a:solidFill>
+          </a:ln>
+        </p:spPr>
+        <p:style>
+          <a:lnRef idx="0"/>
+          <a:fillRef idx="0"/>
+          <a:effectRef idx="0"/>
+          <a:fontRef idx="minor"/>
+        </p:style>
+        <p:txBody>
+          <a:bodyPr lIns="90000" rIns="90000" tIns="45000" bIns="45000" anchor="ctr">
+            <a:noAutofit/>
+          </a:bodyPr>
+          <a:p>
+            <a:pPr algn="ctr"/>
+            <a:r>
+              <a:rPr b="0" lang="en-US" sz="3200" strike="noStrike" u="none">
+                <a:solidFill>
+                  <a:srgbClr val="000000"/>
+                </a:solidFill>
+                <a:effectLst/>
+                <a:uFillTx/>
+                <a:latin typeface="Open Sans"/>
+              </a:rPr>
+              <a:t>PMP Table</a:t>
+            </a:r>
+            <a:endParaRPr b="0" lang="en-US" sz="3200" strike="noStrike" u="none">
+              <a:solidFill>
+                <a:srgbClr val="000000"/>
+              </a:solidFill>
+              <a:effectLst/>
               <a:uFillTx/>
               <a:latin typeface="Arial"/>
             </a:endParaRPr>
@@ -6992,13 +7583,581 @@
       <p:sp>
         <p:nvSpPr>
           <p:cNvPr id="92" name=""/>
-          <p:cNvSpPr/>
-          <p:nvPr/>
-        </p:nvSpPr>
-        <p:spPr>
-          <a:xfrm>
-            <a:off x="567000" y="17087400"/>
-            <a:ext cx="10185840" cy="840240"/>
+          <p:cNvSpPr txBox="1"/>
+          <p:nvPr/>
+        </p:nvSpPr>
+        <p:spPr>
+          <a:xfrm>
+            <a:off x="14604840" y="20171880"/>
+            <a:ext cx="3657600" cy="1197000"/>
+          </a:xfrm>
+          <a:prstGeom prst="rect">
+            <a:avLst/>
+          </a:prstGeom>
+          <a:noFill/>
+          <a:ln w="0">
+            <a:noFill/>
+          </a:ln>
+        </p:spPr>
+        <p:txBody>
+          <a:bodyPr lIns="90000" rIns="90000" tIns="45000" bIns="45000" anchor="t">
+            <a:spAutoFit/>
+          </a:bodyPr>
+          <a:p>
+            <a:r>
+              <a:rPr b="0" lang="en-US" sz="3200" strike="noStrike" u="none">
+                <a:solidFill>
+                  <a:srgbClr val="000000"/>
+                </a:solidFill>
+                <a:effectLst/>
+                <a:uFillTx/>
+                <a:latin typeface="Open Sans"/>
+              </a:rPr>
+              <a:t>Security Monitor</a:t>
+            </a:r>
+            <a:endParaRPr b="0" lang="en-US" sz="3200" strike="noStrike" u="none">
+              <a:solidFill>
+                <a:srgbClr val="000000"/>
+              </a:solidFill>
+              <a:effectLst/>
+              <a:uFillTx/>
+              <a:latin typeface="Open Sans"/>
+            </a:endParaRPr>
+          </a:p>
+        </p:txBody>
+      </p:sp>
+      <p:sp>
+        <p:nvSpPr>
+          <p:cNvPr id="93" name=""/>
+          <p:cNvSpPr/>
+          <p:nvPr/>
+        </p:nvSpPr>
+        <p:spPr>
+          <a:xfrm>
+            <a:off x="14171040" y="19468800"/>
+            <a:ext cx="4800600" cy="3109680"/>
+          </a:xfrm>
+          <a:prstGeom prst="roundRect">
+            <a:avLst>
+              <a:gd name="adj" fmla="val 16667"/>
+            </a:avLst>
+          </a:prstGeom>
+          <a:noFill/>
+          <a:ln w="38160">
+            <a:solidFill>
+              <a:srgbClr val="000000"/>
+            </a:solidFill>
+            <a:round/>
+          </a:ln>
+        </p:spPr>
+        <p:style>
+          <a:lnRef idx="0"/>
+          <a:fillRef idx="0"/>
+          <a:effectRef idx="0"/>
+          <a:fontRef idx="minor"/>
+        </p:style>
+        <p:txBody>
+          <a:bodyPr lIns="109080" rIns="109080" tIns="64080" bIns="64080" anchor="ctr">
+            <a:noAutofit/>
+          </a:bodyPr>
+          <a:p>
+            <a:pPr algn="ctr"/>
+            <a:endParaRPr b="0" lang="en-US" sz="3200" strike="noStrike" u="none">
+              <a:solidFill>
+                <a:srgbClr val="000000"/>
+              </a:solidFill>
+              <a:effectLst/>
+              <a:uFillTx/>
+              <a:latin typeface="Open Sans"/>
+            </a:endParaRPr>
+          </a:p>
+        </p:txBody>
+      </p:sp>
+      <p:sp>
+        <p:nvSpPr>
+          <p:cNvPr id="94" name=""/>
+          <p:cNvSpPr/>
+          <p:nvPr/>
+        </p:nvSpPr>
+        <p:spPr>
+          <a:xfrm>
+            <a:off x="16571160" y="19125720"/>
+            <a:ext cx="0" cy="343080"/>
+          </a:xfrm>
+          <a:prstGeom prst="line">
+            <a:avLst/>
+          </a:prstGeom>
+          <a:ln w="38160">
+            <a:solidFill>
+              <a:srgbClr val="000000"/>
+            </a:solidFill>
+            <a:round/>
+          </a:ln>
+        </p:spPr>
+        <p:style>
+          <a:lnRef idx="0"/>
+          <a:fillRef idx="0"/>
+          <a:effectRef idx="0"/>
+          <a:fontRef idx="minor"/>
+        </p:style>
+        <p:txBody>
+          <a:bodyPr lIns="109080" rIns="109080" tIns="64080" bIns="64080" anchor="ctr">
+            <a:noAutofit/>
+          </a:bodyPr>
+          <a:p>
+            <a:endParaRPr b="0" lang="en-US" sz="1800" strike="noStrike" u="none">
+              <a:solidFill>
+                <a:srgbClr val="000000"/>
+              </a:solidFill>
+              <a:effectLst/>
+              <a:uFillTx/>
+              <a:latin typeface="Arial"/>
+            </a:endParaRPr>
+          </a:p>
+        </p:txBody>
+      </p:sp>
+      <p:sp>
+        <p:nvSpPr>
+          <p:cNvPr id="95" name=""/>
+          <p:cNvSpPr/>
+          <p:nvPr/>
+        </p:nvSpPr>
+        <p:spPr>
+          <a:xfrm>
+            <a:off x="15085440" y="17586720"/>
+            <a:ext cx="2857320" cy="1600200"/>
+          </a:xfrm>
+          <a:prstGeom prst="roundRect">
+            <a:avLst>
+              <a:gd name="adj" fmla="val 16667"/>
+            </a:avLst>
+          </a:prstGeom>
+          <a:solidFill>
+            <a:srgbClr val="729fcf"/>
+          </a:solidFill>
+          <a:ln w="0">
+            <a:solidFill>
+              <a:srgbClr val="3465a4"/>
+            </a:solidFill>
+          </a:ln>
+        </p:spPr>
+        <p:style>
+          <a:lnRef idx="0"/>
+          <a:fillRef idx="0"/>
+          <a:effectRef idx="0"/>
+          <a:fontRef idx="minor"/>
+        </p:style>
+        <p:txBody>
+          <a:bodyPr lIns="90000" rIns="90000" tIns="45000" bIns="45000" anchor="ctr">
+            <a:noAutofit/>
+          </a:bodyPr>
+          <a:p>
+            <a:pPr algn="ctr"/>
+            <a:r>
+              <a:rPr b="0" lang="en-US" sz="3200" strike="noStrike" u="none">
+                <a:solidFill>
+                  <a:srgbClr val="000000"/>
+                </a:solidFill>
+                <a:effectLst/>
+                <a:uFillTx/>
+                <a:latin typeface="Open Sans"/>
+              </a:rPr>
+              <a:t>Root of Trust</a:t>
+            </a:r>
+            <a:endParaRPr b="0" lang="en-US" sz="3200" strike="noStrike" u="none">
+              <a:solidFill>
+                <a:srgbClr val="000000"/>
+              </a:solidFill>
+              <a:effectLst/>
+              <a:uFillTx/>
+              <a:latin typeface="Arial"/>
+            </a:endParaRPr>
+          </a:p>
+        </p:txBody>
+      </p:sp>
+      <p:sp>
+        <p:nvSpPr>
+          <p:cNvPr id="96" name=""/>
+          <p:cNvSpPr/>
+          <p:nvPr/>
+        </p:nvSpPr>
+        <p:spPr>
+          <a:xfrm>
+            <a:off x="16571160" y="22590720"/>
+            <a:ext cx="0" cy="535680"/>
+          </a:xfrm>
+          <a:prstGeom prst="line">
+            <a:avLst/>
+          </a:prstGeom>
+          <a:ln w="38160">
+            <a:solidFill>
+              <a:srgbClr val="000000"/>
+            </a:solidFill>
+            <a:round/>
+            <a:tailEnd len="med" type="triangle" w="med"/>
+          </a:ln>
+        </p:spPr>
+        <p:style>
+          <a:lnRef idx="0"/>
+          <a:fillRef idx="0"/>
+          <a:effectRef idx="0"/>
+          <a:fontRef idx="minor"/>
+        </p:style>
+        <p:txBody>
+          <a:bodyPr lIns="109080" rIns="109080" tIns="64080" bIns="64080" anchor="ctr">
+            <a:noAutofit/>
+          </a:bodyPr>
+          <a:p>
+            <a:endParaRPr b="0" lang="en-US" sz="1800" strike="noStrike" u="none">
+              <a:solidFill>
+                <a:srgbClr val="000000"/>
+              </a:solidFill>
+              <a:effectLst/>
+              <a:uFillTx/>
+              <a:latin typeface="Arial"/>
+            </a:endParaRPr>
+          </a:p>
+        </p:txBody>
+      </p:sp>
+      <p:sp>
+        <p:nvSpPr>
+          <p:cNvPr id="97" name=""/>
+          <p:cNvSpPr/>
+          <p:nvPr/>
+        </p:nvSpPr>
+        <p:spPr>
+          <a:xfrm>
+            <a:off x="13775400" y="23177160"/>
+            <a:ext cx="5600160" cy="2235240"/>
+          </a:xfrm>
+          <a:prstGeom prst="roundRect">
+            <a:avLst>
+              <a:gd name="adj" fmla="val 16667"/>
+            </a:avLst>
+          </a:prstGeom>
+          <a:noFill/>
+          <a:ln w="38160">
+            <a:solidFill>
+              <a:srgbClr val="000000"/>
+            </a:solidFill>
+            <a:round/>
+          </a:ln>
+        </p:spPr>
+        <p:style>
+          <a:lnRef idx="0"/>
+          <a:fillRef idx="0"/>
+          <a:effectRef idx="0"/>
+          <a:fontRef idx="minor"/>
+        </p:style>
+        <p:txBody>
+          <a:bodyPr lIns="109080" rIns="109080" tIns="64080" bIns="64080" anchor="ctr">
+            <a:noAutofit/>
+          </a:bodyPr>
+          <a:p>
+            <a:endParaRPr b="0" lang="en-US" sz="3200" strike="noStrike" u="none">
+              <a:solidFill>
+                <a:srgbClr val="000000"/>
+              </a:solidFill>
+              <a:effectLst/>
+              <a:uFillTx/>
+              <a:latin typeface="Open Sans"/>
+            </a:endParaRPr>
+          </a:p>
+        </p:txBody>
+      </p:sp>
+      <p:sp>
+        <p:nvSpPr>
+          <p:cNvPr id="98" name=""/>
+          <p:cNvSpPr txBox="1"/>
+          <p:nvPr/>
+        </p:nvSpPr>
+        <p:spPr>
+          <a:xfrm>
+            <a:off x="13956840" y="23159880"/>
+            <a:ext cx="3657600" cy="1197000"/>
+          </a:xfrm>
+          <a:prstGeom prst="rect">
+            <a:avLst/>
+          </a:prstGeom>
+          <a:noFill/>
+          <a:ln w="0">
+            <a:noFill/>
+          </a:ln>
+        </p:spPr>
+        <p:txBody>
+          <a:bodyPr lIns="90000" rIns="90000" tIns="45000" bIns="45000" anchor="t">
+            <a:spAutoFit/>
+          </a:bodyPr>
+          <a:p>
+            <a:r>
+              <a:rPr b="0" lang="en-US" sz="3200" strike="noStrike" u="none">
+                <a:solidFill>
+                  <a:srgbClr val="000000"/>
+                </a:solidFill>
+                <a:effectLst/>
+                <a:uFillTx/>
+                <a:latin typeface="Open Sans"/>
+              </a:rPr>
+              <a:t>Runtime</a:t>
+            </a:r>
+            <a:endParaRPr b="0" lang="en-US" sz="3200" strike="noStrike" u="none">
+              <a:solidFill>
+                <a:srgbClr val="000000"/>
+              </a:solidFill>
+              <a:effectLst/>
+              <a:uFillTx/>
+              <a:latin typeface="Open Sans"/>
+            </a:endParaRPr>
+          </a:p>
+        </p:txBody>
+      </p:sp>
+      <p:sp>
+        <p:nvSpPr>
+          <p:cNvPr id="99" name=""/>
+          <p:cNvSpPr/>
+          <p:nvPr/>
+        </p:nvSpPr>
+        <p:spPr>
+          <a:xfrm>
+            <a:off x="14045400" y="23870880"/>
+            <a:ext cx="2442960" cy="1266120"/>
+          </a:xfrm>
+          <a:prstGeom prst="roundRect">
+            <a:avLst>
+              <a:gd name="adj" fmla="val 16667"/>
+            </a:avLst>
+          </a:prstGeom>
+          <a:solidFill>
+            <a:srgbClr val="ffb66c"/>
+          </a:solidFill>
+          <a:ln w="0">
+            <a:solidFill>
+              <a:srgbClr val="3465a4"/>
+            </a:solidFill>
+          </a:ln>
+        </p:spPr>
+        <p:style>
+          <a:lnRef idx="0"/>
+          <a:fillRef idx="0"/>
+          <a:effectRef idx="0"/>
+          <a:fontRef idx="minor"/>
+        </p:style>
+        <p:txBody>
+          <a:bodyPr lIns="90000" rIns="90000" tIns="45000" bIns="45000" anchor="ctr">
+            <a:noAutofit/>
+          </a:bodyPr>
+          <a:p>
+            <a:pPr algn="ctr"/>
+            <a:r>
+              <a:rPr b="0" lang="en-US" sz="3200" strike="noStrike" u="none">
+                <a:solidFill>
+                  <a:srgbClr val="000000"/>
+                </a:solidFill>
+                <a:effectLst/>
+                <a:uFillTx/>
+                <a:latin typeface="Open Sans"/>
+              </a:rPr>
+              <a:t>Remote Attestation</a:t>
+            </a:r>
+            <a:endParaRPr b="0" lang="en-US" sz="3200" strike="noStrike" u="none">
+              <a:solidFill>
+                <a:srgbClr val="000000"/>
+              </a:solidFill>
+              <a:effectLst/>
+              <a:uFillTx/>
+              <a:latin typeface="Arial"/>
+            </a:endParaRPr>
+          </a:p>
+        </p:txBody>
+      </p:sp>
+      <p:sp>
+        <p:nvSpPr>
+          <p:cNvPr id="100" name=""/>
+          <p:cNvSpPr/>
+          <p:nvPr/>
+        </p:nvSpPr>
+        <p:spPr>
+          <a:xfrm>
+            <a:off x="16637760" y="23870880"/>
+            <a:ext cx="2442960" cy="1266120"/>
+          </a:xfrm>
+          <a:prstGeom prst="roundRect">
+            <a:avLst>
+              <a:gd name="adj" fmla="val 16667"/>
+            </a:avLst>
+          </a:prstGeom>
+          <a:solidFill>
+            <a:srgbClr val="ffb66c"/>
+          </a:solidFill>
+          <a:ln w="0">
+            <a:solidFill>
+              <a:srgbClr val="3465a4"/>
+            </a:solidFill>
+          </a:ln>
+        </p:spPr>
+        <p:style>
+          <a:lnRef idx="0"/>
+          <a:fillRef idx="0"/>
+          <a:effectRef idx="0"/>
+          <a:fontRef idx="minor"/>
+        </p:style>
+        <p:txBody>
+          <a:bodyPr lIns="90000" rIns="90000" tIns="45000" bIns="45000" anchor="ctr">
+            <a:noAutofit/>
+          </a:bodyPr>
+          <a:p>
+            <a:pPr algn="ctr"/>
+            <a:r>
+              <a:rPr b="0" lang="en-US" sz="3200" strike="noStrike" u="none">
+                <a:solidFill>
+                  <a:srgbClr val="000000"/>
+                </a:solidFill>
+                <a:effectLst/>
+                <a:uFillTx/>
+                <a:latin typeface="Open Sans"/>
+              </a:rPr>
+              <a:t>Encryption/ Integrity</a:t>
+            </a:r>
+            <a:endParaRPr b="0" lang="en-US" sz="3200" strike="noStrike" u="none">
+              <a:solidFill>
+                <a:srgbClr val="000000"/>
+              </a:solidFill>
+              <a:effectLst/>
+              <a:uFillTx/>
+              <a:latin typeface="Arial"/>
+            </a:endParaRPr>
+          </a:p>
+        </p:txBody>
+      </p:sp>
+      <p:sp>
+        <p:nvSpPr>
+          <p:cNvPr id="101" name=""/>
+          <p:cNvSpPr/>
+          <p:nvPr/>
+        </p:nvSpPr>
+        <p:spPr>
+          <a:xfrm>
+            <a:off x="14171040" y="30170160"/>
+            <a:ext cx="4800600" cy="1148040"/>
+          </a:xfrm>
+          <a:prstGeom prst="roundRect">
+            <a:avLst>
+              <a:gd name="adj" fmla="val 16667"/>
+            </a:avLst>
+          </a:prstGeom>
+          <a:solidFill>
+            <a:srgbClr val="77bc65"/>
+          </a:solidFill>
+          <a:ln w="38160">
+            <a:solidFill>
+              <a:srgbClr val="000000"/>
+            </a:solidFill>
+            <a:round/>
+          </a:ln>
+        </p:spPr>
+        <p:style>
+          <a:lnRef idx="0"/>
+          <a:fillRef idx="0"/>
+          <a:effectRef idx="0"/>
+          <a:fontRef idx="minor"/>
+        </p:style>
+        <p:txBody>
+          <a:bodyPr lIns="109080" rIns="109080" tIns="64080" bIns="64080" anchor="ctr">
+            <a:noAutofit/>
+          </a:bodyPr>
+          <a:p>
+            <a:pPr algn="ctr"/>
+            <a:r>
+              <a:rPr b="0" lang="en-US" sz="3200" strike="noStrike" u="none">
+                <a:solidFill>
+                  <a:srgbClr val="000000"/>
+                </a:solidFill>
+                <a:effectLst/>
+                <a:uFillTx/>
+                <a:latin typeface="Open Sans"/>
+              </a:rPr>
+              <a:t>ISA Primitives</a:t>
+            </a:r>
+            <a:endParaRPr b="0" lang="en-US" sz="3200" strike="noStrike" u="none">
+              <a:solidFill>
+                <a:srgbClr val="000000"/>
+              </a:solidFill>
+              <a:effectLst/>
+              <a:uFillTx/>
+              <a:latin typeface="Open Sans"/>
+            </a:endParaRPr>
+          </a:p>
+        </p:txBody>
+      </p:sp>
+      <p:sp>
+        <p:nvSpPr>
+          <p:cNvPr id="102" name=""/>
+          <p:cNvSpPr/>
+          <p:nvPr/>
+        </p:nvSpPr>
+        <p:spPr>
+          <a:xfrm>
+            <a:off x="14486400" y="28540080"/>
+            <a:ext cx="4114800" cy="1600200"/>
+          </a:xfrm>
+          <a:prstGeom prst="roundRect">
+            <a:avLst>
+              <a:gd name="adj" fmla="val 16667"/>
+            </a:avLst>
+          </a:prstGeom>
+          <a:solidFill>
+            <a:srgbClr val="729fcf"/>
+          </a:solidFill>
+          <a:ln w="0">
+            <a:solidFill>
+              <a:srgbClr val="3465a4"/>
+            </a:solidFill>
+          </a:ln>
+        </p:spPr>
+        <p:style>
+          <a:lnRef idx="0"/>
+          <a:fillRef idx="0"/>
+          <a:effectRef idx="0"/>
+          <a:fontRef idx="minor"/>
+        </p:style>
+        <p:txBody>
+          <a:bodyPr lIns="90000" rIns="90000" tIns="45000" bIns="45000" anchor="ctr">
+            <a:noAutofit/>
+          </a:bodyPr>
+          <a:p>
+            <a:pPr algn="ctr"/>
+            <a:r>
+              <a:rPr b="0" lang="en-US" sz="3200" strike="noStrike" u="none">
+                <a:solidFill>
+                  <a:srgbClr val="000000"/>
+                </a:solidFill>
+                <a:effectLst/>
+                <a:uFillTx/>
+                <a:latin typeface="Open Sans"/>
+              </a:rPr>
+              <a:t>Microarchitecture Designs</a:t>
+            </a:r>
+            <a:endParaRPr b="0" lang="en-US" sz="3200" strike="noStrike" u="none">
+              <a:solidFill>
+                <a:srgbClr val="000000"/>
+              </a:solidFill>
+              <a:effectLst/>
+              <a:uFillTx/>
+              <a:latin typeface="Arial"/>
+            </a:endParaRPr>
+          </a:p>
+        </p:txBody>
+      </p:sp>
+      <p:sp>
+        <p:nvSpPr>
+          <p:cNvPr id="103" name=""/>
+          <p:cNvSpPr/>
+          <p:nvPr/>
+        </p:nvSpPr>
+        <p:spPr>
+          <a:xfrm>
+            <a:off x="33138000" y="5571000"/>
+            <a:ext cx="10131480" cy="839880"/>
           </a:xfrm>
           <a:prstGeom prst="rect">
             <a:avLst/>
@@ -7033,18 +8192,1106 @@
                 <a:solidFill>
                   <a:srgbClr val="ffffff"/>
                 </a:solidFill>
+                <a:effectLst/>
                 <a:uFillTx/>
                 <a:latin typeface="Bree Serif"/>
                 <a:ea typeface="Arial"/>
               </a:rPr>
+              <a:t>Future Work</a:t>
+            </a:r>
+            <a:endParaRPr b="0" lang="en-US" sz="4800" strike="noStrike" u="none">
+              <a:solidFill>
+                <a:srgbClr val="ffffff"/>
+              </a:solidFill>
+              <a:effectLst/>
+              <a:uFillTx/>
+              <a:latin typeface="Arial"/>
+            </a:endParaRPr>
+          </a:p>
+        </p:txBody>
+      </p:sp>
+      <p:sp>
+        <p:nvSpPr>
+          <p:cNvPr id="104" name=""/>
+          <p:cNvSpPr/>
+          <p:nvPr/>
+        </p:nvSpPr>
+        <p:spPr>
+          <a:xfrm>
+            <a:off x="22213440" y="5558400"/>
+            <a:ext cx="10473840" cy="839880"/>
+          </a:xfrm>
+          <a:prstGeom prst="rect">
+            <a:avLst/>
+          </a:prstGeom>
+          <a:solidFill>
+            <a:srgbClr val="21314d"/>
+          </a:solidFill>
+          <a:ln w="0">
+            <a:solidFill>
+              <a:srgbClr val="000000"/>
+            </a:solidFill>
+          </a:ln>
+        </p:spPr>
+        <p:style>
+          <a:lnRef idx="0"/>
+          <a:fillRef idx="0"/>
+          <a:effectRef idx="0"/>
+          <a:fontRef idx="minor"/>
+        </p:style>
+        <p:txBody>
+          <a:bodyPr lIns="90000" rIns="90000" tIns="45000" bIns="45000" anchor="ctr">
+            <a:noAutofit/>
+          </a:bodyPr>
+          <a:p>
+            <a:pPr algn="ctr">
+              <a:lnSpc>
+                <a:spcPct val="100000"/>
+              </a:lnSpc>
+            </a:pPr>
+            <a:r>
+              <a:rPr b="0" lang="en-US" sz="4800" strike="noStrike" u="none">
+                <a:solidFill>
+                  <a:srgbClr val="ffffff"/>
+                </a:solidFill>
+                <a:effectLst/>
+                <a:uFillTx/>
+                <a:latin typeface="Bree Serif"/>
+                <a:ea typeface="Arial"/>
+              </a:rPr>
+              <a:t>gem5</a:t>
+            </a:r>
+            <a:endParaRPr b="0" lang="en-US" sz="4800" strike="noStrike" u="none">
+              <a:solidFill>
+                <a:srgbClr val="ffffff"/>
+              </a:solidFill>
+              <a:effectLst/>
+              <a:uFillTx/>
+              <a:latin typeface="Arial"/>
+            </a:endParaRPr>
+          </a:p>
+        </p:txBody>
+      </p:sp>
+      <p:sp>
+        <p:nvSpPr>
+          <p:cNvPr id="105" name=""/>
+          <p:cNvSpPr/>
+          <p:nvPr/>
+        </p:nvSpPr>
+        <p:spPr>
+          <a:xfrm>
+            <a:off x="567000" y="17087400"/>
+            <a:ext cx="10185480" cy="839880"/>
+          </a:xfrm>
+          <a:prstGeom prst="rect">
+            <a:avLst/>
+          </a:prstGeom>
+          <a:solidFill>
+            <a:srgbClr val="21314d"/>
+          </a:solidFill>
+          <a:ln w="0">
+            <a:solidFill>
+              <a:srgbClr val="000000"/>
+            </a:solidFill>
+          </a:ln>
+        </p:spPr>
+        <p:style>
+          <a:lnRef idx="0"/>
+          <a:fillRef idx="0"/>
+          <a:effectRef idx="0"/>
+          <a:fontRef idx="minor"/>
+        </p:style>
+        <p:txBody>
+          <a:bodyPr lIns="90000" rIns="90000" tIns="45000" bIns="45000" anchor="ctr">
+            <a:noAutofit/>
+          </a:bodyPr>
+          <a:p>
+            <a:pPr algn="ctr">
+              <a:lnSpc>
+                <a:spcPct val="100000"/>
+              </a:lnSpc>
+            </a:pPr>
+            <a:r>
+              <a:rPr b="0" lang="en-US" sz="4800" strike="noStrike" u="none">
+                <a:solidFill>
+                  <a:srgbClr val="ffffff"/>
+                </a:solidFill>
+                <a:effectLst/>
+                <a:uFillTx/>
+                <a:latin typeface="Bree Serif"/>
+                <a:ea typeface="Arial"/>
+              </a:rPr>
               <a:t>Motivation</a:t>
             </a:r>
             <a:endParaRPr b="0" lang="en-US" sz="4800" strike="noStrike" u="none">
               <a:solidFill>
                 <a:srgbClr val="ffffff"/>
               </a:solidFill>
-              <a:uFillTx/>
-              <a:latin typeface="Arial"/>
+              <a:effectLst/>
+              <a:uFillTx/>
+              <a:latin typeface="Arial"/>
+            </a:endParaRPr>
+          </a:p>
+        </p:txBody>
+      </p:sp>
+      <p:sp>
+        <p:nvSpPr>
+          <p:cNvPr id="106" name=""/>
+          <p:cNvSpPr/>
+          <p:nvPr/>
+        </p:nvSpPr>
+        <p:spPr>
+          <a:xfrm>
+            <a:off x="33138000" y="25659000"/>
+            <a:ext cx="10140840" cy="839880"/>
+          </a:xfrm>
+          <a:prstGeom prst="rect">
+            <a:avLst/>
+          </a:prstGeom>
+          <a:solidFill>
+            <a:srgbClr val="21314d"/>
+          </a:solidFill>
+          <a:ln w="0">
+            <a:solidFill>
+              <a:srgbClr val="000000"/>
+            </a:solidFill>
+          </a:ln>
+        </p:spPr>
+        <p:style>
+          <a:lnRef idx="0"/>
+          <a:fillRef idx="0"/>
+          <a:effectRef idx="0"/>
+          <a:fontRef idx="minor"/>
+        </p:style>
+        <p:txBody>
+          <a:bodyPr lIns="90000" rIns="90000" tIns="45000" bIns="45000" anchor="ctr">
+            <a:noAutofit/>
+          </a:bodyPr>
+          <a:p>
+            <a:pPr algn="ctr">
+              <a:lnSpc>
+                <a:spcPct val="100000"/>
+              </a:lnSpc>
+            </a:pPr>
+            <a:r>
+              <a:rPr b="0" lang="en-US" sz="4800" strike="noStrike" u="none">
+                <a:solidFill>
+                  <a:srgbClr val="ffffff"/>
+                </a:solidFill>
+                <a:effectLst/>
+                <a:uFillTx/>
+                <a:latin typeface="Bree Serif"/>
+                <a:ea typeface="Arial"/>
+              </a:rPr>
+              <a:t>Future Work</a:t>
+            </a:r>
+            <a:endParaRPr b="0" lang="en-US" sz="4800" strike="noStrike" u="none">
+              <a:solidFill>
+                <a:srgbClr val="ffffff"/>
+              </a:solidFill>
+              <a:effectLst/>
+              <a:uFillTx/>
+              <a:latin typeface="Arial"/>
+            </a:endParaRPr>
+          </a:p>
+        </p:txBody>
+      </p:sp>
+      <p:sp>
+        <p:nvSpPr>
+          <p:cNvPr id="107" name=""/>
+          <p:cNvSpPr/>
+          <p:nvPr/>
+        </p:nvSpPr>
+        <p:spPr>
+          <a:xfrm>
+            <a:off x="25266960" y="13204080"/>
+            <a:ext cx="4588920" cy="1858320"/>
+          </a:xfrm>
+          <a:prstGeom prst="roundRect">
+            <a:avLst>
+              <a:gd name="adj" fmla="val 16667"/>
+            </a:avLst>
+          </a:prstGeom>
+          <a:solidFill>
+            <a:srgbClr val="3faf46"/>
+          </a:solidFill>
+          <a:ln w="38160">
+            <a:solidFill>
+              <a:srgbClr val="3faf46"/>
+            </a:solidFill>
+            <a:round/>
+          </a:ln>
+        </p:spPr>
+        <p:style>
+          <a:lnRef idx="0"/>
+          <a:fillRef idx="0"/>
+          <a:effectRef idx="0"/>
+          <a:fontRef idx="minor"/>
+        </p:style>
+        <p:txBody>
+          <a:bodyPr lIns="109080" rIns="109080" tIns="64080" bIns="64080" anchor="ctr">
+            <a:noAutofit/>
+          </a:bodyPr>
+          <a:p>
+            <a:endParaRPr b="0" lang="en-US" sz="1800" strike="noStrike" u="none">
+              <a:solidFill>
+                <a:srgbClr val="ffffff"/>
+              </a:solidFill>
+              <a:effectLst/>
+              <a:uFillTx/>
+              <a:latin typeface="Arial"/>
+            </a:endParaRPr>
+          </a:p>
+        </p:txBody>
+      </p:sp>
+      <p:sp>
+        <p:nvSpPr>
+          <p:cNvPr id="108" name=""/>
+          <p:cNvSpPr/>
+          <p:nvPr/>
+        </p:nvSpPr>
+        <p:spPr>
+          <a:xfrm>
+            <a:off x="25446600" y="13847400"/>
+            <a:ext cx="4229280" cy="1143000"/>
+          </a:xfrm>
+          <a:prstGeom prst="roundRect">
+            <a:avLst>
+              <a:gd name="adj" fmla="val 16667"/>
+            </a:avLst>
+          </a:prstGeom>
+          <a:solidFill>
+            <a:srgbClr val="729fcf"/>
+          </a:solidFill>
+          <a:ln w="0">
+            <a:solidFill>
+              <a:srgbClr val="3465a4"/>
+            </a:solidFill>
+          </a:ln>
+        </p:spPr>
+        <p:style>
+          <a:lnRef idx="0"/>
+          <a:fillRef idx="0"/>
+          <a:effectRef idx="0"/>
+          <a:fontRef idx="minor"/>
+        </p:style>
+        <p:txBody>
+          <a:bodyPr lIns="90000" rIns="90000" tIns="45000" bIns="45000" anchor="ctr">
+            <a:noAutofit/>
+          </a:bodyPr>
+          <a:p>
+            <a:pPr algn="ctr"/>
+            <a:r>
+              <a:rPr b="0" lang="en-US" sz="3200" strike="noStrike" u="none">
+                <a:solidFill>
+                  <a:srgbClr val="000000"/>
+                </a:solidFill>
+                <a:effectLst/>
+                <a:uFillTx/>
+                <a:latin typeface="Open Sans"/>
+              </a:rPr>
+              <a:t>cpp Implementation</a:t>
+            </a:r>
+            <a:endParaRPr b="0" lang="en-US" sz="3200" strike="noStrike" u="none">
+              <a:solidFill>
+                <a:srgbClr val="000000"/>
+              </a:solidFill>
+              <a:effectLst/>
+              <a:uFillTx/>
+              <a:latin typeface="Open Sans"/>
+            </a:endParaRPr>
+          </a:p>
+        </p:txBody>
+      </p:sp>
+      <p:sp>
+        <p:nvSpPr>
+          <p:cNvPr id="109" name=""/>
+          <p:cNvSpPr txBox="1"/>
+          <p:nvPr/>
+        </p:nvSpPr>
+        <p:spPr>
+          <a:xfrm>
+            <a:off x="26016480" y="13138200"/>
+            <a:ext cx="3429000" cy="800280"/>
+          </a:xfrm>
+          <a:prstGeom prst="rect">
+            <a:avLst/>
+          </a:prstGeom>
+          <a:noFill/>
+          <a:ln w="0">
+            <a:noFill/>
+          </a:ln>
+        </p:spPr>
+        <p:txBody>
+          <a:bodyPr lIns="90000" rIns="90000" tIns="45000" bIns="45000" anchor="t">
+            <a:spAutoFit/>
+          </a:bodyPr>
+          <a:p>
+            <a:r>
+              <a:rPr b="0" lang="en-US" sz="3200" strike="noStrike" u="none">
+                <a:solidFill>
+                  <a:srgbClr val="000000"/>
+                </a:solidFill>
+                <a:effectLst/>
+                <a:uFillTx/>
+                <a:latin typeface="Open Sans"/>
+              </a:rPr>
+              <a:t>Python Wrapper</a:t>
+            </a:r>
+            <a:endParaRPr b="0" lang="en-US" sz="3200" strike="noStrike" u="none">
+              <a:solidFill>
+                <a:srgbClr val="000000"/>
+              </a:solidFill>
+              <a:effectLst/>
+              <a:uFillTx/>
+              <a:latin typeface="Open Sans"/>
+            </a:endParaRPr>
+          </a:p>
+        </p:txBody>
+      </p:sp>
+      <p:sp>
+        <p:nvSpPr>
+          <p:cNvPr id="110" name=""/>
+          <p:cNvSpPr txBox="1"/>
+          <p:nvPr/>
+        </p:nvSpPr>
+        <p:spPr>
+          <a:xfrm>
+            <a:off x="25080840" y="12490560"/>
+            <a:ext cx="4539960" cy="643680"/>
+          </a:xfrm>
+          <a:prstGeom prst="rect">
+            <a:avLst/>
+          </a:prstGeom>
+          <a:noFill/>
+          <a:ln w="0">
+            <a:noFill/>
+          </a:ln>
+        </p:spPr>
+        <p:txBody>
+          <a:bodyPr lIns="90000" rIns="90000" tIns="45000" bIns="45000" anchor="t">
+            <a:spAutoFit/>
+          </a:bodyPr>
+          <a:p>
+            <a:r>
+              <a:rPr b="0" lang="en-US" sz="3200" strike="noStrike" u="none">
+                <a:solidFill>
+                  <a:srgbClr val="000000"/>
+                </a:solidFill>
+                <a:effectLst/>
+                <a:uFillTx/>
+                <a:latin typeface="Open Sans"/>
+              </a:rPr>
+              <a:t>Hardware Description</a:t>
+            </a:r>
+            <a:endParaRPr b="0" lang="en-US" sz="3200" strike="noStrike" u="none">
+              <a:solidFill>
+                <a:srgbClr val="000000"/>
+              </a:solidFill>
+              <a:effectLst/>
+              <a:uFillTx/>
+              <a:latin typeface="Open Sans"/>
+            </a:endParaRPr>
+          </a:p>
+        </p:txBody>
+      </p:sp>
+      <p:sp>
+        <p:nvSpPr>
+          <p:cNvPr id="111" name=""/>
+          <p:cNvSpPr/>
+          <p:nvPr/>
+        </p:nvSpPr>
+        <p:spPr>
+          <a:xfrm>
+            <a:off x="24977160" y="9242280"/>
+            <a:ext cx="5143680" cy="2421000"/>
+          </a:xfrm>
+          <a:prstGeom prst="roundRect">
+            <a:avLst>
+              <a:gd name="adj" fmla="val 16667"/>
+            </a:avLst>
+          </a:prstGeom>
+          <a:noFill/>
+          <a:ln w="38160">
+            <a:solidFill>
+              <a:srgbClr val="000000"/>
+            </a:solidFill>
+            <a:round/>
+          </a:ln>
+        </p:spPr>
+        <p:style>
+          <a:lnRef idx="0"/>
+          <a:fillRef idx="0"/>
+          <a:effectRef idx="0"/>
+          <a:fontRef idx="minor"/>
+        </p:style>
+        <p:txBody>
+          <a:bodyPr lIns="109080" rIns="109080" tIns="64080" bIns="64080" anchor="ctr">
+            <a:noAutofit/>
+          </a:bodyPr>
+          <a:p>
+            <a:endParaRPr b="0" lang="en-US" sz="1800" strike="noStrike" u="none">
+              <a:solidFill>
+                <a:srgbClr val="000000"/>
+              </a:solidFill>
+              <a:effectLst/>
+              <a:uFillTx/>
+              <a:latin typeface="Arial"/>
+            </a:endParaRPr>
+          </a:p>
+        </p:txBody>
+      </p:sp>
+      <p:sp>
+        <p:nvSpPr>
+          <p:cNvPr id="112" name=""/>
+          <p:cNvSpPr/>
+          <p:nvPr/>
+        </p:nvSpPr>
+        <p:spPr>
+          <a:xfrm>
+            <a:off x="25355880" y="9834480"/>
+            <a:ext cx="4320360" cy="1627920"/>
+          </a:xfrm>
+          <a:prstGeom prst="roundRect">
+            <a:avLst>
+              <a:gd name="adj" fmla="val 16667"/>
+            </a:avLst>
+          </a:prstGeom>
+          <a:solidFill>
+            <a:srgbClr val="729fcf"/>
+          </a:solidFill>
+          <a:ln w="0">
+            <a:solidFill>
+              <a:srgbClr val="3465a4"/>
+            </a:solidFill>
+          </a:ln>
+        </p:spPr>
+        <p:style>
+          <a:lnRef idx="0"/>
+          <a:fillRef idx="0"/>
+          <a:effectRef idx="0"/>
+          <a:fontRef idx="minor"/>
+        </p:style>
+        <p:txBody>
+          <a:bodyPr lIns="90000" rIns="90000" tIns="45000" bIns="45000" anchor="ctr">
+            <a:noAutofit/>
+          </a:bodyPr>
+          <a:p>
+            <a:endParaRPr b="0" lang="en-US" sz="3200" strike="noStrike" u="none">
+              <a:solidFill>
+                <a:srgbClr val="000000"/>
+              </a:solidFill>
+              <a:effectLst/>
+              <a:uFillTx/>
+              <a:latin typeface="Open Sans"/>
+            </a:endParaRPr>
+          </a:p>
+        </p:txBody>
+      </p:sp>
+      <p:sp>
+        <p:nvSpPr>
+          <p:cNvPr id="113" name=""/>
+          <p:cNvSpPr txBox="1"/>
+          <p:nvPr/>
+        </p:nvSpPr>
+        <p:spPr>
+          <a:xfrm>
+            <a:off x="25548840" y="9862560"/>
+            <a:ext cx="3429000" cy="800280"/>
+          </a:xfrm>
+          <a:prstGeom prst="rect">
+            <a:avLst/>
+          </a:prstGeom>
+          <a:noFill/>
+          <a:ln w="0">
+            <a:noFill/>
+          </a:ln>
+        </p:spPr>
+        <p:txBody>
+          <a:bodyPr lIns="90000" rIns="90000" tIns="45000" bIns="45000" anchor="t">
+            <a:spAutoFit/>
+          </a:bodyPr>
+          <a:p>
+            <a:r>
+              <a:rPr b="0" lang="en-US" sz="3200" strike="noStrike" u="none">
+                <a:solidFill>
+                  <a:srgbClr val="000000"/>
+                </a:solidFill>
+                <a:effectLst/>
+                <a:uFillTx/>
+                <a:latin typeface="Open Sans"/>
+              </a:rPr>
+              <a:t>Config Files</a:t>
+            </a:r>
+            <a:endParaRPr b="0" lang="en-US" sz="3200" strike="noStrike" u="none">
+              <a:solidFill>
+                <a:srgbClr val="000000"/>
+              </a:solidFill>
+              <a:effectLst/>
+              <a:uFillTx/>
+              <a:latin typeface="Open Sans"/>
+            </a:endParaRPr>
+          </a:p>
+        </p:txBody>
+      </p:sp>
+      <p:sp>
+        <p:nvSpPr>
+          <p:cNvPr id="114" name=""/>
+          <p:cNvSpPr txBox="1"/>
+          <p:nvPr/>
+        </p:nvSpPr>
+        <p:spPr>
+          <a:xfrm>
+            <a:off x="25117200" y="9214920"/>
+            <a:ext cx="3429000" cy="800280"/>
+          </a:xfrm>
+          <a:prstGeom prst="rect">
+            <a:avLst/>
+          </a:prstGeom>
+          <a:noFill/>
+          <a:ln w="0">
+            <a:noFill/>
+          </a:ln>
+        </p:spPr>
+        <p:txBody>
+          <a:bodyPr lIns="90000" rIns="90000" tIns="45000" bIns="45000" anchor="t">
+            <a:spAutoFit/>
+          </a:bodyPr>
+          <a:p>
+            <a:r>
+              <a:rPr b="0" lang="en-US" sz="3200" strike="noStrike" u="none">
+                <a:solidFill>
+                  <a:srgbClr val="000000"/>
+                </a:solidFill>
+                <a:effectLst/>
+                <a:uFillTx/>
+                <a:latin typeface="Open Sans"/>
+              </a:rPr>
+              <a:t>User Space</a:t>
+            </a:r>
+            <a:endParaRPr b="0" lang="en-US" sz="3200" strike="noStrike" u="none">
+              <a:solidFill>
+                <a:srgbClr val="000000"/>
+              </a:solidFill>
+              <a:effectLst/>
+              <a:uFillTx/>
+              <a:latin typeface="Open Sans"/>
+            </a:endParaRPr>
+          </a:p>
+        </p:txBody>
+      </p:sp>
+      <p:sp>
+        <p:nvSpPr>
+          <p:cNvPr id="115" name=""/>
+          <p:cNvSpPr/>
+          <p:nvPr/>
+        </p:nvSpPr>
+        <p:spPr>
+          <a:xfrm>
+            <a:off x="25916400" y="10634400"/>
+            <a:ext cx="3291840" cy="576000"/>
+          </a:xfrm>
+          <a:prstGeom prst="roundRect">
+            <a:avLst>
+              <a:gd name="adj" fmla="val 16667"/>
+            </a:avLst>
+          </a:prstGeom>
+          <a:solidFill>
+            <a:srgbClr val="ffa6a6"/>
+          </a:solidFill>
+          <a:ln w="0">
+            <a:solidFill>
+              <a:srgbClr val="3465a4"/>
+            </a:solidFill>
+          </a:ln>
+        </p:spPr>
+        <p:style>
+          <a:lnRef idx="0"/>
+          <a:fillRef idx="0"/>
+          <a:effectRef idx="0"/>
+          <a:fontRef idx="minor"/>
+        </p:style>
+        <p:txBody>
+          <a:bodyPr lIns="90000" rIns="90000" tIns="45000" bIns="45000" anchor="ctr">
+            <a:noAutofit/>
+          </a:bodyPr>
+          <a:p>
+            <a:pPr algn="ctr"/>
+            <a:r>
+              <a:rPr b="0" lang="en-US" sz="3200" strike="noStrike" u="none">
+                <a:solidFill>
+                  <a:srgbClr val="000000"/>
+                </a:solidFill>
+                <a:effectLst/>
+                <a:uFillTx/>
+                <a:latin typeface="Open Sans"/>
+              </a:rPr>
+              <a:t>Program Binary</a:t>
+            </a:r>
+            <a:endParaRPr b="0" lang="en-US" sz="3200" strike="noStrike" u="none">
+              <a:solidFill>
+                <a:srgbClr val="000000"/>
+              </a:solidFill>
+              <a:effectLst/>
+              <a:uFillTx/>
+              <a:latin typeface="Open Sans"/>
+            </a:endParaRPr>
+          </a:p>
+        </p:txBody>
+      </p:sp>
+      <p:sp>
+        <p:nvSpPr>
+          <p:cNvPr id="116" name=""/>
+          <p:cNvSpPr/>
+          <p:nvPr/>
+        </p:nvSpPr>
+        <p:spPr>
+          <a:xfrm>
+            <a:off x="27527400" y="11663280"/>
+            <a:ext cx="0" cy="859680"/>
+          </a:xfrm>
+          <a:prstGeom prst="line">
+            <a:avLst/>
+          </a:prstGeom>
+          <a:ln w="38160">
+            <a:solidFill>
+              <a:srgbClr val="000000"/>
+            </a:solidFill>
+            <a:round/>
+          </a:ln>
+        </p:spPr>
+        <p:style>
+          <a:lnRef idx="0"/>
+          <a:fillRef idx="0"/>
+          <a:effectRef idx="0"/>
+          <a:fontRef idx="minor"/>
+        </p:style>
+        <p:txBody>
+          <a:bodyPr lIns="109080" rIns="109080" tIns="64080" bIns="64080" anchor="ctr">
+            <a:noAutofit/>
+          </a:bodyPr>
+          <a:p>
+            <a:endParaRPr b="0" lang="en-US" sz="1800" strike="noStrike" u="none">
+              <a:solidFill>
+                <a:srgbClr val="000000"/>
+              </a:solidFill>
+              <a:effectLst/>
+              <a:uFillTx/>
+              <a:latin typeface="Arial"/>
+            </a:endParaRPr>
+          </a:p>
+        </p:txBody>
+      </p:sp>
+      <p:sp>
+        <p:nvSpPr>
+          <p:cNvPr id="117" name=""/>
+          <p:cNvSpPr/>
+          <p:nvPr/>
+        </p:nvSpPr>
+        <p:spPr>
+          <a:xfrm>
+            <a:off x="24976800" y="12518280"/>
+            <a:ext cx="5143680" cy="2641320"/>
+          </a:xfrm>
+          <a:prstGeom prst="roundRect">
+            <a:avLst>
+              <a:gd name="adj" fmla="val 16667"/>
+            </a:avLst>
+          </a:prstGeom>
+          <a:noFill/>
+          <a:ln w="38160">
+            <a:solidFill>
+              <a:srgbClr val="000000"/>
+            </a:solidFill>
+            <a:round/>
+          </a:ln>
+        </p:spPr>
+        <p:style>
+          <a:lnRef idx="0"/>
+          <a:fillRef idx="0"/>
+          <a:effectRef idx="0"/>
+          <a:fontRef idx="minor"/>
+        </p:style>
+        <p:txBody>
+          <a:bodyPr lIns="109080" rIns="109080" tIns="64080" bIns="64080" anchor="ctr">
+            <a:noAutofit/>
+          </a:bodyPr>
+          <a:p>
+            <a:endParaRPr b="0" lang="en-US" sz="1800" strike="noStrike" u="none">
+              <a:solidFill>
+                <a:srgbClr val="000000"/>
+              </a:solidFill>
+              <a:effectLst/>
+              <a:uFillTx/>
+              <a:latin typeface="Arial"/>
+            </a:endParaRPr>
+          </a:p>
+        </p:txBody>
+      </p:sp>
+      <p:sp>
+        <p:nvSpPr>
+          <p:cNvPr id="118" name=""/>
+          <p:cNvSpPr/>
+          <p:nvPr/>
+        </p:nvSpPr>
+        <p:spPr>
+          <a:xfrm>
+            <a:off x="27539280" y="19509480"/>
+            <a:ext cx="0" cy="685800"/>
+          </a:xfrm>
+          <a:prstGeom prst="line">
+            <a:avLst/>
+          </a:prstGeom>
+          <a:ln w="38160">
+            <a:solidFill>
+              <a:srgbClr val="3465a4"/>
+            </a:solidFill>
+            <a:round/>
+            <a:tailEnd len="med" type="triangle" w="med"/>
+          </a:ln>
+        </p:spPr>
+        <p:style>
+          <a:lnRef idx="0"/>
+          <a:fillRef idx="0"/>
+          <a:effectRef idx="0"/>
+          <a:fontRef idx="minor"/>
+        </p:style>
+        <p:txBody>
+          <a:bodyPr lIns="109080" rIns="109080" tIns="64080" bIns="64080" anchor="ctr">
+            <a:noAutofit/>
+          </a:bodyPr>
+          <a:p>
+            <a:endParaRPr b="0" lang="en-US" sz="1800" strike="noStrike" u="none">
+              <a:solidFill>
+                <a:srgbClr val="000000"/>
+              </a:solidFill>
+              <a:effectLst/>
+              <a:uFillTx/>
+              <a:latin typeface="Arial"/>
+            </a:endParaRPr>
+          </a:p>
+        </p:txBody>
+      </p:sp>
+      <p:sp>
+        <p:nvSpPr>
+          <p:cNvPr id="119" name=""/>
+          <p:cNvSpPr/>
+          <p:nvPr/>
+        </p:nvSpPr>
+        <p:spPr>
+          <a:xfrm>
+            <a:off x="26679600" y="20273400"/>
+            <a:ext cx="1708200" cy="986400"/>
+          </a:xfrm>
+          <a:prstGeom prst="roundRect">
+            <a:avLst>
+              <a:gd name="adj" fmla="val 16667"/>
+            </a:avLst>
+          </a:prstGeom>
+          <a:solidFill>
+            <a:srgbClr val="ffb66c"/>
+          </a:solidFill>
+          <a:ln w="0">
+            <a:solidFill>
+              <a:srgbClr val="3465a4"/>
+            </a:solidFill>
+          </a:ln>
+        </p:spPr>
+        <p:style>
+          <a:lnRef idx="0"/>
+          <a:fillRef idx="0"/>
+          <a:effectRef idx="0"/>
+          <a:fontRef idx="minor"/>
+        </p:style>
+        <p:txBody>
+          <a:bodyPr lIns="90000" rIns="90000" tIns="45000" bIns="45000" anchor="ctr">
+            <a:noAutofit/>
+          </a:bodyPr>
+          <a:p>
+            <a:pPr algn="ctr"/>
+            <a:r>
+              <a:rPr b="0" lang="en-US" sz="3200" strike="noStrike" u="none">
+                <a:solidFill>
+                  <a:srgbClr val="000000"/>
+                </a:solidFill>
+                <a:effectLst/>
+                <a:uFillTx/>
+                <a:latin typeface="Open Sans"/>
+              </a:rPr>
+              <a:t>Linux Kernel</a:t>
+            </a:r>
+            <a:endParaRPr b="0" lang="en-US" sz="3200" strike="noStrike" u="none">
+              <a:solidFill>
+                <a:srgbClr val="000000"/>
+              </a:solidFill>
+              <a:effectLst/>
+              <a:uFillTx/>
+              <a:latin typeface="Arial"/>
+            </a:endParaRPr>
+          </a:p>
+        </p:txBody>
+      </p:sp>
+      <p:sp>
+        <p:nvSpPr>
+          <p:cNvPr id="120" name=""/>
+          <p:cNvSpPr/>
+          <p:nvPr/>
+        </p:nvSpPr>
+        <p:spPr>
+          <a:xfrm>
+            <a:off x="24519600" y="20273760"/>
+            <a:ext cx="1708200" cy="986400"/>
+          </a:xfrm>
+          <a:prstGeom prst="roundRect">
+            <a:avLst>
+              <a:gd name="adj" fmla="val 16667"/>
+            </a:avLst>
+          </a:prstGeom>
+          <a:solidFill>
+            <a:srgbClr val="afd095"/>
+          </a:solidFill>
+          <a:ln w="0">
+            <a:solidFill>
+              <a:srgbClr val="3465a4"/>
+            </a:solidFill>
+          </a:ln>
+        </p:spPr>
+        <p:style>
+          <a:lnRef idx="0"/>
+          <a:fillRef idx="0"/>
+          <a:effectRef idx="0"/>
+          <a:fontRef idx="minor"/>
+        </p:style>
+        <p:txBody>
+          <a:bodyPr lIns="90000" rIns="90000" tIns="45000" bIns="45000" anchor="ctr">
+            <a:noAutofit/>
+          </a:bodyPr>
+          <a:p>
+            <a:pPr algn="ctr"/>
+            <a:r>
+              <a:rPr b="0" lang="en-US" sz="3200" strike="noStrike" u="none">
+                <a:solidFill>
+                  <a:srgbClr val="000000"/>
+                </a:solidFill>
+                <a:effectLst/>
+                <a:uFillTx/>
+                <a:latin typeface="Open Sans"/>
+              </a:rPr>
+              <a:t>Boot-loader</a:t>
+            </a:r>
+            <a:endParaRPr b="0" lang="en-US" sz="3200" strike="noStrike" u="none">
+              <a:solidFill>
+                <a:srgbClr val="000000"/>
+              </a:solidFill>
+              <a:effectLst/>
+              <a:uFillTx/>
+              <a:latin typeface="Arial"/>
+            </a:endParaRPr>
+          </a:p>
+        </p:txBody>
+      </p:sp>
+      <p:sp>
+        <p:nvSpPr>
+          <p:cNvPr id="121" name=""/>
+          <p:cNvSpPr/>
+          <p:nvPr/>
+        </p:nvSpPr>
+        <p:spPr>
+          <a:xfrm>
+            <a:off x="28767600" y="20273760"/>
+            <a:ext cx="1708200" cy="986400"/>
+          </a:xfrm>
+          <a:prstGeom prst="roundRect">
+            <a:avLst>
+              <a:gd name="adj" fmla="val 16667"/>
+            </a:avLst>
+          </a:prstGeom>
+          <a:solidFill>
+            <a:srgbClr val="ffa6a6"/>
+          </a:solidFill>
+          <a:ln w="0">
+            <a:solidFill>
+              <a:srgbClr val="3465a4"/>
+            </a:solidFill>
+          </a:ln>
+        </p:spPr>
+        <p:style>
+          <a:lnRef idx="0"/>
+          <a:fillRef idx="0"/>
+          <a:effectRef idx="0"/>
+          <a:fontRef idx="minor"/>
+        </p:style>
+        <p:txBody>
+          <a:bodyPr lIns="90000" rIns="90000" tIns="45000" bIns="45000" anchor="ctr">
+            <a:noAutofit/>
+          </a:bodyPr>
+          <a:p>
+            <a:pPr algn="ctr"/>
+            <a:r>
+              <a:rPr b="0" lang="en-US" sz="3200" strike="noStrike" u="none">
+                <a:solidFill>
+                  <a:srgbClr val="000000"/>
+                </a:solidFill>
+                <a:effectLst/>
+                <a:uFillTx/>
+                <a:latin typeface="Open Sans"/>
+              </a:rPr>
+              <a:t>Disk Image</a:t>
+            </a:r>
+            <a:endParaRPr b="0" lang="en-US" sz="3200" strike="noStrike" u="none">
+              <a:solidFill>
+                <a:srgbClr val="000000"/>
+              </a:solidFill>
+              <a:effectLst/>
+              <a:uFillTx/>
+              <a:latin typeface="Arial"/>
+            </a:endParaRPr>
+          </a:p>
+        </p:txBody>
+      </p:sp>
+      <p:sp>
+        <p:nvSpPr>
+          <p:cNvPr id="122" name=""/>
+          <p:cNvSpPr/>
+          <p:nvPr/>
+        </p:nvSpPr>
+        <p:spPr>
+          <a:xfrm flipH="1">
+            <a:off x="25481880" y="19500120"/>
+            <a:ext cx="941400" cy="695160"/>
+          </a:xfrm>
+          <a:prstGeom prst="line">
+            <a:avLst/>
+          </a:prstGeom>
+          <a:ln w="38160">
+            <a:solidFill>
+              <a:srgbClr val="3465a4"/>
+            </a:solidFill>
+            <a:round/>
+            <a:tailEnd len="med" type="triangle" w="med"/>
+          </a:ln>
+        </p:spPr>
+        <p:style>
+          <a:lnRef idx="0"/>
+          <a:fillRef idx="0"/>
+          <a:effectRef idx="0"/>
+          <a:fontRef idx="minor"/>
+        </p:style>
+        <p:txBody>
+          <a:bodyPr lIns="109080" rIns="109080" tIns="64080" bIns="64080" anchor="ctr">
+            <a:noAutofit/>
+          </a:bodyPr>
+          <a:p>
+            <a:endParaRPr b="0" lang="en-US" sz="1800" strike="noStrike" u="none">
+              <a:solidFill>
+                <a:srgbClr val="000000"/>
+              </a:solidFill>
+              <a:effectLst/>
+              <a:uFillTx/>
+              <a:latin typeface="Arial"/>
+            </a:endParaRPr>
+          </a:p>
+        </p:txBody>
+      </p:sp>
+      <p:sp>
+        <p:nvSpPr>
+          <p:cNvPr id="123" name=""/>
+          <p:cNvSpPr/>
+          <p:nvPr/>
+        </p:nvSpPr>
+        <p:spPr>
+          <a:xfrm>
+            <a:off x="28593000" y="19490760"/>
+            <a:ext cx="889200" cy="704520"/>
+          </a:xfrm>
+          <a:prstGeom prst="line">
+            <a:avLst/>
+          </a:prstGeom>
+          <a:ln w="38160">
+            <a:solidFill>
+              <a:srgbClr val="3465a4"/>
+            </a:solidFill>
+            <a:round/>
+            <a:tailEnd len="med" type="triangle" w="med"/>
+          </a:ln>
+        </p:spPr>
+        <p:style>
+          <a:lnRef idx="0"/>
+          <a:fillRef idx="0"/>
+          <a:effectRef idx="0"/>
+          <a:fontRef idx="minor"/>
+        </p:style>
+        <p:txBody>
+          <a:bodyPr lIns="109080" rIns="109080" tIns="64080" bIns="64080" anchor="ctr">
+            <a:noAutofit/>
+          </a:bodyPr>
+          <a:p>
+            <a:endParaRPr b="0" lang="en-US" sz="1800" strike="noStrike" u="none">
+              <a:solidFill>
+                <a:srgbClr val="000000"/>
+              </a:solidFill>
+              <a:effectLst/>
+              <a:uFillTx/>
+              <a:latin typeface="Arial"/>
+            </a:endParaRPr>
+          </a:p>
+        </p:txBody>
+      </p:sp>
+      <p:sp>
+        <p:nvSpPr>
+          <p:cNvPr id="124" name=""/>
+          <p:cNvSpPr/>
+          <p:nvPr/>
+        </p:nvSpPr>
+        <p:spPr>
+          <a:xfrm>
+            <a:off x="25414200" y="17602200"/>
+            <a:ext cx="4235400" cy="1943280"/>
+          </a:xfrm>
+          <a:prstGeom prst="roundRect">
+            <a:avLst>
+              <a:gd name="adj" fmla="val 16667"/>
+            </a:avLst>
+          </a:prstGeom>
+          <a:solidFill>
+            <a:srgbClr val="729fcf"/>
+          </a:solidFill>
+          <a:ln w="0">
+            <a:solidFill>
+              <a:srgbClr val="3465a4"/>
+            </a:solidFill>
+          </a:ln>
+        </p:spPr>
+        <p:style>
+          <a:lnRef idx="0"/>
+          <a:fillRef idx="0"/>
+          <a:effectRef idx="0"/>
+          <a:fontRef idx="minor"/>
+        </p:style>
+        <p:txBody>
+          <a:bodyPr lIns="90000" rIns="90000" tIns="45000" bIns="45000" anchor="ctr">
+            <a:noAutofit/>
+          </a:bodyPr>
+          <a:p>
+            <a:pPr algn="ctr"/>
+            <a:r>
+              <a:rPr b="0" lang="en-US" sz="3200" strike="noStrike" u="none">
+                <a:solidFill>
+                  <a:srgbClr val="000000"/>
+                </a:solidFill>
+                <a:effectLst/>
+                <a:uFillTx/>
+                <a:latin typeface="Open Sans"/>
+              </a:rPr>
+              <a:t>gem5 Pre-compiled Resources</a:t>
+            </a:r>
+            <a:endParaRPr b="0" lang="en-US" sz="3200" strike="noStrike" u="none">
+              <a:solidFill>
+                <a:srgbClr val="000000"/>
+              </a:solidFill>
+              <a:effectLst/>
+              <a:uFillTx/>
+              <a:latin typeface="Open Sans"/>
             </a:endParaRPr>
           </a:p>
         </p:txBody>

--- a/presentations/YARCH25.pptx
+++ b/presentations/YARCH25.pptx
@@ -41,8 +41,8 @@
         </p:nvSpPr>
         <p:spPr>
           <a:xfrm>
-            <a:off x="3291480" y="13439160"/>
-            <a:ext cx="37304280" cy="625320"/>
+            <a:off x="3291480" y="13438800"/>
+            <a:ext cx="37303920" cy="625320"/>
           </a:xfrm>
           <a:prstGeom prst="rect">
             <a:avLst/>
@@ -147,7 +147,7 @@
         <p:txBody>
           <a:bodyPr/>
           <a:p>
-            <a:fld id="{DF86226F-9602-464D-90D1-9354BD0F1282}" type="slidenum">
+            <a:fld id="{03646753-4C55-471D-86C2-C1F9B8C36724}" type="slidenum">
               <a:t>&lt;#&gt;</a:t>
             </a:fld>
           </a:p>
@@ -215,8 +215,8 @@
         </p:blipFill>
         <p:spPr>
           <a:xfrm rot="16200000">
-            <a:off x="-11070360" y="16463160"/>
-            <a:ext cx="14270760" cy="3933000"/>
+            <a:off x="-11070000" y="16463520"/>
+            <a:ext cx="14270400" cy="3932640"/>
           </a:xfrm>
           <a:prstGeom prst="rect">
             <a:avLst/>
@@ -239,8 +239,8 @@
         </p:blipFill>
         <p:spPr>
           <a:xfrm rot="5400000">
-            <a:off x="40694760" y="16459200"/>
-            <a:ext cx="14270760" cy="3933000"/>
+            <a:off x="40695120" y="16459200"/>
+            <a:ext cx="14270400" cy="3932640"/>
           </a:xfrm>
           <a:prstGeom prst="rect">
             <a:avLst/>
@@ -264,7 +264,7 @@
         <p:spPr>
           <a:xfrm>
             <a:off x="6946920" y="33426360"/>
-            <a:ext cx="29993400" cy="1443960"/>
+            <a:ext cx="29993040" cy="1443600"/>
           </a:xfrm>
           <a:prstGeom prst="rect">
             <a:avLst/>
@@ -284,7 +284,7 @@
         <p:spPr>
           <a:xfrm>
             <a:off x="6946920" y="33998040"/>
-            <a:ext cx="21941640" cy="1266120"/>
+            <a:ext cx="21941280" cy="1265760"/>
           </a:xfrm>
           <a:prstGeom prst="rect">
             <a:avLst/>
@@ -345,8 +345,8 @@
         </p:nvSpPr>
         <p:spPr>
           <a:xfrm>
-            <a:off x="3291480" y="13439160"/>
-            <a:ext cx="37304280" cy="624960"/>
+            <a:off x="3291480" y="13614120"/>
+            <a:ext cx="37303920" cy="274680"/>
           </a:xfrm>
           <a:prstGeom prst="rect">
             <a:avLst/>
@@ -358,7 +358,7 @@
         </p:spPr>
         <p:txBody>
           <a:bodyPr lIns="0" rIns="0" tIns="0" bIns="0" anchor="ctr">
-            <a:noAutofit/>
+            <a:spAutoFit/>
           </a:bodyPr>
           <a:p>
             <a:pPr indent="0">
@@ -399,7 +399,7 @@
         <p:spPr>
           <a:xfrm>
             <a:off x="14994360" y="29977560"/>
-            <a:ext cx="13898160" cy="2282040"/>
+            <a:ext cx="13897800" cy="2281680"/>
           </a:xfrm>
           <a:prstGeom prst="rect">
             <a:avLst/>
@@ -477,7 +477,7 @@
         <p:spPr>
           <a:xfrm>
             <a:off x="31453560" y="29977560"/>
-            <a:ext cx="10240560" cy="2282040"/>
+            <a:ext cx="10240200" cy="2281680"/>
           </a:xfrm>
           <a:prstGeom prst="rect">
             <a:avLst/>
@@ -521,7 +521,7 @@
                 <a:tab algn="l" pos="0"/>
               </a:tabLst>
             </a:pPr>
-            <a:fld id="{B52C5228-462F-4BD6-A266-23C38BF2401D}" type="slidenum">
+            <a:fld id="{F6404DA0-40E4-412B-A834-320C0346F11C}" type="slidenum">
               <a:rPr b="0" lang="en-US" sz="5030" strike="noStrike" u="none">
                 <a:solidFill>
                   <a:schemeClr val="dk1"/>
@@ -557,7 +557,7 @@
         <p:spPr>
           <a:xfrm>
             <a:off x="2192760" y="29977560"/>
-            <a:ext cx="10240560" cy="2282040"/>
+            <a:ext cx="10240200" cy="2281680"/>
           </a:xfrm>
           <a:prstGeom prst="rect">
             <a:avLst/>
@@ -898,7 +898,7 @@
         <p:spPr>
           <a:xfrm>
             <a:off x="33147000" y="26517600"/>
-            <a:ext cx="10122120" cy="5018040"/>
+            <a:ext cx="10121760" cy="5017680"/>
           </a:xfrm>
           <a:prstGeom prst="rect">
             <a:avLst/>
@@ -1024,7 +1024,7 @@
         <p:spPr>
           <a:xfrm>
             <a:off x="22174200" y="5558400"/>
-            <a:ext cx="10513080" cy="25985880"/>
+            <a:ext cx="10512720" cy="25985520"/>
           </a:xfrm>
           <a:prstGeom prst="rect">
             <a:avLst/>
@@ -1076,7 +1076,7 @@
         <p:spPr>
           <a:xfrm>
             <a:off x="33147000" y="6413400"/>
-            <a:ext cx="10121400" cy="19245600"/>
+            <a:ext cx="10121040" cy="19245240"/>
           </a:xfrm>
           <a:prstGeom prst="rect">
             <a:avLst/>
@@ -1142,7 +1142,7 @@
         <p:spPr>
           <a:xfrm>
             <a:off x="11201400" y="5558400"/>
-            <a:ext cx="10513080" cy="25985880"/>
+            <a:ext cx="10512720" cy="25985520"/>
           </a:xfrm>
           <a:prstGeom prst="rect">
             <a:avLst/>
@@ -1180,6 +1180,7 @@
               <a:effectLst/>
               <a:uFillTx/>
               <a:latin typeface="Arial"/>
+              <a:ea typeface="DejaVu Sans"/>
             </a:endParaRPr>
           </a:p>
         </p:txBody>
@@ -1193,7 +1194,7 @@
         <p:spPr>
           <a:xfrm>
             <a:off x="577800" y="5558400"/>
-            <a:ext cx="10163880" cy="11527560"/>
+            <a:ext cx="10163520" cy="11527200"/>
           </a:xfrm>
           <a:prstGeom prst="rect">
             <a:avLst/>
@@ -1245,7 +1246,7 @@
         <p:spPr>
           <a:xfrm>
             <a:off x="0" y="3240"/>
-            <a:ext cx="43887240" cy="5250960"/>
+            <a:ext cx="43886880" cy="5250600"/>
           </a:xfrm>
           <a:prstGeom prst="rect">
             <a:avLst/>
@@ -1294,7 +1295,7 @@
         <p:spPr>
           <a:xfrm>
             <a:off x="585360" y="6522480"/>
-            <a:ext cx="10203480" cy="10542240"/>
+            <a:ext cx="10203120" cy="10542240"/>
           </a:xfrm>
           <a:prstGeom prst="rect">
             <a:avLst/>
@@ -1595,7 +1596,7 @@
         <p:spPr>
           <a:xfrm>
             <a:off x="7543800" y="410400"/>
-            <a:ext cx="28800000" cy="2933640"/>
+            <a:ext cx="28799640" cy="2933280"/>
           </a:xfrm>
           <a:prstGeom prst="rect">
             <a:avLst/>
@@ -1659,7 +1660,7 @@
         <p:spPr>
           <a:xfrm>
             <a:off x="3657600" y="3395880"/>
-            <a:ext cx="36572040" cy="2458440"/>
+            <a:ext cx="36571680" cy="2458440"/>
           </a:xfrm>
           <a:prstGeom prst="rect">
             <a:avLst/>
@@ -1825,7 +1826,7 @@
         <p:spPr>
           <a:xfrm>
             <a:off x="11633040" y="6450480"/>
-            <a:ext cx="9597240" cy="21581640"/>
+            <a:ext cx="9596880" cy="21581640"/>
           </a:xfrm>
           <a:prstGeom prst="rect">
             <a:avLst/>
@@ -2408,7 +2409,7 @@
         <p:spPr>
           <a:xfrm>
             <a:off x="22656960" y="6414480"/>
-            <a:ext cx="9597240" cy="17225640"/>
+            <a:ext cx="9596880" cy="17225640"/>
           </a:xfrm>
           <a:prstGeom prst="rect">
             <a:avLst/>
@@ -2925,7 +2926,7 @@
         <p:spPr>
           <a:xfrm>
             <a:off x="0" y="32004000"/>
-            <a:ext cx="43887240" cy="910440"/>
+            <a:ext cx="43886880" cy="910080"/>
           </a:xfrm>
           <a:prstGeom prst="rect">
             <a:avLst/>
@@ -2974,7 +2975,7 @@
         <p:spPr>
           <a:xfrm>
             <a:off x="22860000" y="28197720"/>
-            <a:ext cx="3385440" cy="3107880"/>
+            <a:ext cx="3385080" cy="3107520"/>
           </a:xfrm>
           <a:prstGeom prst="ellipse">
             <a:avLst/>
@@ -3035,7 +3036,7 @@
         <p:spPr>
           <a:xfrm rot="3166800">
             <a:off x="28045440" y="27337680"/>
-            <a:ext cx="1463760" cy="835560"/>
+            <a:ext cx="1463400" cy="835200"/>
           </a:xfrm>
           <a:prstGeom prst="rightArrow">
             <a:avLst>
@@ -3088,7 +3089,7 @@
         <p:spPr>
           <a:xfrm rot="18804600">
             <a:off x="25347960" y="27276480"/>
-            <a:ext cx="1464120" cy="834840"/>
+            <a:ext cx="1463760" cy="834480"/>
           </a:xfrm>
           <a:prstGeom prst="rightArrow">
             <a:avLst>
@@ -3140,8 +3141,8 @@
         </p:nvSpPr>
         <p:spPr>
           <a:xfrm rot="10800000">
-            <a:off x="26734320" y="28733400"/>
-            <a:ext cx="1464480" cy="834840"/>
+            <a:off x="26734680" y="28733760"/>
+            <a:ext cx="1464120" cy="834480"/>
           </a:xfrm>
           <a:prstGeom prst="rightArrow">
             <a:avLst>
@@ -3194,7 +3195,7 @@
         <p:spPr>
           <a:xfrm>
             <a:off x="1252800" y="8686800"/>
-            <a:ext cx="8997120" cy="1977480"/>
+            <a:ext cx="8996760" cy="1977120"/>
           </a:xfrm>
           <a:prstGeom prst="roundRect">
             <a:avLst>
@@ -3258,7 +3259,7 @@
         <p:spPr>
           <a:xfrm>
             <a:off x="1752840" y="9365040"/>
-            <a:ext cx="1996920" cy="987480"/>
+            <a:ext cx="1996560" cy="987120"/>
           </a:xfrm>
           <a:prstGeom prst="rect">
             <a:avLst/>
@@ -3320,7 +3321,7 @@
         <p:spPr>
           <a:xfrm>
             <a:off x="4784400" y="9365040"/>
-            <a:ext cx="1996920" cy="987480"/>
+            <a:ext cx="1996560" cy="987120"/>
           </a:xfrm>
           <a:prstGeom prst="rect">
             <a:avLst/>
@@ -3382,7 +3383,7 @@
         <p:spPr>
           <a:xfrm>
             <a:off x="7894800" y="9365040"/>
-            <a:ext cx="1996920" cy="987480"/>
+            <a:ext cx="1996560" cy="987120"/>
           </a:xfrm>
           <a:prstGeom prst="rect">
             <a:avLst/>
@@ -3444,7 +3445,7 @@
         <p:spPr>
           <a:xfrm>
             <a:off x="3595320" y="13151880"/>
-            <a:ext cx="4497480" cy="1176840"/>
+            <a:ext cx="4497120" cy="1176480"/>
           </a:xfrm>
           <a:prstGeom prst="roundRect">
             <a:avLst>
@@ -3553,7 +3554,7 @@
         <p:spPr>
           <a:xfrm>
             <a:off x="4635000" y="11409480"/>
-            <a:ext cx="2232720" cy="987480"/>
+            <a:ext cx="2232360" cy="987120"/>
           </a:xfrm>
           <a:prstGeom prst="rect">
             <a:avLst/>
@@ -3750,7 +3751,7 @@
         <p:spPr>
           <a:xfrm>
             <a:off x="11230920" y="5558400"/>
-            <a:ext cx="10483560" cy="839880"/>
+            <a:ext cx="10483200" cy="839520"/>
           </a:xfrm>
           <a:prstGeom prst="rect">
             <a:avLst/>
@@ -3816,7 +3817,7 @@
         <p:spPr>
           <a:xfrm>
             <a:off x="33832800" y="3477600"/>
-            <a:ext cx="10237680" cy="1758600"/>
+            <a:ext cx="10237320" cy="1758240"/>
           </a:xfrm>
           <a:prstGeom prst="rect">
             <a:avLst/>
@@ -3836,7 +3837,7 @@
         <p:spPr>
           <a:xfrm>
             <a:off x="574920" y="5558400"/>
-            <a:ext cx="10166760" cy="839880"/>
+            <a:ext cx="10166400" cy="839520"/>
           </a:xfrm>
           <a:prstGeom prst="rect">
             <a:avLst/>
@@ -3898,7 +3899,7 @@
         <p:spPr>
           <a:xfrm>
             <a:off x="576000" y="17927280"/>
-            <a:ext cx="10163880" cy="7302240"/>
+            <a:ext cx="10163520" cy="7301880"/>
           </a:xfrm>
           <a:prstGeom prst="rect">
             <a:avLst/>
@@ -4288,7 +4289,7 @@
         <p:spPr>
           <a:xfrm>
             <a:off x="567000" y="25956360"/>
-            <a:ext cx="10167120" cy="5565960"/>
+            <a:ext cx="10166760" cy="5565600"/>
           </a:xfrm>
           <a:prstGeom prst="rect">
             <a:avLst/>
@@ -4489,7 +4490,7 @@
         <p:spPr>
           <a:xfrm rot="16241400">
             <a:off x="504000" y="20546640"/>
-            <a:ext cx="3305880" cy="1769400"/>
+            <a:ext cx="3305520" cy="1769040"/>
           </a:xfrm>
           <a:prstGeom prst="rightArrow">
             <a:avLst>
@@ -4598,7 +4599,7 @@
         <p:spPr>
           <a:xfrm>
             <a:off x="4019400" y="19847880"/>
-            <a:ext cx="4493520" cy="749160"/>
+            <a:ext cx="4493160" cy="748800"/>
           </a:xfrm>
           <a:prstGeom prst="rect">
             <a:avLst/>
@@ -4704,7 +4705,7 @@
         <p:spPr>
           <a:xfrm>
             <a:off x="4019400" y="21071880"/>
-            <a:ext cx="4493520" cy="749160"/>
+            <a:ext cx="4493160" cy="748800"/>
           </a:xfrm>
           <a:prstGeom prst="rect">
             <a:avLst/>
@@ -4810,7 +4811,7 @@
         <p:spPr>
           <a:xfrm>
             <a:off x="4019400" y="22403880"/>
-            <a:ext cx="4493520" cy="749160"/>
+            <a:ext cx="4493160" cy="748800"/>
           </a:xfrm>
           <a:prstGeom prst="rect">
             <a:avLst/>
@@ -4872,7 +4873,7 @@
         <p:spPr>
           <a:xfrm>
             <a:off x="2786760" y="26253000"/>
-            <a:ext cx="2631600" cy="2132280"/>
+            <a:ext cx="2631240" cy="2131920"/>
           </a:xfrm>
           <a:prstGeom prst="rect">
             <a:avLst/>
@@ -4934,7 +4935,7 @@
         <p:spPr>
           <a:xfrm>
             <a:off x="2878560" y="26821440"/>
-            <a:ext cx="875520" cy="642240"/>
+            <a:ext cx="875160" cy="641880"/>
           </a:xfrm>
           <a:prstGeom prst="rect">
             <a:avLst/>
@@ -4996,7 +4997,7 @@
         <p:spPr>
           <a:xfrm>
             <a:off x="4446000" y="26821440"/>
-            <a:ext cx="875160" cy="642240"/>
+            <a:ext cx="874800" cy="641880"/>
           </a:xfrm>
           <a:prstGeom prst="rect">
             <a:avLst/>
@@ -5058,7 +5059,7 @@
         <p:spPr>
           <a:xfrm>
             <a:off x="2970720" y="27689760"/>
-            <a:ext cx="2247480" cy="642240"/>
+            <a:ext cx="2247120" cy="641880"/>
           </a:xfrm>
           <a:prstGeom prst="rect">
             <a:avLst/>
@@ -5147,15 +5148,15 @@
         <p:spPr>
           <a:xfrm>
             <a:off x="5647680" y="26253000"/>
-            <a:ext cx="2338560" cy="2132280"/>
+            <a:ext cx="2338200" cy="2131920"/>
           </a:xfrm>
           <a:custGeom>
             <a:avLst/>
             <a:gdLst>
-              <a:gd name="textAreaLeft" fmla="*/ 113760 w 2338560"/>
-              <a:gd name="textAreaRight" fmla="*/ 2226960 w 2338560"/>
-              <a:gd name="textAreaTop" fmla="*/ 97560 h 2132280"/>
-              <a:gd name="textAreaBottom" fmla="*/ 2036880 h 2132280"/>
+              <a:gd name="textAreaLeft" fmla="*/ 113760 w 2338200"/>
+              <a:gd name="textAreaRight" fmla="*/ 2226960 w 2338200"/>
+              <a:gd name="textAreaTop" fmla="*/ 97560 h 2131920"/>
+              <a:gd name="textAreaBottom" fmla="*/ 2036880 h 2131920"/>
             </a:gdLst>
             <a:ahLst/>
             <a:rect l="textAreaLeft" t="textAreaTop" r="textAreaRight" b="textAreaBottom"/>
@@ -5238,7 +5239,7 @@
         <p:spPr>
           <a:xfrm>
             <a:off x="5870520" y="26821440"/>
-            <a:ext cx="1914840" cy="642240"/>
+            <a:ext cx="1914480" cy="641880"/>
           </a:xfrm>
           <a:prstGeom prst="rect">
             <a:avLst/>
@@ -5300,7 +5301,7 @@
         <p:spPr>
           <a:xfrm>
             <a:off x="5778720" y="27677520"/>
-            <a:ext cx="2115360" cy="536040"/>
+            <a:ext cx="2115000" cy="535680"/>
           </a:xfrm>
           <a:prstGeom prst="rect">
             <a:avLst/>
@@ -5362,15 +5363,15 @@
         <p:spPr>
           <a:xfrm>
             <a:off x="8233560" y="26253360"/>
-            <a:ext cx="1788120" cy="2131920"/>
+            <a:ext cx="1787760" cy="2131560"/>
           </a:xfrm>
           <a:custGeom>
             <a:avLst/>
             <a:gdLst>
-              <a:gd name="textAreaLeft" fmla="*/ 86760 w 1788120"/>
-              <a:gd name="textAreaRight" fmla="*/ 1703520 w 1788120"/>
-              <a:gd name="textAreaTop" fmla="*/ 74520 h 2131920"/>
-              <a:gd name="textAreaBottom" fmla="*/ 2059560 h 2131920"/>
+              <a:gd name="textAreaLeft" fmla="*/ 86760 w 1787760"/>
+              <a:gd name="textAreaRight" fmla="*/ 1703520 w 1787760"/>
+              <a:gd name="textAreaTop" fmla="*/ 74520 h 2131560"/>
+              <a:gd name="textAreaBottom" fmla="*/ 2059560 h 2131560"/>
             </a:gdLst>
             <a:ahLst/>
             <a:rect l="textAreaLeft" t="textAreaTop" r="textAreaRight" b="textAreaBottom"/>
@@ -5453,7 +5454,7 @@
         <p:spPr>
           <a:xfrm>
             <a:off x="8425440" y="26822160"/>
-            <a:ext cx="1344600" cy="641880"/>
+            <a:ext cx="1344240" cy="641520"/>
           </a:xfrm>
           <a:prstGeom prst="rect">
             <a:avLst/>
@@ -5515,7 +5516,7 @@
         <p:spPr>
           <a:xfrm>
             <a:off x="8346600" y="27677880"/>
-            <a:ext cx="1423440" cy="536040"/>
+            <a:ext cx="1423080" cy="535680"/>
           </a:xfrm>
           <a:prstGeom prst="rect">
             <a:avLst/>
@@ -5667,7 +5668,7 @@
         <p:spPr>
           <a:xfrm>
             <a:off x="2701440" y="28627560"/>
-            <a:ext cx="7476480" cy="1468440"/>
+            <a:ext cx="7476120" cy="1468080"/>
           </a:xfrm>
           <a:prstGeom prst="roundRect">
             <a:avLst>
@@ -5721,7 +5722,7 @@
         <p:spPr>
           <a:xfrm>
             <a:off x="2787120" y="28742040"/>
-            <a:ext cx="7268760" cy="497880"/>
+            <a:ext cx="7268400" cy="497520"/>
           </a:xfrm>
           <a:prstGeom prst="rect">
             <a:avLst/>
@@ -5783,7 +5784,7 @@
         <p:spPr>
           <a:xfrm>
             <a:off x="1210320" y="29341440"/>
-            <a:ext cx="1501200" cy="748800"/>
+            <a:ext cx="1500840" cy="748440"/>
           </a:xfrm>
           <a:prstGeom prst="rect">
             <a:avLst/>
@@ -5841,7 +5842,7 @@
         <p:spPr>
           <a:xfrm>
             <a:off x="2781360" y="29375280"/>
-            <a:ext cx="7245360" cy="614880"/>
+            <a:ext cx="7245000" cy="614520"/>
           </a:xfrm>
           <a:prstGeom prst="rect">
             <a:avLst/>
@@ -5892,7 +5893,7 @@
         <p:spPr>
           <a:xfrm>
             <a:off x="2862360" y="29470320"/>
-            <a:ext cx="1931400" cy="440280"/>
+            <a:ext cx="1931040" cy="439920"/>
           </a:xfrm>
           <a:prstGeom prst="rect">
             <a:avLst/>
@@ -5954,7 +5955,7 @@
         <p:spPr>
           <a:xfrm>
             <a:off x="4926600" y="29470320"/>
-            <a:ext cx="2981880" cy="440280"/>
+            <a:ext cx="2981520" cy="439920"/>
           </a:xfrm>
           <a:prstGeom prst="rect">
             <a:avLst/>
@@ -6016,7 +6017,7 @@
         <p:spPr>
           <a:xfrm>
             <a:off x="8035560" y="29471400"/>
-            <a:ext cx="1932120" cy="439920"/>
+            <a:ext cx="1931760" cy="439560"/>
           </a:xfrm>
           <a:prstGeom prst="rect">
             <a:avLst/>
@@ -6122,7 +6123,7 @@
         <p:spPr>
           <a:xfrm>
             <a:off x="5461560" y="30621600"/>
-            <a:ext cx="1826640" cy="683640"/>
+            <a:ext cx="1826280" cy="683280"/>
           </a:xfrm>
           <a:prstGeom prst="roundRect">
             <a:avLst>
@@ -6230,7 +6231,7 @@
         <p:spPr>
           <a:xfrm>
             <a:off x="988560" y="26794440"/>
-            <a:ext cx="1753560" cy="749160"/>
+            <a:ext cx="1753200" cy="748800"/>
           </a:xfrm>
           <a:prstGeom prst="rect">
             <a:avLst/>
@@ -6315,7 +6316,7 @@
         <p:spPr>
           <a:xfrm>
             <a:off x="882000" y="27735480"/>
-            <a:ext cx="1828080" cy="748440"/>
+            <a:ext cx="1827720" cy="748080"/>
           </a:xfrm>
           <a:prstGeom prst="rect">
             <a:avLst/>
@@ -6400,7 +6401,7 @@
         <p:spPr>
           <a:xfrm>
             <a:off x="952560" y="28571400"/>
-            <a:ext cx="1748160" cy="749160"/>
+            <a:ext cx="1747800" cy="748800"/>
           </a:xfrm>
           <a:prstGeom prst="rect">
             <a:avLst/>
@@ -6485,7 +6486,7 @@
         <p:spPr>
           <a:xfrm>
             <a:off x="16774560" y="9969120"/>
-            <a:ext cx="2997720" cy="1294200"/>
+            <a:ext cx="2997360" cy="1293840"/>
           </a:xfrm>
           <a:prstGeom prst="roundRect">
             <a:avLst>
@@ -6549,15 +6550,15 @@
         <p:spPr>
           <a:xfrm>
             <a:off x="13228560" y="9791280"/>
-            <a:ext cx="3202920" cy="4323240"/>
+            <a:ext cx="3202560" cy="4322880"/>
           </a:xfrm>
           <a:custGeom>
             <a:avLst/>
             <a:gdLst>
-              <a:gd name="textAreaLeft" fmla="*/ 155880 w 3202920"/>
-              <a:gd name="textAreaRight" fmla="*/ 3048120 w 3202920"/>
-              <a:gd name="textAreaTop" fmla="*/ 154800 h 4323240"/>
-              <a:gd name="textAreaBottom" fmla="*/ 4169520 h 4323240"/>
+              <a:gd name="textAreaLeft" fmla="*/ 155880 w 3202560"/>
+              <a:gd name="textAreaRight" fmla="*/ 3048120 w 3202560"/>
+              <a:gd name="textAreaTop" fmla="*/ 154800 h 4322880"/>
+              <a:gd name="textAreaBottom" fmla="*/ 4169520 h 4322880"/>
             </a:gdLst>
             <a:ahLst/>
             <a:rect l="textAreaLeft" t="textAreaTop" r="textAreaRight" b="textAreaBottom"/>
@@ -6628,7 +6629,7 @@
         <p:spPr>
           <a:xfrm>
             <a:off x="13325040" y="9969120"/>
-            <a:ext cx="2997720" cy="1294200"/>
+            <a:ext cx="2997360" cy="1293840"/>
           </a:xfrm>
           <a:prstGeom prst="roundRect">
             <a:avLst>
@@ -6692,7 +6693,7 @@
         <p:spPr>
           <a:xfrm>
             <a:off x="13325040" y="11315880"/>
-            <a:ext cx="2997720" cy="1294560"/>
+            <a:ext cx="2997360" cy="1294200"/>
           </a:xfrm>
           <a:prstGeom prst="roundRect">
             <a:avLst>
@@ -6756,7 +6757,7 @@
         <p:spPr>
           <a:xfrm>
             <a:off x="13325040" y="12663000"/>
-            <a:ext cx="2997720" cy="1294560"/>
+            <a:ext cx="2997360" cy="1294200"/>
           </a:xfrm>
           <a:prstGeom prst="roundRect">
             <a:avLst>
@@ -6820,7 +6821,7 @@
         <p:spPr>
           <a:xfrm>
             <a:off x="16774560" y="11315880"/>
-            <a:ext cx="2997720" cy="1294560"/>
+            <a:ext cx="2997360" cy="1294200"/>
           </a:xfrm>
           <a:prstGeom prst="roundRect">
             <a:avLst>
@@ -6884,7 +6885,7 @@
         <p:spPr>
           <a:xfrm>
             <a:off x="16774560" y="12663000"/>
-            <a:ext cx="2997720" cy="1294560"/>
+            <a:ext cx="2997360" cy="1294200"/>
           </a:xfrm>
           <a:prstGeom prst="roundRect">
             <a:avLst>
@@ -6948,15 +6949,15 @@
         <p:spPr>
           <a:xfrm>
             <a:off x="16678080" y="9791280"/>
-            <a:ext cx="3202920" cy="4323240"/>
+            <a:ext cx="3202560" cy="4322880"/>
           </a:xfrm>
           <a:custGeom>
             <a:avLst/>
             <a:gdLst>
-              <a:gd name="textAreaLeft" fmla="*/ 155880 w 3202920"/>
-              <a:gd name="textAreaRight" fmla="*/ 3048120 w 3202920"/>
-              <a:gd name="textAreaTop" fmla="*/ 154800 h 4323240"/>
-              <a:gd name="textAreaBottom" fmla="*/ 4169520 h 4323240"/>
+              <a:gd name="textAreaLeft" fmla="*/ 155880 w 3202560"/>
+              <a:gd name="textAreaRight" fmla="*/ 3048120 w 3202560"/>
+              <a:gd name="textAreaTop" fmla="*/ 154800 h 4322880"/>
+              <a:gd name="textAreaBottom" fmla="*/ 4169520 h 4322880"/>
             </a:gdLst>
             <a:ahLst/>
             <a:rect l="textAreaLeft" t="textAreaTop" r="textAreaRight" b="textAreaBottom"/>
@@ -7027,7 +7028,7 @@
         <p:spPr>
           <a:xfrm>
             <a:off x="13064400" y="9061920"/>
-            <a:ext cx="6976800" cy="5311800"/>
+            <a:ext cx="6976440" cy="5311440"/>
           </a:xfrm>
           <a:prstGeom prst="roundRect">
             <a:avLst>
@@ -7079,7 +7080,7 @@
         <p:spPr>
           <a:xfrm>
             <a:off x="13523400" y="9164880"/>
-            <a:ext cx="2647440" cy="485640"/>
+            <a:ext cx="2647080" cy="485640"/>
           </a:xfrm>
           <a:prstGeom prst="rect">
             <a:avLst/>
@@ -7137,7 +7138,7 @@
         <p:spPr>
           <a:xfrm>
             <a:off x="16767720" y="9165240"/>
-            <a:ext cx="3038040" cy="485640"/>
+            <a:ext cx="3037680" cy="485640"/>
           </a:xfrm>
           <a:prstGeom prst="rect">
             <a:avLst/>
@@ -7195,7 +7196,7 @@
         <p:spPr>
           <a:xfrm>
             <a:off x="13303800" y="8389800"/>
-            <a:ext cx="1563120" cy="577440"/>
+            <a:ext cx="1562760" cy="577440"/>
           </a:xfrm>
           <a:prstGeom prst="rect">
             <a:avLst/>
@@ -7253,7 +7254,7 @@
         <p:spPr>
           <a:xfrm>
             <a:off x="28745640" y="28197720"/>
-            <a:ext cx="3385440" cy="3107880"/>
+            <a:ext cx="3385080" cy="3107520"/>
           </a:xfrm>
           <a:prstGeom prst="ellipse">
             <a:avLst/>
@@ -7314,7 +7315,7 @@
         <p:spPr>
           <a:xfrm>
             <a:off x="25871040" y="23954400"/>
-            <a:ext cx="3385800" cy="3108240"/>
+            <a:ext cx="3385440" cy="3107880"/>
           </a:xfrm>
           <a:prstGeom prst="ellipse">
             <a:avLst/>
@@ -7375,7 +7376,7 @@
         <p:spPr>
           <a:xfrm>
             <a:off x="567000" y="25115400"/>
-            <a:ext cx="10185480" cy="839880"/>
+            <a:ext cx="10185120" cy="839520"/>
           </a:xfrm>
           <a:prstGeom prst="rect">
             <a:avLst/>
@@ -7431,13 +7432,13 @@
       <p:sp>
         <p:nvSpPr>
           <p:cNvPr id="89" name=""/>
-          <p:cNvSpPr txBox="1"/>
+          <p:cNvSpPr/>
           <p:nvPr/>
         </p:nvSpPr>
         <p:spPr>
           <a:xfrm>
             <a:off x="14352840" y="19523520"/>
-            <a:ext cx="3657600" cy="1197000"/>
+            <a:ext cx="3657240" cy="1197360"/>
           </a:xfrm>
           <a:prstGeom prst="rect">
             <a:avLst/>
@@ -7447,11 +7448,22 @@
             <a:noFill/>
           </a:ln>
         </p:spPr>
+        <p:style>
+          <a:lnRef idx="0"/>
+          <a:fillRef idx="0"/>
+          <a:effectRef idx="0"/>
+          <a:fontRef idx="minor"/>
+        </p:style>
         <p:txBody>
           <a:bodyPr lIns="90000" rIns="90000" tIns="45000" bIns="45000" anchor="t">
             <a:spAutoFit/>
           </a:bodyPr>
           <a:p>
+            <a:pPr>
+              <a:lnSpc>
+                <a:spcPct val="100000"/>
+              </a:lnSpc>
+            </a:pPr>
             <a:r>
               <a:rPr b="0" lang="en-US" sz="3200" strike="noStrike" u="none">
                 <a:solidFill>
@@ -7469,7 +7481,7 @@
               </a:solidFill>
               <a:effectLst/>
               <a:uFillTx/>
-              <a:latin typeface="Open Sans"/>
+              <a:latin typeface="Arial"/>
             </a:endParaRPr>
           </a:p>
         </p:txBody>
@@ -7482,250 +7494,8 @@
         </p:nvSpPr>
         <p:spPr>
           <a:xfrm>
-            <a:off x="14549760" y="20268720"/>
-            <a:ext cx="4000680" cy="1943280"/>
-          </a:xfrm>
-          <a:prstGeom prst="roundRect">
-            <a:avLst>
-              <a:gd name="adj" fmla="val 16667"/>
-            </a:avLst>
-          </a:prstGeom>
-          <a:solidFill>
-            <a:srgbClr val="77bc65"/>
-          </a:solidFill>
-          <a:ln w="0">
-            <a:solidFill>
-              <a:srgbClr val="3465a4"/>
-            </a:solidFill>
-          </a:ln>
-        </p:spPr>
-        <p:style>
-          <a:lnRef idx="0"/>
-          <a:fillRef idx="0"/>
-          <a:effectRef idx="0"/>
-          <a:fontRef idx="minor"/>
-        </p:style>
-        <p:txBody>
-          <a:bodyPr lIns="90000" rIns="90000" tIns="45000" bIns="45000" anchor="ctr">
-            <a:noAutofit/>
-          </a:bodyPr>
-          <a:p>
-            <a:endParaRPr b="0" lang="en-US" sz="3200" strike="noStrike" u="none">
-              <a:solidFill>
-                <a:srgbClr val="000000"/>
-              </a:solidFill>
-              <a:effectLst/>
-              <a:uFillTx/>
-              <a:latin typeface="Open Sans"/>
-            </a:endParaRPr>
-          </a:p>
-        </p:txBody>
-      </p:sp>
-      <p:sp>
-        <p:nvSpPr>
-          <p:cNvPr id="91" name=""/>
-          <p:cNvSpPr/>
-          <p:nvPr/>
-        </p:nvSpPr>
-        <p:spPr>
-          <a:xfrm>
-            <a:off x="16457040" y="20954520"/>
-            <a:ext cx="1943280" cy="1028880"/>
-          </a:xfrm>
-          <a:prstGeom prst="roundRect">
-            <a:avLst>
-              <a:gd name="adj" fmla="val 16667"/>
-            </a:avLst>
-          </a:prstGeom>
-          <a:solidFill>
-            <a:srgbClr val="ffa6a6"/>
-          </a:solidFill>
-          <a:ln w="0">
-            <a:solidFill>
-              <a:srgbClr val="3465a4"/>
-            </a:solidFill>
-          </a:ln>
-        </p:spPr>
-        <p:style>
-          <a:lnRef idx="0"/>
-          <a:fillRef idx="0"/>
-          <a:effectRef idx="0"/>
-          <a:fontRef idx="minor"/>
-        </p:style>
-        <p:txBody>
-          <a:bodyPr lIns="90000" rIns="90000" tIns="45000" bIns="45000" anchor="ctr">
-            <a:noAutofit/>
-          </a:bodyPr>
-          <a:p>
-            <a:pPr algn="ctr"/>
-            <a:r>
-              <a:rPr b="0" lang="en-US" sz="3200" strike="noStrike" u="none">
-                <a:solidFill>
-                  <a:srgbClr val="000000"/>
-                </a:solidFill>
-                <a:effectLst/>
-                <a:uFillTx/>
-                <a:latin typeface="Open Sans"/>
-              </a:rPr>
-              <a:t>PMP Table</a:t>
-            </a:r>
-            <a:endParaRPr b="0" lang="en-US" sz="3200" strike="noStrike" u="none">
-              <a:solidFill>
-                <a:srgbClr val="000000"/>
-              </a:solidFill>
-              <a:effectLst/>
-              <a:uFillTx/>
-              <a:latin typeface="Arial"/>
-            </a:endParaRPr>
-          </a:p>
-        </p:txBody>
-      </p:sp>
-      <p:sp>
-        <p:nvSpPr>
-          <p:cNvPr id="92" name=""/>
-          <p:cNvSpPr txBox="1"/>
-          <p:nvPr/>
-        </p:nvSpPr>
-        <p:spPr>
-          <a:xfrm>
-            <a:off x="14604840" y="20171880"/>
-            <a:ext cx="3657600" cy="1197000"/>
-          </a:xfrm>
-          <a:prstGeom prst="rect">
-            <a:avLst/>
-          </a:prstGeom>
-          <a:noFill/>
-          <a:ln w="0">
-            <a:noFill/>
-          </a:ln>
-        </p:spPr>
-        <p:txBody>
-          <a:bodyPr lIns="90000" rIns="90000" tIns="45000" bIns="45000" anchor="t">
-            <a:spAutoFit/>
-          </a:bodyPr>
-          <a:p>
-            <a:r>
-              <a:rPr b="0" lang="en-US" sz="3200" strike="noStrike" u="none">
-                <a:solidFill>
-                  <a:srgbClr val="000000"/>
-                </a:solidFill>
-                <a:effectLst/>
-                <a:uFillTx/>
-                <a:latin typeface="Open Sans"/>
-              </a:rPr>
-              <a:t>Security Monitor</a:t>
-            </a:r>
-            <a:endParaRPr b="0" lang="en-US" sz="3200" strike="noStrike" u="none">
-              <a:solidFill>
-                <a:srgbClr val="000000"/>
-              </a:solidFill>
-              <a:effectLst/>
-              <a:uFillTx/>
-              <a:latin typeface="Open Sans"/>
-            </a:endParaRPr>
-          </a:p>
-        </p:txBody>
-      </p:sp>
-      <p:sp>
-        <p:nvSpPr>
-          <p:cNvPr id="93" name=""/>
-          <p:cNvSpPr/>
-          <p:nvPr/>
-        </p:nvSpPr>
-        <p:spPr>
-          <a:xfrm>
-            <a:off x="14171040" y="19468800"/>
-            <a:ext cx="4800600" cy="3109680"/>
-          </a:xfrm>
-          <a:prstGeom prst="roundRect">
-            <a:avLst>
-              <a:gd name="adj" fmla="val 16667"/>
-            </a:avLst>
-          </a:prstGeom>
-          <a:noFill/>
-          <a:ln w="38160">
-            <a:solidFill>
-              <a:srgbClr val="000000"/>
-            </a:solidFill>
-            <a:round/>
-          </a:ln>
-        </p:spPr>
-        <p:style>
-          <a:lnRef idx="0"/>
-          <a:fillRef idx="0"/>
-          <a:effectRef idx="0"/>
-          <a:fontRef idx="minor"/>
-        </p:style>
-        <p:txBody>
-          <a:bodyPr lIns="109080" rIns="109080" tIns="64080" bIns="64080" anchor="ctr">
-            <a:noAutofit/>
-          </a:bodyPr>
-          <a:p>
-            <a:pPr algn="ctr"/>
-            <a:endParaRPr b="0" lang="en-US" sz="3200" strike="noStrike" u="none">
-              <a:solidFill>
-                <a:srgbClr val="000000"/>
-              </a:solidFill>
-              <a:effectLst/>
-              <a:uFillTx/>
-              <a:latin typeface="Open Sans"/>
-            </a:endParaRPr>
-          </a:p>
-        </p:txBody>
-      </p:sp>
-      <p:sp>
-        <p:nvSpPr>
-          <p:cNvPr id="94" name=""/>
-          <p:cNvSpPr/>
-          <p:nvPr/>
-        </p:nvSpPr>
-        <p:spPr>
-          <a:xfrm>
-            <a:off x="16571160" y="19125720"/>
-            <a:ext cx="0" cy="343080"/>
-          </a:xfrm>
-          <a:prstGeom prst="line">
-            <a:avLst/>
-          </a:prstGeom>
-          <a:ln w="38160">
-            <a:solidFill>
-              <a:srgbClr val="000000"/>
-            </a:solidFill>
-            <a:round/>
-          </a:ln>
-        </p:spPr>
-        <p:style>
-          <a:lnRef idx="0"/>
-          <a:fillRef idx="0"/>
-          <a:effectRef idx="0"/>
-          <a:fontRef idx="minor"/>
-        </p:style>
-        <p:txBody>
-          <a:bodyPr lIns="109080" rIns="109080" tIns="64080" bIns="64080" anchor="ctr">
-            <a:noAutofit/>
-          </a:bodyPr>
-          <a:p>
-            <a:endParaRPr b="0" lang="en-US" sz="1800" strike="noStrike" u="none">
-              <a:solidFill>
-                <a:srgbClr val="000000"/>
-              </a:solidFill>
-              <a:effectLst/>
-              <a:uFillTx/>
-              <a:latin typeface="Arial"/>
-            </a:endParaRPr>
-          </a:p>
-        </p:txBody>
-      </p:sp>
-      <p:sp>
-        <p:nvSpPr>
-          <p:cNvPr id="95" name=""/>
-          <p:cNvSpPr/>
-          <p:nvPr/>
-        </p:nvSpPr>
-        <p:spPr>
-          <a:xfrm>
-            <a:off x="15085440" y="17586720"/>
-            <a:ext cx="2857320" cy="1600200"/>
+            <a:off x="16817040" y="21026520"/>
+            <a:ext cx="1942920" cy="1028520"/>
           </a:xfrm>
           <a:prstGeom prst="roundRect">
             <a:avLst>
@@ -7752,7 +7522,11 @@
             <a:noAutofit/>
           </a:bodyPr>
           <a:p>
-            <a:pPr algn="ctr"/>
+            <a:pPr algn="ctr">
+              <a:lnSpc>
+                <a:spcPct val="100000"/>
+              </a:lnSpc>
+            </a:pPr>
             <a:r>
               <a:rPr b="0" lang="en-US" sz="3200" strike="noStrike" u="none">
                 <a:solidFill>
@@ -7761,30 +7535,191 @@
                 <a:effectLst/>
                 <a:uFillTx/>
                 <a:latin typeface="Open Sans"/>
+                <a:ea typeface="DejaVu Sans"/>
+              </a:rPr>
+              <a:t>PMP Table</a:t>
+            </a:r>
+            <a:endParaRPr b="0" lang="en-US" sz="3200" strike="noStrike" u="none">
+              <a:solidFill>
+                <a:srgbClr val="000000"/>
+              </a:solidFill>
+              <a:effectLst/>
+              <a:uFillTx/>
+              <a:latin typeface="Arial"/>
+            </a:endParaRPr>
+          </a:p>
+        </p:txBody>
+      </p:sp>
+      <p:sp>
+        <p:nvSpPr>
+          <p:cNvPr id="91" name=""/>
+          <p:cNvSpPr/>
+          <p:nvPr/>
+        </p:nvSpPr>
+        <p:spPr>
+          <a:xfrm>
+            <a:off x="14171040" y="19468800"/>
+            <a:ext cx="4800240" cy="3109320"/>
+          </a:xfrm>
+          <a:prstGeom prst="roundRect">
+            <a:avLst>
+              <a:gd name="adj" fmla="val 16667"/>
+            </a:avLst>
+          </a:prstGeom>
+          <a:noFill/>
+          <a:ln w="38160">
+            <a:solidFill>
+              <a:srgbClr val="000000"/>
+            </a:solidFill>
+            <a:round/>
+          </a:ln>
+        </p:spPr>
+        <p:style>
+          <a:lnRef idx="0"/>
+          <a:fillRef idx="0"/>
+          <a:effectRef idx="0"/>
+          <a:fontRef idx="minor"/>
+        </p:style>
+        <p:txBody>
+          <a:bodyPr lIns="109080" rIns="109080" tIns="64080" bIns="64080" anchor="ctr">
+            <a:noAutofit/>
+          </a:bodyPr>
+          <a:p>
+            <a:pPr algn="ctr">
+              <a:lnSpc>
+                <a:spcPct val="100000"/>
+              </a:lnSpc>
+            </a:pPr>
+            <a:endParaRPr b="0" lang="en-US" sz="3200" strike="noStrike" u="none">
+              <a:solidFill>
+                <a:srgbClr val="000000"/>
+              </a:solidFill>
+              <a:effectLst/>
+              <a:uFillTx/>
+              <a:latin typeface="Open Sans"/>
+              <a:ea typeface="DejaVu Sans"/>
+            </a:endParaRPr>
+          </a:p>
+        </p:txBody>
+      </p:sp>
+      <p:sp>
+        <p:nvSpPr>
+          <p:cNvPr id="92" name=""/>
+          <p:cNvSpPr/>
+          <p:nvPr/>
+        </p:nvSpPr>
+        <p:spPr>
+          <a:xfrm>
+            <a:off x="16571160" y="19125720"/>
+            <a:ext cx="360" cy="343080"/>
+          </a:xfrm>
+          <a:prstGeom prst="line">
+            <a:avLst/>
+          </a:prstGeom>
+          <a:ln w="38160">
+            <a:solidFill>
+              <a:srgbClr val="000000"/>
+            </a:solidFill>
+            <a:round/>
+          </a:ln>
+        </p:spPr>
+        <p:style>
+          <a:lnRef idx="0"/>
+          <a:fillRef idx="0"/>
+          <a:effectRef idx="0"/>
+          <a:fontRef idx="minor"/>
+        </p:style>
+        <p:txBody>
+          <a:bodyPr lIns="109080" rIns="109080" tIns="64080" bIns="64080" anchor="ctr">
+            <a:noAutofit/>
+          </a:bodyPr>
+          <a:p>
+            <a:endParaRPr b="0" lang="en-US" sz="1800" strike="noStrike" u="none">
+              <a:solidFill>
+                <a:srgbClr val="000000"/>
+              </a:solidFill>
+              <a:effectLst/>
+              <a:uFillTx/>
+              <a:latin typeface="Arial"/>
+              <a:ea typeface="DejaVu Sans"/>
+            </a:endParaRPr>
+          </a:p>
+        </p:txBody>
+      </p:sp>
+      <p:sp>
+        <p:nvSpPr>
+          <p:cNvPr id="93" name=""/>
+          <p:cNvSpPr/>
+          <p:nvPr/>
+        </p:nvSpPr>
+        <p:spPr>
+          <a:xfrm>
+            <a:off x="15085440" y="17586720"/>
+            <a:ext cx="2856960" cy="1599840"/>
+          </a:xfrm>
+          <a:prstGeom prst="roundRect">
+            <a:avLst>
+              <a:gd name="adj" fmla="val 16667"/>
+            </a:avLst>
+          </a:prstGeom>
+          <a:solidFill>
+            <a:srgbClr val="808080"/>
+          </a:solidFill>
+          <a:ln w="0">
+            <a:solidFill>
+              <a:srgbClr val="3465a4"/>
+            </a:solidFill>
+          </a:ln>
+        </p:spPr>
+        <p:style>
+          <a:lnRef idx="0"/>
+          <a:fillRef idx="0"/>
+          <a:effectRef idx="0"/>
+          <a:fontRef idx="minor"/>
+        </p:style>
+        <p:txBody>
+          <a:bodyPr lIns="90000" rIns="90000" tIns="45000" bIns="45000" anchor="ctr">
+            <a:noAutofit/>
+          </a:bodyPr>
+          <a:p>
+            <a:pPr algn="ctr">
+              <a:lnSpc>
+                <a:spcPct val="100000"/>
+              </a:lnSpc>
+            </a:pPr>
+            <a:r>
+              <a:rPr b="0" lang="en-US" sz="3200" strike="noStrike" u="none">
+                <a:solidFill>
+                  <a:srgbClr val="000000"/>
+                </a:solidFill>
+                <a:effectLst/>
+                <a:uFillTx/>
+                <a:latin typeface="Open Sans"/>
+                <a:ea typeface="DejaVu Sans"/>
               </a:rPr>
               <a:t>Root of Trust</a:t>
             </a:r>
             <a:endParaRPr b="0" lang="en-US" sz="3200" strike="noStrike" u="none">
               <a:solidFill>
-                <a:srgbClr val="000000"/>
-              </a:solidFill>
-              <a:effectLst/>
-              <a:uFillTx/>
-              <a:latin typeface="Arial"/>
-            </a:endParaRPr>
-          </a:p>
-        </p:txBody>
-      </p:sp>
-      <p:sp>
-        <p:nvSpPr>
-          <p:cNvPr id="96" name=""/>
+                <a:srgbClr val="ffffff"/>
+              </a:solidFill>
+              <a:effectLst/>
+              <a:uFillTx/>
+              <a:latin typeface="Arial"/>
+            </a:endParaRPr>
+          </a:p>
+        </p:txBody>
+      </p:sp>
+      <p:sp>
+        <p:nvSpPr>
+          <p:cNvPr id="94" name=""/>
           <p:cNvSpPr/>
           <p:nvPr/>
         </p:nvSpPr>
         <p:spPr>
           <a:xfrm>
             <a:off x="16571160" y="22590720"/>
-            <a:ext cx="0" cy="535680"/>
+            <a:ext cx="360" cy="535680"/>
           </a:xfrm>
           <a:prstGeom prst="line">
             <a:avLst/>
@@ -7815,20 +7750,21 @@
               <a:effectLst/>
               <a:uFillTx/>
               <a:latin typeface="Arial"/>
-            </a:endParaRPr>
-          </a:p>
-        </p:txBody>
-      </p:sp>
-      <p:sp>
-        <p:nvSpPr>
-          <p:cNvPr id="97" name=""/>
+              <a:ea typeface="DejaVu Sans"/>
+            </a:endParaRPr>
+          </a:p>
+        </p:txBody>
+      </p:sp>
+      <p:sp>
+        <p:nvSpPr>
+          <p:cNvPr id="95" name=""/>
           <p:cNvSpPr/>
           <p:nvPr/>
         </p:nvSpPr>
         <p:spPr>
           <a:xfrm>
             <a:off x="13775400" y="23177160"/>
-            <a:ext cx="5600160" cy="2235240"/>
+            <a:ext cx="5599800" cy="2234880"/>
           </a:xfrm>
           <a:prstGeom prst="roundRect">
             <a:avLst>
@@ -7854,6 +7790,11 @@
             <a:noAutofit/>
           </a:bodyPr>
           <a:p>
+            <a:pPr>
+              <a:lnSpc>
+                <a:spcPct val="100000"/>
+              </a:lnSpc>
+            </a:pPr>
             <a:endParaRPr b="0" lang="en-US" sz="3200" strike="noStrike" u="none">
               <a:solidFill>
                 <a:srgbClr val="000000"/>
@@ -7861,20 +7802,21 @@
               <a:effectLst/>
               <a:uFillTx/>
               <a:latin typeface="Open Sans"/>
-            </a:endParaRPr>
-          </a:p>
-        </p:txBody>
-      </p:sp>
-      <p:sp>
-        <p:nvSpPr>
-          <p:cNvPr id="98" name=""/>
-          <p:cNvSpPr txBox="1"/>
+              <a:ea typeface="DejaVu Sans"/>
+            </a:endParaRPr>
+          </a:p>
+        </p:txBody>
+      </p:sp>
+      <p:sp>
+        <p:nvSpPr>
+          <p:cNvPr id="96" name=""/>
+          <p:cNvSpPr/>
           <p:nvPr/>
         </p:nvSpPr>
         <p:spPr>
           <a:xfrm>
             <a:off x="13956840" y="23159880"/>
-            <a:ext cx="3657600" cy="1197000"/>
+            <a:ext cx="3657240" cy="1197360"/>
           </a:xfrm>
           <a:prstGeom prst="rect">
             <a:avLst/>
@@ -7884,11 +7826,22 @@
             <a:noFill/>
           </a:ln>
         </p:spPr>
+        <p:style>
+          <a:lnRef idx="0"/>
+          <a:fillRef idx="0"/>
+          <a:effectRef idx="0"/>
+          <a:fontRef idx="minor"/>
+        </p:style>
         <p:txBody>
           <a:bodyPr lIns="90000" rIns="90000" tIns="45000" bIns="45000" anchor="t">
             <a:spAutoFit/>
           </a:bodyPr>
           <a:p>
+            <a:pPr>
+              <a:lnSpc>
+                <a:spcPct val="100000"/>
+              </a:lnSpc>
+            </a:pPr>
             <a:r>
               <a:rPr b="0" lang="en-US" sz="3200" strike="noStrike" u="none">
                 <a:solidFill>
@@ -7906,21 +7859,21 @@
               </a:solidFill>
               <a:effectLst/>
               <a:uFillTx/>
-              <a:latin typeface="Open Sans"/>
-            </a:endParaRPr>
-          </a:p>
-        </p:txBody>
-      </p:sp>
-      <p:sp>
-        <p:nvSpPr>
-          <p:cNvPr id="99" name=""/>
+              <a:latin typeface="Arial"/>
+            </a:endParaRPr>
+          </a:p>
+        </p:txBody>
+      </p:sp>
+      <p:sp>
+        <p:nvSpPr>
+          <p:cNvPr id="97" name=""/>
           <p:cNvSpPr/>
           <p:nvPr/>
         </p:nvSpPr>
         <p:spPr>
           <a:xfrm>
             <a:off x="14045400" y="23870880"/>
-            <a:ext cx="2442960" cy="1266120"/>
+            <a:ext cx="2442600" cy="1265760"/>
           </a:xfrm>
           <a:prstGeom prst="roundRect">
             <a:avLst>
@@ -7947,7 +7900,11 @@
             <a:noAutofit/>
           </a:bodyPr>
           <a:p>
-            <a:pPr algn="ctr"/>
+            <a:pPr algn="ctr">
+              <a:lnSpc>
+                <a:spcPct val="100000"/>
+              </a:lnSpc>
+            </a:pPr>
             <a:r>
               <a:rPr b="0" lang="en-US" sz="3200" strike="noStrike" u="none">
                 <a:solidFill>
@@ -7956,6 +7913,7 @@
                 <a:effectLst/>
                 <a:uFillTx/>
                 <a:latin typeface="Open Sans"/>
+                <a:ea typeface="DejaVu Sans"/>
               </a:rPr>
               <a:t>Remote Attestation</a:t>
             </a:r>
@@ -7972,14 +7930,14 @@
       </p:sp>
       <p:sp>
         <p:nvSpPr>
-          <p:cNvPr id="100" name=""/>
+          <p:cNvPr id="98" name=""/>
           <p:cNvSpPr/>
           <p:nvPr/>
         </p:nvSpPr>
         <p:spPr>
           <a:xfrm>
             <a:off x="16637760" y="23870880"/>
-            <a:ext cx="2442960" cy="1266120"/>
+            <a:ext cx="2442600" cy="1265760"/>
           </a:xfrm>
           <a:prstGeom prst="roundRect">
             <a:avLst>
@@ -8006,7 +7964,11 @@
             <a:noAutofit/>
           </a:bodyPr>
           <a:p>
-            <a:pPr algn="ctr"/>
+            <a:pPr algn="ctr">
+              <a:lnSpc>
+                <a:spcPct val="100000"/>
+              </a:lnSpc>
+            </a:pPr>
             <a:r>
               <a:rPr b="0" lang="en-US" sz="3200" strike="noStrike" u="none">
                 <a:solidFill>
@@ -8015,6 +7977,7 @@
                 <a:effectLst/>
                 <a:uFillTx/>
                 <a:latin typeface="Open Sans"/>
+                <a:ea typeface="DejaVu Sans"/>
               </a:rPr>
               <a:t>Encryption/ Integrity</a:t>
             </a:r>
@@ -8031,14 +7994,14 @@
       </p:sp>
       <p:sp>
         <p:nvSpPr>
-          <p:cNvPr id="101" name=""/>
+          <p:cNvPr id="99" name=""/>
           <p:cNvSpPr/>
           <p:nvPr/>
         </p:nvSpPr>
         <p:spPr>
           <a:xfrm>
             <a:off x="14171040" y="30170160"/>
-            <a:ext cx="4800600" cy="1148040"/>
+            <a:ext cx="4800240" cy="1147680"/>
           </a:xfrm>
           <a:prstGeom prst="roundRect">
             <a:avLst>
@@ -8066,7 +8029,11 @@
             <a:noAutofit/>
           </a:bodyPr>
           <a:p>
-            <a:pPr algn="ctr"/>
+            <a:pPr algn="ctr">
+              <a:lnSpc>
+                <a:spcPct val="100000"/>
+              </a:lnSpc>
+            </a:pPr>
             <a:r>
               <a:rPr b="0" lang="en-US" sz="3200" strike="noStrike" u="none">
                 <a:solidFill>
@@ -8075,6 +8042,7 @@
                 <a:effectLst/>
                 <a:uFillTx/>
                 <a:latin typeface="Open Sans"/>
+                <a:ea typeface="DejaVu Sans"/>
               </a:rPr>
               <a:t>ISA Primitives</a:t>
             </a:r>
@@ -8084,21 +8052,21 @@
               </a:solidFill>
               <a:effectLst/>
               <a:uFillTx/>
-              <a:latin typeface="Open Sans"/>
-            </a:endParaRPr>
-          </a:p>
-        </p:txBody>
-      </p:sp>
-      <p:sp>
-        <p:nvSpPr>
-          <p:cNvPr id="102" name=""/>
+              <a:latin typeface="Arial"/>
+            </a:endParaRPr>
+          </a:p>
+        </p:txBody>
+      </p:sp>
+      <p:sp>
+        <p:nvSpPr>
+          <p:cNvPr id="100" name=""/>
           <p:cNvSpPr/>
           <p:nvPr/>
         </p:nvSpPr>
         <p:spPr>
           <a:xfrm>
             <a:off x="14486400" y="28540080"/>
-            <a:ext cx="4114800" cy="1600200"/>
+            <a:ext cx="4114440" cy="1599840"/>
           </a:xfrm>
           <a:prstGeom prst="roundRect">
             <a:avLst>
@@ -8125,7 +8093,11 @@
             <a:noAutofit/>
           </a:bodyPr>
           <a:p>
-            <a:pPr algn="ctr"/>
+            <a:pPr algn="ctr">
+              <a:lnSpc>
+                <a:spcPct val="100000"/>
+              </a:lnSpc>
+            </a:pPr>
             <a:r>
               <a:rPr b="0" lang="en-US" sz="3200" strike="noStrike" u="none">
                 <a:solidFill>
@@ -8134,6 +8106,7 @@
                 <a:effectLst/>
                 <a:uFillTx/>
                 <a:latin typeface="Open Sans"/>
+                <a:ea typeface="DejaVu Sans"/>
               </a:rPr>
               <a:t>Microarchitecture Designs</a:t>
             </a:r>
@@ -8150,14 +8123,14 @@
       </p:sp>
       <p:sp>
         <p:nvSpPr>
-          <p:cNvPr id="103" name=""/>
+          <p:cNvPr id="101" name=""/>
           <p:cNvSpPr/>
           <p:nvPr/>
         </p:nvSpPr>
         <p:spPr>
           <a:xfrm>
             <a:off x="33138000" y="5571000"/>
-            <a:ext cx="10131480" cy="839880"/>
+            <a:ext cx="10131120" cy="839520"/>
           </a:xfrm>
           <a:prstGeom prst="rect">
             <a:avLst/>
@@ -8212,14 +8185,14 @@
       </p:sp>
       <p:sp>
         <p:nvSpPr>
-          <p:cNvPr id="104" name=""/>
+          <p:cNvPr id="102" name=""/>
           <p:cNvSpPr/>
           <p:nvPr/>
         </p:nvSpPr>
         <p:spPr>
           <a:xfrm>
             <a:off x="22213440" y="5558400"/>
-            <a:ext cx="10473840" cy="839880"/>
+            <a:ext cx="10473480" cy="839520"/>
           </a:xfrm>
           <a:prstGeom prst="rect">
             <a:avLst/>
@@ -8274,14 +8247,14 @@
       </p:sp>
       <p:sp>
         <p:nvSpPr>
-          <p:cNvPr id="105" name=""/>
+          <p:cNvPr id="103" name=""/>
           <p:cNvSpPr/>
           <p:nvPr/>
         </p:nvSpPr>
         <p:spPr>
           <a:xfrm>
             <a:off x="567000" y="17087400"/>
-            <a:ext cx="10185480" cy="839880"/>
+            <a:ext cx="10185120" cy="839520"/>
           </a:xfrm>
           <a:prstGeom prst="rect">
             <a:avLst/>
@@ -8336,14 +8309,14 @@
       </p:sp>
       <p:sp>
         <p:nvSpPr>
-          <p:cNvPr id="106" name=""/>
+          <p:cNvPr id="104" name=""/>
           <p:cNvSpPr/>
           <p:nvPr/>
         </p:nvSpPr>
         <p:spPr>
           <a:xfrm>
             <a:off x="33138000" y="25659000"/>
-            <a:ext cx="10140840" cy="839880"/>
+            <a:ext cx="10140480" cy="839520"/>
           </a:xfrm>
           <a:prstGeom prst="rect">
             <a:avLst/>
@@ -8383,7 +8356,7 @@
                 <a:latin typeface="Bree Serif"/>
                 <a:ea typeface="Arial"/>
               </a:rPr>
-              <a:t>Future Work</a:t>
+              <a:t>Bibliography</a:t>
             </a:r>
             <a:endParaRPr b="0" lang="en-US" sz="4800" strike="noStrike" u="none">
               <a:solidFill>
@@ -8398,14 +8371,14 @@
       </p:sp>
       <p:sp>
         <p:nvSpPr>
-          <p:cNvPr id="107" name=""/>
+          <p:cNvPr id="105" name=""/>
           <p:cNvSpPr/>
           <p:nvPr/>
         </p:nvSpPr>
         <p:spPr>
           <a:xfrm>
             <a:off x="25266960" y="13204080"/>
-            <a:ext cx="4588920" cy="1858320"/>
+            <a:ext cx="4588560" cy="1857960"/>
           </a:xfrm>
           <a:prstGeom prst="roundRect">
             <a:avLst>
@@ -8433,6 +8406,11 @@
             <a:noAutofit/>
           </a:bodyPr>
           <a:p>
+            <a:pPr>
+              <a:lnSpc>
+                <a:spcPct val="100000"/>
+              </a:lnSpc>
+            </a:pPr>
             <a:endParaRPr b="0" lang="en-US" sz="1800" strike="noStrike" u="none">
               <a:solidFill>
                 <a:srgbClr val="ffffff"/>
@@ -8440,20 +8418,21 @@
               <a:effectLst/>
               <a:uFillTx/>
               <a:latin typeface="Arial"/>
-            </a:endParaRPr>
-          </a:p>
-        </p:txBody>
-      </p:sp>
-      <p:sp>
-        <p:nvSpPr>
-          <p:cNvPr id="108" name=""/>
+              <a:ea typeface="DejaVu Sans"/>
+            </a:endParaRPr>
+          </a:p>
+        </p:txBody>
+      </p:sp>
+      <p:sp>
+        <p:nvSpPr>
+          <p:cNvPr id="106" name=""/>
           <p:cNvSpPr/>
           <p:nvPr/>
         </p:nvSpPr>
         <p:spPr>
           <a:xfrm>
             <a:off x="25446600" y="13847400"/>
-            <a:ext cx="4229280" cy="1143000"/>
+            <a:ext cx="4228920" cy="1142640"/>
           </a:xfrm>
           <a:prstGeom prst="roundRect">
             <a:avLst>
@@ -8480,7 +8459,11 @@
             <a:noAutofit/>
           </a:bodyPr>
           <a:p>
-            <a:pPr algn="ctr"/>
+            <a:pPr algn="ctr">
+              <a:lnSpc>
+                <a:spcPct val="100000"/>
+              </a:lnSpc>
+            </a:pPr>
             <a:r>
               <a:rPr b="0" lang="en-US" sz="3200" strike="noStrike" u="none">
                 <a:solidFill>
@@ -8489,6 +8472,7 @@
                 <a:effectLst/>
                 <a:uFillTx/>
                 <a:latin typeface="Open Sans"/>
+                <a:ea typeface="DejaVu Sans"/>
               </a:rPr>
               <a:t>cpp Implementation</a:t>
             </a:r>
@@ -8498,21 +8482,21 @@
               </a:solidFill>
               <a:effectLst/>
               <a:uFillTx/>
-              <a:latin typeface="Open Sans"/>
-            </a:endParaRPr>
-          </a:p>
-        </p:txBody>
-      </p:sp>
-      <p:sp>
-        <p:nvSpPr>
-          <p:cNvPr id="109" name=""/>
-          <p:cNvSpPr txBox="1"/>
+              <a:latin typeface="Arial"/>
+            </a:endParaRPr>
+          </a:p>
+        </p:txBody>
+      </p:sp>
+      <p:sp>
+        <p:nvSpPr>
+          <p:cNvPr id="107" name=""/>
+          <p:cNvSpPr/>
           <p:nvPr/>
         </p:nvSpPr>
         <p:spPr>
           <a:xfrm>
             <a:off x="26016480" y="13138200"/>
-            <a:ext cx="3429000" cy="800280"/>
+            <a:ext cx="3428640" cy="800640"/>
           </a:xfrm>
           <a:prstGeom prst="rect">
             <a:avLst/>
@@ -8522,11 +8506,22 @@
             <a:noFill/>
           </a:ln>
         </p:spPr>
+        <p:style>
+          <a:lnRef idx="0"/>
+          <a:fillRef idx="0"/>
+          <a:effectRef idx="0"/>
+          <a:fontRef idx="minor"/>
+        </p:style>
         <p:txBody>
           <a:bodyPr lIns="90000" rIns="90000" tIns="45000" bIns="45000" anchor="t">
             <a:spAutoFit/>
           </a:bodyPr>
           <a:p>
+            <a:pPr>
+              <a:lnSpc>
+                <a:spcPct val="100000"/>
+              </a:lnSpc>
+            </a:pPr>
             <a:r>
               <a:rPr b="0" lang="en-US" sz="3200" strike="noStrike" u="none">
                 <a:solidFill>
@@ -8544,21 +8539,21 @@
               </a:solidFill>
               <a:effectLst/>
               <a:uFillTx/>
-              <a:latin typeface="Open Sans"/>
-            </a:endParaRPr>
-          </a:p>
-        </p:txBody>
-      </p:sp>
-      <p:sp>
-        <p:nvSpPr>
-          <p:cNvPr id="110" name=""/>
-          <p:cNvSpPr txBox="1"/>
+              <a:latin typeface="Arial"/>
+            </a:endParaRPr>
+          </a:p>
+        </p:txBody>
+      </p:sp>
+      <p:sp>
+        <p:nvSpPr>
+          <p:cNvPr id="108" name=""/>
+          <p:cNvSpPr/>
           <p:nvPr/>
         </p:nvSpPr>
         <p:spPr>
           <a:xfrm>
             <a:off x="25080840" y="12490560"/>
-            <a:ext cx="4539960" cy="643680"/>
+            <a:ext cx="4539600" cy="644040"/>
           </a:xfrm>
           <a:prstGeom prst="rect">
             <a:avLst/>
@@ -8568,11 +8563,22 @@
             <a:noFill/>
           </a:ln>
         </p:spPr>
+        <p:style>
+          <a:lnRef idx="0"/>
+          <a:fillRef idx="0"/>
+          <a:effectRef idx="0"/>
+          <a:fontRef idx="minor"/>
+        </p:style>
         <p:txBody>
           <a:bodyPr lIns="90000" rIns="90000" tIns="45000" bIns="45000" anchor="t">
             <a:spAutoFit/>
           </a:bodyPr>
           <a:p>
+            <a:pPr>
+              <a:lnSpc>
+                <a:spcPct val="100000"/>
+              </a:lnSpc>
+            </a:pPr>
             <a:r>
               <a:rPr b="0" lang="en-US" sz="3200" strike="noStrike" u="none">
                 <a:solidFill>
@@ -8590,21 +8596,21 @@
               </a:solidFill>
               <a:effectLst/>
               <a:uFillTx/>
-              <a:latin typeface="Open Sans"/>
-            </a:endParaRPr>
-          </a:p>
-        </p:txBody>
-      </p:sp>
-      <p:sp>
-        <p:nvSpPr>
-          <p:cNvPr id="111" name=""/>
+              <a:latin typeface="Arial"/>
+            </a:endParaRPr>
+          </a:p>
+        </p:txBody>
+      </p:sp>
+      <p:sp>
+        <p:nvSpPr>
+          <p:cNvPr id="109" name=""/>
           <p:cNvSpPr/>
           <p:nvPr/>
         </p:nvSpPr>
         <p:spPr>
           <a:xfrm>
             <a:off x="24977160" y="9242280"/>
-            <a:ext cx="5143680" cy="2421000"/>
+            <a:ext cx="5143320" cy="2420640"/>
           </a:xfrm>
           <a:prstGeom prst="roundRect">
             <a:avLst>
@@ -8630,6 +8636,11 @@
             <a:noAutofit/>
           </a:bodyPr>
           <a:p>
+            <a:pPr>
+              <a:lnSpc>
+                <a:spcPct val="100000"/>
+              </a:lnSpc>
+            </a:pPr>
             <a:endParaRPr b="0" lang="en-US" sz="1800" strike="noStrike" u="none">
               <a:solidFill>
                 <a:srgbClr val="000000"/>
@@ -8637,6 +8648,117 @@
               <a:effectLst/>
               <a:uFillTx/>
               <a:latin typeface="Arial"/>
+              <a:ea typeface="DejaVu Sans"/>
+            </a:endParaRPr>
+          </a:p>
+        </p:txBody>
+      </p:sp>
+      <p:sp>
+        <p:nvSpPr>
+          <p:cNvPr id="110" name=""/>
+          <p:cNvSpPr/>
+          <p:nvPr/>
+        </p:nvSpPr>
+        <p:spPr>
+          <a:xfrm>
+            <a:off x="25355880" y="9834480"/>
+            <a:ext cx="4320000" cy="1627560"/>
+          </a:xfrm>
+          <a:prstGeom prst="roundRect">
+            <a:avLst>
+              <a:gd name="adj" fmla="val 16667"/>
+            </a:avLst>
+          </a:prstGeom>
+          <a:solidFill>
+            <a:srgbClr val="808080"/>
+          </a:solidFill>
+          <a:ln w="0">
+            <a:solidFill>
+              <a:srgbClr val="3465a4"/>
+            </a:solidFill>
+          </a:ln>
+        </p:spPr>
+        <p:style>
+          <a:lnRef idx="0"/>
+          <a:fillRef idx="0"/>
+          <a:effectRef idx="0"/>
+          <a:fontRef idx="minor"/>
+        </p:style>
+        <p:txBody>
+          <a:bodyPr lIns="90000" rIns="90000" tIns="45000" bIns="45000" anchor="ctr">
+            <a:noAutofit/>
+          </a:bodyPr>
+          <a:p>
+            <a:pPr>
+              <a:lnSpc>
+                <a:spcPct val="100000"/>
+              </a:lnSpc>
+            </a:pPr>
+            <a:endParaRPr b="0" lang="en-US" sz="3200" strike="noStrike" u="none">
+              <a:solidFill>
+                <a:srgbClr val="000000"/>
+              </a:solidFill>
+              <a:effectLst/>
+              <a:uFillTx/>
+              <a:latin typeface="Open Sans"/>
+              <a:ea typeface="DejaVu Sans"/>
+            </a:endParaRPr>
+          </a:p>
+        </p:txBody>
+      </p:sp>
+      <p:sp>
+        <p:nvSpPr>
+          <p:cNvPr id="111" name=""/>
+          <p:cNvSpPr/>
+          <p:nvPr/>
+        </p:nvSpPr>
+        <p:spPr>
+          <a:xfrm>
+            <a:off x="25548840" y="9862560"/>
+            <a:ext cx="3428640" cy="800640"/>
+          </a:xfrm>
+          <a:prstGeom prst="rect">
+            <a:avLst/>
+          </a:prstGeom>
+          <a:noFill/>
+          <a:ln w="0">
+            <a:noFill/>
+          </a:ln>
+        </p:spPr>
+        <p:style>
+          <a:lnRef idx="0"/>
+          <a:fillRef idx="0"/>
+          <a:effectRef idx="0"/>
+          <a:fontRef idx="minor"/>
+        </p:style>
+        <p:txBody>
+          <a:bodyPr lIns="90000" rIns="90000" tIns="45000" bIns="45000" anchor="t">
+            <a:spAutoFit/>
+          </a:bodyPr>
+          <a:p>
+            <a:pPr>
+              <a:lnSpc>
+                <a:spcPct val="100000"/>
+              </a:lnSpc>
+            </a:pPr>
+            <a:r>
+              <a:rPr b="0" lang="en-US" sz="3200" strike="noStrike" u="none">
+                <a:solidFill>
+                  <a:srgbClr val="000000"/>
+                </a:solidFill>
+                <a:effectLst/>
+                <a:uFillTx/>
+                <a:latin typeface="Open Sans"/>
+              </a:rPr>
+              <a:t>Config Files</a:t>
+            </a:r>
+            <a:endParaRPr b="0" lang="en-US" sz="3200" strike="noStrike" u="none">
+              <a:solidFill>
+                <a:srgbClr val="000000"/>
+              </a:solidFill>
+              <a:effectLst/>
+              <a:uFillTx/>
+              <a:latin typeface="Arial"/>
             </a:endParaRPr>
           </a:p>
         </p:txBody>
@@ -8649,8 +8771,628 @@
         </p:nvSpPr>
         <p:spPr>
           <a:xfrm>
-            <a:off x="25355880" y="9834480"/>
-            <a:ext cx="4320360" cy="1627920"/>
+            <a:off x="25117200" y="9214920"/>
+            <a:ext cx="3428640" cy="800640"/>
+          </a:xfrm>
+          <a:prstGeom prst="rect">
+            <a:avLst/>
+          </a:prstGeom>
+          <a:noFill/>
+          <a:ln w="0">
+            <a:noFill/>
+          </a:ln>
+        </p:spPr>
+        <p:style>
+          <a:lnRef idx="0"/>
+          <a:fillRef idx="0"/>
+          <a:effectRef idx="0"/>
+          <a:fontRef idx="minor"/>
+        </p:style>
+        <p:txBody>
+          <a:bodyPr lIns="90000" rIns="90000" tIns="45000" bIns="45000" anchor="t">
+            <a:spAutoFit/>
+          </a:bodyPr>
+          <a:p>
+            <a:pPr>
+              <a:lnSpc>
+                <a:spcPct val="100000"/>
+              </a:lnSpc>
+            </a:pPr>
+            <a:r>
+              <a:rPr b="0" lang="en-US" sz="3200" strike="noStrike" u="none">
+                <a:solidFill>
+                  <a:srgbClr val="000000"/>
+                </a:solidFill>
+                <a:effectLst/>
+                <a:uFillTx/>
+                <a:latin typeface="Open Sans"/>
+              </a:rPr>
+              <a:t>User Space</a:t>
+            </a:r>
+            <a:endParaRPr b="0" lang="en-US" sz="3200" strike="noStrike" u="none">
+              <a:solidFill>
+                <a:srgbClr val="000000"/>
+              </a:solidFill>
+              <a:effectLst/>
+              <a:uFillTx/>
+              <a:latin typeface="Arial"/>
+            </a:endParaRPr>
+          </a:p>
+        </p:txBody>
+      </p:sp>
+      <p:sp>
+        <p:nvSpPr>
+          <p:cNvPr id="113" name=""/>
+          <p:cNvSpPr/>
+          <p:nvPr/>
+        </p:nvSpPr>
+        <p:spPr>
+          <a:xfrm>
+            <a:off x="25916400" y="10634400"/>
+            <a:ext cx="3291480" cy="575640"/>
+          </a:xfrm>
+          <a:prstGeom prst="roundRect">
+            <a:avLst>
+              <a:gd name="adj" fmla="val 16667"/>
+            </a:avLst>
+          </a:prstGeom>
+          <a:solidFill>
+            <a:srgbClr val="ffa6a6"/>
+          </a:solidFill>
+          <a:ln w="0">
+            <a:solidFill>
+              <a:srgbClr val="3465a4"/>
+            </a:solidFill>
+          </a:ln>
+        </p:spPr>
+        <p:style>
+          <a:lnRef idx="0"/>
+          <a:fillRef idx="0"/>
+          <a:effectRef idx="0"/>
+          <a:fontRef idx="minor"/>
+        </p:style>
+        <p:txBody>
+          <a:bodyPr lIns="90000" rIns="90000" tIns="45000" bIns="45000" anchor="ctr">
+            <a:noAutofit/>
+          </a:bodyPr>
+          <a:p>
+            <a:pPr algn="ctr">
+              <a:lnSpc>
+                <a:spcPct val="100000"/>
+              </a:lnSpc>
+            </a:pPr>
+            <a:r>
+              <a:rPr b="0" lang="en-US" sz="3200" strike="noStrike" u="none">
+                <a:solidFill>
+                  <a:srgbClr val="000000"/>
+                </a:solidFill>
+                <a:effectLst/>
+                <a:uFillTx/>
+                <a:latin typeface="Open Sans"/>
+                <a:ea typeface="DejaVu Sans"/>
+              </a:rPr>
+              <a:t>Program Binary</a:t>
+            </a:r>
+            <a:endParaRPr b="0" lang="en-US" sz="3200" strike="noStrike" u="none">
+              <a:solidFill>
+                <a:srgbClr val="000000"/>
+              </a:solidFill>
+              <a:effectLst/>
+              <a:uFillTx/>
+              <a:latin typeface="Arial"/>
+            </a:endParaRPr>
+          </a:p>
+        </p:txBody>
+      </p:sp>
+      <p:sp>
+        <p:nvSpPr>
+          <p:cNvPr id="114" name=""/>
+          <p:cNvSpPr/>
+          <p:nvPr/>
+        </p:nvSpPr>
+        <p:spPr>
+          <a:xfrm>
+            <a:off x="27527400" y="11663280"/>
+            <a:ext cx="360" cy="859680"/>
+          </a:xfrm>
+          <a:prstGeom prst="line">
+            <a:avLst/>
+          </a:prstGeom>
+          <a:ln w="38160">
+            <a:solidFill>
+              <a:srgbClr val="000000"/>
+            </a:solidFill>
+            <a:round/>
+          </a:ln>
+        </p:spPr>
+        <p:style>
+          <a:lnRef idx="0"/>
+          <a:fillRef idx="0"/>
+          <a:effectRef idx="0"/>
+          <a:fontRef idx="minor"/>
+        </p:style>
+        <p:txBody>
+          <a:bodyPr lIns="109080" rIns="109080" tIns="64080" bIns="64080" anchor="ctr">
+            <a:noAutofit/>
+          </a:bodyPr>
+          <a:p>
+            <a:endParaRPr b="0" lang="en-US" sz="1800" strike="noStrike" u="none">
+              <a:solidFill>
+                <a:srgbClr val="000000"/>
+              </a:solidFill>
+              <a:effectLst/>
+              <a:uFillTx/>
+              <a:latin typeface="Arial"/>
+              <a:ea typeface="DejaVu Sans"/>
+            </a:endParaRPr>
+          </a:p>
+        </p:txBody>
+      </p:sp>
+      <p:sp>
+        <p:nvSpPr>
+          <p:cNvPr id="115" name=""/>
+          <p:cNvSpPr/>
+          <p:nvPr/>
+        </p:nvSpPr>
+        <p:spPr>
+          <a:xfrm>
+            <a:off x="24976800" y="12518280"/>
+            <a:ext cx="5143320" cy="2640960"/>
+          </a:xfrm>
+          <a:prstGeom prst="roundRect">
+            <a:avLst>
+              <a:gd name="adj" fmla="val 16667"/>
+            </a:avLst>
+          </a:prstGeom>
+          <a:noFill/>
+          <a:ln w="38160">
+            <a:solidFill>
+              <a:srgbClr val="000000"/>
+            </a:solidFill>
+            <a:round/>
+          </a:ln>
+        </p:spPr>
+        <p:style>
+          <a:lnRef idx="0"/>
+          <a:fillRef idx="0"/>
+          <a:effectRef idx="0"/>
+          <a:fontRef idx="minor"/>
+        </p:style>
+        <p:txBody>
+          <a:bodyPr lIns="109080" rIns="109080" tIns="64080" bIns="64080" anchor="ctr">
+            <a:noAutofit/>
+          </a:bodyPr>
+          <a:p>
+            <a:pPr>
+              <a:lnSpc>
+                <a:spcPct val="100000"/>
+              </a:lnSpc>
+            </a:pPr>
+            <a:endParaRPr b="0" lang="en-US" sz="1800" strike="noStrike" u="none">
+              <a:solidFill>
+                <a:srgbClr val="000000"/>
+              </a:solidFill>
+              <a:effectLst/>
+              <a:uFillTx/>
+              <a:latin typeface="Arial"/>
+              <a:ea typeface="DejaVu Sans"/>
+            </a:endParaRPr>
+          </a:p>
+        </p:txBody>
+      </p:sp>
+      <p:sp>
+        <p:nvSpPr>
+          <p:cNvPr id="116" name=""/>
+          <p:cNvSpPr/>
+          <p:nvPr/>
+        </p:nvSpPr>
+        <p:spPr>
+          <a:xfrm>
+            <a:off x="27539280" y="19509480"/>
+            <a:ext cx="360" cy="685800"/>
+          </a:xfrm>
+          <a:prstGeom prst="line">
+            <a:avLst/>
+          </a:prstGeom>
+          <a:ln w="38160">
+            <a:solidFill>
+              <a:srgbClr val="3465a4"/>
+            </a:solidFill>
+            <a:round/>
+            <a:tailEnd len="med" type="triangle" w="med"/>
+          </a:ln>
+        </p:spPr>
+        <p:style>
+          <a:lnRef idx="0"/>
+          <a:fillRef idx="0"/>
+          <a:effectRef idx="0"/>
+          <a:fontRef idx="minor"/>
+        </p:style>
+        <p:txBody>
+          <a:bodyPr lIns="109080" rIns="109080" tIns="64080" bIns="64080" anchor="ctr">
+            <a:noAutofit/>
+          </a:bodyPr>
+          <a:p>
+            <a:endParaRPr b="0" lang="en-US" sz="1800" strike="noStrike" u="none">
+              <a:solidFill>
+                <a:srgbClr val="000000"/>
+              </a:solidFill>
+              <a:effectLst/>
+              <a:uFillTx/>
+              <a:latin typeface="Arial"/>
+              <a:ea typeface="DejaVu Sans"/>
+            </a:endParaRPr>
+          </a:p>
+        </p:txBody>
+      </p:sp>
+      <p:sp>
+        <p:nvSpPr>
+          <p:cNvPr id="117" name=""/>
+          <p:cNvSpPr/>
+          <p:nvPr/>
+        </p:nvSpPr>
+        <p:spPr>
+          <a:xfrm>
+            <a:off x="22897800" y="20273760"/>
+            <a:ext cx="2681640" cy="1214640"/>
+          </a:xfrm>
+          <a:prstGeom prst="roundRect">
+            <a:avLst>
+              <a:gd name="adj" fmla="val 16667"/>
+            </a:avLst>
+          </a:prstGeom>
+          <a:solidFill>
+            <a:srgbClr val="afd095"/>
+          </a:solidFill>
+          <a:ln w="0">
+            <a:solidFill>
+              <a:srgbClr val="3465a4"/>
+            </a:solidFill>
+          </a:ln>
+        </p:spPr>
+        <p:style>
+          <a:lnRef idx="0"/>
+          <a:fillRef idx="0"/>
+          <a:effectRef idx="0"/>
+          <a:fontRef idx="minor"/>
+        </p:style>
+        <p:txBody>
+          <a:bodyPr lIns="90000" rIns="90000" tIns="45000" bIns="45000" anchor="ctr">
+            <a:noAutofit/>
+          </a:bodyPr>
+          <a:p>
+            <a:pPr algn="ctr">
+              <a:lnSpc>
+                <a:spcPct val="100000"/>
+              </a:lnSpc>
+            </a:pPr>
+            <a:r>
+              <a:rPr b="0" lang="en-US" sz="3200" strike="noStrike" u="none">
+                <a:solidFill>
+                  <a:srgbClr val="000000"/>
+                </a:solidFill>
+                <a:effectLst/>
+                <a:uFillTx/>
+                <a:latin typeface="Open Sans"/>
+                <a:ea typeface="DejaVu Sans"/>
+              </a:rPr>
+              <a:t>Boot-loader</a:t>
+            </a:r>
+            <a:endParaRPr b="0" lang="en-US" sz="3200" strike="noStrike" u="none">
+              <a:solidFill>
+                <a:srgbClr val="000000"/>
+              </a:solidFill>
+              <a:effectLst/>
+              <a:uFillTx/>
+              <a:latin typeface="Arial"/>
+            </a:endParaRPr>
+          </a:p>
+        </p:txBody>
+      </p:sp>
+      <p:sp>
+        <p:nvSpPr>
+          <p:cNvPr id="118" name=""/>
+          <p:cNvSpPr/>
+          <p:nvPr/>
+        </p:nvSpPr>
+        <p:spPr>
+          <a:xfrm flipH="1">
+            <a:off x="25481880" y="19500120"/>
+            <a:ext cx="941400" cy="695160"/>
+          </a:xfrm>
+          <a:prstGeom prst="line">
+            <a:avLst/>
+          </a:prstGeom>
+          <a:ln w="38160">
+            <a:solidFill>
+              <a:srgbClr val="3465a4"/>
+            </a:solidFill>
+            <a:round/>
+            <a:tailEnd len="med" type="triangle" w="med"/>
+          </a:ln>
+        </p:spPr>
+        <p:style>
+          <a:lnRef idx="0"/>
+          <a:fillRef idx="0"/>
+          <a:effectRef idx="0"/>
+          <a:fontRef idx="minor"/>
+        </p:style>
+        <p:txBody>
+          <a:bodyPr lIns="109080" rIns="109080" tIns="64080" bIns="64080" anchor="ctr">
+            <a:noAutofit/>
+          </a:bodyPr>
+          <a:p>
+            <a:endParaRPr b="0" lang="en-US" sz="1800" strike="noStrike" u="none">
+              <a:solidFill>
+                <a:srgbClr val="000000"/>
+              </a:solidFill>
+              <a:effectLst/>
+              <a:uFillTx/>
+              <a:latin typeface="Arial"/>
+              <a:ea typeface="DejaVu Sans"/>
+            </a:endParaRPr>
+          </a:p>
+        </p:txBody>
+      </p:sp>
+      <p:sp>
+        <p:nvSpPr>
+          <p:cNvPr id="119" name=""/>
+          <p:cNvSpPr/>
+          <p:nvPr/>
+        </p:nvSpPr>
+        <p:spPr>
+          <a:xfrm>
+            <a:off x="28593000" y="19490760"/>
+            <a:ext cx="889200" cy="704520"/>
+          </a:xfrm>
+          <a:prstGeom prst="line">
+            <a:avLst/>
+          </a:prstGeom>
+          <a:ln w="38160">
+            <a:solidFill>
+              <a:srgbClr val="3465a4"/>
+            </a:solidFill>
+            <a:round/>
+            <a:tailEnd len="med" type="triangle" w="med"/>
+          </a:ln>
+        </p:spPr>
+        <p:style>
+          <a:lnRef idx="0"/>
+          <a:fillRef idx="0"/>
+          <a:effectRef idx="0"/>
+          <a:fontRef idx="minor"/>
+        </p:style>
+        <p:txBody>
+          <a:bodyPr lIns="109080" rIns="109080" tIns="64080" bIns="64080" anchor="ctr">
+            <a:noAutofit/>
+          </a:bodyPr>
+          <a:p>
+            <a:endParaRPr b="0" lang="en-US" sz="1800" strike="noStrike" u="none">
+              <a:solidFill>
+                <a:srgbClr val="000000"/>
+              </a:solidFill>
+              <a:effectLst/>
+              <a:uFillTx/>
+              <a:latin typeface="Arial"/>
+              <a:ea typeface="DejaVu Sans"/>
+            </a:endParaRPr>
+          </a:p>
+        </p:txBody>
+      </p:sp>
+      <p:sp>
+        <p:nvSpPr>
+          <p:cNvPr id="120" name=""/>
+          <p:cNvSpPr/>
+          <p:nvPr/>
+        </p:nvSpPr>
+        <p:spPr>
+          <a:xfrm>
+            <a:off x="25414200" y="17602200"/>
+            <a:ext cx="4235040" cy="1942920"/>
+          </a:xfrm>
+          <a:prstGeom prst="roundRect">
+            <a:avLst>
+              <a:gd name="adj" fmla="val 16667"/>
+            </a:avLst>
+          </a:prstGeom>
+          <a:solidFill>
+            <a:srgbClr val="808080"/>
+          </a:solidFill>
+          <a:ln w="0">
+            <a:solidFill>
+              <a:srgbClr val="3465a4"/>
+            </a:solidFill>
+          </a:ln>
+        </p:spPr>
+        <p:style>
+          <a:lnRef idx="0"/>
+          <a:fillRef idx="0"/>
+          <a:effectRef idx="0"/>
+          <a:fontRef idx="minor"/>
+        </p:style>
+        <p:txBody>
+          <a:bodyPr lIns="90000" rIns="90000" tIns="45000" bIns="45000" anchor="ctr">
+            <a:noAutofit/>
+          </a:bodyPr>
+          <a:p>
+            <a:pPr algn="ctr">
+              <a:lnSpc>
+                <a:spcPct val="100000"/>
+              </a:lnSpc>
+            </a:pPr>
+            <a:r>
+              <a:rPr b="0" lang="en-US" sz="3200" strike="noStrike" u="none">
+                <a:solidFill>
+                  <a:srgbClr val="000000"/>
+                </a:solidFill>
+                <a:effectLst/>
+                <a:uFillTx/>
+                <a:latin typeface="Open Sans"/>
+                <a:ea typeface="DejaVu Sans"/>
+              </a:rPr>
+              <a:t>gem5 Pre-compiled Resources</a:t>
+            </a:r>
+            <a:endParaRPr b="0" lang="en-US" sz="3200" strike="noStrike" u="none">
+              <a:solidFill>
+                <a:srgbClr val="ffffff"/>
+              </a:solidFill>
+              <a:effectLst/>
+              <a:uFillTx/>
+              <a:latin typeface="Arial"/>
+            </a:endParaRPr>
+          </a:p>
+        </p:txBody>
+      </p:sp>
+      <p:sp>
+        <p:nvSpPr>
+          <p:cNvPr id="121" name=""/>
+          <p:cNvSpPr/>
+          <p:nvPr/>
+        </p:nvSpPr>
+        <p:spPr>
+          <a:xfrm>
+            <a:off x="26209800" y="20273760"/>
+            <a:ext cx="2681640" cy="1214640"/>
+          </a:xfrm>
+          <a:prstGeom prst="roundRect">
+            <a:avLst>
+              <a:gd name="adj" fmla="val 16667"/>
+            </a:avLst>
+          </a:prstGeom>
+          <a:solidFill>
+            <a:srgbClr val="ffb66c"/>
+          </a:solidFill>
+          <a:ln w="0">
+            <a:solidFill>
+              <a:srgbClr val="3465a4"/>
+            </a:solidFill>
+          </a:ln>
+        </p:spPr>
+        <p:style>
+          <a:lnRef idx="0"/>
+          <a:fillRef idx="0"/>
+          <a:effectRef idx="0"/>
+          <a:fontRef idx="minor"/>
+        </p:style>
+        <p:txBody>
+          <a:bodyPr lIns="90000" rIns="90000" tIns="45000" bIns="45000" anchor="ctr">
+            <a:noAutofit/>
+          </a:bodyPr>
+          <a:p>
+            <a:pPr algn="ctr">
+              <a:lnSpc>
+                <a:spcPct val="100000"/>
+              </a:lnSpc>
+            </a:pPr>
+            <a:r>
+              <a:rPr b="0" lang="en-US" sz="3200" strike="noStrike" u="none">
+                <a:solidFill>
+                  <a:srgbClr val="000000"/>
+                </a:solidFill>
+                <a:effectLst/>
+                <a:uFillTx/>
+                <a:latin typeface="Open Sans"/>
+                <a:ea typeface="DejaVu Sans"/>
+              </a:rPr>
+              <a:t>Linux Kernel</a:t>
+            </a:r>
+            <a:endParaRPr b="0" lang="en-US" sz="3200" strike="noStrike" u="none">
+              <a:solidFill>
+                <a:srgbClr val="000000"/>
+              </a:solidFill>
+              <a:effectLst/>
+              <a:uFillTx/>
+              <a:latin typeface="Arial"/>
+            </a:endParaRPr>
+          </a:p>
+        </p:txBody>
+      </p:sp>
+      <p:sp>
+        <p:nvSpPr>
+          <p:cNvPr id="122" name=""/>
+          <p:cNvSpPr/>
+          <p:nvPr/>
+        </p:nvSpPr>
+        <p:spPr>
+          <a:xfrm>
+            <a:off x="29449800" y="20273760"/>
+            <a:ext cx="2681640" cy="1214640"/>
+          </a:xfrm>
+          <a:prstGeom prst="roundRect">
+            <a:avLst>
+              <a:gd name="adj" fmla="val 16667"/>
+            </a:avLst>
+          </a:prstGeom>
+          <a:solidFill>
+            <a:srgbClr val="ffa6a6"/>
+          </a:solidFill>
+          <a:ln w="0">
+            <a:solidFill>
+              <a:srgbClr val="3465a4"/>
+            </a:solidFill>
+          </a:ln>
+        </p:spPr>
+        <p:style>
+          <a:lnRef idx="0"/>
+          <a:fillRef idx="0"/>
+          <a:effectRef idx="0"/>
+          <a:fontRef idx="minor"/>
+        </p:style>
+        <p:txBody>
+          <a:bodyPr lIns="90000" rIns="90000" tIns="45000" bIns="45000" anchor="ctr">
+            <a:noAutofit/>
+          </a:bodyPr>
+          <a:p>
+            <a:pPr algn="ctr">
+              <a:lnSpc>
+                <a:spcPct val="100000"/>
+              </a:lnSpc>
+            </a:pPr>
+            <a:r>
+              <a:rPr b="0" lang="en-US" sz="3200" strike="noStrike" u="none">
+                <a:solidFill>
+                  <a:srgbClr val="000000"/>
+                </a:solidFill>
+                <a:effectLst/>
+                <a:uFillTx/>
+                <a:latin typeface="Open Sans"/>
+                <a:ea typeface="DejaVu Sans"/>
+              </a:rPr>
+              <a:t>Disk </a:t>
+            </a:r>
+            <a:r>
+              <a:rPr b="0" lang="en-US" sz="3200" strike="noStrike" u="none">
+                <a:solidFill>
+                  <a:srgbClr val="000000"/>
+                </a:solidFill>
+                <a:effectLst/>
+                <a:uFillTx/>
+                <a:latin typeface="Open Sans"/>
+                <a:ea typeface="DejaVu Sans"/>
+              </a:rPr>
+              <a:t>Image</a:t>
+            </a:r>
+            <a:endParaRPr b="0" lang="en-US" sz="3200" strike="noStrike" u="none">
+              <a:solidFill>
+                <a:srgbClr val="000000"/>
+              </a:solidFill>
+              <a:effectLst/>
+              <a:uFillTx/>
+              <a:latin typeface="Arial"/>
+            </a:endParaRPr>
+          </a:p>
+        </p:txBody>
+      </p:sp>
+      <p:sp>
+        <p:nvSpPr>
+          <p:cNvPr id="123" name=""/>
+          <p:cNvSpPr/>
+          <p:nvPr/>
+        </p:nvSpPr>
+        <p:spPr>
+          <a:xfrm>
+            <a:off x="14369040" y="21026520"/>
+            <a:ext cx="1942920" cy="1028520"/>
           </a:xfrm>
           <a:prstGeom prst="roundRect">
             <a:avLst>
@@ -8677,41 +9419,11 @@
             <a:noAutofit/>
           </a:bodyPr>
           <a:p>
-            <a:endParaRPr b="0" lang="en-US" sz="3200" strike="noStrike" u="none">
-              <a:solidFill>
-                <a:srgbClr val="000000"/>
-              </a:solidFill>
-              <a:effectLst/>
-              <a:uFillTx/>
-              <a:latin typeface="Open Sans"/>
-            </a:endParaRPr>
-          </a:p>
-        </p:txBody>
-      </p:sp>
-      <p:sp>
-        <p:nvSpPr>
-          <p:cNvPr id="113" name=""/>
-          <p:cNvSpPr txBox="1"/>
-          <p:nvPr/>
-        </p:nvSpPr>
-        <p:spPr>
-          <a:xfrm>
-            <a:off x="25548840" y="9862560"/>
-            <a:ext cx="3429000" cy="800280"/>
-          </a:xfrm>
-          <a:prstGeom prst="rect">
-            <a:avLst/>
-          </a:prstGeom>
-          <a:noFill/>
-          <a:ln w="0">
-            <a:noFill/>
-          </a:ln>
-        </p:spPr>
-        <p:txBody>
-          <a:bodyPr lIns="90000" rIns="90000" tIns="45000" bIns="45000" anchor="t">
-            <a:spAutoFit/>
-          </a:bodyPr>
-          <a:p>
+            <a:pPr algn="ctr">
+              <a:lnSpc>
+                <a:spcPct val="100000"/>
+              </a:lnSpc>
+            </a:pPr>
             <a:r>
               <a:rPr b="0" lang="en-US" sz="3200" strike="noStrike" u="none">
                 <a:solidFill>
@@ -8720,44 +9432,10 @@
                 <a:effectLst/>
                 <a:uFillTx/>
                 <a:latin typeface="Open Sans"/>
-              </a:rPr>
-              <a:t>Config Files</a:t>
-            </a:r>
-            <a:endParaRPr b="0" lang="en-US" sz="3200" strike="noStrike" u="none">
-              <a:solidFill>
-                <a:srgbClr val="000000"/>
-              </a:solidFill>
-              <a:effectLst/>
-              <a:uFillTx/>
-              <a:latin typeface="Open Sans"/>
-            </a:endParaRPr>
-          </a:p>
-        </p:txBody>
-      </p:sp>
-      <p:sp>
-        <p:nvSpPr>
-          <p:cNvPr id="114" name=""/>
-          <p:cNvSpPr txBox="1"/>
-          <p:nvPr/>
-        </p:nvSpPr>
-        <p:spPr>
-          <a:xfrm>
-            <a:off x="25117200" y="9214920"/>
-            <a:ext cx="3429000" cy="800280"/>
-          </a:xfrm>
-          <a:prstGeom prst="rect">
-            <a:avLst/>
-          </a:prstGeom>
-          <a:noFill/>
-          <a:ln w="0">
-            <a:noFill/>
-          </a:ln>
-        </p:spPr>
-        <p:txBody>
-          <a:bodyPr lIns="90000" rIns="90000" tIns="45000" bIns="45000" anchor="t">
-            <a:spAutoFit/>
-          </a:bodyPr>
-          <a:p>
+                <a:ea typeface="DejaVu Sans"/>
+              </a:rPr>
+              <a:t>Securi</a:t>
+            </a:r>
             <a:r>
               <a:rPr b="0" lang="en-US" sz="3200" strike="noStrike" u="none">
                 <a:solidFill>
@@ -8766,57 +9444,10 @@
                 <a:effectLst/>
                 <a:uFillTx/>
                 <a:latin typeface="Open Sans"/>
-              </a:rPr>
-              <a:t>User Space</a:t>
-            </a:r>
-            <a:endParaRPr b="0" lang="en-US" sz="3200" strike="noStrike" u="none">
-              <a:solidFill>
-                <a:srgbClr val="000000"/>
-              </a:solidFill>
-              <a:effectLst/>
-              <a:uFillTx/>
-              <a:latin typeface="Open Sans"/>
-            </a:endParaRPr>
-          </a:p>
-        </p:txBody>
-      </p:sp>
-      <p:sp>
-        <p:nvSpPr>
-          <p:cNvPr id="115" name=""/>
-          <p:cNvSpPr/>
-          <p:nvPr/>
-        </p:nvSpPr>
-        <p:spPr>
-          <a:xfrm>
-            <a:off x="25916400" y="10634400"/>
-            <a:ext cx="3291840" cy="576000"/>
-          </a:xfrm>
-          <a:prstGeom prst="roundRect">
-            <a:avLst>
-              <a:gd name="adj" fmla="val 16667"/>
-            </a:avLst>
-          </a:prstGeom>
-          <a:solidFill>
-            <a:srgbClr val="ffa6a6"/>
-          </a:solidFill>
-          <a:ln w="0">
-            <a:solidFill>
-              <a:srgbClr val="3465a4"/>
-            </a:solidFill>
-          </a:ln>
-        </p:spPr>
-        <p:style>
-          <a:lnRef idx="0"/>
-          <a:fillRef idx="0"/>
-          <a:effectRef idx="0"/>
-          <a:fontRef idx="minor"/>
-        </p:style>
-        <p:txBody>
-          <a:bodyPr lIns="90000" rIns="90000" tIns="45000" bIns="45000" anchor="ctr">
-            <a:noAutofit/>
-          </a:bodyPr>
-          <a:p>
-            <a:pPr algn="ctr"/>
+                <a:ea typeface="DejaVu Sans"/>
+              </a:rPr>
+              <a:t>ty </a:t>
+            </a:r>
             <a:r>
               <a:rPr b="0" lang="en-US" sz="3200" strike="noStrike" u="none">
                 <a:solidFill>
@@ -8825,190 +9456,10 @@
                 <a:effectLst/>
                 <a:uFillTx/>
                 <a:latin typeface="Open Sans"/>
-              </a:rPr>
-              <a:t>Program Binary</a:t>
-            </a:r>
-            <a:endParaRPr b="0" lang="en-US" sz="3200" strike="noStrike" u="none">
-              <a:solidFill>
-                <a:srgbClr val="000000"/>
-              </a:solidFill>
-              <a:effectLst/>
-              <a:uFillTx/>
-              <a:latin typeface="Open Sans"/>
-            </a:endParaRPr>
-          </a:p>
-        </p:txBody>
-      </p:sp>
-      <p:sp>
-        <p:nvSpPr>
-          <p:cNvPr id="116" name=""/>
-          <p:cNvSpPr/>
-          <p:nvPr/>
-        </p:nvSpPr>
-        <p:spPr>
-          <a:xfrm>
-            <a:off x="27527400" y="11663280"/>
-            <a:ext cx="0" cy="859680"/>
-          </a:xfrm>
-          <a:prstGeom prst="line">
-            <a:avLst/>
-          </a:prstGeom>
-          <a:ln w="38160">
-            <a:solidFill>
-              <a:srgbClr val="000000"/>
-            </a:solidFill>
-            <a:round/>
-          </a:ln>
-        </p:spPr>
-        <p:style>
-          <a:lnRef idx="0"/>
-          <a:fillRef idx="0"/>
-          <a:effectRef idx="0"/>
-          <a:fontRef idx="minor"/>
-        </p:style>
-        <p:txBody>
-          <a:bodyPr lIns="109080" rIns="109080" tIns="64080" bIns="64080" anchor="ctr">
-            <a:noAutofit/>
-          </a:bodyPr>
-          <a:p>
-            <a:endParaRPr b="0" lang="en-US" sz="1800" strike="noStrike" u="none">
-              <a:solidFill>
-                <a:srgbClr val="000000"/>
-              </a:solidFill>
-              <a:effectLst/>
-              <a:uFillTx/>
-              <a:latin typeface="Arial"/>
-            </a:endParaRPr>
-          </a:p>
-        </p:txBody>
-      </p:sp>
-      <p:sp>
-        <p:nvSpPr>
-          <p:cNvPr id="117" name=""/>
-          <p:cNvSpPr/>
-          <p:nvPr/>
-        </p:nvSpPr>
-        <p:spPr>
-          <a:xfrm>
-            <a:off x="24976800" y="12518280"/>
-            <a:ext cx="5143680" cy="2641320"/>
-          </a:xfrm>
-          <a:prstGeom prst="roundRect">
-            <a:avLst>
-              <a:gd name="adj" fmla="val 16667"/>
-            </a:avLst>
-          </a:prstGeom>
-          <a:noFill/>
-          <a:ln w="38160">
-            <a:solidFill>
-              <a:srgbClr val="000000"/>
-            </a:solidFill>
-            <a:round/>
-          </a:ln>
-        </p:spPr>
-        <p:style>
-          <a:lnRef idx="0"/>
-          <a:fillRef idx="0"/>
-          <a:effectRef idx="0"/>
-          <a:fontRef idx="minor"/>
-        </p:style>
-        <p:txBody>
-          <a:bodyPr lIns="109080" rIns="109080" tIns="64080" bIns="64080" anchor="ctr">
-            <a:noAutofit/>
-          </a:bodyPr>
-          <a:p>
-            <a:endParaRPr b="0" lang="en-US" sz="1800" strike="noStrike" u="none">
-              <a:solidFill>
-                <a:srgbClr val="000000"/>
-              </a:solidFill>
-              <a:effectLst/>
-              <a:uFillTx/>
-              <a:latin typeface="Arial"/>
-            </a:endParaRPr>
-          </a:p>
-        </p:txBody>
-      </p:sp>
-      <p:sp>
-        <p:nvSpPr>
-          <p:cNvPr id="118" name=""/>
-          <p:cNvSpPr/>
-          <p:nvPr/>
-        </p:nvSpPr>
-        <p:spPr>
-          <a:xfrm>
-            <a:off x="27539280" y="19509480"/>
-            <a:ext cx="0" cy="685800"/>
-          </a:xfrm>
-          <a:prstGeom prst="line">
-            <a:avLst/>
-          </a:prstGeom>
-          <a:ln w="38160">
-            <a:solidFill>
-              <a:srgbClr val="3465a4"/>
-            </a:solidFill>
-            <a:round/>
-            <a:tailEnd len="med" type="triangle" w="med"/>
-          </a:ln>
-        </p:spPr>
-        <p:style>
-          <a:lnRef idx="0"/>
-          <a:fillRef idx="0"/>
-          <a:effectRef idx="0"/>
-          <a:fontRef idx="minor"/>
-        </p:style>
-        <p:txBody>
-          <a:bodyPr lIns="109080" rIns="109080" tIns="64080" bIns="64080" anchor="ctr">
-            <a:noAutofit/>
-          </a:bodyPr>
-          <a:p>
-            <a:endParaRPr b="0" lang="en-US" sz="1800" strike="noStrike" u="none">
-              <a:solidFill>
-                <a:srgbClr val="000000"/>
-              </a:solidFill>
-              <a:effectLst/>
-              <a:uFillTx/>
-              <a:latin typeface="Arial"/>
-            </a:endParaRPr>
-          </a:p>
-        </p:txBody>
-      </p:sp>
-      <p:sp>
-        <p:nvSpPr>
-          <p:cNvPr id="119" name=""/>
-          <p:cNvSpPr/>
-          <p:nvPr/>
-        </p:nvSpPr>
-        <p:spPr>
-          <a:xfrm>
-            <a:off x="26679600" y="20273400"/>
-            <a:ext cx="1708200" cy="986400"/>
-          </a:xfrm>
-          <a:prstGeom prst="roundRect">
-            <a:avLst>
-              <a:gd name="adj" fmla="val 16667"/>
-            </a:avLst>
-          </a:prstGeom>
-          <a:solidFill>
-            <a:srgbClr val="ffb66c"/>
-          </a:solidFill>
-          <a:ln w="0">
-            <a:solidFill>
-              <a:srgbClr val="3465a4"/>
-            </a:solidFill>
-          </a:ln>
-        </p:spPr>
-        <p:style>
-          <a:lnRef idx="0"/>
-          <a:fillRef idx="0"/>
-          <a:effectRef idx="0"/>
-          <a:fontRef idx="minor"/>
-        </p:style>
-        <p:txBody>
-          <a:bodyPr lIns="90000" rIns="90000" tIns="45000" bIns="45000" anchor="ctr">
-            <a:noAutofit/>
-          </a:bodyPr>
-          <a:p>
-            <a:pPr algn="ctr"/>
+                <a:ea typeface="DejaVu Sans"/>
+              </a:rPr>
+              <a:t>Monit</a:t>
+            </a:r>
             <a:r>
               <a:rPr b="0" lang="en-US" sz="3200" strike="noStrike" u="none">
                 <a:solidFill>
@@ -9017,281 +9468,17 @@
                 <a:effectLst/>
                 <a:uFillTx/>
                 <a:latin typeface="Open Sans"/>
-              </a:rPr>
-              <a:t>Linux Kernel</a:t>
-            </a:r>
-            <a:endParaRPr b="0" lang="en-US" sz="3200" strike="noStrike" u="none">
-              <a:solidFill>
-                <a:srgbClr val="000000"/>
-              </a:solidFill>
-              <a:effectLst/>
-              <a:uFillTx/>
-              <a:latin typeface="Arial"/>
-            </a:endParaRPr>
-          </a:p>
-        </p:txBody>
-      </p:sp>
-      <p:sp>
-        <p:nvSpPr>
-          <p:cNvPr id="120" name=""/>
-          <p:cNvSpPr/>
-          <p:nvPr/>
-        </p:nvSpPr>
-        <p:spPr>
-          <a:xfrm>
-            <a:off x="24519600" y="20273760"/>
-            <a:ext cx="1708200" cy="986400"/>
-          </a:xfrm>
-          <a:prstGeom prst="roundRect">
-            <a:avLst>
-              <a:gd name="adj" fmla="val 16667"/>
-            </a:avLst>
-          </a:prstGeom>
-          <a:solidFill>
-            <a:srgbClr val="afd095"/>
-          </a:solidFill>
-          <a:ln w="0">
-            <a:solidFill>
-              <a:srgbClr val="3465a4"/>
-            </a:solidFill>
-          </a:ln>
-        </p:spPr>
-        <p:style>
-          <a:lnRef idx="0"/>
-          <a:fillRef idx="0"/>
-          <a:effectRef idx="0"/>
-          <a:fontRef idx="minor"/>
-        </p:style>
-        <p:txBody>
-          <a:bodyPr lIns="90000" rIns="90000" tIns="45000" bIns="45000" anchor="ctr">
-            <a:noAutofit/>
-          </a:bodyPr>
-          <a:p>
-            <a:pPr algn="ctr"/>
-            <a:r>
-              <a:rPr b="0" lang="en-US" sz="3200" strike="noStrike" u="none">
-                <a:solidFill>
-                  <a:srgbClr val="000000"/>
-                </a:solidFill>
-                <a:effectLst/>
-                <a:uFillTx/>
-                <a:latin typeface="Open Sans"/>
-              </a:rPr>
-              <a:t>Boot-loader</a:t>
-            </a:r>
-            <a:endParaRPr b="0" lang="en-US" sz="3200" strike="noStrike" u="none">
-              <a:solidFill>
-                <a:srgbClr val="000000"/>
-              </a:solidFill>
-              <a:effectLst/>
-              <a:uFillTx/>
-              <a:latin typeface="Arial"/>
-            </a:endParaRPr>
-          </a:p>
-        </p:txBody>
-      </p:sp>
-      <p:sp>
-        <p:nvSpPr>
-          <p:cNvPr id="121" name=""/>
-          <p:cNvSpPr/>
-          <p:nvPr/>
-        </p:nvSpPr>
-        <p:spPr>
-          <a:xfrm>
-            <a:off x="28767600" y="20273760"/>
-            <a:ext cx="1708200" cy="986400"/>
-          </a:xfrm>
-          <a:prstGeom prst="roundRect">
-            <a:avLst>
-              <a:gd name="adj" fmla="val 16667"/>
-            </a:avLst>
-          </a:prstGeom>
-          <a:solidFill>
-            <a:srgbClr val="ffa6a6"/>
-          </a:solidFill>
-          <a:ln w="0">
-            <a:solidFill>
-              <a:srgbClr val="3465a4"/>
-            </a:solidFill>
-          </a:ln>
-        </p:spPr>
-        <p:style>
-          <a:lnRef idx="0"/>
-          <a:fillRef idx="0"/>
-          <a:effectRef idx="0"/>
-          <a:fontRef idx="minor"/>
-        </p:style>
-        <p:txBody>
-          <a:bodyPr lIns="90000" rIns="90000" tIns="45000" bIns="45000" anchor="ctr">
-            <a:noAutofit/>
-          </a:bodyPr>
-          <a:p>
-            <a:pPr algn="ctr"/>
-            <a:r>
-              <a:rPr b="0" lang="en-US" sz="3200" strike="noStrike" u="none">
-                <a:solidFill>
-                  <a:srgbClr val="000000"/>
-                </a:solidFill>
-                <a:effectLst/>
-                <a:uFillTx/>
-                <a:latin typeface="Open Sans"/>
-              </a:rPr>
-              <a:t>Disk Image</a:t>
-            </a:r>
-            <a:endParaRPr b="0" lang="en-US" sz="3200" strike="noStrike" u="none">
-              <a:solidFill>
-                <a:srgbClr val="000000"/>
-              </a:solidFill>
-              <a:effectLst/>
-              <a:uFillTx/>
-              <a:latin typeface="Arial"/>
-            </a:endParaRPr>
-          </a:p>
-        </p:txBody>
-      </p:sp>
-      <p:sp>
-        <p:nvSpPr>
-          <p:cNvPr id="122" name=""/>
-          <p:cNvSpPr/>
-          <p:nvPr/>
-        </p:nvSpPr>
-        <p:spPr>
-          <a:xfrm flipH="1">
-            <a:off x="25481880" y="19500120"/>
-            <a:ext cx="941400" cy="695160"/>
-          </a:xfrm>
-          <a:prstGeom prst="line">
-            <a:avLst/>
-          </a:prstGeom>
-          <a:ln w="38160">
-            <a:solidFill>
-              <a:srgbClr val="3465a4"/>
-            </a:solidFill>
-            <a:round/>
-            <a:tailEnd len="med" type="triangle" w="med"/>
-          </a:ln>
-        </p:spPr>
-        <p:style>
-          <a:lnRef idx="0"/>
-          <a:fillRef idx="0"/>
-          <a:effectRef idx="0"/>
-          <a:fontRef idx="minor"/>
-        </p:style>
-        <p:txBody>
-          <a:bodyPr lIns="109080" rIns="109080" tIns="64080" bIns="64080" anchor="ctr">
-            <a:noAutofit/>
-          </a:bodyPr>
-          <a:p>
-            <a:endParaRPr b="0" lang="en-US" sz="1800" strike="noStrike" u="none">
-              <a:solidFill>
-                <a:srgbClr val="000000"/>
-              </a:solidFill>
-              <a:effectLst/>
-              <a:uFillTx/>
-              <a:latin typeface="Arial"/>
-            </a:endParaRPr>
-          </a:p>
-        </p:txBody>
-      </p:sp>
-      <p:sp>
-        <p:nvSpPr>
-          <p:cNvPr id="123" name=""/>
-          <p:cNvSpPr/>
-          <p:nvPr/>
-        </p:nvSpPr>
-        <p:spPr>
-          <a:xfrm>
-            <a:off x="28593000" y="19490760"/>
-            <a:ext cx="889200" cy="704520"/>
-          </a:xfrm>
-          <a:prstGeom prst="line">
-            <a:avLst/>
-          </a:prstGeom>
-          <a:ln w="38160">
-            <a:solidFill>
-              <a:srgbClr val="3465a4"/>
-            </a:solidFill>
-            <a:round/>
-            <a:tailEnd len="med" type="triangle" w="med"/>
-          </a:ln>
-        </p:spPr>
-        <p:style>
-          <a:lnRef idx="0"/>
-          <a:fillRef idx="0"/>
-          <a:effectRef idx="0"/>
-          <a:fontRef idx="minor"/>
-        </p:style>
-        <p:txBody>
-          <a:bodyPr lIns="109080" rIns="109080" tIns="64080" bIns="64080" anchor="ctr">
-            <a:noAutofit/>
-          </a:bodyPr>
-          <a:p>
-            <a:endParaRPr b="0" lang="en-US" sz="1800" strike="noStrike" u="none">
-              <a:solidFill>
-                <a:srgbClr val="000000"/>
-              </a:solidFill>
-              <a:effectLst/>
-              <a:uFillTx/>
-              <a:latin typeface="Arial"/>
-            </a:endParaRPr>
-          </a:p>
-        </p:txBody>
-      </p:sp>
-      <p:sp>
-        <p:nvSpPr>
-          <p:cNvPr id="124" name=""/>
-          <p:cNvSpPr/>
-          <p:nvPr/>
-        </p:nvSpPr>
-        <p:spPr>
-          <a:xfrm>
-            <a:off x="25414200" y="17602200"/>
-            <a:ext cx="4235400" cy="1943280"/>
-          </a:xfrm>
-          <a:prstGeom prst="roundRect">
-            <a:avLst>
-              <a:gd name="adj" fmla="val 16667"/>
-            </a:avLst>
-          </a:prstGeom>
-          <a:solidFill>
-            <a:srgbClr val="729fcf"/>
-          </a:solidFill>
-          <a:ln w="0">
-            <a:solidFill>
-              <a:srgbClr val="3465a4"/>
-            </a:solidFill>
-          </a:ln>
-        </p:spPr>
-        <p:style>
-          <a:lnRef idx="0"/>
-          <a:fillRef idx="0"/>
-          <a:effectRef idx="0"/>
-          <a:fontRef idx="minor"/>
-        </p:style>
-        <p:txBody>
-          <a:bodyPr lIns="90000" rIns="90000" tIns="45000" bIns="45000" anchor="ctr">
-            <a:noAutofit/>
-          </a:bodyPr>
-          <a:p>
-            <a:pPr algn="ctr"/>
-            <a:r>
-              <a:rPr b="0" lang="en-US" sz="3200" strike="noStrike" u="none">
-                <a:solidFill>
-                  <a:srgbClr val="000000"/>
-                </a:solidFill>
-                <a:effectLst/>
-                <a:uFillTx/>
-                <a:latin typeface="Open Sans"/>
-              </a:rPr>
-              <a:t>gem5 Pre-compiled Resources</a:t>
-            </a:r>
-            <a:endParaRPr b="0" lang="en-US" sz="3200" strike="noStrike" u="none">
-              <a:solidFill>
-                <a:srgbClr val="000000"/>
-              </a:solidFill>
-              <a:effectLst/>
-              <a:uFillTx/>
-              <a:latin typeface="Open Sans"/>
+                <a:ea typeface="DejaVu Sans"/>
+              </a:rPr>
+              <a:t>or</a:t>
+            </a:r>
+            <a:endParaRPr b="0" lang="en-US" sz="3200" strike="noStrike" u="none">
+              <a:solidFill>
+                <a:srgbClr val="000000"/>
+              </a:solidFill>
+              <a:effectLst/>
+              <a:uFillTx/>
+              <a:latin typeface="Arial"/>
             </a:endParaRPr>
           </a:p>
         </p:txBody>

--- a/presentations/YARCH25.pptx
+++ b/presentations/YARCH25.pptx
@@ -41,8 +41,8 @@
         </p:nvSpPr>
         <p:spPr>
           <a:xfrm>
-            <a:off x="3291480" y="13438800"/>
-            <a:ext cx="37303920" cy="625320"/>
+            <a:off x="3291480" y="13438080"/>
+            <a:ext cx="37303200" cy="625320"/>
           </a:xfrm>
           <a:prstGeom prst="rect">
             <a:avLst/>
@@ -147,7 +147,7 @@
         <p:txBody>
           <a:bodyPr/>
           <a:p>
-            <a:fld id="{03646753-4C55-471D-86C2-C1F9B8C36724}" type="slidenum">
+            <a:fld id="{CF146BDE-8451-4F15-9C32-DA046C8E3E01}" type="slidenum">
               <a:t>&lt;#&gt;</a:t>
             </a:fld>
           </a:p>
@@ -215,8 +215,8 @@
         </p:blipFill>
         <p:spPr>
           <a:xfrm rot="16200000">
-            <a:off x="-11070000" y="16463520"/>
-            <a:ext cx="14270400" cy="3932640"/>
+            <a:off x="-11069280" y="16464240"/>
+            <a:ext cx="14269680" cy="3931920"/>
           </a:xfrm>
           <a:prstGeom prst="rect">
             <a:avLst/>
@@ -239,8 +239,8 @@
         </p:blipFill>
         <p:spPr>
           <a:xfrm rot="5400000">
-            <a:off x="40695120" y="16459200"/>
-            <a:ext cx="14270400" cy="3932640"/>
+            <a:off x="40695840" y="16459200"/>
+            <a:ext cx="14269680" cy="3931920"/>
           </a:xfrm>
           <a:prstGeom prst="rect">
             <a:avLst/>
@@ -264,7 +264,7 @@
         <p:spPr>
           <a:xfrm>
             <a:off x="6946920" y="33426360"/>
-            <a:ext cx="29993040" cy="1443600"/>
+            <a:ext cx="29992320" cy="1442880"/>
           </a:xfrm>
           <a:prstGeom prst="rect">
             <a:avLst/>
@@ -284,7 +284,7 @@
         <p:spPr>
           <a:xfrm>
             <a:off x="6946920" y="33998040"/>
-            <a:ext cx="21941280" cy="1265760"/>
+            <a:ext cx="21940560" cy="1265040"/>
           </a:xfrm>
           <a:prstGeom prst="rect">
             <a:avLst/>
@@ -345,8 +345,8 @@
         </p:nvSpPr>
         <p:spPr>
           <a:xfrm>
-            <a:off x="3291480" y="13614120"/>
-            <a:ext cx="37303920" cy="274680"/>
+            <a:off x="3291480" y="13613400"/>
+            <a:ext cx="37303200" cy="274680"/>
           </a:xfrm>
           <a:prstGeom prst="rect">
             <a:avLst/>
@@ -399,7 +399,7 @@
         <p:spPr>
           <a:xfrm>
             <a:off x="14994360" y="29977560"/>
-            <a:ext cx="13897800" cy="2281680"/>
+            <a:ext cx="13897080" cy="2280960"/>
           </a:xfrm>
           <a:prstGeom prst="rect">
             <a:avLst/>
@@ -477,7 +477,7 @@
         <p:spPr>
           <a:xfrm>
             <a:off x="31453560" y="29977560"/>
-            <a:ext cx="10240200" cy="2281680"/>
+            <a:ext cx="10239480" cy="2280960"/>
           </a:xfrm>
           <a:prstGeom prst="rect">
             <a:avLst/>
@@ -521,7 +521,7 @@
                 <a:tab algn="l" pos="0"/>
               </a:tabLst>
             </a:pPr>
-            <a:fld id="{F6404DA0-40E4-412B-A834-320C0346F11C}" type="slidenum">
+            <a:fld id="{89DB07E2-CB40-4713-8957-BE40F511A5A9}" type="slidenum">
               <a:rPr b="0" lang="en-US" sz="5030" strike="noStrike" u="none">
                 <a:solidFill>
                   <a:schemeClr val="dk1"/>
@@ -557,7 +557,7 @@
         <p:spPr>
           <a:xfrm>
             <a:off x="2192760" y="29977560"/>
-            <a:ext cx="10240200" cy="2281680"/>
+            <a:ext cx="10239480" cy="2280960"/>
           </a:xfrm>
           <a:prstGeom prst="rect">
             <a:avLst/>
@@ -897,8 +897,8 @@
         </p:nvSpPr>
         <p:spPr>
           <a:xfrm>
-            <a:off x="33147000" y="26517600"/>
-            <a:ext cx="10121760" cy="5017680"/>
+            <a:off x="33147000" y="24688800"/>
+            <a:ext cx="10121040" cy="6845760"/>
           </a:xfrm>
           <a:prstGeom prst="rect">
             <a:avLst/>
@@ -990,10 +990,25 @@
                 <a:latin typeface="Open Sans"/>
                 <a:ea typeface="Open Sans"/>
               </a:rPr>
-              <a:t>[2] Zach Moolman and Tamara Silbergleit Lehman, Extending RISC-V Keystone to Include Efficient Secure Memory, In: </a:t>
-            </a:r>
-            <a:r>
-              <a:rPr b="0" i="1" lang="en-US" sz="3200" strike="noStrike" u="none">
+              <a:t>[2] Jason Lowe-Power, Abdul Mutaal Ahmad, Ayaz Akram, Mohammad Alian, and et. Al, The gem5 Simulator: Version 20.0+, </a:t>
+            </a:r>
+            <a:endParaRPr b="0" lang="en-US" sz="3200" strike="noStrike" u="none">
+              <a:solidFill>
+                <a:srgbClr val="000000"/>
+              </a:solidFill>
+              <a:effectLst/>
+              <a:uFillTx/>
+              <a:latin typeface="Arial"/>
+            </a:endParaRPr>
+          </a:p>
+          <a:p>
+            <a:pPr algn="just">
+              <a:lnSpc>
+                <a:spcPct val="110000"/>
+              </a:lnSpc>
+            </a:pPr>
+            <a:r>
+              <a:rPr b="0" lang="en-US" sz="3200" strike="noStrike" u="none">
                 <a:solidFill>
                   <a:schemeClr val="dk1"/>
                 </a:solidFill>
@@ -1002,6 +1017,18 @@
                 <a:latin typeface="Open Sans"/>
                 <a:ea typeface="Open Sans"/>
               </a:rPr>
+              <a:t>[3] Zach Moolman and Tamara Silbergleit Lehman, Extending RISC-V Keystone to Include Efficient Secure Memory, In: </a:t>
+            </a:r>
+            <a:r>
+              <a:rPr b="0" i="1" lang="en-US" sz="3200" strike="noStrike" u="none">
+                <a:solidFill>
+                  <a:schemeClr val="dk1"/>
+                </a:solidFill>
+                <a:effectLst/>
+                <a:uFillTx/>
+                <a:latin typeface="Open Sans"/>
+                <a:ea typeface="Open Sans"/>
+              </a:rPr>
               <a:t>Eighth Workshop on Computer Architecture Research with RISC-V (CARRV 2024)</a:t>
             </a:r>
             <a:endParaRPr b="0" lang="en-US" sz="3200" strike="noStrike" u="none">
@@ -1024,7 +1051,7 @@
         <p:spPr>
           <a:xfrm>
             <a:off x="22174200" y="5558400"/>
-            <a:ext cx="10512720" cy="25985520"/>
+            <a:ext cx="10512000" cy="25984800"/>
           </a:xfrm>
           <a:prstGeom prst="rect">
             <a:avLst/>
@@ -1076,7 +1103,7 @@
         <p:spPr>
           <a:xfrm>
             <a:off x="33147000" y="6413400"/>
-            <a:ext cx="10121040" cy="19245240"/>
+            <a:ext cx="10120320" cy="17445600"/>
           </a:xfrm>
           <a:prstGeom prst="rect">
             <a:avLst/>
@@ -1142,7 +1169,7 @@
         <p:spPr>
           <a:xfrm>
             <a:off x="11201400" y="5558400"/>
-            <a:ext cx="10512720" cy="25985520"/>
+            <a:ext cx="10512000" cy="25984800"/>
           </a:xfrm>
           <a:prstGeom prst="rect">
             <a:avLst/>
@@ -1194,7 +1221,7 @@
         <p:spPr>
           <a:xfrm>
             <a:off x="577800" y="5558400"/>
-            <a:ext cx="10163520" cy="11527200"/>
+            <a:ext cx="10162800" cy="11526480"/>
           </a:xfrm>
           <a:prstGeom prst="rect">
             <a:avLst/>
@@ -1245,8 +1272,8 @@
         </p:nvSpPr>
         <p:spPr>
           <a:xfrm>
-            <a:off x="0" y="3240"/>
-            <a:ext cx="43886880" cy="5250600"/>
+            <a:off x="4680" y="0"/>
+            <a:ext cx="43886160" cy="5249880"/>
           </a:xfrm>
           <a:prstGeom prst="rect">
             <a:avLst/>
@@ -1295,7 +1322,7 @@
         <p:spPr>
           <a:xfrm>
             <a:off x="585360" y="6522480"/>
-            <a:ext cx="10203120" cy="10542240"/>
+            <a:ext cx="10202400" cy="10542240"/>
           </a:xfrm>
           <a:prstGeom prst="rect">
             <a:avLst/>
@@ -1595,8 +1622,8 @@
         </p:nvSpPr>
         <p:spPr>
           <a:xfrm>
-            <a:off x="7543800" y="410400"/>
-            <a:ext cx="28799640" cy="2933280"/>
+            <a:off x="7543800" y="50400"/>
+            <a:ext cx="28798920" cy="2932560"/>
           </a:xfrm>
           <a:prstGeom prst="rect">
             <a:avLst/>
@@ -1659,8 +1686,8 @@
         </p:nvSpPr>
         <p:spPr>
           <a:xfrm>
-            <a:off x="3657600" y="3395880"/>
-            <a:ext cx="36571680" cy="2458440"/>
+            <a:off x="3365280" y="2665440"/>
+            <a:ext cx="39176640" cy="1706760"/>
           </a:xfrm>
           <a:prstGeom prst="rect">
             <a:avLst/>
@@ -1681,7 +1708,7 @@
             <a:spAutoFit/>
           </a:bodyPr>
           <a:p>
-            <a:pPr algn="ctr" defTabSz="3760920">
+            <a:pPr defTabSz="3760920">
               <a:lnSpc>
                 <a:spcPct val="100000"/>
               </a:lnSpc>
@@ -1702,7 +1729,7 @@
                 <a:latin typeface="Open Sans"/>
                 <a:ea typeface="Open Sans"/>
               </a:rPr>
-              <a:t>Will Buziak</a:t>
+              <a:t>    Will Buziak</a:t>
             </a:r>
             <a:r>
               <a:rPr b="0" lang="en-US" sz="5600" strike="noStrike" u="none">
@@ -1726,7 +1753,7 @@
                 <a:latin typeface="Open Sans"/>
                 <a:ea typeface="Open Sans"/>
               </a:rPr>
-              <a:t>	</a:t>
+              <a:t>                     Iris Bahar                          Tamara Silbergleit Lehman</a:t>
             </a:r>
             <a:r>
               <a:rPr b="0" lang="en-US" sz="5600" strike="noStrike" u="none">
@@ -1750,7 +1777,7 @@
                 <a:latin typeface="Open Sans"/>
                 <a:ea typeface="Open Sans"/>
               </a:rPr>
-              <a:t>Iris Bahar</a:t>
+              <a:t>           Zach Moolman       </a:t>
             </a:r>
             <a:endParaRPr b="0" lang="en-US" sz="5600" strike="noStrike" u="none">
               <a:solidFill>
@@ -1773,39 +1800,6 @@
                 <a:tab algn="l" pos="0"/>
               </a:tabLst>
             </a:pPr>
-            <a:r>
-              <a:rPr b="0" lang="en-US" sz="4000" strike="noStrike" u="none">
-                <a:solidFill>
-                  <a:srgbClr val="ffffff"/>
-                </a:solidFill>
-                <a:effectLst/>
-                <a:uFillTx/>
-                <a:latin typeface="Open Sans"/>
-                <a:ea typeface="Open Sans"/>
-              </a:rPr>
-              <a:t>  Department of Computer Science                      Department of Computer Science</a:t>
-            </a:r>
-            <a:endParaRPr b="0" lang="en-US" sz="4000" strike="noStrike" u="none">
-              <a:solidFill>
-                <a:srgbClr val="000000"/>
-              </a:solidFill>
-              <a:effectLst/>
-              <a:uFillTx/>
-              <a:latin typeface="Arial"/>
-            </a:endParaRPr>
-          </a:p>
-          <a:p>
-            <a:pPr algn="ctr" defTabSz="3760920">
-              <a:lnSpc>
-                <a:spcPct val="100000"/>
-              </a:lnSpc>
-              <a:spcBef>
-                <a:spcPts val="1120"/>
-              </a:spcBef>
-              <a:tabLst>
-                <a:tab algn="l" pos="0"/>
-              </a:tabLst>
-            </a:pPr>
             <a:endParaRPr b="0" lang="en-US" sz="5600" strike="noStrike" u="none">
               <a:solidFill>
                 <a:srgbClr val="000000"/>
@@ -1826,7 +1820,7 @@
         <p:spPr>
           <a:xfrm>
             <a:off x="11633040" y="6450480"/>
-            <a:ext cx="9596880" cy="21581640"/>
+            <a:ext cx="9596160" cy="21545640"/>
           </a:xfrm>
           <a:prstGeom prst="rect">
             <a:avLst/>
@@ -1862,220 +1856,10 @@
                 <a:latin typeface="Open Sans"/>
                 <a:ea typeface="Open Sans"/>
               </a:rPr>
-              <a:t>Many TEE implementations exist, but Keystone is a popular, open-source version with many pre-existing simulator components.</a:t>
-            </a:r>
-            <a:endParaRPr b="0" lang="en-US" sz="3200" strike="noStrike" u="none">
-              <a:solidFill>
-                <a:srgbClr val="000000"/>
-              </a:solidFill>
-              <a:effectLst/>
-              <a:uFillTx/>
-              <a:latin typeface="Arial"/>
-            </a:endParaRPr>
-          </a:p>
-          <a:p>
-            <a:pPr algn="just">
-              <a:lnSpc>
-                <a:spcPct val="110000"/>
-              </a:lnSpc>
-            </a:pPr>
-            <a:endParaRPr b="0" lang="en-US" sz="3200" strike="noStrike" u="none">
-              <a:solidFill>
-                <a:srgbClr val="000000"/>
-              </a:solidFill>
-              <a:effectLst/>
-              <a:uFillTx/>
-              <a:latin typeface="Arial"/>
-            </a:endParaRPr>
-          </a:p>
-          <a:p>
-            <a:pPr algn="just">
-              <a:lnSpc>
-                <a:spcPct val="110000"/>
-              </a:lnSpc>
-            </a:pPr>
-            <a:endParaRPr b="0" lang="en-US" sz="3200" strike="noStrike" u="none">
-              <a:solidFill>
-                <a:srgbClr val="000000"/>
-              </a:solidFill>
-              <a:effectLst/>
-              <a:uFillTx/>
-              <a:latin typeface="Arial"/>
-            </a:endParaRPr>
-          </a:p>
-          <a:p>
-            <a:pPr algn="just">
-              <a:lnSpc>
-                <a:spcPct val="110000"/>
-              </a:lnSpc>
-            </a:pPr>
-            <a:endParaRPr b="0" lang="en-US" sz="3200" strike="noStrike" u="none">
-              <a:solidFill>
-                <a:srgbClr val="000000"/>
-              </a:solidFill>
-              <a:effectLst/>
-              <a:uFillTx/>
-              <a:latin typeface="Arial"/>
-            </a:endParaRPr>
-          </a:p>
-          <a:p>
-            <a:pPr algn="just">
-              <a:lnSpc>
-                <a:spcPct val="110000"/>
-              </a:lnSpc>
-            </a:pPr>
-            <a:endParaRPr b="0" lang="en-US" sz="3200" strike="noStrike" u="none">
-              <a:solidFill>
-                <a:srgbClr val="000000"/>
-              </a:solidFill>
-              <a:effectLst/>
-              <a:uFillTx/>
-              <a:latin typeface="Arial"/>
-            </a:endParaRPr>
-          </a:p>
-          <a:p>
-            <a:pPr algn="just">
-              <a:lnSpc>
-                <a:spcPct val="110000"/>
-              </a:lnSpc>
-            </a:pPr>
-            <a:endParaRPr b="0" lang="en-US" sz="3200" strike="noStrike" u="none">
-              <a:solidFill>
-                <a:srgbClr val="000000"/>
-              </a:solidFill>
-              <a:effectLst/>
-              <a:uFillTx/>
-              <a:latin typeface="Arial"/>
-            </a:endParaRPr>
-          </a:p>
-          <a:p>
-            <a:pPr algn="just">
-              <a:lnSpc>
-                <a:spcPct val="110000"/>
-              </a:lnSpc>
-            </a:pPr>
-            <a:endParaRPr b="0" lang="en-US" sz="3200" strike="noStrike" u="none">
-              <a:solidFill>
-                <a:srgbClr val="000000"/>
-              </a:solidFill>
-              <a:effectLst/>
-              <a:uFillTx/>
-              <a:latin typeface="Arial"/>
-            </a:endParaRPr>
-          </a:p>
-          <a:p>
-            <a:pPr algn="just">
-              <a:lnSpc>
-                <a:spcPct val="110000"/>
-              </a:lnSpc>
-            </a:pPr>
-            <a:endParaRPr b="0" lang="en-US" sz="3200" strike="noStrike" u="none">
-              <a:solidFill>
-                <a:srgbClr val="000000"/>
-              </a:solidFill>
-              <a:effectLst/>
-              <a:uFillTx/>
-              <a:latin typeface="Arial"/>
-            </a:endParaRPr>
-          </a:p>
-          <a:p>
-            <a:pPr algn="just">
-              <a:lnSpc>
-                <a:spcPct val="110000"/>
-              </a:lnSpc>
-            </a:pPr>
-            <a:endParaRPr b="0" lang="en-US" sz="3200" strike="noStrike" u="none">
-              <a:solidFill>
-                <a:srgbClr val="000000"/>
-              </a:solidFill>
-              <a:effectLst/>
-              <a:uFillTx/>
-              <a:latin typeface="Arial"/>
-            </a:endParaRPr>
-          </a:p>
-          <a:p>
-            <a:pPr algn="just">
-              <a:lnSpc>
-                <a:spcPct val="110000"/>
-              </a:lnSpc>
-            </a:pPr>
-            <a:endParaRPr b="0" lang="en-US" sz="3200" strike="noStrike" u="none">
-              <a:solidFill>
-                <a:srgbClr val="000000"/>
-              </a:solidFill>
-              <a:effectLst/>
-              <a:uFillTx/>
-              <a:latin typeface="Arial"/>
-            </a:endParaRPr>
-          </a:p>
-          <a:p>
-            <a:pPr algn="just">
-              <a:lnSpc>
-                <a:spcPct val="110000"/>
-              </a:lnSpc>
-            </a:pPr>
-            <a:endParaRPr b="0" lang="en-US" sz="3200" strike="noStrike" u="none">
-              <a:solidFill>
-                <a:srgbClr val="000000"/>
-              </a:solidFill>
-              <a:effectLst/>
-              <a:uFillTx/>
-              <a:latin typeface="Arial"/>
-            </a:endParaRPr>
-          </a:p>
-          <a:p>
-            <a:pPr algn="just">
-              <a:lnSpc>
-                <a:spcPct val="110000"/>
-              </a:lnSpc>
-            </a:pPr>
-            <a:endParaRPr b="0" lang="en-US" sz="3200" strike="noStrike" u="none">
-              <a:solidFill>
-                <a:srgbClr val="000000"/>
-              </a:solidFill>
-              <a:effectLst/>
-              <a:uFillTx/>
-              <a:latin typeface="Arial"/>
-            </a:endParaRPr>
-          </a:p>
-          <a:p>
-            <a:pPr algn="just">
-              <a:lnSpc>
-                <a:spcPct val="110000"/>
-              </a:lnSpc>
-            </a:pPr>
-            <a:endParaRPr b="0" lang="en-US" sz="3200" strike="noStrike" u="none">
-              <a:solidFill>
-                <a:srgbClr val="000000"/>
-              </a:solidFill>
-              <a:effectLst/>
-              <a:uFillTx/>
-              <a:latin typeface="Arial"/>
-            </a:endParaRPr>
-          </a:p>
-          <a:p>
-            <a:pPr algn="just">
-              <a:lnSpc>
-                <a:spcPct val="110000"/>
-              </a:lnSpc>
-            </a:pPr>
-            <a:endParaRPr b="0" lang="en-US" sz="3200" strike="noStrike" u="none">
-              <a:solidFill>
-                <a:srgbClr val="000000"/>
-              </a:solidFill>
-              <a:effectLst/>
-              <a:uFillTx/>
-              <a:latin typeface="Arial"/>
-            </a:endParaRPr>
-          </a:p>
-          <a:p>
-            <a:pPr algn="just">
-              <a:lnSpc>
-                <a:spcPct val="110000"/>
-              </a:lnSpc>
-            </a:pPr>
-            <a:r>
-              <a:rPr b="0" lang="en-US" sz="3200" strike="noStrike" u="none">
+              <a:t>Many TEE implementations exist, but Keystone </a:t>
+            </a:r>
+            <a:r>
+              <a:rPr b="0" lang="en-US" sz="2400" strike="noStrike" u="none">
                 <a:solidFill>
                   <a:schemeClr val="dk1"/>
                 </a:solidFill>
@@ -2084,6 +1868,225 @@
                 <a:latin typeface="Open Sans"/>
                 <a:ea typeface="Open Sans"/>
               </a:rPr>
+              <a:t>[1]</a:t>
+            </a:r>
+            <a:r>
+              <a:rPr b="0" lang="en-US" sz="3200" strike="noStrike" u="none">
+                <a:solidFill>
+                  <a:schemeClr val="dk1"/>
+                </a:solidFill>
+                <a:effectLst/>
+                <a:uFillTx/>
+                <a:latin typeface="Open Sans"/>
+                <a:ea typeface="Open Sans"/>
+              </a:rPr>
+              <a:t> is a popular, open-source version with many pre-existing simulator components.</a:t>
+            </a:r>
+            <a:endParaRPr b="0" lang="en-US" sz="3200" strike="noStrike" u="none">
+              <a:solidFill>
+                <a:srgbClr val="000000"/>
+              </a:solidFill>
+              <a:effectLst/>
+              <a:uFillTx/>
+              <a:latin typeface="Arial"/>
+            </a:endParaRPr>
+          </a:p>
+          <a:p>
+            <a:pPr algn="just">
+              <a:lnSpc>
+                <a:spcPct val="110000"/>
+              </a:lnSpc>
+            </a:pPr>
+            <a:endParaRPr b="0" lang="en-US" sz="3200" strike="noStrike" u="none">
+              <a:solidFill>
+                <a:srgbClr val="000000"/>
+              </a:solidFill>
+              <a:effectLst/>
+              <a:uFillTx/>
+              <a:latin typeface="Arial"/>
+            </a:endParaRPr>
+          </a:p>
+          <a:p>
+            <a:pPr algn="just">
+              <a:lnSpc>
+                <a:spcPct val="110000"/>
+              </a:lnSpc>
+            </a:pPr>
+            <a:endParaRPr b="0" lang="en-US" sz="3200" strike="noStrike" u="none">
+              <a:solidFill>
+                <a:srgbClr val="000000"/>
+              </a:solidFill>
+              <a:effectLst/>
+              <a:uFillTx/>
+              <a:latin typeface="Arial"/>
+            </a:endParaRPr>
+          </a:p>
+          <a:p>
+            <a:pPr algn="just">
+              <a:lnSpc>
+                <a:spcPct val="110000"/>
+              </a:lnSpc>
+            </a:pPr>
+            <a:endParaRPr b="0" lang="en-US" sz="3200" strike="noStrike" u="none">
+              <a:solidFill>
+                <a:srgbClr val="000000"/>
+              </a:solidFill>
+              <a:effectLst/>
+              <a:uFillTx/>
+              <a:latin typeface="Arial"/>
+            </a:endParaRPr>
+          </a:p>
+          <a:p>
+            <a:pPr algn="just">
+              <a:lnSpc>
+                <a:spcPct val="110000"/>
+              </a:lnSpc>
+            </a:pPr>
+            <a:endParaRPr b="0" lang="en-US" sz="3200" strike="noStrike" u="none">
+              <a:solidFill>
+                <a:srgbClr val="000000"/>
+              </a:solidFill>
+              <a:effectLst/>
+              <a:uFillTx/>
+              <a:latin typeface="Arial"/>
+            </a:endParaRPr>
+          </a:p>
+          <a:p>
+            <a:pPr algn="just">
+              <a:lnSpc>
+                <a:spcPct val="110000"/>
+              </a:lnSpc>
+            </a:pPr>
+            <a:endParaRPr b="0" lang="en-US" sz="3200" strike="noStrike" u="none">
+              <a:solidFill>
+                <a:srgbClr val="000000"/>
+              </a:solidFill>
+              <a:effectLst/>
+              <a:uFillTx/>
+              <a:latin typeface="Arial"/>
+            </a:endParaRPr>
+          </a:p>
+          <a:p>
+            <a:pPr algn="just">
+              <a:lnSpc>
+                <a:spcPct val="110000"/>
+              </a:lnSpc>
+            </a:pPr>
+            <a:endParaRPr b="0" lang="en-US" sz="3200" strike="noStrike" u="none">
+              <a:solidFill>
+                <a:srgbClr val="000000"/>
+              </a:solidFill>
+              <a:effectLst/>
+              <a:uFillTx/>
+              <a:latin typeface="Arial"/>
+            </a:endParaRPr>
+          </a:p>
+          <a:p>
+            <a:pPr algn="just">
+              <a:lnSpc>
+                <a:spcPct val="110000"/>
+              </a:lnSpc>
+            </a:pPr>
+            <a:endParaRPr b="0" lang="en-US" sz="3200" strike="noStrike" u="none">
+              <a:solidFill>
+                <a:srgbClr val="000000"/>
+              </a:solidFill>
+              <a:effectLst/>
+              <a:uFillTx/>
+              <a:latin typeface="Arial"/>
+            </a:endParaRPr>
+          </a:p>
+          <a:p>
+            <a:pPr algn="just">
+              <a:lnSpc>
+                <a:spcPct val="110000"/>
+              </a:lnSpc>
+            </a:pPr>
+            <a:endParaRPr b="0" lang="en-US" sz="3200" strike="noStrike" u="none">
+              <a:solidFill>
+                <a:srgbClr val="000000"/>
+              </a:solidFill>
+              <a:effectLst/>
+              <a:uFillTx/>
+              <a:latin typeface="Arial"/>
+            </a:endParaRPr>
+          </a:p>
+          <a:p>
+            <a:pPr algn="just">
+              <a:lnSpc>
+                <a:spcPct val="110000"/>
+              </a:lnSpc>
+            </a:pPr>
+            <a:endParaRPr b="0" lang="en-US" sz="3200" strike="noStrike" u="none">
+              <a:solidFill>
+                <a:srgbClr val="000000"/>
+              </a:solidFill>
+              <a:effectLst/>
+              <a:uFillTx/>
+              <a:latin typeface="Arial"/>
+            </a:endParaRPr>
+          </a:p>
+          <a:p>
+            <a:pPr algn="just">
+              <a:lnSpc>
+                <a:spcPct val="110000"/>
+              </a:lnSpc>
+            </a:pPr>
+            <a:endParaRPr b="0" lang="en-US" sz="3200" strike="noStrike" u="none">
+              <a:solidFill>
+                <a:srgbClr val="000000"/>
+              </a:solidFill>
+              <a:effectLst/>
+              <a:uFillTx/>
+              <a:latin typeface="Arial"/>
+            </a:endParaRPr>
+          </a:p>
+          <a:p>
+            <a:pPr algn="just">
+              <a:lnSpc>
+                <a:spcPct val="110000"/>
+              </a:lnSpc>
+            </a:pPr>
+            <a:endParaRPr b="0" lang="en-US" sz="3200" strike="noStrike" u="none">
+              <a:solidFill>
+                <a:srgbClr val="000000"/>
+              </a:solidFill>
+              <a:effectLst/>
+              <a:uFillTx/>
+              <a:latin typeface="Arial"/>
+            </a:endParaRPr>
+          </a:p>
+          <a:p>
+            <a:pPr algn="just">
+              <a:lnSpc>
+                <a:spcPct val="110000"/>
+              </a:lnSpc>
+            </a:pPr>
+            <a:endParaRPr b="0" lang="en-US" sz="3200" strike="noStrike" u="none">
+              <a:solidFill>
+                <a:srgbClr val="000000"/>
+              </a:solidFill>
+              <a:effectLst/>
+              <a:uFillTx/>
+              <a:latin typeface="Arial"/>
+            </a:endParaRPr>
+          </a:p>
+          <a:p>
+            <a:pPr algn="just">
+              <a:lnSpc>
+                <a:spcPct val="110000"/>
+              </a:lnSpc>
+            </a:pPr>
+            <a:r>
+              <a:rPr b="0" lang="en-US" sz="3200" strike="noStrike" u="none">
+                <a:solidFill>
+                  <a:schemeClr val="dk1"/>
+                </a:solidFill>
+                <a:effectLst/>
+                <a:uFillTx/>
+                <a:latin typeface="Open Sans"/>
+                <a:ea typeface="Open Sans"/>
+              </a:rPr>
               <a:t>Keystone provides security through memory isolation, utilizing customized RISC-V hardware primitives.</a:t>
             </a:r>
             <a:endParaRPr b="0" lang="en-US" sz="3200" strike="noStrike" u="none">
@@ -2365,6 +2368,88 @@
               <a:latin typeface="Arial"/>
             </a:endParaRPr>
           </a:p>
+          <a:p>
+            <a:pPr algn="just">
+              <a:lnSpc>
+                <a:spcPct val="110000"/>
+              </a:lnSpc>
+            </a:pPr>
+            <a:r>
+              <a:rPr b="0" lang="en-US" sz="3200" strike="noStrike" u="none">
+                <a:solidFill>
+                  <a:schemeClr val="dk1"/>
+                </a:solidFill>
+                <a:effectLst/>
+                <a:uFillTx/>
+                <a:latin typeface="Open Sans"/>
+                <a:ea typeface="Open Sans"/>
+              </a:rPr>
+              <a:t>For Researchers to continue developing secure hardware </a:t>
+            </a:r>
+            <a:r>
+              <a:rPr b="0" lang="en-US" sz="2400" strike="noStrike" u="none">
+                <a:solidFill>
+                  <a:schemeClr val="dk1"/>
+                </a:solidFill>
+                <a:effectLst/>
+                <a:uFillTx/>
+                <a:latin typeface="Open Sans"/>
+                <a:ea typeface="Open Sans"/>
+              </a:rPr>
+              <a:t>[3]</a:t>
+            </a:r>
+            <a:r>
+              <a:rPr b="0" lang="en-US" sz="3200" strike="noStrike" u="none">
+                <a:solidFill>
+                  <a:schemeClr val="dk1"/>
+                </a:solidFill>
+                <a:effectLst/>
+                <a:uFillTx/>
+                <a:latin typeface="Open Sans"/>
+                <a:ea typeface="Open Sans"/>
+              </a:rPr>
+              <a:t> using Keystone components, contributions must then implement hardware designs and corrresponding ISA extensions.</a:t>
+            </a:r>
+            <a:endParaRPr b="0" lang="en-US" sz="3200" strike="noStrike" u="none">
+              <a:solidFill>
+                <a:srgbClr val="000000"/>
+              </a:solidFill>
+              <a:effectLst/>
+              <a:uFillTx/>
+              <a:latin typeface="Arial"/>
+            </a:endParaRPr>
+          </a:p>
+        </p:txBody>
+      </p:sp>
+      <p:sp>
+        <p:nvSpPr>
+          <p:cNvPr id="21" name="TextBox 19"/>
+          <p:cNvSpPr/>
+          <p:nvPr/>
+        </p:nvSpPr>
+        <p:spPr>
+          <a:xfrm>
+            <a:off x="22656960" y="6414480"/>
+            <a:ext cx="9596160" cy="17225640"/>
+          </a:xfrm>
+          <a:prstGeom prst="rect">
+            <a:avLst/>
+          </a:prstGeom>
+          <a:noFill/>
+          <a:ln w="0">
+            <a:noFill/>
+          </a:ln>
+        </p:spPr>
+        <p:style>
+          <a:lnRef idx="0"/>
+          <a:fillRef idx="0"/>
+          <a:effectRef idx="0"/>
+          <a:fontRef idx="minor"/>
+        </p:style>
+        <p:txBody>
+          <a:bodyPr lIns="90000" rIns="90000" tIns="45000" bIns="45000" anchor="t">
+            <a:spAutoFit/>
+          </a:bodyPr>
           <a:p>
             <a:pPr algn="just">
               <a:lnSpc>
@@ -2387,48 +2472,41 @@
                 <a:latin typeface="Open Sans"/>
                 <a:ea typeface="Open Sans"/>
               </a:rPr>
-              <a:t>Developers wishing to contribute to Keystone components must then implement hardware designs and corrresponding ISA extensions.</a:t>
-            </a:r>
-            <a:endParaRPr b="0" lang="en-US" sz="3200" strike="noStrike" u="none">
-              <a:solidFill>
-                <a:srgbClr val="000000"/>
-              </a:solidFill>
-              <a:effectLst/>
-              <a:uFillTx/>
-              <a:latin typeface="Arial"/>
-            </a:endParaRPr>
-          </a:p>
-        </p:txBody>
-      </p:sp>
-      <p:sp>
-        <p:nvSpPr>
-          <p:cNvPr id="21" name="TextBox 19"/>
-          <p:cNvSpPr/>
-          <p:nvPr/>
-        </p:nvSpPr>
-        <p:spPr>
-          <a:xfrm>
-            <a:off x="22656960" y="6414480"/>
-            <a:ext cx="9596880" cy="17225640"/>
-          </a:xfrm>
-          <a:prstGeom prst="rect">
-            <a:avLst/>
-          </a:prstGeom>
-          <a:noFill/>
-          <a:ln w="0">
-            <a:noFill/>
-          </a:ln>
-        </p:spPr>
-        <p:style>
-          <a:lnRef idx="0"/>
-          <a:fillRef idx="0"/>
-          <a:effectRef idx="0"/>
-          <a:fontRef idx="minor"/>
-        </p:style>
-        <p:txBody>
-          <a:bodyPr lIns="90000" rIns="90000" tIns="45000" bIns="45000" anchor="t">
-            <a:spAutoFit/>
-          </a:bodyPr>
+              <a:t>Gem5</a:t>
+            </a:r>
+            <a:r>
+              <a:rPr b="0" lang="en-US" sz="2400" strike="noStrike" u="none">
+                <a:solidFill>
+                  <a:schemeClr val="dk1"/>
+                </a:solidFill>
+                <a:effectLst/>
+                <a:uFillTx/>
+                <a:latin typeface="Open Sans"/>
+                <a:ea typeface="Open Sans"/>
+              </a:rPr>
+              <a:t> [2] </a:t>
+            </a:r>
+            <a:r>
+              <a:rPr b="0" lang="en-US" sz="3200" strike="noStrike" u="none">
+                <a:solidFill>
+                  <a:schemeClr val="dk1"/>
+                </a:solidFill>
+                <a:effectLst/>
+                <a:uFillTx/>
+                <a:latin typeface="Open Sans"/>
+                <a:ea typeface="Open Sans"/>
+              </a:rPr>
+              <a:t>presents architectural design from the bottom-up with ISA protocols, hardware descriptions and user-space benchmarking, enabling full-stack development.</a:t>
+            </a:r>
+            <a:endParaRPr b="0" lang="en-US" sz="3200" strike="noStrike" u="none">
+              <a:solidFill>
+                <a:srgbClr val="000000"/>
+              </a:solidFill>
+              <a:effectLst/>
+              <a:uFillTx/>
+              <a:latin typeface="Arial"/>
+            </a:endParaRPr>
+          </a:p>
           <a:p>
             <a:pPr algn="just">
               <a:lnSpc>
@@ -2441,18 +2519,6 @@
                 <a:spcPts val="283"/>
               </a:spcAft>
             </a:pPr>
-            <a:r>
-              <a:rPr b="0" lang="en-US" sz="3200" strike="noStrike" u="none">
-                <a:solidFill>
-                  <a:schemeClr val="dk1"/>
-                </a:solidFill>
-                <a:effectLst/>
-                <a:uFillTx/>
-                <a:latin typeface="Open Sans"/>
-                <a:ea typeface="Open Sans"/>
-              </a:rPr>
-              <a:t>gem5 presents architectural design from the bottom-up with ISA protocols, hardware descriptions and user-space benchmarking, enabling full-stack development.</a:t>
-            </a:r>
             <a:endParaRPr b="0" lang="en-US" sz="3200" strike="noStrike" u="none">
               <a:solidFill>
                 <a:srgbClr val="000000"/>
@@ -2705,6 +2771,18 @@
                 <a:spcPts val="283"/>
               </a:spcAft>
             </a:pPr>
+            <a:r>
+              <a:rPr b="0" lang="en-US" sz="3200" strike="noStrike" u="none">
+                <a:solidFill>
+                  <a:schemeClr val="dk1"/>
+                </a:solidFill>
+                <a:effectLst/>
+                <a:uFillTx/>
+                <a:latin typeface="Open Sans"/>
+                <a:ea typeface="Open Sans"/>
+              </a:rPr>
+              <a:t>In order to build Keystone in gem5, the developer must also make use of full-system resources.</a:t>
+            </a:r>
             <a:endParaRPr b="0" lang="en-US" sz="3200" strike="noStrike" u="none">
               <a:solidFill>
                 <a:srgbClr val="000000"/>
@@ -2726,6 +2804,141 @@
                 <a:spcPts val="283"/>
               </a:spcAft>
             </a:pPr>
+            <a:endParaRPr b="0" lang="en-US" sz="3200" strike="noStrike" u="none">
+              <a:solidFill>
+                <a:srgbClr val="000000"/>
+              </a:solidFill>
+              <a:effectLst/>
+              <a:uFillTx/>
+              <a:latin typeface="Arial"/>
+            </a:endParaRPr>
+          </a:p>
+          <a:p>
+            <a:pPr algn="just">
+              <a:lnSpc>
+                <a:spcPct val="110000"/>
+              </a:lnSpc>
+            </a:pPr>
+            <a:endParaRPr b="0" lang="en-US" sz="3200" strike="noStrike" u="none">
+              <a:solidFill>
+                <a:srgbClr val="000000"/>
+              </a:solidFill>
+              <a:effectLst/>
+              <a:uFillTx/>
+              <a:latin typeface="Arial"/>
+            </a:endParaRPr>
+          </a:p>
+          <a:p>
+            <a:pPr algn="just">
+              <a:lnSpc>
+                <a:spcPct val="110000"/>
+              </a:lnSpc>
+            </a:pPr>
+            <a:endParaRPr b="0" lang="en-US" sz="3200" strike="noStrike" u="none">
+              <a:solidFill>
+                <a:srgbClr val="000000"/>
+              </a:solidFill>
+              <a:effectLst/>
+              <a:uFillTx/>
+              <a:latin typeface="Arial"/>
+            </a:endParaRPr>
+          </a:p>
+          <a:p>
+            <a:pPr algn="just">
+              <a:lnSpc>
+                <a:spcPct val="110000"/>
+              </a:lnSpc>
+            </a:pPr>
+            <a:endParaRPr b="0" lang="en-US" sz="3200" strike="noStrike" u="none">
+              <a:solidFill>
+                <a:srgbClr val="000000"/>
+              </a:solidFill>
+              <a:effectLst/>
+              <a:uFillTx/>
+              <a:latin typeface="Arial"/>
+            </a:endParaRPr>
+          </a:p>
+          <a:p>
+            <a:pPr algn="just">
+              <a:lnSpc>
+                <a:spcPct val="110000"/>
+              </a:lnSpc>
+            </a:pPr>
+            <a:endParaRPr b="0" lang="en-US" sz="3200" strike="noStrike" u="none">
+              <a:solidFill>
+                <a:srgbClr val="000000"/>
+              </a:solidFill>
+              <a:effectLst/>
+              <a:uFillTx/>
+              <a:latin typeface="Arial"/>
+            </a:endParaRPr>
+          </a:p>
+          <a:p>
+            <a:pPr algn="just">
+              <a:lnSpc>
+                <a:spcPct val="110000"/>
+              </a:lnSpc>
+            </a:pPr>
+            <a:endParaRPr b="0" lang="en-US" sz="3200" strike="noStrike" u="none">
+              <a:solidFill>
+                <a:srgbClr val="000000"/>
+              </a:solidFill>
+              <a:effectLst/>
+              <a:uFillTx/>
+              <a:latin typeface="Arial"/>
+            </a:endParaRPr>
+          </a:p>
+          <a:p>
+            <a:pPr algn="just">
+              <a:lnSpc>
+                <a:spcPct val="110000"/>
+              </a:lnSpc>
+            </a:pPr>
+            <a:endParaRPr b="0" lang="en-US" sz="3200" strike="noStrike" u="none">
+              <a:solidFill>
+                <a:srgbClr val="000000"/>
+              </a:solidFill>
+              <a:effectLst/>
+              <a:uFillTx/>
+              <a:latin typeface="Arial"/>
+            </a:endParaRPr>
+          </a:p>
+          <a:p>
+            <a:pPr algn="just">
+              <a:lnSpc>
+                <a:spcPct val="110000"/>
+              </a:lnSpc>
+            </a:pPr>
+            <a:endParaRPr b="0" lang="en-US" sz="3200" strike="noStrike" u="none">
+              <a:solidFill>
+                <a:srgbClr val="000000"/>
+              </a:solidFill>
+              <a:effectLst/>
+              <a:uFillTx/>
+              <a:latin typeface="Arial"/>
+            </a:endParaRPr>
+          </a:p>
+          <a:p>
+            <a:pPr algn="just">
+              <a:lnSpc>
+                <a:spcPct val="110000"/>
+              </a:lnSpc>
+            </a:pPr>
+            <a:endParaRPr b="0" lang="en-US" sz="3200" strike="noStrike" u="none">
+              <a:solidFill>
+                <a:srgbClr val="000000"/>
+              </a:solidFill>
+              <a:effectLst/>
+              <a:uFillTx/>
+              <a:latin typeface="Arial"/>
+            </a:endParaRPr>
+          </a:p>
+          <a:p>
+            <a:pPr algn="just">
+              <a:lnSpc>
+                <a:spcPct val="110000"/>
+              </a:lnSpc>
+            </a:pPr>
             <a:r>
               <a:rPr b="0" lang="en-US" sz="3200" strike="noStrike" u="none">
                 <a:solidFill>
@@ -2736,174 +2949,6 @@
                 <a:latin typeface="Open Sans"/>
                 <a:ea typeface="Open Sans"/>
               </a:rPr>
-              <a:t>In order to build Keystone in gem5, the developer must also make use of full-system resources.</a:t>
-            </a:r>
-            <a:endParaRPr b="0" lang="en-US" sz="3200" strike="noStrike" u="none">
-              <a:solidFill>
-                <a:srgbClr val="000000"/>
-              </a:solidFill>
-              <a:effectLst/>
-              <a:uFillTx/>
-              <a:latin typeface="Arial"/>
-            </a:endParaRPr>
-          </a:p>
-          <a:p>
-            <a:pPr algn="just">
-              <a:lnSpc>
-                <a:spcPct val="110000"/>
-              </a:lnSpc>
-              <a:spcBef>
-                <a:spcPts val="283"/>
-              </a:spcBef>
-              <a:spcAft>
-                <a:spcPts val="283"/>
-              </a:spcAft>
-            </a:pPr>
-            <a:endParaRPr b="0" lang="en-US" sz="3200" strike="noStrike" u="none">
-              <a:solidFill>
-                <a:srgbClr val="000000"/>
-              </a:solidFill>
-              <a:effectLst/>
-              <a:uFillTx/>
-              <a:latin typeface="Arial"/>
-            </a:endParaRPr>
-          </a:p>
-          <a:p>
-            <a:pPr algn="just">
-              <a:lnSpc>
-                <a:spcPct val="110000"/>
-              </a:lnSpc>
-            </a:pPr>
-            <a:endParaRPr b="0" lang="en-US" sz="3200" strike="noStrike" u="none">
-              <a:solidFill>
-                <a:srgbClr val="000000"/>
-              </a:solidFill>
-              <a:effectLst/>
-              <a:uFillTx/>
-              <a:latin typeface="Arial"/>
-            </a:endParaRPr>
-          </a:p>
-          <a:p>
-            <a:pPr algn="just">
-              <a:lnSpc>
-                <a:spcPct val="110000"/>
-              </a:lnSpc>
-            </a:pPr>
-            <a:endParaRPr b="0" lang="en-US" sz="3200" strike="noStrike" u="none">
-              <a:solidFill>
-                <a:srgbClr val="000000"/>
-              </a:solidFill>
-              <a:effectLst/>
-              <a:uFillTx/>
-              <a:latin typeface="Arial"/>
-            </a:endParaRPr>
-          </a:p>
-          <a:p>
-            <a:pPr algn="just">
-              <a:lnSpc>
-                <a:spcPct val="110000"/>
-              </a:lnSpc>
-            </a:pPr>
-            <a:endParaRPr b="0" lang="en-US" sz="3200" strike="noStrike" u="none">
-              <a:solidFill>
-                <a:srgbClr val="000000"/>
-              </a:solidFill>
-              <a:effectLst/>
-              <a:uFillTx/>
-              <a:latin typeface="Arial"/>
-            </a:endParaRPr>
-          </a:p>
-          <a:p>
-            <a:pPr algn="just">
-              <a:lnSpc>
-                <a:spcPct val="110000"/>
-              </a:lnSpc>
-            </a:pPr>
-            <a:endParaRPr b="0" lang="en-US" sz="3200" strike="noStrike" u="none">
-              <a:solidFill>
-                <a:srgbClr val="000000"/>
-              </a:solidFill>
-              <a:effectLst/>
-              <a:uFillTx/>
-              <a:latin typeface="Arial"/>
-            </a:endParaRPr>
-          </a:p>
-          <a:p>
-            <a:pPr algn="just">
-              <a:lnSpc>
-                <a:spcPct val="110000"/>
-              </a:lnSpc>
-            </a:pPr>
-            <a:endParaRPr b="0" lang="en-US" sz="3200" strike="noStrike" u="none">
-              <a:solidFill>
-                <a:srgbClr val="000000"/>
-              </a:solidFill>
-              <a:effectLst/>
-              <a:uFillTx/>
-              <a:latin typeface="Arial"/>
-            </a:endParaRPr>
-          </a:p>
-          <a:p>
-            <a:pPr algn="just">
-              <a:lnSpc>
-                <a:spcPct val="110000"/>
-              </a:lnSpc>
-            </a:pPr>
-            <a:endParaRPr b="0" lang="en-US" sz="3200" strike="noStrike" u="none">
-              <a:solidFill>
-                <a:srgbClr val="000000"/>
-              </a:solidFill>
-              <a:effectLst/>
-              <a:uFillTx/>
-              <a:latin typeface="Arial"/>
-            </a:endParaRPr>
-          </a:p>
-          <a:p>
-            <a:pPr algn="just">
-              <a:lnSpc>
-                <a:spcPct val="110000"/>
-              </a:lnSpc>
-            </a:pPr>
-            <a:endParaRPr b="0" lang="en-US" sz="3200" strike="noStrike" u="none">
-              <a:solidFill>
-                <a:srgbClr val="000000"/>
-              </a:solidFill>
-              <a:effectLst/>
-              <a:uFillTx/>
-              <a:latin typeface="Arial"/>
-            </a:endParaRPr>
-          </a:p>
-          <a:p>
-            <a:pPr algn="just">
-              <a:lnSpc>
-                <a:spcPct val="110000"/>
-              </a:lnSpc>
-            </a:pPr>
-            <a:endParaRPr b="0" lang="en-US" sz="3200" strike="noStrike" u="none">
-              <a:solidFill>
-                <a:srgbClr val="000000"/>
-              </a:solidFill>
-              <a:effectLst/>
-              <a:uFillTx/>
-              <a:latin typeface="Arial"/>
-            </a:endParaRPr>
-          </a:p>
-          <a:p>
-            <a:pPr algn="just">
-              <a:lnSpc>
-                <a:spcPct val="110000"/>
-              </a:lnSpc>
-            </a:pPr>
-            <a:r>
-              <a:rPr b="0" lang="en-US" sz="3200" strike="noStrike" u="none">
-                <a:solidFill>
-                  <a:schemeClr val="dk1"/>
-                </a:solidFill>
-                <a:effectLst/>
-                <a:uFillTx/>
-                <a:latin typeface="Open Sans"/>
-                <a:ea typeface="Open Sans"/>
-              </a:rPr>
               <a:t>This work proposes ready-built simulations, reducing set-up time for future developers to implement their contributions.</a:t>
             </a:r>
             <a:endParaRPr b="0" lang="en-US" sz="3200" strike="noStrike" u="none">
@@ -2926,13 +2971,13 @@
         <p:spPr>
           <a:xfrm>
             <a:off x="0" y="32004000"/>
-            <a:ext cx="43886880" cy="910080"/>
+            <a:ext cx="43886160" cy="909360"/>
           </a:xfrm>
           <a:prstGeom prst="rect">
             <a:avLst/>
           </a:prstGeom>
           <a:solidFill>
-            <a:srgbClr val="c8c8c8"/>
+            <a:srgbClr val="21314d"/>
           </a:solidFill>
           <a:ln w="38160">
             <a:noFill/>
@@ -2973,70 +3018,9 @@
           <p:nvPr/>
         </p:nvSpPr>
         <p:spPr>
-          <a:xfrm>
-            <a:off x="22860000" y="28197720"/>
-            <a:ext cx="3385080" cy="3107520"/>
-          </a:xfrm>
-          <a:prstGeom prst="ellipse">
-            <a:avLst/>
-          </a:prstGeom>
-          <a:noFill/>
-          <a:ln w="38160">
-            <a:solidFill>
-              <a:srgbClr val="ea7500"/>
-            </a:solidFill>
-            <a:round/>
-          </a:ln>
-        </p:spPr>
-        <p:style>
-          <a:lnRef idx="0"/>
-          <a:fillRef idx="0"/>
-          <a:effectRef idx="0"/>
-          <a:fontRef idx="minor"/>
-        </p:style>
-        <p:txBody>
-          <a:bodyPr lIns="109080" rIns="109080" tIns="64080" bIns="64080" anchor="ctr">
-            <a:noAutofit/>
-          </a:bodyPr>
-          <a:p>
-            <a:pPr algn="ctr">
-              <a:lnSpc>
-                <a:spcPct val="100000"/>
-              </a:lnSpc>
-            </a:pPr>
-            <a:r>
-              <a:rPr b="0" lang="en-US" sz="2600" strike="noStrike" u="none">
-                <a:solidFill>
-                  <a:srgbClr val="000000"/>
-                </a:solidFill>
-                <a:effectLst/>
-                <a:uFillTx/>
-                <a:latin typeface="Arial"/>
-                <a:ea typeface="Arial"/>
-              </a:rPr>
-              <a:t>Real-world Benchmarking</a:t>
-            </a:r>
-            <a:endParaRPr b="0" lang="en-US" sz="2600" strike="noStrike" u="none">
-              <a:solidFill>
-                <a:srgbClr val="000000"/>
-              </a:solidFill>
-              <a:effectLst/>
-              <a:uFillTx/>
-              <a:latin typeface="Arial"/>
-            </a:endParaRPr>
-          </a:p>
-        </p:txBody>
-      </p:sp>
-      <p:sp>
-        <p:nvSpPr>
-          <p:cNvPr id="24" name=""/>
-          <p:cNvSpPr/>
-          <p:nvPr/>
-        </p:nvSpPr>
-        <p:spPr>
           <a:xfrm rot="3166800">
-            <a:off x="28045440" y="27337680"/>
-            <a:ext cx="1463400" cy="835200"/>
+            <a:off x="28585440" y="26832960"/>
+            <a:ext cx="1462680" cy="834480"/>
           </a:xfrm>
           <a:prstGeom prst="rightArrow">
             <a:avLst>
@@ -3082,14 +3066,14 @@
       </p:sp>
       <p:sp>
         <p:nvSpPr>
-          <p:cNvPr id="25" name=""/>
+          <p:cNvPr id="24" name=""/>
           <p:cNvSpPr/>
           <p:nvPr/>
         </p:nvSpPr>
         <p:spPr>
           <a:xfrm rot="18804600">
-            <a:off x="25347960" y="27276480"/>
-            <a:ext cx="1463760" cy="834480"/>
+            <a:off x="25059240" y="26664480"/>
+            <a:ext cx="1463040" cy="833760"/>
           </a:xfrm>
           <a:prstGeom prst="rightArrow">
             <a:avLst>
@@ -3135,14 +3119,14 @@
       </p:sp>
       <p:sp>
         <p:nvSpPr>
-          <p:cNvPr id="26" name=""/>
+          <p:cNvPr id="25" name=""/>
           <p:cNvSpPr/>
           <p:nvPr/>
         </p:nvSpPr>
         <p:spPr>
           <a:xfrm rot="10800000">
-            <a:off x="26734680" y="28733760"/>
-            <a:ext cx="1464120" cy="834480"/>
+            <a:off x="26735400" y="28374480"/>
+            <a:ext cx="1463400" cy="833760"/>
           </a:xfrm>
           <a:prstGeom prst="rightArrow">
             <a:avLst>
@@ -3188,14 +3172,14 @@
       </p:sp>
       <p:sp>
         <p:nvSpPr>
-          <p:cNvPr id="27" name=""/>
+          <p:cNvPr id="26" name=""/>
           <p:cNvSpPr/>
           <p:nvPr/>
         </p:nvSpPr>
         <p:spPr>
           <a:xfrm>
             <a:off x="1252800" y="8686800"/>
-            <a:ext cx="8996760" cy="1977120"/>
+            <a:ext cx="8996040" cy="1976400"/>
           </a:xfrm>
           <a:prstGeom prst="roundRect">
             <a:avLst>
@@ -3252,14 +3236,14 @@
       </p:sp>
       <p:sp>
         <p:nvSpPr>
-          <p:cNvPr id="28" name=""/>
+          <p:cNvPr id="27" name=""/>
           <p:cNvSpPr/>
           <p:nvPr/>
         </p:nvSpPr>
         <p:spPr>
           <a:xfrm>
             <a:off x="1752840" y="9365040"/>
-            <a:ext cx="1996560" cy="987120"/>
+            <a:ext cx="1995840" cy="986400"/>
           </a:xfrm>
           <a:prstGeom prst="rect">
             <a:avLst/>
@@ -3314,14 +3298,14 @@
       </p:sp>
       <p:sp>
         <p:nvSpPr>
-          <p:cNvPr id="29" name=""/>
+          <p:cNvPr id="28" name=""/>
           <p:cNvSpPr/>
           <p:nvPr/>
         </p:nvSpPr>
         <p:spPr>
           <a:xfrm>
             <a:off x="4784400" y="9365040"/>
-            <a:ext cx="1996560" cy="987120"/>
+            <a:ext cx="1995840" cy="986400"/>
           </a:xfrm>
           <a:prstGeom prst="rect">
             <a:avLst/>
@@ -3376,14 +3360,14 @@
       </p:sp>
       <p:sp>
         <p:nvSpPr>
-          <p:cNvPr id="30" name=""/>
+          <p:cNvPr id="29" name=""/>
           <p:cNvSpPr/>
           <p:nvPr/>
         </p:nvSpPr>
         <p:spPr>
           <a:xfrm>
             <a:off x="7894800" y="9365040"/>
-            <a:ext cx="1996560" cy="987120"/>
+            <a:ext cx="1995840" cy="986400"/>
           </a:xfrm>
           <a:prstGeom prst="rect">
             <a:avLst/>
@@ -3438,14 +3422,14 @@
       </p:sp>
       <p:sp>
         <p:nvSpPr>
-          <p:cNvPr id="31" name=""/>
+          <p:cNvPr id="30" name=""/>
           <p:cNvSpPr/>
           <p:nvPr/>
         </p:nvSpPr>
         <p:spPr>
           <a:xfrm>
             <a:off x="3595320" y="13151880"/>
-            <a:ext cx="4497120" cy="1176480"/>
+            <a:ext cx="4496400" cy="1175760"/>
           </a:xfrm>
           <a:prstGeom prst="roundRect">
             <a:avLst>
@@ -3502,7 +3486,7 @@
       </p:sp>
       <p:sp>
         <p:nvSpPr>
-          <p:cNvPr id="32" name=""/>
+          <p:cNvPr id="31" name=""/>
           <p:cNvSpPr/>
           <p:nvPr/>
         </p:nvSpPr>
@@ -3547,14 +3531,14 @@
       </p:sp>
       <p:sp>
         <p:nvSpPr>
-          <p:cNvPr id="33" name=""/>
+          <p:cNvPr id="32" name=""/>
           <p:cNvSpPr/>
           <p:nvPr/>
         </p:nvSpPr>
         <p:spPr>
           <a:xfrm>
             <a:off x="4635000" y="11409480"/>
-            <a:ext cx="2232360" cy="987120"/>
+            <a:ext cx="2231640" cy="986400"/>
           </a:xfrm>
           <a:prstGeom prst="rect">
             <a:avLst/>
@@ -3609,7 +3593,7 @@
       </p:sp>
       <p:sp>
         <p:nvSpPr>
-          <p:cNvPr id="34" name=""/>
+          <p:cNvPr id="33" name=""/>
           <p:cNvSpPr/>
           <p:nvPr/>
         </p:nvSpPr>
@@ -3654,7 +3638,7 @@
       </p:sp>
       <p:sp>
         <p:nvSpPr>
-          <p:cNvPr id="35" name=""/>
+          <p:cNvPr id="34" name=""/>
           <p:cNvSpPr/>
           <p:nvPr/>
         </p:nvSpPr>
@@ -3699,7 +3683,7 @@
       </p:sp>
       <p:sp>
         <p:nvSpPr>
-          <p:cNvPr id="36" name=""/>
+          <p:cNvPr id="35" name=""/>
           <p:cNvSpPr/>
           <p:nvPr/>
         </p:nvSpPr>
@@ -3744,14 +3728,14 @@
       </p:sp>
       <p:sp>
         <p:nvSpPr>
-          <p:cNvPr id="37" name=""/>
+          <p:cNvPr id="36" name=""/>
           <p:cNvSpPr/>
           <p:nvPr/>
         </p:nvSpPr>
         <p:spPr>
           <a:xfrm>
             <a:off x="11230920" y="5558400"/>
-            <a:ext cx="10483200" cy="839520"/>
+            <a:ext cx="10482480" cy="838800"/>
           </a:xfrm>
           <a:prstGeom prst="rect">
             <a:avLst/>
@@ -3806,7 +3790,7 @@
       </p:sp>
       <p:pic>
         <p:nvPicPr>
-          <p:cNvPr id="38" name="" descr=""/>
+          <p:cNvPr id="37" name="" descr=""/>
           <p:cNvPicPr/>
           <p:nvPr/>
         </p:nvPicPr>
@@ -3816,8 +3800,8 @@
         </p:blipFill>
         <p:spPr>
           <a:xfrm>
-            <a:off x="33832800" y="3477600"/>
-            <a:ext cx="10237320" cy="1758240"/>
+            <a:off x="408600" y="31883400"/>
+            <a:ext cx="6656040" cy="1142640"/>
           </a:xfrm>
           <a:prstGeom prst="rect">
             <a:avLst/>
@@ -3830,14 +3814,14 @@
       </p:pic>
       <p:sp>
         <p:nvSpPr>
-          <p:cNvPr id="39" name=""/>
+          <p:cNvPr id="38" name=""/>
           <p:cNvSpPr/>
           <p:nvPr/>
         </p:nvSpPr>
         <p:spPr>
           <a:xfrm>
             <a:off x="574920" y="5558400"/>
-            <a:ext cx="10166400" cy="839520"/>
+            <a:ext cx="10165680" cy="838800"/>
           </a:xfrm>
           <a:prstGeom prst="rect">
             <a:avLst/>
@@ -3892,14 +3876,14 @@
       </p:sp>
       <p:sp>
         <p:nvSpPr>
-          <p:cNvPr id="40" name=""/>
+          <p:cNvPr id="39" name=""/>
           <p:cNvSpPr/>
           <p:nvPr/>
         </p:nvSpPr>
         <p:spPr>
           <a:xfrm>
             <a:off x="576000" y="17927280"/>
-            <a:ext cx="10163520" cy="7301880"/>
+            <a:ext cx="10162800" cy="7301160"/>
           </a:xfrm>
           <a:prstGeom prst="rect">
             <a:avLst/>
@@ -4282,14 +4266,14 @@
       </p:sp>
       <p:sp>
         <p:nvSpPr>
-          <p:cNvPr id="41" name=""/>
+          <p:cNvPr id="40" name=""/>
           <p:cNvSpPr/>
           <p:nvPr/>
         </p:nvSpPr>
         <p:spPr>
           <a:xfrm>
             <a:off x="567000" y="25956360"/>
-            <a:ext cx="10166760" cy="5565600"/>
+            <a:ext cx="10166040" cy="5564880"/>
           </a:xfrm>
           <a:prstGeom prst="rect">
             <a:avLst/>
@@ -4483,14 +4467,14 @@
       </p:sp>
       <p:sp>
         <p:nvSpPr>
-          <p:cNvPr id="42" name=""/>
+          <p:cNvPr id="41" name=""/>
           <p:cNvSpPr/>
           <p:nvPr/>
         </p:nvSpPr>
         <p:spPr>
           <a:xfrm rot="16241400">
             <a:off x="504000" y="20546640"/>
-            <a:ext cx="3305520" cy="1769040"/>
+            <a:ext cx="3304800" cy="1768320"/>
           </a:xfrm>
           <a:prstGeom prst="rightArrow">
             <a:avLst>
@@ -4548,7 +4532,7 @@
       </p:sp>
       <p:sp>
         <p:nvSpPr>
-          <p:cNvPr id="43" name=""/>
+          <p:cNvPr id="42" name=""/>
           <p:cNvSpPr/>
           <p:nvPr/>
         </p:nvSpPr>
@@ -4592,14 +4576,14 @@
       </p:sp>
       <p:sp>
         <p:nvSpPr>
-          <p:cNvPr id="44" name=""/>
+          <p:cNvPr id="43" name=""/>
           <p:cNvSpPr/>
           <p:nvPr/>
         </p:nvSpPr>
         <p:spPr>
           <a:xfrm>
             <a:off x="4019400" y="19847880"/>
-            <a:ext cx="4493160" cy="748800"/>
+            <a:ext cx="4492440" cy="748080"/>
           </a:xfrm>
           <a:prstGeom prst="rect">
             <a:avLst/>
@@ -4654,7 +4638,7 @@
       </p:sp>
       <p:sp>
         <p:nvSpPr>
-          <p:cNvPr id="45" name=""/>
+          <p:cNvPr id="44" name=""/>
           <p:cNvSpPr/>
           <p:nvPr/>
         </p:nvSpPr>
@@ -4698,14 +4682,14 @@
       </p:sp>
       <p:sp>
         <p:nvSpPr>
-          <p:cNvPr id="46" name=""/>
+          <p:cNvPr id="45" name=""/>
           <p:cNvSpPr/>
           <p:nvPr/>
         </p:nvSpPr>
         <p:spPr>
           <a:xfrm>
             <a:off x="4019400" y="21071880"/>
-            <a:ext cx="4493160" cy="748800"/>
+            <a:ext cx="4492440" cy="748080"/>
           </a:xfrm>
           <a:prstGeom prst="rect">
             <a:avLst/>
@@ -4760,7 +4744,7 @@
       </p:sp>
       <p:sp>
         <p:nvSpPr>
-          <p:cNvPr id="47" name=""/>
+          <p:cNvPr id="46" name=""/>
           <p:cNvSpPr/>
           <p:nvPr/>
         </p:nvSpPr>
@@ -4804,14 +4788,14 @@
       </p:sp>
       <p:sp>
         <p:nvSpPr>
-          <p:cNvPr id="48" name=""/>
+          <p:cNvPr id="47" name=""/>
           <p:cNvSpPr/>
           <p:nvPr/>
         </p:nvSpPr>
         <p:spPr>
           <a:xfrm>
             <a:off x="4019400" y="22403880"/>
-            <a:ext cx="4493160" cy="748800"/>
+            <a:ext cx="4492440" cy="748080"/>
           </a:xfrm>
           <a:prstGeom prst="rect">
             <a:avLst/>
@@ -4866,14 +4850,14 @@
       </p:sp>
       <p:sp>
         <p:nvSpPr>
-          <p:cNvPr id="49" name=""/>
+          <p:cNvPr id="48" name=""/>
           <p:cNvSpPr/>
           <p:nvPr/>
         </p:nvSpPr>
         <p:spPr>
           <a:xfrm>
             <a:off x="2786760" y="26253000"/>
-            <a:ext cx="2631240" cy="2131920"/>
+            <a:ext cx="2630520" cy="2131200"/>
           </a:xfrm>
           <a:prstGeom prst="rect">
             <a:avLst/>
@@ -4928,14 +4912,14 @@
       </p:sp>
       <p:sp>
         <p:nvSpPr>
-          <p:cNvPr id="50" name=""/>
+          <p:cNvPr id="49" name=""/>
           <p:cNvSpPr/>
           <p:nvPr/>
         </p:nvSpPr>
         <p:spPr>
           <a:xfrm>
             <a:off x="2878560" y="26821440"/>
-            <a:ext cx="875160" cy="641880"/>
+            <a:ext cx="874440" cy="641160"/>
           </a:xfrm>
           <a:prstGeom prst="rect">
             <a:avLst/>
@@ -4990,14 +4974,14 @@
       </p:sp>
       <p:sp>
         <p:nvSpPr>
-          <p:cNvPr id="51" name=""/>
+          <p:cNvPr id="50" name=""/>
           <p:cNvSpPr/>
           <p:nvPr/>
         </p:nvSpPr>
         <p:spPr>
           <a:xfrm>
             <a:off x="4446000" y="26821440"/>
-            <a:ext cx="874800" cy="641880"/>
+            <a:ext cx="874080" cy="641160"/>
           </a:xfrm>
           <a:prstGeom prst="rect">
             <a:avLst/>
@@ -5052,14 +5036,14 @@
       </p:sp>
       <p:sp>
         <p:nvSpPr>
-          <p:cNvPr id="52" name=""/>
+          <p:cNvPr id="51" name=""/>
           <p:cNvSpPr/>
           <p:nvPr/>
         </p:nvSpPr>
         <p:spPr>
           <a:xfrm>
             <a:off x="2970720" y="27689760"/>
-            <a:ext cx="2247120" cy="641880"/>
+            <a:ext cx="2246400" cy="641160"/>
           </a:xfrm>
           <a:prstGeom prst="rect">
             <a:avLst/>
@@ -5141,22 +5125,22 @@
       </p:sp>
       <p:sp>
         <p:nvSpPr>
-          <p:cNvPr id="53" name=""/>
+          <p:cNvPr id="52" name=""/>
           <p:cNvSpPr/>
           <p:nvPr/>
         </p:nvSpPr>
         <p:spPr>
           <a:xfrm>
             <a:off x="5647680" y="26253000"/>
-            <a:ext cx="2338200" cy="2131920"/>
+            <a:ext cx="2337480" cy="2131200"/>
           </a:xfrm>
           <a:custGeom>
             <a:avLst/>
             <a:gdLst>
-              <a:gd name="textAreaLeft" fmla="*/ 113760 w 2338200"/>
-              <a:gd name="textAreaRight" fmla="*/ 2226960 w 2338200"/>
-              <a:gd name="textAreaTop" fmla="*/ 97560 h 2131920"/>
-              <a:gd name="textAreaBottom" fmla="*/ 2036880 h 2131920"/>
+              <a:gd name="textAreaLeft" fmla="*/ 113760 w 2337480"/>
+              <a:gd name="textAreaRight" fmla="*/ 2226960 w 2337480"/>
+              <a:gd name="textAreaTop" fmla="*/ 97560 h 2131200"/>
+              <a:gd name="textAreaBottom" fmla="*/ 2036880 h 2131200"/>
             </a:gdLst>
             <a:ahLst/>
             <a:rect l="textAreaLeft" t="textAreaTop" r="textAreaRight" b="textAreaBottom"/>
@@ -5232,14 +5216,14 @@
       </p:sp>
       <p:sp>
         <p:nvSpPr>
-          <p:cNvPr id="54" name=""/>
+          <p:cNvPr id="53" name=""/>
           <p:cNvSpPr/>
           <p:nvPr/>
         </p:nvSpPr>
         <p:spPr>
           <a:xfrm>
             <a:off x="5870520" y="26821440"/>
-            <a:ext cx="1914480" cy="641880"/>
+            <a:ext cx="1913760" cy="641160"/>
           </a:xfrm>
           <a:prstGeom prst="rect">
             <a:avLst/>
@@ -5294,14 +5278,14 @@
       </p:sp>
       <p:sp>
         <p:nvSpPr>
-          <p:cNvPr id="55" name=""/>
+          <p:cNvPr id="54" name=""/>
           <p:cNvSpPr/>
           <p:nvPr/>
         </p:nvSpPr>
         <p:spPr>
           <a:xfrm>
             <a:off x="5778720" y="27677520"/>
-            <a:ext cx="2115000" cy="535680"/>
+            <a:ext cx="2114280" cy="534960"/>
           </a:xfrm>
           <a:prstGeom prst="rect">
             <a:avLst/>
@@ -5356,22 +5340,22 @@
       </p:sp>
       <p:sp>
         <p:nvSpPr>
-          <p:cNvPr id="56" name=""/>
+          <p:cNvPr id="55" name=""/>
           <p:cNvSpPr/>
           <p:nvPr/>
         </p:nvSpPr>
         <p:spPr>
           <a:xfrm>
             <a:off x="8233560" y="26253360"/>
-            <a:ext cx="1787760" cy="2131560"/>
+            <a:ext cx="1787040" cy="2130840"/>
           </a:xfrm>
           <a:custGeom>
             <a:avLst/>
             <a:gdLst>
-              <a:gd name="textAreaLeft" fmla="*/ 86760 w 1787760"/>
-              <a:gd name="textAreaRight" fmla="*/ 1703520 w 1787760"/>
-              <a:gd name="textAreaTop" fmla="*/ 74520 h 2131560"/>
-              <a:gd name="textAreaBottom" fmla="*/ 2059560 h 2131560"/>
+              <a:gd name="textAreaLeft" fmla="*/ 86760 w 1787040"/>
+              <a:gd name="textAreaRight" fmla="*/ 1703520 w 1787040"/>
+              <a:gd name="textAreaTop" fmla="*/ 74520 h 2130840"/>
+              <a:gd name="textAreaBottom" fmla="*/ 2059560 h 2130840"/>
             </a:gdLst>
             <a:ahLst/>
             <a:rect l="textAreaLeft" t="textAreaTop" r="textAreaRight" b="textAreaBottom"/>
@@ -5447,14 +5431,14 @@
       </p:sp>
       <p:sp>
         <p:nvSpPr>
-          <p:cNvPr id="57" name=""/>
+          <p:cNvPr id="56" name=""/>
           <p:cNvSpPr/>
           <p:nvPr/>
         </p:nvSpPr>
         <p:spPr>
           <a:xfrm>
             <a:off x="8425440" y="26822160"/>
-            <a:ext cx="1344240" cy="641520"/>
+            <a:ext cx="1343520" cy="640800"/>
           </a:xfrm>
           <a:prstGeom prst="rect">
             <a:avLst/>
@@ -5509,14 +5493,14 @@
       </p:sp>
       <p:sp>
         <p:nvSpPr>
-          <p:cNvPr id="58" name=""/>
+          <p:cNvPr id="57" name=""/>
           <p:cNvSpPr/>
           <p:nvPr/>
         </p:nvSpPr>
         <p:spPr>
           <a:xfrm>
             <a:off x="8346600" y="27677880"/>
-            <a:ext cx="1423080" cy="535680"/>
+            <a:ext cx="1422360" cy="534960"/>
           </a:xfrm>
           <a:prstGeom prst="rect">
             <a:avLst/>
@@ -5571,7 +5555,7 @@
       </p:sp>
       <p:sp>
         <p:nvSpPr>
-          <p:cNvPr id="59" name=""/>
+          <p:cNvPr id="58" name=""/>
           <p:cNvSpPr/>
           <p:nvPr/>
         </p:nvSpPr>
@@ -5616,7 +5600,7 @@
       </p:sp>
       <p:sp>
         <p:nvSpPr>
-          <p:cNvPr id="60" name=""/>
+          <p:cNvPr id="59" name=""/>
           <p:cNvSpPr/>
           <p:nvPr/>
         </p:nvSpPr>
@@ -5661,14 +5645,14 @@
       </p:sp>
       <p:sp>
         <p:nvSpPr>
-          <p:cNvPr id="61" name=""/>
+          <p:cNvPr id="60" name=""/>
           <p:cNvSpPr/>
           <p:nvPr/>
         </p:nvSpPr>
         <p:spPr>
           <a:xfrm>
             <a:off x="2701440" y="28627560"/>
-            <a:ext cx="7476120" cy="1468080"/>
+            <a:ext cx="7475400" cy="1467360"/>
           </a:xfrm>
           <a:prstGeom prst="roundRect">
             <a:avLst>
@@ -5715,14 +5699,14 @@
       </p:sp>
       <p:sp>
         <p:nvSpPr>
-          <p:cNvPr id="62" name=""/>
+          <p:cNvPr id="61" name=""/>
           <p:cNvSpPr/>
           <p:nvPr/>
         </p:nvSpPr>
         <p:spPr>
           <a:xfrm>
             <a:off x="2787120" y="28742040"/>
-            <a:ext cx="7268400" cy="497520"/>
+            <a:ext cx="7267680" cy="496800"/>
           </a:xfrm>
           <a:prstGeom prst="rect">
             <a:avLst/>
@@ -5777,14 +5761,14 @@
       </p:sp>
       <p:sp>
         <p:nvSpPr>
-          <p:cNvPr id="63" name=""/>
+          <p:cNvPr id="62" name=""/>
           <p:cNvSpPr/>
           <p:nvPr/>
         </p:nvSpPr>
         <p:spPr>
           <a:xfrm>
             <a:off x="1210320" y="29341440"/>
-            <a:ext cx="1500840" cy="748440"/>
+            <a:ext cx="1500120" cy="747720"/>
           </a:xfrm>
           <a:prstGeom prst="rect">
             <a:avLst/>
@@ -5835,14 +5819,14 @@
       </p:sp>
       <p:sp>
         <p:nvSpPr>
-          <p:cNvPr id="64" name=""/>
+          <p:cNvPr id="63" name=""/>
           <p:cNvSpPr/>
           <p:nvPr/>
         </p:nvSpPr>
         <p:spPr>
           <a:xfrm>
             <a:off x="2781360" y="29375280"/>
-            <a:ext cx="7245000" cy="614520"/>
+            <a:ext cx="7244280" cy="613800"/>
           </a:xfrm>
           <a:prstGeom prst="rect">
             <a:avLst/>
@@ -5886,14 +5870,14 @@
       </p:sp>
       <p:sp>
         <p:nvSpPr>
-          <p:cNvPr id="65" name=""/>
+          <p:cNvPr id="64" name=""/>
           <p:cNvSpPr/>
           <p:nvPr/>
         </p:nvSpPr>
         <p:spPr>
           <a:xfrm>
             <a:off x="2862360" y="29470320"/>
-            <a:ext cx="1931040" cy="439920"/>
+            <a:ext cx="1930320" cy="439200"/>
           </a:xfrm>
           <a:prstGeom prst="rect">
             <a:avLst/>
@@ -5948,14 +5932,14 @@
       </p:sp>
       <p:sp>
         <p:nvSpPr>
-          <p:cNvPr id="66" name=""/>
+          <p:cNvPr id="65" name=""/>
           <p:cNvSpPr/>
           <p:nvPr/>
         </p:nvSpPr>
         <p:spPr>
           <a:xfrm>
             <a:off x="4926600" y="29470320"/>
-            <a:ext cx="2981520" cy="439920"/>
+            <a:ext cx="2980800" cy="439200"/>
           </a:xfrm>
           <a:prstGeom prst="rect">
             <a:avLst/>
@@ -6010,14 +5994,14 @@
       </p:sp>
       <p:sp>
         <p:nvSpPr>
-          <p:cNvPr id="67" name=""/>
+          <p:cNvPr id="66" name=""/>
           <p:cNvSpPr/>
           <p:nvPr/>
         </p:nvSpPr>
         <p:spPr>
           <a:xfrm>
             <a:off x="8035560" y="29471400"/>
-            <a:ext cx="1931760" cy="439560"/>
+            <a:ext cx="1931040" cy="438840"/>
           </a:xfrm>
           <a:prstGeom prst="rect">
             <a:avLst/>
@@ -6072,7 +6056,7 @@
       </p:sp>
       <p:sp>
         <p:nvSpPr>
-          <p:cNvPr id="68" name=""/>
+          <p:cNvPr id="67" name=""/>
           <p:cNvSpPr/>
           <p:nvPr/>
         </p:nvSpPr>
@@ -6116,14 +6100,14 @@
       </p:sp>
       <p:sp>
         <p:nvSpPr>
-          <p:cNvPr id="69" name=""/>
+          <p:cNvPr id="68" name=""/>
           <p:cNvSpPr/>
           <p:nvPr/>
         </p:nvSpPr>
         <p:spPr>
           <a:xfrm>
             <a:off x="5461560" y="30621600"/>
-            <a:ext cx="1826280" cy="683280"/>
+            <a:ext cx="1825560" cy="682560"/>
           </a:xfrm>
           <a:prstGeom prst="roundRect">
             <a:avLst>
@@ -6179,7 +6163,7 @@
       </p:sp>
       <p:sp>
         <p:nvSpPr>
-          <p:cNvPr id="70" name=""/>
+          <p:cNvPr id="69" name=""/>
           <p:cNvSpPr/>
           <p:nvPr/>
         </p:nvSpPr>
@@ -6224,14 +6208,14 @@
       </p:sp>
       <p:sp>
         <p:nvSpPr>
-          <p:cNvPr id="71" name=""/>
+          <p:cNvPr id="70" name=""/>
           <p:cNvSpPr/>
           <p:nvPr/>
         </p:nvSpPr>
         <p:spPr>
           <a:xfrm>
             <a:off x="988560" y="26794440"/>
-            <a:ext cx="1753200" cy="748800"/>
+            <a:ext cx="1752480" cy="748080"/>
           </a:xfrm>
           <a:prstGeom prst="rect">
             <a:avLst/>
@@ -6309,14 +6293,14 @@
       </p:sp>
       <p:sp>
         <p:nvSpPr>
-          <p:cNvPr id="72" name=""/>
+          <p:cNvPr id="71" name=""/>
           <p:cNvSpPr/>
           <p:nvPr/>
         </p:nvSpPr>
         <p:spPr>
           <a:xfrm>
             <a:off x="882000" y="27735480"/>
-            <a:ext cx="1827720" cy="748080"/>
+            <a:ext cx="1827000" cy="747360"/>
           </a:xfrm>
           <a:prstGeom prst="rect">
             <a:avLst/>
@@ -6394,14 +6378,14 @@
       </p:sp>
       <p:sp>
         <p:nvSpPr>
-          <p:cNvPr id="73" name=""/>
+          <p:cNvPr id="72" name=""/>
           <p:cNvSpPr/>
           <p:nvPr/>
         </p:nvSpPr>
         <p:spPr>
           <a:xfrm>
             <a:off x="952560" y="28571400"/>
-            <a:ext cx="1747800" cy="748800"/>
+            <a:ext cx="1747080" cy="748080"/>
           </a:xfrm>
           <a:prstGeom prst="rect">
             <a:avLst/>
@@ -6479,14 +6463,14 @@
       </p:sp>
       <p:sp>
         <p:nvSpPr>
-          <p:cNvPr id="74" name=""/>
+          <p:cNvPr id="73" name=""/>
           <p:cNvSpPr/>
           <p:nvPr/>
         </p:nvSpPr>
         <p:spPr>
           <a:xfrm>
             <a:off x="16774560" y="9969120"/>
-            <a:ext cx="2997360" cy="1293840"/>
+            <a:ext cx="2996640" cy="1293120"/>
           </a:xfrm>
           <a:prstGeom prst="roundRect">
             <a:avLst>
@@ -6543,22 +6527,22 @@
       </p:sp>
       <p:sp>
         <p:nvSpPr>
-          <p:cNvPr id="75" name=""/>
+          <p:cNvPr id="74" name=""/>
           <p:cNvSpPr/>
           <p:nvPr/>
         </p:nvSpPr>
         <p:spPr>
           <a:xfrm>
             <a:off x="13228560" y="9791280"/>
-            <a:ext cx="3202560" cy="4322880"/>
+            <a:ext cx="3201840" cy="4322160"/>
           </a:xfrm>
           <a:custGeom>
             <a:avLst/>
             <a:gdLst>
-              <a:gd name="textAreaLeft" fmla="*/ 155880 w 3202560"/>
-              <a:gd name="textAreaRight" fmla="*/ 3048120 w 3202560"/>
-              <a:gd name="textAreaTop" fmla="*/ 154800 h 4322880"/>
-              <a:gd name="textAreaBottom" fmla="*/ 4169520 h 4322880"/>
+              <a:gd name="textAreaLeft" fmla="*/ 155880 w 3201840"/>
+              <a:gd name="textAreaRight" fmla="*/ 3048120 w 3201840"/>
+              <a:gd name="textAreaTop" fmla="*/ 154800 h 4322160"/>
+              <a:gd name="textAreaBottom" fmla="*/ 4169520 h 4322160"/>
             </a:gdLst>
             <a:ahLst/>
             <a:rect l="textAreaLeft" t="textAreaTop" r="textAreaRight" b="textAreaBottom"/>
@@ -6622,14 +6606,14 @@
       </p:sp>
       <p:sp>
         <p:nvSpPr>
-          <p:cNvPr id="76" name=""/>
+          <p:cNvPr id="75" name=""/>
           <p:cNvSpPr/>
           <p:nvPr/>
         </p:nvSpPr>
         <p:spPr>
           <a:xfrm>
             <a:off x="13325040" y="9969120"/>
-            <a:ext cx="2997360" cy="1293840"/>
+            <a:ext cx="2996640" cy="1293120"/>
           </a:xfrm>
           <a:prstGeom prst="roundRect">
             <a:avLst>
@@ -6686,14 +6670,14 @@
       </p:sp>
       <p:sp>
         <p:nvSpPr>
-          <p:cNvPr id="77" name=""/>
+          <p:cNvPr id="76" name=""/>
           <p:cNvSpPr/>
           <p:nvPr/>
         </p:nvSpPr>
         <p:spPr>
           <a:xfrm>
             <a:off x="13325040" y="11315880"/>
-            <a:ext cx="2997360" cy="1294200"/>
+            <a:ext cx="2996640" cy="1293480"/>
           </a:xfrm>
           <a:prstGeom prst="roundRect">
             <a:avLst>
@@ -6750,14 +6734,14 @@
       </p:sp>
       <p:sp>
         <p:nvSpPr>
-          <p:cNvPr id="78" name=""/>
+          <p:cNvPr id="77" name=""/>
           <p:cNvSpPr/>
           <p:nvPr/>
         </p:nvSpPr>
         <p:spPr>
           <a:xfrm>
             <a:off x="13325040" y="12663000"/>
-            <a:ext cx="2997360" cy="1294200"/>
+            <a:ext cx="2996640" cy="1293480"/>
           </a:xfrm>
           <a:prstGeom prst="roundRect">
             <a:avLst>
@@ -6814,14 +6798,14 @@
       </p:sp>
       <p:sp>
         <p:nvSpPr>
-          <p:cNvPr id="79" name=""/>
+          <p:cNvPr id="78" name=""/>
           <p:cNvSpPr/>
           <p:nvPr/>
         </p:nvSpPr>
         <p:spPr>
           <a:xfrm>
             <a:off x="16774560" y="11315880"/>
-            <a:ext cx="2997360" cy="1294200"/>
+            <a:ext cx="2996640" cy="1293480"/>
           </a:xfrm>
           <a:prstGeom prst="roundRect">
             <a:avLst>
@@ -6878,14 +6862,14 @@
       </p:sp>
       <p:sp>
         <p:nvSpPr>
-          <p:cNvPr id="80" name=""/>
+          <p:cNvPr id="79" name=""/>
           <p:cNvSpPr/>
           <p:nvPr/>
         </p:nvSpPr>
         <p:spPr>
           <a:xfrm>
             <a:off x="16774560" y="12663000"/>
-            <a:ext cx="2997360" cy="1294200"/>
+            <a:ext cx="2996640" cy="1293480"/>
           </a:xfrm>
           <a:prstGeom prst="roundRect">
             <a:avLst>
@@ -6942,22 +6926,22 @@
       </p:sp>
       <p:sp>
         <p:nvSpPr>
-          <p:cNvPr id="81" name=""/>
+          <p:cNvPr id="80" name=""/>
           <p:cNvSpPr/>
           <p:nvPr/>
         </p:nvSpPr>
         <p:spPr>
           <a:xfrm>
             <a:off x="16678080" y="9791280"/>
-            <a:ext cx="3202560" cy="4322880"/>
+            <a:ext cx="3201840" cy="4322160"/>
           </a:xfrm>
           <a:custGeom>
             <a:avLst/>
             <a:gdLst>
-              <a:gd name="textAreaLeft" fmla="*/ 155880 w 3202560"/>
-              <a:gd name="textAreaRight" fmla="*/ 3048120 w 3202560"/>
-              <a:gd name="textAreaTop" fmla="*/ 154800 h 4322880"/>
-              <a:gd name="textAreaBottom" fmla="*/ 4169520 h 4322880"/>
+              <a:gd name="textAreaLeft" fmla="*/ 155880 w 3201840"/>
+              <a:gd name="textAreaRight" fmla="*/ 3048120 w 3201840"/>
+              <a:gd name="textAreaTop" fmla="*/ 154800 h 4322160"/>
+              <a:gd name="textAreaBottom" fmla="*/ 4169520 h 4322160"/>
             </a:gdLst>
             <a:ahLst/>
             <a:rect l="textAreaLeft" t="textAreaTop" r="textAreaRight" b="textAreaBottom"/>
@@ -7021,14 +7005,14 @@
       </p:sp>
       <p:sp>
         <p:nvSpPr>
-          <p:cNvPr id="82" name=""/>
+          <p:cNvPr id="81" name=""/>
           <p:cNvSpPr/>
           <p:nvPr/>
         </p:nvSpPr>
         <p:spPr>
           <a:xfrm>
             <a:off x="13064400" y="9061920"/>
-            <a:ext cx="6976440" cy="5311440"/>
+            <a:ext cx="6975720" cy="5310720"/>
           </a:xfrm>
           <a:prstGeom prst="roundRect">
             <a:avLst>
@@ -7073,14 +7057,14 @@
       </p:sp>
       <p:sp>
         <p:nvSpPr>
-          <p:cNvPr id="83" name=""/>
+          <p:cNvPr id="82" name=""/>
           <p:cNvSpPr/>
           <p:nvPr/>
         </p:nvSpPr>
         <p:spPr>
           <a:xfrm>
             <a:off x="13523400" y="9164880"/>
-            <a:ext cx="2647080" cy="485640"/>
+            <a:ext cx="2646360" cy="485640"/>
           </a:xfrm>
           <a:prstGeom prst="rect">
             <a:avLst/>
@@ -7131,14 +7115,14 @@
       </p:sp>
       <p:sp>
         <p:nvSpPr>
-          <p:cNvPr id="84" name=""/>
+          <p:cNvPr id="83" name=""/>
           <p:cNvSpPr/>
           <p:nvPr/>
         </p:nvSpPr>
         <p:spPr>
           <a:xfrm>
             <a:off x="16767720" y="9165240"/>
-            <a:ext cx="3037680" cy="485640"/>
+            <a:ext cx="3036960" cy="485640"/>
           </a:xfrm>
           <a:prstGeom prst="rect">
             <a:avLst/>
@@ -7189,14 +7173,14 @@
       </p:sp>
       <p:sp>
         <p:nvSpPr>
-          <p:cNvPr id="85" name=""/>
+          <p:cNvPr id="84" name=""/>
           <p:cNvSpPr/>
           <p:nvPr/>
         </p:nvSpPr>
         <p:spPr>
           <a:xfrm>
             <a:off x="13303800" y="8389800"/>
-            <a:ext cx="1562760" cy="577440"/>
+            <a:ext cx="1562040" cy="577440"/>
           </a:xfrm>
           <a:prstGeom prst="rect">
             <a:avLst/>
@@ -7247,75 +7231,14 @@
       </p:sp>
       <p:sp>
         <p:nvSpPr>
-          <p:cNvPr id="86" name=""/>
-          <p:cNvSpPr/>
-          <p:nvPr/>
-        </p:nvSpPr>
-        <p:spPr>
-          <a:xfrm>
-            <a:off x="28745640" y="28197720"/>
-            <a:ext cx="3385080" cy="3107520"/>
-          </a:xfrm>
-          <a:prstGeom prst="ellipse">
-            <a:avLst/>
-          </a:prstGeom>
-          <a:noFill/>
-          <a:ln w="38160">
-            <a:solidFill>
-              <a:srgbClr val="00a933"/>
-            </a:solidFill>
-            <a:round/>
-          </a:ln>
-        </p:spPr>
-        <p:style>
-          <a:lnRef idx="0"/>
-          <a:fillRef idx="0"/>
-          <a:effectRef idx="0"/>
-          <a:fontRef idx="minor"/>
-        </p:style>
-        <p:txBody>
-          <a:bodyPr lIns="109080" rIns="109080" tIns="64080" bIns="64080" anchor="ctr">
-            <a:noAutofit/>
-          </a:bodyPr>
-          <a:p>
-            <a:pPr algn="ctr">
-              <a:lnSpc>
-                <a:spcPct val="100000"/>
-              </a:lnSpc>
-            </a:pPr>
-            <a:r>
-              <a:rPr b="0" lang="en-US" sz="2800" strike="noStrike" u="none">
-                <a:solidFill>
-                  <a:srgbClr val="000000"/>
-                </a:solidFill>
-                <a:effectLst/>
-                <a:uFillTx/>
-                <a:latin typeface="Arial"/>
-                <a:ea typeface="Arial"/>
-              </a:rPr>
-              <a:t>Implement Designs</a:t>
-            </a:r>
-            <a:endParaRPr b="0" lang="en-US" sz="2800" strike="noStrike" u="none">
-              <a:solidFill>
-                <a:srgbClr val="000000"/>
-              </a:solidFill>
-              <a:effectLst/>
-              <a:uFillTx/>
-              <a:latin typeface="Arial"/>
-            </a:endParaRPr>
-          </a:p>
-        </p:txBody>
-      </p:sp>
-      <p:sp>
-        <p:nvSpPr>
-          <p:cNvPr id="87" name=""/>
-          <p:cNvSpPr/>
-          <p:nvPr/>
-        </p:nvSpPr>
-        <p:spPr>
-          <a:xfrm>
-            <a:off x="25871040" y="23954400"/>
-            <a:ext cx="3385440" cy="3107880"/>
+          <p:cNvPr id="85" name=""/>
+          <p:cNvSpPr/>
+          <p:nvPr/>
+        </p:nvSpPr>
+        <p:spPr>
+          <a:xfrm>
+            <a:off x="26159040" y="24134400"/>
+            <a:ext cx="2703600" cy="2334240"/>
           </a:xfrm>
           <a:prstGeom prst="ellipse">
             <a:avLst/>
@@ -7369,14 +7292,14 @@
       </p:sp>
       <p:sp>
         <p:nvSpPr>
-          <p:cNvPr id="88" name=""/>
+          <p:cNvPr id="86" name=""/>
           <p:cNvSpPr/>
           <p:nvPr/>
         </p:nvSpPr>
         <p:spPr>
           <a:xfrm>
             <a:off x="567000" y="25115400"/>
-            <a:ext cx="10185120" cy="839520"/>
+            <a:ext cx="10184400" cy="838800"/>
           </a:xfrm>
           <a:prstGeom prst="rect">
             <a:avLst/>
@@ -7431,14 +7354,14 @@
       </p:sp>
       <p:sp>
         <p:nvSpPr>
-          <p:cNvPr id="89" name=""/>
-          <p:cNvSpPr/>
-          <p:nvPr/>
-        </p:nvSpPr>
-        <p:spPr>
-          <a:xfrm>
-            <a:off x="14352840" y="19523520"/>
-            <a:ext cx="3657240" cy="1197360"/>
+          <p:cNvPr id="87" name=""/>
+          <p:cNvSpPr/>
+          <p:nvPr/>
+        </p:nvSpPr>
+        <p:spPr>
+          <a:xfrm>
+            <a:off x="12264840" y="19127520"/>
+            <a:ext cx="3656520" cy="1198080"/>
           </a:xfrm>
           <a:prstGeom prst="rect">
             <a:avLst/>
@@ -7472,6 +7395,7 @@
                 <a:effectLst/>
                 <a:uFillTx/>
                 <a:latin typeface="Open Sans"/>
+                <a:ea typeface="DejaVu Sans"/>
               </a:rPr>
               <a:t>Memory Isolation</a:t>
             </a:r>
@@ -7488,14 +7412,14 @@
       </p:sp>
       <p:sp>
         <p:nvSpPr>
-          <p:cNvPr id="90" name=""/>
-          <p:cNvSpPr/>
-          <p:nvPr/>
-        </p:nvSpPr>
-        <p:spPr>
-          <a:xfrm>
-            <a:off x="16817040" y="21026520"/>
-            <a:ext cx="1942920" cy="1028520"/>
+          <p:cNvPr id="88" name=""/>
+          <p:cNvSpPr/>
+          <p:nvPr/>
+        </p:nvSpPr>
+        <p:spPr>
+          <a:xfrm>
+            <a:off x="14729040" y="20630520"/>
+            <a:ext cx="1942200" cy="1027800"/>
           </a:xfrm>
           <a:prstGeom prst="roundRect">
             <a:avLst>
@@ -7552,14 +7476,14 @@
       </p:sp>
       <p:sp>
         <p:nvSpPr>
-          <p:cNvPr id="91" name=""/>
-          <p:cNvSpPr/>
-          <p:nvPr/>
-        </p:nvSpPr>
-        <p:spPr>
-          <a:xfrm>
-            <a:off x="14171040" y="19468800"/>
-            <a:ext cx="4800240" cy="3109320"/>
+          <p:cNvPr id="89" name=""/>
+          <p:cNvSpPr/>
+          <p:nvPr/>
+        </p:nvSpPr>
+        <p:spPr>
+          <a:xfrm>
+            <a:off x="12083040" y="19072800"/>
+            <a:ext cx="4799520" cy="3108600"/>
           </a:xfrm>
           <a:prstGeom prst="roundRect">
             <a:avLst>
@@ -7604,13 +7528,13 @@
       </p:sp>
       <p:sp>
         <p:nvSpPr>
-          <p:cNvPr id="92" name=""/>
-          <p:cNvSpPr/>
-          <p:nvPr/>
-        </p:nvSpPr>
-        <p:spPr>
-          <a:xfrm>
-            <a:off x="16571160" y="19125720"/>
+          <p:cNvPr id="90" name=""/>
+          <p:cNvSpPr/>
+          <p:nvPr/>
+        </p:nvSpPr>
+        <p:spPr>
+          <a:xfrm>
+            <a:off x="14483160" y="18729720"/>
             <a:ext cx="360" cy="343080"/>
           </a:xfrm>
           <a:prstGeom prst="line">
@@ -7648,14 +7572,14 @@
       </p:sp>
       <p:sp>
         <p:nvSpPr>
-          <p:cNvPr id="93" name=""/>
-          <p:cNvSpPr/>
-          <p:nvPr/>
-        </p:nvSpPr>
-        <p:spPr>
-          <a:xfrm>
-            <a:off x="15085440" y="17586720"/>
-            <a:ext cx="2856960" cy="1599840"/>
+          <p:cNvPr id="91" name=""/>
+          <p:cNvSpPr/>
+          <p:nvPr/>
+        </p:nvSpPr>
+        <p:spPr>
+          <a:xfrm>
+            <a:off x="12997440" y="17190720"/>
+            <a:ext cx="2856240" cy="1599120"/>
           </a:xfrm>
           <a:prstGeom prst="roundRect">
             <a:avLst>
@@ -7712,13 +7636,13 @@
       </p:sp>
       <p:sp>
         <p:nvSpPr>
-          <p:cNvPr id="94" name=""/>
-          <p:cNvSpPr/>
-          <p:nvPr/>
-        </p:nvSpPr>
-        <p:spPr>
-          <a:xfrm>
-            <a:off x="16571160" y="22590720"/>
+          <p:cNvPr id="92" name=""/>
+          <p:cNvSpPr/>
+          <p:nvPr/>
+        </p:nvSpPr>
+        <p:spPr>
+          <a:xfrm>
+            <a:off x="14483160" y="22194720"/>
             <a:ext cx="360" cy="535680"/>
           </a:xfrm>
           <a:prstGeom prst="line">
@@ -7757,14 +7681,14 @@
       </p:sp>
       <p:sp>
         <p:nvSpPr>
-          <p:cNvPr id="95" name=""/>
-          <p:cNvSpPr/>
-          <p:nvPr/>
-        </p:nvSpPr>
-        <p:spPr>
-          <a:xfrm>
-            <a:off x="13775400" y="23177160"/>
-            <a:ext cx="5599800" cy="2234880"/>
+          <p:cNvPr id="93" name=""/>
+          <p:cNvSpPr/>
+          <p:nvPr/>
+        </p:nvSpPr>
+        <p:spPr>
+          <a:xfrm>
+            <a:off x="11687400" y="22781160"/>
+            <a:ext cx="5599080" cy="2234160"/>
           </a:xfrm>
           <a:prstGeom prst="roundRect">
             <a:avLst>
@@ -7809,14 +7733,14 @@
       </p:sp>
       <p:sp>
         <p:nvSpPr>
-          <p:cNvPr id="96" name=""/>
-          <p:cNvSpPr/>
-          <p:nvPr/>
-        </p:nvSpPr>
-        <p:spPr>
-          <a:xfrm>
-            <a:off x="13956840" y="23159880"/>
-            <a:ext cx="3657240" cy="1197360"/>
+          <p:cNvPr id="94" name=""/>
+          <p:cNvSpPr/>
+          <p:nvPr/>
+        </p:nvSpPr>
+        <p:spPr>
+          <a:xfrm>
+            <a:off x="11868840" y="22763880"/>
+            <a:ext cx="3656520" cy="1198080"/>
           </a:xfrm>
           <a:prstGeom prst="rect">
             <a:avLst/>
@@ -7850,6 +7774,7 @@
                 <a:effectLst/>
                 <a:uFillTx/>
                 <a:latin typeface="Open Sans"/>
+                <a:ea typeface="DejaVu Sans"/>
               </a:rPr>
               <a:t>Runtime</a:t>
             </a:r>
@@ -7866,14 +7791,14 @@
       </p:sp>
       <p:sp>
         <p:nvSpPr>
-          <p:cNvPr id="97" name=""/>
-          <p:cNvSpPr/>
-          <p:nvPr/>
-        </p:nvSpPr>
-        <p:spPr>
-          <a:xfrm>
-            <a:off x="14045400" y="23870880"/>
-            <a:ext cx="2442600" cy="1265760"/>
+          <p:cNvPr id="95" name=""/>
+          <p:cNvSpPr/>
+          <p:nvPr/>
+        </p:nvSpPr>
+        <p:spPr>
+          <a:xfrm>
+            <a:off x="11957400" y="23474880"/>
+            <a:ext cx="2441880" cy="1265040"/>
           </a:xfrm>
           <a:prstGeom prst="roundRect">
             <a:avLst>
@@ -7930,14 +7855,14 @@
       </p:sp>
       <p:sp>
         <p:nvSpPr>
-          <p:cNvPr id="98" name=""/>
-          <p:cNvSpPr/>
-          <p:nvPr/>
-        </p:nvSpPr>
-        <p:spPr>
-          <a:xfrm>
-            <a:off x="16637760" y="23870880"/>
-            <a:ext cx="2442600" cy="1265760"/>
+          <p:cNvPr id="96" name=""/>
+          <p:cNvSpPr/>
+          <p:nvPr/>
+        </p:nvSpPr>
+        <p:spPr>
+          <a:xfrm>
+            <a:off x="14549760" y="23474880"/>
+            <a:ext cx="2441880" cy="1265040"/>
           </a:xfrm>
           <a:prstGeom prst="roundRect">
             <a:avLst>
@@ -7994,14 +7919,14 @@
       </p:sp>
       <p:sp>
         <p:nvSpPr>
-          <p:cNvPr id="99" name=""/>
+          <p:cNvPr id="97" name=""/>
           <p:cNvSpPr/>
           <p:nvPr/>
         </p:nvSpPr>
         <p:spPr>
           <a:xfrm>
             <a:off x="14171040" y="30170160"/>
-            <a:ext cx="4800240" cy="1147680"/>
+            <a:ext cx="4799520" cy="1146960"/>
           </a:xfrm>
           <a:prstGeom prst="roundRect">
             <a:avLst>
@@ -8059,14 +7984,14 @@
       </p:sp>
       <p:sp>
         <p:nvSpPr>
-          <p:cNvPr id="100" name=""/>
+          <p:cNvPr id="98" name=""/>
           <p:cNvSpPr/>
           <p:nvPr/>
         </p:nvSpPr>
         <p:spPr>
           <a:xfrm>
             <a:off x="14486400" y="28540080"/>
-            <a:ext cx="4114440" cy="1599840"/>
+            <a:ext cx="4113720" cy="1599120"/>
           </a:xfrm>
           <a:prstGeom prst="roundRect">
             <a:avLst>
@@ -8123,14 +8048,14 @@
       </p:sp>
       <p:sp>
         <p:nvSpPr>
-          <p:cNvPr id="101" name=""/>
+          <p:cNvPr id="99" name=""/>
           <p:cNvSpPr/>
           <p:nvPr/>
         </p:nvSpPr>
         <p:spPr>
           <a:xfrm>
             <a:off x="33138000" y="5571000"/>
-            <a:ext cx="10131120" cy="839520"/>
+            <a:ext cx="10130400" cy="838800"/>
           </a:xfrm>
           <a:prstGeom prst="rect">
             <a:avLst/>
@@ -8185,14 +8110,14 @@
       </p:sp>
       <p:sp>
         <p:nvSpPr>
-          <p:cNvPr id="102" name=""/>
+          <p:cNvPr id="100" name=""/>
           <p:cNvSpPr/>
           <p:nvPr/>
         </p:nvSpPr>
         <p:spPr>
           <a:xfrm>
             <a:off x="22213440" y="5558400"/>
-            <a:ext cx="10473480" cy="839520"/>
+            <a:ext cx="10472760" cy="838800"/>
           </a:xfrm>
           <a:prstGeom prst="rect">
             <a:avLst/>
@@ -8247,14 +8172,14 @@
       </p:sp>
       <p:sp>
         <p:nvSpPr>
-          <p:cNvPr id="103" name=""/>
+          <p:cNvPr id="101" name=""/>
           <p:cNvSpPr/>
           <p:nvPr/>
         </p:nvSpPr>
         <p:spPr>
           <a:xfrm>
             <a:off x="567000" y="17087400"/>
-            <a:ext cx="10185120" cy="839520"/>
+            <a:ext cx="10184400" cy="838800"/>
           </a:xfrm>
           <a:prstGeom prst="rect">
             <a:avLst/>
@@ -8309,14 +8234,14 @@
       </p:sp>
       <p:sp>
         <p:nvSpPr>
-          <p:cNvPr id="104" name=""/>
-          <p:cNvSpPr/>
-          <p:nvPr/>
-        </p:nvSpPr>
-        <p:spPr>
-          <a:xfrm>
-            <a:off x="33138000" y="25659000"/>
-            <a:ext cx="10140480" cy="839520"/>
+          <p:cNvPr id="102" name=""/>
+          <p:cNvSpPr/>
+          <p:nvPr/>
+        </p:nvSpPr>
+        <p:spPr>
+          <a:xfrm>
+            <a:off x="33138000" y="23859000"/>
+            <a:ext cx="10139760" cy="838800"/>
           </a:xfrm>
           <a:prstGeom prst="rect">
             <a:avLst/>
@@ -8371,14 +8296,14 @@
       </p:sp>
       <p:sp>
         <p:nvSpPr>
-          <p:cNvPr id="105" name=""/>
+          <p:cNvPr id="103" name=""/>
           <p:cNvSpPr/>
           <p:nvPr/>
         </p:nvSpPr>
         <p:spPr>
           <a:xfrm>
             <a:off x="25266960" y="13204080"/>
-            <a:ext cx="4588560" cy="1857960"/>
+            <a:ext cx="4587840" cy="1857240"/>
           </a:xfrm>
           <a:prstGeom prst="roundRect">
             <a:avLst>
@@ -8425,14 +8350,14 @@
       </p:sp>
       <p:sp>
         <p:nvSpPr>
-          <p:cNvPr id="106" name=""/>
+          <p:cNvPr id="104" name=""/>
           <p:cNvSpPr/>
           <p:nvPr/>
         </p:nvSpPr>
         <p:spPr>
           <a:xfrm>
             <a:off x="25446600" y="13847400"/>
-            <a:ext cx="4228920" cy="1142640"/>
+            <a:ext cx="4228200" cy="1141920"/>
           </a:xfrm>
           <a:prstGeom prst="roundRect">
             <a:avLst>
@@ -8489,14 +8414,14 @@
       </p:sp>
       <p:sp>
         <p:nvSpPr>
-          <p:cNvPr id="107" name=""/>
+          <p:cNvPr id="105" name=""/>
           <p:cNvSpPr/>
           <p:nvPr/>
         </p:nvSpPr>
         <p:spPr>
           <a:xfrm>
             <a:off x="26016480" y="13138200"/>
-            <a:ext cx="3428640" cy="800640"/>
+            <a:ext cx="3427920" cy="801360"/>
           </a:xfrm>
           <a:prstGeom prst="rect">
             <a:avLst/>
@@ -8530,6 +8455,7 @@
                 <a:effectLst/>
                 <a:uFillTx/>
                 <a:latin typeface="Open Sans"/>
+                <a:ea typeface="DejaVu Sans"/>
               </a:rPr>
               <a:t>Python Wrapper</a:t>
             </a:r>
@@ -8546,14 +8472,14 @@
       </p:sp>
       <p:sp>
         <p:nvSpPr>
-          <p:cNvPr id="108" name=""/>
+          <p:cNvPr id="106" name=""/>
           <p:cNvSpPr/>
           <p:nvPr/>
         </p:nvSpPr>
         <p:spPr>
           <a:xfrm>
             <a:off x="25080840" y="12490560"/>
-            <a:ext cx="4539600" cy="644040"/>
+            <a:ext cx="4538880" cy="644760"/>
           </a:xfrm>
           <a:prstGeom prst="rect">
             <a:avLst/>
@@ -8587,6 +8513,7 @@
                 <a:effectLst/>
                 <a:uFillTx/>
                 <a:latin typeface="Open Sans"/>
+                <a:ea typeface="DejaVu Sans"/>
               </a:rPr>
               <a:t>Hardware Description</a:t>
             </a:r>
@@ -8603,14 +8530,14 @@
       </p:sp>
       <p:sp>
         <p:nvSpPr>
-          <p:cNvPr id="109" name=""/>
+          <p:cNvPr id="107" name=""/>
           <p:cNvSpPr/>
           <p:nvPr/>
         </p:nvSpPr>
         <p:spPr>
           <a:xfrm>
             <a:off x="24977160" y="9242280"/>
-            <a:ext cx="5143320" cy="2420640"/>
+            <a:ext cx="5142600" cy="2419920"/>
           </a:xfrm>
           <a:prstGeom prst="roundRect">
             <a:avLst>
@@ -8655,14 +8582,14 @@
       </p:sp>
       <p:sp>
         <p:nvSpPr>
-          <p:cNvPr id="110" name=""/>
+          <p:cNvPr id="108" name=""/>
           <p:cNvSpPr/>
           <p:nvPr/>
         </p:nvSpPr>
         <p:spPr>
           <a:xfrm>
             <a:off x="25355880" y="9834480"/>
-            <a:ext cx="4320000" cy="1627560"/>
+            <a:ext cx="4319280" cy="1626840"/>
           </a:xfrm>
           <a:prstGeom prst="roundRect">
             <a:avLst>
@@ -8708,14 +8635,14 @@
       </p:sp>
       <p:sp>
         <p:nvSpPr>
-          <p:cNvPr id="111" name=""/>
+          <p:cNvPr id="109" name=""/>
           <p:cNvSpPr/>
           <p:nvPr/>
         </p:nvSpPr>
         <p:spPr>
           <a:xfrm>
             <a:off x="25548840" y="9862560"/>
-            <a:ext cx="3428640" cy="800640"/>
+            <a:ext cx="3427920" cy="801360"/>
           </a:xfrm>
           <a:prstGeom prst="rect">
             <a:avLst/>
@@ -8749,6 +8676,7 @@
                 <a:effectLst/>
                 <a:uFillTx/>
                 <a:latin typeface="Open Sans"/>
+                <a:ea typeface="DejaVu Sans"/>
               </a:rPr>
               <a:t>Config Files</a:t>
             </a:r>
@@ -8765,14 +8693,14 @@
       </p:sp>
       <p:sp>
         <p:nvSpPr>
-          <p:cNvPr id="112" name=""/>
+          <p:cNvPr id="110" name=""/>
           <p:cNvSpPr/>
           <p:nvPr/>
         </p:nvSpPr>
         <p:spPr>
           <a:xfrm>
             <a:off x="25117200" y="9214920"/>
-            <a:ext cx="3428640" cy="800640"/>
+            <a:ext cx="3427920" cy="801360"/>
           </a:xfrm>
           <a:prstGeom prst="rect">
             <a:avLst/>
@@ -8806,6 +8734,7 @@
                 <a:effectLst/>
                 <a:uFillTx/>
                 <a:latin typeface="Open Sans"/>
+                <a:ea typeface="DejaVu Sans"/>
               </a:rPr>
               <a:t>User Space</a:t>
             </a:r>
@@ -8822,14 +8751,14 @@
       </p:sp>
       <p:sp>
         <p:nvSpPr>
-          <p:cNvPr id="113" name=""/>
+          <p:cNvPr id="111" name=""/>
           <p:cNvSpPr/>
           <p:nvPr/>
         </p:nvSpPr>
         <p:spPr>
           <a:xfrm>
             <a:off x="25916400" y="10634400"/>
-            <a:ext cx="3291480" cy="575640"/>
+            <a:ext cx="3290760" cy="574920"/>
           </a:xfrm>
           <a:prstGeom prst="roundRect">
             <a:avLst>
@@ -8886,7 +8815,7 @@
       </p:sp>
       <p:sp>
         <p:nvSpPr>
-          <p:cNvPr id="114" name=""/>
+          <p:cNvPr id="112" name=""/>
           <p:cNvSpPr/>
           <p:nvPr/>
         </p:nvSpPr>
@@ -8930,14 +8859,14 @@
       </p:sp>
       <p:sp>
         <p:nvSpPr>
-          <p:cNvPr id="115" name=""/>
+          <p:cNvPr id="113" name=""/>
           <p:cNvSpPr/>
           <p:nvPr/>
         </p:nvSpPr>
         <p:spPr>
           <a:xfrm>
             <a:off x="24976800" y="12518280"/>
-            <a:ext cx="5143320" cy="2640960"/>
+            <a:ext cx="5142600" cy="2640240"/>
           </a:xfrm>
           <a:prstGeom prst="roundRect">
             <a:avLst>
@@ -8982,7 +8911,7 @@
       </p:sp>
       <p:sp>
         <p:nvSpPr>
-          <p:cNvPr id="116" name=""/>
+          <p:cNvPr id="114" name=""/>
           <p:cNvSpPr/>
           <p:nvPr/>
         </p:nvSpPr>
@@ -9027,14 +8956,14 @@
       </p:sp>
       <p:sp>
         <p:nvSpPr>
-          <p:cNvPr id="117" name=""/>
+          <p:cNvPr id="115" name=""/>
           <p:cNvSpPr/>
           <p:nvPr/>
         </p:nvSpPr>
         <p:spPr>
           <a:xfrm>
             <a:off x="22897800" y="20273760"/>
-            <a:ext cx="2681640" cy="1214640"/>
+            <a:ext cx="2680920" cy="1213920"/>
           </a:xfrm>
           <a:prstGeom prst="roundRect">
             <a:avLst>
@@ -9091,7 +9020,7 @@
       </p:sp>
       <p:sp>
         <p:nvSpPr>
-          <p:cNvPr id="118" name=""/>
+          <p:cNvPr id="116" name=""/>
           <p:cNvSpPr/>
           <p:nvPr/>
         </p:nvSpPr>
@@ -9136,7 +9065,7 @@
       </p:sp>
       <p:sp>
         <p:nvSpPr>
-          <p:cNvPr id="119" name=""/>
+          <p:cNvPr id="117" name=""/>
           <p:cNvSpPr/>
           <p:nvPr/>
         </p:nvSpPr>
@@ -9181,14 +9110,14 @@
       </p:sp>
       <p:sp>
         <p:nvSpPr>
-          <p:cNvPr id="120" name=""/>
+          <p:cNvPr id="118" name=""/>
           <p:cNvSpPr/>
           <p:nvPr/>
         </p:nvSpPr>
         <p:spPr>
           <a:xfrm>
             <a:off x="25414200" y="17602200"/>
-            <a:ext cx="4235040" cy="1942920"/>
+            <a:ext cx="4234320" cy="1942200"/>
           </a:xfrm>
           <a:prstGeom prst="roundRect">
             <a:avLst>
@@ -9245,14 +9174,14 @@
       </p:sp>
       <p:sp>
         <p:nvSpPr>
-          <p:cNvPr id="121" name=""/>
+          <p:cNvPr id="119" name=""/>
           <p:cNvSpPr/>
           <p:nvPr/>
         </p:nvSpPr>
         <p:spPr>
           <a:xfrm>
             <a:off x="26209800" y="20273760"/>
-            <a:ext cx="2681640" cy="1214640"/>
+            <a:ext cx="2680920" cy="1213920"/>
           </a:xfrm>
           <a:prstGeom prst="roundRect">
             <a:avLst>
@@ -9309,14 +9238,14 @@
       </p:sp>
       <p:sp>
         <p:nvSpPr>
-          <p:cNvPr id="122" name=""/>
+          <p:cNvPr id="120" name=""/>
           <p:cNvSpPr/>
           <p:nvPr/>
         </p:nvSpPr>
         <p:spPr>
           <a:xfrm>
             <a:off x="29449800" y="20273760"/>
-            <a:ext cx="2681640" cy="1214640"/>
+            <a:ext cx="2680920" cy="1213920"/>
           </a:xfrm>
           <a:prstGeom prst="roundRect">
             <a:avLst>
@@ -9358,41 +9287,29 @@
                 <a:latin typeface="Open Sans"/>
                 <a:ea typeface="DejaVu Sans"/>
               </a:rPr>
-              <a:t>Disk </a:t>
-            </a:r>
-            <a:r>
-              <a:rPr b="0" lang="en-US" sz="3200" strike="noStrike" u="none">
-                <a:solidFill>
-                  <a:srgbClr val="000000"/>
-                </a:solidFill>
-                <a:effectLst/>
-                <a:uFillTx/>
-                <a:latin typeface="Open Sans"/>
-                <a:ea typeface="DejaVu Sans"/>
-              </a:rPr>
-              <a:t>Image</a:t>
-            </a:r>
-            <a:endParaRPr b="0" lang="en-US" sz="3200" strike="noStrike" u="none">
-              <a:solidFill>
-                <a:srgbClr val="000000"/>
-              </a:solidFill>
-              <a:effectLst/>
-              <a:uFillTx/>
-              <a:latin typeface="Arial"/>
-            </a:endParaRPr>
-          </a:p>
-        </p:txBody>
-      </p:sp>
-      <p:sp>
-        <p:nvSpPr>
-          <p:cNvPr id="123" name=""/>
-          <p:cNvSpPr/>
-          <p:nvPr/>
-        </p:nvSpPr>
-        <p:spPr>
-          <a:xfrm>
-            <a:off x="14369040" y="21026520"/>
-            <a:ext cx="1942920" cy="1028520"/>
+              <a:t>Disk Image</a:t>
+            </a:r>
+            <a:endParaRPr b="0" lang="en-US" sz="3200" strike="noStrike" u="none">
+              <a:solidFill>
+                <a:srgbClr val="000000"/>
+              </a:solidFill>
+              <a:effectLst/>
+              <a:uFillTx/>
+              <a:latin typeface="Arial"/>
+            </a:endParaRPr>
+          </a:p>
+        </p:txBody>
+      </p:sp>
+      <p:sp>
+        <p:nvSpPr>
+          <p:cNvPr id="121" name=""/>
+          <p:cNvSpPr/>
+          <p:nvPr/>
+        </p:nvSpPr>
+        <p:spPr>
+          <a:xfrm>
+            <a:off x="12281040" y="20630520"/>
+            <a:ext cx="1942200" cy="1027800"/>
           </a:xfrm>
           <a:prstGeom prst="roundRect">
             <a:avLst>
@@ -9434,8 +9351,706 @@
                 <a:latin typeface="Open Sans"/>
                 <a:ea typeface="DejaVu Sans"/>
               </a:rPr>
-              <a:t>Securi</a:t>
-            </a:r>
+              <a:t>Security Monitor</a:t>
+            </a:r>
+            <a:endParaRPr b="0" lang="en-US" sz="3200" strike="noStrike" u="none">
+              <a:solidFill>
+                <a:srgbClr val="000000"/>
+              </a:solidFill>
+              <a:effectLst/>
+              <a:uFillTx/>
+              <a:latin typeface="Arial"/>
+            </a:endParaRPr>
+          </a:p>
+        </p:txBody>
+      </p:sp>
+      <p:sp>
+        <p:nvSpPr>
+          <p:cNvPr id="122" name="Text Placeholder 1"/>
+          <p:cNvSpPr/>
+          <p:nvPr/>
+        </p:nvSpPr>
+        <p:spPr>
+          <a:xfrm>
+            <a:off x="1529280" y="3421440"/>
+            <a:ext cx="42386760" cy="2530080"/>
+          </a:xfrm>
+          <a:prstGeom prst="rect">
+            <a:avLst/>
+          </a:prstGeom>
+          <a:noFill/>
+          <a:ln w="0">
+            <a:noFill/>
+          </a:ln>
+        </p:spPr>
+        <p:style>
+          <a:lnRef idx="0"/>
+          <a:fillRef idx="0"/>
+          <a:effectRef idx="0"/>
+          <a:fontRef idx="minor"/>
+        </p:style>
+        <p:txBody>
+          <a:bodyPr lIns="0" rIns="0" tIns="0" bIns="0" anchor="t">
+            <a:spAutoFit/>
+          </a:bodyPr>
+          <a:p>
+            <a:pPr defTabSz="3760920">
+              <a:lnSpc>
+                <a:spcPct val="100000"/>
+              </a:lnSpc>
+              <a:tabLst>
+                <a:tab algn="l" pos="0"/>
+              </a:tabLst>
+            </a:pPr>
+            <a:r>
+              <a:rPr b="0" lang="en-US" sz="5400" strike="noStrike" u="none">
+                <a:solidFill>
+                  <a:srgbClr val="ffffff"/>
+                </a:solidFill>
+                <a:effectLst/>
+                <a:uFillTx/>
+                <a:latin typeface="Open Sans"/>
+                <a:ea typeface="Open Sans"/>
+              </a:rPr>
+              <a:t>     </a:t>
+            </a:r>
+            <a:r>
+              <a:rPr b="0" lang="en-US" sz="3600" strike="noStrike" u="none">
+                <a:solidFill>
+                  <a:srgbClr val="ffffff"/>
+                </a:solidFill>
+                <a:effectLst/>
+                <a:uFillTx/>
+                <a:latin typeface="Open Sans"/>
+                <a:ea typeface="Open Sans"/>
+              </a:rPr>
+              <a:t>Department of Computer Science</a:t>
+            </a:r>
+            <a:r>
+              <a:rPr b="0" lang="en-US" sz="5400" strike="noStrike" u="none">
+                <a:solidFill>
+                  <a:srgbClr val="ffffff"/>
+                </a:solidFill>
+                <a:effectLst/>
+                <a:uFillTx/>
+                <a:latin typeface="Open Sans"/>
+                <a:ea typeface="Open Sans"/>
+              </a:rPr>
+              <a:t>                   </a:t>
+            </a:r>
+            <a:r>
+              <a:rPr b="0" lang="en-US" sz="3600" strike="noStrike" u="none">
+                <a:solidFill>
+                  <a:srgbClr val="ffffff"/>
+                </a:solidFill>
+                <a:effectLst/>
+                <a:uFillTx/>
+                <a:latin typeface="Open Sans"/>
+                <a:ea typeface="Open Sans"/>
+              </a:rPr>
+              <a:t>Department of Computer Science</a:t>
+            </a:r>
+            <a:r>
+              <a:rPr b="0" lang="en-US" sz="5400" strike="noStrike" u="none">
+                <a:solidFill>
+                  <a:srgbClr val="ffffff"/>
+                </a:solidFill>
+                <a:effectLst/>
+                <a:uFillTx/>
+                <a:latin typeface="Open Sans"/>
+                <a:ea typeface="Open Sans"/>
+              </a:rPr>
+              <a:t>	</a:t>
+            </a:r>
+            <a:r>
+              <a:rPr b="0" lang="en-US" sz="5400" strike="noStrike" u="none">
+                <a:solidFill>
+                  <a:srgbClr val="ffffff"/>
+                </a:solidFill>
+                <a:effectLst/>
+                <a:uFillTx/>
+                <a:latin typeface="Open Sans"/>
+                <a:ea typeface="Open Sans"/>
+              </a:rPr>
+              <a:t>            </a:t>
+            </a:r>
+            <a:r>
+              <a:rPr b="0" lang="en-US" sz="3600" strike="noStrike" u="none">
+                <a:solidFill>
+                  <a:srgbClr val="ffffff"/>
+                </a:solidFill>
+                <a:effectLst/>
+                <a:uFillTx/>
+                <a:latin typeface="Open Sans"/>
+                <a:ea typeface="Open Sans"/>
+              </a:rPr>
+              <a:t>Department of Electrical, Computer, &amp; Energy</a:t>
+            </a:r>
+            <a:r>
+              <a:rPr b="0" lang="en-US" sz="5400" strike="noStrike" u="none">
+                <a:solidFill>
+                  <a:srgbClr val="ffffff"/>
+                </a:solidFill>
+                <a:effectLst/>
+                <a:uFillTx/>
+                <a:latin typeface="Open Sans"/>
+                <a:ea typeface="Open Sans"/>
+              </a:rPr>
+              <a:t>       </a:t>
+            </a:r>
+            <a:r>
+              <a:rPr b="0" lang="en-US" sz="3600" strike="noStrike" u="none">
+                <a:solidFill>
+                  <a:srgbClr val="ffffff"/>
+                </a:solidFill>
+                <a:effectLst/>
+                <a:uFillTx/>
+                <a:latin typeface="Open Sans"/>
+                <a:ea typeface="Open Sans"/>
+              </a:rPr>
+              <a:t>Department of Electrical, Computer, &amp; Energy</a:t>
+            </a:r>
+            <a:endParaRPr b="0" lang="en-US" sz="3600" strike="noStrike" u="none">
+              <a:solidFill>
+                <a:srgbClr val="000000"/>
+              </a:solidFill>
+              <a:effectLst/>
+              <a:uFillTx/>
+              <a:latin typeface="Arial"/>
+            </a:endParaRPr>
+          </a:p>
+          <a:p>
+            <a:pPr defTabSz="3760920">
+              <a:lnSpc>
+                <a:spcPct val="100000"/>
+              </a:lnSpc>
+              <a:tabLst>
+                <a:tab algn="l" pos="0"/>
+              </a:tabLst>
+            </a:pPr>
+            <a:r>
+              <a:rPr b="0" lang="en-US" sz="5400" strike="noStrike" u="none">
+                <a:solidFill>
+                  <a:srgbClr val="ffffff"/>
+                </a:solidFill>
+                <a:effectLst/>
+                <a:uFillTx/>
+                <a:latin typeface="Open Sans"/>
+                <a:ea typeface="Open Sans"/>
+              </a:rPr>
+              <a:t>	</a:t>
+            </a:r>
+            <a:r>
+              <a:rPr b="0" lang="en-US" sz="5400" strike="noStrike" u="none">
+                <a:solidFill>
+                  <a:srgbClr val="ffffff"/>
+                </a:solidFill>
+                <a:effectLst/>
+                <a:uFillTx/>
+                <a:latin typeface="Open Sans"/>
+                <a:ea typeface="Open Sans"/>
+              </a:rPr>
+              <a:t>	</a:t>
+            </a:r>
+            <a:r>
+              <a:rPr b="0" lang="en-US" sz="5400" strike="noStrike" u="none">
+                <a:solidFill>
+                  <a:srgbClr val="ffffff"/>
+                </a:solidFill>
+                <a:effectLst/>
+                <a:uFillTx/>
+                <a:latin typeface="Open Sans"/>
+                <a:ea typeface="Open Sans"/>
+              </a:rPr>
+              <a:t>	</a:t>
+            </a:r>
+            <a:r>
+              <a:rPr b="0" lang="en-US" sz="5400" strike="noStrike" u="none">
+                <a:solidFill>
+                  <a:srgbClr val="ffffff"/>
+                </a:solidFill>
+                <a:effectLst/>
+                <a:uFillTx/>
+                <a:latin typeface="Open Sans"/>
+                <a:ea typeface="Open Sans"/>
+              </a:rPr>
+              <a:t>	</a:t>
+            </a:r>
+            <a:r>
+              <a:rPr b="0" lang="en-US" sz="5400" strike="noStrike" u="none">
+                <a:solidFill>
+                  <a:srgbClr val="ffffff"/>
+                </a:solidFill>
+                <a:effectLst/>
+                <a:uFillTx/>
+                <a:latin typeface="Open Sans"/>
+                <a:ea typeface="Open Sans"/>
+              </a:rPr>
+              <a:t>	</a:t>
+            </a:r>
+            <a:r>
+              <a:rPr b="0" lang="en-US" sz="5400" strike="noStrike" u="none">
+                <a:solidFill>
+                  <a:srgbClr val="ffffff"/>
+                </a:solidFill>
+                <a:effectLst/>
+                <a:uFillTx/>
+                <a:latin typeface="Open Sans"/>
+                <a:ea typeface="Open Sans"/>
+              </a:rPr>
+              <a:t>	</a:t>
+            </a:r>
+            <a:r>
+              <a:rPr b="0" lang="en-US" sz="5400" strike="noStrike" u="none">
+                <a:solidFill>
+                  <a:srgbClr val="ffffff"/>
+                </a:solidFill>
+                <a:effectLst/>
+                <a:uFillTx/>
+                <a:latin typeface="Open Sans"/>
+                <a:ea typeface="Open Sans"/>
+              </a:rPr>
+              <a:t>          </a:t>
+            </a:r>
+            <a:r>
+              <a:rPr b="0" lang="en-US" sz="3600" strike="noStrike" u="none">
+                <a:solidFill>
+                  <a:srgbClr val="ffffff"/>
+                </a:solidFill>
+                <a:effectLst/>
+                <a:uFillTx/>
+                <a:latin typeface="Open Sans"/>
+                <a:ea typeface="Open Sans"/>
+              </a:rPr>
+              <a:t>Engineering   </a:t>
+            </a:r>
+            <a:r>
+              <a:rPr b="0" lang="en-US" sz="3600" strike="noStrike" u="none">
+                <a:solidFill>
+                  <a:srgbClr val="ffffff"/>
+                </a:solidFill>
+                <a:effectLst/>
+                <a:uFillTx/>
+                <a:latin typeface="Open Sans"/>
+                <a:ea typeface="Open Sans"/>
+              </a:rPr>
+              <a:t>	</a:t>
+            </a:r>
+            <a:r>
+              <a:rPr b="0" lang="en-US" sz="3600" strike="noStrike" u="none">
+                <a:solidFill>
+                  <a:srgbClr val="ffffff"/>
+                </a:solidFill>
+                <a:effectLst/>
+                <a:uFillTx/>
+                <a:latin typeface="Open Sans"/>
+                <a:ea typeface="Open Sans"/>
+              </a:rPr>
+              <a:t>	</a:t>
+            </a:r>
+            <a:r>
+              <a:rPr b="0" lang="en-US" sz="3600" strike="noStrike" u="none">
+                <a:solidFill>
+                  <a:srgbClr val="ffffff"/>
+                </a:solidFill>
+                <a:effectLst/>
+                <a:uFillTx/>
+                <a:latin typeface="Open Sans"/>
+                <a:ea typeface="Open Sans"/>
+              </a:rPr>
+              <a:t>             Engineering  </a:t>
+            </a:r>
+            <a:r>
+              <a:rPr b="0" lang="en-US" sz="5600" strike="noStrike" u="none">
+                <a:solidFill>
+                  <a:srgbClr val="ffffff"/>
+                </a:solidFill>
+                <a:effectLst/>
+                <a:uFillTx/>
+                <a:latin typeface="Open Sans"/>
+                <a:ea typeface="Open Sans"/>
+              </a:rPr>
+              <a:t>         </a:t>
+            </a:r>
+            <a:endParaRPr b="0" lang="en-US" sz="5600" strike="noStrike" u="none">
+              <a:solidFill>
+                <a:srgbClr val="000000"/>
+              </a:solidFill>
+              <a:effectLst/>
+              <a:uFillTx/>
+              <a:latin typeface="Arial"/>
+            </a:endParaRPr>
+          </a:p>
+          <a:p>
+            <a:pPr algn="ctr" defTabSz="3760920">
+              <a:lnSpc>
+                <a:spcPct val="100000"/>
+              </a:lnSpc>
+              <a:spcBef>
+                <a:spcPts val="1120"/>
+              </a:spcBef>
+              <a:tabLst>
+                <a:tab algn="l" pos="0"/>
+              </a:tabLst>
+            </a:pPr>
+            <a:endParaRPr b="0" lang="en-US" sz="5600" strike="noStrike" u="none">
+              <a:solidFill>
+                <a:srgbClr val="000000"/>
+              </a:solidFill>
+              <a:effectLst/>
+              <a:uFillTx/>
+              <a:latin typeface="Arial"/>
+            </a:endParaRPr>
+          </a:p>
+        </p:txBody>
+      </p:sp>
+      <p:sp>
+        <p:nvSpPr>
+          <p:cNvPr id="123" name=""/>
+          <p:cNvSpPr/>
+          <p:nvPr/>
+        </p:nvSpPr>
+        <p:spPr>
+          <a:xfrm>
+            <a:off x="23171040" y="27878760"/>
+            <a:ext cx="2703600" cy="2334240"/>
+          </a:xfrm>
+          <a:prstGeom prst="ellipse">
+            <a:avLst/>
+          </a:prstGeom>
+          <a:noFill/>
+          <a:ln w="38160">
+            <a:solidFill>
+              <a:srgbClr val="ff972f"/>
+            </a:solidFill>
+            <a:round/>
+          </a:ln>
+        </p:spPr>
+        <p:style>
+          <a:lnRef idx="0"/>
+          <a:fillRef idx="0"/>
+          <a:effectRef idx="0"/>
+          <a:fontRef idx="minor"/>
+        </p:style>
+        <p:txBody>
+          <a:bodyPr lIns="109080" rIns="109080" tIns="64080" bIns="64080" anchor="ctr">
+            <a:noAutofit/>
+          </a:bodyPr>
+          <a:p>
+            <a:pPr algn="ctr">
+              <a:lnSpc>
+                <a:spcPct val="100000"/>
+              </a:lnSpc>
+            </a:pPr>
+            <a:r>
+              <a:rPr b="0" lang="en-US" sz="2800" strike="noStrike" u="none">
+                <a:solidFill>
+                  <a:srgbClr val="000000"/>
+                </a:solidFill>
+                <a:effectLst/>
+                <a:uFillTx/>
+                <a:latin typeface="Arial"/>
+                <a:ea typeface="Arial"/>
+              </a:rPr>
+              <a:t>Bench-marking</a:t>
+            </a:r>
+            <a:endParaRPr b="0" lang="en-US" sz="2800" strike="noStrike" u="none">
+              <a:solidFill>
+                <a:srgbClr val="000000"/>
+              </a:solidFill>
+              <a:effectLst/>
+              <a:uFillTx/>
+              <a:latin typeface="Arial"/>
+            </a:endParaRPr>
+          </a:p>
+        </p:txBody>
+      </p:sp>
+      <p:sp>
+        <p:nvSpPr>
+          <p:cNvPr id="124" name=""/>
+          <p:cNvSpPr/>
+          <p:nvPr/>
+        </p:nvSpPr>
+        <p:spPr>
+          <a:xfrm>
+            <a:off x="29327040" y="27879120"/>
+            <a:ext cx="2703600" cy="2334240"/>
+          </a:xfrm>
+          <a:prstGeom prst="ellipse">
+            <a:avLst/>
+          </a:prstGeom>
+          <a:noFill/>
+          <a:ln w="38160">
+            <a:solidFill>
+              <a:srgbClr val="127622"/>
+            </a:solidFill>
+            <a:round/>
+          </a:ln>
+        </p:spPr>
+        <p:style>
+          <a:lnRef idx="0"/>
+          <a:fillRef idx="0"/>
+          <a:effectRef idx="0"/>
+          <a:fontRef idx="minor"/>
+        </p:style>
+        <p:txBody>
+          <a:bodyPr lIns="109080" rIns="109080" tIns="64080" bIns="64080" anchor="ctr">
+            <a:noAutofit/>
+          </a:bodyPr>
+          <a:p>
+            <a:pPr algn="ctr">
+              <a:lnSpc>
+                <a:spcPct val="100000"/>
+              </a:lnSpc>
+            </a:pPr>
+            <a:r>
+              <a:rPr b="0" lang="en-US" sz="2800" strike="noStrike" u="none">
+                <a:solidFill>
+                  <a:srgbClr val="000000"/>
+                </a:solidFill>
+                <a:effectLst/>
+                <a:uFillTx/>
+                <a:latin typeface="Arial"/>
+                <a:ea typeface="Arial"/>
+              </a:rPr>
+              <a:t>Implement Designs</a:t>
+            </a:r>
+            <a:endParaRPr b="0" lang="en-US" sz="2800" strike="noStrike" u="none">
+              <a:solidFill>
+                <a:srgbClr val="000000"/>
+              </a:solidFill>
+              <a:effectLst/>
+              <a:uFillTx/>
+              <a:latin typeface="Arial"/>
+            </a:endParaRPr>
+          </a:p>
+        </p:txBody>
+      </p:sp>
+      <p:sp>
+        <p:nvSpPr>
+          <p:cNvPr id="125" name=""/>
+          <p:cNvSpPr/>
+          <p:nvPr/>
+        </p:nvSpPr>
+        <p:spPr>
+          <a:xfrm>
+            <a:off x="11417040" y="17013600"/>
+            <a:ext cx="6233760" cy="8337600"/>
+          </a:xfrm>
+          <a:custGeom>
+            <a:avLst/>
+            <a:gdLst>
+              <a:gd name="textAreaLeft" fmla="*/ 304200 w 6233760"/>
+              <a:gd name="textAreaRight" fmla="*/ 5929560 w 6233760"/>
+              <a:gd name="textAreaTop" fmla="*/ 304200 h 8337600"/>
+              <a:gd name="textAreaBottom" fmla="*/ 8033400 h 8337600"/>
+            </a:gdLst>
+            <a:ahLst/>
+            <a:rect l="textAreaLeft" t="textAreaTop" r="textAreaRight" b="textAreaBottom"/>
+            <a:pathLst>
+              <a:path w="21600" h="28889">
+                <a:moveTo>
+                  <a:pt x="3600" y="0"/>
+                </a:moveTo>
+                <a:arcTo wR="3600" hR="3600" stAng="16200000" swAng="-5400000"/>
+                <a:lnTo>
+                  <a:pt x="0" y="25289"/>
+                </a:lnTo>
+                <a:arcTo wR="3600" hR="3600" stAng="10800000" swAng="-5400000"/>
+                <a:lnTo>
+                  <a:pt x="18000" y="28889"/>
+                </a:lnTo>
+                <a:arcTo wR="3600" hR="3600" stAng="5400000" swAng="-5400000"/>
+                <a:lnTo>
+                  <a:pt x="21600" y="3600"/>
+                </a:lnTo>
+                <a:arcTo wR="3600" hR="3600" stAng="0" swAng="-5400000"/>
+                <a:close/>
+              </a:path>
+            </a:pathLst>
+          </a:custGeom>
+          <a:noFill/>
+          <a:ln w="38160">
+            <a:solidFill>
+              <a:srgbClr val="000000"/>
+            </a:solidFill>
+            <a:round/>
+          </a:ln>
+        </p:spPr>
+        <p:style>
+          <a:lnRef idx="0"/>
+          <a:fillRef idx="0"/>
+          <a:effectRef idx="0"/>
+          <a:fontRef idx="minor"/>
+        </p:style>
+        <p:txBody>
+          <a:bodyPr lIns="109080" rIns="109080" tIns="64080" bIns="64080" anchor="ctr">
+            <a:noAutofit/>
+          </a:bodyPr>
+          <a:p>
+            <a:endParaRPr b="0" lang="en-US" sz="1800" strike="noStrike" u="none">
+              <a:solidFill>
+                <a:srgbClr val="000000"/>
+              </a:solidFill>
+              <a:effectLst/>
+              <a:uFillTx/>
+              <a:latin typeface="Arial"/>
+            </a:endParaRPr>
+          </a:p>
+        </p:txBody>
+      </p:sp>
+      <p:sp>
+        <p:nvSpPr>
+          <p:cNvPr id="126" name=""/>
+          <p:cNvSpPr txBox="1"/>
+          <p:nvPr/>
+        </p:nvSpPr>
+        <p:spPr>
+          <a:xfrm>
+            <a:off x="11995200" y="16399800"/>
+            <a:ext cx="5486400" cy="1447920"/>
+          </a:xfrm>
+          <a:prstGeom prst="rect">
+            <a:avLst/>
+          </a:prstGeom>
+          <a:noFill/>
+          <a:ln w="0">
+            <a:noFill/>
+          </a:ln>
+        </p:spPr>
+        <p:txBody>
+          <a:bodyPr lIns="90000" rIns="90000" tIns="45000" bIns="45000" anchor="t">
+            <a:spAutoFit/>
+          </a:bodyPr>
+          <a:p>
+            <a:r>
+              <a:rPr b="0" lang="en-US" sz="3200" strike="noStrike" u="none">
+                <a:solidFill>
+                  <a:srgbClr val="000000"/>
+                </a:solidFill>
+                <a:effectLst/>
+                <a:uFillTx/>
+                <a:latin typeface="Open Sans"/>
+              </a:rPr>
+              <a:t>Existing </a:t>
+            </a:r>
+            <a:r>
+              <a:rPr b="0" lang="en-US" sz="3200" strike="noStrike" u="none">
+                <a:solidFill>
+                  <a:srgbClr val="000000"/>
+                </a:solidFill>
+                <a:effectLst/>
+                <a:uFillTx/>
+                <a:latin typeface="Open Sans"/>
+              </a:rPr>
+              <a:t>Implementati</a:t>
+            </a:r>
+            <a:r>
+              <a:rPr b="0" lang="en-US" sz="3200" strike="noStrike" u="none">
+                <a:solidFill>
+                  <a:srgbClr val="000000"/>
+                </a:solidFill>
+                <a:effectLst/>
+                <a:uFillTx/>
+                <a:latin typeface="Open Sans"/>
+              </a:rPr>
+              <a:t>ons</a:t>
+            </a:r>
+            <a:endParaRPr b="0" lang="en-US" sz="3200" strike="noStrike" u="none">
+              <a:solidFill>
+                <a:srgbClr val="000000"/>
+              </a:solidFill>
+              <a:effectLst/>
+              <a:uFillTx/>
+              <a:latin typeface="Open Sans"/>
+            </a:endParaRPr>
+          </a:p>
+        </p:txBody>
+      </p:sp>
+      <p:sp>
+        <p:nvSpPr>
+          <p:cNvPr id="127" name=""/>
+          <p:cNvSpPr/>
+          <p:nvPr/>
+        </p:nvSpPr>
+        <p:spPr>
+          <a:xfrm>
+            <a:off x="17650440" y="20790720"/>
+            <a:ext cx="637920" cy="360"/>
+          </a:xfrm>
+          <a:prstGeom prst="line">
+            <a:avLst/>
+          </a:prstGeom>
+          <a:ln w="38160">
+            <a:solidFill>
+              <a:srgbClr val="000000"/>
+            </a:solidFill>
+            <a:round/>
+          </a:ln>
+        </p:spPr>
+        <p:style>
+          <a:lnRef idx="0"/>
+          <a:fillRef idx="0"/>
+          <a:effectRef idx="0"/>
+          <a:fontRef idx="minor"/>
+        </p:style>
+        <p:txBody>
+          <a:bodyPr lIns="109080" rIns="109080" tIns="-63720" bIns="-63720" anchor="ctr">
+            <a:noAutofit/>
+          </a:bodyPr>
+          <a:p>
+            <a:endParaRPr b="0" lang="en-US" sz="1800" strike="noStrike" u="none">
+              <a:solidFill>
+                <a:srgbClr val="000000"/>
+              </a:solidFill>
+              <a:effectLst/>
+              <a:uFillTx/>
+              <a:latin typeface="Arial"/>
+            </a:endParaRPr>
+          </a:p>
+        </p:txBody>
+      </p:sp>
+      <p:sp>
+        <p:nvSpPr>
+          <p:cNvPr id="128" name=""/>
+          <p:cNvSpPr/>
+          <p:nvPr/>
+        </p:nvSpPr>
+        <p:spPr>
+          <a:xfrm>
+            <a:off x="18500400" y="18740880"/>
+            <a:ext cx="2844000" cy="1543320"/>
+          </a:xfrm>
+          <a:prstGeom prst="roundRect">
+            <a:avLst>
+              <a:gd name="adj" fmla="val 16667"/>
+            </a:avLst>
+          </a:prstGeom>
+          <a:solidFill>
+            <a:srgbClr val="729fcf"/>
+          </a:solidFill>
+          <a:ln w="0">
+            <a:solidFill>
+              <a:srgbClr val="3465a4"/>
+            </a:solidFill>
+          </a:ln>
+        </p:spPr>
+        <p:style>
+          <a:lnRef idx="0"/>
+          <a:fillRef idx="0"/>
+          <a:effectRef idx="0"/>
+          <a:fontRef idx="minor"/>
+        </p:style>
+        <p:txBody>
+          <a:bodyPr lIns="90000" rIns="90000" tIns="45000" bIns="45000" anchor="ctr">
+            <a:noAutofit/>
+          </a:bodyPr>
+          <a:p>
+            <a:pPr algn="ctr">
+              <a:lnSpc>
+                <a:spcPct val="100000"/>
+              </a:lnSpc>
+            </a:pPr>
             <a:r>
               <a:rPr b="0" lang="en-US" sz="3200" strike="noStrike" u="none">
                 <a:solidFill>
@@ -9446,7 +10061,7 @@
                 <a:latin typeface="Open Sans"/>
                 <a:ea typeface="DejaVu Sans"/>
               </a:rPr>
-              <a:t>ty </a:t>
+              <a:t>Memory </a:t>
             </a:r>
             <a:r>
               <a:rPr b="0" lang="en-US" sz="3200" strike="noStrike" u="none">
@@ -9458,7 +10073,7 @@
                 <a:latin typeface="Open Sans"/>
                 <a:ea typeface="DejaVu Sans"/>
               </a:rPr>
-              <a:t>Monit</a:t>
+              <a:t>Encryption </a:t>
             </a:r>
             <a:r>
               <a:rPr b="0" lang="en-US" sz="3200" strike="noStrike" u="none">
@@ -9470,15 +10085,245 @@
                 <a:latin typeface="Open Sans"/>
                 <a:ea typeface="DejaVu Sans"/>
               </a:rPr>
-              <a:t>or</a:t>
-            </a:r>
-            <a:endParaRPr b="0" lang="en-US" sz="3200" strike="noStrike" u="none">
-              <a:solidFill>
-                <a:srgbClr val="000000"/>
-              </a:solidFill>
-              <a:effectLst/>
-              <a:uFillTx/>
-              <a:latin typeface="Arial"/>
+              <a:t>Engine</a:t>
+            </a:r>
+            <a:endParaRPr b="0" lang="en-US" sz="3200" strike="noStrike" u="none">
+              <a:solidFill>
+                <a:srgbClr val="000000"/>
+              </a:solidFill>
+              <a:effectLst/>
+              <a:uFillTx/>
+              <a:latin typeface="Arial"/>
+            </a:endParaRPr>
+          </a:p>
+        </p:txBody>
+      </p:sp>
+      <p:sp>
+        <p:nvSpPr>
+          <p:cNvPr id="129" name=""/>
+          <p:cNvSpPr/>
+          <p:nvPr/>
+        </p:nvSpPr>
+        <p:spPr>
+          <a:xfrm>
+            <a:off x="18500400" y="21332880"/>
+            <a:ext cx="2844000" cy="1543320"/>
+          </a:xfrm>
+          <a:prstGeom prst="roundRect">
+            <a:avLst>
+              <a:gd name="adj" fmla="val 16667"/>
+            </a:avLst>
+          </a:prstGeom>
+          <a:solidFill>
+            <a:srgbClr val="3faf46"/>
+          </a:solidFill>
+          <a:ln w="0">
+            <a:solidFill>
+              <a:srgbClr val="3465a4"/>
+            </a:solidFill>
+          </a:ln>
+        </p:spPr>
+        <p:style>
+          <a:lnRef idx="0"/>
+          <a:fillRef idx="0"/>
+          <a:effectRef idx="0"/>
+          <a:fontRef idx="minor"/>
+        </p:style>
+        <p:txBody>
+          <a:bodyPr lIns="90000" rIns="90000" tIns="45000" bIns="45000" anchor="ctr">
+            <a:noAutofit/>
+          </a:bodyPr>
+          <a:p>
+            <a:pPr algn="ctr">
+              <a:lnSpc>
+                <a:spcPct val="100000"/>
+              </a:lnSpc>
+            </a:pPr>
+            <a:r>
+              <a:rPr b="0" lang="en-US" sz="3200" strike="noStrike" u="none">
+                <a:solidFill>
+                  <a:srgbClr val="000000"/>
+                </a:solidFill>
+                <a:effectLst/>
+                <a:uFillTx/>
+                <a:latin typeface="Open Sans"/>
+                <a:ea typeface="DejaVu Sans"/>
+              </a:rPr>
+              <a:t>Port </a:t>
+            </a:r>
+            <a:r>
+              <a:rPr b="0" lang="en-US" sz="3200" strike="noStrike" u="none">
+                <a:solidFill>
+                  <a:srgbClr val="000000"/>
+                </a:solidFill>
+                <a:effectLst/>
+                <a:uFillTx/>
+                <a:latin typeface="Open Sans"/>
+                <a:ea typeface="DejaVu Sans"/>
+              </a:rPr>
+              <a:t>Connec</a:t>
+            </a:r>
+            <a:r>
+              <a:rPr b="0" lang="en-US" sz="3200" strike="noStrike" u="none">
+                <a:solidFill>
+                  <a:srgbClr val="000000"/>
+                </a:solidFill>
+                <a:effectLst/>
+                <a:uFillTx/>
+                <a:latin typeface="Open Sans"/>
+                <a:ea typeface="DejaVu Sans"/>
+              </a:rPr>
+              <a:t>tions</a:t>
+            </a:r>
+            <a:endParaRPr b="0" lang="en-US" sz="3200" strike="noStrike" u="none">
+              <a:solidFill>
+                <a:srgbClr val="ffffff"/>
+              </a:solidFill>
+              <a:effectLst/>
+              <a:uFillTx/>
+              <a:latin typeface="Arial"/>
+            </a:endParaRPr>
+          </a:p>
+        </p:txBody>
+      </p:sp>
+      <p:sp>
+        <p:nvSpPr>
+          <p:cNvPr id="130" name=""/>
+          <p:cNvSpPr/>
+          <p:nvPr/>
+        </p:nvSpPr>
+        <p:spPr>
+          <a:xfrm>
+            <a:off x="18288000" y="18516600"/>
+            <a:ext cx="3251160" cy="4572000"/>
+          </a:xfrm>
+          <a:custGeom>
+            <a:avLst/>
+            <a:gdLst>
+              <a:gd name="textAreaLeft" fmla="*/ 158400 w 3251160"/>
+              <a:gd name="textAreaRight" fmla="*/ 3092760 w 3251160"/>
+              <a:gd name="textAreaTop" fmla="*/ 158400 h 4572000"/>
+              <a:gd name="textAreaBottom" fmla="*/ 4413600 h 4572000"/>
+            </a:gdLst>
+            <a:ahLst/>
+            <a:rect l="textAreaLeft" t="textAreaTop" r="textAreaRight" b="textAreaBottom"/>
+            <a:pathLst>
+              <a:path w="21600" h="30374">
+                <a:moveTo>
+                  <a:pt x="3600" y="0"/>
+                </a:moveTo>
+                <a:arcTo wR="3600" hR="3600" stAng="16200000" swAng="-5400000"/>
+                <a:lnTo>
+                  <a:pt x="0" y="26774"/>
+                </a:lnTo>
+                <a:arcTo wR="3600" hR="3600" stAng="10800000" swAng="-5400000"/>
+                <a:lnTo>
+                  <a:pt x="18000" y="30374"/>
+                </a:lnTo>
+                <a:arcTo wR="3600" hR="3600" stAng="5400000" swAng="-5400000"/>
+                <a:lnTo>
+                  <a:pt x="21600" y="3600"/>
+                </a:lnTo>
+                <a:arcTo wR="3600" hR="3600" stAng="0" swAng="-5400000"/>
+                <a:close/>
+              </a:path>
+            </a:pathLst>
+          </a:custGeom>
+          <a:noFill/>
+          <a:ln w="38160">
+            <a:solidFill>
+              <a:srgbClr val="ff0000"/>
+            </a:solidFill>
+            <a:round/>
+          </a:ln>
+        </p:spPr>
+        <p:style>
+          <a:lnRef idx="0"/>
+          <a:fillRef idx="0"/>
+          <a:effectRef idx="0"/>
+          <a:fontRef idx="minor"/>
+        </p:style>
+        <p:txBody>
+          <a:bodyPr lIns="109080" rIns="109080" tIns="64080" bIns="64080" anchor="ctr">
+            <a:noAutofit/>
+          </a:bodyPr>
+          <a:p>
+            <a:endParaRPr b="0" lang="en-US" sz="1800" strike="noStrike" u="none">
+              <a:solidFill>
+                <a:srgbClr val="000000"/>
+              </a:solidFill>
+              <a:effectLst/>
+              <a:uFillTx/>
+              <a:latin typeface="Arial"/>
+            </a:endParaRPr>
+          </a:p>
+        </p:txBody>
+      </p:sp>
+      <p:sp>
+        <p:nvSpPr>
+          <p:cNvPr id="131" name=""/>
+          <p:cNvSpPr txBox="1"/>
+          <p:nvPr/>
+        </p:nvSpPr>
+        <p:spPr>
+          <a:xfrm>
+            <a:off x="18316440" y="17333280"/>
+            <a:ext cx="3171960" cy="1447920"/>
+          </a:xfrm>
+          <a:prstGeom prst="rect">
+            <a:avLst/>
+          </a:prstGeom>
+          <a:noFill/>
+          <a:ln w="0">
+            <a:noFill/>
+          </a:ln>
+        </p:spPr>
+        <p:txBody>
+          <a:bodyPr lIns="90000" rIns="90000" tIns="45000" bIns="45000" anchor="t" anchorCtr="1">
+            <a:spAutoFit/>
+          </a:bodyPr>
+          <a:p>
+            <a:pPr algn="ctr"/>
+            <a:r>
+              <a:rPr b="0" lang="en-US" sz="3200" strike="noStrike" u="none">
+                <a:solidFill>
+                  <a:srgbClr val="000000"/>
+                </a:solidFill>
+                <a:effectLst/>
+                <a:uFillTx/>
+                <a:latin typeface="Open Sans"/>
+              </a:rPr>
+              <a:t>New </a:t>
+            </a:r>
+            <a:r>
+              <a:rPr b="0" lang="en-US" sz="3200" strike="noStrike" u="none">
+                <a:solidFill>
+                  <a:srgbClr val="000000"/>
+                </a:solidFill>
+                <a:effectLst/>
+                <a:uFillTx/>
+                <a:latin typeface="Open Sans"/>
+              </a:rPr>
+              <a:t>Compon</a:t>
+            </a:r>
+            <a:r>
+              <a:rPr b="0" lang="en-US" sz="3200" strike="noStrike" u="none">
+                <a:solidFill>
+                  <a:srgbClr val="000000"/>
+                </a:solidFill>
+                <a:effectLst/>
+                <a:uFillTx/>
+                <a:latin typeface="Open Sans"/>
+              </a:rPr>
+              <a:t>ents</a:t>
+            </a:r>
+            <a:endParaRPr b="0" lang="en-US" sz="3200" strike="noStrike" u="none">
+              <a:solidFill>
+                <a:srgbClr val="000000"/>
+              </a:solidFill>
+              <a:effectLst/>
+              <a:uFillTx/>
+              <a:latin typeface="Open Sans"/>
             </a:endParaRPr>
           </a:p>
         </p:txBody>

--- a/presentations/YARCH25.pptx
+++ b/presentations/YARCH25.pptx
@@ -41,8 +41,8 @@
         </p:nvSpPr>
         <p:spPr>
           <a:xfrm>
-            <a:off x="3291480" y="13438080"/>
-            <a:ext cx="37303200" cy="625320"/>
+            <a:off x="3291480" y="13437720"/>
+            <a:ext cx="37302840" cy="625320"/>
           </a:xfrm>
           <a:prstGeom prst="rect">
             <a:avLst/>
@@ -54,7 +54,7 @@
         </p:spPr>
         <p:txBody>
           <a:bodyPr lIns="0" rIns="0" tIns="0" bIns="0" anchor="ctr">
-            <a:spAutoFit/>
+            <a:noAutofit/>
           </a:bodyPr>
           <a:p>
             <a:pPr indent="0" algn="ctr">
@@ -64,7 +64,6 @@
               <a:solidFill>
                 <a:srgbClr val="000000"/>
               </a:solidFill>
-              <a:effectLst/>
               <a:uFillTx/>
               <a:latin typeface="Arial"/>
             </a:endParaRPr>
@@ -96,7 +95,7 @@
         </p:spPr>
         <p:txBody>
           <a:bodyPr lIns="0" rIns="0" tIns="0" bIns="0" anchor="ctr">
-            <a:spAutoFit/>
+            <a:noAutofit/>
           </a:bodyPr>
           <a:p>
             <a:pPr indent="0" algn="ctr">
@@ -106,7 +105,6 @@
               <a:solidFill>
                 <a:srgbClr val="000000"/>
               </a:solidFill>
-              <a:effectLst/>
               <a:uFillTx/>
               <a:latin typeface="Arial"/>
             </a:endParaRPr>
@@ -147,7 +145,7 @@
         <p:txBody>
           <a:bodyPr/>
           <a:p>
-            <a:fld id="{CF146BDE-8451-4F15-9C32-DA046C8E3E01}" type="slidenum">
+            <a:fld id="{FDBA4BAC-B270-49A5-82CB-CA5787FE2F6C}" type="slidenum">
               <a:t>&lt;#&gt;</a:t>
             </a:fld>
           </a:p>
@@ -215,13 +213,12 @@
         </p:blipFill>
         <p:spPr>
           <a:xfrm rot="16200000">
-            <a:off x="-11069280" y="16464240"/>
-            <a:ext cx="14269680" cy="3931920"/>
+            <a:off x="-11068920" y="16464600"/>
+            <a:ext cx="14269320" cy="3931560"/>
           </a:xfrm>
           <a:prstGeom prst="rect">
             <a:avLst/>
           </a:prstGeom>
-          <a:noFill/>
           <a:ln w="0">
             <a:noFill/>
           </a:ln>
@@ -239,13 +236,12 @@
         </p:blipFill>
         <p:spPr>
           <a:xfrm rot="5400000">
-            <a:off x="40695840" y="16459200"/>
-            <a:ext cx="14269680" cy="3931920"/>
+            <a:off x="40696200" y="16459200"/>
+            <a:ext cx="14269320" cy="3931560"/>
           </a:xfrm>
           <a:prstGeom prst="rect">
             <a:avLst/>
           </a:prstGeom>
-          <a:noFill/>
           <a:ln w="0">
             <a:noFill/>
           </a:ln>
@@ -264,12 +260,11 @@
         <p:spPr>
           <a:xfrm>
             <a:off x="6946920" y="33426360"/>
-            <a:ext cx="29992320" cy="1442880"/>
+            <a:ext cx="29991960" cy="1442520"/>
           </a:xfrm>
           <a:prstGeom prst="rect">
             <a:avLst/>
           </a:prstGeom>
-          <a:noFill/>
           <a:ln w="0">
             <a:noFill/>
           </a:ln>
@@ -284,7 +279,7 @@
         <p:spPr>
           <a:xfrm>
             <a:off x="6946920" y="33998040"/>
-            <a:ext cx="21940560" cy="1265040"/>
+            <a:ext cx="21940200" cy="1264680"/>
           </a:xfrm>
           <a:prstGeom prst="rect">
             <a:avLst/>
@@ -315,7 +310,6 @@
                 <a:solidFill>
                   <a:srgbClr val="808080"/>
                 </a:solidFill>
-                <a:effectLst/>
                 <a:uFillTx/>
                 <a:latin typeface="Arial"/>
                 <a:ea typeface="Arial"/>
@@ -326,7 +320,6 @@
               <a:solidFill>
                 <a:srgbClr val="000000"/>
               </a:solidFill>
-              <a:effectLst/>
               <a:uFillTx/>
               <a:latin typeface="Arial"/>
             </a:endParaRPr>
@@ -345,8 +338,8 @@
         </p:nvSpPr>
         <p:spPr>
           <a:xfrm>
-            <a:off x="3291480" y="13613400"/>
-            <a:ext cx="37303200" cy="274680"/>
+            <a:off x="3291480" y="13613040"/>
+            <a:ext cx="37302840" cy="274680"/>
           </a:xfrm>
           <a:prstGeom prst="rect">
             <a:avLst/>
@@ -358,7 +351,7 @@
         </p:spPr>
         <p:txBody>
           <a:bodyPr lIns="0" rIns="0" tIns="0" bIns="0" anchor="ctr">
-            <a:spAutoFit/>
+            <a:noAutofit/>
           </a:bodyPr>
           <a:p>
             <a:pPr indent="0">
@@ -369,7 +362,6 @@
                 <a:solidFill>
                   <a:srgbClr val="000000"/>
                 </a:solidFill>
-                <a:effectLst/>
                 <a:uFillTx/>
                 <a:latin typeface="Arial"/>
               </a:rPr>
@@ -379,7 +371,6 @@
               <a:solidFill>
                 <a:srgbClr val="000000"/>
               </a:solidFill>
-              <a:effectLst/>
               <a:uFillTx/>
               <a:latin typeface="Arial"/>
             </a:endParaRPr>
@@ -399,7 +390,7 @@
         <p:spPr>
           <a:xfrm>
             <a:off x="14994360" y="29977560"/>
-            <a:ext cx="13897080" cy="2280960"/>
+            <a:ext cx="13896720" cy="2280600"/>
           </a:xfrm>
           <a:prstGeom prst="rect">
             <a:avLst/>
@@ -426,7 +417,6 @@
                 <a:solidFill>
                   <a:srgbClr val="000000"/>
                 </a:solidFill>
-                <a:effectLst/>
                 <a:uFillTx/>
                 <a:latin typeface="Times New Roman"/>
               </a:defRPr>
@@ -447,7 +437,6 @@
                 <a:solidFill>
                   <a:srgbClr val="000000"/>
                 </a:solidFill>
-                <a:effectLst/>
                 <a:uFillTx/>
                 <a:latin typeface="Times New Roman"/>
               </a:rPr>
@@ -457,7 +446,6 @@
               <a:solidFill>
                 <a:srgbClr val="000000"/>
               </a:solidFill>
-              <a:effectLst/>
               <a:uFillTx/>
               <a:latin typeface="Times New Roman"/>
             </a:endParaRPr>
@@ -477,7 +465,7 @@
         <p:spPr>
           <a:xfrm>
             <a:off x="31453560" y="29977560"/>
-            <a:ext cx="10239480" cy="2280960"/>
+            <a:ext cx="10239120" cy="2280600"/>
           </a:xfrm>
           <a:prstGeom prst="rect">
             <a:avLst/>
@@ -504,7 +492,6 @@
                 <a:solidFill>
                   <a:schemeClr val="dk1"/>
                 </a:solidFill>
-                <a:effectLst/>
                 <a:uFillTx/>
                 <a:latin typeface="Arial"/>
                 <a:ea typeface="Arial"/>
@@ -521,12 +508,11 @@
                 <a:tab algn="l" pos="0"/>
               </a:tabLst>
             </a:pPr>
-            <a:fld id="{89DB07E2-CB40-4713-8957-BE40F511A5A9}" type="slidenum">
+            <a:fld id="{A33836AA-FF48-4F3E-B56E-70F0E5039BE5}" type="slidenum">
               <a:rPr b="0" lang="en-US" sz="5030" strike="noStrike" u="none">
                 <a:solidFill>
                   <a:schemeClr val="dk1"/>
                 </a:solidFill>
-                <a:effectLst/>
                 <a:uFillTx/>
                 <a:latin typeface="Arial"/>
                 <a:ea typeface="Arial"/>
@@ -537,7 +523,6 @@
               <a:solidFill>
                 <a:srgbClr val="000000"/>
               </a:solidFill>
-              <a:effectLst/>
               <a:uFillTx/>
               <a:latin typeface="Times New Roman"/>
             </a:endParaRPr>
@@ -557,7 +542,7 @@
         <p:spPr>
           <a:xfrm>
             <a:off x="2192760" y="29977560"/>
-            <a:ext cx="10239480" cy="2280960"/>
+            <a:ext cx="10239120" cy="2280600"/>
           </a:xfrm>
           <a:prstGeom prst="rect">
             <a:avLst/>
@@ -578,7 +563,6 @@
                 <a:solidFill>
                   <a:srgbClr val="000000"/>
                 </a:solidFill>
-                <a:effectLst/>
                 <a:uFillTx/>
                 <a:latin typeface="Times New Roman"/>
               </a:defRPr>
@@ -593,7 +577,6 @@
                 <a:solidFill>
                   <a:srgbClr val="000000"/>
                 </a:solidFill>
-                <a:effectLst/>
                 <a:uFillTx/>
                 <a:latin typeface="Times New Roman"/>
               </a:rPr>
@@ -603,7 +586,6 @@
               <a:solidFill>
                 <a:srgbClr val="000000"/>
               </a:solidFill>
-              <a:effectLst/>
               <a:uFillTx/>
               <a:latin typeface="Times New Roman"/>
             </a:endParaRPr>
@@ -654,7 +636,6 @@
                 <a:solidFill>
                   <a:srgbClr val="000000"/>
                 </a:solidFill>
-                <a:effectLst/>
                 <a:uFillTx/>
                 <a:latin typeface="Arial"/>
               </a:rPr>
@@ -664,7 +645,6 @@
               <a:solidFill>
                 <a:srgbClr val="000000"/>
               </a:solidFill>
-              <a:effectLst/>
               <a:uFillTx/>
               <a:latin typeface="Arial"/>
             </a:endParaRPr>
@@ -686,7 +666,6 @@
                 <a:solidFill>
                   <a:srgbClr val="000000"/>
                 </a:solidFill>
-                <a:effectLst/>
                 <a:uFillTx/>
                 <a:latin typeface="Arial"/>
               </a:rPr>
@@ -696,7 +675,6 @@
               <a:solidFill>
                 <a:srgbClr val="000000"/>
               </a:solidFill>
-              <a:effectLst/>
               <a:uFillTx/>
               <a:latin typeface="Arial"/>
             </a:endParaRPr>
@@ -718,7 +696,6 @@
                 <a:solidFill>
                   <a:srgbClr val="000000"/>
                 </a:solidFill>
-                <a:effectLst/>
                 <a:uFillTx/>
                 <a:latin typeface="Arial"/>
               </a:rPr>
@@ -728,7 +705,6 @@
               <a:solidFill>
                 <a:srgbClr val="000000"/>
               </a:solidFill>
-              <a:effectLst/>
               <a:uFillTx/>
               <a:latin typeface="Arial"/>
             </a:endParaRPr>
@@ -750,7 +726,6 @@
                 <a:solidFill>
                   <a:srgbClr val="000000"/>
                 </a:solidFill>
-                <a:effectLst/>
                 <a:uFillTx/>
                 <a:latin typeface="Arial"/>
               </a:rPr>
@@ -760,7 +735,6 @@
               <a:solidFill>
                 <a:srgbClr val="000000"/>
               </a:solidFill>
-              <a:effectLst/>
               <a:uFillTx/>
               <a:latin typeface="Arial"/>
             </a:endParaRPr>
@@ -782,7 +756,6 @@
                 <a:solidFill>
                   <a:srgbClr val="000000"/>
                 </a:solidFill>
-                <a:effectLst/>
                 <a:uFillTx/>
                 <a:latin typeface="Arial"/>
               </a:rPr>
@@ -792,7 +765,6 @@
               <a:solidFill>
                 <a:srgbClr val="000000"/>
               </a:solidFill>
-              <a:effectLst/>
               <a:uFillTx/>
               <a:latin typeface="Arial"/>
             </a:endParaRPr>
@@ -814,7 +786,6 @@
                 <a:solidFill>
                   <a:srgbClr val="000000"/>
                 </a:solidFill>
-                <a:effectLst/>
                 <a:uFillTx/>
                 <a:latin typeface="Arial"/>
               </a:rPr>
@@ -824,7 +795,6 @@
               <a:solidFill>
                 <a:srgbClr val="000000"/>
               </a:solidFill>
-              <a:effectLst/>
               <a:uFillTx/>
               <a:latin typeface="Arial"/>
             </a:endParaRPr>
@@ -846,7 +816,6 @@
                 <a:solidFill>
                   <a:srgbClr val="000000"/>
                 </a:solidFill>
-                <a:effectLst/>
                 <a:uFillTx/>
                 <a:latin typeface="Arial"/>
               </a:rPr>
@@ -856,7 +825,6 @@
               <a:solidFill>
                 <a:srgbClr val="000000"/>
               </a:solidFill>
-              <a:effectLst/>
               <a:uFillTx/>
               <a:latin typeface="Arial"/>
             </a:endParaRPr>
@@ -898,7 +866,7 @@
         <p:spPr>
           <a:xfrm>
             <a:off x="33147000" y="24688800"/>
-            <a:ext cx="10121040" cy="6845760"/>
+            <a:ext cx="10120680" cy="6845400"/>
           </a:xfrm>
           <a:prstGeom prst="rect">
             <a:avLst/>
@@ -934,7 +902,6 @@
                 <a:solidFill>
                   <a:schemeClr val="dk1"/>
                 </a:solidFill>
-                <a:effectLst/>
                 <a:uFillTx/>
                 <a:latin typeface="Open Sans"/>
                 <a:ea typeface="Open Sans"/>
@@ -946,7 +913,6 @@
                 <a:solidFill>
                   <a:schemeClr val="dk1"/>
                 </a:solidFill>
-                <a:effectLst/>
                 <a:uFillTx/>
                 <a:latin typeface="Open Sans"/>
                 <a:ea typeface="Open Sans"/>
@@ -958,7 +924,6 @@
                 <a:solidFill>
                   <a:schemeClr val="dk1"/>
                 </a:solidFill>
-                <a:effectLst/>
                 <a:uFillTx/>
                 <a:latin typeface="Open Sans"/>
                 <a:ea typeface="Open Sans"/>
@@ -969,7 +934,6 @@
               <a:solidFill>
                 <a:srgbClr val="000000"/>
               </a:solidFill>
-              <a:effectLst/>
               <a:uFillTx/>
               <a:latin typeface="Arial"/>
             </a:endParaRPr>
@@ -985,18 +949,16 @@
                 <a:solidFill>
                   <a:schemeClr val="dk1"/>
                 </a:solidFill>
-                <a:effectLst/>
                 <a:uFillTx/>
                 <a:latin typeface="Open Sans"/>
                 <a:ea typeface="Open Sans"/>
               </a:rPr>
-              <a:t>[2] Jason Lowe-Power, Abdul Mutaal Ahmad, Ayaz Akram, Mohammad Alian, and et. Al, The gem5 Simulator: Version 20.0+, </a:t>
-            </a:r>
-            <a:endParaRPr b="0" lang="en-US" sz="3200" strike="noStrike" u="none">
-              <a:solidFill>
-                <a:srgbClr val="000000"/>
-              </a:solidFill>
-              <a:effectLst/>
+              <a:t>[2] Jason Lowe-Power, Abdul Mutaal Ahmad, Ayaz Akram, Mohammad Alian, and et. Al, The gem5 Simulator: Version 20.0+, 2007.</a:t>
+            </a:r>
+            <a:endParaRPr b="0" lang="en-US" sz="3200" strike="noStrike" u="none">
+              <a:solidFill>
+                <a:srgbClr val="000000"/>
+              </a:solidFill>
               <a:uFillTx/>
               <a:latin typeface="Arial"/>
             </a:endParaRPr>
@@ -1012,7 +974,6 @@
                 <a:solidFill>
                   <a:schemeClr val="dk1"/>
                 </a:solidFill>
-                <a:effectLst/>
                 <a:uFillTx/>
                 <a:latin typeface="Open Sans"/>
                 <a:ea typeface="Open Sans"/>
@@ -1024,7 +985,6 @@
                 <a:solidFill>
                   <a:schemeClr val="dk1"/>
                 </a:solidFill>
-                <a:effectLst/>
                 <a:uFillTx/>
                 <a:latin typeface="Open Sans"/>
                 <a:ea typeface="Open Sans"/>
@@ -1035,7 +995,6 @@
               <a:solidFill>
                 <a:srgbClr val="000000"/>
               </a:solidFill>
-              <a:effectLst/>
               <a:uFillTx/>
               <a:latin typeface="Arial"/>
             </a:endParaRPr>
@@ -1051,7 +1010,7 @@
         <p:spPr>
           <a:xfrm>
             <a:off x="22174200" y="5558400"/>
-            <a:ext cx="10512000" cy="25984800"/>
+            <a:ext cx="10511640" cy="25984440"/>
           </a:xfrm>
           <a:prstGeom prst="rect">
             <a:avLst/>
@@ -1086,7 +1045,6 @@
               <a:solidFill>
                 <a:srgbClr val="000000"/>
               </a:solidFill>
-              <a:effectLst/>
               <a:uFillTx/>
               <a:latin typeface="Arial"/>
               <a:ea typeface="Arial"/>
@@ -1103,7 +1061,7 @@
         <p:spPr>
           <a:xfrm>
             <a:off x="33147000" y="6413400"/>
-            <a:ext cx="10120320" cy="17445600"/>
+            <a:ext cx="10119960" cy="17445240"/>
           </a:xfrm>
           <a:prstGeom prst="rect">
             <a:avLst/>
@@ -1142,7 +1100,6 @@
                 <a:solidFill>
                   <a:schemeClr val="dk1"/>
                 </a:solidFill>
-                <a:effectLst/>
                 <a:uFillTx/>
                 <a:latin typeface="Open Sans"/>
                 <a:ea typeface="Open Sans"/>
@@ -1153,7 +1110,6 @@
               <a:solidFill>
                 <a:srgbClr val="000000"/>
               </a:solidFill>
-              <a:effectLst/>
               <a:uFillTx/>
               <a:latin typeface="Arial"/>
             </a:endParaRPr>
@@ -1169,7 +1125,7 @@
         <p:spPr>
           <a:xfrm>
             <a:off x="11201400" y="5558400"/>
-            <a:ext cx="10512000" cy="25984800"/>
+            <a:ext cx="10511640" cy="25984440"/>
           </a:xfrm>
           <a:prstGeom prst="rect">
             <a:avLst/>
@@ -1204,7 +1160,6 @@
               <a:solidFill>
                 <a:srgbClr val="000000"/>
               </a:solidFill>
-              <a:effectLst/>
               <a:uFillTx/>
               <a:latin typeface="Arial"/>
               <a:ea typeface="DejaVu Sans"/>
@@ -1221,7 +1176,7 @@
         <p:spPr>
           <a:xfrm>
             <a:off x="577800" y="5558400"/>
-            <a:ext cx="10162800" cy="11526480"/>
+            <a:ext cx="10162440" cy="11526120"/>
           </a:xfrm>
           <a:prstGeom prst="rect">
             <a:avLst/>
@@ -1256,7 +1211,6 @@
               <a:solidFill>
                 <a:srgbClr val="000000"/>
               </a:solidFill>
-              <a:effectLst/>
               <a:uFillTx/>
               <a:latin typeface="Arial"/>
               <a:ea typeface="Arial"/>
@@ -1273,7 +1227,7 @@
         <p:spPr>
           <a:xfrm>
             <a:off x="4680" y="0"/>
-            <a:ext cx="43886160" cy="5249880"/>
+            <a:ext cx="43885800" cy="5249520"/>
           </a:xfrm>
           <a:prstGeom prst="rect">
             <a:avLst/>
@@ -1305,7 +1259,6 @@
               <a:solidFill>
                 <a:schemeClr val="dk2"/>
               </a:solidFill>
-              <a:effectLst/>
               <a:uFillTx/>
               <a:latin typeface="Gill Sans"/>
               <a:ea typeface="Arial"/>
@@ -1322,7 +1275,7 @@
         <p:spPr>
           <a:xfrm>
             <a:off x="585360" y="6522480"/>
-            <a:ext cx="10202400" cy="10542240"/>
+            <a:ext cx="10202040" cy="10542240"/>
           </a:xfrm>
           <a:prstGeom prst="rect">
             <a:avLst/>
@@ -1356,7 +1309,6 @@
                 <a:solidFill>
                   <a:schemeClr val="dk1"/>
                 </a:solidFill>
-                <a:effectLst/>
                 <a:uFillTx/>
                 <a:latin typeface="Open Sans"/>
                 <a:ea typeface="Open Sans"/>
@@ -1367,7 +1319,6 @@
               <a:solidFill>
                 <a:srgbClr val="000000"/>
               </a:solidFill>
-              <a:effectLst/>
               <a:uFillTx/>
               <a:latin typeface="Arial"/>
             </a:endParaRPr>
@@ -1386,7 +1337,6 @@
                 <a:solidFill>
                   <a:schemeClr val="dk1"/>
                 </a:solidFill>
-                <a:effectLst/>
                 <a:uFillTx/>
                 <a:latin typeface="Open Sans"/>
                 <a:ea typeface="Open Sans"/>
@@ -1397,7 +1347,6 @@
               <a:solidFill>
                 <a:srgbClr val="000000"/>
               </a:solidFill>
-              <a:effectLst/>
               <a:uFillTx/>
               <a:latin typeface="Arial"/>
             </a:endParaRPr>
@@ -1415,7 +1364,6 @@
               <a:solidFill>
                 <a:srgbClr val="000000"/>
               </a:solidFill>
-              <a:effectLst/>
               <a:uFillTx/>
               <a:latin typeface="Arial"/>
             </a:endParaRPr>
@@ -1433,7 +1381,6 @@
               <a:solidFill>
                 <a:srgbClr val="000000"/>
               </a:solidFill>
-              <a:effectLst/>
               <a:uFillTx/>
               <a:latin typeface="Arial"/>
             </a:endParaRPr>
@@ -1451,7 +1398,6 @@
               <a:solidFill>
                 <a:srgbClr val="000000"/>
               </a:solidFill>
-              <a:effectLst/>
               <a:uFillTx/>
               <a:latin typeface="Arial"/>
             </a:endParaRPr>
@@ -1469,7 +1415,6 @@
               <a:solidFill>
                 <a:srgbClr val="000000"/>
               </a:solidFill>
-              <a:effectLst/>
               <a:uFillTx/>
               <a:latin typeface="Arial"/>
             </a:endParaRPr>
@@ -1487,7 +1432,6 @@
               <a:solidFill>
                 <a:srgbClr val="000000"/>
               </a:solidFill>
-              <a:effectLst/>
               <a:uFillTx/>
               <a:latin typeface="Arial"/>
             </a:endParaRPr>
@@ -1505,7 +1449,6 @@
               <a:solidFill>
                 <a:srgbClr val="000000"/>
               </a:solidFill>
-              <a:effectLst/>
               <a:uFillTx/>
               <a:latin typeface="Arial"/>
             </a:endParaRPr>
@@ -1523,7 +1466,6 @@
               <a:solidFill>
                 <a:srgbClr val="000000"/>
               </a:solidFill>
-              <a:effectLst/>
               <a:uFillTx/>
               <a:latin typeface="Arial"/>
             </a:endParaRPr>
@@ -1541,7 +1483,6 @@
               <a:solidFill>
                 <a:srgbClr val="000000"/>
               </a:solidFill>
-              <a:effectLst/>
               <a:uFillTx/>
               <a:latin typeface="Arial"/>
             </a:endParaRPr>
@@ -1559,7 +1500,6 @@
               <a:solidFill>
                 <a:srgbClr val="000000"/>
               </a:solidFill>
-              <a:effectLst/>
               <a:uFillTx/>
               <a:latin typeface="Arial"/>
             </a:endParaRPr>
@@ -1577,7 +1517,6 @@
               <a:solidFill>
                 <a:srgbClr val="000000"/>
               </a:solidFill>
-              <a:effectLst/>
               <a:uFillTx/>
               <a:latin typeface="Arial"/>
             </a:endParaRPr>
@@ -1596,7 +1535,6 @@
                 <a:solidFill>
                   <a:schemeClr val="dk1"/>
                 </a:solidFill>
-                <a:effectLst/>
                 <a:uFillTx/>
                 <a:latin typeface="Open Sans"/>
                 <a:ea typeface="Open Sans"/>
@@ -1607,7 +1545,6 @@
               <a:solidFill>
                 <a:srgbClr val="000000"/>
               </a:solidFill>
-              <a:effectLst/>
               <a:uFillTx/>
               <a:latin typeface="Arial"/>
             </a:endParaRPr>
@@ -1623,7 +1560,7 @@
         <p:spPr>
           <a:xfrm>
             <a:off x="7543800" y="50400"/>
-            <a:ext cx="28798920" cy="2932560"/>
+            <a:ext cx="28798560" cy="2932200"/>
           </a:xfrm>
           <a:prstGeom prst="rect">
             <a:avLst/>
@@ -1660,7 +1597,6 @@
                 <a:solidFill>
                   <a:srgbClr val="ffffff"/>
                 </a:solidFill>
-                <a:effectLst/>
                 <a:uFillTx/>
                 <a:latin typeface="Bree Serif"/>
                 <a:ea typeface="Arial"/>
@@ -1671,7 +1607,6 @@
               <a:solidFill>
                 <a:srgbClr val="000000"/>
               </a:solidFill>
-              <a:effectLst/>
               <a:uFillTx/>
               <a:latin typeface="Arial"/>
             </a:endParaRPr>
@@ -1687,7 +1622,7 @@
         <p:spPr>
           <a:xfrm>
             <a:off x="3365280" y="2665440"/>
-            <a:ext cx="39176640" cy="1706760"/>
+            <a:ext cx="39176280" cy="2560320"/>
           </a:xfrm>
           <a:prstGeom prst="rect">
             <a:avLst/>
@@ -1724,66 +1659,71 @@
                 <a:solidFill>
                   <a:srgbClr val="ffffff"/>
                 </a:solidFill>
-                <a:effectLst/>
                 <a:uFillTx/>
                 <a:latin typeface="Open Sans"/>
                 <a:ea typeface="Open Sans"/>
               </a:rPr>
-              <a:t>    Will Buziak</a:t>
+              <a:t>    </a:t>
             </a:r>
             <a:r>
               <a:rPr b="0" lang="en-US" sz="5600" strike="noStrike" u="none">
                 <a:solidFill>
                   <a:srgbClr val="ffffff"/>
                 </a:solidFill>
-                <a:effectLst/>
                 <a:uFillTx/>
                 <a:latin typeface="Open Sans"/>
                 <a:ea typeface="Open Sans"/>
               </a:rPr>
-              <a:t>	</a:t>
+              <a:t>Will Buziak</a:t>
             </a:r>
             <a:r>
               <a:rPr b="0" lang="en-US" sz="5600" strike="noStrike" u="none">
                 <a:solidFill>
                   <a:srgbClr val="ffffff"/>
                 </a:solidFill>
-                <a:effectLst/>
                 <a:uFillTx/>
                 <a:latin typeface="Open Sans"/>
                 <a:ea typeface="Open Sans"/>
               </a:rPr>
-              <a:t>                     Iris Bahar                          Tamara Silbergleit Lehman</a:t>
+              <a:t>	</a:t>
             </a:r>
             <a:r>
               <a:rPr b="0" lang="en-US" sz="5600" strike="noStrike" u="none">
                 <a:solidFill>
                   <a:srgbClr val="ffffff"/>
                 </a:solidFill>
-                <a:effectLst/>
                 <a:uFillTx/>
                 <a:latin typeface="Open Sans"/>
                 <a:ea typeface="Open Sans"/>
               </a:rPr>
-              <a:t>	</a:t>
+              <a:t>                     Iris Bahar                          Tamara Silbergleit Lehman</a:t>
             </a:r>
             <a:r>
               <a:rPr b="0" lang="en-US" sz="5600" strike="noStrike" u="none">
                 <a:solidFill>
                   <a:srgbClr val="ffffff"/>
                 </a:solidFill>
-                <a:effectLst/>
                 <a:uFillTx/>
                 <a:latin typeface="Open Sans"/>
                 <a:ea typeface="Open Sans"/>
               </a:rPr>
+              <a:t>	</a:t>
+            </a:r>
+            <a:r>
+              <a:rPr b="0" lang="en-US" sz="5600" strike="noStrike" u="none">
+                <a:solidFill>
+                  <a:srgbClr val="ffffff"/>
+                </a:solidFill>
+                <a:uFillTx/>
+                <a:latin typeface="Open Sans"/>
+                <a:ea typeface="Open Sans"/>
+              </a:rPr>
               <a:t>           Zach Moolman       </a:t>
             </a:r>
             <a:endParaRPr b="0" lang="en-US" sz="5600" strike="noStrike" u="none">
               <a:solidFill>
                 <a:srgbClr val="000000"/>
               </a:solidFill>
-              <a:effectLst/>
               <a:uFillTx/>
               <a:latin typeface="Arial"/>
             </a:endParaRPr>
@@ -1804,7 +1744,6 @@
               <a:solidFill>
                 <a:srgbClr val="000000"/>
               </a:solidFill>
-              <a:effectLst/>
               <a:uFillTx/>
               <a:latin typeface="Arial"/>
             </a:endParaRPr>
@@ -1820,7 +1759,7 @@
         <p:spPr>
           <a:xfrm>
             <a:off x="11633040" y="6450480"/>
-            <a:ext cx="9596160" cy="21545640"/>
+            <a:ext cx="9595800" cy="21545640"/>
           </a:xfrm>
           <a:prstGeom prst="rect">
             <a:avLst/>
@@ -1851,7 +1790,6 @@
                 <a:solidFill>
                   <a:schemeClr val="dk1"/>
                 </a:solidFill>
-                <a:effectLst/>
                 <a:uFillTx/>
                 <a:latin typeface="Open Sans"/>
                 <a:ea typeface="Open Sans"/>
@@ -1863,7 +1801,6 @@
                 <a:solidFill>
                   <a:schemeClr val="dk1"/>
                 </a:solidFill>
-                <a:effectLst/>
                 <a:uFillTx/>
                 <a:latin typeface="Open Sans"/>
                 <a:ea typeface="Open Sans"/>
@@ -1875,7 +1812,6 @@
                 <a:solidFill>
                   <a:schemeClr val="dk1"/>
                 </a:solidFill>
-                <a:effectLst/>
                 <a:uFillTx/>
                 <a:latin typeface="Open Sans"/>
                 <a:ea typeface="Open Sans"/>
@@ -1886,7 +1822,6 @@
               <a:solidFill>
                 <a:srgbClr val="000000"/>
               </a:solidFill>
-              <a:effectLst/>
               <a:uFillTx/>
               <a:latin typeface="Arial"/>
             </a:endParaRPr>
@@ -1901,7 +1836,6 @@
               <a:solidFill>
                 <a:srgbClr val="000000"/>
               </a:solidFill>
-              <a:effectLst/>
               <a:uFillTx/>
               <a:latin typeface="Arial"/>
             </a:endParaRPr>
@@ -1916,7 +1850,6 @@
               <a:solidFill>
                 <a:srgbClr val="000000"/>
               </a:solidFill>
-              <a:effectLst/>
               <a:uFillTx/>
               <a:latin typeface="Arial"/>
             </a:endParaRPr>
@@ -1931,7 +1864,6 @@
               <a:solidFill>
                 <a:srgbClr val="000000"/>
               </a:solidFill>
-              <a:effectLst/>
               <a:uFillTx/>
               <a:latin typeface="Arial"/>
             </a:endParaRPr>
@@ -1946,7 +1878,6 @@
               <a:solidFill>
                 <a:srgbClr val="000000"/>
               </a:solidFill>
-              <a:effectLst/>
               <a:uFillTx/>
               <a:latin typeface="Arial"/>
             </a:endParaRPr>
@@ -1961,7 +1892,6 @@
               <a:solidFill>
                 <a:srgbClr val="000000"/>
               </a:solidFill>
-              <a:effectLst/>
               <a:uFillTx/>
               <a:latin typeface="Arial"/>
             </a:endParaRPr>
@@ -1976,7 +1906,6 @@
               <a:solidFill>
                 <a:srgbClr val="000000"/>
               </a:solidFill>
-              <a:effectLst/>
               <a:uFillTx/>
               <a:latin typeface="Arial"/>
             </a:endParaRPr>
@@ -1991,7 +1920,6 @@
               <a:solidFill>
                 <a:srgbClr val="000000"/>
               </a:solidFill>
-              <a:effectLst/>
               <a:uFillTx/>
               <a:latin typeface="Arial"/>
             </a:endParaRPr>
@@ -2006,7 +1934,6 @@
               <a:solidFill>
                 <a:srgbClr val="000000"/>
               </a:solidFill>
-              <a:effectLst/>
               <a:uFillTx/>
               <a:latin typeface="Arial"/>
             </a:endParaRPr>
@@ -2021,7 +1948,6 @@
               <a:solidFill>
                 <a:srgbClr val="000000"/>
               </a:solidFill>
-              <a:effectLst/>
               <a:uFillTx/>
               <a:latin typeface="Arial"/>
             </a:endParaRPr>
@@ -2036,7 +1962,6 @@
               <a:solidFill>
                 <a:srgbClr val="000000"/>
               </a:solidFill>
-              <a:effectLst/>
               <a:uFillTx/>
               <a:latin typeface="Arial"/>
             </a:endParaRPr>
@@ -2051,7 +1976,6 @@
               <a:solidFill>
                 <a:srgbClr val="000000"/>
               </a:solidFill>
-              <a:effectLst/>
               <a:uFillTx/>
               <a:latin typeface="Arial"/>
             </a:endParaRPr>
@@ -2066,7 +1990,6 @@
               <a:solidFill>
                 <a:srgbClr val="000000"/>
               </a:solidFill>
-              <a:effectLst/>
               <a:uFillTx/>
               <a:latin typeface="Arial"/>
             </a:endParaRPr>
@@ -2082,7 +2005,6 @@
                 <a:solidFill>
                   <a:schemeClr val="dk1"/>
                 </a:solidFill>
-                <a:effectLst/>
                 <a:uFillTx/>
                 <a:latin typeface="Open Sans"/>
                 <a:ea typeface="Open Sans"/>
@@ -2093,7 +2015,6 @@
               <a:solidFill>
                 <a:srgbClr val="000000"/>
               </a:solidFill>
-              <a:effectLst/>
               <a:uFillTx/>
               <a:latin typeface="Arial"/>
             </a:endParaRPr>
@@ -2108,7 +2029,6 @@
               <a:solidFill>
                 <a:srgbClr val="000000"/>
               </a:solidFill>
-              <a:effectLst/>
               <a:uFillTx/>
               <a:latin typeface="Arial"/>
             </a:endParaRPr>
@@ -2123,7 +2043,6 @@
               <a:solidFill>
                 <a:srgbClr val="000000"/>
               </a:solidFill>
-              <a:effectLst/>
               <a:uFillTx/>
               <a:latin typeface="Arial"/>
             </a:endParaRPr>
@@ -2138,7 +2057,6 @@
               <a:solidFill>
                 <a:srgbClr val="000000"/>
               </a:solidFill>
-              <a:effectLst/>
               <a:uFillTx/>
               <a:latin typeface="Arial"/>
             </a:endParaRPr>
@@ -2153,7 +2071,6 @@
               <a:solidFill>
                 <a:srgbClr val="000000"/>
               </a:solidFill>
-              <a:effectLst/>
               <a:uFillTx/>
               <a:latin typeface="Arial"/>
             </a:endParaRPr>
@@ -2168,7 +2085,6 @@
               <a:solidFill>
                 <a:srgbClr val="000000"/>
               </a:solidFill>
-              <a:effectLst/>
               <a:uFillTx/>
               <a:latin typeface="Arial"/>
             </a:endParaRPr>
@@ -2183,7 +2099,6 @@
               <a:solidFill>
                 <a:srgbClr val="000000"/>
               </a:solidFill>
-              <a:effectLst/>
               <a:uFillTx/>
               <a:latin typeface="Arial"/>
             </a:endParaRPr>
@@ -2198,7 +2113,6 @@
               <a:solidFill>
                 <a:srgbClr val="000000"/>
               </a:solidFill>
-              <a:effectLst/>
               <a:uFillTx/>
               <a:latin typeface="Arial"/>
             </a:endParaRPr>
@@ -2213,7 +2127,6 @@
               <a:solidFill>
                 <a:srgbClr val="000000"/>
               </a:solidFill>
-              <a:effectLst/>
               <a:uFillTx/>
               <a:latin typeface="Arial"/>
             </a:endParaRPr>
@@ -2228,7 +2141,6 @@
               <a:solidFill>
                 <a:srgbClr val="000000"/>
               </a:solidFill>
-              <a:effectLst/>
               <a:uFillTx/>
               <a:latin typeface="Arial"/>
             </a:endParaRPr>
@@ -2243,7 +2155,6 @@
               <a:solidFill>
                 <a:srgbClr val="000000"/>
               </a:solidFill>
-              <a:effectLst/>
               <a:uFillTx/>
               <a:latin typeface="Arial"/>
             </a:endParaRPr>
@@ -2258,7 +2169,6 @@
               <a:solidFill>
                 <a:srgbClr val="000000"/>
               </a:solidFill>
-              <a:effectLst/>
               <a:uFillTx/>
               <a:latin typeface="Arial"/>
             </a:endParaRPr>
@@ -2273,7 +2183,6 @@
               <a:solidFill>
                 <a:srgbClr val="000000"/>
               </a:solidFill>
-              <a:effectLst/>
               <a:uFillTx/>
               <a:latin typeface="Arial"/>
             </a:endParaRPr>
@@ -2288,7 +2197,6 @@
               <a:solidFill>
                 <a:srgbClr val="000000"/>
               </a:solidFill>
-              <a:effectLst/>
               <a:uFillTx/>
               <a:latin typeface="Arial"/>
             </a:endParaRPr>
@@ -2303,7 +2211,6 @@
               <a:solidFill>
                 <a:srgbClr val="000000"/>
               </a:solidFill>
-              <a:effectLst/>
               <a:uFillTx/>
               <a:latin typeface="Arial"/>
             </a:endParaRPr>
@@ -2318,7 +2225,6 @@
               <a:solidFill>
                 <a:srgbClr val="000000"/>
               </a:solidFill>
-              <a:effectLst/>
               <a:uFillTx/>
               <a:latin typeface="Arial"/>
             </a:endParaRPr>
@@ -2333,7 +2239,6 @@
               <a:solidFill>
                 <a:srgbClr val="000000"/>
               </a:solidFill>
-              <a:effectLst/>
               <a:uFillTx/>
               <a:latin typeface="Arial"/>
             </a:endParaRPr>
@@ -2348,7 +2253,6 @@
               <a:solidFill>
                 <a:srgbClr val="000000"/>
               </a:solidFill>
-              <a:effectLst/>
               <a:uFillTx/>
               <a:latin typeface="Arial"/>
             </a:endParaRPr>
@@ -2363,7 +2267,6 @@
               <a:solidFill>
                 <a:srgbClr val="000000"/>
               </a:solidFill>
-              <a:effectLst/>
               <a:uFillTx/>
               <a:latin typeface="Arial"/>
             </a:endParaRPr>
@@ -2379,7 +2282,6 @@
                 <a:solidFill>
                   <a:schemeClr val="dk1"/>
                 </a:solidFill>
-                <a:effectLst/>
                 <a:uFillTx/>
                 <a:latin typeface="Open Sans"/>
                 <a:ea typeface="Open Sans"/>
@@ -2391,7 +2293,6 @@
                 <a:solidFill>
                   <a:schemeClr val="dk1"/>
                 </a:solidFill>
-                <a:effectLst/>
                 <a:uFillTx/>
                 <a:latin typeface="Open Sans"/>
                 <a:ea typeface="Open Sans"/>
@@ -2403,7 +2304,6 @@
                 <a:solidFill>
                   <a:schemeClr val="dk1"/>
                 </a:solidFill>
-                <a:effectLst/>
                 <a:uFillTx/>
                 <a:latin typeface="Open Sans"/>
                 <a:ea typeface="Open Sans"/>
@@ -2414,7 +2314,6 @@
               <a:solidFill>
                 <a:srgbClr val="000000"/>
               </a:solidFill>
-              <a:effectLst/>
               <a:uFillTx/>
               <a:latin typeface="Arial"/>
             </a:endParaRPr>
@@ -2430,7 +2329,7 @@
         <p:spPr>
           <a:xfrm>
             <a:off x="22656960" y="6414480"/>
-            <a:ext cx="9596160" cy="17225640"/>
+            <a:ext cx="9595800" cy="17762040"/>
           </a:xfrm>
           <a:prstGeom prst="rect">
             <a:avLst/>
@@ -2467,7 +2366,6 @@
                 <a:solidFill>
                   <a:schemeClr val="dk1"/>
                 </a:solidFill>
-                <a:effectLst/>
                 <a:uFillTx/>
                 <a:latin typeface="Open Sans"/>
                 <a:ea typeface="Open Sans"/>
@@ -2479,7 +2377,6 @@
                 <a:solidFill>
                   <a:schemeClr val="dk1"/>
                 </a:solidFill>
-                <a:effectLst/>
                 <a:uFillTx/>
                 <a:latin typeface="Open Sans"/>
                 <a:ea typeface="Open Sans"/>
@@ -2491,7 +2388,6 @@
                 <a:solidFill>
                   <a:schemeClr val="dk1"/>
                 </a:solidFill>
-                <a:effectLst/>
                 <a:uFillTx/>
                 <a:latin typeface="Open Sans"/>
                 <a:ea typeface="Open Sans"/>
@@ -2502,7 +2398,6 @@
               <a:solidFill>
                 <a:srgbClr val="000000"/>
               </a:solidFill>
-              <a:effectLst/>
               <a:uFillTx/>
               <a:latin typeface="Arial"/>
             </a:endParaRPr>
@@ -2523,7 +2418,6 @@
               <a:solidFill>
                 <a:srgbClr val="000000"/>
               </a:solidFill>
-              <a:effectLst/>
               <a:uFillTx/>
               <a:latin typeface="Arial"/>
             </a:endParaRPr>
@@ -2544,7 +2438,6 @@
               <a:solidFill>
                 <a:srgbClr val="000000"/>
               </a:solidFill>
-              <a:effectLst/>
               <a:uFillTx/>
               <a:latin typeface="Arial"/>
             </a:endParaRPr>
@@ -2565,7 +2458,6 @@
               <a:solidFill>
                 <a:srgbClr val="000000"/>
               </a:solidFill>
-              <a:effectLst/>
               <a:uFillTx/>
               <a:latin typeface="Arial"/>
             </a:endParaRPr>
@@ -2586,7 +2478,6 @@
               <a:solidFill>
                 <a:srgbClr val="000000"/>
               </a:solidFill>
-              <a:effectLst/>
               <a:uFillTx/>
               <a:latin typeface="Arial"/>
             </a:endParaRPr>
@@ -2607,7 +2498,6 @@
               <a:solidFill>
                 <a:srgbClr val="000000"/>
               </a:solidFill>
-              <a:effectLst/>
               <a:uFillTx/>
               <a:latin typeface="Arial"/>
             </a:endParaRPr>
@@ -2628,7 +2518,6 @@
               <a:solidFill>
                 <a:srgbClr val="000000"/>
               </a:solidFill>
-              <a:effectLst/>
               <a:uFillTx/>
               <a:latin typeface="Arial"/>
             </a:endParaRPr>
@@ -2649,7 +2538,6 @@
               <a:solidFill>
                 <a:srgbClr val="000000"/>
               </a:solidFill>
-              <a:effectLst/>
               <a:uFillTx/>
               <a:latin typeface="Arial"/>
             </a:endParaRPr>
@@ -2670,7 +2558,6 @@
               <a:solidFill>
                 <a:srgbClr val="000000"/>
               </a:solidFill>
-              <a:effectLst/>
               <a:uFillTx/>
               <a:latin typeface="Arial"/>
             </a:endParaRPr>
@@ -2691,7 +2578,6 @@
               <a:solidFill>
                 <a:srgbClr val="000000"/>
               </a:solidFill>
-              <a:effectLst/>
               <a:uFillTx/>
               <a:latin typeface="Arial"/>
             </a:endParaRPr>
@@ -2712,7 +2598,6 @@
               <a:solidFill>
                 <a:srgbClr val="000000"/>
               </a:solidFill>
-              <a:effectLst/>
               <a:uFillTx/>
               <a:latin typeface="Arial"/>
             </a:endParaRPr>
@@ -2733,7 +2618,6 @@
               <a:solidFill>
                 <a:srgbClr val="000000"/>
               </a:solidFill>
-              <a:effectLst/>
               <a:uFillTx/>
               <a:latin typeface="Arial"/>
             </a:endParaRPr>
@@ -2754,7 +2638,6 @@
               <a:solidFill>
                 <a:srgbClr val="000000"/>
               </a:solidFill>
-              <a:effectLst/>
               <a:uFillTx/>
               <a:latin typeface="Arial"/>
             </a:endParaRPr>
@@ -2776,7 +2659,6 @@
                 <a:solidFill>
                   <a:schemeClr val="dk1"/>
                 </a:solidFill>
-                <a:effectLst/>
                 <a:uFillTx/>
                 <a:latin typeface="Open Sans"/>
                 <a:ea typeface="Open Sans"/>
@@ -2787,7 +2669,6 @@
               <a:solidFill>
                 <a:srgbClr val="000000"/>
               </a:solidFill>
-              <a:effectLst/>
               <a:uFillTx/>
               <a:latin typeface="Arial"/>
             </a:endParaRPr>
@@ -2808,7 +2689,6 @@
               <a:solidFill>
                 <a:srgbClr val="000000"/>
               </a:solidFill>
-              <a:effectLst/>
               <a:uFillTx/>
               <a:latin typeface="Arial"/>
             </a:endParaRPr>
@@ -2823,7 +2703,6 @@
               <a:solidFill>
                 <a:srgbClr val="000000"/>
               </a:solidFill>
-              <a:effectLst/>
               <a:uFillTx/>
               <a:latin typeface="Arial"/>
             </a:endParaRPr>
@@ -2838,7 +2717,6 @@
               <a:solidFill>
                 <a:srgbClr val="000000"/>
               </a:solidFill>
-              <a:effectLst/>
               <a:uFillTx/>
               <a:latin typeface="Arial"/>
             </a:endParaRPr>
@@ -2853,7 +2731,6 @@
               <a:solidFill>
                 <a:srgbClr val="000000"/>
               </a:solidFill>
-              <a:effectLst/>
               <a:uFillTx/>
               <a:latin typeface="Arial"/>
             </a:endParaRPr>
@@ -2868,7 +2745,6 @@
               <a:solidFill>
                 <a:srgbClr val="000000"/>
               </a:solidFill>
-              <a:effectLst/>
               <a:uFillTx/>
               <a:latin typeface="Arial"/>
             </a:endParaRPr>
@@ -2883,7 +2759,6 @@
               <a:solidFill>
                 <a:srgbClr val="000000"/>
               </a:solidFill>
-              <a:effectLst/>
               <a:uFillTx/>
               <a:latin typeface="Arial"/>
             </a:endParaRPr>
@@ -2898,7 +2773,6 @@
               <a:solidFill>
                 <a:srgbClr val="000000"/>
               </a:solidFill>
-              <a:effectLst/>
               <a:uFillTx/>
               <a:latin typeface="Arial"/>
             </a:endParaRPr>
@@ -2913,7 +2787,6 @@
               <a:solidFill>
                 <a:srgbClr val="000000"/>
               </a:solidFill>
-              <a:effectLst/>
               <a:uFillTx/>
               <a:latin typeface="Arial"/>
             </a:endParaRPr>
@@ -2928,7 +2801,6 @@
               <a:solidFill>
                 <a:srgbClr val="000000"/>
               </a:solidFill>
-              <a:effectLst/>
               <a:uFillTx/>
               <a:latin typeface="Arial"/>
             </a:endParaRPr>
@@ -2944,7 +2816,6 @@
                 <a:solidFill>
                   <a:schemeClr val="dk1"/>
                 </a:solidFill>
-                <a:effectLst/>
                 <a:uFillTx/>
                 <a:latin typeface="Open Sans"/>
                 <a:ea typeface="Open Sans"/>
@@ -2955,7 +2826,6 @@
               <a:solidFill>
                 <a:srgbClr val="000000"/>
               </a:solidFill>
-              <a:effectLst/>
               <a:uFillTx/>
               <a:latin typeface="Arial"/>
             </a:endParaRPr>
@@ -2971,7 +2841,7 @@
         <p:spPr>
           <a:xfrm>
             <a:off x="0" y="32004000"/>
-            <a:ext cx="43886160" cy="909360"/>
+            <a:ext cx="43885800" cy="909000"/>
           </a:xfrm>
           <a:prstGeom prst="rect">
             <a:avLst/>
@@ -3003,7 +2873,6 @@
               <a:solidFill>
                 <a:schemeClr val="dk2"/>
               </a:solidFill>
-              <a:effectLst/>
               <a:uFillTx/>
               <a:latin typeface="Gill Sans"/>
               <a:ea typeface="Arial"/>
@@ -3019,8 +2888,8 @@
         </p:nvSpPr>
         <p:spPr>
           <a:xfrm rot="3166800">
-            <a:off x="28585440" y="26832960"/>
-            <a:ext cx="1462680" cy="834480"/>
+            <a:off x="28585440" y="26832600"/>
+            <a:ext cx="1462320" cy="834120"/>
           </a:xfrm>
           <a:prstGeom prst="rightArrow">
             <a:avLst>
@@ -3056,7 +2925,6 @@
               <a:solidFill>
                 <a:srgbClr val="000000"/>
               </a:solidFill>
-              <a:effectLst/>
               <a:uFillTx/>
               <a:latin typeface="Arial"/>
               <a:ea typeface="Arial"/>
@@ -3072,8 +2940,8 @@
         </p:nvSpPr>
         <p:spPr>
           <a:xfrm rot="18804600">
-            <a:off x="25059240" y="26664480"/>
-            <a:ext cx="1463040" cy="833760"/>
+            <a:off x="25058880" y="26664480"/>
+            <a:ext cx="1462680" cy="833400"/>
           </a:xfrm>
           <a:prstGeom prst="rightArrow">
             <a:avLst>
@@ -3109,7 +2977,6 @@
               <a:solidFill>
                 <a:srgbClr val="000000"/>
               </a:solidFill>
-              <a:effectLst/>
               <a:uFillTx/>
               <a:latin typeface="Arial"/>
               <a:ea typeface="Arial"/>
@@ -3125,8 +2992,8 @@
         </p:nvSpPr>
         <p:spPr>
           <a:xfrm rot="10800000">
-            <a:off x="26735400" y="28374480"/>
-            <a:ext cx="1463400" cy="833760"/>
+            <a:off x="26735760" y="28374840"/>
+            <a:ext cx="1463040" cy="833400"/>
           </a:xfrm>
           <a:prstGeom prst="rightArrow">
             <a:avLst>
@@ -3162,7 +3029,6 @@
               <a:solidFill>
                 <a:srgbClr val="000000"/>
               </a:solidFill>
-              <a:effectLst/>
               <a:uFillTx/>
               <a:latin typeface="Arial"/>
               <a:ea typeface="Arial"/>
@@ -3179,7 +3045,7 @@
         <p:spPr>
           <a:xfrm>
             <a:off x="1252800" y="8686800"/>
-            <a:ext cx="8996040" cy="1976400"/>
+            <a:ext cx="8995680" cy="1976040"/>
           </a:xfrm>
           <a:prstGeom prst="roundRect">
             <a:avLst>
@@ -3216,7 +3082,6 @@
                 <a:solidFill>
                   <a:srgbClr val="000000"/>
                 </a:solidFill>
-                <a:effectLst/>
                 <a:uFillTx/>
                 <a:latin typeface="Arial"/>
                 <a:ea typeface="Arial"/>
@@ -3227,7 +3092,6 @@
               <a:solidFill>
                 <a:srgbClr val="000000"/>
               </a:solidFill>
-              <a:effectLst/>
               <a:uFillTx/>
               <a:latin typeface="Arial"/>
             </a:endParaRPr>
@@ -3243,7 +3107,7 @@
         <p:spPr>
           <a:xfrm>
             <a:off x="1752840" y="9365040"/>
-            <a:ext cx="1995840" cy="986400"/>
+            <a:ext cx="1995480" cy="986040"/>
           </a:xfrm>
           <a:prstGeom prst="rect">
             <a:avLst/>
@@ -3278,7 +3142,6 @@
                 <a:solidFill>
                   <a:srgbClr val="000000"/>
                 </a:solidFill>
-                <a:effectLst/>
                 <a:uFillTx/>
                 <a:latin typeface="Arial"/>
                 <a:ea typeface="Arial"/>
@@ -3289,7 +3152,6 @@
               <a:solidFill>
                 <a:srgbClr val="000000"/>
               </a:solidFill>
-              <a:effectLst/>
               <a:uFillTx/>
               <a:latin typeface="Arial"/>
             </a:endParaRPr>
@@ -3305,7 +3167,7 @@
         <p:spPr>
           <a:xfrm>
             <a:off x="4784400" y="9365040"/>
-            <a:ext cx="1995840" cy="986400"/>
+            <a:ext cx="1995480" cy="986040"/>
           </a:xfrm>
           <a:prstGeom prst="rect">
             <a:avLst/>
@@ -3340,7 +3202,6 @@
                 <a:solidFill>
                   <a:srgbClr val="000000"/>
                 </a:solidFill>
-                <a:effectLst/>
                 <a:uFillTx/>
                 <a:latin typeface="Arial"/>
                 <a:ea typeface="Arial"/>
@@ -3351,7 +3212,6 @@
               <a:solidFill>
                 <a:srgbClr val="000000"/>
               </a:solidFill>
-              <a:effectLst/>
               <a:uFillTx/>
               <a:latin typeface="Arial"/>
             </a:endParaRPr>
@@ -3367,7 +3227,7 @@
         <p:spPr>
           <a:xfrm>
             <a:off x="7894800" y="9365040"/>
-            <a:ext cx="1995840" cy="986400"/>
+            <a:ext cx="1995480" cy="986040"/>
           </a:xfrm>
           <a:prstGeom prst="rect">
             <a:avLst/>
@@ -3402,7 +3262,6 @@
                 <a:solidFill>
                   <a:srgbClr val="000000"/>
                 </a:solidFill>
-                <a:effectLst/>
                 <a:uFillTx/>
                 <a:latin typeface="Arial"/>
                 <a:ea typeface="Arial"/>
@@ -3413,7 +3272,6 @@
               <a:solidFill>
                 <a:srgbClr val="000000"/>
               </a:solidFill>
-              <a:effectLst/>
               <a:uFillTx/>
               <a:latin typeface="Arial"/>
             </a:endParaRPr>
@@ -3429,7 +3287,7 @@
         <p:spPr>
           <a:xfrm>
             <a:off x="3595320" y="13151880"/>
-            <a:ext cx="4496400" cy="1175760"/>
+            <a:ext cx="4496040" cy="1175400"/>
           </a:xfrm>
           <a:prstGeom prst="roundRect">
             <a:avLst>
@@ -3466,7 +3324,6 @@
                 <a:solidFill>
                   <a:srgbClr val="000000"/>
                 </a:solidFill>
-                <a:effectLst/>
                 <a:uFillTx/>
                 <a:latin typeface="Arial"/>
                 <a:ea typeface="Arial"/>
@@ -3477,7 +3334,6 @@
               <a:solidFill>
                 <a:srgbClr val="000000"/>
               </a:solidFill>
-              <a:effectLst/>
               <a:uFillTx/>
               <a:latin typeface="Arial"/>
             </a:endParaRPr>
@@ -3521,7 +3377,6 @@
               <a:solidFill>
                 <a:srgbClr val="000000"/>
               </a:solidFill>
-              <a:effectLst/>
               <a:uFillTx/>
               <a:latin typeface="Arial"/>
               <a:ea typeface="Arial"/>
@@ -3538,7 +3393,7 @@
         <p:spPr>
           <a:xfrm>
             <a:off x="4635000" y="11409480"/>
-            <a:ext cx="2231640" cy="986400"/>
+            <a:ext cx="2231280" cy="986040"/>
           </a:xfrm>
           <a:prstGeom prst="rect">
             <a:avLst/>
@@ -3573,7 +3428,6 @@
                 <a:solidFill>
                   <a:srgbClr val="000000"/>
                 </a:solidFill>
-                <a:effectLst/>
                 <a:uFillTx/>
                 <a:latin typeface="Arial"/>
                 <a:ea typeface="Arial"/>
@@ -3584,7 +3438,6 @@
               <a:solidFill>
                 <a:srgbClr val="000000"/>
               </a:solidFill>
-              <a:effectLst/>
               <a:uFillTx/>
               <a:latin typeface="Arial"/>
             </a:endParaRPr>
@@ -3628,7 +3481,6 @@
               <a:solidFill>
                 <a:srgbClr val="000000"/>
               </a:solidFill>
-              <a:effectLst/>
               <a:uFillTx/>
               <a:latin typeface="Arial"/>
               <a:ea typeface="Arial"/>
@@ -3673,7 +3525,6 @@
               <a:solidFill>
                 <a:srgbClr val="000000"/>
               </a:solidFill>
-              <a:effectLst/>
               <a:uFillTx/>
               <a:latin typeface="Arial"/>
               <a:ea typeface="Arial"/>
@@ -3718,7 +3569,6 @@
               <a:solidFill>
                 <a:srgbClr val="000000"/>
               </a:solidFill>
-              <a:effectLst/>
               <a:uFillTx/>
               <a:latin typeface="Arial"/>
               <a:ea typeface="Arial"/>
@@ -3735,7 +3585,7 @@
         <p:spPr>
           <a:xfrm>
             <a:off x="11230920" y="5558400"/>
-            <a:ext cx="10482480" cy="838800"/>
+            <a:ext cx="10482120" cy="838440"/>
           </a:xfrm>
           <a:prstGeom prst="rect">
             <a:avLst/>
@@ -3770,7 +3620,6 @@
                 <a:solidFill>
                   <a:srgbClr val="ffffff"/>
                 </a:solidFill>
-                <a:effectLst/>
                 <a:uFillTx/>
                 <a:latin typeface="Bree Serif"/>
                 <a:ea typeface="Arial"/>
@@ -3781,7 +3630,6 @@
               <a:solidFill>
                 <a:srgbClr val="ffffff"/>
               </a:solidFill>
-              <a:effectLst/>
               <a:uFillTx/>
               <a:latin typeface="Arial"/>
             </a:endParaRPr>
@@ -3801,12 +3649,11 @@
         <p:spPr>
           <a:xfrm>
             <a:off x="408600" y="31883400"/>
-            <a:ext cx="6656040" cy="1142640"/>
+            <a:ext cx="6655680" cy="1142280"/>
           </a:xfrm>
           <a:prstGeom prst="rect">
             <a:avLst/>
           </a:prstGeom>
-          <a:noFill/>
           <a:ln w="0">
             <a:noFill/>
           </a:ln>
@@ -3821,7 +3668,7 @@
         <p:spPr>
           <a:xfrm>
             <a:off x="574920" y="5558400"/>
-            <a:ext cx="10165680" cy="838800"/>
+            <a:ext cx="10165320" cy="838440"/>
           </a:xfrm>
           <a:prstGeom prst="rect">
             <a:avLst/>
@@ -3856,7 +3703,6 @@
                 <a:solidFill>
                   <a:srgbClr val="ffffff"/>
                 </a:solidFill>
-                <a:effectLst/>
                 <a:uFillTx/>
                 <a:latin typeface="Bree Serif"/>
                 <a:ea typeface="Arial"/>
@@ -3867,7 +3713,6 @@
               <a:solidFill>
                 <a:srgbClr val="ffffff"/>
               </a:solidFill>
-              <a:effectLst/>
               <a:uFillTx/>
               <a:latin typeface="Arial"/>
             </a:endParaRPr>
@@ -3883,7 +3728,7 @@
         <p:spPr>
           <a:xfrm>
             <a:off x="576000" y="17927280"/>
-            <a:ext cx="10162800" cy="7301160"/>
+            <a:ext cx="10162440" cy="7300800"/>
           </a:xfrm>
           <a:prstGeom prst="rect">
             <a:avLst/>
@@ -3919,7 +3764,6 @@
                 <a:solidFill>
                   <a:srgbClr val="000000"/>
                 </a:solidFill>
-                <a:effectLst/>
                 <a:uFillTx/>
                 <a:latin typeface="Open Sans"/>
                 <a:ea typeface="Arial"/>
@@ -3930,7 +3774,6 @@
               <a:solidFill>
                 <a:srgbClr val="000000"/>
               </a:solidFill>
-              <a:effectLst/>
               <a:uFillTx/>
               <a:latin typeface="Arial"/>
             </a:endParaRPr>
@@ -3945,7 +3788,6 @@
               <a:solidFill>
                 <a:srgbClr val="000000"/>
               </a:solidFill>
-              <a:effectLst/>
               <a:uFillTx/>
               <a:latin typeface="Arial"/>
             </a:endParaRPr>
@@ -3960,7 +3802,6 @@
               <a:solidFill>
                 <a:srgbClr val="000000"/>
               </a:solidFill>
-              <a:effectLst/>
               <a:uFillTx/>
               <a:latin typeface="Arial"/>
             </a:endParaRPr>
@@ -3975,7 +3816,6 @@
               <a:solidFill>
                 <a:srgbClr val="000000"/>
               </a:solidFill>
-              <a:effectLst/>
               <a:uFillTx/>
               <a:latin typeface="Arial"/>
             </a:endParaRPr>
@@ -3990,7 +3830,6 @@
               <a:solidFill>
                 <a:srgbClr val="000000"/>
               </a:solidFill>
-              <a:effectLst/>
               <a:uFillTx/>
               <a:latin typeface="Arial"/>
             </a:endParaRPr>
@@ -4005,7 +3844,6 @@
               <a:solidFill>
                 <a:srgbClr val="000000"/>
               </a:solidFill>
-              <a:effectLst/>
               <a:uFillTx/>
               <a:latin typeface="Arial"/>
             </a:endParaRPr>
@@ -4020,7 +3858,6 @@
               <a:solidFill>
                 <a:srgbClr val="000000"/>
               </a:solidFill>
-              <a:effectLst/>
               <a:uFillTx/>
               <a:latin typeface="Arial"/>
             </a:endParaRPr>
@@ -4035,7 +3872,6 @@
               <a:solidFill>
                 <a:srgbClr val="000000"/>
               </a:solidFill>
-              <a:effectLst/>
               <a:uFillTx/>
               <a:latin typeface="Arial"/>
             </a:endParaRPr>
@@ -4050,7 +3886,6 @@
               <a:solidFill>
                 <a:srgbClr val="000000"/>
               </a:solidFill>
-              <a:effectLst/>
               <a:uFillTx/>
               <a:latin typeface="Arial"/>
             </a:endParaRPr>
@@ -4065,7 +3900,6 @@
               <a:solidFill>
                 <a:srgbClr val="000000"/>
               </a:solidFill>
-              <a:effectLst/>
               <a:uFillTx/>
               <a:latin typeface="Arial"/>
             </a:endParaRPr>
@@ -4080,7 +3914,6 @@
               <a:solidFill>
                 <a:srgbClr val="000000"/>
               </a:solidFill>
-              <a:effectLst/>
               <a:uFillTx/>
               <a:latin typeface="Arial"/>
             </a:endParaRPr>
@@ -4096,7 +3929,6 @@
                 <a:solidFill>
                   <a:srgbClr val="000000"/>
                 </a:solidFill>
-                <a:effectLst/>
                 <a:uFillTx/>
                 <a:latin typeface="Open Sans"/>
                 <a:ea typeface="Arial"/>
@@ -4107,7 +3939,6 @@
               <a:solidFill>
                 <a:srgbClr val="000000"/>
               </a:solidFill>
-              <a:effectLst/>
               <a:uFillTx/>
               <a:latin typeface="Arial"/>
             </a:endParaRPr>
@@ -4122,7 +3953,6 @@
               <a:solidFill>
                 <a:srgbClr val="000000"/>
               </a:solidFill>
-              <a:effectLst/>
               <a:uFillTx/>
               <a:latin typeface="Arial"/>
             </a:endParaRPr>
@@ -4137,7 +3967,6 @@
               <a:solidFill>
                 <a:srgbClr val="000000"/>
               </a:solidFill>
-              <a:effectLst/>
               <a:uFillTx/>
               <a:latin typeface="Arial"/>
             </a:endParaRPr>
@@ -4152,7 +3981,6 @@
               <a:solidFill>
                 <a:srgbClr val="000000"/>
               </a:solidFill>
-              <a:effectLst/>
               <a:uFillTx/>
               <a:latin typeface="Arial"/>
             </a:endParaRPr>
@@ -4167,7 +3995,6 @@
               <a:solidFill>
                 <a:srgbClr val="000000"/>
               </a:solidFill>
-              <a:effectLst/>
               <a:uFillTx/>
               <a:latin typeface="Arial"/>
             </a:endParaRPr>
@@ -4182,7 +4009,6 @@
               <a:solidFill>
                 <a:srgbClr val="000000"/>
               </a:solidFill>
-              <a:effectLst/>
               <a:uFillTx/>
               <a:latin typeface="Arial"/>
             </a:endParaRPr>
@@ -4197,7 +4023,6 @@
               <a:solidFill>
                 <a:srgbClr val="000000"/>
               </a:solidFill>
-              <a:effectLst/>
               <a:uFillTx/>
               <a:latin typeface="Arial"/>
             </a:endParaRPr>
@@ -4212,7 +4037,6 @@
               <a:solidFill>
                 <a:srgbClr val="000000"/>
               </a:solidFill>
-              <a:effectLst/>
               <a:uFillTx/>
               <a:latin typeface="Arial"/>
             </a:endParaRPr>
@@ -4227,7 +4051,6 @@
               <a:solidFill>
                 <a:srgbClr val="000000"/>
               </a:solidFill>
-              <a:effectLst/>
               <a:uFillTx/>
               <a:latin typeface="Arial"/>
             </a:endParaRPr>
@@ -4242,7 +4065,6 @@
               <a:solidFill>
                 <a:srgbClr val="000000"/>
               </a:solidFill>
-              <a:effectLst/>
               <a:uFillTx/>
               <a:latin typeface="Arial"/>
             </a:endParaRPr>
@@ -4257,7 +4079,6 @@
               <a:solidFill>
                 <a:srgbClr val="000000"/>
               </a:solidFill>
-              <a:effectLst/>
               <a:uFillTx/>
               <a:latin typeface="Arial"/>
             </a:endParaRPr>
@@ -4273,7 +4094,7 @@
         <p:spPr>
           <a:xfrm>
             <a:off x="567000" y="25956360"/>
-            <a:ext cx="10166040" cy="5564880"/>
+            <a:ext cx="10165680" cy="5564520"/>
           </a:xfrm>
           <a:prstGeom prst="rect">
             <a:avLst/>
@@ -4308,7 +4129,6 @@
               <a:solidFill>
                 <a:srgbClr val="000000"/>
               </a:solidFill>
-              <a:effectLst/>
               <a:uFillTx/>
               <a:latin typeface="Arial"/>
             </a:endParaRPr>
@@ -4323,7 +4143,6 @@
               <a:solidFill>
                 <a:srgbClr val="000000"/>
               </a:solidFill>
-              <a:effectLst/>
               <a:uFillTx/>
               <a:latin typeface="Arial"/>
             </a:endParaRPr>
@@ -4338,7 +4157,6 @@
               <a:solidFill>
                 <a:srgbClr val="000000"/>
               </a:solidFill>
-              <a:effectLst/>
               <a:uFillTx/>
               <a:latin typeface="Arial"/>
             </a:endParaRPr>
@@ -4353,7 +4171,6 @@
               <a:solidFill>
                 <a:srgbClr val="000000"/>
               </a:solidFill>
-              <a:effectLst/>
               <a:uFillTx/>
               <a:latin typeface="Arial"/>
             </a:endParaRPr>
@@ -4368,7 +4185,6 @@
               <a:solidFill>
                 <a:srgbClr val="000000"/>
               </a:solidFill>
-              <a:effectLst/>
               <a:uFillTx/>
               <a:latin typeface="Arial"/>
             </a:endParaRPr>
@@ -4383,7 +4199,6 @@
               <a:solidFill>
                 <a:srgbClr val="000000"/>
               </a:solidFill>
-              <a:effectLst/>
               <a:uFillTx/>
               <a:latin typeface="Arial"/>
             </a:endParaRPr>
@@ -4398,7 +4213,6 @@
               <a:solidFill>
                 <a:srgbClr val="000000"/>
               </a:solidFill>
-              <a:effectLst/>
               <a:uFillTx/>
               <a:latin typeface="Arial"/>
             </a:endParaRPr>
@@ -4413,7 +4227,6 @@
               <a:solidFill>
                 <a:srgbClr val="000000"/>
               </a:solidFill>
-              <a:effectLst/>
               <a:uFillTx/>
               <a:latin typeface="Arial"/>
             </a:endParaRPr>
@@ -4428,7 +4241,6 @@
               <a:solidFill>
                 <a:srgbClr val="000000"/>
               </a:solidFill>
-              <a:effectLst/>
               <a:uFillTx/>
               <a:latin typeface="Arial"/>
             </a:endParaRPr>
@@ -4443,7 +4255,6 @@
               <a:solidFill>
                 <a:srgbClr val="000000"/>
               </a:solidFill>
-              <a:effectLst/>
               <a:uFillTx/>
               <a:latin typeface="Arial"/>
             </a:endParaRPr>
@@ -4458,7 +4269,6 @@
               <a:solidFill>
                 <a:srgbClr val="000000"/>
               </a:solidFill>
-              <a:effectLst/>
               <a:uFillTx/>
               <a:latin typeface="Arial"/>
             </a:endParaRPr>
@@ -4474,7 +4284,7 @@
         <p:spPr>
           <a:xfrm rot="16241400">
             <a:off x="504000" y="20546640"/>
-            <a:ext cx="3304800" cy="1768320"/>
+            <a:ext cx="3304440" cy="1767960"/>
           </a:xfrm>
           <a:prstGeom prst="rightArrow">
             <a:avLst>
@@ -4512,7 +4322,6 @@
                 <a:solidFill>
                   <a:srgbClr val="000000"/>
                 </a:solidFill>
-                <a:effectLst/>
                 <a:uFillTx/>
                 <a:latin typeface="Open Sans"/>
                 <a:ea typeface="Arial"/>
@@ -4523,7 +4332,6 @@
               <a:solidFill>
                 <a:srgbClr val="000000"/>
               </a:solidFill>
-              <a:effectLst/>
               <a:uFillTx/>
               <a:latin typeface="Arial"/>
             </a:endParaRPr>
@@ -4566,7 +4374,6 @@
               <a:solidFill>
                 <a:srgbClr val="000000"/>
               </a:solidFill>
-              <a:effectLst/>
               <a:uFillTx/>
               <a:latin typeface="Arial"/>
               <a:ea typeface="Arial"/>
@@ -4583,7 +4390,7 @@
         <p:spPr>
           <a:xfrm>
             <a:off x="4019400" y="19847880"/>
-            <a:ext cx="4492440" cy="748080"/>
+            <a:ext cx="4492080" cy="747720"/>
           </a:xfrm>
           <a:prstGeom prst="rect">
             <a:avLst/>
@@ -4618,7 +4425,6 @@
                 <a:solidFill>
                   <a:srgbClr val="000000"/>
                 </a:solidFill>
-                <a:effectLst/>
                 <a:uFillTx/>
                 <a:latin typeface="Arial"/>
                 <a:ea typeface="Arial"/>
@@ -4629,7 +4435,6 @@
               <a:solidFill>
                 <a:srgbClr val="000000"/>
               </a:solidFill>
-              <a:effectLst/>
               <a:uFillTx/>
               <a:latin typeface="Arial"/>
             </a:endParaRPr>
@@ -4672,7 +4477,6 @@
               <a:solidFill>
                 <a:srgbClr val="000000"/>
               </a:solidFill>
-              <a:effectLst/>
               <a:uFillTx/>
               <a:latin typeface="Arial"/>
               <a:ea typeface="Arial"/>
@@ -4689,7 +4493,7 @@
         <p:spPr>
           <a:xfrm>
             <a:off x="4019400" y="21071880"/>
-            <a:ext cx="4492440" cy="748080"/>
+            <a:ext cx="4492080" cy="747720"/>
           </a:xfrm>
           <a:prstGeom prst="rect">
             <a:avLst/>
@@ -4724,7 +4528,6 @@
                 <a:solidFill>
                   <a:srgbClr val="000000"/>
                 </a:solidFill>
-                <a:effectLst/>
                 <a:uFillTx/>
                 <a:latin typeface="Arial"/>
                 <a:ea typeface="Arial"/>
@@ -4735,7 +4538,6 @@
               <a:solidFill>
                 <a:srgbClr val="000000"/>
               </a:solidFill>
-              <a:effectLst/>
               <a:uFillTx/>
               <a:latin typeface="Arial"/>
             </a:endParaRPr>
@@ -4778,7 +4580,6 @@
               <a:solidFill>
                 <a:srgbClr val="000000"/>
               </a:solidFill>
-              <a:effectLst/>
               <a:uFillTx/>
               <a:latin typeface="Arial"/>
               <a:ea typeface="Arial"/>
@@ -4795,7 +4596,7 @@
         <p:spPr>
           <a:xfrm>
             <a:off x="4019400" y="22403880"/>
-            <a:ext cx="4492440" cy="748080"/>
+            <a:ext cx="4492080" cy="747720"/>
           </a:xfrm>
           <a:prstGeom prst="rect">
             <a:avLst/>
@@ -4830,7 +4631,6 @@
                 <a:solidFill>
                   <a:srgbClr val="000000"/>
                 </a:solidFill>
-                <a:effectLst/>
                 <a:uFillTx/>
                 <a:latin typeface="Arial"/>
                 <a:ea typeface="Arial"/>
@@ -4841,7 +4641,6 @@
               <a:solidFill>
                 <a:srgbClr val="000000"/>
               </a:solidFill>
-              <a:effectLst/>
               <a:uFillTx/>
               <a:latin typeface="Arial"/>
             </a:endParaRPr>
@@ -4857,7 +4656,7 @@
         <p:spPr>
           <a:xfrm>
             <a:off x="2786760" y="26253000"/>
-            <a:ext cx="2630520" cy="2131200"/>
+            <a:ext cx="2630160" cy="2130840"/>
           </a:xfrm>
           <a:prstGeom prst="rect">
             <a:avLst/>
@@ -4892,7 +4691,6 @@
                 <a:solidFill>
                   <a:srgbClr val="000000"/>
                 </a:solidFill>
-                <a:effectLst/>
                 <a:uFillTx/>
                 <a:latin typeface="Arial"/>
                 <a:ea typeface="Arial"/>
@@ -4903,7 +4701,6 @@
               <a:solidFill>
                 <a:srgbClr val="000000"/>
               </a:solidFill>
-              <a:effectLst/>
               <a:uFillTx/>
               <a:latin typeface="Arial"/>
             </a:endParaRPr>
@@ -4919,7 +4716,7 @@
         <p:spPr>
           <a:xfrm>
             <a:off x="2878560" y="26821440"/>
-            <a:ext cx="874440" cy="641160"/>
+            <a:ext cx="874080" cy="640800"/>
           </a:xfrm>
           <a:prstGeom prst="rect">
             <a:avLst/>
@@ -4954,7 +4751,6 @@
                 <a:solidFill>
                   <a:srgbClr val="000000"/>
                 </a:solidFill>
-                <a:effectLst/>
                 <a:uFillTx/>
                 <a:latin typeface="Arial"/>
                 <a:ea typeface="Arial"/>
@@ -4965,7 +4761,6 @@
               <a:solidFill>
                 <a:srgbClr val="000000"/>
               </a:solidFill>
-              <a:effectLst/>
               <a:uFillTx/>
               <a:latin typeface="Arial"/>
             </a:endParaRPr>
@@ -4981,7 +4776,7 @@
         <p:spPr>
           <a:xfrm>
             <a:off x="4446000" y="26821440"/>
-            <a:ext cx="874080" cy="641160"/>
+            <a:ext cx="873720" cy="640800"/>
           </a:xfrm>
           <a:prstGeom prst="rect">
             <a:avLst/>
@@ -5016,7 +4811,6 @@
                 <a:solidFill>
                   <a:srgbClr val="000000"/>
                 </a:solidFill>
-                <a:effectLst/>
                 <a:uFillTx/>
                 <a:latin typeface="Arial"/>
                 <a:ea typeface="Arial"/>
@@ -5027,7 +4821,6 @@
               <a:solidFill>
                 <a:srgbClr val="000000"/>
               </a:solidFill>
-              <a:effectLst/>
               <a:uFillTx/>
               <a:latin typeface="Arial"/>
             </a:endParaRPr>
@@ -5043,7 +4836,7 @@
         <p:spPr>
           <a:xfrm>
             <a:off x="2970720" y="27689760"/>
-            <a:ext cx="2246400" cy="641160"/>
+            <a:ext cx="2246040" cy="640800"/>
           </a:xfrm>
           <a:prstGeom prst="rect">
             <a:avLst/>
@@ -5078,7 +4871,6 @@
                 <a:solidFill>
                   <a:srgbClr val="000000"/>
                 </a:solidFill>
-                <a:effectLst/>
                 <a:uFillTx/>
                 <a:latin typeface="Arial"/>
                 <a:ea typeface="Arial"/>
@@ -5089,7 +4881,6 @@
               <a:solidFill>
                 <a:srgbClr val="000000"/>
               </a:solidFill>
-              <a:effectLst/>
               <a:uFillTx/>
               <a:latin typeface="Arial"/>
             </a:endParaRPr>
@@ -5105,18 +4896,27 @@
                 <a:solidFill>
                   <a:srgbClr val="000000"/>
                 </a:solidFill>
-                <a:effectLst/>
                 <a:uFillTx/>
                 <a:latin typeface="Arial"/>
                 <a:ea typeface="Arial"/>
               </a:rPr>
-              <a:t> (OS)</a:t>
+              <a:t> </a:t>
+            </a:r>
+            <a:r>
+              <a:rPr b="0" lang="en-US" sz="2000" strike="noStrike" u="none">
+                <a:solidFill>
+                  <a:srgbClr val="000000"/>
+                </a:solidFill>
+                <a:uFillTx/>
+                <a:latin typeface="Arial"/>
+                <a:ea typeface="Arial"/>
+              </a:rPr>
+              <a:t>(OS)</a:t>
             </a:r>
             <a:endParaRPr b="0" lang="en-US" sz="2000" strike="noStrike" u="none">
               <a:solidFill>
                 <a:srgbClr val="000000"/>
               </a:solidFill>
-              <a:effectLst/>
               <a:uFillTx/>
               <a:latin typeface="Arial"/>
             </a:endParaRPr>
@@ -5132,15 +4932,15 @@
         <p:spPr>
           <a:xfrm>
             <a:off x="5647680" y="26253000"/>
-            <a:ext cx="2337480" cy="2131200"/>
+            <a:ext cx="2337120" cy="2130840"/>
           </a:xfrm>
           <a:custGeom>
             <a:avLst/>
             <a:gdLst>
-              <a:gd name="textAreaLeft" fmla="*/ 113760 w 2337480"/>
-              <a:gd name="textAreaRight" fmla="*/ 2226960 w 2337480"/>
-              <a:gd name="textAreaTop" fmla="*/ 97560 h 2131200"/>
-              <a:gd name="textAreaBottom" fmla="*/ 2036880 h 2131200"/>
+              <a:gd name="textAreaLeft" fmla="*/ 113760 w 2337120"/>
+              <a:gd name="textAreaRight" fmla="*/ 2226960 w 2337120"/>
+              <a:gd name="textAreaTop" fmla="*/ 97560 h 2130840"/>
+              <a:gd name="textAreaBottom" fmla="*/ 2036880 h 2130840"/>
             </a:gdLst>
             <a:ahLst/>
             <a:rect l="textAreaLeft" t="textAreaTop" r="textAreaRight" b="textAreaBottom"/>
@@ -5196,7 +4996,6 @@
                 <a:solidFill>
                   <a:srgbClr val="000000"/>
                 </a:solidFill>
-                <a:effectLst/>
                 <a:uFillTx/>
                 <a:latin typeface="Arial"/>
                 <a:ea typeface="Arial"/>
@@ -5207,7 +5006,6 @@
               <a:solidFill>
                 <a:srgbClr val="000000"/>
               </a:solidFill>
-              <a:effectLst/>
               <a:uFillTx/>
               <a:latin typeface="Arial"/>
             </a:endParaRPr>
@@ -5223,7 +5021,7 @@
         <p:spPr>
           <a:xfrm>
             <a:off x="5870520" y="26821440"/>
-            <a:ext cx="1913760" cy="641160"/>
+            <a:ext cx="1913400" cy="640800"/>
           </a:xfrm>
           <a:prstGeom prst="rect">
             <a:avLst/>
@@ -5258,7 +5056,6 @@
                 <a:solidFill>
                   <a:srgbClr val="000000"/>
                 </a:solidFill>
-                <a:effectLst/>
                 <a:uFillTx/>
                 <a:latin typeface="Arial"/>
                 <a:ea typeface="Arial"/>
@@ -5269,7 +5066,6 @@
               <a:solidFill>
                 <a:srgbClr val="000000"/>
               </a:solidFill>
-              <a:effectLst/>
               <a:uFillTx/>
               <a:latin typeface="Arial"/>
             </a:endParaRPr>
@@ -5285,7 +5081,7 @@
         <p:spPr>
           <a:xfrm>
             <a:off x="5778720" y="27677520"/>
-            <a:ext cx="2114280" cy="534960"/>
+            <a:ext cx="2113920" cy="534600"/>
           </a:xfrm>
           <a:prstGeom prst="rect">
             <a:avLst/>
@@ -5320,7 +5116,6 @@
                 <a:solidFill>
                   <a:srgbClr val="000000"/>
                 </a:solidFill>
-                <a:effectLst/>
                 <a:uFillTx/>
                 <a:latin typeface="Arial"/>
                 <a:ea typeface="Arial"/>
@@ -5331,7 +5126,6 @@
               <a:solidFill>
                 <a:srgbClr val="000000"/>
               </a:solidFill>
-              <a:effectLst/>
               <a:uFillTx/>
               <a:latin typeface="Arial"/>
             </a:endParaRPr>
@@ -5347,15 +5141,15 @@
         <p:spPr>
           <a:xfrm>
             <a:off x="8233560" y="26253360"/>
-            <a:ext cx="1787040" cy="2130840"/>
+            <a:ext cx="1786680" cy="2130480"/>
           </a:xfrm>
           <a:custGeom>
             <a:avLst/>
             <a:gdLst>
-              <a:gd name="textAreaLeft" fmla="*/ 86760 w 1787040"/>
-              <a:gd name="textAreaRight" fmla="*/ 1703520 w 1787040"/>
-              <a:gd name="textAreaTop" fmla="*/ 74520 h 2130840"/>
-              <a:gd name="textAreaBottom" fmla="*/ 2059560 h 2130840"/>
+              <a:gd name="textAreaLeft" fmla="*/ 86760 w 1786680"/>
+              <a:gd name="textAreaRight" fmla="*/ 1703520 w 1786680"/>
+              <a:gd name="textAreaTop" fmla="*/ 74520 h 2130480"/>
+              <a:gd name="textAreaBottom" fmla="*/ 2059560 h 2130480"/>
             </a:gdLst>
             <a:ahLst/>
             <a:rect l="textAreaLeft" t="textAreaTop" r="textAreaRight" b="textAreaBottom"/>
@@ -5411,7 +5205,6 @@
                 <a:solidFill>
                   <a:srgbClr val="000000"/>
                 </a:solidFill>
-                <a:effectLst/>
                 <a:uFillTx/>
                 <a:latin typeface="Arial"/>
                 <a:ea typeface="Arial"/>
@@ -5422,7 +5215,6 @@
               <a:solidFill>
                 <a:srgbClr val="000000"/>
               </a:solidFill>
-              <a:effectLst/>
               <a:uFillTx/>
               <a:latin typeface="Arial"/>
             </a:endParaRPr>
@@ -5438,7 +5230,7 @@
         <p:spPr>
           <a:xfrm>
             <a:off x="8425440" y="26822160"/>
-            <a:ext cx="1343520" cy="640800"/>
+            <a:ext cx="1343160" cy="640440"/>
           </a:xfrm>
           <a:prstGeom prst="rect">
             <a:avLst/>
@@ -5473,7 +5265,6 @@
                 <a:solidFill>
                   <a:srgbClr val="000000"/>
                 </a:solidFill>
-                <a:effectLst/>
                 <a:uFillTx/>
                 <a:latin typeface="Arial"/>
                 <a:ea typeface="Arial"/>
@@ -5484,7 +5275,6 @@
               <a:solidFill>
                 <a:srgbClr val="000000"/>
               </a:solidFill>
-              <a:effectLst/>
               <a:uFillTx/>
               <a:latin typeface="Arial"/>
             </a:endParaRPr>
@@ -5500,7 +5290,7 @@
         <p:spPr>
           <a:xfrm>
             <a:off x="8346600" y="27677880"/>
-            <a:ext cx="1422360" cy="534960"/>
+            <a:ext cx="1422000" cy="534600"/>
           </a:xfrm>
           <a:prstGeom prst="rect">
             <a:avLst/>
@@ -5535,7 +5325,6 @@
                 <a:solidFill>
                   <a:srgbClr val="000000"/>
                 </a:solidFill>
-                <a:effectLst/>
                 <a:uFillTx/>
                 <a:latin typeface="Arial"/>
                 <a:ea typeface="Arial"/>
@@ -5546,7 +5335,6 @@
               <a:solidFill>
                 <a:srgbClr val="000000"/>
               </a:solidFill>
-              <a:effectLst/>
               <a:uFillTx/>
               <a:latin typeface="Arial"/>
             </a:endParaRPr>
@@ -5590,7 +5378,6 @@
               <a:solidFill>
                 <a:srgbClr val="000000"/>
               </a:solidFill>
-              <a:effectLst/>
               <a:uFillTx/>
               <a:latin typeface="Arial"/>
               <a:ea typeface="Arial"/>
@@ -5635,7 +5422,6 @@
               <a:solidFill>
                 <a:srgbClr val="000000"/>
               </a:solidFill>
-              <a:effectLst/>
               <a:uFillTx/>
               <a:latin typeface="Arial"/>
               <a:ea typeface="Arial"/>
@@ -5652,7 +5438,7 @@
         <p:spPr>
           <a:xfrm>
             <a:off x="2701440" y="28627560"/>
-            <a:ext cx="7475400" cy="1467360"/>
+            <a:ext cx="7475040" cy="1467000"/>
           </a:xfrm>
           <a:prstGeom prst="roundRect">
             <a:avLst>
@@ -5689,7 +5475,6 @@
               <a:solidFill>
                 <a:srgbClr val="000000"/>
               </a:solidFill>
-              <a:effectLst/>
               <a:uFillTx/>
               <a:latin typeface="Arial"/>
               <a:ea typeface="Arial"/>
@@ -5706,7 +5491,7 @@
         <p:spPr>
           <a:xfrm>
             <a:off x="2787120" y="28742040"/>
-            <a:ext cx="7267680" cy="496800"/>
+            <a:ext cx="7267320" cy="496440"/>
           </a:xfrm>
           <a:prstGeom prst="rect">
             <a:avLst/>
@@ -5741,7 +5526,6 @@
                 <a:solidFill>
                   <a:srgbClr val="000000"/>
                 </a:solidFill>
-                <a:effectLst/>
                 <a:uFillTx/>
                 <a:latin typeface="Arial"/>
                 <a:ea typeface="Arial"/>
@@ -5752,7 +5536,6 @@
               <a:solidFill>
                 <a:srgbClr val="000000"/>
               </a:solidFill>
-              <a:effectLst/>
               <a:uFillTx/>
               <a:latin typeface="Arial"/>
             </a:endParaRPr>
@@ -5768,7 +5551,7 @@
         <p:spPr>
           <a:xfrm>
             <a:off x="1210320" y="29341440"/>
-            <a:ext cx="1500120" cy="747720"/>
+            <a:ext cx="1499760" cy="747360"/>
           </a:xfrm>
           <a:prstGeom prst="rect">
             <a:avLst/>
@@ -5799,7 +5582,6 @@
                 <a:solidFill>
                   <a:srgbClr val="000000"/>
                 </a:solidFill>
-                <a:effectLst/>
                 <a:uFillTx/>
                 <a:latin typeface="Open Sans"/>
                 <a:ea typeface="Arial"/>
@@ -5810,7 +5592,6 @@
               <a:solidFill>
                 <a:srgbClr val="000000"/>
               </a:solidFill>
-              <a:effectLst/>
               <a:uFillTx/>
               <a:latin typeface="Arial"/>
             </a:endParaRPr>
@@ -5826,7 +5607,7 @@
         <p:spPr>
           <a:xfrm>
             <a:off x="2781360" y="29375280"/>
-            <a:ext cx="7244280" cy="613800"/>
+            <a:ext cx="7243920" cy="613440"/>
           </a:xfrm>
           <a:prstGeom prst="rect">
             <a:avLst/>
@@ -5860,7 +5641,6 @@
               <a:solidFill>
                 <a:srgbClr val="000000"/>
               </a:solidFill>
-              <a:effectLst/>
               <a:uFillTx/>
               <a:latin typeface="Arial"/>
               <a:ea typeface="Arial"/>
@@ -5877,7 +5657,7 @@
         <p:spPr>
           <a:xfrm>
             <a:off x="2862360" y="29470320"/>
-            <a:ext cx="1930320" cy="439200"/>
+            <a:ext cx="1929960" cy="438840"/>
           </a:xfrm>
           <a:prstGeom prst="rect">
             <a:avLst/>
@@ -5912,7 +5692,6 @@
                 <a:solidFill>
                   <a:srgbClr val="000000"/>
                 </a:solidFill>
-                <a:effectLst/>
                 <a:uFillTx/>
                 <a:latin typeface="Arial"/>
                 <a:ea typeface="Arial"/>
@@ -5923,7 +5702,6 @@
               <a:solidFill>
                 <a:srgbClr val="000000"/>
               </a:solidFill>
-              <a:effectLst/>
               <a:uFillTx/>
               <a:latin typeface="Arial"/>
             </a:endParaRPr>
@@ -5939,7 +5717,7 @@
         <p:spPr>
           <a:xfrm>
             <a:off x="4926600" y="29470320"/>
-            <a:ext cx="2980800" cy="439200"/>
+            <a:ext cx="2980440" cy="438840"/>
           </a:xfrm>
           <a:prstGeom prst="rect">
             <a:avLst/>
@@ -5974,7 +5752,6 @@
                 <a:solidFill>
                   <a:srgbClr val="000000"/>
                 </a:solidFill>
-                <a:effectLst/>
                 <a:uFillTx/>
                 <a:latin typeface="Arial"/>
                 <a:ea typeface="Arial"/>
@@ -5985,7 +5762,6 @@
               <a:solidFill>
                 <a:srgbClr val="000000"/>
               </a:solidFill>
-              <a:effectLst/>
               <a:uFillTx/>
               <a:latin typeface="Arial"/>
             </a:endParaRPr>
@@ -6001,7 +5777,7 @@
         <p:spPr>
           <a:xfrm>
             <a:off x="8035560" y="29471400"/>
-            <a:ext cx="1931040" cy="438840"/>
+            <a:ext cx="1930680" cy="438480"/>
           </a:xfrm>
           <a:prstGeom prst="rect">
             <a:avLst/>
@@ -6036,7 +5812,6 @@
                 <a:solidFill>
                   <a:srgbClr val="000000"/>
                 </a:solidFill>
-                <a:effectLst/>
                 <a:uFillTx/>
                 <a:latin typeface="Arial"/>
                 <a:ea typeface="Arial"/>
@@ -6047,7 +5822,6 @@
               <a:solidFill>
                 <a:srgbClr val="000000"/>
               </a:solidFill>
-              <a:effectLst/>
               <a:uFillTx/>
               <a:latin typeface="Arial"/>
             </a:endParaRPr>
@@ -6090,7 +5864,6 @@
               <a:solidFill>
                 <a:srgbClr val="000000"/>
               </a:solidFill>
-              <a:effectLst/>
               <a:uFillTx/>
               <a:latin typeface="Arial"/>
               <a:ea typeface="Arial"/>
@@ -6107,7 +5880,7 @@
         <p:spPr>
           <a:xfrm>
             <a:off x="5461560" y="30621600"/>
-            <a:ext cx="1825560" cy="682560"/>
+            <a:ext cx="1825200" cy="682200"/>
           </a:xfrm>
           <a:prstGeom prst="roundRect">
             <a:avLst>
@@ -6143,7 +5916,6 @@
                 <a:solidFill>
                   <a:srgbClr val="000000"/>
                 </a:solidFill>
-                <a:effectLst/>
                 <a:uFillTx/>
                 <a:latin typeface="Arial"/>
                 <a:ea typeface="Arial"/>
@@ -6154,7 +5926,6 @@
               <a:solidFill>
                 <a:srgbClr val="000000"/>
               </a:solidFill>
-              <a:effectLst/>
               <a:uFillTx/>
               <a:latin typeface="Arial"/>
             </a:endParaRPr>
@@ -6198,7 +5969,6 @@
               <a:solidFill>
                 <a:srgbClr val="000000"/>
               </a:solidFill>
-              <a:effectLst/>
               <a:uFillTx/>
               <a:latin typeface="Arial"/>
               <a:ea typeface="Arial"/>
@@ -6215,7 +5985,7 @@
         <p:spPr>
           <a:xfrm>
             <a:off x="988560" y="26794440"/>
-            <a:ext cx="1752480" cy="748080"/>
+            <a:ext cx="1752120" cy="747720"/>
           </a:xfrm>
           <a:prstGeom prst="rect">
             <a:avLst/>
@@ -6246,7 +6016,6 @@
                 <a:solidFill>
                   <a:srgbClr val="000000"/>
                 </a:solidFill>
-                <a:effectLst/>
                 <a:uFillTx/>
                 <a:latin typeface="Open Sans"/>
                 <a:ea typeface="Arial"/>
@@ -6257,7 +6026,6 @@
               <a:solidFill>
                 <a:srgbClr val="000000"/>
               </a:solidFill>
-              <a:effectLst/>
               <a:uFillTx/>
               <a:latin typeface="Arial"/>
             </a:endParaRPr>
@@ -6273,7 +6041,6 @@
                 <a:solidFill>
                   <a:srgbClr val="000000"/>
                 </a:solidFill>
-                <a:effectLst/>
                 <a:uFillTx/>
                 <a:latin typeface="Open Sans"/>
                 <a:ea typeface="Arial"/>
@@ -6284,7 +6051,6 @@
               <a:solidFill>
                 <a:srgbClr val="000000"/>
               </a:solidFill>
-              <a:effectLst/>
               <a:uFillTx/>
               <a:latin typeface="Arial"/>
             </a:endParaRPr>
@@ -6300,7 +6066,7 @@
         <p:spPr>
           <a:xfrm>
             <a:off x="882000" y="27735480"/>
-            <a:ext cx="1827000" cy="747360"/>
+            <a:ext cx="1826640" cy="747000"/>
           </a:xfrm>
           <a:prstGeom prst="rect">
             <a:avLst/>
@@ -6331,7 +6097,6 @@
                 <a:solidFill>
                   <a:srgbClr val="000000"/>
                 </a:solidFill>
-                <a:effectLst/>
                 <a:uFillTx/>
                 <a:latin typeface="Open Sans"/>
                 <a:ea typeface="Arial"/>
@@ -6342,7 +6107,6 @@
               <a:solidFill>
                 <a:srgbClr val="000000"/>
               </a:solidFill>
-              <a:effectLst/>
               <a:uFillTx/>
               <a:latin typeface="Arial"/>
             </a:endParaRPr>
@@ -6358,7 +6122,6 @@
                 <a:solidFill>
                   <a:srgbClr val="000000"/>
                 </a:solidFill>
-                <a:effectLst/>
                 <a:uFillTx/>
                 <a:latin typeface="Open Sans"/>
                 <a:ea typeface="Arial"/>
@@ -6369,7 +6132,6 @@
               <a:solidFill>
                 <a:srgbClr val="000000"/>
               </a:solidFill>
-              <a:effectLst/>
               <a:uFillTx/>
               <a:latin typeface="Arial"/>
             </a:endParaRPr>
@@ -6385,7 +6147,7 @@
         <p:spPr>
           <a:xfrm>
             <a:off x="952560" y="28571400"/>
-            <a:ext cx="1747080" cy="748080"/>
+            <a:ext cx="1746720" cy="747720"/>
           </a:xfrm>
           <a:prstGeom prst="rect">
             <a:avLst/>
@@ -6416,7 +6178,6 @@
                 <a:solidFill>
                   <a:srgbClr val="000000"/>
                 </a:solidFill>
-                <a:effectLst/>
                 <a:uFillTx/>
                 <a:latin typeface="Open Sans"/>
                 <a:ea typeface="Arial"/>
@@ -6427,7 +6188,6 @@
               <a:solidFill>
                 <a:srgbClr val="000000"/>
               </a:solidFill>
-              <a:effectLst/>
               <a:uFillTx/>
               <a:latin typeface="Arial"/>
             </a:endParaRPr>
@@ -6443,7 +6203,6 @@
                 <a:solidFill>
                   <a:srgbClr val="000000"/>
                 </a:solidFill>
-                <a:effectLst/>
                 <a:uFillTx/>
                 <a:latin typeface="Open Sans"/>
                 <a:ea typeface="Arial"/>
@@ -6454,7 +6213,6 @@
               <a:solidFill>
                 <a:srgbClr val="000000"/>
               </a:solidFill>
-              <a:effectLst/>
               <a:uFillTx/>
               <a:latin typeface="Arial"/>
             </a:endParaRPr>
@@ -6470,7 +6228,7 @@
         <p:spPr>
           <a:xfrm>
             <a:off x="16774560" y="9969120"/>
-            <a:ext cx="2996640" cy="1293120"/>
+            <a:ext cx="2996280" cy="1292760"/>
           </a:xfrm>
           <a:prstGeom prst="roundRect">
             <a:avLst>
@@ -6507,7 +6265,6 @@
                 <a:solidFill>
                   <a:srgbClr val="000000"/>
                 </a:solidFill>
-                <a:effectLst/>
                 <a:uFillTx/>
                 <a:latin typeface="Open Sans"/>
                 <a:ea typeface="DejaVu Sans"/>
@@ -6518,7 +6275,6 @@
               <a:solidFill>
                 <a:srgbClr val="000000"/>
               </a:solidFill>
-              <a:effectLst/>
               <a:uFillTx/>
               <a:latin typeface="Arial"/>
             </a:endParaRPr>
@@ -6534,15 +6290,15 @@
         <p:spPr>
           <a:xfrm>
             <a:off x="13228560" y="9791280"/>
-            <a:ext cx="3201840" cy="4322160"/>
+            <a:ext cx="3201480" cy="4321800"/>
           </a:xfrm>
           <a:custGeom>
             <a:avLst/>
             <a:gdLst>
-              <a:gd name="textAreaLeft" fmla="*/ 155880 w 3201840"/>
-              <a:gd name="textAreaRight" fmla="*/ 3048120 w 3201840"/>
-              <a:gd name="textAreaTop" fmla="*/ 154800 h 4322160"/>
-              <a:gd name="textAreaBottom" fmla="*/ 4169520 h 4322160"/>
+              <a:gd name="textAreaLeft" fmla="*/ 155880 w 3201480"/>
+              <a:gd name="textAreaRight" fmla="*/ 3048120 w 3201480"/>
+              <a:gd name="textAreaTop" fmla="*/ 154800 h 4321800"/>
+              <a:gd name="textAreaBottom" fmla="*/ 4169520 h 4321800"/>
             </a:gdLst>
             <a:ahLst/>
             <a:rect l="textAreaLeft" t="textAreaTop" r="textAreaRight" b="textAreaBottom"/>
@@ -6596,7 +6352,6 @@
               <a:solidFill>
                 <a:srgbClr val="000000"/>
               </a:solidFill>
-              <a:effectLst/>
               <a:uFillTx/>
               <a:latin typeface="Arial"/>
               <a:ea typeface="DejaVu Sans"/>
@@ -6613,7 +6368,7 @@
         <p:spPr>
           <a:xfrm>
             <a:off x="13325040" y="9969120"/>
-            <a:ext cx="2996640" cy="1293120"/>
+            <a:ext cx="2996280" cy="1292760"/>
           </a:xfrm>
           <a:prstGeom prst="roundRect">
             <a:avLst>
@@ -6650,7 +6405,6 @@
                 <a:solidFill>
                   <a:srgbClr val="000000"/>
                 </a:solidFill>
-                <a:effectLst/>
                 <a:uFillTx/>
                 <a:latin typeface="Open Sans"/>
                 <a:ea typeface="DejaVu Sans"/>
@@ -6661,7 +6415,6 @@
               <a:solidFill>
                 <a:srgbClr val="000000"/>
               </a:solidFill>
-              <a:effectLst/>
               <a:uFillTx/>
               <a:latin typeface="Arial"/>
             </a:endParaRPr>
@@ -6677,7 +6430,7 @@
         <p:spPr>
           <a:xfrm>
             <a:off x="13325040" y="11315880"/>
-            <a:ext cx="2996640" cy="1293480"/>
+            <a:ext cx="2996280" cy="1293120"/>
           </a:xfrm>
           <a:prstGeom prst="roundRect">
             <a:avLst>
@@ -6714,7 +6467,6 @@
                 <a:solidFill>
                   <a:srgbClr val="000000"/>
                 </a:solidFill>
-                <a:effectLst/>
                 <a:uFillTx/>
                 <a:latin typeface="Open Sans"/>
                 <a:ea typeface="DejaVu Sans"/>
@@ -6725,7 +6477,6 @@
               <a:solidFill>
                 <a:srgbClr val="000000"/>
               </a:solidFill>
-              <a:effectLst/>
               <a:uFillTx/>
               <a:latin typeface="Arial"/>
             </a:endParaRPr>
@@ -6741,7 +6492,7 @@
         <p:spPr>
           <a:xfrm>
             <a:off x="13325040" y="12663000"/>
-            <a:ext cx="2996640" cy="1293480"/>
+            <a:ext cx="2996280" cy="1293120"/>
           </a:xfrm>
           <a:prstGeom prst="roundRect">
             <a:avLst>
@@ -6778,7 +6529,6 @@
                 <a:solidFill>
                   <a:srgbClr val="000000"/>
                 </a:solidFill>
-                <a:effectLst/>
                 <a:uFillTx/>
                 <a:latin typeface="Open Sans"/>
                 <a:ea typeface="DejaVu Sans"/>
@@ -6789,7 +6539,6 @@
               <a:solidFill>
                 <a:srgbClr val="000000"/>
               </a:solidFill>
-              <a:effectLst/>
               <a:uFillTx/>
               <a:latin typeface="Arial"/>
             </a:endParaRPr>
@@ -6805,7 +6554,7 @@
         <p:spPr>
           <a:xfrm>
             <a:off x="16774560" y="11315880"/>
-            <a:ext cx="2996640" cy="1293480"/>
+            <a:ext cx="2996280" cy="1293120"/>
           </a:xfrm>
           <a:prstGeom prst="roundRect">
             <a:avLst>
@@ -6842,7 +6591,6 @@
                 <a:solidFill>
                   <a:srgbClr val="000000"/>
                 </a:solidFill>
-                <a:effectLst/>
                 <a:uFillTx/>
                 <a:latin typeface="Open Sans"/>
                 <a:ea typeface="DejaVu Sans"/>
@@ -6853,7 +6601,6 @@
               <a:solidFill>
                 <a:srgbClr val="000000"/>
               </a:solidFill>
-              <a:effectLst/>
               <a:uFillTx/>
               <a:latin typeface="Arial"/>
             </a:endParaRPr>
@@ -6869,7 +6616,7 @@
         <p:spPr>
           <a:xfrm>
             <a:off x="16774560" y="12663000"/>
-            <a:ext cx="2996640" cy="1293480"/>
+            <a:ext cx="2996280" cy="1293120"/>
           </a:xfrm>
           <a:prstGeom prst="roundRect">
             <a:avLst>
@@ -6906,7 +6653,6 @@
                 <a:solidFill>
                   <a:srgbClr val="000000"/>
                 </a:solidFill>
-                <a:effectLst/>
                 <a:uFillTx/>
                 <a:latin typeface="Open Sans"/>
                 <a:ea typeface="DejaVu Sans"/>
@@ -6917,7 +6663,6 @@
               <a:solidFill>
                 <a:srgbClr val="000000"/>
               </a:solidFill>
-              <a:effectLst/>
               <a:uFillTx/>
               <a:latin typeface="Arial"/>
             </a:endParaRPr>
@@ -6933,15 +6678,15 @@
         <p:spPr>
           <a:xfrm>
             <a:off x="16678080" y="9791280"/>
-            <a:ext cx="3201840" cy="4322160"/>
+            <a:ext cx="3201480" cy="4321800"/>
           </a:xfrm>
           <a:custGeom>
             <a:avLst/>
             <a:gdLst>
-              <a:gd name="textAreaLeft" fmla="*/ 155880 w 3201840"/>
-              <a:gd name="textAreaRight" fmla="*/ 3048120 w 3201840"/>
-              <a:gd name="textAreaTop" fmla="*/ 154800 h 4322160"/>
-              <a:gd name="textAreaBottom" fmla="*/ 4169520 h 4322160"/>
+              <a:gd name="textAreaLeft" fmla="*/ 155880 w 3201480"/>
+              <a:gd name="textAreaRight" fmla="*/ 3048120 w 3201480"/>
+              <a:gd name="textAreaTop" fmla="*/ 154800 h 4321800"/>
+              <a:gd name="textAreaBottom" fmla="*/ 4169520 h 4321800"/>
             </a:gdLst>
             <a:ahLst/>
             <a:rect l="textAreaLeft" t="textAreaTop" r="textAreaRight" b="textAreaBottom"/>
@@ -6995,7 +6740,6 @@
               <a:solidFill>
                 <a:srgbClr val="000000"/>
               </a:solidFill>
-              <a:effectLst/>
               <a:uFillTx/>
               <a:latin typeface="Arial"/>
               <a:ea typeface="DejaVu Sans"/>
@@ -7012,7 +6756,7 @@
         <p:spPr>
           <a:xfrm>
             <a:off x="13064400" y="9061920"/>
-            <a:ext cx="6975720" cy="5310720"/>
+            <a:ext cx="6975360" cy="5310360"/>
           </a:xfrm>
           <a:prstGeom prst="roundRect">
             <a:avLst>
@@ -7047,7 +6791,6 @@
               <a:solidFill>
                 <a:srgbClr val="000000"/>
               </a:solidFill>
-              <a:effectLst/>
               <a:uFillTx/>
               <a:latin typeface="Arial"/>
               <a:ea typeface="DejaVu Sans"/>
@@ -7064,7 +6807,7 @@
         <p:spPr>
           <a:xfrm>
             <a:off x="13523400" y="9164880"/>
-            <a:ext cx="2646360" cy="485640"/>
+            <a:ext cx="2646000" cy="485640"/>
           </a:xfrm>
           <a:prstGeom prst="rect">
             <a:avLst/>
@@ -7095,7 +6838,6 @@
                 <a:solidFill>
                   <a:srgbClr val="000000"/>
                 </a:solidFill>
-                <a:effectLst/>
                 <a:uFillTx/>
                 <a:latin typeface="Open Sans"/>
                 <a:ea typeface="DejaVu Sans"/>
@@ -7106,7 +6848,6 @@
               <a:solidFill>
                 <a:srgbClr val="000000"/>
               </a:solidFill>
-              <a:effectLst/>
               <a:uFillTx/>
               <a:latin typeface="Arial"/>
             </a:endParaRPr>
@@ -7122,7 +6863,7 @@
         <p:spPr>
           <a:xfrm>
             <a:off x="16767720" y="9165240"/>
-            <a:ext cx="3036960" cy="485640"/>
+            <a:ext cx="3036600" cy="485640"/>
           </a:xfrm>
           <a:prstGeom prst="rect">
             <a:avLst/>
@@ -7153,7 +6894,6 @@
                 <a:solidFill>
                   <a:srgbClr val="000000"/>
                 </a:solidFill>
-                <a:effectLst/>
                 <a:uFillTx/>
                 <a:latin typeface="Open Sans"/>
                 <a:ea typeface="DejaVu Sans"/>
@@ -7164,7 +6904,6 @@
               <a:solidFill>
                 <a:srgbClr val="000000"/>
               </a:solidFill>
-              <a:effectLst/>
               <a:uFillTx/>
               <a:latin typeface="Arial"/>
             </a:endParaRPr>
@@ -7180,7 +6919,7 @@
         <p:spPr>
           <a:xfrm>
             <a:off x="13303800" y="8389800"/>
-            <a:ext cx="1562040" cy="577440"/>
+            <a:ext cx="1561680" cy="577440"/>
           </a:xfrm>
           <a:prstGeom prst="rect">
             <a:avLst/>
@@ -7211,7 +6950,6 @@
                 <a:solidFill>
                   <a:srgbClr val="000000"/>
                 </a:solidFill>
-                <a:effectLst/>
                 <a:uFillTx/>
                 <a:latin typeface="Open Sans"/>
                 <a:ea typeface="DejaVu Sans"/>
@@ -7222,7 +6960,6 @@
               <a:solidFill>
                 <a:srgbClr val="000000"/>
               </a:solidFill>
-              <a:effectLst/>
               <a:uFillTx/>
               <a:latin typeface="Arial"/>
             </a:endParaRPr>
@@ -7238,7 +6975,7 @@
         <p:spPr>
           <a:xfrm>
             <a:off x="26159040" y="24134400"/>
-            <a:ext cx="2703600" cy="2334240"/>
+            <a:ext cx="2703240" cy="2333880"/>
           </a:xfrm>
           <a:prstGeom prst="ellipse">
             <a:avLst/>
@@ -7272,7 +7009,6 @@
                 <a:solidFill>
                   <a:srgbClr val="000000"/>
                 </a:solidFill>
-                <a:effectLst/>
                 <a:uFillTx/>
                 <a:latin typeface="Arial"/>
                 <a:ea typeface="Arial"/>
@@ -7283,7 +7019,6 @@
               <a:solidFill>
                 <a:srgbClr val="000000"/>
               </a:solidFill>
-              <a:effectLst/>
               <a:uFillTx/>
               <a:latin typeface="Arial"/>
             </a:endParaRPr>
@@ -7299,7 +7034,7 @@
         <p:spPr>
           <a:xfrm>
             <a:off x="567000" y="25115400"/>
-            <a:ext cx="10184400" cy="838800"/>
+            <a:ext cx="10184040" cy="838440"/>
           </a:xfrm>
           <a:prstGeom prst="rect">
             <a:avLst/>
@@ -7334,7 +7069,6 @@
                 <a:solidFill>
                   <a:srgbClr val="ffffff"/>
                 </a:solidFill>
-                <a:effectLst/>
                 <a:uFillTx/>
                 <a:latin typeface="Bree Serif"/>
                 <a:ea typeface="Arial"/>
@@ -7345,7 +7079,6 @@
               <a:solidFill>
                 <a:srgbClr val="ffffff"/>
               </a:solidFill>
-              <a:effectLst/>
               <a:uFillTx/>
               <a:latin typeface="Arial"/>
             </a:endParaRPr>
@@ -7361,7 +7094,7 @@
         <p:spPr>
           <a:xfrm>
             <a:off x="12264840" y="19127520"/>
-            <a:ext cx="3656520" cy="1198080"/>
+            <a:ext cx="3656160" cy="577440"/>
           </a:xfrm>
           <a:prstGeom prst="rect">
             <a:avLst/>
@@ -7392,7 +7125,6 @@
                 <a:solidFill>
                   <a:srgbClr val="000000"/>
                 </a:solidFill>
-                <a:effectLst/>
                 <a:uFillTx/>
                 <a:latin typeface="Open Sans"/>
                 <a:ea typeface="DejaVu Sans"/>
@@ -7403,7 +7135,6 @@
               <a:solidFill>
                 <a:srgbClr val="000000"/>
               </a:solidFill>
-              <a:effectLst/>
               <a:uFillTx/>
               <a:latin typeface="Arial"/>
             </a:endParaRPr>
@@ -7419,7 +7150,7 @@
         <p:spPr>
           <a:xfrm>
             <a:off x="14729040" y="20630520"/>
-            <a:ext cx="1942200" cy="1027800"/>
+            <a:ext cx="1941840" cy="1027440"/>
           </a:xfrm>
           <a:prstGeom prst="roundRect">
             <a:avLst>
@@ -7456,7 +7187,6 @@
                 <a:solidFill>
                   <a:srgbClr val="000000"/>
                 </a:solidFill>
-                <a:effectLst/>
                 <a:uFillTx/>
                 <a:latin typeface="Open Sans"/>
                 <a:ea typeface="DejaVu Sans"/>
@@ -7467,7 +7197,6 @@
               <a:solidFill>
                 <a:srgbClr val="000000"/>
               </a:solidFill>
-              <a:effectLst/>
               <a:uFillTx/>
               <a:latin typeface="Arial"/>
             </a:endParaRPr>
@@ -7483,7 +7212,7 @@
         <p:spPr>
           <a:xfrm>
             <a:off x="12083040" y="19072800"/>
-            <a:ext cx="4799520" cy="3108600"/>
+            <a:ext cx="4799160" cy="3108240"/>
           </a:xfrm>
           <a:prstGeom prst="roundRect">
             <a:avLst>
@@ -7518,7 +7247,6 @@
               <a:solidFill>
                 <a:srgbClr val="000000"/>
               </a:solidFill>
-              <a:effectLst/>
               <a:uFillTx/>
               <a:latin typeface="Open Sans"/>
               <a:ea typeface="DejaVu Sans"/>
@@ -7562,7 +7290,6 @@
               <a:solidFill>
                 <a:srgbClr val="000000"/>
               </a:solidFill>
-              <a:effectLst/>
               <a:uFillTx/>
               <a:latin typeface="Arial"/>
               <a:ea typeface="DejaVu Sans"/>
@@ -7579,7 +7306,7 @@
         <p:spPr>
           <a:xfrm>
             <a:off x="12997440" y="17190720"/>
-            <a:ext cx="2856240" cy="1599120"/>
+            <a:ext cx="2855880" cy="1598760"/>
           </a:xfrm>
           <a:prstGeom prst="roundRect">
             <a:avLst>
@@ -7616,7 +7343,6 @@
                 <a:solidFill>
                   <a:srgbClr val="000000"/>
                 </a:solidFill>
-                <a:effectLst/>
                 <a:uFillTx/>
                 <a:latin typeface="Open Sans"/>
                 <a:ea typeface="DejaVu Sans"/>
@@ -7627,7 +7353,6 @@
               <a:solidFill>
                 <a:srgbClr val="ffffff"/>
               </a:solidFill>
-              <a:effectLst/>
               <a:uFillTx/>
               <a:latin typeface="Arial"/>
             </a:endParaRPr>
@@ -7671,7 +7396,6 @@
               <a:solidFill>
                 <a:srgbClr val="000000"/>
               </a:solidFill>
-              <a:effectLst/>
               <a:uFillTx/>
               <a:latin typeface="Arial"/>
               <a:ea typeface="DejaVu Sans"/>
@@ -7688,7 +7412,7 @@
         <p:spPr>
           <a:xfrm>
             <a:off x="11687400" y="22781160"/>
-            <a:ext cx="5599080" cy="2234160"/>
+            <a:ext cx="5598720" cy="2233800"/>
           </a:xfrm>
           <a:prstGeom prst="roundRect">
             <a:avLst>
@@ -7723,7 +7447,6 @@
               <a:solidFill>
                 <a:srgbClr val="000000"/>
               </a:solidFill>
-              <a:effectLst/>
               <a:uFillTx/>
               <a:latin typeface="Open Sans"/>
               <a:ea typeface="DejaVu Sans"/>
@@ -7740,7 +7463,7 @@
         <p:spPr>
           <a:xfrm>
             <a:off x="11868840" y="22763880"/>
-            <a:ext cx="3656520" cy="1198080"/>
+            <a:ext cx="3656160" cy="577440"/>
           </a:xfrm>
           <a:prstGeom prst="rect">
             <a:avLst/>
@@ -7771,7 +7494,6 @@
                 <a:solidFill>
                   <a:srgbClr val="000000"/>
                 </a:solidFill>
-                <a:effectLst/>
                 <a:uFillTx/>
                 <a:latin typeface="Open Sans"/>
                 <a:ea typeface="DejaVu Sans"/>
@@ -7782,7 +7504,6 @@
               <a:solidFill>
                 <a:srgbClr val="000000"/>
               </a:solidFill>
-              <a:effectLst/>
               <a:uFillTx/>
               <a:latin typeface="Arial"/>
             </a:endParaRPr>
@@ -7798,7 +7519,7 @@
         <p:spPr>
           <a:xfrm>
             <a:off x="11957400" y="23474880"/>
-            <a:ext cx="2441880" cy="1265040"/>
+            <a:ext cx="2441520" cy="1264680"/>
           </a:xfrm>
           <a:prstGeom prst="roundRect">
             <a:avLst>
@@ -7835,7 +7556,6 @@
                 <a:solidFill>
                   <a:srgbClr val="000000"/>
                 </a:solidFill>
-                <a:effectLst/>
                 <a:uFillTx/>
                 <a:latin typeface="Open Sans"/>
                 <a:ea typeface="DejaVu Sans"/>
@@ -7846,7 +7566,6 @@
               <a:solidFill>
                 <a:srgbClr val="000000"/>
               </a:solidFill>
-              <a:effectLst/>
               <a:uFillTx/>
               <a:latin typeface="Arial"/>
             </a:endParaRPr>
@@ -7862,7 +7581,7 @@
         <p:spPr>
           <a:xfrm>
             <a:off x="14549760" y="23474880"/>
-            <a:ext cx="2441880" cy="1265040"/>
+            <a:ext cx="2441520" cy="1264680"/>
           </a:xfrm>
           <a:prstGeom prst="roundRect">
             <a:avLst>
@@ -7899,7 +7618,6 @@
                 <a:solidFill>
                   <a:srgbClr val="000000"/>
                 </a:solidFill>
-                <a:effectLst/>
                 <a:uFillTx/>
                 <a:latin typeface="Open Sans"/>
                 <a:ea typeface="DejaVu Sans"/>
@@ -7910,7 +7628,6 @@
               <a:solidFill>
                 <a:srgbClr val="000000"/>
               </a:solidFill>
-              <a:effectLst/>
               <a:uFillTx/>
               <a:latin typeface="Arial"/>
             </a:endParaRPr>
@@ -7926,7 +7643,7 @@
         <p:spPr>
           <a:xfrm>
             <a:off x="14171040" y="30170160"/>
-            <a:ext cx="4799520" cy="1146960"/>
+            <a:ext cx="4799160" cy="1146600"/>
           </a:xfrm>
           <a:prstGeom prst="roundRect">
             <a:avLst>
@@ -7964,7 +7681,6 @@
                 <a:solidFill>
                   <a:srgbClr val="000000"/>
                 </a:solidFill>
-                <a:effectLst/>
                 <a:uFillTx/>
                 <a:latin typeface="Open Sans"/>
                 <a:ea typeface="DejaVu Sans"/>
@@ -7975,7 +7691,6 @@
               <a:solidFill>
                 <a:srgbClr val="000000"/>
               </a:solidFill>
-              <a:effectLst/>
               <a:uFillTx/>
               <a:latin typeface="Arial"/>
             </a:endParaRPr>
@@ -7991,7 +7706,7 @@
         <p:spPr>
           <a:xfrm>
             <a:off x="14486400" y="28540080"/>
-            <a:ext cx="4113720" cy="1599120"/>
+            <a:ext cx="4113360" cy="1598760"/>
           </a:xfrm>
           <a:prstGeom prst="roundRect">
             <a:avLst>
@@ -8028,7 +7743,6 @@
                 <a:solidFill>
                   <a:srgbClr val="000000"/>
                 </a:solidFill>
-                <a:effectLst/>
                 <a:uFillTx/>
                 <a:latin typeface="Open Sans"/>
                 <a:ea typeface="DejaVu Sans"/>
@@ -8039,7 +7753,6 @@
               <a:solidFill>
                 <a:srgbClr val="000000"/>
               </a:solidFill>
-              <a:effectLst/>
               <a:uFillTx/>
               <a:latin typeface="Arial"/>
             </a:endParaRPr>
@@ -8055,7 +7768,7 @@
         <p:spPr>
           <a:xfrm>
             <a:off x="33138000" y="5571000"/>
-            <a:ext cx="10130400" cy="838800"/>
+            <a:ext cx="10130040" cy="838440"/>
           </a:xfrm>
           <a:prstGeom prst="rect">
             <a:avLst/>
@@ -8090,7 +7803,6 @@
                 <a:solidFill>
                   <a:srgbClr val="ffffff"/>
                 </a:solidFill>
-                <a:effectLst/>
                 <a:uFillTx/>
                 <a:latin typeface="Bree Serif"/>
                 <a:ea typeface="Arial"/>
@@ -8101,7 +7813,6 @@
               <a:solidFill>
                 <a:srgbClr val="ffffff"/>
               </a:solidFill>
-              <a:effectLst/>
               <a:uFillTx/>
               <a:latin typeface="Arial"/>
             </a:endParaRPr>
@@ -8117,7 +7828,7 @@
         <p:spPr>
           <a:xfrm>
             <a:off x="22213440" y="5558400"/>
-            <a:ext cx="10472760" cy="838800"/>
+            <a:ext cx="10472400" cy="838440"/>
           </a:xfrm>
           <a:prstGeom prst="rect">
             <a:avLst/>
@@ -8152,7 +7863,6 @@
                 <a:solidFill>
                   <a:srgbClr val="ffffff"/>
                 </a:solidFill>
-                <a:effectLst/>
                 <a:uFillTx/>
                 <a:latin typeface="Bree Serif"/>
                 <a:ea typeface="Arial"/>
@@ -8163,7 +7873,6 @@
               <a:solidFill>
                 <a:srgbClr val="ffffff"/>
               </a:solidFill>
-              <a:effectLst/>
               <a:uFillTx/>
               <a:latin typeface="Arial"/>
             </a:endParaRPr>
@@ -8179,7 +7888,7 @@
         <p:spPr>
           <a:xfrm>
             <a:off x="567000" y="17087400"/>
-            <a:ext cx="10184400" cy="838800"/>
+            <a:ext cx="10184040" cy="838440"/>
           </a:xfrm>
           <a:prstGeom prst="rect">
             <a:avLst/>
@@ -8214,7 +7923,6 @@
                 <a:solidFill>
                   <a:srgbClr val="ffffff"/>
                 </a:solidFill>
-                <a:effectLst/>
                 <a:uFillTx/>
                 <a:latin typeface="Bree Serif"/>
                 <a:ea typeface="Arial"/>
@@ -8225,7 +7933,6 @@
               <a:solidFill>
                 <a:srgbClr val="ffffff"/>
               </a:solidFill>
-              <a:effectLst/>
               <a:uFillTx/>
               <a:latin typeface="Arial"/>
             </a:endParaRPr>
@@ -8241,7 +7948,7 @@
         <p:spPr>
           <a:xfrm>
             <a:off x="33138000" y="23859000"/>
-            <a:ext cx="10139760" cy="838800"/>
+            <a:ext cx="10139400" cy="838440"/>
           </a:xfrm>
           <a:prstGeom prst="rect">
             <a:avLst/>
@@ -8276,7 +7983,6 @@
                 <a:solidFill>
                   <a:srgbClr val="ffffff"/>
                 </a:solidFill>
-                <a:effectLst/>
                 <a:uFillTx/>
                 <a:latin typeface="Bree Serif"/>
                 <a:ea typeface="Arial"/>
@@ -8287,7 +7993,6 @@
               <a:solidFill>
                 <a:srgbClr val="ffffff"/>
               </a:solidFill>
-              <a:effectLst/>
               <a:uFillTx/>
               <a:latin typeface="Arial"/>
             </a:endParaRPr>
@@ -8303,7 +8008,7 @@
         <p:spPr>
           <a:xfrm>
             <a:off x="25266960" y="13204080"/>
-            <a:ext cx="4587840" cy="1857240"/>
+            <a:ext cx="4587480" cy="1856880"/>
           </a:xfrm>
           <a:prstGeom prst="roundRect">
             <a:avLst>
@@ -8340,7 +8045,6 @@
               <a:solidFill>
                 <a:srgbClr val="ffffff"/>
               </a:solidFill>
-              <a:effectLst/>
               <a:uFillTx/>
               <a:latin typeface="Arial"/>
               <a:ea typeface="DejaVu Sans"/>
@@ -8357,7 +8061,7 @@
         <p:spPr>
           <a:xfrm>
             <a:off x="25446600" y="13847400"/>
-            <a:ext cx="4228200" cy="1141920"/>
+            <a:ext cx="4227840" cy="1141560"/>
           </a:xfrm>
           <a:prstGeom prst="roundRect">
             <a:avLst>
@@ -8394,7 +8098,6 @@
                 <a:solidFill>
                   <a:srgbClr val="000000"/>
                 </a:solidFill>
-                <a:effectLst/>
                 <a:uFillTx/>
                 <a:latin typeface="Open Sans"/>
                 <a:ea typeface="DejaVu Sans"/>
@@ -8405,7 +8108,6 @@
               <a:solidFill>
                 <a:srgbClr val="000000"/>
               </a:solidFill>
-              <a:effectLst/>
               <a:uFillTx/>
               <a:latin typeface="Arial"/>
             </a:endParaRPr>
@@ -8421,7 +8123,7 @@
         <p:spPr>
           <a:xfrm>
             <a:off x="26016480" y="13138200"/>
-            <a:ext cx="3427920" cy="801360"/>
+            <a:ext cx="3427560" cy="577440"/>
           </a:xfrm>
           <a:prstGeom prst="rect">
             <a:avLst/>
@@ -8452,7 +8154,6 @@
                 <a:solidFill>
                   <a:srgbClr val="000000"/>
                 </a:solidFill>
-                <a:effectLst/>
                 <a:uFillTx/>
                 <a:latin typeface="Open Sans"/>
                 <a:ea typeface="DejaVu Sans"/>
@@ -8463,7 +8164,6 @@
               <a:solidFill>
                 <a:srgbClr val="000000"/>
               </a:solidFill>
-              <a:effectLst/>
               <a:uFillTx/>
               <a:latin typeface="Arial"/>
             </a:endParaRPr>
@@ -8479,7 +8179,7 @@
         <p:spPr>
           <a:xfrm>
             <a:off x="25080840" y="12490560"/>
-            <a:ext cx="4538880" cy="644760"/>
+            <a:ext cx="4538520" cy="577440"/>
           </a:xfrm>
           <a:prstGeom prst="rect">
             <a:avLst/>
@@ -8510,7 +8210,6 @@
                 <a:solidFill>
                   <a:srgbClr val="000000"/>
                 </a:solidFill>
-                <a:effectLst/>
                 <a:uFillTx/>
                 <a:latin typeface="Open Sans"/>
                 <a:ea typeface="DejaVu Sans"/>
@@ -8521,7 +8220,6 @@
               <a:solidFill>
                 <a:srgbClr val="000000"/>
               </a:solidFill>
-              <a:effectLst/>
               <a:uFillTx/>
               <a:latin typeface="Arial"/>
             </a:endParaRPr>
@@ -8537,7 +8235,7 @@
         <p:spPr>
           <a:xfrm>
             <a:off x="24977160" y="9242280"/>
-            <a:ext cx="5142600" cy="2419920"/>
+            <a:ext cx="5142240" cy="2419560"/>
           </a:xfrm>
           <a:prstGeom prst="roundRect">
             <a:avLst>
@@ -8572,7 +8270,6 @@
               <a:solidFill>
                 <a:srgbClr val="000000"/>
               </a:solidFill>
-              <a:effectLst/>
               <a:uFillTx/>
               <a:latin typeface="Arial"/>
               <a:ea typeface="DejaVu Sans"/>
@@ -8589,7 +8286,7 @@
         <p:spPr>
           <a:xfrm>
             <a:off x="25355880" y="9834480"/>
-            <a:ext cx="4319280" cy="1626840"/>
+            <a:ext cx="4318920" cy="1626480"/>
           </a:xfrm>
           <a:prstGeom prst="roundRect">
             <a:avLst>
@@ -8625,7 +8322,6 @@
               <a:solidFill>
                 <a:srgbClr val="000000"/>
               </a:solidFill>
-              <a:effectLst/>
               <a:uFillTx/>
               <a:latin typeface="Open Sans"/>
               <a:ea typeface="DejaVu Sans"/>
@@ -8642,7 +8338,7 @@
         <p:spPr>
           <a:xfrm>
             <a:off x="25548840" y="9862560"/>
-            <a:ext cx="3427920" cy="801360"/>
+            <a:ext cx="3427560" cy="577440"/>
           </a:xfrm>
           <a:prstGeom prst="rect">
             <a:avLst/>
@@ -8673,7 +8369,6 @@
                 <a:solidFill>
                   <a:srgbClr val="000000"/>
                 </a:solidFill>
-                <a:effectLst/>
                 <a:uFillTx/>
                 <a:latin typeface="Open Sans"/>
                 <a:ea typeface="DejaVu Sans"/>
@@ -8684,7 +8379,6 @@
               <a:solidFill>
                 <a:srgbClr val="000000"/>
               </a:solidFill>
-              <a:effectLst/>
               <a:uFillTx/>
               <a:latin typeface="Arial"/>
             </a:endParaRPr>
@@ -8700,7 +8394,7 @@
         <p:spPr>
           <a:xfrm>
             <a:off x="25117200" y="9214920"/>
-            <a:ext cx="3427920" cy="801360"/>
+            <a:ext cx="3427560" cy="577440"/>
           </a:xfrm>
           <a:prstGeom prst="rect">
             <a:avLst/>
@@ -8731,7 +8425,6 @@
                 <a:solidFill>
                   <a:srgbClr val="000000"/>
                 </a:solidFill>
-                <a:effectLst/>
                 <a:uFillTx/>
                 <a:latin typeface="Open Sans"/>
                 <a:ea typeface="DejaVu Sans"/>
@@ -8742,7 +8435,6 @@
               <a:solidFill>
                 <a:srgbClr val="000000"/>
               </a:solidFill>
-              <a:effectLst/>
               <a:uFillTx/>
               <a:latin typeface="Arial"/>
             </a:endParaRPr>
@@ -8758,7 +8450,7 @@
         <p:spPr>
           <a:xfrm>
             <a:off x="25916400" y="10634400"/>
-            <a:ext cx="3290760" cy="574920"/>
+            <a:ext cx="3290400" cy="574560"/>
           </a:xfrm>
           <a:prstGeom prst="roundRect">
             <a:avLst>
@@ -8795,7 +8487,6 @@
                 <a:solidFill>
                   <a:srgbClr val="000000"/>
                 </a:solidFill>
-                <a:effectLst/>
                 <a:uFillTx/>
                 <a:latin typeface="Open Sans"/>
                 <a:ea typeface="DejaVu Sans"/>
@@ -8806,7 +8497,6 @@
               <a:solidFill>
                 <a:srgbClr val="000000"/>
               </a:solidFill>
-              <a:effectLst/>
               <a:uFillTx/>
               <a:latin typeface="Arial"/>
             </a:endParaRPr>
@@ -8849,7 +8539,6 @@
               <a:solidFill>
                 <a:srgbClr val="000000"/>
               </a:solidFill>
-              <a:effectLst/>
               <a:uFillTx/>
               <a:latin typeface="Arial"/>
               <a:ea typeface="DejaVu Sans"/>
@@ -8866,7 +8555,7 @@
         <p:spPr>
           <a:xfrm>
             <a:off x="24976800" y="12518280"/>
-            <a:ext cx="5142600" cy="2640240"/>
+            <a:ext cx="5142240" cy="2639880"/>
           </a:xfrm>
           <a:prstGeom prst="roundRect">
             <a:avLst>
@@ -8901,7 +8590,6 @@
               <a:solidFill>
                 <a:srgbClr val="000000"/>
               </a:solidFill>
-              <a:effectLst/>
               <a:uFillTx/>
               <a:latin typeface="Arial"/>
               <a:ea typeface="DejaVu Sans"/>
@@ -8946,7 +8634,6 @@
               <a:solidFill>
                 <a:srgbClr val="000000"/>
               </a:solidFill>
-              <a:effectLst/>
               <a:uFillTx/>
               <a:latin typeface="Arial"/>
               <a:ea typeface="DejaVu Sans"/>
@@ -8963,7 +8650,7 @@
         <p:spPr>
           <a:xfrm>
             <a:off x="22897800" y="20273760"/>
-            <a:ext cx="2680920" cy="1213920"/>
+            <a:ext cx="2680560" cy="1213560"/>
           </a:xfrm>
           <a:prstGeom prst="roundRect">
             <a:avLst>
@@ -9000,7 +8687,6 @@
                 <a:solidFill>
                   <a:srgbClr val="000000"/>
                 </a:solidFill>
-                <a:effectLst/>
                 <a:uFillTx/>
                 <a:latin typeface="Open Sans"/>
                 <a:ea typeface="DejaVu Sans"/>
@@ -9011,7 +8697,6 @@
               <a:solidFill>
                 <a:srgbClr val="000000"/>
               </a:solidFill>
-              <a:effectLst/>
               <a:uFillTx/>
               <a:latin typeface="Arial"/>
             </a:endParaRPr>
@@ -9055,7 +8740,6 @@
               <a:solidFill>
                 <a:srgbClr val="000000"/>
               </a:solidFill>
-              <a:effectLst/>
               <a:uFillTx/>
               <a:latin typeface="Arial"/>
               <a:ea typeface="DejaVu Sans"/>
@@ -9100,7 +8784,6 @@
               <a:solidFill>
                 <a:srgbClr val="000000"/>
               </a:solidFill>
-              <a:effectLst/>
               <a:uFillTx/>
               <a:latin typeface="Arial"/>
               <a:ea typeface="DejaVu Sans"/>
@@ -9117,7 +8800,7 @@
         <p:spPr>
           <a:xfrm>
             <a:off x="25414200" y="17602200"/>
-            <a:ext cx="4234320" cy="1942200"/>
+            <a:ext cx="4233960" cy="1941840"/>
           </a:xfrm>
           <a:prstGeom prst="roundRect">
             <a:avLst>
@@ -9154,7 +8837,6 @@
                 <a:solidFill>
                   <a:srgbClr val="000000"/>
                 </a:solidFill>
-                <a:effectLst/>
                 <a:uFillTx/>
                 <a:latin typeface="Open Sans"/>
                 <a:ea typeface="DejaVu Sans"/>
@@ -9165,7 +8847,6 @@
               <a:solidFill>
                 <a:srgbClr val="ffffff"/>
               </a:solidFill>
-              <a:effectLst/>
               <a:uFillTx/>
               <a:latin typeface="Arial"/>
             </a:endParaRPr>
@@ -9181,7 +8862,7 @@
         <p:spPr>
           <a:xfrm>
             <a:off x="26209800" y="20273760"/>
-            <a:ext cx="2680920" cy="1213920"/>
+            <a:ext cx="2680560" cy="1213560"/>
           </a:xfrm>
           <a:prstGeom prst="roundRect">
             <a:avLst>
@@ -9218,7 +8899,6 @@
                 <a:solidFill>
                   <a:srgbClr val="000000"/>
                 </a:solidFill>
-                <a:effectLst/>
                 <a:uFillTx/>
                 <a:latin typeface="Open Sans"/>
                 <a:ea typeface="DejaVu Sans"/>
@@ -9229,7 +8909,6 @@
               <a:solidFill>
                 <a:srgbClr val="000000"/>
               </a:solidFill>
-              <a:effectLst/>
               <a:uFillTx/>
               <a:latin typeface="Arial"/>
             </a:endParaRPr>
@@ -9245,7 +8924,7 @@
         <p:spPr>
           <a:xfrm>
             <a:off x="29449800" y="20273760"/>
-            <a:ext cx="2680920" cy="1213920"/>
+            <a:ext cx="2680560" cy="1213560"/>
           </a:xfrm>
           <a:prstGeom prst="roundRect">
             <a:avLst>
@@ -9282,7 +8961,6 @@
                 <a:solidFill>
                   <a:srgbClr val="000000"/>
                 </a:solidFill>
-                <a:effectLst/>
                 <a:uFillTx/>
                 <a:latin typeface="Open Sans"/>
                 <a:ea typeface="DejaVu Sans"/>
@@ -9293,7 +8971,6 @@
               <a:solidFill>
                 <a:srgbClr val="000000"/>
               </a:solidFill>
-              <a:effectLst/>
               <a:uFillTx/>
               <a:latin typeface="Arial"/>
             </a:endParaRPr>
@@ -9309,7 +8986,7 @@
         <p:spPr>
           <a:xfrm>
             <a:off x="12281040" y="20630520"/>
-            <a:ext cx="1942200" cy="1027800"/>
+            <a:ext cx="1941840" cy="1027440"/>
           </a:xfrm>
           <a:prstGeom prst="roundRect">
             <a:avLst>
@@ -9346,7 +9023,6 @@
                 <a:solidFill>
                   <a:srgbClr val="000000"/>
                 </a:solidFill>
-                <a:effectLst/>
                 <a:uFillTx/>
                 <a:latin typeface="Open Sans"/>
                 <a:ea typeface="DejaVu Sans"/>
@@ -9357,7 +9033,6 @@
               <a:solidFill>
                 <a:srgbClr val="000000"/>
               </a:solidFill>
-              <a:effectLst/>
               <a:uFillTx/>
               <a:latin typeface="Arial"/>
             </a:endParaRPr>
@@ -9373,7 +9048,7 @@
         <p:spPr>
           <a:xfrm>
             <a:off x="1529280" y="3421440"/>
-            <a:ext cx="42386760" cy="2530080"/>
+            <a:ext cx="42386400" cy="3931920"/>
           </a:xfrm>
           <a:prstGeom prst="rect">
             <a:avLst/>
@@ -9407,7 +9082,6 @@
                 <a:solidFill>
                   <a:srgbClr val="ffffff"/>
                 </a:solidFill>
-                <a:effectLst/>
                 <a:uFillTx/>
                 <a:latin typeface="Open Sans"/>
                 <a:ea typeface="Open Sans"/>
@@ -9419,7 +9093,6 @@
                 <a:solidFill>
                   <a:srgbClr val="ffffff"/>
                 </a:solidFill>
-                <a:effectLst/>
                 <a:uFillTx/>
                 <a:latin typeface="Open Sans"/>
                 <a:ea typeface="Open Sans"/>
@@ -9431,7 +9104,6 @@
                 <a:solidFill>
                   <a:srgbClr val="ffffff"/>
                 </a:solidFill>
-                <a:effectLst/>
                 <a:uFillTx/>
                 <a:latin typeface="Open Sans"/>
                 <a:ea typeface="Open Sans"/>
@@ -9443,7 +9115,6 @@
                 <a:solidFill>
                   <a:srgbClr val="ffffff"/>
                 </a:solidFill>
-                <a:effectLst/>
                 <a:uFillTx/>
                 <a:latin typeface="Open Sans"/>
                 <a:ea typeface="Open Sans"/>
@@ -9455,7 +9126,6 @@
                 <a:solidFill>
                   <a:srgbClr val="ffffff"/>
                 </a:solidFill>
-                <a:effectLst/>
                 <a:uFillTx/>
                 <a:latin typeface="Open Sans"/>
                 <a:ea typeface="Open Sans"/>
@@ -9467,7 +9137,6 @@
                 <a:solidFill>
                   <a:srgbClr val="ffffff"/>
                 </a:solidFill>
-                <a:effectLst/>
                 <a:uFillTx/>
                 <a:latin typeface="Open Sans"/>
                 <a:ea typeface="Open Sans"/>
@@ -9479,7 +9148,6 @@
                 <a:solidFill>
                   <a:srgbClr val="ffffff"/>
                 </a:solidFill>
-                <a:effectLst/>
                 <a:uFillTx/>
                 <a:latin typeface="Open Sans"/>
                 <a:ea typeface="Open Sans"/>
@@ -9491,7 +9159,6 @@
                 <a:solidFill>
                   <a:srgbClr val="ffffff"/>
                 </a:solidFill>
-                <a:effectLst/>
                 <a:uFillTx/>
                 <a:latin typeface="Open Sans"/>
                 <a:ea typeface="Open Sans"/>
@@ -9503,7 +9170,6 @@
                 <a:solidFill>
                   <a:srgbClr val="ffffff"/>
                 </a:solidFill>
-                <a:effectLst/>
                 <a:uFillTx/>
                 <a:latin typeface="Open Sans"/>
                 <a:ea typeface="Open Sans"/>
@@ -9514,7 +9180,6 @@
               <a:solidFill>
                 <a:srgbClr val="000000"/>
               </a:solidFill>
-              <a:effectLst/>
               <a:uFillTx/>
               <a:latin typeface="Arial"/>
             </a:endParaRPr>
@@ -9533,7 +9198,6 @@
                 <a:solidFill>
                   <a:srgbClr val="ffffff"/>
                 </a:solidFill>
-                <a:effectLst/>
                 <a:uFillTx/>
                 <a:latin typeface="Open Sans"/>
                 <a:ea typeface="Open Sans"/>
@@ -9545,7 +9209,6 @@
                 <a:solidFill>
                   <a:srgbClr val="ffffff"/>
                 </a:solidFill>
-                <a:effectLst/>
                 <a:uFillTx/>
                 <a:latin typeface="Open Sans"/>
                 <a:ea typeface="Open Sans"/>
@@ -9557,7 +9220,6 @@
                 <a:solidFill>
                   <a:srgbClr val="ffffff"/>
                 </a:solidFill>
-                <a:effectLst/>
                 <a:uFillTx/>
                 <a:latin typeface="Open Sans"/>
                 <a:ea typeface="Open Sans"/>
@@ -9569,7 +9231,6 @@
                 <a:solidFill>
                   <a:srgbClr val="ffffff"/>
                 </a:solidFill>
-                <a:effectLst/>
                 <a:uFillTx/>
                 <a:latin typeface="Open Sans"/>
                 <a:ea typeface="Open Sans"/>
@@ -9581,7 +9242,6 @@
                 <a:solidFill>
                   <a:srgbClr val="ffffff"/>
                 </a:solidFill>
-                <a:effectLst/>
                 <a:uFillTx/>
                 <a:latin typeface="Open Sans"/>
                 <a:ea typeface="Open Sans"/>
@@ -9593,7 +9253,6 @@
                 <a:solidFill>
                   <a:srgbClr val="ffffff"/>
                 </a:solidFill>
-                <a:effectLst/>
                 <a:uFillTx/>
                 <a:latin typeface="Open Sans"/>
                 <a:ea typeface="Open Sans"/>
@@ -9605,7 +9264,6 @@
                 <a:solidFill>
                   <a:srgbClr val="ffffff"/>
                 </a:solidFill>
-                <a:effectLst/>
                 <a:uFillTx/>
                 <a:latin typeface="Open Sans"/>
                 <a:ea typeface="Open Sans"/>
@@ -9617,7 +9275,6 @@
                 <a:solidFill>
                   <a:srgbClr val="ffffff"/>
                 </a:solidFill>
-                <a:effectLst/>
                 <a:uFillTx/>
                 <a:latin typeface="Open Sans"/>
                 <a:ea typeface="Open Sans"/>
@@ -9629,7 +9286,6 @@
                 <a:solidFill>
                   <a:srgbClr val="ffffff"/>
                 </a:solidFill>
-                <a:effectLst/>
                 <a:uFillTx/>
                 <a:latin typeface="Open Sans"/>
                 <a:ea typeface="Open Sans"/>
@@ -9641,7 +9297,6 @@
                 <a:solidFill>
                   <a:srgbClr val="ffffff"/>
                 </a:solidFill>
-                <a:effectLst/>
                 <a:uFillTx/>
                 <a:latin typeface="Open Sans"/>
                 <a:ea typeface="Open Sans"/>
@@ -9653,7 +9308,6 @@
                 <a:solidFill>
                   <a:srgbClr val="ffffff"/>
                 </a:solidFill>
-                <a:effectLst/>
                 <a:uFillTx/>
                 <a:latin typeface="Open Sans"/>
                 <a:ea typeface="Open Sans"/>
@@ -9665,7 +9319,6 @@
                 <a:solidFill>
                   <a:srgbClr val="ffffff"/>
                 </a:solidFill>
-                <a:effectLst/>
                 <a:uFillTx/>
                 <a:latin typeface="Open Sans"/>
                 <a:ea typeface="Open Sans"/>
@@ -9676,7 +9329,6 @@
               <a:solidFill>
                 <a:srgbClr val="000000"/>
               </a:solidFill>
-              <a:effectLst/>
               <a:uFillTx/>
               <a:latin typeface="Arial"/>
             </a:endParaRPr>
@@ -9697,7 +9349,6 @@
               <a:solidFill>
                 <a:srgbClr val="000000"/>
               </a:solidFill>
-              <a:effectLst/>
               <a:uFillTx/>
               <a:latin typeface="Arial"/>
             </a:endParaRPr>
@@ -9713,7 +9364,7 @@
         <p:spPr>
           <a:xfrm>
             <a:off x="23171040" y="27878760"/>
-            <a:ext cx="2703600" cy="2334240"/>
+            <a:ext cx="2703240" cy="2333880"/>
           </a:xfrm>
           <a:prstGeom prst="ellipse">
             <a:avLst/>
@@ -9747,7 +9398,6 @@
                 <a:solidFill>
                   <a:srgbClr val="000000"/>
                 </a:solidFill>
-                <a:effectLst/>
                 <a:uFillTx/>
                 <a:latin typeface="Arial"/>
                 <a:ea typeface="Arial"/>
@@ -9758,7 +9408,6 @@
               <a:solidFill>
                 <a:srgbClr val="000000"/>
               </a:solidFill>
-              <a:effectLst/>
               <a:uFillTx/>
               <a:latin typeface="Arial"/>
             </a:endParaRPr>
@@ -9774,7 +9423,7 @@
         <p:spPr>
           <a:xfrm>
             <a:off x="29327040" y="27879120"/>
-            <a:ext cx="2703600" cy="2334240"/>
+            <a:ext cx="2703240" cy="2333880"/>
           </a:xfrm>
           <a:prstGeom prst="ellipse">
             <a:avLst/>
@@ -9808,7 +9457,6 @@
                 <a:solidFill>
                   <a:srgbClr val="000000"/>
                 </a:solidFill>
-                <a:effectLst/>
                 <a:uFillTx/>
                 <a:latin typeface="Arial"/>
                 <a:ea typeface="Arial"/>
@@ -9819,7 +9467,6 @@
               <a:solidFill>
                 <a:srgbClr val="000000"/>
               </a:solidFill>
-              <a:effectLst/>
               <a:uFillTx/>
               <a:latin typeface="Arial"/>
             </a:endParaRPr>
@@ -9835,15 +9482,15 @@
         <p:spPr>
           <a:xfrm>
             <a:off x="11417040" y="17013600"/>
-            <a:ext cx="6233760" cy="8337600"/>
+            <a:ext cx="6233400" cy="8337240"/>
           </a:xfrm>
           <a:custGeom>
             <a:avLst/>
             <a:gdLst>
-              <a:gd name="textAreaLeft" fmla="*/ 304200 w 6233760"/>
-              <a:gd name="textAreaRight" fmla="*/ 5929560 w 6233760"/>
-              <a:gd name="textAreaTop" fmla="*/ 304200 h 8337600"/>
-              <a:gd name="textAreaBottom" fmla="*/ 8033400 h 8337600"/>
+              <a:gd name="textAreaLeft" fmla="*/ 304200 w 6233400"/>
+              <a:gd name="textAreaRight" fmla="*/ 5929560 w 6233400"/>
+              <a:gd name="textAreaTop" fmla="*/ 304200 h 8337240"/>
+              <a:gd name="textAreaBottom" fmla="*/ 8033400 h 8337240"/>
             </a:gdLst>
             <a:ahLst/>
             <a:rect l="textAreaLeft" t="textAreaTop" r="textAreaRight" b="textAreaBottom"/>
@@ -9888,13 +9535,18 @@
             <a:noAutofit/>
           </a:bodyPr>
           <a:p>
+            <a:pPr>
+              <a:lnSpc>
+                <a:spcPct val="100000"/>
+              </a:lnSpc>
+            </a:pPr>
             <a:endParaRPr b="0" lang="en-US" sz="1800" strike="noStrike" u="none">
               <a:solidFill>
                 <a:srgbClr val="000000"/>
               </a:solidFill>
-              <a:effectLst/>
-              <a:uFillTx/>
-              <a:latin typeface="Arial"/>
+              <a:uFillTx/>
+              <a:latin typeface="Arial"/>
+              <a:ea typeface="DejaVu Sans"/>
             </a:endParaRPr>
           </a:p>
         </p:txBody>
@@ -9902,13 +9554,13 @@
       <p:sp>
         <p:nvSpPr>
           <p:cNvPr id="126" name=""/>
-          <p:cNvSpPr txBox="1"/>
+          <p:cNvSpPr/>
           <p:nvPr/>
         </p:nvSpPr>
         <p:spPr>
           <a:xfrm>
             <a:off x="11995200" y="16399800"/>
-            <a:ext cx="5486400" cy="1447920"/>
+            <a:ext cx="5486040" cy="577440"/>
           </a:xfrm>
           <a:prstGeom prst="rect">
             <a:avLst/>
@@ -9918,51 +9570,38 @@
             <a:noFill/>
           </a:ln>
         </p:spPr>
+        <p:style>
+          <a:lnRef idx="0"/>
+          <a:fillRef idx="0"/>
+          <a:effectRef idx="0"/>
+          <a:fontRef idx="minor"/>
+        </p:style>
         <p:txBody>
           <a:bodyPr lIns="90000" rIns="90000" tIns="45000" bIns="45000" anchor="t">
             <a:spAutoFit/>
           </a:bodyPr>
           <a:p>
+            <a:pPr>
+              <a:lnSpc>
+                <a:spcPct val="100000"/>
+              </a:lnSpc>
+            </a:pPr>
             <a:r>
               <a:rPr b="0" lang="en-US" sz="3200" strike="noStrike" u="none">
                 <a:solidFill>
                   <a:srgbClr val="000000"/>
                 </a:solidFill>
-                <a:effectLst/>
                 <a:uFillTx/>
                 <a:latin typeface="Open Sans"/>
               </a:rPr>
-              <a:t>Existing </a:t>
-            </a:r>
-            <a:r>
-              <a:rPr b="0" lang="en-US" sz="3200" strike="noStrike" u="none">
-                <a:solidFill>
-                  <a:srgbClr val="000000"/>
-                </a:solidFill>
-                <a:effectLst/>
-                <a:uFillTx/>
-                <a:latin typeface="Open Sans"/>
-              </a:rPr>
-              <a:t>Implementati</a:t>
-            </a:r>
-            <a:r>
-              <a:rPr b="0" lang="en-US" sz="3200" strike="noStrike" u="none">
-                <a:solidFill>
-                  <a:srgbClr val="000000"/>
-                </a:solidFill>
-                <a:effectLst/>
-                <a:uFillTx/>
-                <a:latin typeface="Open Sans"/>
-              </a:rPr>
-              <a:t>ons</a:t>
-            </a:r>
-            <a:endParaRPr b="0" lang="en-US" sz="3200" strike="noStrike" u="none">
-              <a:solidFill>
-                <a:srgbClr val="000000"/>
-              </a:solidFill>
-              <a:effectLst/>
-              <a:uFillTx/>
-              <a:latin typeface="Open Sans"/>
+              <a:t>Existing Implementations</a:t>
+            </a:r>
+            <a:endParaRPr b="0" lang="en-US" sz="3200" strike="noStrike" u="none">
+              <a:solidFill>
+                <a:srgbClr val="000000"/>
+              </a:solidFill>
+              <a:uFillTx/>
+              <a:latin typeface="Arial"/>
             </a:endParaRPr>
           </a:p>
         </p:txBody>
@@ -10003,9 +9642,9 @@
               <a:solidFill>
                 <a:srgbClr val="000000"/>
               </a:solidFill>
-              <a:effectLst/>
-              <a:uFillTx/>
-              <a:latin typeface="Arial"/>
+              <a:uFillTx/>
+              <a:latin typeface="Arial"/>
+              <a:ea typeface="DejaVu Sans"/>
             </a:endParaRPr>
           </a:p>
         </p:txBody>
@@ -10019,7 +9658,7 @@
         <p:spPr>
           <a:xfrm>
             <a:off x="18500400" y="18740880"/>
-            <a:ext cx="2844000" cy="1543320"/>
+            <a:ext cx="2843640" cy="1542960"/>
           </a:xfrm>
           <a:prstGeom prst="roundRect">
             <a:avLst>
@@ -10056,42 +9695,16 @@
                 <a:solidFill>
                   <a:srgbClr val="000000"/>
                 </a:solidFill>
-                <a:effectLst/>
                 <a:uFillTx/>
                 <a:latin typeface="Open Sans"/>
                 <a:ea typeface="DejaVu Sans"/>
               </a:rPr>
-              <a:t>Memory </a:t>
-            </a:r>
-            <a:r>
-              <a:rPr b="0" lang="en-US" sz="3200" strike="noStrike" u="none">
-                <a:solidFill>
-                  <a:srgbClr val="000000"/>
-                </a:solidFill>
-                <a:effectLst/>
-                <a:uFillTx/>
-                <a:latin typeface="Open Sans"/>
-                <a:ea typeface="DejaVu Sans"/>
-              </a:rPr>
-              <a:t>Encryption </a:t>
-            </a:r>
-            <a:r>
-              <a:rPr b="0" lang="en-US" sz="3200" strike="noStrike" u="none">
-                <a:solidFill>
-                  <a:srgbClr val="000000"/>
-                </a:solidFill>
-                <a:effectLst/>
-                <a:uFillTx/>
-                <a:latin typeface="Open Sans"/>
-                <a:ea typeface="DejaVu Sans"/>
-              </a:rPr>
-              <a:t>Engine</a:t>
-            </a:r>
-            <a:endParaRPr b="0" lang="en-US" sz="3200" strike="noStrike" u="none">
-              <a:solidFill>
-                <a:srgbClr val="000000"/>
-              </a:solidFill>
-              <a:effectLst/>
+              <a:t>Memory Encryption Engine</a:t>
+            </a:r>
+            <a:endParaRPr b="0" lang="en-US" sz="3200" strike="noStrike" u="none">
+              <a:solidFill>
+                <a:srgbClr val="000000"/>
+              </a:solidFill>
               <a:uFillTx/>
               <a:latin typeface="Arial"/>
             </a:endParaRPr>
@@ -10107,7 +9720,7 @@
         <p:spPr>
           <a:xfrm>
             <a:off x="18500400" y="21332880"/>
-            <a:ext cx="2844000" cy="1543320"/>
+            <a:ext cx="2843640" cy="1542960"/>
           </a:xfrm>
           <a:prstGeom prst="roundRect">
             <a:avLst>
@@ -10144,42 +9757,16 @@
                 <a:solidFill>
                   <a:srgbClr val="000000"/>
                 </a:solidFill>
-                <a:effectLst/>
                 <a:uFillTx/>
                 <a:latin typeface="Open Sans"/>
                 <a:ea typeface="DejaVu Sans"/>
               </a:rPr>
-              <a:t>Port </a:t>
-            </a:r>
-            <a:r>
-              <a:rPr b="0" lang="en-US" sz="3200" strike="noStrike" u="none">
-                <a:solidFill>
-                  <a:srgbClr val="000000"/>
-                </a:solidFill>
-                <a:effectLst/>
-                <a:uFillTx/>
-                <a:latin typeface="Open Sans"/>
-                <a:ea typeface="DejaVu Sans"/>
-              </a:rPr>
-              <a:t>Connec</a:t>
-            </a:r>
-            <a:r>
-              <a:rPr b="0" lang="en-US" sz="3200" strike="noStrike" u="none">
-                <a:solidFill>
-                  <a:srgbClr val="000000"/>
-                </a:solidFill>
-                <a:effectLst/>
-                <a:uFillTx/>
-                <a:latin typeface="Open Sans"/>
-                <a:ea typeface="DejaVu Sans"/>
-              </a:rPr>
-              <a:t>tions</a:t>
+              <a:t>Port Connections</a:t>
             </a:r>
             <a:endParaRPr b="0" lang="en-US" sz="3200" strike="noStrike" u="none">
               <a:solidFill>
                 <a:srgbClr val="ffffff"/>
               </a:solidFill>
-              <a:effectLst/>
               <a:uFillTx/>
               <a:latin typeface="Arial"/>
             </a:endParaRPr>
@@ -10195,15 +9782,15 @@
         <p:spPr>
           <a:xfrm>
             <a:off x="18288000" y="18516600"/>
-            <a:ext cx="3251160" cy="4572000"/>
+            <a:ext cx="3250800" cy="4571640"/>
           </a:xfrm>
           <a:custGeom>
             <a:avLst/>
             <a:gdLst>
-              <a:gd name="textAreaLeft" fmla="*/ 158400 w 3251160"/>
-              <a:gd name="textAreaRight" fmla="*/ 3092760 w 3251160"/>
-              <a:gd name="textAreaTop" fmla="*/ 158400 h 4572000"/>
-              <a:gd name="textAreaBottom" fmla="*/ 4413600 h 4572000"/>
+              <a:gd name="textAreaLeft" fmla="*/ 158400 w 3250800"/>
+              <a:gd name="textAreaRight" fmla="*/ 3092760 w 3250800"/>
+              <a:gd name="textAreaTop" fmla="*/ 158400 h 4571640"/>
+              <a:gd name="textAreaBottom" fmla="*/ 4413600 h 4571640"/>
             </a:gdLst>
             <a:ahLst/>
             <a:rect l="textAreaLeft" t="textAreaTop" r="textAreaRight" b="textAreaBottom"/>
@@ -10248,13 +9835,18 @@
             <a:noAutofit/>
           </a:bodyPr>
           <a:p>
+            <a:pPr>
+              <a:lnSpc>
+                <a:spcPct val="100000"/>
+              </a:lnSpc>
+            </a:pPr>
             <a:endParaRPr b="0" lang="en-US" sz="1800" strike="noStrike" u="none">
               <a:solidFill>
                 <a:srgbClr val="000000"/>
               </a:solidFill>
-              <a:effectLst/>
-              <a:uFillTx/>
-              <a:latin typeface="Arial"/>
+              <a:uFillTx/>
+              <a:latin typeface="Arial"/>
+              <a:ea typeface="DejaVu Sans"/>
             </a:endParaRPr>
           </a:p>
         </p:txBody>
@@ -10262,13 +9854,13 @@
       <p:sp>
         <p:nvSpPr>
           <p:cNvPr id="131" name=""/>
-          <p:cNvSpPr txBox="1"/>
+          <p:cNvSpPr/>
           <p:nvPr/>
         </p:nvSpPr>
         <p:spPr>
           <a:xfrm>
             <a:off x="18316440" y="17333280"/>
-            <a:ext cx="3171960" cy="1447920"/>
+            <a:ext cx="3171600" cy="1065240"/>
           </a:xfrm>
           <a:prstGeom prst="rect">
             <a:avLst/>
@@ -10278,52 +9870,38 @@
             <a:noFill/>
           </a:ln>
         </p:spPr>
+        <p:style>
+          <a:lnRef idx="0"/>
+          <a:fillRef idx="0"/>
+          <a:effectRef idx="0"/>
+          <a:fontRef idx="minor"/>
+        </p:style>
         <p:txBody>
           <a:bodyPr lIns="90000" rIns="90000" tIns="45000" bIns="45000" anchor="t" anchorCtr="1">
             <a:spAutoFit/>
           </a:bodyPr>
           <a:p>
-            <a:pPr algn="ctr"/>
+            <a:pPr algn="ctr">
+              <a:lnSpc>
+                <a:spcPct val="100000"/>
+              </a:lnSpc>
+            </a:pPr>
             <a:r>
               <a:rPr b="0" lang="en-US" sz="3200" strike="noStrike" u="none">
                 <a:solidFill>
                   <a:srgbClr val="000000"/>
                 </a:solidFill>
-                <a:effectLst/>
                 <a:uFillTx/>
                 <a:latin typeface="Open Sans"/>
               </a:rPr>
-              <a:t>New </a:t>
-            </a:r>
-            <a:r>
-              <a:rPr b="0" lang="en-US" sz="3200" strike="noStrike" u="none">
-                <a:solidFill>
-                  <a:srgbClr val="000000"/>
-                </a:solidFill>
-                <a:effectLst/>
-                <a:uFillTx/>
-                <a:latin typeface="Open Sans"/>
-              </a:rPr>
-              <a:t>Compon</a:t>
-            </a:r>
-            <a:r>
-              <a:rPr b="0" lang="en-US" sz="3200" strike="noStrike" u="none">
-                <a:solidFill>
-                  <a:srgbClr val="000000"/>
-                </a:solidFill>
-                <a:effectLst/>
-                <a:uFillTx/>
-                <a:latin typeface="Open Sans"/>
-              </a:rPr>
-              <a:t>ents</a:t>
-            </a:r>
-            <a:endParaRPr b="0" lang="en-US" sz="3200" strike="noStrike" u="none">
-              <a:solidFill>
-                <a:srgbClr val="000000"/>
-              </a:solidFill>
-              <a:effectLst/>
-              <a:uFillTx/>
-              <a:latin typeface="Open Sans"/>
+              <a:t>New Components</a:t>
+            </a:r>
+            <a:endParaRPr b="0" lang="en-US" sz="3200" strike="noStrike" u="none">
+              <a:solidFill>
+                <a:srgbClr val="000000"/>
+              </a:solidFill>
+              <a:uFillTx/>
+              <a:latin typeface="Arial"/>
             </a:endParaRPr>
           </a:p>
         </p:txBody>

--- a/presentations/YARCH25.pptx
+++ b/presentations/YARCH25.pptx
@@ -41,8 +41,8 @@
         </p:nvSpPr>
         <p:spPr>
           <a:xfrm>
-            <a:off x="3291480" y="13437720"/>
-            <a:ext cx="37302840" cy="625320"/>
+            <a:off x="3291480" y="13436640"/>
+            <a:ext cx="37301400" cy="625320"/>
           </a:xfrm>
           <a:prstGeom prst="rect">
             <a:avLst/>
@@ -54,7 +54,7 @@
         </p:spPr>
         <p:txBody>
           <a:bodyPr lIns="0" rIns="0" tIns="0" bIns="0" anchor="ctr">
-            <a:noAutofit/>
+            <a:spAutoFit/>
           </a:bodyPr>
           <a:p>
             <a:pPr indent="0" algn="ctr">
@@ -64,6 +64,7 @@
               <a:solidFill>
                 <a:srgbClr val="000000"/>
               </a:solidFill>
+              <a:effectLst/>
               <a:uFillTx/>
               <a:latin typeface="Arial"/>
             </a:endParaRPr>
@@ -95,7 +96,7 @@
         </p:spPr>
         <p:txBody>
           <a:bodyPr lIns="0" rIns="0" tIns="0" bIns="0" anchor="ctr">
-            <a:noAutofit/>
+            <a:spAutoFit/>
           </a:bodyPr>
           <a:p>
             <a:pPr indent="0" algn="ctr">
@@ -105,6 +106,7 @@
               <a:solidFill>
                 <a:srgbClr val="000000"/>
               </a:solidFill>
+              <a:effectLst/>
               <a:uFillTx/>
               <a:latin typeface="Arial"/>
             </a:endParaRPr>
@@ -145,7 +147,7 @@
         <p:txBody>
           <a:bodyPr/>
           <a:p>
-            <a:fld id="{FDBA4BAC-B270-49A5-82CB-CA5787FE2F6C}" type="slidenum">
+            <a:fld id="{1F84A891-3003-4226-81D8-78D50626C4C7}" type="slidenum">
               <a:t>&lt;#&gt;</a:t>
             </a:fld>
           </a:p>
@@ -213,12 +215,13 @@
         </p:blipFill>
         <p:spPr>
           <a:xfrm rot="16200000">
-            <a:off x="-11068920" y="16464600"/>
-            <a:ext cx="14269320" cy="3931560"/>
+            <a:off x="-11067480" y="16466040"/>
+            <a:ext cx="14267880" cy="3930120"/>
           </a:xfrm>
           <a:prstGeom prst="rect">
             <a:avLst/>
           </a:prstGeom>
+          <a:noFill/>
           <a:ln w="0">
             <a:noFill/>
           </a:ln>
@@ -236,12 +239,13 @@
         </p:blipFill>
         <p:spPr>
           <a:xfrm rot="5400000">
-            <a:off x="40696200" y="16459200"/>
-            <a:ext cx="14269320" cy="3931560"/>
+            <a:off x="40697640" y="16459200"/>
+            <a:ext cx="14267880" cy="3930120"/>
           </a:xfrm>
           <a:prstGeom prst="rect">
             <a:avLst/>
           </a:prstGeom>
+          <a:noFill/>
           <a:ln w="0">
             <a:noFill/>
           </a:ln>
@@ -260,11 +264,12 @@
         <p:spPr>
           <a:xfrm>
             <a:off x="6946920" y="33426360"/>
-            <a:ext cx="29991960" cy="1442520"/>
+            <a:ext cx="29990520" cy="1441080"/>
           </a:xfrm>
           <a:prstGeom prst="rect">
             <a:avLst/>
           </a:prstGeom>
+          <a:noFill/>
           <a:ln w="0">
             <a:noFill/>
           </a:ln>
@@ -279,7 +284,7 @@
         <p:spPr>
           <a:xfrm>
             <a:off x="6946920" y="33998040"/>
-            <a:ext cx="21940200" cy="1264680"/>
+            <a:ext cx="21938760" cy="1263240"/>
           </a:xfrm>
           <a:prstGeom prst="rect">
             <a:avLst/>
@@ -310,6 +315,7 @@
                 <a:solidFill>
                   <a:srgbClr val="808080"/>
                 </a:solidFill>
+                <a:effectLst/>
                 <a:uFillTx/>
                 <a:latin typeface="Arial"/>
                 <a:ea typeface="Arial"/>
@@ -320,6 +326,7 @@
               <a:solidFill>
                 <a:srgbClr val="000000"/>
               </a:solidFill>
+              <a:effectLst/>
               <a:uFillTx/>
               <a:latin typeface="Arial"/>
             </a:endParaRPr>
@@ -338,8 +345,8 @@
         </p:nvSpPr>
         <p:spPr>
           <a:xfrm>
-            <a:off x="3291480" y="13613040"/>
-            <a:ext cx="37302840" cy="274680"/>
+            <a:off x="3291480" y="13611960"/>
+            <a:ext cx="37301400" cy="274680"/>
           </a:xfrm>
           <a:prstGeom prst="rect">
             <a:avLst/>
@@ -351,7 +358,7 @@
         </p:spPr>
         <p:txBody>
           <a:bodyPr lIns="0" rIns="0" tIns="0" bIns="0" anchor="ctr">
-            <a:noAutofit/>
+            <a:spAutoFit/>
           </a:bodyPr>
           <a:p>
             <a:pPr indent="0">
@@ -362,15 +369,28 @@
                 <a:solidFill>
                   <a:srgbClr val="000000"/>
                 </a:solidFill>
+                <a:effectLst/>
                 <a:uFillTx/>
                 <a:latin typeface="Arial"/>
               </a:rPr>
-              <a:t>Click to edit the title text format</a:t>
+              <a:t>Click to edit the </a:t>
+            </a:r>
+            <a:r>
+              <a:rPr b="0" lang="en-US" sz="1800" strike="noStrike" u="none">
+                <a:solidFill>
+                  <a:srgbClr val="000000"/>
+                </a:solidFill>
+                <a:effectLst/>
+                <a:uFillTx/>
+                <a:latin typeface="Arial"/>
+              </a:rPr>
+              <a:t>title text format</a:t>
             </a:r>
             <a:endParaRPr b="0" lang="en-US" sz="1800" strike="noStrike" u="none">
               <a:solidFill>
                 <a:srgbClr val="000000"/>
               </a:solidFill>
+              <a:effectLst/>
               <a:uFillTx/>
               <a:latin typeface="Arial"/>
             </a:endParaRPr>
@@ -390,7 +410,7 @@
         <p:spPr>
           <a:xfrm>
             <a:off x="14994360" y="29977560"/>
-            <a:ext cx="13896720" cy="2280600"/>
+            <a:ext cx="13895280" cy="2279160"/>
           </a:xfrm>
           <a:prstGeom prst="rect">
             <a:avLst/>
@@ -417,6 +437,7 @@
                 <a:solidFill>
                   <a:srgbClr val="000000"/>
                 </a:solidFill>
+                <a:effectLst/>
                 <a:uFillTx/>
                 <a:latin typeface="Times New Roman"/>
               </a:defRPr>
@@ -437,6 +458,7 @@
                 <a:solidFill>
                   <a:srgbClr val="000000"/>
                 </a:solidFill>
+                <a:effectLst/>
                 <a:uFillTx/>
                 <a:latin typeface="Times New Roman"/>
               </a:rPr>
@@ -446,6 +468,7 @@
               <a:solidFill>
                 <a:srgbClr val="000000"/>
               </a:solidFill>
+              <a:effectLst/>
               <a:uFillTx/>
               <a:latin typeface="Times New Roman"/>
             </a:endParaRPr>
@@ -465,7 +488,7 @@
         <p:spPr>
           <a:xfrm>
             <a:off x="31453560" y="29977560"/>
-            <a:ext cx="10239120" cy="2280600"/>
+            <a:ext cx="10237680" cy="2279160"/>
           </a:xfrm>
           <a:prstGeom prst="rect">
             <a:avLst/>
@@ -492,6 +515,7 @@
                 <a:solidFill>
                   <a:schemeClr val="dk1"/>
                 </a:solidFill>
+                <a:effectLst/>
                 <a:uFillTx/>
                 <a:latin typeface="Arial"/>
                 <a:ea typeface="Arial"/>
@@ -508,11 +532,12 @@
                 <a:tab algn="l" pos="0"/>
               </a:tabLst>
             </a:pPr>
-            <a:fld id="{A33836AA-FF48-4F3E-B56E-70F0E5039BE5}" type="slidenum">
+            <a:fld id="{926DCE4A-379B-422B-AB43-C525EC319CD0}" type="slidenum">
               <a:rPr b="0" lang="en-US" sz="5030" strike="noStrike" u="none">
                 <a:solidFill>
                   <a:schemeClr val="dk1"/>
                 </a:solidFill>
+                <a:effectLst/>
                 <a:uFillTx/>
                 <a:latin typeface="Arial"/>
                 <a:ea typeface="Arial"/>
@@ -523,6 +548,7 @@
               <a:solidFill>
                 <a:srgbClr val="000000"/>
               </a:solidFill>
+              <a:effectLst/>
               <a:uFillTx/>
               <a:latin typeface="Times New Roman"/>
             </a:endParaRPr>
@@ -542,7 +568,7 @@
         <p:spPr>
           <a:xfrm>
             <a:off x="2192760" y="29977560"/>
-            <a:ext cx="10239120" cy="2280600"/>
+            <a:ext cx="10237680" cy="2279160"/>
           </a:xfrm>
           <a:prstGeom prst="rect">
             <a:avLst/>
@@ -563,6 +589,7 @@
                 <a:solidFill>
                   <a:srgbClr val="000000"/>
                 </a:solidFill>
+                <a:effectLst/>
                 <a:uFillTx/>
                 <a:latin typeface="Times New Roman"/>
               </a:defRPr>
@@ -577,6 +604,7 @@
                 <a:solidFill>
                   <a:srgbClr val="000000"/>
                 </a:solidFill>
+                <a:effectLst/>
                 <a:uFillTx/>
                 <a:latin typeface="Times New Roman"/>
               </a:rPr>
@@ -586,6 +614,7 @@
               <a:solidFill>
                 <a:srgbClr val="000000"/>
               </a:solidFill>
+              <a:effectLst/>
               <a:uFillTx/>
               <a:latin typeface="Times New Roman"/>
             </a:endParaRPr>
@@ -636,6 +665,7 @@
                 <a:solidFill>
                   <a:srgbClr val="000000"/>
                 </a:solidFill>
+                <a:effectLst/>
                 <a:uFillTx/>
                 <a:latin typeface="Arial"/>
               </a:rPr>
@@ -645,6 +675,7 @@
               <a:solidFill>
                 <a:srgbClr val="000000"/>
               </a:solidFill>
+              <a:effectLst/>
               <a:uFillTx/>
               <a:latin typeface="Arial"/>
             </a:endParaRPr>
@@ -666,6 +697,7 @@
                 <a:solidFill>
                   <a:srgbClr val="000000"/>
                 </a:solidFill>
+                <a:effectLst/>
                 <a:uFillTx/>
                 <a:latin typeface="Arial"/>
               </a:rPr>
@@ -675,6 +707,7 @@
               <a:solidFill>
                 <a:srgbClr val="000000"/>
               </a:solidFill>
+              <a:effectLst/>
               <a:uFillTx/>
               <a:latin typeface="Arial"/>
             </a:endParaRPr>
@@ -696,6 +729,7 @@
                 <a:solidFill>
                   <a:srgbClr val="000000"/>
                 </a:solidFill>
+                <a:effectLst/>
                 <a:uFillTx/>
                 <a:latin typeface="Arial"/>
               </a:rPr>
@@ -705,6 +739,7 @@
               <a:solidFill>
                 <a:srgbClr val="000000"/>
               </a:solidFill>
+              <a:effectLst/>
               <a:uFillTx/>
               <a:latin typeface="Arial"/>
             </a:endParaRPr>
@@ -726,6 +761,7 @@
                 <a:solidFill>
                   <a:srgbClr val="000000"/>
                 </a:solidFill>
+                <a:effectLst/>
                 <a:uFillTx/>
                 <a:latin typeface="Arial"/>
               </a:rPr>
@@ -735,6 +771,7 @@
               <a:solidFill>
                 <a:srgbClr val="000000"/>
               </a:solidFill>
+              <a:effectLst/>
               <a:uFillTx/>
               <a:latin typeface="Arial"/>
             </a:endParaRPr>
@@ -756,6 +793,7 @@
                 <a:solidFill>
                   <a:srgbClr val="000000"/>
                 </a:solidFill>
+                <a:effectLst/>
                 <a:uFillTx/>
                 <a:latin typeface="Arial"/>
               </a:rPr>
@@ -765,6 +803,7 @@
               <a:solidFill>
                 <a:srgbClr val="000000"/>
               </a:solidFill>
+              <a:effectLst/>
               <a:uFillTx/>
               <a:latin typeface="Arial"/>
             </a:endParaRPr>
@@ -786,6 +825,7 @@
                 <a:solidFill>
                   <a:srgbClr val="000000"/>
                 </a:solidFill>
+                <a:effectLst/>
                 <a:uFillTx/>
                 <a:latin typeface="Arial"/>
               </a:rPr>
@@ -795,6 +835,7 @@
               <a:solidFill>
                 <a:srgbClr val="000000"/>
               </a:solidFill>
+              <a:effectLst/>
               <a:uFillTx/>
               <a:latin typeface="Arial"/>
             </a:endParaRPr>
@@ -816,6 +857,7 @@
                 <a:solidFill>
                   <a:srgbClr val="000000"/>
                 </a:solidFill>
+                <a:effectLst/>
                 <a:uFillTx/>
                 <a:latin typeface="Arial"/>
               </a:rPr>
@@ -825,6 +867,7 @@
               <a:solidFill>
                 <a:srgbClr val="000000"/>
               </a:solidFill>
+              <a:effectLst/>
               <a:uFillTx/>
               <a:latin typeface="Arial"/>
             </a:endParaRPr>
@@ -866,7 +909,7 @@
         <p:spPr>
           <a:xfrm>
             <a:off x="33147000" y="24688800"/>
-            <a:ext cx="10120680" cy="6845400"/>
+            <a:ext cx="10119240" cy="6843960"/>
           </a:xfrm>
           <a:prstGeom prst="rect">
             <a:avLst/>
@@ -902,6 +945,7 @@
                 <a:solidFill>
                   <a:schemeClr val="dk1"/>
                 </a:solidFill>
+                <a:effectLst/>
                 <a:uFillTx/>
                 <a:latin typeface="Open Sans"/>
                 <a:ea typeface="Open Sans"/>
@@ -913,6 +957,7 @@
                 <a:solidFill>
                   <a:schemeClr val="dk1"/>
                 </a:solidFill>
+                <a:effectLst/>
                 <a:uFillTx/>
                 <a:latin typeface="Open Sans"/>
                 <a:ea typeface="Open Sans"/>
@@ -924,6 +969,7 @@
                 <a:solidFill>
                   <a:schemeClr val="dk1"/>
                 </a:solidFill>
+                <a:effectLst/>
                 <a:uFillTx/>
                 <a:latin typeface="Open Sans"/>
                 <a:ea typeface="Open Sans"/>
@@ -934,6 +980,7 @@
               <a:solidFill>
                 <a:srgbClr val="000000"/>
               </a:solidFill>
+              <a:effectLst/>
               <a:uFillTx/>
               <a:latin typeface="Arial"/>
             </a:endParaRPr>
@@ -949,16 +996,18 @@
                 <a:solidFill>
                   <a:schemeClr val="dk1"/>
                 </a:solidFill>
+                <a:effectLst/>
                 <a:uFillTx/>
                 <a:latin typeface="Open Sans"/>
                 <a:ea typeface="Open Sans"/>
               </a:rPr>
-              <a:t>[2] Jason Lowe-Power, Abdul Mutaal Ahmad, Ayaz Akram, Mohammad Alian, and et. Al, The gem5 Simulator: Version 20.0+, 2007.</a:t>
-            </a:r>
-            <a:endParaRPr b="0" lang="en-US" sz="3200" strike="noStrike" u="none">
-              <a:solidFill>
-                <a:srgbClr val="000000"/>
-              </a:solidFill>
+              <a:t>[2] Jason Lowe-Power, Abdul Mutaal Ahmad, Ayaz Akram, Mohammad Alian, and et. Al, The gem5 Simulator: Version 20.0+, (arXiv) 2007.</a:t>
+            </a:r>
+            <a:endParaRPr b="0" lang="en-US" sz="3200" strike="noStrike" u="none">
+              <a:solidFill>
+                <a:srgbClr val="000000"/>
+              </a:solidFill>
+              <a:effectLst/>
               <a:uFillTx/>
               <a:latin typeface="Arial"/>
             </a:endParaRPr>
@@ -974,6 +1023,7 @@
                 <a:solidFill>
                   <a:schemeClr val="dk1"/>
                 </a:solidFill>
+                <a:effectLst/>
                 <a:uFillTx/>
                 <a:latin typeface="Open Sans"/>
                 <a:ea typeface="Open Sans"/>
@@ -985,6 +1035,7 @@
                 <a:solidFill>
                   <a:schemeClr val="dk1"/>
                 </a:solidFill>
+                <a:effectLst/>
                 <a:uFillTx/>
                 <a:latin typeface="Open Sans"/>
                 <a:ea typeface="Open Sans"/>
@@ -995,6 +1046,7 @@
               <a:solidFill>
                 <a:srgbClr val="000000"/>
               </a:solidFill>
+              <a:effectLst/>
               <a:uFillTx/>
               <a:latin typeface="Arial"/>
             </a:endParaRPr>
@@ -1010,7 +1062,7 @@
         <p:spPr>
           <a:xfrm>
             <a:off x="22174200" y="5558400"/>
-            <a:ext cx="10511640" cy="25984440"/>
+            <a:ext cx="10510200" cy="25983000"/>
           </a:xfrm>
           <a:prstGeom prst="rect">
             <a:avLst/>
@@ -1036,18 +1088,30 @@
             <a:noAutofit/>
           </a:bodyPr>
           <a:p>
-            <a:pPr>
-              <a:lnSpc>
-                <a:spcPct val="100000"/>
-              </a:lnSpc>
-            </a:pPr>
-            <a:endParaRPr b="0" lang="en-US" sz="1800" strike="noStrike" u="none">
-              <a:solidFill>
-                <a:srgbClr val="000000"/>
-              </a:solidFill>
-              <a:uFillTx/>
-              <a:latin typeface="Arial"/>
-              <a:ea typeface="Arial"/>
+            <a:pPr algn="ctr">
+              <a:lnSpc>
+                <a:spcPct val="100000"/>
+              </a:lnSpc>
+            </a:pPr>
+            <a:r>
+              <a:rPr b="0" lang="en-US" sz="2800" strike="noStrike" u="none">
+                <a:solidFill>
+                  <a:srgbClr val="000000"/>
+                </a:solidFill>
+                <a:effectLst/>
+                <a:uFillTx/>
+                <a:latin typeface="Arial"/>
+                <a:ea typeface="Arial"/>
+              </a:rPr>
+              <a:t>RISC-V Keystone</a:t>
+            </a:r>
+            <a:endParaRPr b="0" lang="en-US" sz="2800" strike="noStrike" u="none">
+              <a:solidFill>
+                <a:srgbClr val="000000"/>
+              </a:solidFill>
+              <a:effectLst/>
+              <a:uFillTx/>
+              <a:latin typeface="Arial"/>
             </a:endParaRPr>
           </a:p>
         </p:txBody>
@@ -1061,7 +1125,7 @@
         <p:spPr>
           <a:xfrm>
             <a:off x="33147000" y="6413400"/>
-            <a:ext cx="10119960" cy="17445240"/>
+            <a:ext cx="10118520" cy="17443800"/>
           </a:xfrm>
           <a:prstGeom prst="rect">
             <a:avLst/>
@@ -1100,16 +1164,354 @@
                 <a:solidFill>
                   <a:schemeClr val="dk1"/>
                 </a:solidFill>
+                <a:effectLst/>
                 <a:uFillTx/>
                 <a:latin typeface="Open Sans"/>
                 <a:ea typeface="Open Sans"/>
               </a:rPr>
-              <a:t>In order to further protect state-of-the-art TEEs, Keystone is extended to include secure memory protocols in the gem5 simulation environment</a:t>
-            </a:r>
-            <a:endParaRPr b="0" lang="en-US" sz="3200" strike="noStrike" u="none">
-              <a:solidFill>
-                <a:srgbClr val="000000"/>
-              </a:solidFill>
+              <a:t>This work proposes a framework that aims to assist future developers to implement their contributions.</a:t>
+            </a:r>
+            <a:endParaRPr b="0" lang="en-US" sz="3200" strike="noStrike" u="none">
+              <a:solidFill>
+                <a:srgbClr val="000000"/>
+              </a:solidFill>
+              <a:effectLst/>
+              <a:uFillTx/>
+              <a:latin typeface="Arial"/>
+            </a:endParaRPr>
+          </a:p>
+          <a:p>
+            <a:pPr algn="just">
+              <a:lnSpc>
+                <a:spcPct val="110000"/>
+              </a:lnSpc>
+              <a:tabLst>
+                <a:tab algn="l" pos="0"/>
+              </a:tabLst>
+            </a:pPr>
+            <a:endParaRPr b="0" lang="en-US" sz="3200" strike="noStrike" u="none">
+              <a:solidFill>
+                <a:srgbClr val="000000"/>
+              </a:solidFill>
+              <a:effectLst/>
+              <a:uFillTx/>
+              <a:latin typeface="Arial"/>
+            </a:endParaRPr>
+          </a:p>
+          <a:p>
+            <a:pPr algn="just">
+              <a:lnSpc>
+                <a:spcPct val="110000"/>
+              </a:lnSpc>
+              <a:tabLst>
+                <a:tab algn="l" pos="0"/>
+              </a:tabLst>
+            </a:pPr>
+            <a:endParaRPr b="0" lang="en-US" sz="3200" strike="noStrike" u="none">
+              <a:solidFill>
+                <a:srgbClr val="000000"/>
+              </a:solidFill>
+              <a:effectLst/>
+              <a:uFillTx/>
+              <a:latin typeface="Arial"/>
+            </a:endParaRPr>
+          </a:p>
+          <a:p>
+            <a:pPr algn="just">
+              <a:lnSpc>
+                <a:spcPct val="110000"/>
+              </a:lnSpc>
+              <a:tabLst>
+                <a:tab algn="l" pos="0"/>
+              </a:tabLst>
+            </a:pPr>
+            <a:endParaRPr b="0" lang="en-US" sz="3200" strike="noStrike" u="none">
+              <a:solidFill>
+                <a:srgbClr val="000000"/>
+              </a:solidFill>
+              <a:effectLst/>
+              <a:uFillTx/>
+              <a:latin typeface="Arial"/>
+            </a:endParaRPr>
+          </a:p>
+          <a:p>
+            <a:pPr algn="just">
+              <a:lnSpc>
+                <a:spcPct val="110000"/>
+              </a:lnSpc>
+              <a:tabLst>
+                <a:tab algn="l" pos="0"/>
+              </a:tabLst>
+            </a:pPr>
+            <a:endParaRPr b="0" lang="en-US" sz="3200" strike="noStrike" u="none">
+              <a:solidFill>
+                <a:srgbClr val="000000"/>
+              </a:solidFill>
+              <a:effectLst/>
+              <a:uFillTx/>
+              <a:latin typeface="Arial"/>
+            </a:endParaRPr>
+          </a:p>
+          <a:p>
+            <a:pPr algn="just">
+              <a:lnSpc>
+                <a:spcPct val="110000"/>
+              </a:lnSpc>
+              <a:tabLst>
+                <a:tab algn="l" pos="0"/>
+              </a:tabLst>
+            </a:pPr>
+            <a:endParaRPr b="0" lang="en-US" sz="3200" strike="noStrike" u="none">
+              <a:solidFill>
+                <a:srgbClr val="000000"/>
+              </a:solidFill>
+              <a:effectLst/>
+              <a:uFillTx/>
+              <a:latin typeface="Arial"/>
+            </a:endParaRPr>
+          </a:p>
+          <a:p>
+            <a:pPr algn="just">
+              <a:lnSpc>
+                <a:spcPct val="110000"/>
+              </a:lnSpc>
+              <a:tabLst>
+                <a:tab algn="l" pos="0"/>
+              </a:tabLst>
+            </a:pPr>
+            <a:endParaRPr b="0" lang="en-US" sz="3200" strike="noStrike" u="none">
+              <a:solidFill>
+                <a:srgbClr val="000000"/>
+              </a:solidFill>
+              <a:effectLst/>
+              <a:uFillTx/>
+              <a:latin typeface="Arial"/>
+            </a:endParaRPr>
+          </a:p>
+          <a:p>
+            <a:pPr algn="just">
+              <a:lnSpc>
+                <a:spcPct val="110000"/>
+              </a:lnSpc>
+              <a:tabLst>
+                <a:tab algn="l" pos="0"/>
+              </a:tabLst>
+            </a:pPr>
+            <a:endParaRPr b="0" lang="en-US" sz="3200" strike="noStrike" u="none">
+              <a:solidFill>
+                <a:srgbClr val="000000"/>
+              </a:solidFill>
+              <a:effectLst/>
+              <a:uFillTx/>
+              <a:latin typeface="Arial"/>
+            </a:endParaRPr>
+          </a:p>
+          <a:p>
+            <a:pPr algn="just">
+              <a:lnSpc>
+                <a:spcPct val="110000"/>
+              </a:lnSpc>
+              <a:tabLst>
+                <a:tab algn="l" pos="0"/>
+              </a:tabLst>
+            </a:pPr>
+            <a:endParaRPr b="0" lang="en-US" sz="3200" strike="noStrike" u="none">
+              <a:solidFill>
+                <a:srgbClr val="000000"/>
+              </a:solidFill>
+              <a:effectLst/>
+              <a:uFillTx/>
+              <a:latin typeface="Arial"/>
+            </a:endParaRPr>
+          </a:p>
+          <a:p>
+            <a:pPr algn="just">
+              <a:lnSpc>
+                <a:spcPct val="110000"/>
+              </a:lnSpc>
+              <a:tabLst>
+                <a:tab algn="l" pos="0"/>
+              </a:tabLst>
+            </a:pPr>
+            <a:endParaRPr b="0" lang="en-US" sz="3200" strike="noStrike" u="none">
+              <a:solidFill>
+                <a:srgbClr val="000000"/>
+              </a:solidFill>
+              <a:effectLst/>
+              <a:uFillTx/>
+              <a:latin typeface="Arial"/>
+            </a:endParaRPr>
+          </a:p>
+          <a:p>
+            <a:pPr algn="just">
+              <a:lnSpc>
+                <a:spcPct val="110000"/>
+              </a:lnSpc>
+              <a:tabLst>
+                <a:tab algn="l" pos="0"/>
+              </a:tabLst>
+            </a:pPr>
+            <a:endParaRPr b="0" lang="en-US" sz="3200" strike="noStrike" u="none">
+              <a:solidFill>
+                <a:srgbClr val="000000"/>
+              </a:solidFill>
+              <a:effectLst/>
+              <a:uFillTx/>
+              <a:latin typeface="Arial"/>
+            </a:endParaRPr>
+          </a:p>
+          <a:p>
+            <a:pPr algn="just">
+              <a:lnSpc>
+                <a:spcPct val="110000"/>
+              </a:lnSpc>
+              <a:tabLst>
+                <a:tab algn="l" pos="0"/>
+              </a:tabLst>
+            </a:pPr>
+            <a:endParaRPr b="0" lang="en-US" sz="3200" strike="noStrike" u="none">
+              <a:solidFill>
+                <a:srgbClr val="000000"/>
+              </a:solidFill>
+              <a:effectLst/>
+              <a:uFillTx/>
+              <a:latin typeface="Arial"/>
+            </a:endParaRPr>
+          </a:p>
+          <a:p>
+            <a:pPr algn="just">
+              <a:lnSpc>
+                <a:spcPct val="110000"/>
+              </a:lnSpc>
+              <a:tabLst>
+                <a:tab algn="l" pos="0"/>
+              </a:tabLst>
+            </a:pPr>
+            <a:r>
+              <a:rPr b="0" lang="en-US" sz="3200" strike="noStrike" u="none">
+                <a:solidFill>
+                  <a:schemeClr val="dk1"/>
+                </a:solidFill>
+                <a:effectLst/>
+                <a:uFillTx/>
+                <a:latin typeface="Open Sans"/>
+                <a:ea typeface="Open Sans"/>
+              </a:rPr>
+              <a:t>Our goal is to provide researchers with tools that expedite the development cycle when working with TEEs, primarily targeting:</a:t>
+            </a:r>
+            <a:endParaRPr b="0" lang="en-US" sz="3200" strike="noStrike" u="none">
+              <a:solidFill>
+                <a:srgbClr val="000000"/>
+              </a:solidFill>
+              <a:effectLst/>
+              <a:uFillTx/>
+              <a:latin typeface="Arial"/>
+            </a:endParaRPr>
+          </a:p>
+          <a:p>
+            <a:pPr lvl="1" marL="432000" indent="-216000" algn="just">
+              <a:lnSpc>
+                <a:spcPts val="3889"/>
+              </a:lnSpc>
+              <a:buClr>
+                <a:srgbClr val="000000"/>
+              </a:buClr>
+              <a:buSzPct val="45000"/>
+              <a:buFont typeface="Symbol" charset="2"/>
+              <a:buChar char=""/>
+              <a:tabLst>
+                <a:tab algn="l" pos="0"/>
+              </a:tabLst>
+            </a:pPr>
+            <a:r>
+              <a:rPr b="0" lang="en-US" sz="3200" strike="noStrike" u="none">
+                <a:solidFill>
+                  <a:schemeClr val="dk1"/>
+                </a:solidFill>
+                <a:effectLst/>
+                <a:uFillTx/>
+                <a:latin typeface="Open Sans"/>
+                <a:ea typeface="Open Sans"/>
+              </a:rPr>
+              <a:t>New researcher learning curve</a:t>
+            </a:r>
+            <a:endParaRPr b="0" lang="en-US" sz="3200" strike="noStrike" u="none">
+              <a:solidFill>
+                <a:srgbClr val="000000"/>
+              </a:solidFill>
+              <a:effectLst/>
+              <a:uFillTx/>
+              <a:latin typeface="Arial"/>
+            </a:endParaRPr>
+          </a:p>
+          <a:p>
+            <a:pPr lvl="1" marL="432000" indent="-216000" algn="just">
+              <a:lnSpc>
+                <a:spcPts val="3889"/>
+              </a:lnSpc>
+              <a:buClr>
+                <a:srgbClr val="000000"/>
+              </a:buClr>
+              <a:buSzPct val="45000"/>
+              <a:buFont typeface="Symbol" charset="2"/>
+              <a:buChar char=""/>
+              <a:tabLst>
+                <a:tab algn="l" pos="0"/>
+              </a:tabLst>
+            </a:pPr>
+            <a:r>
+              <a:rPr b="0" lang="en-US" sz="3200" strike="noStrike" u="none">
+                <a:solidFill>
+                  <a:schemeClr val="dk1"/>
+                </a:solidFill>
+                <a:effectLst/>
+                <a:uFillTx/>
+                <a:latin typeface="Open Sans"/>
+                <a:ea typeface="Open Sans"/>
+              </a:rPr>
+              <a:t>Novel contribution development time</a:t>
+            </a:r>
+            <a:endParaRPr b="0" lang="en-US" sz="3200" strike="noStrike" u="none">
+              <a:solidFill>
+                <a:srgbClr val="000000"/>
+              </a:solidFill>
+              <a:effectLst/>
+              <a:uFillTx/>
+              <a:latin typeface="Arial"/>
+            </a:endParaRPr>
+          </a:p>
+          <a:p>
+            <a:pPr lvl="1" marL="432000" indent="-216000" algn="just">
+              <a:lnSpc>
+                <a:spcPts val="3889"/>
+              </a:lnSpc>
+              <a:buClr>
+                <a:srgbClr val="000000"/>
+              </a:buClr>
+              <a:buSzPct val="45000"/>
+              <a:buFont typeface="Symbol" charset="2"/>
+              <a:buChar char=""/>
+              <a:tabLst>
+                <a:tab algn="l" pos="0"/>
+              </a:tabLst>
+            </a:pPr>
+            <a:r>
+              <a:rPr b="0" lang="en-US" sz="3200" strike="noStrike" u="none">
+                <a:solidFill>
+                  <a:schemeClr val="dk1"/>
+                </a:solidFill>
+                <a:effectLst/>
+                <a:uFillTx/>
+                <a:latin typeface="Open Sans"/>
+                <a:ea typeface="Open Sans"/>
+              </a:rPr>
+              <a:t>Testing methods</a:t>
+            </a:r>
+            <a:endParaRPr b="0" lang="en-US" sz="3200" strike="noStrike" u="none">
+              <a:solidFill>
+                <a:srgbClr val="000000"/>
+              </a:solidFill>
+              <a:effectLst/>
               <a:uFillTx/>
               <a:latin typeface="Arial"/>
             </a:endParaRPr>
@@ -1125,7 +1527,7 @@
         <p:spPr>
           <a:xfrm>
             <a:off x="11201400" y="5558400"/>
-            <a:ext cx="10511640" cy="25984440"/>
+            <a:ext cx="10510200" cy="25983000"/>
           </a:xfrm>
           <a:prstGeom prst="rect">
             <a:avLst/>
@@ -1160,6 +1562,7 @@
               <a:solidFill>
                 <a:srgbClr val="000000"/>
               </a:solidFill>
+              <a:effectLst/>
               <a:uFillTx/>
               <a:latin typeface="Arial"/>
               <a:ea typeface="DejaVu Sans"/>
@@ -1176,7 +1579,7 @@
         <p:spPr>
           <a:xfrm>
             <a:off x="577800" y="5558400"/>
-            <a:ext cx="10162440" cy="11526120"/>
+            <a:ext cx="10161000" cy="11524680"/>
           </a:xfrm>
           <a:prstGeom prst="rect">
             <a:avLst/>
@@ -1211,6 +1614,7 @@
               <a:solidFill>
                 <a:srgbClr val="000000"/>
               </a:solidFill>
+              <a:effectLst/>
               <a:uFillTx/>
               <a:latin typeface="Arial"/>
               <a:ea typeface="Arial"/>
@@ -1227,7 +1631,7 @@
         <p:spPr>
           <a:xfrm>
             <a:off x="4680" y="0"/>
-            <a:ext cx="43885800" cy="5249520"/>
+            <a:ext cx="43884360" cy="5248080"/>
           </a:xfrm>
           <a:prstGeom prst="rect">
             <a:avLst/>
@@ -1259,6 +1663,7 @@
               <a:solidFill>
                 <a:schemeClr val="dk2"/>
               </a:solidFill>
+              <a:effectLst/>
               <a:uFillTx/>
               <a:latin typeface="Gill Sans"/>
               <a:ea typeface="Arial"/>
@@ -1275,7 +1680,7 @@
         <p:spPr>
           <a:xfrm>
             <a:off x="585360" y="6522480"/>
-            <a:ext cx="10202040" cy="10542240"/>
+            <a:ext cx="10200600" cy="10542240"/>
           </a:xfrm>
           <a:prstGeom prst="rect">
             <a:avLst/>
@@ -1309,6 +1714,7 @@
                 <a:solidFill>
                   <a:schemeClr val="dk1"/>
                 </a:solidFill>
+                <a:effectLst/>
                 <a:uFillTx/>
                 <a:latin typeface="Open Sans"/>
                 <a:ea typeface="Open Sans"/>
@@ -1319,6 +1725,7 @@
               <a:solidFill>
                 <a:srgbClr val="000000"/>
               </a:solidFill>
+              <a:effectLst/>
               <a:uFillTx/>
               <a:latin typeface="Arial"/>
             </a:endParaRPr>
@@ -1337,6 +1744,7 @@
                 <a:solidFill>
                   <a:schemeClr val="dk1"/>
                 </a:solidFill>
+                <a:effectLst/>
                 <a:uFillTx/>
                 <a:latin typeface="Open Sans"/>
                 <a:ea typeface="Open Sans"/>
@@ -1347,6 +1755,7 @@
               <a:solidFill>
                 <a:srgbClr val="000000"/>
               </a:solidFill>
+              <a:effectLst/>
               <a:uFillTx/>
               <a:latin typeface="Arial"/>
             </a:endParaRPr>
@@ -1364,6 +1773,7 @@
               <a:solidFill>
                 <a:srgbClr val="000000"/>
               </a:solidFill>
+              <a:effectLst/>
               <a:uFillTx/>
               <a:latin typeface="Arial"/>
             </a:endParaRPr>
@@ -1381,6 +1791,7 @@
               <a:solidFill>
                 <a:srgbClr val="000000"/>
               </a:solidFill>
+              <a:effectLst/>
               <a:uFillTx/>
               <a:latin typeface="Arial"/>
             </a:endParaRPr>
@@ -1398,6 +1809,7 @@
               <a:solidFill>
                 <a:srgbClr val="000000"/>
               </a:solidFill>
+              <a:effectLst/>
               <a:uFillTx/>
               <a:latin typeface="Arial"/>
             </a:endParaRPr>
@@ -1415,6 +1827,7 @@
               <a:solidFill>
                 <a:srgbClr val="000000"/>
               </a:solidFill>
+              <a:effectLst/>
               <a:uFillTx/>
               <a:latin typeface="Arial"/>
             </a:endParaRPr>
@@ -1432,6 +1845,7 @@
               <a:solidFill>
                 <a:srgbClr val="000000"/>
               </a:solidFill>
+              <a:effectLst/>
               <a:uFillTx/>
               <a:latin typeface="Arial"/>
             </a:endParaRPr>
@@ -1449,6 +1863,7 @@
               <a:solidFill>
                 <a:srgbClr val="000000"/>
               </a:solidFill>
+              <a:effectLst/>
               <a:uFillTx/>
               <a:latin typeface="Arial"/>
             </a:endParaRPr>
@@ -1466,6 +1881,7 @@
               <a:solidFill>
                 <a:srgbClr val="000000"/>
               </a:solidFill>
+              <a:effectLst/>
               <a:uFillTx/>
               <a:latin typeface="Arial"/>
             </a:endParaRPr>
@@ -1483,6 +1899,7 @@
               <a:solidFill>
                 <a:srgbClr val="000000"/>
               </a:solidFill>
+              <a:effectLst/>
               <a:uFillTx/>
               <a:latin typeface="Arial"/>
             </a:endParaRPr>
@@ -1500,6 +1917,7 @@
               <a:solidFill>
                 <a:srgbClr val="000000"/>
               </a:solidFill>
+              <a:effectLst/>
               <a:uFillTx/>
               <a:latin typeface="Arial"/>
             </a:endParaRPr>
@@ -1517,6 +1935,7 @@
               <a:solidFill>
                 <a:srgbClr val="000000"/>
               </a:solidFill>
+              <a:effectLst/>
               <a:uFillTx/>
               <a:latin typeface="Arial"/>
             </a:endParaRPr>
@@ -1535,6 +1954,7 @@
                 <a:solidFill>
                   <a:schemeClr val="dk1"/>
                 </a:solidFill>
+                <a:effectLst/>
                 <a:uFillTx/>
                 <a:latin typeface="Open Sans"/>
                 <a:ea typeface="Open Sans"/>
@@ -1545,6 +1965,7 @@
               <a:solidFill>
                 <a:srgbClr val="000000"/>
               </a:solidFill>
+              <a:effectLst/>
               <a:uFillTx/>
               <a:latin typeface="Arial"/>
             </a:endParaRPr>
@@ -1560,7 +1981,7 @@
         <p:spPr>
           <a:xfrm>
             <a:off x="7543800" y="50400"/>
-            <a:ext cx="28798560" cy="2932200"/>
+            <a:ext cx="28797120" cy="2930760"/>
           </a:xfrm>
           <a:prstGeom prst="rect">
             <a:avLst/>
@@ -1597,6 +2018,7 @@
                 <a:solidFill>
                   <a:srgbClr val="ffffff"/>
                 </a:solidFill>
+                <a:effectLst/>
                 <a:uFillTx/>
                 <a:latin typeface="Bree Serif"/>
                 <a:ea typeface="Arial"/>
@@ -1607,6 +2029,7 @@
               <a:solidFill>
                 <a:srgbClr val="000000"/>
               </a:solidFill>
+              <a:effectLst/>
               <a:uFillTx/>
               <a:latin typeface="Arial"/>
             </a:endParaRPr>
@@ -1622,7 +2045,7 @@
         <p:spPr>
           <a:xfrm>
             <a:off x="3365280" y="2665440"/>
-            <a:ext cx="39176280" cy="2560320"/>
+            <a:ext cx="39174840" cy="2561760"/>
           </a:xfrm>
           <a:prstGeom prst="rect">
             <a:avLst/>
@@ -1659,71 +2082,66 @@
                 <a:solidFill>
                   <a:srgbClr val="ffffff"/>
                 </a:solidFill>
+                <a:effectLst/>
                 <a:uFillTx/>
                 <a:latin typeface="Open Sans"/>
                 <a:ea typeface="Open Sans"/>
               </a:rPr>
-              <a:t>    </a:t>
+              <a:t>    Will Buziak</a:t>
             </a:r>
             <a:r>
               <a:rPr b="0" lang="en-US" sz="5600" strike="noStrike" u="none">
                 <a:solidFill>
                   <a:srgbClr val="ffffff"/>
                 </a:solidFill>
+                <a:effectLst/>
                 <a:uFillTx/>
                 <a:latin typeface="Open Sans"/>
                 <a:ea typeface="Open Sans"/>
               </a:rPr>
-              <a:t>Will Buziak</a:t>
+              <a:t>	</a:t>
             </a:r>
             <a:r>
               <a:rPr b="0" lang="en-US" sz="5600" strike="noStrike" u="none">
                 <a:solidFill>
                   <a:srgbClr val="ffffff"/>
                 </a:solidFill>
+                <a:effectLst/>
                 <a:uFillTx/>
                 <a:latin typeface="Open Sans"/>
                 <a:ea typeface="Open Sans"/>
               </a:rPr>
-              <a:t>	</a:t>
+              <a:t>                     Iris Bahar                          Tamara Silbergleit Lehman</a:t>
             </a:r>
             <a:r>
               <a:rPr b="0" lang="en-US" sz="5600" strike="noStrike" u="none">
                 <a:solidFill>
                   <a:srgbClr val="ffffff"/>
                 </a:solidFill>
+                <a:effectLst/>
                 <a:uFillTx/>
                 <a:latin typeface="Open Sans"/>
                 <a:ea typeface="Open Sans"/>
               </a:rPr>
-              <a:t>                     Iris Bahar                          Tamara Silbergleit Lehman</a:t>
+              <a:t>	</a:t>
             </a:r>
             <a:r>
               <a:rPr b="0" lang="en-US" sz="5600" strike="noStrike" u="none">
                 <a:solidFill>
                   <a:srgbClr val="ffffff"/>
                 </a:solidFill>
+                <a:effectLst/>
                 <a:uFillTx/>
                 <a:latin typeface="Open Sans"/>
                 <a:ea typeface="Open Sans"/>
               </a:rPr>
-              <a:t>	</a:t>
-            </a:r>
-            <a:r>
-              <a:rPr b="0" lang="en-US" sz="5600" strike="noStrike" u="none">
-                <a:solidFill>
-                  <a:srgbClr val="ffffff"/>
-                </a:solidFill>
-                <a:uFillTx/>
-                <a:latin typeface="Open Sans"/>
-                <a:ea typeface="Open Sans"/>
-              </a:rPr>
               <a:t>           Zach Moolman       </a:t>
             </a:r>
             <a:endParaRPr b="0" lang="en-US" sz="5600" strike="noStrike" u="none">
               <a:solidFill>
                 <a:srgbClr val="000000"/>
               </a:solidFill>
+              <a:effectLst/>
               <a:uFillTx/>
               <a:latin typeface="Arial"/>
             </a:endParaRPr>
@@ -1744,6 +2162,7 @@
               <a:solidFill>
                 <a:srgbClr val="000000"/>
               </a:solidFill>
+              <a:effectLst/>
               <a:uFillTx/>
               <a:latin typeface="Arial"/>
             </a:endParaRPr>
@@ -1759,7 +2178,7 @@
         <p:spPr>
           <a:xfrm>
             <a:off x="11633040" y="6450480"/>
-            <a:ext cx="9595800" cy="21545640"/>
+            <a:ext cx="9594360" cy="21545640"/>
           </a:xfrm>
           <a:prstGeom prst="rect">
             <a:avLst/>
@@ -1790,17 +2209,19 @@
                 <a:solidFill>
                   <a:schemeClr val="dk1"/>
                 </a:solidFill>
+                <a:effectLst/>
                 <a:uFillTx/>
                 <a:latin typeface="Open Sans"/>
                 <a:ea typeface="Open Sans"/>
               </a:rPr>
-              <a:t>Many TEE implementations exist, but Keystone </a:t>
-            </a:r>
-            <a:r>
-              <a:rPr b="0" lang="en-US" sz="2400" strike="noStrike" u="none">
+              <a:t>Many TEE implementations exist, but Keystone</a:t>
+            </a:r>
+            <a:r>
+              <a:rPr b="0" lang="en-US" sz="3200" strike="noStrike" u="none" baseline="33000">
                 <a:solidFill>
                   <a:schemeClr val="dk1"/>
                 </a:solidFill>
+                <a:effectLst/>
                 <a:uFillTx/>
                 <a:latin typeface="Open Sans"/>
                 <a:ea typeface="Open Sans"/>
@@ -1812,6 +2233,7 @@
                 <a:solidFill>
                   <a:schemeClr val="dk1"/>
                 </a:solidFill>
+                <a:effectLst/>
                 <a:uFillTx/>
                 <a:latin typeface="Open Sans"/>
                 <a:ea typeface="Open Sans"/>
@@ -1822,6 +2244,7 @@
               <a:solidFill>
                 <a:srgbClr val="000000"/>
               </a:solidFill>
+              <a:effectLst/>
               <a:uFillTx/>
               <a:latin typeface="Arial"/>
             </a:endParaRPr>
@@ -1836,6 +2259,7 @@
               <a:solidFill>
                 <a:srgbClr val="000000"/>
               </a:solidFill>
+              <a:effectLst/>
               <a:uFillTx/>
               <a:latin typeface="Arial"/>
             </a:endParaRPr>
@@ -1850,6 +2274,7 @@
               <a:solidFill>
                 <a:srgbClr val="000000"/>
               </a:solidFill>
+              <a:effectLst/>
               <a:uFillTx/>
               <a:latin typeface="Arial"/>
             </a:endParaRPr>
@@ -1864,6 +2289,7 @@
               <a:solidFill>
                 <a:srgbClr val="000000"/>
               </a:solidFill>
+              <a:effectLst/>
               <a:uFillTx/>
               <a:latin typeface="Arial"/>
             </a:endParaRPr>
@@ -1878,6 +2304,7 @@
               <a:solidFill>
                 <a:srgbClr val="000000"/>
               </a:solidFill>
+              <a:effectLst/>
               <a:uFillTx/>
               <a:latin typeface="Arial"/>
             </a:endParaRPr>
@@ -1892,6 +2319,7 @@
               <a:solidFill>
                 <a:srgbClr val="000000"/>
               </a:solidFill>
+              <a:effectLst/>
               <a:uFillTx/>
               <a:latin typeface="Arial"/>
             </a:endParaRPr>
@@ -1906,6 +2334,7 @@
               <a:solidFill>
                 <a:srgbClr val="000000"/>
               </a:solidFill>
+              <a:effectLst/>
               <a:uFillTx/>
               <a:latin typeface="Arial"/>
             </a:endParaRPr>
@@ -1920,6 +2349,7 @@
               <a:solidFill>
                 <a:srgbClr val="000000"/>
               </a:solidFill>
+              <a:effectLst/>
               <a:uFillTx/>
               <a:latin typeface="Arial"/>
             </a:endParaRPr>
@@ -1934,6 +2364,7 @@
               <a:solidFill>
                 <a:srgbClr val="000000"/>
               </a:solidFill>
+              <a:effectLst/>
               <a:uFillTx/>
               <a:latin typeface="Arial"/>
             </a:endParaRPr>
@@ -1948,6 +2379,7 @@
               <a:solidFill>
                 <a:srgbClr val="000000"/>
               </a:solidFill>
+              <a:effectLst/>
               <a:uFillTx/>
               <a:latin typeface="Arial"/>
             </a:endParaRPr>
@@ -1962,6 +2394,7 @@
               <a:solidFill>
                 <a:srgbClr val="000000"/>
               </a:solidFill>
+              <a:effectLst/>
               <a:uFillTx/>
               <a:latin typeface="Arial"/>
             </a:endParaRPr>
@@ -1976,6 +2409,7 @@
               <a:solidFill>
                 <a:srgbClr val="000000"/>
               </a:solidFill>
+              <a:effectLst/>
               <a:uFillTx/>
               <a:latin typeface="Arial"/>
             </a:endParaRPr>
@@ -1990,6 +2424,7 @@
               <a:solidFill>
                 <a:srgbClr val="000000"/>
               </a:solidFill>
+              <a:effectLst/>
               <a:uFillTx/>
               <a:latin typeface="Arial"/>
             </a:endParaRPr>
@@ -2005,6 +2440,7 @@
                 <a:solidFill>
                   <a:schemeClr val="dk1"/>
                 </a:solidFill>
+                <a:effectLst/>
                 <a:uFillTx/>
                 <a:latin typeface="Open Sans"/>
                 <a:ea typeface="Open Sans"/>
@@ -2015,6 +2451,7 @@
               <a:solidFill>
                 <a:srgbClr val="000000"/>
               </a:solidFill>
+              <a:effectLst/>
               <a:uFillTx/>
               <a:latin typeface="Arial"/>
             </a:endParaRPr>
@@ -2029,6 +2466,7 @@
               <a:solidFill>
                 <a:srgbClr val="000000"/>
               </a:solidFill>
+              <a:effectLst/>
               <a:uFillTx/>
               <a:latin typeface="Arial"/>
             </a:endParaRPr>
@@ -2043,6 +2481,7 @@
               <a:solidFill>
                 <a:srgbClr val="000000"/>
               </a:solidFill>
+              <a:effectLst/>
               <a:uFillTx/>
               <a:latin typeface="Arial"/>
             </a:endParaRPr>
@@ -2057,6 +2496,7 @@
               <a:solidFill>
                 <a:srgbClr val="000000"/>
               </a:solidFill>
+              <a:effectLst/>
               <a:uFillTx/>
               <a:latin typeface="Arial"/>
             </a:endParaRPr>
@@ -2071,6 +2511,7 @@
               <a:solidFill>
                 <a:srgbClr val="000000"/>
               </a:solidFill>
+              <a:effectLst/>
               <a:uFillTx/>
               <a:latin typeface="Arial"/>
             </a:endParaRPr>
@@ -2085,6 +2526,7 @@
               <a:solidFill>
                 <a:srgbClr val="000000"/>
               </a:solidFill>
+              <a:effectLst/>
               <a:uFillTx/>
               <a:latin typeface="Arial"/>
             </a:endParaRPr>
@@ -2099,6 +2541,7 @@
               <a:solidFill>
                 <a:srgbClr val="000000"/>
               </a:solidFill>
+              <a:effectLst/>
               <a:uFillTx/>
               <a:latin typeface="Arial"/>
             </a:endParaRPr>
@@ -2113,6 +2556,7 @@
               <a:solidFill>
                 <a:srgbClr val="000000"/>
               </a:solidFill>
+              <a:effectLst/>
               <a:uFillTx/>
               <a:latin typeface="Arial"/>
             </a:endParaRPr>
@@ -2127,6 +2571,7 @@
               <a:solidFill>
                 <a:srgbClr val="000000"/>
               </a:solidFill>
+              <a:effectLst/>
               <a:uFillTx/>
               <a:latin typeface="Arial"/>
             </a:endParaRPr>
@@ -2141,6 +2586,7 @@
               <a:solidFill>
                 <a:srgbClr val="000000"/>
               </a:solidFill>
+              <a:effectLst/>
               <a:uFillTx/>
               <a:latin typeface="Arial"/>
             </a:endParaRPr>
@@ -2155,6 +2601,7 @@
               <a:solidFill>
                 <a:srgbClr val="000000"/>
               </a:solidFill>
+              <a:effectLst/>
               <a:uFillTx/>
               <a:latin typeface="Arial"/>
             </a:endParaRPr>
@@ -2169,6 +2616,7 @@
               <a:solidFill>
                 <a:srgbClr val="000000"/>
               </a:solidFill>
+              <a:effectLst/>
               <a:uFillTx/>
               <a:latin typeface="Arial"/>
             </a:endParaRPr>
@@ -2183,6 +2631,7 @@
               <a:solidFill>
                 <a:srgbClr val="000000"/>
               </a:solidFill>
+              <a:effectLst/>
               <a:uFillTx/>
               <a:latin typeface="Arial"/>
             </a:endParaRPr>
@@ -2197,6 +2646,7 @@
               <a:solidFill>
                 <a:srgbClr val="000000"/>
               </a:solidFill>
+              <a:effectLst/>
               <a:uFillTx/>
               <a:latin typeface="Arial"/>
             </a:endParaRPr>
@@ -2211,6 +2661,7 @@
               <a:solidFill>
                 <a:srgbClr val="000000"/>
               </a:solidFill>
+              <a:effectLst/>
               <a:uFillTx/>
               <a:latin typeface="Arial"/>
             </a:endParaRPr>
@@ -2225,6 +2676,7 @@
               <a:solidFill>
                 <a:srgbClr val="000000"/>
               </a:solidFill>
+              <a:effectLst/>
               <a:uFillTx/>
               <a:latin typeface="Arial"/>
             </a:endParaRPr>
@@ -2239,6 +2691,7 @@
               <a:solidFill>
                 <a:srgbClr val="000000"/>
               </a:solidFill>
+              <a:effectLst/>
               <a:uFillTx/>
               <a:latin typeface="Arial"/>
             </a:endParaRPr>
@@ -2253,6 +2706,7 @@
               <a:solidFill>
                 <a:srgbClr val="000000"/>
               </a:solidFill>
+              <a:effectLst/>
               <a:uFillTx/>
               <a:latin typeface="Arial"/>
             </a:endParaRPr>
@@ -2267,6 +2721,7 @@
               <a:solidFill>
                 <a:srgbClr val="000000"/>
               </a:solidFill>
+              <a:effectLst/>
               <a:uFillTx/>
               <a:latin typeface="Arial"/>
             </a:endParaRPr>
@@ -2282,17 +2737,19 @@
                 <a:solidFill>
                   <a:schemeClr val="dk1"/>
                 </a:solidFill>
+                <a:effectLst/>
                 <a:uFillTx/>
                 <a:latin typeface="Open Sans"/>
                 <a:ea typeface="Open Sans"/>
               </a:rPr>
-              <a:t>For Researchers to continue developing secure hardware </a:t>
-            </a:r>
-            <a:r>
-              <a:rPr b="0" lang="en-US" sz="2400" strike="noStrike" u="none">
+              <a:t>For researchers wishing to continue developing secure hardware</a:t>
+            </a:r>
+            <a:r>
+              <a:rPr b="0" lang="en-US" sz="3200" strike="noStrike" u="none" baseline="33000">
                 <a:solidFill>
                   <a:schemeClr val="dk1"/>
                 </a:solidFill>
+                <a:effectLst/>
                 <a:uFillTx/>
                 <a:latin typeface="Open Sans"/>
                 <a:ea typeface="Open Sans"/>
@@ -2304,16 +2761,18 @@
                 <a:solidFill>
                   <a:schemeClr val="dk1"/>
                 </a:solidFill>
+                <a:effectLst/>
                 <a:uFillTx/>
                 <a:latin typeface="Open Sans"/>
                 <a:ea typeface="Open Sans"/>
               </a:rPr>
-              <a:t> using Keystone components, contributions must then implement hardware designs and corrresponding ISA extensions.</a:t>
-            </a:r>
-            <a:endParaRPr b="0" lang="en-US" sz="3200" strike="noStrike" u="none">
-              <a:solidFill>
-                <a:srgbClr val="000000"/>
-              </a:solidFill>
+              <a:t> using Keystone components, contributions must also implement hardware designs, built on corrresponding ISA extensions.</a:t>
+            </a:r>
+            <a:endParaRPr b="0" lang="en-US" sz="3200" strike="noStrike" u="none">
+              <a:solidFill>
+                <a:srgbClr val="000000"/>
+              </a:solidFill>
+              <a:effectLst/>
               <a:uFillTx/>
               <a:latin typeface="Arial"/>
             </a:endParaRPr>
@@ -2329,7 +2788,7 @@
         <p:spPr>
           <a:xfrm>
             <a:off x="22656960" y="6414480"/>
-            <a:ext cx="9595800" cy="17762040"/>
+            <a:ext cx="9594360" cy="17762760"/>
           </a:xfrm>
           <a:prstGeom prst="rect">
             <a:avLst/>
@@ -2366,6 +2825,7 @@
                 <a:solidFill>
                   <a:schemeClr val="dk1"/>
                 </a:solidFill>
+                <a:effectLst/>
                 <a:uFillTx/>
                 <a:latin typeface="Open Sans"/>
                 <a:ea typeface="Open Sans"/>
@@ -2373,31 +2833,46 @@
               <a:t>Gem5</a:t>
             </a:r>
             <a:r>
-              <a:rPr b="0" lang="en-US" sz="2400" strike="noStrike" u="none">
+              <a:rPr b="0" lang="en-US" sz="3200" strike="noStrike" u="none" baseline="33000">
                 <a:solidFill>
                   <a:schemeClr val="dk1"/>
                 </a:solidFill>
+                <a:effectLst/>
                 <a:uFillTx/>
                 <a:latin typeface="Open Sans"/>
                 <a:ea typeface="Open Sans"/>
               </a:rPr>
-              <a:t> [2] </a:t>
-            </a:r>
-            <a:r>
-              <a:rPr b="0" lang="en-US" sz="3200" strike="noStrike" u="none">
+              <a:t>[2]</a:t>
+            </a:r>
+            <a:r>
+              <a:rPr b="0" lang="en-US" sz="2400" strike="noStrike" u="none">
                 <a:solidFill>
                   <a:schemeClr val="dk1"/>
                 </a:solidFill>
+                <a:effectLst/>
                 <a:uFillTx/>
                 <a:latin typeface="Open Sans"/>
                 <a:ea typeface="Open Sans"/>
               </a:rPr>
+              <a:t> </a:t>
+            </a:r>
+            <a:r>
+              <a:rPr b="0" lang="en-US" sz="3200" strike="noStrike" u="none">
+                <a:solidFill>
+                  <a:schemeClr val="dk1"/>
+                </a:solidFill>
+                <a:effectLst/>
+                <a:uFillTx/>
+                <a:latin typeface="Open Sans"/>
+                <a:ea typeface="Open Sans"/>
+              </a:rPr>
               <a:t>presents architectural design from the bottom-up with ISA protocols, hardware descriptions and user-space benchmarking, enabling full-stack development.</a:t>
             </a:r>
             <a:endParaRPr b="0" lang="en-US" sz="3200" strike="noStrike" u="none">
               <a:solidFill>
                 <a:srgbClr val="000000"/>
               </a:solidFill>
+              <a:effectLst/>
               <a:uFillTx/>
               <a:latin typeface="Arial"/>
             </a:endParaRPr>
@@ -2418,6 +2893,7 @@
               <a:solidFill>
                 <a:srgbClr val="000000"/>
               </a:solidFill>
+              <a:effectLst/>
               <a:uFillTx/>
               <a:latin typeface="Arial"/>
             </a:endParaRPr>
@@ -2438,6 +2914,7 @@
               <a:solidFill>
                 <a:srgbClr val="000000"/>
               </a:solidFill>
+              <a:effectLst/>
               <a:uFillTx/>
               <a:latin typeface="Arial"/>
             </a:endParaRPr>
@@ -2458,6 +2935,7 @@
               <a:solidFill>
                 <a:srgbClr val="000000"/>
               </a:solidFill>
+              <a:effectLst/>
               <a:uFillTx/>
               <a:latin typeface="Arial"/>
             </a:endParaRPr>
@@ -2478,6 +2956,7 @@
               <a:solidFill>
                 <a:srgbClr val="000000"/>
               </a:solidFill>
+              <a:effectLst/>
               <a:uFillTx/>
               <a:latin typeface="Arial"/>
             </a:endParaRPr>
@@ -2498,6 +2977,7 @@
               <a:solidFill>
                 <a:srgbClr val="000000"/>
               </a:solidFill>
+              <a:effectLst/>
               <a:uFillTx/>
               <a:latin typeface="Arial"/>
             </a:endParaRPr>
@@ -2518,6 +2998,7 @@
               <a:solidFill>
                 <a:srgbClr val="000000"/>
               </a:solidFill>
+              <a:effectLst/>
               <a:uFillTx/>
               <a:latin typeface="Arial"/>
             </a:endParaRPr>
@@ -2538,6 +3019,7 @@
               <a:solidFill>
                 <a:srgbClr val="000000"/>
               </a:solidFill>
+              <a:effectLst/>
               <a:uFillTx/>
               <a:latin typeface="Arial"/>
             </a:endParaRPr>
@@ -2558,6 +3040,7 @@
               <a:solidFill>
                 <a:srgbClr val="000000"/>
               </a:solidFill>
+              <a:effectLst/>
               <a:uFillTx/>
               <a:latin typeface="Arial"/>
             </a:endParaRPr>
@@ -2578,6 +3061,7 @@
               <a:solidFill>
                 <a:srgbClr val="000000"/>
               </a:solidFill>
+              <a:effectLst/>
               <a:uFillTx/>
               <a:latin typeface="Arial"/>
             </a:endParaRPr>
@@ -2598,6 +3082,7 @@
               <a:solidFill>
                 <a:srgbClr val="000000"/>
               </a:solidFill>
+              <a:effectLst/>
               <a:uFillTx/>
               <a:latin typeface="Arial"/>
             </a:endParaRPr>
@@ -2618,6 +3103,7 @@
               <a:solidFill>
                 <a:srgbClr val="000000"/>
               </a:solidFill>
+              <a:effectLst/>
               <a:uFillTx/>
               <a:latin typeface="Arial"/>
             </a:endParaRPr>
@@ -2638,6 +3124,7 @@
               <a:solidFill>
                 <a:srgbClr val="000000"/>
               </a:solidFill>
+              <a:effectLst/>
               <a:uFillTx/>
               <a:latin typeface="Arial"/>
             </a:endParaRPr>
@@ -2659,6 +3146,7 @@
                 <a:solidFill>
                   <a:schemeClr val="dk1"/>
                 </a:solidFill>
+                <a:effectLst/>
                 <a:uFillTx/>
                 <a:latin typeface="Open Sans"/>
                 <a:ea typeface="Open Sans"/>
@@ -2669,6 +3157,7 @@
               <a:solidFill>
                 <a:srgbClr val="000000"/>
               </a:solidFill>
+              <a:effectLst/>
               <a:uFillTx/>
               <a:latin typeface="Arial"/>
             </a:endParaRPr>
@@ -2689,6 +3178,7 @@
               <a:solidFill>
                 <a:srgbClr val="000000"/>
               </a:solidFill>
+              <a:effectLst/>
               <a:uFillTx/>
               <a:latin typeface="Arial"/>
             </a:endParaRPr>
@@ -2703,6 +3193,7 @@
               <a:solidFill>
                 <a:srgbClr val="000000"/>
               </a:solidFill>
+              <a:effectLst/>
               <a:uFillTx/>
               <a:latin typeface="Arial"/>
             </a:endParaRPr>
@@ -2717,6 +3208,7 @@
               <a:solidFill>
                 <a:srgbClr val="000000"/>
               </a:solidFill>
+              <a:effectLst/>
               <a:uFillTx/>
               <a:latin typeface="Arial"/>
             </a:endParaRPr>
@@ -2731,6 +3223,7 @@
               <a:solidFill>
                 <a:srgbClr val="000000"/>
               </a:solidFill>
+              <a:effectLst/>
               <a:uFillTx/>
               <a:latin typeface="Arial"/>
             </a:endParaRPr>
@@ -2745,6 +3238,7 @@
               <a:solidFill>
                 <a:srgbClr val="000000"/>
               </a:solidFill>
+              <a:effectLst/>
               <a:uFillTx/>
               <a:latin typeface="Arial"/>
             </a:endParaRPr>
@@ -2759,6 +3253,7 @@
               <a:solidFill>
                 <a:srgbClr val="000000"/>
               </a:solidFill>
+              <a:effectLst/>
               <a:uFillTx/>
               <a:latin typeface="Arial"/>
             </a:endParaRPr>
@@ -2773,6 +3268,7 @@
               <a:solidFill>
                 <a:srgbClr val="000000"/>
               </a:solidFill>
+              <a:effectLst/>
               <a:uFillTx/>
               <a:latin typeface="Arial"/>
             </a:endParaRPr>
@@ -2787,6 +3283,7 @@
               <a:solidFill>
                 <a:srgbClr val="000000"/>
               </a:solidFill>
+              <a:effectLst/>
               <a:uFillTx/>
               <a:latin typeface="Arial"/>
             </a:endParaRPr>
@@ -2801,6 +3298,7 @@
               <a:solidFill>
                 <a:srgbClr val="000000"/>
               </a:solidFill>
+              <a:effectLst/>
               <a:uFillTx/>
               <a:latin typeface="Arial"/>
             </a:endParaRPr>
@@ -2811,21 +3309,41 @@
                 <a:spcPct val="110000"/>
               </a:lnSpc>
             </a:pPr>
+            <a:endParaRPr b="0" lang="en-US" sz="3200" strike="noStrike" u="none">
+              <a:solidFill>
+                <a:srgbClr val="000000"/>
+              </a:solidFill>
+              <a:effectLst/>
+              <a:uFillTx/>
+              <a:latin typeface="Arial"/>
+            </a:endParaRPr>
+          </a:p>
+          <a:p>
+            <a:pPr algn="just">
+              <a:lnSpc>
+                <a:spcPct val="110000"/>
+              </a:lnSpc>
+              <a:tabLst>
+                <a:tab algn="l" pos="0"/>
+              </a:tabLst>
+            </a:pPr>
             <a:r>
               <a:rPr b="0" lang="en-US" sz="3200" strike="noStrike" u="none">
                 <a:solidFill>
                   <a:schemeClr val="dk1"/>
                 </a:solidFill>
+                <a:effectLst/>
                 <a:uFillTx/>
                 <a:latin typeface="Open Sans"/>
                 <a:ea typeface="Open Sans"/>
               </a:rPr>
-              <a:t>This work proposes ready-built simulations, reducing set-up time for future developers to implement their contributions.</a:t>
-            </a:r>
-            <a:endParaRPr b="0" lang="en-US" sz="3200" strike="noStrike" u="none">
-              <a:solidFill>
-                <a:srgbClr val="000000"/>
-              </a:solidFill>
+              <a:t>In order to further protect state-of-the-art TEEs, we extend Keystone to include secure memory protocols in the gem5 simulation environment.</a:t>
+            </a:r>
+            <a:endParaRPr b="0" lang="en-US" sz="3200" strike="noStrike" u="none">
+              <a:solidFill>
+                <a:srgbClr val="000000"/>
+              </a:solidFill>
+              <a:effectLst/>
               <a:uFillTx/>
               <a:latin typeface="Arial"/>
             </a:endParaRPr>
@@ -2841,7 +3359,7 @@
         <p:spPr>
           <a:xfrm>
             <a:off x="0" y="32004000"/>
-            <a:ext cx="43885800" cy="909000"/>
+            <a:ext cx="43884360" cy="907560"/>
           </a:xfrm>
           <a:prstGeom prst="rect">
             <a:avLst/>
@@ -2873,6 +3391,7 @@
               <a:solidFill>
                 <a:schemeClr val="dk2"/>
               </a:solidFill>
+              <a:effectLst/>
               <a:uFillTx/>
               <a:latin typeface="Gill Sans"/>
               <a:ea typeface="Arial"/>
@@ -2888,8 +3407,8 @@
         </p:nvSpPr>
         <p:spPr>
           <a:xfrm rot="3166800">
-            <a:off x="28585440" y="26832600"/>
-            <a:ext cx="1462320" cy="834120"/>
+            <a:off x="39212640" y="20831040"/>
+            <a:ext cx="1208520" cy="688680"/>
           </a:xfrm>
           <a:prstGeom prst="rightArrow">
             <a:avLst>
@@ -2925,6 +3444,7 @@
               <a:solidFill>
                 <a:srgbClr val="000000"/>
               </a:solidFill>
+              <a:effectLst/>
               <a:uFillTx/>
               <a:latin typeface="Arial"/>
               <a:ea typeface="Arial"/>
@@ -2940,8 +3460,8 @@
         </p:nvSpPr>
         <p:spPr>
           <a:xfrm rot="18804600">
-            <a:off x="25058880" y="26664480"/>
-            <a:ext cx="1462680" cy="833400"/>
+            <a:off x="36293760" y="20692800"/>
+            <a:ext cx="1208880" cy="688320"/>
           </a:xfrm>
           <a:prstGeom prst="rightArrow">
             <a:avLst>
@@ -2977,6 +3497,7 @@
               <a:solidFill>
                 <a:srgbClr val="000000"/>
               </a:solidFill>
+              <a:effectLst/>
               <a:uFillTx/>
               <a:latin typeface="Arial"/>
               <a:ea typeface="Arial"/>
@@ -2992,8 +3513,8 @@
         </p:nvSpPr>
         <p:spPr>
           <a:xfrm rot="10800000">
-            <a:off x="26735760" y="28374840"/>
-            <a:ext cx="1463040" cy="833400"/>
+            <a:off x="37683360" y="22109400"/>
+            <a:ext cx="1209240" cy="688320"/>
           </a:xfrm>
           <a:prstGeom prst="rightArrow">
             <a:avLst>
@@ -3029,6 +3550,7 @@
               <a:solidFill>
                 <a:srgbClr val="000000"/>
               </a:solidFill>
+              <a:effectLst/>
               <a:uFillTx/>
               <a:latin typeface="Arial"/>
               <a:ea typeface="Arial"/>
@@ -3045,7 +3567,7 @@
         <p:spPr>
           <a:xfrm>
             <a:off x="1252800" y="8686800"/>
-            <a:ext cx="8995680" cy="1976040"/>
+            <a:ext cx="8994240" cy="1974600"/>
           </a:xfrm>
           <a:prstGeom prst="roundRect">
             <a:avLst>
@@ -3082,6 +3604,7 @@
                 <a:solidFill>
                   <a:srgbClr val="000000"/>
                 </a:solidFill>
+                <a:effectLst/>
                 <a:uFillTx/>
                 <a:latin typeface="Arial"/>
                 <a:ea typeface="Arial"/>
@@ -3092,6 +3615,7 @@
               <a:solidFill>
                 <a:srgbClr val="000000"/>
               </a:solidFill>
+              <a:effectLst/>
               <a:uFillTx/>
               <a:latin typeface="Arial"/>
             </a:endParaRPr>
@@ -3107,7 +3631,7 @@
         <p:spPr>
           <a:xfrm>
             <a:off x="1752840" y="9365040"/>
-            <a:ext cx="1995480" cy="986040"/>
+            <a:ext cx="1994040" cy="984600"/>
           </a:xfrm>
           <a:prstGeom prst="rect">
             <a:avLst/>
@@ -3142,6 +3666,7 @@
                 <a:solidFill>
                   <a:srgbClr val="000000"/>
                 </a:solidFill>
+                <a:effectLst/>
                 <a:uFillTx/>
                 <a:latin typeface="Arial"/>
                 <a:ea typeface="Arial"/>
@@ -3152,6 +3677,7 @@
               <a:solidFill>
                 <a:srgbClr val="000000"/>
               </a:solidFill>
+              <a:effectLst/>
               <a:uFillTx/>
               <a:latin typeface="Arial"/>
             </a:endParaRPr>
@@ -3167,7 +3693,7 @@
         <p:spPr>
           <a:xfrm>
             <a:off x="4784400" y="9365040"/>
-            <a:ext cx="1995480" cy="986040"/>
+            <a:ext cx="1994040" cy="984600"/>
           </a:xfrm>
           <a:prstGeom prst="rect">
             <a:avLst/>
@@ -3202,6 +3728,7 @@
                 <a:solidFill>
                   <a:srgbClr val="000000"/>
                 </a:solidFill>
+                <a:effectLst/>
                 <a:uFillTx/>
                 <a:latin typeface="Arial"/>
                 <a:ea typeface="Arial"/>
@@ -3212,6 +3739,7 @@
               <a:solidFill>
                 <a:srgbClr val="000000"/>
               </a:solidFill>
+              <a:effectLst/>
               <a:uFillTx/>
               <a:latin typeface="Arial"/>
             </a:endParaRPr>
@@ -3227,7 +3755,7 @@
         <p:spPr>
           <a:xfrm>
             <a:off x="7894800" y="9365040"/>
-            <a:ext cx="1995480" cy="986040"/>
+            <a:ext cx="1994040" cy="984600"/>
           </a:xfrm>
           <a:prstGeom prst="rect">
             <a:avLst/>
@@ -3262,6 +3790,7 @@
                 <a:solidFill>
                   <a:srgbClr val="000000"/>
                 </a:solidFill>
+                <a:effectLst/>
                 <a:uFillTx/>
                 <a:latin typeface="Arial"/>
                 <a:ea typeface="Arial"/>
@@ -3272,6 +3801,7 @@
               <a:solidFill>
                 <a:srgbClr val="000000"/>
               </a:solidFill>
+              <a:effectLst/>
               <a:uFillTx/>
               <a:latin typeface="Arial"/>
             </a:endParaRPr>
@@ -3287,7 +3817,7 @@
         <p:spPr>
           <a:xfrm>
             <a:off x="3595320" y="13151880"/>
-            <a:ext cx="4496040" cy="1175400"/>
+            <a:ext cx="4494600" cy="1173960"/>
           </a:xfrm>
           <a:prstGeom prst="roundRect">
             <a:avLst>
@@ -3324,6 +3854,7 @@
                 <a:solidFill>
                   <a:srgbClr val="000000"/>
                 </a:solidFill>
+                <a:effectLst/>
                 <a:uFillTx/>
                 <a:latin typeface="Arial"/>
                 <a:ea typeface="Arial"/>
@@ -3334,6 +3865,7 @@
               <a:solidFill>
                 <a:srgbClr val="000000"/>
               </a:solidFill>
+              <a:effectLst/>
               <a:uFillTx/>
               <a:latin typeface="Arial"/>
             </a:endParaRPr>
@@ -3377,6 +3909,7 @@
               <a:solidFill>
                 <a:srgbClr val="000000"/>
               </a:solidFill>
+              <a:effectLst/>
               <a:uFillTx/>
               <a:latin typeface="Arial"/>
               <a:ea typeface="Arial"/>
@@ -3393,7 +3926,7 @@
         <p:spPr>
           <a:xfrm>
             <a:off x="4635000" y="11409480"/>
-            <a:ext cx="2231280" cy="986040"/>
+            <a:ext cx="2229840" cy="984600"/>
           </a:xfrm>
           <a:prstGeom prst="rect">
             <a:avLst/>
@@ -3428,6 +3961,7 @@
                 <a:solidFill>
                   <a:srgbClr val="000000"/>
                 </a:solidFill>
+                <a:effectLst/>
                 <a:uFillTx/>
                 <a:latin typeface="Arial"/>
                 <a:ea typeface="Arial"/>
@@ -3438,6 +3972,7 @@
               <a:solidFill>
                 <a:srgbClr val="000000"/>
               </a:solidFill>
+              <a:effectLst/>
               <a:uFillTx/>
               <a:latin typeface="Arial"/>
             </a:endParaRPr>
@@ -3481,6 +4016,7 @@
               <a:solidFill>
                 <a:srgbClr val="000000"/>
               </a:solidFill>
+              <a:effectLst/>
               <a:uFillTx/>
               <a:latin typeface="Arial"/>
               <a:ea typeface="Arial"/>
@@ -3525,6 +4061,7 @@
               <a:solidFill>
                 <a:srgbClr val="000000"/>
               </a:solidFill>
+              <a:effectLst/>
               <a:uFillTx/>
               <a:latin typeface="Arial"/>
               <a:ea typeface="Arial"/>
@@ -3569,6 +4106,7 @@
               <a:solidFill>
                 <a:srgbClr val="000000"/>
               </a:solidFill>
+              <a:effectLst/>
               <a:uFillTx/>
               <a:latin typeface="Arial"/>
               <a:ea typeface="Arial"/>
@@ -3584,8 +4122,8 @@
         </p:nvSpPr>
         <p:spPr>
           <a:xfrm>
-            <a:off x="11230920" y="5558400"/>
-            <a:ext cx="10482120" cy="838440"/>
+            <a:off x="11201400" y="5558400"/>
+            <a:ext cx="10510200" cy="837000"/>
           </a:xfrm>
           <a:prstGeom prst="rect">
             <a:avLst/>
@@ -3620,6 +4158,7 @@
                 <a:solidFill>
                   <a:srgbClr val="ffffff"/>
                 </a:solidFill>
+                <a:effectLst/>
                 <a:uFillTx/>
                 <a:latin typeface="Bree Serif"/>
                 <a:ea typeface="Arial"/>
@@ -3630,6 +4169,7 @@
               <a:solidFill>
                 <a:srgbClr val="ffffff"/>
               </a:solidFill>
+              <a:effectLst/>
               <a:uFillTx/>
               <a:latin typeface="Arial"/>
             </a:endParaRPr>
@@ -3649,11 +4189,12 @@
         <p:spPr>
           <a:xfrm>
             <a:off x="408600" y="31883400"/>
-            <a:ext cx="6655680" cy="1142280"/>
+            <a:ext cx="6654240" cy="1140840"/>
           </a:xfrm>
           <a:prstGeom prst="rect">
             <a:avLst/>
           </a:prstGeom>
+          <a:noFill/>
           <a:ln w="0">
             <a:noFill/>
           </a:ln>
@@ -3668,7 +4209,7 @@
         <p:spPr>
           <a:xfrm>
             <a:off x="574920" y="5558400"/>
-            <a:ext cx="10165320" cy="838440"/>
+            <a:ext cx="10163880" cy="837000"/>
           </a:xfrm>
           <a:prstGeom prst="rect">
             <a:avLst/>
@@ -3703,6 +4244,7 @@
                 <a:solidFill>
                   <a:srgbClr val="ffffff"/>
                 </a:solidFill>
+                <a:effectLst/>
                 <a:uFillTx/>
                 <a:latin typeface="Bree Serif"/>
                 <a:ea typeface="Arial"/>
@@ -3713,6 +4255,7 @@
               <a:solidFill>
                 <a:srgbClr val="ffffff"/>
               </a:solidFill>
+              <a:effectLst/>
               <a:uFillTx/>
               <a:latin typeface="Arial"/>
             </a:endParaRPr>
@@ -3728,7 +4271,7 @@
         <p:spPr>
           <a:xfrm>
             <a:off x="576000" y="17927280"/>
-            <a:ext cx="10162440" cy="7300800"/>
+            <a:ext cx="10161000" cy="13618800"/>
           </a:xfrm>
           <a:prstGeom prst="rect">
             <a:avLst/>
@@ -3764,6 +4307,7 @@
                 <a:solidFill>
                   <a:srgbClr val="000000"/>
                 </a:solidFill>
+                <a:effectLst/>
                 <a:uFillTx/>
                 <a:latin typeface="Open Sans"/>
                 <a:ea typeface="Arial"/>
@@ -3774,6 +4318,7 @@
               <a:solidFill>
                 <a:srgbClr val="000000"/>
               </a:solidFill>
+              <a:effectLst/>
               <a:uFillTx/>
               <a:latin typeface="Arial"/>
             </a:endParaRPr>
@@ -3788,6 +4333,7 @@
               <a:solidFill>
                 <a:srgbClr val="000000"/>
               </a:solidFill>
+              <a:effectLst/>
               <a:uFillTx/>
               <a:latin typeface="Arial"/>
             </a:endParaRPr>
@@ -3802,6 +4348,7 @@
               <a:solidFill>
                 <a:srgbClr val="000000"/>
               </a:solidFill>
+              <a:effectLst/>
               <a:uFillTx/>
               <a:latin typeface="Arial"/>
             </a:endParaRPr>
@@ -3816,6 +4363,7 @@
               <a:solidFill>
                 <a:srgbClr val="000000"/>
               </a:solidFill>
+              <a:effectLst/>
               <a:uFillTx/>
               <a:latin typeface="Arial"/>
             </a:endParaRPr>
@@ -3830,6 +4378,7 @@
               <a:solidFill>
                 <a:srgbClr val="000000"/>
               </a:solidFill>
+              <a:effectLst/>
               <a:uFillTx/>
               <a:latin typeface="Arial"/>
             </a:endParaRPr>
@@ -3844,6 +4393,7 @@
               <a:solidFill>
                 <a:srgbClr val="000000"/>
               </a:solidFill>
+              <a:effectLst/>
               <a:uFillTx/>
               <a:latin typeface="Arial"/>
             </a:endParaRPr>
@@ -3858,6 +4408,7 @@
               <a:solidFill>
                 <a:srgbClr val="000000"/>
               </a:solidFill>
+              <a:effectLst/>
               <a:uFillTx/>
               <a:latin typeface="Arial"/>
             </a:endParaRPr>
@@ -3872,6 +4423,7 @@
               <a:solidFill>
                 <a:srgbClr val="000000"/>
               </a:solidFill>
+              <a:effectLst/>
               <a:uFillTx/>
               <a:latin typeface="Arial"/>
             </a:endParaRPr>
@@ -3886,6 +4438,7 @@
               <a:solidFill>
                 <a:srgbClr val="000000"/>
               </a:solidFill>
+              <a:effectLst/>
               <a:uFillTx/>
               <a:latin typeface="Arial"/>
             </a:endParaRPr>
@@ -3900,6 +4453,7 @@
               <a:solidFill>
                 <a:srgbClr val="000000"/>
               </a:solidFill>
+              <a:effectLst/>
               <a:uFillTx/>
               <a:latin typeface="Arial"/>
             </a:endParaRPr>
@@ -3914,6 +4468,7 @@
               <a:solidFill>
                 <a:srgbClr val="000000"/>
               </a:solidFill>
+              <a:effectLst/>
               <a:uFillTx/>
               <a:latin typeface="Arial"/>
             </a:endParaRPr>
@@ -3929,16 +4484,18 @@
                 <a:solidFill>
                   <a:srgbClr val="000000"/>
                 </a:solidFill>
+                <a:effectLst/>
                 <a:uFillTx/>
                 <a:latin typeface="Open Sans"/>
                 <a:ea typeface="Arial"/>
               </a:rPr>
-              <a:t>Achieving a baseline model is non-trivial, requiring  extensive knowledge of the simulator itself.</a:t>
-            </a:r>
-            <a:endParaRPr b="0" lang="en-US" sz="3200" strike="noStrike" u="none">
-              <a:solidFill>
-                <a:srgbClr val="000000"/>
-              </a:solidFill>
+              <a:t>Achieving a baseline model is non-trivial, requiring  extensive knowledge of the simulator itself, often allocating much of the development time to de-coupled, self-guided learning.</a:t>
+            </a:r>
+            <a:endParaRPr b="0" lang="en-US" sz="3200" strike="noStrike" u="none">
+              <a:solidFill>
+                <a:srgbClr val="000000"/>
+              </a:solidFill>
+              <a:effectLst/>
               <a:uFillTx/>
               <a:latin typeface="Arial"/>
             </a:endParaRPr>
@@ -3953,6 +4510,7 @@
               <a:solidFill>
                 <a:srgbClr val="000000"/>
               </a:solidFill>
+              <a:effectLst/>
               <a:uFillTx/>
               <a:latin typeface="Arial"/>
             </a:endParaRPr>
@@ -3967,6 +4525,7 @@
               <a:solidFill>
                 <a:srgbClr val="000000"/>
               </a:solidFill>
+              <a:effectLst/>
               <a:uFillTx/>
               <a:latin typeface="Arial"/>
             </a:endParaRPr>
@@ -3981,6 +4540,7 @@
               <a:solidFill>
                 <a:srgbClr val="000000"/>
               </a:solidFill>
+              <a:effectLst/>
               <a:uFillTx/>
               <a:latin typeface="Arial"/>
             </a:endParaRPr>
@@ -3995,6 +4555,7 @@
               <a:solidFill>
                 <a:srgbClr val="000000"/>
               </a:solidFill>
+              <a:effectLst/>
               <a:uFillTx/>
               <a:latin typeface="Arial"/>
             </a:endParaRPr>
@@ -4009,6 +4570,7 @@
               <a:solidFill>
                 <a:srgbClr val="000000"/>
               </a:solidFill>
+              <a:effectLst/>
               <a:uFillTx/>
               <a:latin typeface="Arial"/>
             </a:endParaRPr>
@@ -4023,6 +4585,7 @@
               <a:solidFill>
                 <a:srgbClr val="000000"/>
               </a:solidFill>
+              <a:effectLst/>
               <a:uFillTx/>
               <a:latin typeface="Arial"/>
             </a:endParaRPr>
@@ -4037,6 +4600,7 @@
               <a:solidFill>
                 <a:srgbClr val="000000"/>
               </a:solidFill>
+              <a:effectLst/>
               <a:uFillTx/>
               <a:latin typeface="Arial"/>
             </a:endParaRPr>
@@ -4051,6 +4615,7 @@
               <a:solidFill>
                 <a:srgbClr val="000000"/>
               </a:solidFill>
+              <a:effectLst/>
               <a:uFillTx/>
               <a:latin typeface="Arial"/>
             </a:endParaRPr>
@@ -4065,6 +4630,7 @@
               <a:solidFill>
                 <a:srgbClr val="000000"/>
               </a:solidFill>
+              <a:effectLst/>
               <a:uFillTx/>
               <a:latin typeface="Arial"/>
             </a:endParaRPr>
@@ -4079,6 +4645,7 @@
               <a:solidFill>
                 <a:srgbClr val="000000"/>
               </a:solidFill>
+              <a:effectLst/>
               <a:uFillTx/>
               <a:latin typeface="Arial"/>
             </a:endParaRPr>
@@ -4092,199 +4659,9 @@
           <p:nvPr/>
         </p:nvSpPr>
         <p:spPr>
-          <a:xfrm>
-            <a:off x="567000" y="25956360"/>
-            <a:ext cx="10165680" cy="5564520"/>
-          </a:xfrm>
-          <a:prstGeom prst="rect">
-            <a:avLst/>
-          </a:prstGeom>
-          <a:solidFill>
-            <a:srgbClr val="ffffff"/>
-          </a:solidFill>
-          <a:ln w="38160">
-            <a:solidFill>
-              <a:srgbClr val="3465a4"/>
-            </a:solidFill>
-            <a:round/>
-          </a:ln>
-        </p:spPr>
-        <p:style>
-          <a:lnRef idx="0"/>
-          <a:fillRef idx="0"/>
-          <a:effectRef idx="0"/>
-          <a:fontRef idx="minor"/>
-        </p:style>
-        <p:txBody>
-          <a:bodyPr lIns="109080" rIns="109080" tIns="64080" bIns="64080" anchor="t">
-            <a:noAutofit/>
-          </a:bodyPr>
-          <a:p>
-            <a:pPr>
-              <a:lnSpc>
-                <a:spcPct val="100000"/>
-              </a:lnSpc>
-            </a:pPr>
-            <a:endParaRPr b="0" lang="en-US" sz="1800" strike="noStrike" u="none">
-              <a:solidFill>
-                <a:srgbClr val="000000"/>
-              </a:solidFill>
-              <a:uFillTx/>
-              <a:latin typeface="Arial"/>
-            </a:endParaRPr>
-          </a:p>
-          <a:p>
-            <a:pPr>
-              <a:lnSpc>
-                <a:spcPct val="100000"/>
-              </a:lnSpc>
-            </a:pPr>
-            <a:endParaRPr b="0" lang="en-US" sz="3200" strike="noStrike" u="none">
-              <a:solidFill>
-                <a:srgbClr val="000000"/>
-              </a:solidFill>
-              <a:uFillTx/>
-              <a:latin typeface="Arial"/>
-            </a:endParaRPr>
-          </a:p>
-          <a:p>
-            <a:pPr>
-              <a:lnSpc>
-                <a:spcPct val="100000"/>
-              </a:lnSpc>
-            </a:pPr>
-            <a:endParaRPr b="0" lang="en-US" sz="3200" strike="noStrike" u="none">
-              <a:solidFill>
-                <a:srgbClr val="000000"/>
-              </a:solidFill>
-              <a:uFillTx/>
-              <a:latin typeface="Arial"/>
-            </a:endParaRPr>
-          </a:p>
-          <a:p>
-            <a:pPr>
-              <a:lnSpc>
-                <a:spcPct val="100000"/>
-              </a:lnSpc>
-            </a:pPr>
-            <a:endParaRPr b="0" lang="en-US" sz="3200" strike="noStrike" u="none">
-              <a:solidFill>
-                <a:srgbClr val="000000"/>
-              </a:solidFill>
-              <a:uFillTx/>
-              <a:latin typeface="Arial"/>
-            </a:endParaRPr>
-          </a:p>
-          <a:p>
-            <a:pPr>
-              <a:lnSpc>
-                <a:spcPct val="100000"/>
-              </a:lnSpc>
-            </a:pPr>
-            <a:endParaRPr b="0" lang="en-US" sz="3200" strike="noStrike" u="none">
-              <a:solidFill>
-                <a:srgbClr val="000000"/>
-              </a:solidFill>
-              <a:uFillTx/>
-              <a:latin typeface="Arial"/>
-            </a:endParaRPr>
-          </a:p>
-          <a:p>
-            <a:pPr>
-              <a:lnSpc>
-                <a:spcPct val="100000"/>
-              </a:lnSpc>
-            </a:pPr>
-            <a:endParaRPr b="0" lang="en-US" sz="3200" strike="noStrike" u="none">
-              <a:solidFill>
-                <a:srgbClr val="000000"/>
-              </a:solidFill>
-              <a:uFillTx/>
-              <a:latin typeface="Arial"/>
-            </a:endParaRPr>
-          </a:p>
-          <a:p>
-            <a:pPr>
-              <a:lnSpc>
-                <a:spcPct val="100000"/>
-              </a:lnSpc>
-            </a:pPr>
-            <a:endParaRPr b="0" lang="en-US" sz="3200" strike="noStrike" u="none">
-              <a:solidFill>
-                <a:srgbClr val="000000"/>
-              </a:solidFill>
-              <a:uFillTx/>
-              <a:latin typeface="Arial"/>
-            </a:endParaRPr>
-          </a:p>
-          <a:p>
-            <a:pPr>
-              <a:lnSpc>
-                <a:spcPct val="100000"/>
-              </a:lnSpc>
-            </a:pPr>
-            <a:endParaRPr b="0" lang="en-US" sz="3200" strike="noStrike" u="none">
-              <a:solidFill>
-                <a:srgbClr val="000000"/>
-              </a:solidFill>
-              <a:uFillTx/>
-              <a:latin typeface="Arial"/>
-            </a:endParaRPr>
-          </a:p>
-          <a:p>
-            <a:pPr>
-              <a:lnSpc>
-                <a:spcPct val="100000"/>
-              </a:lnSpc>
-            </a:pPr>
-            <a:endParaRPr b="0" lang="en-US" sz="3200" strike="noStrike" u="none">
-              <a:solidFill>
-                <a:srgbClr val="000000"/>
-              </a:solidFill>
-              <a:uFillTx/>
-              <a:latin typeface="Arial"/>
-            </a:endParaRPr>
-          </a:p>
-          <a:p>
-            <a:pPr>
-              <a:lnSpc>
-                <a:spcPct val="100000"/>
-              </a:lnSpc>
-            </a:pPr>
-            <a:endParaRPr b="0" lang="en-US" sz="3200" strike="noStrike" u="none">
-              <a:solidFill>
-                <a:srgbClr val="000000"/>
-              </a:solidFill>
-              <a:uFillTx/>
-              <a:latin typeface="Arial"/>
-            </a:endParaRPr>
-          </a:p>
-          <a:p>
-            <a:pPr>
-              <a:lnSpc>
-                <a:spcPct val="100000"/>
-              </a:lnSpc>
-            </a:pPr>
-            <a:endParaRPr b="0" lang="en-US" sz="3200" strike="noStrike" u="none">
-              <a:solidFill>
-                <a:srgbClr val="000000"/>
-              </a:solidFill>
-              <a:uFillTx/>
-              <a:latin typeface="Arial"/>
-            </a:endParaRPr>
-          </a:p>
-        </p:txBody>
-      </p:sp>
-      <p:sp>
-        <p:nvSpPr>
-          <p:cNvPr id="41" name=""/>
-          <p:cNvSpPr/>
-          <p:nvPr/>
-        </p:nvSpPr>
-        <p:spPr>
-          <a:xfrm rot="16241400">
-            <a:off x="504000" y="20546640"/>
-            <a:ext cx="3304440" cy="1767960"/>
+          <a:xfrm rot="16200000">
+            <a:off x="360000" y="20547360"/>
+            <a:ext cx="3303000" cy="1766520"/>
           </a:xfrm>
           <a:prstGeom prst="rightArrow">
             <a:avLst>
@@ -4322,6 +4699,7 @@
                 <a:solidFill>
                   <a:srgbClr val="000000"/>
                 </a:solidFill>
+                <a:effectLst/>
                 <a:uFillTx/>
                 <a:latin typeface="Open Sans"/>
                 <a:ea typeface="Arial"/>
@@ -4332,21 +4710,22 @@
               <a:solidFill>
                 <a:srgbClr val="000000"/>
               </a:solidFill>
-              <a:uFillTx/>
-              <a:latin typeface="Arial"/>
-            </a:endParaRPr>
-          </a:p>
-        </p:txBody>
-      </p:sp>
-      <p:sp>
-        <p:nvSpPr>
-          <p:cNvPr id="42" name=""/>
-          <p:cNvSpPr/>
-          <p:nvPr/>
-        </p:nvSpPr>
-        <p:spPr>
-          <a:xfrm>
-            <a:off x="3198600" y="20604960"/>
+              <a:effectLst/>
+              <a:uFillTx/>
+              <a:latin typeface="Arial"/>
+            </a:endParaRPr>
+          </a:p>
+        </p:txBody>
+      </p:sp>
+      <p:sp>
+        <p:nvSpPr>
+          <p:cNvPr id="41" name=""/>
+          <p:cNvSpPr/>
+          <p:nvPr/>
+        </p:nvSpPr>
+        <p:spPr>
+          <a:xfrm>
+            <a:off x="3450600" y="20604960"/>
             <a:ext cx="6400080" cy="360"/>
           </a:xfrm>
           <a:prstGeom prst="line">
@@ -4374,6 +4753,7 @@
               <a:solidFill>
                 <a:srgbClr val="000000"/>
               </a:solidFill>
+              <a:effectLst/>
               <a:uFillTx/>
               <a:latin typeface="Arial"/>
               <a:ea typeface="Arial"/>
@@ -4383,14 +4763,14 @@
       </p:sp>
       <p:sp>
         <p:nvSpPr>
-          <p:cNvPr id="43" name=""/>
-          <p:cNvSpPr/>
-          <p:nvPr/>
-        </p:nvSpPr>
-        <p:spPr>
-          <a:xfrm>
-            <a:off x="4019400" y="19847880"/>
-            <a:ext cx="4492080" cy="747720"/>
+          <p:cNvPr id="42" name=""/>
+          <p:cNvSpPr/>
+          <p:nvPr/>
+        </p:nvSpPr>
+        <p:spPr>
+          <a:xfrm>
+            <a:off x="4271400" y="19847880"/>
+            <a:ext cx="4490640" cy="746280"/>
           </a:xfrm>
           <a:prstGeom prst="rect">
             <a:avLst/>
@@ -4425,31 +4805,33 @@
                 <a:solidFill>
                   <a:srgbClr val="000000"/>
                 </a:solidFill>
+                <a:effectLst/>
                 <a:uFillTx/>
                 <a:latin typeface="Arial"/>
                 <a:ea typeface="Arial"/>
               </a:rPr>
-              <a:t>Fabrication</a:t>
-            </a:r>
-            <a:endParaRPr b="0" lang="en-US" sz="3200" strike="noStrike" u="none">
-              <a:solidFill>
-                <a:srgbClr val="000000"/>
-              </a:solidFill>
-              <a:uFillTx/>
-              <a:latin typeface="Arial"/>
-            </a:endParaRPr>
-          </a:p>
-        </p:txBody>
-      </p:sp>
-      <p:sp>
-        <p:nvSpPr>
-          <p:cNvPr id="44" name=""/>
-          <p:cNvSpPr/>
-          <p:nvPr/>
-        </p:nvSpPr>
-        <p:spPr>
-          <a:xfrm>
-            <a:off x="3198600" y="21828960"/>
+              <a:t>ASIC</a:t>
+            </a:r>
+            <a:endParaRPr b="0" lang="en-US" sz="3200" strike="noStrike" u="none">
+              <a:solidFill>
+                <a:srgbClr val="000000"/>
+              </a:solidFill>
+              <a:effectLst/>
+              <a:uFillTx/>
+              <a:latin typeface="Arial"/>
+            </a:endParaRPr>
+          </a:p>
+        </p:txBody>
+      </p:sp>
+      <p:sp>
+        <p:nvSpPr>
+          <p:cNvPr id="43" name=""/>
+          <p:cNvSpPr/>
+          <p:nvPr/>
+        </p:nvSpPr>
+        <p:spPr>
+          <a:xfrm>
+            <a:off x="3450600" y="21828960"/>
             <a:ext cx="6400080" cy="360"/>
           </a:xfrm>
           <a:prstGeom prst="line">
@@ -4477,6 +4859,7 @@
               <a:solidFill>
                 <a:srgbClr val="000000"/>
               </a:solidFill>
+              <a:effectLst/>
               <a:uFillTx/>
               <a:latin typeface="Arial"/>
               <a:ea typeface="Arial"/>
@@ -4486,14 +4869,14 @@
       </p:sp>
       <p:sp>
         <p:nvSpPr>
-          <p:cNvPr id="45" name=""/>
-          <p:cNvSpPr/>
-          <p:nvPr/>
-        </p:nvSpPr>
-        <p:spPr>
-          <a:xfrm>
-            <a:off x="4019400" y="21071880"/>
-            <a:ext cx="4492080" cy="747720"/>
+          <p:cNvPr id="44" name=""/>
+          <p:cNvSpPr/>
+          <p:nvPr/>
+        </p:nvSpPr>
+        <p:spPr>
+          <a:xfrm>
+            <a:off x="4271400" y="21071880"/>
+            <a:ext cx="4490640" cy="746280"/>
           </a:xfrm>
           <a:prstGeom prst="rect">
             <a:avLst/>
@@ -4528,6 +4911,7 @@
                 <a:solidFill>
                   <a:srgbClr val="000000"/>
                 </a:solidFill>
+                <a:effectLst/>
                 <a:uFillTx/>
                 <a:latin typeface="Arial"/>
                 <a:ea typeface="Arial"/>
@@ -4538,21 +4922,22 @@
               <a:solidFill>
                 <a:srgbClr val="000000"/>
               </a:solidFill>
-              <a:uFillTx/>
-              <a:latin typeface="Arial"/>
-            </a:endParaRPr>
-          </a:p>
-        </p:txBody>
-      </p:sp>
-      <p:sp>
-        <p:nvSpPr>
-          <p:cNvPr id="46" name=""/>
-          <p:cNvSpPr/>
-          <p:nvPr/>
-        </p:nvSpPr>
-        <p:spPr>
-          <a:xfrm>
-            <a:off x="3198600" y="23160960"/>
+              <a:effectLst/>
+              <a:uFillTx/>
+              <a:latin typeface="Arial"/>
+            </a:endParaRPr>
+          </a:p>
+        </p:txBody>
+      </p:sp>
+      <p:sp>
+        <p:nvSpPr>
+          <p:cNvPr id="45" name=""/>
+          <p:cNvSpPr/>
+          <p:nvPr/>
+        </p:nvSpPr>
+        <p:spPr>
+          <a:xfrm>
+            <a:off x="3450600" y="23160960"/>
             <a:ext cx="6400080" cy="360"/>
           </a:xfrm>
           <a:prstGeom prst="line">
@@ -4580,6 +4965,7 @@
               <a:solidFill>
                 <a:srgbClr val="000000"/>
               </a:solidFill>
+              <a:effectLst/>
               <a:uFillTx/>
               <a:latin typeface="Arial"/>
               <a:ea typeface="Arial"/>
@@ -4589,14 +4975,14 @@
       </p:sp>
       <p:sp>
         <p:nvSpPr>
-          <p:cNvPr id="47" name=""/>
-          <p:cNvSpPr/>
-          <p:nvPr/>
-        </p:nvSpPr>
-        <p:spPr>
-          <a:xfrm>
-            <a:off x="4019400" y="22403880"/>
-            <a:ext cx="4492080" cy="747720"/>
+          <p:cNvPr id="46" name=""/>
+          <p:cNvSpPr/>
+          <p:nvPr/>
+        </p:nvSpPr>
+        <p:spPr>
+          <a:xfrm>
+            <a:off x="4271400" y="22403880"/>
+            <a:ext cx="4490640" cy="746280"/>
           </a:xfrm>
           <a:prstGeom prst="rect">
             <a:avLst/>
@@ -4631,32 +5017,34 @@
                 <a:solidFill>
                   <a:srgbClr val="000000"/>
                 </a:solidFill>
+                <a:effectLst/>
                 <a:uFillTx/>
                 <a:latin typeface="Arial"/>
                 <a:ea typeface="Arial"/>
               </a:rPr>
-              <a:t>Simulation</a:t>
-            </a:r>
-            <a:endParaRPr b="0" lang="en-US" sz="3200" strike="noStrike" u="none">
-              <a:solidFill>
-                <a:srgbClr val="000000"/>
-              </a:solidFill>
-              <a:uFillTx/>
-              <a:latin typeface="Arial"/>
-            </a:endParaRPr>
-          </a:p>
-        </p:txBody>
-      </p:sp>
-      <p:sp>
-        <p:nvSpPr>
-          <p:cNvPr id="48" name=""/>
-          <p:cNvSpPr/>
-          <p:nvPr/>
-        </p:nvSpPr>
-        <p:spPr>
-          <a:xfrm>
-            <a:off x="2786760" y="26253000"/>
-            <a:ext cx="2630160" cy="2130840"/>
+              <a:t>CPU</a:t>
+            </a:r>
+            <a:endParaRPr b="0" lang="en-US" sz="3200" strike="noStrike" u="none">
+              <a:solidFill>
+                <a:srgbClr val="000000"/>
+              </a:solidFill>
+              <a:effectLst/>
+              <a:uFillTx/>
+              <a:latin typeface="Arial"/>
+            </a:endParaRPr>
+          </a:p>
+        </p:txBody>
+      </p:sp>
+      <p:sp>
+        <p:nvSpPr>
+          <p:cNvPr id="47" name=""/>
+          <p:cNvSpPr/>
+          <p:nvPr/>
+        </p:nvSpPr>
+        <p:spPr>
+          <a:xfrm>
+            <a:off x="35446320" y="8290800"/>
+            <a:ext cx="2628720" cy="2129400"/>
           </a:xfrm>
           <a:prstGeom prst="rect">
             <a:avLst/>
@@ -4691,6 +5079,7 @@
                 <a:solidFill>
                   <a:srgbClr val="000000"/>
                 </a:solidFill>
+                <a:effectLst/>
                 <a:uFillTx/>
                 <a:latin typeface="Arial"/>
                 <a:ea typeface="Arial"/>
@@ -4701,22 +5090,23 @@
               <a:solidFill>
                 <a:srgbClr val="000000"/>
               </a:solidFill>
-              <a:uFillTx/>
-              <a:latin typeface="Arial"/>
-            </a:endParaRPr>
-          </a:p>
-        </p:txBody>
-      </p:sp>
-      <p:sp>
-        <p:nvSpPr>
-          <p:cNvPr id="49" name=""/>
-          <p:cNvSpPr/>
-          <p:nvPr/>
-        </p:nvSpPr>
-        <p:spPr>
-          <a:xfrm>
-            <a:off x="2878560" y="26821440"/>
-            <a:ext cx="874080" cy="640800"/>
+              <a:effectLst/>
+              <a:uFillTx/>
+              <a:latin typeface="Arial"/>
+            </a:endParaRPr>
+          </a:p>
+        </p:txBody>
+      </p:sp>
+      <p:sp>
+        <p:nvSpPr>
+          <p:cNvPr id="48" name=""/>
+          <p:cNvSpPr/>
+          <p:nvPr/>
+        </p:nvSpPr>
+        <p:spPr>
+          <a:xfrm>
+            <a:off x="35538120" y="8859240"/>
+            <a:ext cx="872640" cy="639360"/>
           </a:xfrm>
           <a:prstGeom prst="rect">
             <a:avLst/>
@@ -4751,6 +5141,7 @@
                 <a:solidFill>
                   <a:srgbClr val="000000"/>
                 </a:solidFill>
+                <a:effectLst/>
                 <a:uFillTx/>
                 <a:latin typeface="Arial"/>
                 <a:ea typeface="Arial"/>
@@ -4761,22 +5152,23 @@
               <a:solidFill>
                 <a:srgbClr val="000000"/>
               </a:solidFill>
-              <a:uFillTx/>
-              <a:latin typeface="Arial"/>
-            </a:endParaRPr>
-          </a:p>
-        </p:txBody>
-      </p:sp>
-      <p:sp>
-        <p:nvSpPr>
-          <p:cNvPr id="50" name=""/>
-          <p:cNvSpPr/>
-          <p:nvPr/>
-        </p:nvSpPr>
-        <p:spPr>
-          <a:xfrm>
-            <a:off x="4446000" y="26821440"/>
-            <a:ext cx="873720" cy="640800"/>
+              <a:effectLst/>
+              <a:uFillTx/>
+              <a:latin typeface="Arial"/>
+            </a:endParaRPr>
+          </a:p>
+        </p:txBody>
+      </p:sp>
+      <p:sp>
+        <p:nvSpPr>
+          <p:cNvPr id="49" name=""/>
+          <p:cNvSpPr/>
+          <p:nvPr/>
+        </p:nvSpPr>
+        <p:spPr>
+          <a:xfrm>
+            <a:off x="37105560" y="8859240"/>
+            <a:ext cx="872280" cy="639360"/>
           </a:xfrm>
           <a:prstGeom prst="rect">
             <a:avLst/>
@@ -4811,6 +5203,7 @@
                 <a:solidFill>
                   <a:srgbClr val="000000"/>
                 </a:solidFill>
+                <a:effectLst/>
                 <a:uFillTx/>
                 <a:latin typeface="Arial"/>
                 <a:ea typeface="Arial"/>
@@ -4821,22 +5214,23 @@
               <a:solidFill>
                 <a:srgbClr val="000000"/>
               </a:solidFill>
-              <a:uFillTx/>
-              <a:latin typeface="Arial"/>
-            </a:endParaRPr>
-          </a:p>
-        </p:txBody>
-      </p:sp>
-      <p:sp>
-        <p:nvSpPr>
-          <p:cNvPr id="51" name=""/>
-          <p:cNvSpPr/>
-          <p:nvPr/>
-        </p:nvSpPr>
-        <p:spPr>
-          <a:xfrm>
-            <a:off x="2970720" y="27689760"/>
-            <a:ext cx="2246040" cy="640800"/>
+              <a:effectLst/>
+              <a:uFillTx/>
+              <a:latin typeface="Arial"/>
+            </a:endParaRPr>
+          </a:p>
+        </p:txBody>
+      </p:sp>
+      <p:sp>
+        <p:nvSpPr>
+          <p:cNvPr id="50" name=""/>
+          <p:cNvSpPr/>
+          <p:nvPr/>
+        </p:nvSpPr>
+        <p:spPr>
+          <a:xfrm>
+            <a:off x="35630280" y="9727560"/>
+            <a:ext cx="2244600" cy="639360"/>
           </a:xfrm>
           <a:prstGeom prst="rect">
             <a:avLst/>
@@ -4871,6 +5265,7 @@
                 <a:solidFill>
                   <a:srgbClr val="000000"/>
                 </a:solidFill>
+                <a:effectLst/>
                 <a:uFillTx/>
                 <a:latin typeface="Arial"/>
                 <a:ea typeface="Arial"/>
@@ -4881,6 +5276,7 @@
               <a:solidFill>
                 <a:srgbClr val="000000"/>
               </a:solidFill>
+              <a:effectLst/>
               <a:uFillTx/>
               <a:latin typeface="Arial"/>
             </a:endParaRPr>
@@ -4896,51 +5292,42 @@
                 <a:solidFill>
                   <a:srgbClr val="000000"/>
                 </a:solidFill>
+                <a:effectLst/>
                 <a:uFillTx/>
                 <a:latin typeface="Arial"/>
                 <a:ea typeface="Arial"/>
               </a:rPr>
-              <a:t> </a:t>
-            </a:r>
-            <a:r>
-              <a:rPr b="0" lang="en-US" sz="2000" strike="noStrike" u="none">
-                <a:solidFill>
-                  <a:srgbClr val="000000"/>
-                </a:solidFill>
-                <a:uFillTx/>
-                <a:latin typeface="Arial"/>
-                <a:ea typeface="Arial"/>
-              </a:rPr>
-              <a:t>(OS)</a:t>
+              <a:t> (OS)</a:t>
             </a:r>
             <a:endParaRPr b="0" lang="en-US" sz="2000" strike="noStrike" u="none">
               <a:solidFill>
                 <a:srgbClr val="000000"/>
               </a:solidFill>
-              <a:uFillTx/>
-              <a:latin typeface="Arial"/>
-            </a:endParaRPr>
-          </a:p>
-        </p:txBody>
-      </p:sp>
-      <p:sp>
-        <p:nvSpPr>
-          <p:cNvPr id="52" name=""/>
-          <p:cNvSpPr/>
-          <p:nvPr/>
-        </p:nvSpPr>
-        <p:spPr>
-          <a:xfrm>
-            <a:off x="5647680" y="26253000"/>
-            <a:ext cx="2337120" cy="2130840"/>
+              <a:effectLst/>
+              <a:uFillTx/>
+              <a:latin typeface="Arial"/>
+            </a:endParaRPr>
+          </a:p>
+        </p:txBody>
+      </p:sp>
+      <p:sp>
+        <p:nvSpPr>
+          <p:cNvPr id="51" name=""/>
+          <p:cNvSpPr/>
+          <p:nvPr/>
+        </p:nvSpPr>
+        <p:spPr>
+          <a:xfrm>
+            <a:off x="38307240" y="8290800"/>
+            <a:ext cx="2335680" cy="2129400"/>
           </a:xfrm>
           <a:custGeom>
             <a:avLst/>
             <a:gdLst>
-              <a:gd name="textAreaLeft" fmla="*/ 113760 w 2337120"/>
-              <a:gd name="textAreaRight" fmla="*/ 2226960 w 2337120"/>
-              <a:gd name="textAreaTop" fmla="*/ 97560 h 2130840"/>
-              <a:gd name="textAreaBottom" fmla="*/ 2036880 h 2130840"/>
+              <a:gd name="textAreaLeft" fmla="*/ 113760 w 2335680"/>
+              <a:gd name="textAreaRight" fmla="*/ 2226960 w 2335680"/>
+              <a:gd name="textAreaTop" fmla="*/ 97560 h 2129400"/>
+              <a:gd name="textAreaBottom" fmla="*/ 2036880 h 2129400"/>
             </a:gdLst>
             <a:ahLst/>
             <a:rect l="textAreaLeft" t="textAreaTop" r="textAreaRight" b="textAreaBottom"/>
@@ -4996,6 +5383,7 @@
                 <a:solidFill>
                   <a:srgbClr val="000000"/>
                 </a:solidFill>
+                <a:effectLst/>
                 <a:uFillTx/>
                 <a:latin typeface="Arial"/>
                 <a:ea typeface="Arial"/>
@@ -5006,22 +5394,23 @@
               <a:solidFill>
                 <a:srgbClr val="000000"/>
               </a:solidFill>
-              <a:uFillTx/>
-              <a:latin typeface="Arial"/>
-            </a:endParaRPr>
-          </a:p>
-        </p:txBody>
-      </p:sp>
-      <p:sp>
-        <p:nvSpPr>
-          <p:cNvPr id="53" name=""/>
-          <p:cNvSpPr/>
-          <p:nvPr/>
-        </p:nvSpPr>
-        <p:spPr>
-          <a:xfrm>
-            <a:off x="5870520" y="26821440"/>
-            <a:ext cx="1913400" cy="640800"/>
+              <a:effectLst/>
+              <a:uFillTx/>
+              <a:latin typeface="Arial"/>
+            </a:endParaRPr>
+          </a:p>
+        </p:txBody>
+      </p:sp>
+      <p:sp>
+        <p:nvSpPr>
+          <p:cNvPr id="52" name=""/>
+          <p:cNvSpPr/>
+          <p:nvPr/>
+        </p:nvSpPr>
+        <p:spPr>
+          <a:xfrm>
+            <a:off x="38530080" y="8859240"/>
+            <a:ext cx="1911960" cy="639360"/>
           </a:xfrm>
           <a:prstGeom prst="rect">
             <a:avLst/>
@@ -5056,6 +5445,7 @@
                 <a:solidFill>
                   <a:srgbClr val="000000"/>
                 </a:solidFill>
+                <a:effectLst/>
                 <a:uFillTx/>
                 <a:latin typeface="Arial"/>
                 <a:ea typeface="Arial"/>
@@ -5066,22 +5456,23 @@
               <a:solidFill>
                 <a:srgbClr val="000000"/>
               </a:solidFill>
-              <a:uFillTx/>
-              <a:latin typeface="Arial"/>
-            </a:endParaRPr>
-          </a:p>
-        </p:txBody>
-      </p:sp>
-      <p:sp>
-        <p:nvSpPr>
-          <p:cNvPr id="54" name=""/>
-          <p:cNvSpPr/>
-          <p:nvPr/>
-        </p:nvSpPr>
-        <p:spPr>
-          <a:xfrm>
-            <a:off x="5778720" y="27677520"/>
-            <a:ext cx="2113920" cy="534600"/>
+              <a:effectLst/>
+              <a:uFillTx/>
+              <a:latin typeface="Arial"/>
+            </a:endParaRPr>
+          </a:p>
+        </p:txBody>
+      </p:sp>
+      <p:sp>
+        <p:nvSpPr>
+          <p:cNvPr id="53" name=""/>
+          <p:cNvSpPr/>
+          <p:nvPr/>
+        </p:nvSpPr>
+        <p:spPr>
+          <a:xfrm>
+            <a:off x="38438280" y="9715320"/>
+            <a:ext cx="2112480" cy="533160"/>
           </a:xfrm>
           <a:prstGeom prst="rect">
             <a:avLst/>
@@ -5116,6 +5507,7 @@
                 <a:solidFill>
                   <a:srgbClr val="000000"/>
                 </a:solidFill>
+                <a:effectLst/>
                 <a:uFillTx/>
                 <a:latin typeface="Arial"/>
                 <a:ea typeface="Arial"/>
@@ -5126,30 +5518,31 @@
               <a:solidFill>
                 <a:srgbClr val="000000"/>
               </a:solidFill>
-              <a:uFillTx/>
-              <a:latin typeface="Arial"/>
-            </a:endParaRPr>
-          </a:p>
-        </p:txBody>
-      </p:sp>
-      <p:sp>
-        <p:nvSpPr>
-          <p:cNvPr id="55" name=""/>
-          <p:cNvSpPr/>
-          <p:nvPr/>
-        </p:nvSpPr>
-        <p:spPr>
-          <a:xfrm>
-            <a:off x="8233560" y="26253360"/>
-            <a:ext cx="1786680" cy="2130480"/>
+              <a:effectLst/>
+              <a:uFillTx/>
+              <a:latin typeface="Arial"/>
+            </a:endParaRPr>
+          </a:p>
+        </p:txBody>
+      </p:sp>
+      <p:sp>
+        <p:nvSpPr>
+          <p:cNvPr id="54" name=""/>
+          <p:cNvSpPr/>
+          <p:nvPr/>
+        </p:nvSpPr>
+        <p:spPr>
+          <a:xfrm>
+            <a:off x="40893120" y="8291160"/>
+            <a:ext cx="1785240" cy="2129040"/>
           </a:xfrm>
           <a:custGeom>
             <a:avLst/>
             <a:gdLst>
-              <a:gd name="textAreaLeft" fmla="*/ 86760 w 1786680"/>
-              <a:gd name="textAreaRight" fmla="*/ 1703520 w 1786680"/>
-              <a:gd name="textAreaTop" fmla="*/ 74520 h 2130480"/>
-              <a:gd name="textAreaBottom" fmla="*/ 2059560 h 2130480"/>
+              <a:gd name="textAreaLeft" fmla="*/ 86760 w 1785240"/>
+              <a:gd name="textAreaRight" fmla="*/ 1703520 w 1785240"/>
+              <a:gd name="textAreaTop" fmla="*/ 74520 h 2129040"/>
+              <a:gd name="textAreaBottom" fmla="*/ 2059560 h 2129040"/>
             </a:gdLst>
             <a:ahLst/>
             <a:rect l="textAreaLeft" t="textAreaTop" r="textAreaRight" b="textAreaBottom"/>
@@ -5205,6 +5598,7 @@
                 <a:solidFill>
                   <a:srgbClr val="000000"/>
                 </a:solidFill>
+                <a:effectLst/>
                 <a:uFillTx/>
                 <a:latin typeface="Arial"/>
                 <a:ea typeface="Arial"/>
@@ -5215,22 +5609,23 @@
               <a:solidFill>
                 <a:srgbClr val="000000"/>
               </a:solidFill>
-              <a:uFillTx/>
-              <a:latin typeface="Arial"/>
-            </a:endParaRPr>
-          </a:p>
-        </p:txBody>
-      </p:sp>
-      <p:sp>
-        <p:nvSpPr>
-          <p:cNvPr id="56" name=""/>
-          <p:cNvSpPr/>
-          <p:nvPr/>
-        </p:nvSpPr>
-        <p:spPr>
-          <a:xfrm>
-            <a:off x="8425440" y="26822160"/>
-            <a:ext cx="1343160" cy="640440"/>
+              <a:effectLst/>
+              <a:uFillTx/>
+              <a:latin typeface="Arial"/>
+            </a:endParaRPr>
+          </a:p>
+        </p:txBody>
+      </p:sp>
+      <p:sp>
+        <p:nvSpPr>
+          <p:cNvPr id="55" name=""/>
+          <p:cNvSpPr/>
+          <p:nvPr/>
+        </p:nvSpPr>
+        <p:spPr>
+          <a:xfrm>
+            <a:off x="41085000" y="8859960"/>
+            <a:ext cx="1341720" cy="639000"/>
           </a:xfrm>
           <a:prstGeom prst="rect">
             <a:avLst/>
@@ -5265,6 +5660,7 @@
                 <a:solidFill>
                   <a:srgbClr val="000000"/>
                 </a:solidFill>
+                <a:effectLst/>
                 <a:uFillTx/>
                 <a:latin typeface="Arial"/>
                 <a:ea typeface="Arial"/>
@@ -5275,22 +5671,23 @@
               <a:solidFill>
                 <a:srgbClr val="000000"/>
               </a:solidFill>
-              <a:uFillTx/>
-              <a:latin typeface="Arial"/>
-            </a:endParaRPr>
-          </a:p>
-        </p:txBody>
-      </p:sp>
-      <p:sp>
-        <p:nvSpPr>
-          <p:cNvPr id="57" name=""/>
-          <p:cNvSpPr/>
-          <p:nvPr/>
-        </p:nvSpPr>
-        <p:spPr>
-          <a:xfrm>
-            <a:off x="8346600" y="27677880"/>
-            <a:ext cx="1422000" cy="534600"/>
+              <a:effectLst/>
+              <a:uFillTx/>
+              <a:latin typeface="Arial"/>
+            </a:endParaRPr>
+          </a:p>
+        </p:txBody>
+      </p:sp>
+      <p:sp>
+        <p:nvSpPr>
+          <p:cNvPr id="56" name=""/>
+          <p:cNvSpPr/>
+          <p:nvPr/>
+        </p:nvSpPr>
+        <p:spPr>
+          <a:xfrm>
+            <a:off x="41006160" y="9715680"/>
+            <a:ext cx="1420560" cy="533160"/>
           </a:xfrm>
           <a:prstGeom prst="rect">
             <a:avLst/>
@@ -5325,6 +5722,7 @@
                 <a:solidFill>
                   <a:srgbClr val="000000"/>
                 </a:solidFill>
+                <a:effectLst/>
                 <a:uFillTx/>
                 <a:latin typeface="Arial"/>
                 <a:ea typeface="Arial"/>
@@ -5335,21 +5733,22 @@
               <a:solidFill>
                 <a:srgbClr val="000000"/>
               </a:solidFill>
-              <a:uFillTx/>
-              <a:latin typeface="Arial"/>
-            </a:endParaRPr>
-          </a:p>
-        </p:txBody>
-      </p:sp>
-      <p:sp>
-        <p:nvSpPr>
-          <p:cNvPr id="58" name=""/>
+              <a:effectLst/>
+              <a:uFillTx/>
+              <a:latin typeface="Arial"/>
+            </a:endParaRPr>
+          </a:p>
+        </p:txBody>
+      </p:sp>
+      <p:sp>
+        <p:nvSpPr>
+          <p:cNvPr id="57" name=""/>
           <p:cNvSpPr/>
           <p:nvPr/>
         </p:nvSpPr>
         <p:spPr>
           <a:xfrm flipV="1">
-            <a:off x="1217160" y="27505800"/>
+            <a:off x="33876720" y="9543600"/>
             <a:ext cx="8887680" cy="53640"/>
           </a:xfrm>
           <a:prstGeom prst="line">
@@ -5378,6 +5777,7 @@
               <a:solidFill>
                 <a:srgbClr val="000000"/>
               </a:solidFill>
+              <a:effectLst/>
               <a:uFillTx/>
               <a:latin typeface="Arial"/>
               <a:ea typeface="Arial"/>
@@ -5387,13 +5787,13 @@
       </p:sp>
       <p:sp>
         <p:nvSpPr>
-          <p:cNvPr id="59" name=""/>
+          <p:cNvPr id="58" name=""/>
           <p:cNvSpPr/>
           <p:nvPr/>
         </p:nvSpPr>
         <p:spPr>
           <a:xfrm flipV="1">
-            <a:off x="1217520" y="28374120"/>
+            <a:off x="33877080" y="10411920"/>
             <a:ext cx="8888040" cy="53640"/>
           </a:xfrm>
           <a:prstGeom prst="line">
@@ -5422,6 +5822,7 @@
               <a:solidFill>
                 <a:srgbClr val="000000"/>
               </a:solidFill>
+              <a:effectLst/>
               <a:uFillTx/>
               <a:latin typeface="Arial"/>
               <a:ea typeface="Arial"/>
@@ -5431,14 +5832,14 @@
       </p:sp>
       <p:sp>
         <p:nvSpPr>
-          <p:cNvPr id="60" name=""/>
-          <p:cNvSpPr/>
-          <p:nvPr/>
-        </p:nvSpPr>
-        <p:spPr>
-          <a:xfrm>
-            <a:off x="2701440" y="28627560"/>
-            <a:ext cx="7475040" cy="1467000"/>
+          <p:cNvPr id="59" name=""/>
+          <p:cNvSpPr/>
+          <p:nvPr/>
+        </p:nvSpPr>
+        <p:spPr>
+          <a:xfrm>
+            <a:off x="35361000" y="10665360"/>
+            <a:ext cx="7473600" cy="1465560"/>
           </a:xfrm>
           <a:prstGeom prst="roundRect">
             <a:avLst>
@@ -5475,6 +5876,7 @@
               <a:solidFill>
                 <a:srgbClr val="000000"/>
               </a:solidFill>
+              <a:effectLst/>
               <a:uFillTx/>
               <a:latin typeface="Arial"/>
               <a:ea typeface="Arial"/>
@@ -5484,14 +5886,14 @@
       </p:sp>
       <p:sp>
         <p:nvSpPr>
-          <p:cNvPr id="61" name=""/>
-          <p:cNvSpPr/>
-          <p:nvPr/>
-        </p:nvSpPr>
-        <p:spPr>
-          <a:xfrm>
-            <a:off x="2787120" y="28742040"/>
-            <a:ext cx="7267320" cy="496440"/>
+          <p:cNvPr id="60" name=""/>
+          <p:cNvSpPr/>
+          <p:nvPr/>
+        </p:nvSpPr>
+        <p:spPr>
+          <a:xfrm>
+            <a:off x="35446680" y="10779840"/>
+            <a:ext cx="7265880" cy="495000"/>
           </a:xfrm>
           <a:prstGeom prst="rect">
             <a:avLst/>
@@ -5526,6 +5928,7 @@
                 <a:solidFill>
                   <a:srgbClr val="000000"/>
                 </a:solidFill>
+                <a:effectLst/>
                 <a:uFillTx/>
                 <a:latin typeface="Arial"/>
                 <a:ea typeface="Arial"/>
@@ -5536,22 +5939,23 @@
               <a:solidFill>
                 <a:srgbClr val="000000"/>
               </a:solidFill>
-              <a:uFillTx/>
-              <a:latin typeface="Arial"/>
-            </a:endParaRPr>
-          </a:p>
-        </p:txBody>
-      </p:sp>
-      <p:sp>
-        <p:nvSpPr>
-          <p:cNvPr id="62" name=""/>
-          <p:cNvSpPr/>
-          <p:nvPr/>
-        </p:nvSpPr>
-        <p:spPr>
-          <a:xfrm>
-            <a:off x="1210320" y="29341440"/>
-            <a:ext cx="1499760" cy="747360"/>
+              <a:effectLst/>
+              <a:uFillTx/>
+              <a:latin typeface="Arial"/>
+            </a:endParaRPr>
+          </a:p>
+        </p:txBody>
+      </p:sp>
+      <p:sp>
+        <p:nvSpPr>
+          <p:cNvPr id="61" name=""/>
+          <p:cNvSpPr/>
+          <p:nvPr/>
+        </p:nvSpPr>
+        <p:spPr>
+          <a:xfrm>
+            <a:off x="33869880" y="11379240"/>
+            <a:ext cx="1498320" cy="745920"/>
           </a:xfrm>
           <a:prstGeom prst="rect">
             <a:avLst/>
@@ -5582,6 +5986,7 @@
                 <a:solidFill>
                   <a:srgbClr val="000000"/>
                 </a:solidFill>
+                <a:effectLst/>
                 <a:uFillTx/>
                 <a:latin typeface="Open Sans"/>
                 <a:ea typeface="Arial"/>
@@ -5592,22 +5997,23 @@
               <a:solidFill>
                 <a:srgbClr val="000000"/>
               </a:solidFill>
-              <a:uFillTx/>
-              <a:latin typeface="Arial"/>
-            </a:endParaRPr>
-          </a:p>
-        </p:txBody>
-      </p:sp>
-      <p:sp>
-        <p:nvSpPr>
-          <p:cNvPr id="63" name=""/>
-          <p:cNvSpPr/>
-          <p:nvPr/>
-        </p:nvSpPr>
-        <p:spPr>
-          <a:xfrm>
-            <a:off x="2781360" y="29375280"/>
-            <a:ext cx="7243920" cy="613440"/>
+              <a:effectLst/>
+              <a:uFillTx/>
+              <a:latin typeface="Arial"/>
+            </a:endParaRPr>
+          </a:p>
+        </p:txBody>
+      </p:sp>
+      <p:sp>
+        <p:nvSpPr>
+          <p:cNvPr id="62" name=""/>
+          <p:cNvSpPr/>
+          <p:nvPr/>
+        </p:nvSpPr>
+        <p:spPr>
+          <a:xfrm>
+            <a:off x="35440920" y="11413080"/>
+            <a:ext cx="7242480" cy="612000"/>
           </a:xfrm>
           <a:prstGeom prst="rect">
             <a:avLst/>
@@ -5641,6 +6047,7 @@
               <a:solidFill>
                 <a:srgbClr val="000000"/>
               </a:solidFill>
+              <a:effectLst/>
               <a:uFillTx/>
               <a:latin typeface="Arial"/>
               <a:ea typeface="Arial"/>
@@ -5650,14 +6057,14 @@
       </p:sp>
       <p:sp>
         <p:nvSpPr>
-          <p:cNvPr id="64" name=""/>
-          <p:cNvSpPr/>
-          <p:nvPr/>
-        </p:nvSpPr>
-        <p:spPr>
-          <a:xfrm>
-            <a:off x="2862360" y="29470320"/>
-            <a:ext cx="1929960" cy="438840"/>
+          <p:cNvPr id="63" name=""/>
+          <p:cNvSpPr/>
+          <p:nvPr/>
+        </p:nvSpPr>
+        <p:spPr>
+          <a:xfrm>
+            <a:off x="35521920" y="11508120"/>
+            <a:ext cx="1928520" cy="437400"/>
           </a:xfrm>
           <a:prstGeom prst="rect">
             <a:avLst/>
@@ -5692,6 +6099,7 @@
                 <a:solidFill>
                   <a:srgbClr val="000000"/>
                 </a:solidFill>
+                <a:effectLst/>
                 <a:uFillTx/>
                 <a:latin typeface="Arial"/>
                 <a:ea typeface="Arial"/>
@@ -5702,22 +6110,23 @@
               <a:solidFill>
                 <a:srgbClr val="000000"/>
               </a:solidFill>
-              <a:uFillTx/>
-              <a:latin typeface="Arial"/>
-            </a:endParaRPr>
-          </a:p>
-        </p:txBody>
-      </p:sp>
-      <p:sp>
-        <p:nvSpPr>
-          <p:cNvPr id="65" name=""/>
-          <p:cNvSpPr/>
-          <p:nvPr/>
-        </p:nvSpPr>
-        <p:spPr>
-          <a:xfrm>
-            <a:off x="4926600" y="29470320"/>
-            <a:ext cx="2980440" cy="438840"/>
+              <a:effectLst/>
+              <a:uFillTx/>
+              <a:latin typeface="Arial"/>
+            </a:endParaRPr>
+          </a:p>
+        </p:txBody>
+      </p:sp>
+      <p:sp>
+        <p:nvSpPr>
+          <p:cNvPr id="64" name=""/>
+          <p:cNvSpPr/>
+          <p:nvPr/>
+        </p:nvSpPr>
+        <p:spPr>
+          <a:xfrm>
+            <a:off x="37586160" y="11508120"/>
+            <a:ext cx="2979000" cy="437400"/>
           </a:xfrm>
           <a:prstGeom prst="rect">
             <a:avLst/>
@@ -5752,6 +6161,7 @@
                 <a:solidFill>
                   <a:srgbClr val="000000"/>
                 </a:solidFill>
+                <a:effectLst/>
                 <a:uFillTx/>
                 <a:latin typeface="Arial"/>
                 <a:ea typeface="Arial"/>
@@ -5762,22 +6172,23 @@
               <a:solidFill>
                 <a:srgbClr val="000000"/>
               </a:solidFill>
-              <a:uFillTx/>
-              <a:latin typeface="Arial"/>
-            </a:endParaRPr>
-          </a:p>
-        </p:txBody>
-      </p:sp>
-      <p:sp>
-        <p:nvSpPr>
-          <p:cNvPr id="66" name=""/>
-          <p:cNvSpPr/>
-          <p:nvPr/>
-        </p:nvSpPr>
-        <p:spPr>
-          <a:xfrm>
-            <a:off x="8035560" y="29471400"/>
-            <a:ext cx="1930680" cy="438480"/>
+              <a:effectLst/>
+              <a:uFillTx/>
+              <a:latin typeface="Arial"/>
+            </a:endParaRPr>
+          </a:p>
+        </p:txBody>
+      </p:sp>
+      <p:sp>
+        <p:nvSpPr>
+          <p:cNvPr id="65" name=""/>
+          <p:cNvSpPr/>
+          <p:nvPr/>
+        </p:nvSpPr>
+        <p:spPr>
+          <a:xfrm>
+            <a:off x="40695120" y="11509200"/>
+            <a:ext cx="1929240" cy="437040"/>
           </a:xfrm>
           <a:prstGeom prst="rect">
             <a:avLst/>
@@ -5812,6 +6223,7 @@
                 <a:solidFill>
                   <a:srgbClr val="000000"/>
                 </a:solidFill>
+                <a:effectLst/>
                 <a:uFillTx/>
                 <a:latin typeface="Arial"/>
                 <a:ea typeface="Arial"/>
@@ -5822,21 +6234,22 @@
               <a:solidFill>
                 <a:srgbClr val="000000"/>
               </a:solidFill>
-              <a:uFillTx/>
-              <a:latin typeface="Arial"/>
-            </a:endParaRPr>
-          </a:p>
-        </p:txBody>
-      </p:sp>
-      <p:sp>
-        <p:nvSpPr>
-          <p:cNvPr id="67" name=""/>
-          <p:cNvSpPr/>
-          <p:nvPr/>
-        </p:nvSpPr>
-        <p:spPr>
-          <a:xfrm>
-            <a:off x="6375960" y="30098160"/>
+              <a:effectLst/>
+              <a:uFillTx/>
+              <a:latin typeface="Arial"/>
+            </a:endParaRPr>
+          </a:p>
+        </p:txBody>
+      </p:sp>
+      <p:sp>
+        <p:nvSpPr>
+          <p:cNvPr id="66" name=""/>
+          <p:cNvSpPr/>
+          <p:nvPr/>
+        </p:nvSpPr>
+        <p:spPr>
+          <a:xfrm>
+            <a:off x="39035520" y="12135960"/>
             <a:ext cx="360" cy="523440"/>
           </a:xfrm>
           <a:prstGeom prst="line">
@@ -5864,6 +6277,7 @@
               <a:solidFill>
                 <a:srgbClr val="000000"/>
               </a:solidFill>
+              <a:effectLst/>
               <a:uFillTx/>
               <a:latin typeface="Arial"/>
               <a:ea typeface="Arial"/>
@@ -5873,14 +6287,14 @@
       </p:sp>
       <p:sp>
         <p:nvSpPr>
-          <p:cNvPr id="68" name=""/>
-          <p:cNvSpPr/>
-          <p:nvPr/>
-        </p:nvSpPr>
-        <p:spPr>
-          <a:xfrm>
-            <a:off x="5461560" y="30621600"/>
-            <a:ext cx="1825200" cy="682200"/>
+          <p:cNvPr id="67" name=""/>
+          <p:cNvSpPr/>
+          <p:nvPr/>
+        </p:nvSpPr>
+        <p:spPr>
+          <a:xfrm>
+            <a:off x="38121120" y="12659400"/>
+            <a:ext cx="1823760" cy="680760"/>
           </a:xfrm>
           <a:prstGeom prst="roundRect">
             <a:avLst>
@@ -5916,31 +6330,33 @@
                 <a:solidFill>
                   <a:srgbClr val="000000"/>
                 </a:solidFill>
+                <a:effectLst/>
                 <a:uFillTx/>
                 <a:latin typeface="Arial"/>
                 <a:ea typeface="Arial"/>
               </a:rPr>
-              <a:t>Tools for Extension</a:t>
+              <a:t>Extension Framework</a:t>
             </a:r>
             <a:endParaRPr b="0" lang="en-US" sz="1800" strike="noStrike" u="none">
               <a:solidFill>
                 <a:srgbClr val="000000"/>
               </a:solidFill>
-              <a:uFillTx/>
-              <a:latin typeface="Arial"/>
-            </a:endParaRPr>
-          </a:p>
-        </p:txBody>
-      </p:sp>
-      <p:sp>
-        <p:nvSpPr>
-          <p:cNvPr id="69" name=""/>
+              <a:effectLst/>
+              <a:uFillTx/>
+              <a:latin typeface="Arial"/>
+            </a:endParaRPr>
+          </a:p>
+        </p:txBody>
+      </p:sp>
+      <p:sp>
+        <p:nvSpPr>
+          <p:cNvPr id="68" name=""/>
           <p:cNvSpPr/>
           <p:nvPr/>
         </p:nvSpPr>
         <p:spPr>
           <a:xfrm flipV="1">
-            <a:off x="1217880" y="29282400"/>
+            <a:off x="33877440" y="11320200"/>
             <a:ext cx="8887680" cy="53280"/>
           </a:xfrm>
           <a:prstGeom prst="line">
@@ -5969,6 +6385,7 @@
               <a:solidFill>
                 <a:srgbClr val="000000"/>
               </a:solidFill>
+              <a:effectLst/>
               <a:uFillTx/>
               <a:latin typeface="Arial"/>
               <a:ea typeface="Arial"/>
@@ -5978,14 +6395,14 @@
       </p:sp>
       <p:sp>
         <p:nvSpPr>
-          <p:cNvPr id="70" name=""/>
-          <p:cNvSpPr/>
-          <p:nvPr/>
-        </p:nvSpPr>
-        <p:spPr>
-          <a:xfrm>
-            <a:off x="988560" y="26794440"/>
-            <a:ext cx="1752120" cy="747720"/>
+          <p:cNvPr id="69" name=""/>
+          <p:cNvSpPr/>
+          <p:nvPr/>
+        </p:nvSpPr>
+        <p:spPr>
+          <a:xfrm>
+            <a:off x="33648120" y="8832240"/>
+            <a:ext cx="1750680" cy="746280"/>
           </a:xfrm>
           <a:prstGeom prst="rect">
             <a:avLst/>
@@ -6016,6 +6433,7 @@
                 <a:solidFill>
                   <a:srgbClr val="000000"/>
                 </a:solidFill>
+                <a:effectLst/>
                 <a:uFillTx/>
                 <a:latin typeface="Open Sans"/>
                 <a:ea typeface="Arial"/>
@@ -6026,6 +6444,7 @@
               <a:solidFill>
                 <a:srgbClr val="000000"/>
               </a:solidFill>
+              <a:effectLst/>
               <a:uFillTx/>
               <a:latin typeface="Arial"/>
             </a:endParaRPr>
@@ -6041,6 +6460,7 @@
                 <a:solidFill>
                   <a:srgbClr val="000000"/>
                 </a:solidFill>
+                <a:effectLst/>
                 <a:uFillTx/>
                 <a:latin typeface="Open Sans"/>
                 <a:ea typeface="Arial"/>
@@ -6051,22 +6471,23 @@
               <a:solidFill>
                 <a:srgbClr val="000000"/>
               </a:solidFill>
-              <a:uFillTx/>
-              <a:latin typeface="Arial"/>
-            </a:endParaRPr>
-          </a:p>
-        </p:txBody>
-      </p:sp>
-      <p:sp>
-        <p:nvSpPr>
-          <p:cNvPr id="71" name=""/>
-          <p:cNvSpPr/>
-          <p:nvPr/>
-        </p:nvSpPr>
-        <p:spPr>
-          <a:xfrm>
-            <a:off x="882000" y="27735480"/>
-            <a:ext cx="1826640" cy="747000"/>
+              <a:effectLst/>
+              <a:uFillTx/>
+              <a:latin typeface="Arial"/>
+            </a:endParaRPr>
+          </a:p>
+        </p:txBody>
+      </p:sp>
+      <p:sp>
+        <p:nvSpPr>
+          <p:cNvPr id="70" name=""/>
+          <p:cNvSpPr/>
+          <p:nvPr/>
+        </p:nvSpPr>
+        <p:spPr>
+          <a:xfrm>
+            <a:off x="33604200" y="9665640"/>
+            <a:ext cx="1825200" cy="745560"/>
           </a:xfrm>
           <a:prstGeom prst="rect">
             <a:avLst/>
@@ -6097,6 +6518,7 @@
                 <a:solidFill>
                   <a:srgbClr val="000000"/>
                 </a:solidFill>
+                <a:effectLst/>
                 <a:uFillTx/>
                 <a:latin typeface="Open Sans"/>
                 <a:ea typeface="Arial"/>
@@ -6107,6 +6529,7 @@
               <a:solidFill>
                 <a:srgbClr val="000000"/>
               </a:solidFill>
+              <a:effectLst/>
               <a:uFillTx/>
               <a:latin typeface="Arial"/>
             </a:endParaRPr>
@@ -6122,6 +6545,7 @@
                 <a:solidFill>
                   <a:srgbClr val="000000"/>
                 </a:solidFill>
+                <a:effectLst/>
                 <a:uFillTx/>
                 <a:latin typeface="Open Sans"/>
                 <a:ea typeface="Arial"/>
@@ -6132,22 +6556,23 @@
               <a:solidFill>
                 <a:srgbClr val="000000"/>
               </a:solidFill>
-              <a:uFillTx/>
-              <a:latin typeface="Arial"/>
-            </a:endParaRPr>
-          </a:p>
-        </p:txBody>
-      </p:sp>
-      <p:sp>
-        <p:nvSpPr>
-          <p:cNvPr id="72" name=""/>
-          <p:cNvSpPr/>
-          <p:nvPr/>
-        </p:nvSpPr>
-        <p:spPr>
-          <a:xfrm>
-            <a:off x="952560" y="28571400"/>
-            <a:ext cx="1746720" cy="747720"/>
+              <a:effectLst/>
+              <a:uFillTx/>
+              <a:latin typeface="Arial"/>
+            </a:endParaRPr>
+          </a:p>
+        </p:txBody>
+      </p:sp>
+      <p:sp>
+        <p:nvSpPr>
+          <p:cNvPr id="71" name=""/>
+          <p:cNvSpPr/>
+          <p:nvPr/>
+        </p:nvSpPr>
+        <p:spPr>
+          <a:xfrm>
+            <a:off x="33612120" y="10609200"/>
+            <a:ext cx="1745280" cy="746280"/>
           </a:xfrm>
           <a:prstGeom prst="rect">
             <a:avLst/>
@@ -6178,6 +6603,7 @@
                 <a:solidFill>
                   <a:srgbClr val="000000"/>
                 </a:solidFill>
+                <a:effectLst/>
                 <a:uFillTx/>
                 <a:latin typeface="Open Sans"/>
                 <a:ea typeface="Arial"/>
@@ -6188,6 +6614,7 @@
               <a:solidFill>
                 <a:srgbClr val="000000"/>
               </a:solidFill>
+              <a:effectLst/>
               <a:uFillTx/>
               <a:latin typeface="Arial"/>
             </a:endParaRPr>
@@ -6203,6 +6630,7 @@
                 <a:solidFill>
                   <a:srgbClr val="000000"/>
                 </a:solidFill>
+                <a:effectLst/>
                 <a:uFillTx/>
                 <a:latin typeface="Open Sans"/>
                 <a:ea typeface="Arial"/>
@@ -6213,22 +6641,23 @@
               <a:solidFill>
                 <a:srgbClr val="000000"/>
               </a:solidFill>
-              <a:uFillTx/>
-              <a:latin typeface="Arial"/>
-            </a:endParaRPr>
-          </a:p>
-        </p:txBody>
-      </p:sp>
-      <p:sp>
-        <p:nvSpPr>
-          <p:cNvPr id="73" name=""/>
+              <a:effectLst/>
+              <a:uFillTx/>
+              <a:latin typeface="Arial"/>
+            </a:endParaRPr>
+          </a:p>
+        </p:txBody>
+      </p:sp>
+      <p:sp>
+        <p:nvSpPr>
+          <p:cNvPr id="72" name=""/>
           <p:cNvSpPr/>
           <p:nvPr/>
         </p:nvSpPr>
         <p:spPr>
           <a:xfrm>
             <a:off x="16774560" y="9969120"/>
-            <a:ext cx="2996280" cy="1292760"/>
+            <a:ext cx="2994840" cy="1291320"/>
           </a:xfrm>
           <a:prstGeom prst="roundRect">
             <a:avLst>
@@ -6265,6 +6694,7 @@
                 <a:solidFill>
                   <a:srgbClr val="000000"/>
                 </a:solidFill>
+                <a:effectLst/>
                 <a:uFillTx/>
                 <a:latin typeface="Open Sans"/>
                 <a:ea typeface="DejaVu Sans"/>
@@ -6275,30 +6705,31 @@
               <a:solidFill>
                 <a:srgbClr val="000000"/>
               </a:solidFill>
-              <a:uFillTx/>
-              <a:latin typeface="Arial"/>
-            </a:endParaRPr>
-          </a:p>
-        </p:txBody>
-      </p:sp>
-      <p:sp>
-        <p:nvSpPr>
-          <p:cNvPr id="74" name=""/>
+              <a:effectLst/>
+              <a:uFillTx/>
+              <a:latin typeface="Arial"/>
+            </a:endParaRPr>
+          </a:p>
+        </p:txBody>
+      </p:sp>
+      <p:sp>
+        <p:nvSpPr>
+          <p:cNvPr id="73" name=""/>
           <p:cNvSpPr/>
           <p:nvPr/>
         </p:nvSpPr>
         <p:spPr>
           <a:xfrm>
             <a:off x="13228560" y="9791280"/>
-            <a:ext cx="3201480" cy="4321800"/>
+            <a:ext cx="3200040" cy="4320360"/>
           </a:xfrm>
           <a:custGeom>
             <a:avLst/>
             <a:gdLst>
-              <a:gd name="textAreaLeft" fmla="*/ 155880 w 3201480"/>
-              <a:gd name="textAreaRight" fmla="*/ 3048120 w 3201480"/>
-              <a:gd name="textAreaTop" fmla="*/ 154800 h 4321800"/>
-              <a:gd name="textAreaBottom" fmla="*/ 4169520 h 4321800"/>
+              <a:gd name="textAreaLeft" fmla="*/ 155880 w 3200040"/>
+              <a:gd name="textAreaRight" fmla="*/ 3048120 w 3200040"/>
+              <a:gd name="textAreaTop" fmla="*/ 154800 h 4320360"/>
+              <a:gd name="textAreaBottom" fmla="*/ 4169520 h 4320360"/>
             </a:gdLst>
             <a:ahLst/>
             <a:rect l="textAreaLeft" t="textAreaTop" r="textAreaRight" b="textAreaBottom"/>
@@ -6352,6 +6783,7 @@
               <a:solidFill>
                 <a:srgbClr val="000000"/>
               </a:solidFill>
+              <a:effectLst/>
               <a:uFillTx/>
               <a:latin typeface="Arial"/>
               <a:ea typeface="DejaVu Sans"/>
@@ -6361,14 +6793,14 @@
       </p:sp>
       <p:sp>
         <p:nvSpPr>
-          <p:cNvPr id="75" name=""/>
+          <p:cNvPr id="74" name=""/>
           <p:cNvSpPr/>
           <p:nvPr/>
         </p:nvSpPr>
         <p:spPr>
           <a:xfrm>
             <a:off x="13325040" y="9969120"/>
-            <a:ext cx="2996280" cy="1292760"/>
+            <a:ext cx="2994840" cy="1291320"/>
           </a:xfrm>
           <a:prstGeom prst="roundRect">
             <a:avLst>
@@ -6405,6 +6837,7 @@
                 <a:solidFill>
                   <a:srgbClr val="000000"/>
                 </a:solidFill>
+                <a:effectLst/>
                 <a:uFillTx/>
                 <a:latin typeface="Open Sans"/>
                 <a:ea typeface="DejaVu Sans"/>
@@ -6415,22 +6848,23 @@
               <a:solidFill>
                 <a:srgbClr val="000000"/>
               </a:solidFill>
-              <a:uFillTx/>
-              <a:latin typeface="Arial"/>
-            </a:endParaRPr>
-          </a:p>
-        </p:txBody>
-      </p:sp>
-      <p:sp>
-        <p:nvSpPr>
-          <p:cNvPr id="76" name=""/>
+              <a:effectLst/>
+              <a:uFillTx/>
+              <a:latin typeface="Arial"/>
+            </a:endParaRPr>
+          </a:p>
+        </p:txBody>
+      </p:sp>
+      <p:sp>
+        <p:nvSpPr>
+          <p:cNvPr id="75" name=""/>
           <p:cNvSpPr/>
           <p:nvPr/>
         </p:nvSpPr>
         <p:spPr>
           <a:xfrm>
             <a:off x="13325040" y="11315880"/>
-            <a:ext cx="2996280" cy="1293120"/>
+            <a:ext cx="2994840" cy="1291680"/>
           </a:xfrm>
           <a:prstGeom prst="roundRect">
             <a:avLst>
@@ -6467,6 +6901,7 @@
                 <a:solidFill>
                   <a:srgbClr val="000000"/>
                 </a:solidFill>
+                <a:effectLst/>
                 <a:uFillTx/>
                 <a:latin typeface="Open Sans"/>
                 <a:ea typeface="DejaVu Sans"/>
@@ -6477,22 +6912,23 @@
               <a:solidFill>
                 <a:srgbClr val="000000"/>
               </a:solidFill>
-              <a:uFillTx/>
-              <a:latin typeface="Arial"/>
-            </a:endParaRPr>
-          </a:p>
-        </p:txBody>
-      </p:sp>
-      <p:sp>
-        <p:nvSpPr>
-          <p:cNvPr id="77" name=""/>
+              <a:effectLst/>
+              <a:uFillTx/>
+              <a:latin typeface="Arial"/>
+            </a:endParaRPr>
+          </a:p>
+        </p:txBody>
+      </p:sp>
+      <p:sp>
+        <p:nvSpPr>
+          <p:cNvPr id="76" name=""/>
           <p:cNvSpPr/>
           <p:nvPr/>
         </p:nvSpPr>
         <p:spPr>
           <a:xfrm>
             <a:off x="13325040" y="12663000"/>
-            <a:ext cx="2996280" cy="1293120"/>
+            <a:ext cx="2994840" cy="1291680"/>
           </a:xfrm>
           <a:prstGeom prst="roundRect">
             <a:avLst>
@@ -6529,6 +6965,7 @@
                 <a:solidFill>
                   <a:srgbClr val="000000"/>
                 </a:solidFill>
+                <a:effectLst/>
                 <a:uFillTx/>
                 <a:latin typeface="Open Sans"/>
                 <a:ea typeface="DejaVu Sans"/>
@@ -6539,22 +6976,23 @@
               <a:solidFill>
                 <a:srgbClr val="000000"/>
               </a:solidFill>
-              <a:uFillTx/>
-              <a:latin typeface="Arial"/>
-            </a:endParaRPr>
-          </a:p>
-        </p:txBody>
-      </p:sp>
-      <p:sp>
-        <p:nvSpPr>
-          <p:cNvPr id="78" name=""/>
+              <a:effectLst/>
+              <a:uFillTx/>
+              <a:latin typeface="Arial"/>
+            </a:endParaRPr>
+          </a:p>
+        </p:txBody>
+      </p:sp>
+      <p:sp>
+        <p:nvSpPr>
+          <p:cNvPr id="77" name=""/>
           <p:cNvSpPr/>
           <p:nvPr/>
         </p:nvSpPr>
         <p:spPr>
           <a:xfrm>
             <a:off x="16774560" y="11315880"/>
-            <a:ext cx="2996280" cy="1293120"/>
+            <a:ext cx="2994840" cy="1291680"/>
           </a:xfrm>
           <a:prstGeom prst="roundRect">
             <a:avLst>
@@ -6591,6 +7029,7 @@
                 <a:solidFill>
                   <a:srgbClr val="000000"/>
                 </a:solidFill>
+                <a:effectLst/>
                 <a:uFillTx/>
                 <a:latin typeface="Open Sans"/>
                 <a:ea typeface="DejaVu Sans"/>
@@ -6601,22 +7040,23 @@
               <a:solidFill>
                 <a:srgbClr val="000000"/>
               </a:solidFill>
-              <a:uFillTx/>
-              <a:latin typeface="Arial"/>
-            </a:endParaRPr>
-          </a:p>
-        </p:txBody>
-      </p:sp>
-      <p:sp>
-        <p:nvSpPr>
-          <p:cNvPr id="79" name=""/>
+              <a:effectLst/>
+              <a:uFillTx/>
+              <a:latin typeface="Arial"/>
+            </a:endParaRPr>
+          </a:p>
+        </p:txBody>
+      </p:sp>
+      <p:sp>
+        <p:nvSpPr>
+          <p:cNvPr id="78" name=""/>
           <p:cNvSpPr/>
           <p:nvPr/>
         </p:nvSpPr>
         <p:spPr>
           <a:xfrm>
             <a:off x="16774560" y="12663000"/>
-            <a:ext cx="2996280" cy="1293120"/>
+            <a:ext cx="2994840" cy="1291680"/>
           </a:xfrm>
           <a:prstGeom prst="roundRect">
             <a:avLst>
@@ -6653,6 +7093,7 @@
                 <a:solidFill>
                   <a:srgbClr val="000000"/>
                 </a:solidFill>
+                <a:effectLst/>
                 <a:uFillTx/>
                 <a:latin typeface="Open Sans"/>
                 <a:ea typeface="DejaVu Sans"/>
@@ -6663,30 +7104,31 @@
               <a:solidFill>
                 <a:srgbClr val="000000"/>
               </a:solidFill>
-              <a:uFillTx/>
-              <a:latin typeface="Arial"/>
-            </a:endParaRPr>
-          </a:p>
-        </p:txBody>
-      </p:sp>
-      <p:sp>
-        <p:nvSpPr>
-          <p:cNvPr id="80" name=""/>
+              <a:effectLst/>
+              <a:uFillTx/>
+              <a:latin typeface="Arial"/>
+            </a:endParaRPr>
+          </a:p>
+        </p:txBody>
+      </p:sp>
+      <p:sp>
+        <p:nvSpPr>
+          <p:cNvPr id="79" name=""/>
           <p:cNvSpPr/>
           <p:nvPr/>
         </p:nvSpPr>
         <p:spPr>
           <a:xfrm>
             <a:off x="16678080" y="9791280"/>
-            <a:ext cx="3201480" cy="4321800"/>
+            <a:ext cx="3200040" cy="4320360"/>
           </a:xfrm>
           <a:custGeom>
             <a:avLst/>
             <a:gdLst>
-              <a:gd name="textAreaLeft" fmla="*/ 155880 w 3201480"/>
-              <a:gd name="textAreaRight" fmla="*/ 3048120 w 3201480"/>
-              <a:gd name="textAreaTop" fmla="*/ 154800 h 4321800"/>
-              <a:gd name="textAreaBottom" fmla="*/ 4169520 h 4321800"/>
+              <a:gd name="textAreaLeft" fmla="*/ 155880 w 3200040"/>
+              <a:gd name="textAreaRight" fmla="*/ 3048120 w 3200040"/>
+              <a:gd name="textAreaTop" fmla="*/ 154800 h 4320360"/>
+              <a:gd name="textAreaBottom" fmla="*/ 4169520 h 4320360"/>
             </a:gdLst>
             <a:ahLst/>
             <a:rect l="textAreaLeft" t="textAreaTop" r="textAreaRight" b="textAreaBottom"/>
@@ -6740,6 +7182,7 @@
               <a:solidFill>
                 <a:srgbClr val="000000"/>
               </a:solidFill>
+              <a:effectLst/>
               <a:uFillTx/>
               <a:latin typeface="Arial"/>
               <a:ea typeface="DejaVu Sans"/>
@@ -6749,14 +7192,14 @@
       </p:sp>
       <p:sp>
         <p:nvSpPr>
-          <p:cNvPr id="81" name=""/>
+          <p:cNvPr id="80" name=""/>
           <p:cNvSpPr/>
           <p:nvPr/>
         </p:nvSpPr>
         <p:spPr>
           <a:xfrm>
             <a:off x="13064400" y="9061920"/>
-            <a:ext cx="6975360" cy="5310360"/>
+            <a:ext cx="6973920" cy="5308920"/>
           </a:xfrm>
           <a:prstGeom prst="roundRect">
             <a:avLst>
@@ -6791,6 +7234,7 @@
               <a:solidFill>
                 <a:srgbClr val="000000"/>
               </a:solidFill>
+              <a:effectLst/>
               <a:uFillTx/>
               <a:latin typeface="Arial"/>
               <a:ea typeface="DejaVu Sans"/>
@@ -6800,14 +7244,14 @@
       </p:sp>
       <p:sp>
         <p:nvSpPr>
-          <p:cNvPr id="82" name=""/>
+          <p:cNvPr id="81" name=""/>
           <p:cNvSpPr/>
           <p:nvPr/>
         </p:nvSpPr>
         <p:spPr>
           <a:xfrm>
             <a:off x="13523400" y="9164880"/>
-            <a:ext cx="2646000" cy="485640"/>
+            <a:ext cx="2644560" cy="485640"/>
           </a:xfrm>
           <a:prstGeom prst="rect">
             <a:avLst/>
@@ -6838,6 +7282,7 @@
                 <a:solidFill>
                   <a:srgbClr val="000000"/>
                 </a:solidFill>
+                <a:effectLst/>
                 <a:uFillTx/>
                 <a:latin typeface="Open Sans"/>
                 <a:ea typeface="DejaVu Sans"/>
@@ -6848,22 +7293,23 @@
               <a:solidFill>
                 <a:srgbClr val="000000"/>
               </a:solidFill>
-              <a:uFillTx/>
-              <a:latin typeface="Arial"/>
-            </a:endParaRPr>
-          </a:p>
-        </p:txBody>
-      </p:sp>
-      <p:sp>
-        <p:nvSpPr>
-          <p:cNvPr id="83" name=""/>
+              <a:effectLst/>
+              <a:uFillTx/>
+              <a:latin typeface="Arial"/>
+            </a:endParaRPr>
+          </a:p>
+        </p:txBody>
+      </p:sp>
+      <p:sp>
+        <p:nvSpPr>
+          <p:cNvPr id="82" name=""/>
           <p:cNvSpPr/>
           <p:nvPr/>
         </p:nvSpPr>
         <p:spPr>
           <a:xfrm>
             <a:off x="16767720" y="9165240"/>
-            <a:ext cx="3036600" cy="485640"/>
+            <a:ext cx="3035160" cy="485640"/>
           </a:xfrm>
           <a:prstGeom prst="rect">
             <a:avLst/>
@@ -6894,6 +7340,7 @@
                 <a:solidFill>
                   <a:srgbClr val="000000"/>
                 </a:solidFill>
+                <a:effectLst/>
                 <a:uFillTx/>
                 <a:latin typeface="Open Sans"/>
                 <a:ea typeface="DejaVu Sans"/>
@@ -6904,22 +7351,23 @@
               <a:solidFill>
                 <a:srgbClr val="000000"/>
               </a:solidFill>
-              <a:uFillTx/>
-              <a:latin typeface="Arial"/>
-            </a:endParaRPr>
-          </a:p>
-        </p:txBody>
-      </p:sp>
-      <p:sp>
-        <p:nvSpPr>
-          <p:cNvPr id="84" name=""/>
+              <a:effectLst/>
+              <a:uFillTx/>
+              <a:latin typeface="Arial"/>
+            </a:endParaRPr>
+          </a:p>
+        </p:txBody>
+      </p:sp>
+      <p:sp>
+        <p:nvSpPr>
+          <p:cNvPr id="83" name=""/>
           <p:cNvSpPr/>
           <p:nvPr/>
         </p:nvSpPr>
         <p:spPr>
           <a:xfrm>
             <a:off x="13303800" y="8389800"/>
-            <a:ext cx="1561680" cy="577440"/>
+            <a:ext cx="1560240" cy="577440"/>
           </a:xfrm>
           <a:prstGeom prst="rect">
             <a:avLst/>
@@ -6950,6 +7398,7 @@
                 <a:solidFill>
                   <a:srgbClr val="000000"/>
                 </a:solidFill>
+                <a:effectLst/>
                 <a:uFillTx/>
                 <a:latin typeface="Open Sans"/>
                 <a:ea typeface="DejaVu Sans"/>
@@ -6960,22 +7409,23 @@
               <a:solidFill>
                 <a:srgbClr val="000000"/>
               </a:solidFill>
-              <a:uFillTx/>
-              <a:latin typeface="Arial"/>
-            </a:endParaRPr>
-          </a:p>
-        </p:txBody>
-      </p:sp>
-      <p:sp>
-        <p:nvSpPr>
-          <p:cNvPr id="85" name=""/>
-          <p:cNvSpPr/>
-          <p:nvPr/>
-        </p:nvSpPr>
-        <p:spPr>
-          <a:xfrm>
-            <a:off x="26159040" y="24134400"/>
-            <a:ext cx="2703240" cy="2333880"/>
+              <a:effectLst/>
+              <a:uFillTx/>
+              <a:latin typeface="Arial"/>
+            </a:endParaRPr>
+          </a:p>
+        </p:txBody>
+      </p:sp>
+      <p:sp>
+        <p:nvSpPr>
+          <p:cNvPr id="84" name=""/>
+          <p:cNvSpPr/>
+          <p:nvPr/>
+        </p:nvSpPr>
+        <p:spPr>
+          <a:xfrm>
+            <a:off x="37204920" y="18743400"/>
+            <a:ext cx="2235600" cy="1929960"/>
           </a:xfrm>
           <a:prstGeom prst="ellipse">
             <a:avLst/>
@@ -7004,97 +7454,28 @@
                 <a:spcPct val="100000"/>
               </a:lnSpc>
             </a:pPr>
-            <a:r>
-              <a:rPr b="0" lang="en-US" sz="2800" strike="noStrike" u="none">
-                <a:solidFill>
-                  <a:srgbClr val="000000"/>
-                </a:solidFill>
-                <a:uFillTx/>
-                <a:latin typeface="Arial"/>
-                <a:ea typeface="Arial"/>
-              </a:rPr>
-              <a:t>Ready-Made Simulation</a:t>
-            </a:r>
-            <a:endParaRPr b="0" lang="en-US" sz="2800" strike="noStrike" u="none">
-              <a:solidFill>
-                <a:srgbClr val="000000"/>
-              </a:solidFill>
-              <a:uFillTx/>
-              <a:latin typeface="Arial"/>
-            </a:endParaRPr>
-          </a:p>
-        </p:txBody>
-      </p:sp>
-      <p:sp>
-        <p:nvSpPr>
-          <p:cNvPr id="86" name=""/>
-          <p:cNvSpPr/>
-          <p:nvPr/>
-        </p:nvSpPr>
-        <p:spPr>
-          <a:xfrm>
-            <a:off x="567000" y="25115400"/>
-            <a:ext cx="10184040" cy="838440"/>
-          </a:xfrm>
-          <a:prstGeom prst="rect">
-            <a:avLst/>
-          </a:prstGeom>
-          <a:solidFill>
-            <a:srgbClr val="21314d"/>
-          </a:solidFill>
-          <a:ln w="0">
-            <a:solidFill>
-              <a:srgbClr val="000000"/>
-            </a:solidFill>
-          </a:ln>
-        </p:spPr>
-        <p:style>
-          <a:lnRef idx="0"/>
-          <a:fillRef idx="0"/>
-          <a:effectRef idx="0"/>
-          <a:fontRef idx="minor"/>
-        </p:style>
-        <p:txBody>
-          <a:bodyPr lIns="90000" rIns="90000" tIns="45000" bIns="45000" anchor="ctr">
-            <a:noAutofit/>
-          </a:bodyPr>
-          <a:p>
-            <a:pPr algn="ctr">
-              <a:lnSpc>
-                <a:spcPct val="100000"/>
-              </a:lnSpc>
-            </a:pPr>
-            <a:r>
-              <a:rPr b="0" lang="en-US" sz="4800" strike="noStrike" u="none">
-                <a:solidFill>
-                  <a:srgbClr val="ffffff"/>
-                </a:solidFill>
-                <a:uFillTx/>
-                <a:latin typeface="Bree Serif"/>
-                <a:ea typeface="Arial"/>
-              </a:rPr>
-              <a:t>Goals</a:t>
-            </a:r>
-            <a:endParaRPr b="0" lang="en-US" sz="4800" strike="noStrike" u="none">
-              <a:solidFill>
-                <a:srgbClr val="ffffff"/>
-              </a:solidFill>
-              <a:uFillTx/>
-              <a:latin typeface="Arial"/>
-            </a:endParaRPr>
-          </a:p>
-        </p:txBody>
-      </p:sp>
-      <p:sp>
-        <p:nvSpPr>
-          <p:cNvPr id="87" name=""/>
+            <a:endParaRPr b="0" lang="en-US" sz="1800" strike="noStrike" u="none">
+              <a:solidFill>
+                <a:srgbClr val="000000"/>
+              </a:solidFill>
+              <a:effectLst/>
+              <a:uFillTx/>
+              <a:latin typeface="Open Sans"/>
+              <a:ea typeface="DejaVu Sans"/>
+            </a:endParaRPr>
+          </a:p>
+        </p:txBody>
+      </p:sp>
+      <p:sp>
+        <p:nvSpPr>
+          <p:cNvPr id="85" name=""/>
           <p:cNvSpPr/>
           <p:nvPr/>
         </p:nvSpPr>
         <p:spPr>
           <a:xfrm>
             <a:off x="12264840" y="19127520"/>
-            <a:ext cx="3656160" cy="577440"/>
+            <a:ext cx="3654720" cy="577440"/>
           </a:xfrm>
           <a:prstGeom prst="rect">
             <a:avLst/>
@@ -7125,6 +7506,7 @@
                 <a:solidFill>
                   <a:srgbClr val="000000"/>
                 </a:solidFill>
+                <a:effectLst/>
                 <a:uFillTx/>
                 <a:latin typeface="Open Sans"/>
                 <a:ea typeface="DejaVu Sans"/>
@@ -7135,22 +7517,23 @@
               <a:solidFill>
                 <a:srgbClr val="000000"/>
               </a:solidFill>
-              <a:uFillTx/>
-              <a:latin typeface="Arial"/>
-            </a:endParaRPr>
-          </a:p>
-        </p:txBody>
-      </p:sp>
-      <p:sp>
-        <p:nvSpPr>
-          <p:cNvPr id="88" name=""/>
+              <a:effectLst/>
+              <a:uFillTx/>
+              <a:latin typeface="Arial"/>
+            </a:endParaRPr>
+          </a:p>
+        </p:txBody>
+      </p:sp>
+      <p:sp>
+        <p:nvSpPr>
+          <p:cNvPr id="86" name=""/>
           <p:cNvSpPr/>
           <p:nvPr/>
         </p:nvSpPr>
         <p:spPr>
           <a:xfrm>
             <a:off x="14729040" y="20630520"/>
-            <a:ext cx="1941840" cy="1027440"/>
+            <a:ext cx="1940400" cy="1026000"/>
           </a:xfrm>
           <a:prstGeom prst="roundRect">
             <a:avLst>
@@ -7187,6 +7570,7 @@
                 <a:solidFill>
                   <a:srgbClr val="000000"/>
                 </a:solidFill>
+                <a:effectLst/>
                 <a:uFillTx/>
                 <a:latin typeface="Open Sans"/>
                 <a:ea typeface="DejaVu Sans"/>
@@ -7197,22 +7581,23 @@
               <a:solidFill>
                 <a:srgbClr val="000000"/>
               </a:solidFill>
-              <a:uFillTx/>
-              <a:latin typeface="Arial"/>
-            </a:endParaRPr>
-          </a:p>
-        </p:txBody>
-      </p:sp>
-      <p:sp>
-        <p:nvSpPr>
-          <p:cNvPr id="89" name=""/>
+              <a:effectLst/>
+              <a:uFillTx/>
+              <a:latin typeface="Arial"/>
+            </a:endParaRPr>
+          </a:p>
+        </p:txBody>
+      </p:sp>
+      <p:sp>
+        <p:nvSpPr>
+          <p:cNvPr id="87" name=""/>
           <p:cNvSpPr/>
           <p:nvPr/>
         </p:nvSpPr>
         <p:spPr>
           <a:xfrm>
             <a:off x="12083040" y="19072800"/>
-            <a:ext cx="4799160" cy="3108240"/>
+            <a:ext cx="4797720" cy="3106800"/>
           </a:xfrm>
           <a:prstGeom prst="roundRect">
             <a:avLst>
@@ -7247,6 +7632,7 @@
               <a:solidFill>
                 <a:srgbClr val="000000"/>
               </a:solidFill>
+              <a:effectLst/>
               <a:uFillTx/>
               <a:latin typeface="Open Sans"/>
               <a:ea typeface="DejaVu Sans"/>
@@ -7256,7 +7642,7 @@
       </p:sp>
       <p:sp>
         <p:nvSpPr>
-          <p:cNvPr id="90" name=""/>
+          <p:cNvPr id="88" name=""/>
           <p:cNvSpPr/>
           <p:nvPr/>
         </p:nvSpPr>
@@ -7290,6 +7676,7 @@
               <a:solidFill>
                 <a:srgbClr val="000000"/>
               </a:solidFill>
+              <a:effectLst/>
               <a:uFillTx/>
               <a:latin typeface="Arial"/>
               <a:ea typeface="DejaVu Sans"/>
@@ -7299,14 +7686,14 @@
       </p:sp>
       <p:sp>
         <p:nvSpPr>
-          <p:cNvPr id="91" name=""/>
+          <p:cNvPr id="89" name=""/>
           <p:cNvSpPr/>
           <p:nvPr/>
         </p:nvSpPr>
         <p:spPr>
           <a:xfrm>
             <a:off x="12997440" y="17190720"/>
-            <a:ext cx="2855880" cy="1598760"/>
+            <a:ext cx="2854440" cy="1597320"/>
           </a:xfrm>
           <a:prstGeom prst="roundRect">
             <a:avLst>
@@ -7343,6 +7730,7 @@
                 <a:solidFill>
                   <a:srgbClr val="000000"/>
                 </a:solidFill>
+                <a:effectLst/>
                 <a:uFillTx/>
                 <a:latin typeface="Open Sans"/>
                 <a:ea typeface="DejaVu Sans"/>
@@ -7353,15 +7741,16 @@
               <a:solidFill>
                 <a:srgbClr val="ffffff"/>
               </a:solidFill>
-              <a:uFillTx/>
-              <a:latin typeface="Arial"/>
-            </a:endParaRPr>
-          </a:p>
-        </p:txBody>
-      </p:sp>
-      <p:sp>
-        <p:nvSpPr>
-          <p:cNvPr id="92" name=""/>
+              <a:effectLst/>
+              <a:uFillTx/>
+              <a:latin typeface="Arial"/>
+            </a:endParaRPr>
+          </a:p>
+        </p:txBody>
+      </p:sp>
+      <p:sp>
+        <p:nvSpPr>
+          <p:cNvPr id="90" name=""/>
           <p:cNvSpPr/>
           <p:nvPr/>
         </p:nvSpPr>
@@ -7396,6 +7785,7 @@
               <a:solidFill>
                 <a:srgbClr val="000000"/>
               </a:solidFill>
+              <a:effectLst/>
               <a:uFillTx/>
               <a:latin typeface="Arial"/>
               <a:ea typeface="DejaVu Sans"/>
@@ -7405,14 +7795,14 @@
       </p:sp>
       <p:sp>
         <p:nvSpPr>
-          <p:cNvPr id="93" name=""/>
+          <p:cNvPr id="91" name=""/>
           <p:cNvSpPr/>
           <p:nvPr/>
         </p:nvSpPr>
         <p:spPr>
           <a:xfrm>
             <a:off x="11687400" y="22781160"/>
-            <a:ext cx="5598720" cy="2233800"/>
+            <a:ext cx="5597280" cy="2232360"/>
           </a:xfrm>
           <a:prstGeom prst="roundRect">
             <a:avLst>
@@ -7447,6 +7837,7 @@
               <a:solidFill>
                 <a:srgbClr val="000000"/>
               </a:solidFill>
+              <a:effectLst/>
               <a:uFillTx/>
               <a:latin typeface="Open Sans"/>
               <a:ea typeface="DejaVu Sans"/>
@@ -7456,14 +7847,14 @@
       </p:sp>
       <p:sp>
         <p:nvSpPr>
-          <p:cNvPr id="94" name=""/>
+          <p:cNvPr id="92" name=""/>
           <p:cNvSpPr/>
           <p:nvPr/>
         </p:nvSpPr>
         <p:spPr>
           <a:xfrm>
             <a:off x="11868840" y="22763880"/>
-            <a:ext cx="3656160" cy="577440"/>
+            <a:ext cx="3654720" cy="577440"/>
           </a:xfrm>
           <a:prstGeom prst="rect">
             <a:avLst/>
@@ -7494,6 +7885,7 @@
                 <a:solidFill>
                   <a:srgbClr val="000000"/>
                 </a:solidFill>
+                <a:effectLst/>
                 <a:uFillTx/>
                 <a:latin typeface="Open Sans"/>
                 <a:ea typeface="DejaVu Sans"/>
@@ -7504,22 +7896,23 @@
               <a:solidFill>
                 <a:srgbClr val="000000"/>
               </a:solidFill>
-              <a:uFillTx/>
-              <a:latin typeface="Arial"/>
-            </a:endParaRPr>
-          </a:p>
-        </p:txBody>
-      </p:sp>
-      <p:sp>
-        <p:nvSpPr>
-          <p:cNvPr id="95" name=""/>
+              <a:effectLst/>
+              <a:uFillTx/>
+              <a:latin typeface="Arial"/>
+            </a:endParaRPr>
+          </a:p>
+        </p:txBody>
+      </p:sp>
+      <p:sp>
+        <p:nvSpPr>
+          <p:cNvPr id="93" name=""/>
           <p:cNvSpPr/>
           <p:nvPr/>
         </p:nvSpPr>
         <p:spPr>
           <a:xfrm>
             <a:off x="11957400" y="23474880"/>
-            <a:ext cx="2441520" cy="1264680"/>
+            <a:ext cx="2440080" cy="1263240"/>
           </a:xfrm>
           <a:prstGeom prst="roundRect">
             <a:avLst>
@@ -7556,6 +7949,7 @@
                 <a:solidFill>
                   <a:srgbClr val="000000"/>
                 </a:solidFill>
+                <a:effectLst/>
                 <a:uFillTx/>
                 <a:latin typeface="Open Sans"/>
                 <a:ea typeface="DejaVu Sans"/>
@@ -7566,22 +7960,23 @@
               <a:solidFill>
                 <a:srgbClr val="000000"/>
               </a:solidFill>
-              <a:uFillTx/>
-              <a:latin typeface="Arial"/>
-            </a:endParaRPr>
-          </a:p>
-        </p:txBody>
-      </p:sp>
-      <p:sp>
-        <p:nvSpPr>
-          <p:cNvPr id="96" name=""/>
+              <a:effectLst/>
+              <a:uFillTx/>
+              <a:latin typeface="Arial"/>
+            </a:endParaRPr>
+          </a:p>
+        </p:txBody>
+      </p:sp>
+      <p:sp>
+        <p:nvSpPr>
+          <p:cNvPr id="94" name=""/>
           <p:cNvSpPr/>
           <p:nvPr/>
         </p:nvSpPr>
         <p:spPr>
           <a:xfrm>
             <a:off x="14549760" y="23474880"/>
-            <a:ext cx="2441520" cy="1264680"/>
+            <a:ext cx="2440080" cy="1263240"/>
           </a:xfrm>
           <a:prstGeom prst="roundRect">
             <a:avLst>
@@ -7618,6 +8013,7 @@
                 <a:solidFill>
                   <a:srgbClr val="000000"/>
                 </a:solidFill>
+                <a:effectLst/>
                 <a:uFillTx/>
                 <a:latin typeface="Open Sans"/>
                 <a:ea typeface="DejaVu Sans"/>
@@ -7628,22 +8024,23 @@
               <a:solidFill>
                 <a:srgbClr val="000000"/>
               </a:solidFill>
-              <a:uFillTx/>
-              <a:latin typeface="Arial"/>
-            </a:endParaRPr>
-          </a:p>
-        </p:txBody>
-      </p:sp>
-      <p:sp>
-        <p:nvSpPr>
-          <p:cNvPr id="97" name=""/>
+              <a:effectLst/>
+              <a:uFillTx/>
+              <a:latin typeface="Arial"/>
+            </a:endParaRPr>
+          </a:p>
+        </p:txBody>
+      </p:sp>
+      <p:sp>
+        <p:nvSpPr>
+          <p:cNvPr id="95" name=""/>
           <p:cNvSpPr/>
           <p:nvPr/>
         </p:nvSpPr>
         <p:spPr>
           <a:xfrm>
             <a:off x="14171040" y="30170160"/>
-            <a:ext cx="4799160" cy="1146600"/>
+            <a:ext cx="4797720" cy="1145160"/>
           </a:xfrm>
           <a:prstGeom prst="roundRect">
             <a:avLst>
@@ -7681,6 +8078,7 @@
                 <a:solidFill>
                   <a:srgbClr val="000000"/>
                 </a:solidFill>
+                <a:effectLst/>
                 <a:uFillTx/>
                 <a:latin typeface="Open Sans"/>
                 <a:ea typeface="DejaVu Sans"/>
@@ -7691,22 +8089,23 @@
               <a:solidFill>
                 <a:srgbClr val="000000"/>
               </a:solidFill>
-              <a:uFillTx/>
-              <a:latin typeface="Arial"/>
-            </a:endParaRPr>
-          </a:p>
-        </p:txBody>
-      </p:sp>
-      <p:sp>
-        <p:nvSpPr>
-          <p:cNvPr id="98" name=""/>
+              <a:effectLst/>
+              <a:uFillTx/>
+              <a:latin typeface="Arial"/>
+            </a:endParaRPr>
+          </a:p>
+        </p:txBody>
+      </p:sp>
+      <p:sp>
+        <p:nvSpPr>
+          <p:cNvPr id="96" name=""/>
           <p:cNvSpPr/>
           <p:nvPr/>
         </p:nvSpPr>
         <p:spPr>
           <a:xfrm>
             <a:off x="14486400" y="28540080"/>
-            <a:ext cx="4113360" cy="1598760"/>
+            <a:ext cx="4111920" cy="1597320"/>
           </a:xfrm>
           <a:prstGeom prst="roundRect">
             <a:avLst>
@@ -7743,6 +8142,7 @@
                 <a:solidFill>
                   <a:srgbClr val="000000"/>
                 </a:solidFill>
+                <a:effectLst/>
                 <a:uFillTx/>
                 <a:latin typeface="Open Sans"/>
                 <a:ea typeface="DejaVu Sans"/>
@@ -7753,22 +8153,23 @@
               <a:solidFill>
                 <a:srgbClr val="000000"/>
               </a:solidFill>
-              <a:uFillTx/>
-              <a:latin typeface="Arial"/>
-            </a:endParaRPr>
-          </a:p>
-        </p:txBody>
-      </p:sp>
-      <p:sp>
-        <p:nvSpPr>
-          <p:cNvPr id="99" name=""/>
+              <a:effectLst/>
+              <a:uFillTx/>
+              <a:latin typeface="Arial"/>
+            </a:endParaRPr>
+          </a:p>
+        </p:txBody>
+      </p:sp>
+      <p:sp>
+        <p:nvSpPr>
+          <p:cNvPr id="97" name=""/>
           <p:cNvSpPr/>
           <p:nvPr/>
         </p:nvSpPr>
         <p:spPr>
           <a:xfrm>
             <a:off x="33138000" y="5571000"/>
-            <a:ext cx="10130040" cy="838440"/>
+            <a:ext cx="10128600" cy="837000"/>
           </a:xfrm>
           <a:prstGeom prst="rect">
             <a:avLst/>
@@ -7803,6 +8204,7 @@
                 <a:solidFill>
                   <a:srgbClr val="ffffff"/>
                 </a:solidFill>
+                <a:effectLst/>
                 <a:uFillTx/>
                 <a:latin typeface="Bree Serif"/>
                 <a:ea typeface="Arial"/>
@@ -7813,22 +8215,23 @@
               <a:solidFill>
                 <a:srgbClr val="ffffff"/>
               </a:solidFill>
-              <a:uFillTx/>
-              <a:latin typeface="Arial"/>
-            </a:endParaRPr>
-          </a:p>
-        </p:txBody>
-      </p:sp>
-      <p:sp>
-        <p:nvSpPr>
-          <p:cNvPr id="100" name=""/>
-          <p:cNvSpPr/>
-          <p:nvPr/>
-        </p:nvSpPr>
-        <p:spPr>
-          <a:xfrm>
-            <a:off x="22213440" y="5558400"/>
-            <a:ext cx="10472400" cy="838440"/>
+              <a:effectLst/>
+              <a:uFillTx/>
+              <a:latin typeface="Arial"/>
+            </a:endParaRPr>
+          </a:p>
+        </p:txBody>
+      </p:sp>
+      <p:sp>
+        <p:nvSpPr>
+          <p:cNvPr id="98" name=""/>
+          <p:cNvSpPr/>
+          <p:nvPr/>
+        </p:nvSpPr>
+        <p:spPr>
+          <a:xfrm>
+            <a:off x="22174200" y="5558400"/>
+            <a:ext cx="10510200" cy="837000"/>
           </a:xfrm>
           <a:prstGeom prst="rect">
             <a:avLst/>
@@ -7863,6 +8266,7 @@
                 <a:solidFill>
                   <a:srgbClr val="ffffff"/>
                 </a:solidFill>
+                <a:effectLst/>
                 <a:uFillTx/>
                 <a:latin typeface="Bree Serif"/>
                 <a:ea typeface="Arial"/>
@@ -7873,22 +8277,23 @@
               <a:solidFill>
                 <a:srgbClr val="ffffff"/>
               </a:solidFill>
-              <a:uFillTx/>
-              <a:latin typeface="Arial"/>
-            </a:endParaRPr>
-          </a:p>
-        </p:txBody>
-      </p:sp>
-      <p:sp>
-        <p:nvSpPr>
-          <p:cNvPr id="101" name=""/>
+              <a:effectLst/>
+              <a:uFillTx/>
+              <a:latin typeface="Arial"/>
+            </a:endParaRPr>
+          </a:p>
+        </p:txBody>
+      </p:sp>
+      <p:sp>
+        <p:nvSpPr>
+          <p:cNvPr id="99" name=""/>
           <p:cNvSpPr/>
           <p:nvPr/>
         </p:nvSpPr>
         <p:spPr>
           <a:xfrm>
             <a:off x="567000" y="17087400"/>
-            <a:ext cx="10184040" cy="838440"/>
+            <a:ext cx="10182600" cy="837000"/>
           </a:xfrm>
           <a:prstGeom prst="rect">
             <a:avLst/>
@@ -7923,6 +8328,7 @@
                 <a:solidFill>
                   <a:srgbClr val="ffffff"/>
                 </a:solidFill>
+                <a:effectLst/>
                 <a:uFillTx/>
                 <a:latin typeface="Bree Serif"/>
                 <a:ea typeface="Arial"/>
@@ -7933,22 +8339,23 @@
               <a:solidFill>
                 <a:srgbClr val="ffffff"/>
               </a:solidFill>
-              <a:uFillTx/>
-              <a:latin typeface="Arial"/>
-            </a:endParaRPr>
-          </a:p>
-        </p:txBody>
-      </p:sp>
-      <p:sp>
-        <p:nvSpPr>
-          <p:cNvPr id="102" name=""/>
+              <a:effectLst/>
+              <a:uFillTx/>
+              <a:latin typeface="Arial"/>
+            </a:endParaRPr>
+          </a:p>
+        </p:txBody>
+      </p:sp>
+      <p:sp>
+        <p:nvSpPr>
+          <p:cNvPr id="100" name=""/>
           <p:cNvSpPr/>
           <p:nvPr/>
         </p:nvSpPr>
         <p:spPr>
           <a:xfrm>
             <a:off x="33138000" y="23859000"/>
-            <a:ext cx="10139400" cy="838440"/>
+            <a:ext cx="10137960" cy="837000"/>
           </a:xfrm>
           <a:prstGeom prst="rect">
             <a:avLst/>
@@ -7983,6 +8390,7 @@
                 <a:solidFill>
                   <a:srgbClr val="ffffff"/>
                 </a:solidFill>
+                <a:effectLst/>
                 <a:uFillTx/>
                 <a:latin typeface="Bree Serif"/>
                 <a:ea typeface="Arial"/>
@@ -7993,22 +8401,23 @@
               <a:solidFill>
                 <a:srgbClr val="ffffff"/>
               </a:solidFill>
-              <a:uFillTx/>
-              <a:latin typeface="Arial"/>
-            </a:endParaRPr>
-          </a:p>
-        </p:txBody>
-      </p:sp>
-      <p:sp>
-        <p:nvSpPr>
-          <p:cNvPr id="103" name=""/>
+              <a:effectLst/>
+              <a:uFillTx/>
+              <a:latin typeface="Arial"/>
+            </a:endParaRPr>
+          </a:p>
+        </p:txBody>
+      </p:sp>
+      <p:sp>
+        <p:nvSpPr>
+          <p:cNvPr id="101" name=""/>
           <p:cNvSpPr/>
           <p:nvPr/>
         </p:nvSpPr>
         <p:spPr>
           <a:xfrm>
             <a:off x="25266960" y="13204080"/>
-            <a:ext cx="4587480" cy="1856880"/>
+            <a:ext cx="4586040" cy="1855440"/>
           </a:xfrm>
           <a:prstGeom prst="roundRect">
             <a:avLst>
@@ -8045,6 +8454,7 @@
               <a:solidFill>
                 <a:srgbClr val="ffffff"/>
               </a:solidFill>
+              <a:effectLst/>
               <a:uFillTx/>
               <a:latin typeface="Arial"/>
               <a:ea typeface="DejaVu Sans"/>
@@ -8054,14 +8464,14 @@
       </p:sp>
       <p:sp>
         <p:nvSpPr>
-          <p:cNvPr id="104" name=""/>
+          <p:cNvPr id="102" name=""/>
           <p:cNvSpPr/>
           <p:nvPr/>
         </p:nvSpPr>
         <p:spPr>
           <a:xfrm>
             <a:off x="25446600" y="13847400"/>
-            <a:ext cx="4227840" cy="1141560"/>
+            <a:ext cx="4226400" cy="1140120"/>
           </a:xfrm>
           <a:prstGeom prst="roundRect">
             <a:avLst>
@@ -8098,6 +8508,7 @@
                 <a:solidFill>
                   <a:srgbClr val="000000"/>
                 </a:solidFill>
+                <a:effectLst/>
                 <a:uFillTx/>
                 <a:latin typeface="Open Sans"/>
                 <a:ea typeface="DejaVu Sans"/>
@@ -8108,22 +8519,23 @@
               <a:solidFill>
                 <a:srgbClr val="000000"/>
               </a:solidFill>
-              <a:uFillTx/>
-              <a:latin typeface="Arial"/>
-            </a:endParaRPr>
-          </a:p>
-        </p:txBody>
-      </p:sp>
-      <p:sp>
-        <p:nvSpPr>
-          <p:cNvPr id="105" name=""/>
+              <a:effectLst/>
+              <a:uFillTx/>
+              <a:latin typeface="Arial"/>
+            </a:endParaRPr>
+          </a:p>
+        </p:txBody>
+      </p:sp>
+      <p:sp>
+        <p:nvSpPr>
+          <p:cNvPr id="103" name=""/>
           <p:cNvSpPr/>
           <p:nvPr/>
         </p:nvSpPr>
         <p:spPr>
           <a:xfrm>
             <a:off x="26016480" y="13138200"/>
-            <a:ext cx="3427560" cy="577440"/>
+            <a:ext cx="3426120" cy="577440"/>
           </a:xfrm>
           <a:prstGeom prst="rect">
             <a:avLst/>
@@ -8154,6 +8566,7 @@
                 <a:solidFill>
                   <a:srgbClr val="000000"/>
                 </a:solidFill>
+                <a:effectLst/>
                 <a:uFillTx/>
                 <a:latin typeface="Open Sans"/>
                 <a:ea typeface="DejaVu Sans"/>
@@ -8164,22 +8577,23 @@
               <a:solidFill>
                 <a:srgbClr val="000000"/>
               </a:solidFill>
-              <a:uFillTx/>
-              <a:latin typeface="Arial"/>
-            </a:endParaRPr>
-          </a:p>
-        </p:txBody>
-      </p:sp>
-      <p:sp>
-        <p:nvSpPr>
-          <p:cNvPr id="106" name=""/>
+              <a:effectLst/>
+              <a:uFillTx/>
+              <a:latin typeface="Arial"/>
+            </a:endParaRPr>
+          </a:p>
+        </p:txBody>
+      </p:sp>
+      <p:sp>
+        <p:nvSpPr>
+          <p:cNvPr id="104" name=""/>
           <p:cNvSpPr/>
           <p:nvPr/>
         </p:nvSpPr>
         <p:spPr>
           <a:xfrm>
             <a:off x="25080840" y="12490560"/>
-            <a:ext cx="4538520" cy="577440"/>
+            <a:ext cx="4537080" cy="577440"/>
           </a:xfrm>
           <a:prstGeom prst="rect">
             <a:avLst/>
@@ -8210,6 +8624,7 @@
                 <a:solidFill>
                   <a:srgbClr val="000000"/>
                 </a:solidFill>
+                <a:effectLst/>
                 <a:uFillTx/>
                 <a:latin typeface="Open Sans"/>
                 <a:ea typeface="DejaVu Sans"/>
@@ -8220,22 +8635,23 @@
               <a:solidFill>
                 <a:srgbClr val="000000"/>
               </a:solidFill>
-              <a:uFillTx/>
-              <a:latin typeface="Arial"/>
-            </a:endParaRPr>
-          </a:p>
-        </p:txBody>
-      </p:sp>
-      <p:sp>
-        <p:nvSpPr>
-          <p:cNvPr id="107" name=""/>
+              <a:effectLst/>
+              <a:uFillTx/>
+              <a:latin typeface="Arial"/>
+            </a:endParaRPr>
+          </a:p>
+        </p:txBody>
+      </p:sp>
+      <p:sp>
+        <p:nvSpPr>
+          <p:cNvPr id="105" name=""/>
           <p:cNvSpPr/>
           <p:nvPr/>
         </p:nvSpPr>
         <p:spPr>
           <a:xfrm>
             <a:off x="24977160" y="9242280"/>
-            <a:ext cx="5142240" cy="2419560"/>
+            <a:ext cx="5140800" cy="2418120"/>
           </a:xfrm>
           <a:prstGeom prst="roundRect">
             <a:avLst>
@@ -8270,6 +8686,7 @@
               <a:solidFill>
                 <a:srgbClr val="000000"/>
               </a:solidFill>
+              <a:effectLst/>
               <a:uFillTx/>
               <a:latin typeface="Arial"/>
               <a:ea typeface="DejaVu Sans"/>
@@ -8279,14 +8696,14 @@
       </p:sp>
       <p:sp>
         <p:nvSpPr>
-          <p:cNvPr id="108" name=""/>
+          <p:cNvPr id="106" name=""/>
           <p:cNvSpPr/>
           <p:nvPr/>
         </p:nvSpPr>
         <p:spPr>
           <a:xfrm>
             <a:off x="25355880" y="9834480"/>
-            <a:ext cx="4318920" cy="1626480"/>
+            <a:ext cx="4317480" cy="1625040"/>
           </a:xfrm>
           <a:prstGeom prst="roundRect">
             <a:avLst>
@@ -8322,6 +8739,7 @@
               <a:solidFill>
                 <a:srgbClr val="000000"/>
               </a:solidFill>
+              <a:effectLst/>
               <a:uFillTx/>
               <a:latin typeface="Open Sans"/>
               <a:ea typeface="DejaVu Sans"/>
@@ -8331,14 +8749,14 @@
       </p:sp>
       <p:sp>
         <p:nvSpPr>
-          <p:cNvPr id="109" name=""/>
+          <p:cNvPr id="107" name=""/>
           <p:cNvSpPr/>
           <p:nvPr/>
         </p:nvSpPr>
         <p:spPr>
           <a:xfrm>
             <a:off x="25548840" y="9862560"/>
-            <a:ext cx="3427560" cy="577440"/>
+            <a:ext cx="3426120" cy="577440"/>
           </a:xfrm>
           <a:prstGeom prst="rect">
             <a:avLst/>
@@ -8369,6 +8787,7 @@
                 <a:solidFill>
                   <a:srgbClr val="000000"/>
                 </a:solidFill>
+                <a:effectLst/>
                 <a:uFillTx/>
                 <a:latin typeface="Open Sans"/>
                 <a:ea typeface="DejaVu Sans"/>
@@ -8379,22 +8798,23 @@
               <a:solidFill>
                 <a:srgbClr val="000000"/>
               </a:solidFill>
-              <a:uFillTx/>
-              <a:latin typeface="Arial"/>
-            </a:endParaRPr>
-          </a:p>
-        </p:txBody>
-      </p:sp>
-      <p:sp>
-        <p:nvSpPr>
-          <p:cNvPr id="110" name=""/>
+              <a:effectLst/>
+              <a:uFillTx/>
+              <a:latin typeface="Arial"/>
+            </a:endParaRPr>
+          </a:p>
+        </p:txBody>
+      </p:sp>
+      <p:sp>
+        <p:nvSpPr>
+          <p:cNvPr id="108" name=""/>
           <p:cNvSpPr/>
           <p:nvPr/>
         </p:nvSpPr>
         <p:spPr>
           <a:xfrm>
             <a:off x="25117200" y="9214920"/>
-            <a:ext cx="3427560" cy="577440"/>
+            <a:ext cx="3426120" cy="577440"/>
           </a:xfrm>
           <a:prstGeom prst="rect">
             <a:avLst/>
@@ -8425,6 +8845,7 @@
                 <a:solidFill>
                   <a:srgbClr val="000000"/>
                 </a:solidFill>
+                <a:effectLst/>
                 <a:uFillTx/>
                 <a:latin typeface="Open Sans"/>
                 <a:ea typeface="DejaVu Sans"/>
@@ -8435,22 +8856,23 @@
               <a:solidFill>
                 <a:srgbClr val="000000"/>
               </a:solidFill>
-              <a:uFillTx/>
-              <a:latin typeface="Arial"/>
-            </a:endParaRPr>
-          </a:p>
-        </p:txBody>
-      </p:sp>
-      <p:sp>
-        <p:nvSpPr>
-          <p:cNvPr id="111" name=""/>
+              <a:effectLst/>
+              <a:uFillTx/>
+              <a:latin typeface="Arial"/>
+            </a:endParaRPr>
+          </a:p>
+        </p:txBody>
+      </p:sp>
+      <p:sp>
+        <p:nvSpPr>
+          <p:cNvPr id="109" name=""/>
           <p:cNvSpPr/>
           <p:nvPr/>
         </p:nvSpPr>
         <p:spPr>
           <a:xfrm>
             <a:off x="25916400" y="10634400"/>
-            <a:ext cx="3290400" cy="574560"/>
+            <a:ext cx="3288960" cy="573120"/>
           </a:xfrm>
           <a:prstGeom prst="roundRect">
             <a:avLst>
@@ -8487,6 +8909,7 @@
                 <a:solidFill>
                   <a:srgbClr val="000000"/>
                 </a:solidFill>
+                <a:effectLst/>
                 <a:uFillTx/>
                 <a:latin typeface="Open Sans"/>
                 <a:ea typeface="DejaVu Sans"/>
@@ -8497,15 +8920,16 @@
               <a:solidFill>
                 <a:srgbClr val="000000"/>
               </a:solidFill>
-              <a:uFillTx/>
-              <a:latin typeface="Arial"/>
-            </a:endParaRPr>
-          </a:p>
-        </p:txBody>
-      </p:sp>
-      <p:sp>
-        <p:nvSpPr>
-          <p:cNvPr id="112" name=""/>
+              <a:effectLst/>
+              <a:uFillTx/>
+              <a:latin typeface="Arial"/>
+            </a:endParaRPr>
+          </a:p>
+        </p:txBody>
+      </p:sp>
+      <p:sp>
+        <p:nvSpPr>
+          <p:cNvPr id="110" name=""/>
           <p:cNvSpPr/>
           <p:nvPr/>
         </p:nvSpPr>
@@ -8539,6 +8963,7 @@
               <a:solidFill>
                 <a:srgbClr val="000000"/>
               </a:solidFill>
+              <a:effectLst/>
               <a:uFillTx/>
               <a:latin typeface="Arial"/>
               <a:ea typeface="DejaVu Sans"/>
@@ -8548,14 +8973,14 @@
       </p:sp>
       <p:sp>
         <p:nvSpPr>
-          <p:cNvPr id="113" name=""/>
+          <p:cNvPr id="111" name=""/>
           <p:cNvSpPr/>
           <p:nvPr/>
         </p:nvSpPr>
         <p:spPr>
           <a:xfrm>
             <a:off x="24976800" y="12518280"/>
-            <a:ext cx="5142240" cy="2639880"/>
+            <a:ext cx="5140800" cy="2638440"/>
           </a:xfrm>
           <a:prstGeom prst="roundRect">
             <a:avLst>
@@ -8590,6 +9015,7 @@
               <a:solidFill>
                 <a:srgbClr val="000000"/>
               </a:solidFill>
+              <a:effectLst/>
               <a:uFillTx/>
               <a:latin typeface="Arial"/>
               <a:ea typeface="DejaVu Sans"/>
@@ -8599,13 +9025,13 @@
       </p:sp>
       <p:sp>
         <p:nvSpPr>
-          <p:cNvPr id="114" name=""/>
-          <p:cNvSpPr/>
-          <p:nvPr/>
-        </p:nvSpPr>
-        <p:spPr>
-          <a:xfrm>
-            <a:off x="27539280" y="19509480"/>
+          <p:cNvPr id="112" name=""/>
+          <p:cNvSpPr/>
+          <p:nvPr/>
+        </p:nvSpPr>
+        <p:spPr>
+          <a:xfrm>
+            <a:off x="27539280" y="19725480"/>
             <a:ext cx="360" cy="685800"/>
           </a:xfrm>
           <a:prstGeom prst="line">
@@ -8634,6 +9060,7 @@
               <a:solidFill>
                 <a:srgbClr val="000000"/>
               </a:solidFill>
+              <a:effectLst/>
               <a:uFillTx/>
               <a:latin typeface="Arial"/>
               <a:ea typeface="DejaVu Sans"/>
@@ -8643,14 +9070,14 @@
       </p:sp>
       <p:sp>
         <p:nvSpPr>
-          <p:cNvPr id="115" name=""/>
-          <p:cNvSpPr/>
-          <p:nvPr/>
-        </p:nvSpPr>
-        <p:spPr>
-          <a:xfrm>
-            <a:off x="22897800" y="20273760"/>
-            <a:ext cx="2680560" cy="1213560"/>
+          <p:cNvPr id="113" name=""/>
+          <p:cNvSpPr/>
+          <p:nvPr/>
+        </p:nvSpPr>
+        <p:spPr>
+          <a:xfrm>
+            <a:off x="22897800" y="20489760"/>
+            <a:ext cx="2679120" cy="1212120"/>
           </a:xfrm>
           <a:prstGeom prst="roundRect">
             <a:avLst>
@@ -8687,6 +9114,7 @@
                 <a:solidFill>
                   <a:srgbClr val="000000"/>
                 </a:solidFill>
+                <a:effectLst/>
                 <a:uFillTx/>
                 <a:latin typeface="Open Sans"/>
                 <a:ea typeface="DejaVu Sans"/>
@@ -8697,21 +9125,22 @@
               <a:solidFill>
                 <a:srgbClr val="000000"/>
               </a:solidFill>
-              <a:uFillTx/>
-              <a:latin typeface="Arial"/>
-            </a:endParaRPr>
-          </a:p>
-        </p:txBody>
-      </p:sp>
-      <p:sp>
-        <p:nvSpPr>
-          <p:cNvPr id="116" name=""/>
+              <a:effectLst/>
+              <a:uFillTx/>
+              <a:latin typeface="Arial"/>
+            </a:endParaRPr>
+          </a:p>
+        </p:txBody>
+      </p:sp>
+      <p:sp>
+        <p:nvSpPr>
+          <p:cNvPr id="114" name=""/>
           <p:cNvSpPr/>
           <p:nvPr/>
         </p:nvSpPr>
         <p:spPr>
           <a:xfrm flipH="1">
-            <a:off x="25481880" y="19500120"/>
+            <a:off x="25481880" y="19716120"/>
             <a:ext cx="941400" cy="695160"/>
           </a:xfrm>
           <a:prstGeom prst="line">
@@ -8740,6 +9169,7 @@
               <a:solidFill>
                 <a:srgbClr val="000000"/>
               </a:solidFill>
+              <a:effectLst/>
               <a:uFillTx/>
               <a:latin typeface="Arial"/>
               <a:ea typeface="DejaVu Sans"/>
@@ -8749,13 +9179,13 @@
       </p:sp>
       <p:sp>
         <p:nvSpPr>
-          <p:cNvPr id="117" name=""/>
-          <p:cNvSpPr/>
-          <p:nvPr/>
-        </p:nvSpPr>
-        <p:spPr>
-          <a:xfrm>
-            <a:off x="28593000" y="19490760"/>
+          <p:cNvPr id="115" name=""/>
+          <p:cNvSpPr/>
+          <p:nvPr/>
+        </p:nvSpPr>
+        <p:spPr>
+          <a:xfrm>
+            <a:off x="28593000" y="19706760"/>
             <a:ext cx="889200" cy="704520"/>
           </a:xfrm>
           <a:prstGeom prst="line">
@@ -8784,6 +9214,7 @@
               <a:solidFill>
                 <a:srgbClr val="000000"/>
               </a:solidFill>
+              <a:effectLst/>
               <a:uFillTx/>
               <a:latin typeface="Arial"/>
               <a:ea typeface="DejaVu Sans"/>
@@ -8793,14 +9224,14 @@
       </p:sp>
       <p:sp>
         <p:nvSpPr>
-          <p:cNvPr id="118" name=""/>
-          <p:cNvSpPr/>
-          <p:nvPr/>
-        </p:nvSpPr>
-        <p:spPr>
-          <a:xfrm>
-            <a:off x="25414200" y="17602200"/>
-            <a:ext cx="4233960" cy="1941840"/>
+          <p:cNvPr id="116" name=""/>
+          <p:cNvSpPr/>
+          <p:nvPr/>
+        </p:nvSpPr>
+        <p:spPr>
+          <a:xfrm>
+            <a:off x="25414200" y="17818200"/>
+            <a:ext cx="4232520" cy="1940400"/>
           </a:xfrm>
           <a:prstGeom prst="roundRect">
             <a:avLst>
@@ -8837,6 +9268,7 @@
                 <a:solidFill>
                   <a:srgbClr val="000000"/>
                 </a:solidFill>
+                <a:effectLst/>
                 <a:uFillTx/>
                 <a:latin typeface="Open Sans"/>
                 <a:ea typeface="DejaVu Sans"/>
@@ -8847,22 +9279,23 @@
               <a:solidFill>
                 <a:srgbClr val="ffffff"/>
               </a:solidFill>
-              <a:uFillTx/>
-              <a:latin typeface="Arial"/>
-            </a:endParaRPr>
-          </a:p>
-        </p:txBody>
-      </p:sp>
-      <p:sp>
-        <p:nvSpPr>
-          <p:cNvPr id="119" name=""/>
-          <p:cNvSpPr/>
-          <p:nvPr/>
-        </p:nvSpPr>
-        <p:spPr>
-          <a:xfrm>
-            <a:off x="26209800" y="20273760"/>
-            <a:ext cx="2680560" cy="1213560"/>
+              <a:effectLst/>
+              <a:uFillTx/>
+              <a:latin typeface="Arial"/>
+            </a:endParaRPr>
+          </a:p>
+        </p:txBody>
+      </p:sp>
+      <p:sp>
+        <p:nvSpPr>
+          <p:cNvPr id="117" name=""/>
+          <p:cNvSpPr/>
+          <p:nvPr/>
+        </p:nvSpPr>
+        <p:spPr>
+          <a:xfrm>
+            <a:off x="26209800" y="20489760"/>
+            <a:ext cx="2679120" cy="1212120"/>
           </a:xfrm>
           <a:prstGeom prst="roundRect">
             <a:avLst>
@@ -8899,6 +9332,7 @@
                 <a:solidFill>
                   <a:srgbClr val="000000"/>
                 </a:solidFill>
+                <a:effectLst/>
                 <a:uFillTx/>
                 <a:latin typeface="Open Sans"/>
                 <a:ea typeface="DejaVu Sans"/>
@@ -8909,22 +9343,23 @@
               <a:solidFill>
                 <a:srgbClr val="000000"/>
               </a:solidFill>
-              <a:uFillTx/>
-              <a:latin typeface="Arial"/>
-            </a:endParaRPr>
-          </a:p>
-        </p:txBody>
-      </p:sp>
-      <p:sp>
-        <p:nvSpPr>
-          <p:cNvPr id="120" name=""/>
-          <p:cNvSpPr/>
-          <p:nvPr/>
-        </p:nvSpPr>
-        <p:spPr>
-          <a:xfrm>
-            <a:off x="29449800" y="20273760"/>
-            <a:ext cx="2680560" cy="1213560"/>
+              <a:effectLst/>
+              <a:uFillTx/>
+              <a:latin typeface="Arial"/>
+            </a:endParaRPr>
+          </a:p>
+        </p:txBody>
+      </p:sp>
+      <p:sp>
+        <p:nvSpPr>
+          <p:cNvPr id="118" name=""/>
+          <p:cNvSpPr/>
+          <p:nvPr/>
+        </p:nvSpPr>
+        <p:spPr>
+          <a:xfrm>
+            <a:off x="29449800" y="20489760"/>
+            <a:ext cx="2679120" cy="1212120"/>
           </a:xfrm>
           <a:prstGeom prst="roundRect">
             <a:avLst>
@@ -8961,6 +9396,7 @@
                 <a:solidFill>
                   <a:srgbClr val="000000"/>
                 </a:solidFill>
+                <a:effectLst/>
                 <a:uFillTx/>
                 <a:latin typeface="Open Sans"/>
                 <a:ea typeface="DejaVu Sans"/>
@@ -8971,22 +9407,23 @@
               <a:solidFill>
                 <a:srgbClr val="000000"/>
               </a:solidFill>
-              <a:uFillTx/>
-              <a:latin typeface="Arial"/>
-            </a:endParaRPr>
-          </a:p>
-        </p:txBody>
-      </p:sp>
-      <p:sp>
-        <p:nvSpPr>
-          <p:cNvPr id="121" name=""/>
+              <a:effectLst/>
+              <a:uFillTx/>
+              <a:latin typeface="Arial"/>
+            </a:endParaRPr>
+          </a:p>
+        </p:txBody>
+      </p:sp>
+      <p:sp>
+        <p:nvSpPr>
+          <p:cNvPr id="119" name=""/>
           <p:cNvSpPr/>
           <p:nvPr/>
         </p:nvSpPr>
         <p:spPr>
           <a:xfrm>
             <a:off x="12281040" y="20630520"/>
-            <a:ext cx="1941840" cy="1027440"/>
+            <a:ext cx="1940400" cy="1026000"/>
           </a:xfrm>
           <a:prstGeom prst="roundRect">
             <a:avLst>
@@ -9023,6 +9460,7 @@
                 <a:solidFill>
                   <a:srgbClr val="000000"/>
                 </a:solidFill>
+                <a:effectLst/>
                 <a:uFillTx/>
                 <a:latin typeface="Open Sans"/>
                 <a:ea typeface="DejaVu Sans"/>
@@ -9033,22 +9471,23 @@
               <a:solidFill>
                 <a:srgbClr val="000000"/>
               </a:solidFill>
-              <a:uFillTx/>
-              <a:latin typeface="Arial"/>
-            </a:endParaRPr>
-          </a:p>
-        </p:txBody>
-      </p:sp>
-      <p:sp>
-        <p:nvSpPr>
-          <p:cNvPr id="122" name="Text Placeholder 1"/>
+              <a:effectLst/>
+              <a:uFillTx/>
+              <a:latin typeface="Arial"/>
+            </a:endParaRPr>
+          </a:p>
+        </p:txBody>
+      </p:sp>
+      <p:sp>
+        <p:nvSpPr>
+          <p:cNvPr id="120" name="Text Placeholder 1"/>
           <p:cNvSpPr/>
           <p:nvPr/>
         </p:nvSpPr>
         <p:spPr>
           <a:xfrm>
             <a:off x="1529280" y="3421440"/>
-            <a:ext cx="42386400" cy="3931920"/>
+            <a:ext cx="42384960" cy="3933360"/>
           </a:xfrm>
           <a:prstGeom prst="rect">
             <a:avLst/>
@@ -9082,6 +9521,7 @@
                 <a:solidFill>
                   <a:srgbClr val="ffffff"/>
                 </a:solidFill>
+                <a:effectLst/>
                 <a:uFillTx/>
                 <a:latin typeface="Open Sans"/>
                 <a:ea typeface="Open Sans"/>
@@ -9093,6 +9533,7 @@
                 <a:solidFill>
                   <a:srgbClr val="ffffff"/>
                 </a:solidFill>
+                <a:effectLst/>
                 <a:uFillTx/>
                 <a:latin typeface="Open Sans"/>
                 <a:ea typeface="Open Sans"/>
@@ -9104,6 +9545,7 @@
                 <a:solidFill>
                   <a:srgbClr val="ffffff"/>
                 </a:solidFill>
+                <a:effectLst/>
                 <a:uFillTx/>
                 <a:latin typeface="Open Sans"/>
                 <a:ea typeface="Open Sans"/>
@@ -9115,6 +9557,7 @@
                 <a:solidFill>
                   <a:srgbClr val="ffffff"/>
                 </a:solidFill>
+                <a:effectLst/>
                 <a:uFillTx/>
                 <a:latin typeface="Open Sans"/>
                 <a:ea typeface="Open Sans"/>
@@ -9126,6 +9569,7 @@
                 <a:solidFill>
                   <a:srgbClr val="ffffff"/>
                 </a:solidFill>
+                <a:effectLst/>
                 <a:uFillTx/>
                 <a:latin typeface="Open Sans"/>
                 <a:ea typeface="Open Sans"/>
@@ -9137,6 +9581,7 @@
                 <a:solidFill>
                   <a:srgbClr val="ffffff"/>
                 </a:solidFill>
+                <a:effectLst/>
                 <a:uFillTx/>
                 <a:latin typeface="Open Sans"/>
                 <a:ea typeface="Open Sans"/>
@@ -9148,6 +9593,7 @@
                 <a:solidFill>
                   <a:srgbClr val="ffffff"/>
                 </a:solidFill>
+                <a:effectLst/>
                 <a:uFillTx/>
                 <a:latin typeface="Open Sans"/>
                 <a:ea typeface="Open Sans"/>
@@ -9159,6 +9605,7 @@
                 <a:solidFill>
                   <a:srgbClr val="ffffff"/>
                 </a:solidFill>
+                <a:effectLst/>
                 <a:uFillTx/>
                 <a:latin typeface="Open Sans"/>
                 <a:ea typeface="Open Sans"/>
@@ -9170,6 +9617,7 @@
                 <a:solidFill>
                   <a:srgbClr val="ffffff"/>
                 </a:solidFill>
+                <a:effectLst/>
                 <a:uFillTx/>
                 <a:latin typeface="Open Sans"/>
                 <a:ea typeface="Open Sans"/>
@@ -9180,6 +9628,7 @@
               <a:solidFill>
                 <a:srgbClr val="000000"/>
               </a:solidFill>
+              <a:effectLst/>
               <a:uFillTx/>
               <a:latin typeface="Arial"/>
             </a:endParaRPr>
@@ -9198,6 +9647,7 @@
                 <a:solidFill>
                   <a:srgbClr val="ffffff"/>
                 </a:solidFill>
+                <a:effectLst/>
                 <a:uFillTx/>
                 <a:latin typeface="Open Sans"/>
                 <a:ea typeface="Open Sans"/>
@@ -9209,6 +9659,7 @@
                 <a:solidFill>
                   <a:srgbClr val="ffffff"/>
                 </a:solidFill>
+                <a:effectLst/>
                 <a:uFillTx/>
                 <a:latin typeface="Open Sans"/>
                 <a:ea typeface="Open Sans"/>
@@ -9220,6 +9671,7 @@
                 <a:solidFill>
                   <a:srgbClr val="ffffff"/>
                 </a:solidFill>
+                <a:effectLst/>
                 <a:uFillTx/>
                 <a:latin typeface="Open Sans"/>
                 <a:ea typeface="Open Sans"/>
@@ -9231,6 +9683,7 @@
                 <a:solidFill>
                   <a:srgbClr val="ffffff"/>
                 </a:solidFill>
+                <a:effectLst/>
                 <a:uFillTx/>
                 <a:latin typeface="Open Sans"/>
                 <a:ea typeface="Open Sans"/>
@@ -9242,6 +9695,7 @@
                 <a:solidFill>
                   <a:srgbClr val="ffffff"/>
                 </a:solidFill>
+                <a:effectLst/>
                 <a:uFillTx/>
                 <a:latin typeface="Open Sans"/>
                 <a:ea typeface="Open Sans"/>
@@ -9253,6 +9707,7 @@
                 <a:solidFill>
                   <a:srgbClr val="ffffff"/>
                 </a:solidFill>
+                <a:effectLst/>
                 <a:uFillTx/>
                 <a:latin typeface="Open Sans"/>
                 <a:ea typeface="Open Sans"/>
@@ -9264,6 +9719,7 @@
                 <a:solidFill>
                   <a:srgbClr val="ffffff"/>
                 </a:solidFill>
+                <a:effectLst/>
                 <a:uFillTx/>
                 <a:latin typeface="Open Sans"/>
                 <a:ea typeface="Open Sans"/>
@@ -9275,6 +9731,7 @@
                 <a:solidFill>
                   <a:srgbClr val="ffffff"/>
                 </a:solidFill>
+                <a:effectLst/>
                 <a:uFillTx/>
                 <a:latin typeface="Open Sans"/>
                 <a:ea typeface="Open Sans"/>
@@ -9286,6 +9743,7 @@
                 <a:solidFill>
                   <a:srgbClr val="ffffff"/>
                 </a:solidFill>
+                <a:effectLst/>
                 <a:uFillTx/>
                 <a:latin typeface="Open Sans"/>
                 <a:ea typeface="Open Sans"/>
@@ -9297,6 +9755,7 @@
                 <a:solidFill>
                   <a:srgbClr val="ffffff"/>
                 </a:solidFill>
+                <a:effectLst/>
                 <a:uFillTx/>
                 <a:latin typeface="Open Sans"/>
                 <a:ea typeface="Open Sans"/>
@@ -9308,6 +9767,7 @@
                 <a:solidFill>
                   <a:srgbClr val="ffffff"/>
                 </a:solidFill>
+                <a:effectLst/>
                 <a:uFillTx/>
                 <a:latin typeface="Open Sans"/>
                 <a:ea typeface="Open Sans"/>
@@ -9319,6 +9779,7 @@
                 <a:solidFill>
                   <a:srgbClr val="ffffff"/>
                 </a:solidFill>
+                <a:effectLst/>
                 <a:uFillTx/>
                 <a:latin typeface="Open Sans"/>
                 <a:ea typeface="Open Sans"/>
@@ -9329,6 +9790,7 @@
               <a:solidFill>
                 <a:srgbClr val="000000"/>
               </a:solidFill>
+              <a:effectLst/>
               <a:uFillTx/>
               <a:latin typeface="Arial"/>
             </a:endParaRPr>
@@ -9349,22 +9811,23 @@
               <a:solidFill>
                 <a:srgbClr val="000000"/>
               </a:solidFill>
-              <a:uFillTx/>
-              <a:latin typeface="Arial"/>
-            </a:endParaRPr>
-          </a:p>
-        </p:txBody>
-      </p:sp>
-      <p:sp>
-        <p:nvSpPr>
-          <p:cNvPr id="123" name=""/>
-          <p:cNvSpPr/>
-          <p:nvPr/>
-        </p:nvSpPr>
-        <p:spPr>
-          <a:xfrm>
-            <a:off x="23171040" y="27878760"/>
-            <a:ext cx="2703240" cy="2333880"/>
+              <a:effectLst/>
+              <a:uFillTx/>
+              <a:latin typeface="Arial"/>
+            </a:endParaRPr>
+          </a:p>
+        </p:txBody>
+      </p:sp>
+      <p:sp>
+        <p:nvSpPr>
+          <p:cNvPr id="121" name=""/>
+          <p:cNvSpPr/>
+          <p:nvPr/>
+        </p:nvSpPr>
+        <p:spPr>
+          <a:xfrm>
+            <a:off x="34732440" y="21697560"/>
+            <a:ext cx="2235600" cy="1929960"/>
           </a:xfrm>
           <a:prstGeom prst="ellipse">
             <a:avLst/>
@@ -9394,36 +9857,38 @@
               </a:lnSpc>
             </a:pPr>
             <a:r>
-              <a:rPr b="0" lang="en-US" sz="2800" strike="noStrike" u="none">
+              <a:rPr b="0" lang="en-US" sz="2600" strike="noStrike" u="none">
                 <a:solidFill>
                   <a:srgbClr val="000000"/>
                 </a:solidFill>
-                <a:uFillTx/>
-                <a:latin typeface="Arial"/>
+                <a:effectLst/>
+                <a:uFillTx/>
+                <a:latin typeface="Open Sans"/>
                 <a:ea typeface="Arial"/>
               </a:rPr>
               <a:t>Bench-marking</a:t>
             </a:r>
-            <a:endParaRPr b="0" lang="en-US" sz="2800" strike="noStrike" u="none">
-              <a:solidFill>
-                <a:srgbClr val="000000"/>
-              </a:solidFill>
-              <a:uFillTx/>
-              <a:latin typeface="Arial"/>
-            </a:endParaRPr>
-          </a:p>
-        </p:txBody>
-      </p:sp>
-      <p:sp>
-        <p:nvSpPr>
-          <p:cNvPr id="124" name=""/>
-          <p:cNvSpPr/>
-          <p:nvPr/>
-        </p:nvSpPr>
-        <p:spPr>
-          <a:xfrm>
-            <a:off x="29327040" y="27879120"/>
-            <a:ext cx="2703240" cy="2333880"/>
+            <a:endParaRPr b="0" lang="en-US" sz="2600" strike="noStrike" u="none">
+              <a:solidFill>
+                <a:srgbClr val="000000"/>
+              </a:solidFill>
+              <a:effectLst/>
+              <a:uFillTx/>
+              <a:latin typeface="Arial"/>
+            </a:endParaRPr>
+          </a:p>
+        </p:txBody>
+      </p:sp>
+      <p:sp>
+        <p:nvSpPr>
+          <p:cNvPr id="122" name=""/>
+          <p:cNvSpPr/>
+          <p:nvPr/>
+        </p:nvSpPr>
+        <p:spPr>
+          <a:xfrm>
+            <a:off x="39826440" y="21697920"/>
+            <a:ext cx="2235240" cy="1929960"/>
           </a:xfrm>
           <a:prstGeom prst="ellipse">
             <a:avLst/>
@@ -9452,45 +9917,36 @@
                 <a:spcPct val="100000"/>
               </a:lnSpc>
             </a:pPr>
-            <a:r>
-              <a:rPr b="0" lang="en-US" sz="2800" strike="noStrike" u="none">
-                <a:solidFill>
-                  <a:srgbClr val="000000"/>
-                </a:solidFill>
-                <a:uFillTx/>
-                <a:latin typeface="Arial"/>
-                <a:ea typeface="Arial"/>
-              </a:rPr>
-              <a:t>Implement Designs</a:t>
-            </a:r>
-            <a:endParaRPr b="0" lang="en-US" sz="2800" strike="noStrike" u="none">
-              <a:solidFill>
-                <a:srgbClr val="000000"/>
-              </a:solidFill>
-              <a:uFillTx/>
-              <a:latin typeface="Arial"/>
-            </a:endParaRPr>
-          </a:p>
-        </p:txBody>
-      </p:sp>
-      <p:sp>
-        <p:nvSpPr>
-          <p:cNvPr id="125" name=""/>
+            <a:endParaRPr b="0" lang="en-US" sz="1800" strike="noStrike" u="none">
+              <a:solidFill>
+                <a:srgbClr val="000000"/>
+              </a:solidFill>
+              <a:effectLst/>
+              <a:uFillTx/>
+              <a:latin typeface="Open Sans"/>
+              <a:ea typeface="DejaVu Sans"/>
+            </a:endParaRPr>
+          </a:p>
+        </p:txBody>
+      </p:sp>
+      <p:sp>
+        <p:nvSpPr>
+          <p:cNvPr id="123" name=""/>
           <p:cNvSpPr/>
           <p:nvPr/>
         </p:nvSpPr>
         <p:spPr>
           <a:xfrm>
             <a:off x="11417040" y="17013600"/>
-            <a:ext cx="6233400" cy="8337240"/>
+            <a:ext cx="6231960" cy="8335800"/>
           </a:xfrm>
           <a:custGeom>
             <a:avLst/>
             <a:gdLst>
-              <a:gd name="textAreaLeft" fmla="*/ 304200 w 6233400"/>
-              <a:gd name="textAreaRight" fmla="*/ 5929560 w 6233400"/>
-              <a:gd name="textAreaTop" fmla="*/ 304200 h 8337240"/>
-              <a:gd name="textAreaBottom" fmla="*/ 8033400 h 8337240"/>
+              <a:gd name="textAreaLeft" fmla="*/ 304200 w 6231960"/>
+              <a:gd name="textAreaRight" fmla="*/ 5929560 w 6231960"/>
+              <a:gd name="textAreaTop" fmla="*/ 304200 h 8335800"/>
+              <a:gd name="textAreaBottom" fmla="*/ 8033400 h 8335800"/>
             </a:gdLst>
             <a:ahLst/>
             <a:rect l="textAreaLeft" t="textAreaTop" r="textAreaRight" b="textAreaBottom"/>
@@ -9544,6 +10000,7 @@
               <a:solidFill>
                 <a:srgbClr val="000000"/>
               </a:solidFill>
+              <a:effectLst/>
               <a:uFillTx/>
               <a:latin typeface="Arial"/>
               <a:ea typeface="DejaVu Sans"/>
@@ -9553,14 +10010,14 @@
       </p:sp>
       <p:sp>
         <p:nvSpPr>
-          <p:cNvPr id="126" name=""/>
+          <p:cNvPr id="124" name=""/>
           <p:cNvSpPr/>
           <p:nvPr/>
         </p:nvSpPr>
         <p:spPr>
           <a:xfrm>
             <a:off x="11995200" y="16399800"/>
-            <a:ext cx="5486040" cy="577440"/>
+            <a:ext cx="5484600" cy="577440"/>
           </a:xfrm>
           <a:prstGeom prst="rect">
             <a:avLst/>
@@ -9591,8 +10048,10 @@
                 <a:solidFill>
                   <a:srgbClr val="000000"/>
                 </a:solidFill>
+                <a:effectLst/>
                 <a:uFillTx/>
                 <a:latin typeface="Open Sans"/>
+                <a:ea typeface="DejaVu Sans"/>
               </a:rPr>
               <a:t>Existing Implementations</a:t>
             </a:r>
@@ -9600,15 +10059,16 @@
               <a:solidFill>
                 <a:srgbClr val="000000"/>
               </a:solidFill>
-              <a:uFillTx/>
-              <a:latin typeface="Arial"/>
-            </a:endParaRPr>
-          </a:p>
-        </p:txBody>
-      </p:sp>
-      <p:sp>
-        <p:nvSpPr>
-          <p:cNvPr id="127" name=""/>
+              <a:effectLst/>
+              <a:uFillTx/>
+              <a:latin typeface="Arial"/>
+            </a:endParaRPr>
+          </a:p>
+        </p:txBody>
+      </p:sp>
+      <p:sp>
+        <p:nvSpPr>
+          <p:cNvPr id="125" name=""/>
           <p:cNvSpPr/>
           <p:nvPr/>
         </p:nvSpPr>
@@ -9642,6 +10102,7 @@
               <a:solidFill>
                 <a:srgbClr val="000000"/>
               </a:solidFill>
+              <a:effectLst/>
               <a:uFillTx/>
               <a:latin typeface="Arial"/>
               <a:ea typeface="DejaVu Sans"/>
@@ -9651,14 +10112,14 @@
       </p:sp>
       <p:sp>
         <p:nvSpPr>
-          <p:cNvPr id="128" name=""/>
+          <p:cNvPr id="126" name=""/>
           <p:cNvSpPr/>
           <p:nvPr/>
         </p:nvSpPr>
         <p:spPr>
           <a:xfrm>
             <a:off x="18500400" y="18740880"/>
-            <a:ext cx="2843640" cy="1542960"/>
+            <a:ext cx="2842200" cy="1541520"/>
           </a:xfrm>
           <a:prstGeom prst="roundRect">
             <a:avLst>
@@ -9695,6 +10156,7 @@
                 <a:solidFill>
                   <a:srgbClr val="000000"/>
                 </a:solidFill>
+                <a:effectLst/>
                 <a:uFillTx/>
                 <a:latin typeface="Open Sans"/>
                 <a:ea typeface="DejaVu Sans"/>
@@ -9705,22 +10167,23 @@
               <a:solidFill>
                 <a:srgbClr val="000000"/>
               </a:solidFill>
-              <a:uFillTx/>
-              <a:latin typeface="Arial"/>
-            </a:endParaRPr>
-          </a:p>
-        </p:txBody>
-      </p:sp>
-      <p:sp>
-        <p:nvSpPr>
-          <p:cNvPr id="129" name=""/>
+              <a:effectLst/>
+              <a:uFillTx/>
+              <a:latin typeface="Arial"/>
+            </a:endParaRPr>
+          </a:p>
+        </p:txBody>
+      </p:sp>
+      <p:sp>
+        <p:nvSpPr>
+          <p:cNvPr id="127" name=""/>
           <p:cNvSpPr/>
           <p:nvPr/>
         </p:nvSpPr>
         <p:spPr>
           <a:xfrm>
             <a:off x="18500400" y="21332880"/>
-            <a:ext cx="2843640" cy="1542960"/>
+            <a:ext cx="2842200" cy="1541520"/>
           </a:xfrm>
           <a:prstGeom prst="roundRect">
             <a:avLst>
@@ -9757,6 +10220,7 @@
                 <a:solidFill>
                   <a:srgbClr val="000000"/>
                 </a:solidFill>
+                <a:effectLst/>
                 <a:uFillTx/>
                 <a:latin typeface="Open Sans"/>
                 <a:ea typeface="DejaVu Sans"/>
@@ -9767,30 +10231,31 @@
               <a:solidFill>
                 <a:srgbClr val="ffffff"/>
               </a:solidFill>
-              <a:uFillTx/>
-              <a:latin typeface="Arial"/>
-            </a:endParaRPr>
-          </a:p>
-        </p:txBody>
-      </p:sp>
-      <p:sp>
-        <p:nvSpPr>
-          <p:cNvPr id="130" name=""/>
+              <a:effectLst/>
+              <a:uFillTx/>
+              <a:latin typeface="Arial"/>
+            </a:endParaRPr>
+          </a:p>
+        </p:txBody>
+      </p:sp>
+      <p:sp>
+        <p:nvSpPr>
+          <p:cNvPr id="128" name=""/>
           <p:cNvSpPr/>
           <p:nvPr/>
         </p:nvSpPr>
         <p:spPr>
           <a:xfrm>
             <a:off x="18288000" y="18516600"/>
-            <a:ext cx="3250800" cy="4571640"/>
+            <a:ext cx="3249360" cy="4570200"/>
           </a:xfrm>
           <a:custGeom>
             <a:avLst/>
             <a:gdLst>
-              <a:gd name="textAreaLeft" fmla="*/ 158400 w 3250800"/>
-              <a:gd name="textAreaRight" fmla="*/ 3092760 w 3250800"/>
-              <a:gd name="textAreaTop" fmla="*/ 158400 h 4571640"/>
-              <a:gd name="textAreaBottom" fmla="*/ 4413600 h 4571640"/>
+              <a:gd name="textAreaLeft" fmla="*/ 158400 w 3249360"/>
+              <a:gd name="textAreaRight" fmla="*/ 3092760 w 3249360"/>
+              <a:gd name="textAreaTop" fmla="*/ 158400 h 4570200"/>
+              <a:gd name="textAreaBottom" fmla="*/ 4413600 h 4570200"/>
             </a:gdLst>
             <a:ahLst/>
             <a:rect l="textAreaLeft" t="textAreaTop" r="textAreaRight" b="textAreaBottom"/>
@@ -9844,6 +10309,7 @@
               <a:solidFill>
                 <a:srgbClr val="000000"/>
               </a:solidFill>
+              <a:effectLst/>
               <a:uFillTx/>
               <a:latin typeface="Arial"/>
               <a:ea typeface="DejaVu Sans"/>
@@ -9853,14 +10319,14 @@
       </p:sp>
       <p:sp>
         <p:nvSpPr>
-          <p:cNvPr id="131" name=""/>
+          <p:cNvPr id="129" name=""/>
           <p:cNvSpPr/>
           <p:nvPr/>
         </p:nvSpPr>
         <p:spPr>
           <a:xfrm>
             <a:off x="18316440" y="17333280"/>
-            <a:ext cx="3171600" cy="1065240"/>
+            <a:ext cx="3170160" cy="1065240"/>
           </a:xfrm>
           <a:prstGeom prst="rect">
             <a:avLst/>
@@ -9877,7 +10343,7 @@
           <a:fontRef idx="minor"/>
         </p:style>
         <p:txBody>
-          <a:bodyPr lIns="90000" rIns="90000" tIns="45000" bIns="45000" anchor="t" anchorCtr="1">
+          <a:bodyPr lIns="90000" rIns="90000" tIns="45000" bIns="45000" anchor="t">
             <a:spAutoFit/>
           </a:bodyPr>
           <a:p>
@@ -9891,8 +10357,10 @@
                 <a:solidFill>
                   <a:srgbClr val="000000"/>
                 </a:solidFill>
+                <a:effectLst/>
                 <a:uFillTx/>
                 <a:latin typeface="Open Sans"/>
+                <a:ea typeface="DejaVu Sans"/>
               </a:rPr>
               <a:t>New Components</a:t>
             </a:r>
@@ -9900,8 +10368,1922 @@
               <a:solidFill>
                 <a:srgbClr val="000000"/>
               </a:solidFill>
-              <a:uFillTx/>
-              <a:latin typeface="Arial"/>
+              <a:effectLst/>
+              <a:uFillTx/>
+              <a:latin typeface="Arial"/>
+            </a:endParaRPr>
+          </a:p>
+        </p:txBody>
+      </p:sp>
+      <p:sp>
+        <p:nvSpPr>
+          <p:cNvPr id="130" name=""/>
+          <p:cNvSpPr/>
+          <p:nvPr/>
+        </p:nvSpPr>
+        <p:spPr>
+          <a:xfrm>
+            <a:off x="23088600" y="25399440"/>
+            <a:ext cx="8994240" cy="1974600"/>
+          </a:xfrm>
+          <a:prstGeom prst="roundRect">
+            <a:avLst>
+              <a:gd name="adj" fmla="val 16667"/>
+            </a:avLst>
+          </a:prstGeom>
+          <a:solidFill>
+            <a:srgbClr val="b2b2b2"/>
+          </a:solidFill>
+          <a:ln w="0">
+            <a:solidFill>
+              <a:srgbClr val="3465a4"/>
+            </a:solidFill>
+          </a:ln>
+        </p:spPr>
+        <p:style>
+          <a:lnRef idx="0"/>
+          <a:fillRef idx="0"/>
+          <a:effectRef idx="0"/>
+          <a:fontRef idx="minor"/>
+        </p:style>
+        <p:txBody>
+          <a:bodyPr lIns="90000" rIns="90000" tIns="45000" bIns="45000" anchor="t">
+            <a:noAutofit/>
+          </a:bodyPr>
+          <a:p>
+            <a:pPr algn="ctr">
+              <a:lnSpc>
+                <a:spcPct val="100000"/>
+              </a:lnSpc>
+            </a:pPr>
+            <a:r>
+              <a:rPr b="0" lang="en-US" sz="2800" strike="noStrike" u="none">
+                <a:solidFill>
+                  <a:srgbClr val="000000"/>
+                </a:solidFill>
+                <a:effectLst/>
+                <a:uFillTx/>
+                <a:latin typeface="Arial"/>
+                <a:ea typeface="Arial"/>
+              </a:rPr>
+              <a:t>Potentially Malicious</a:t>
+            </a:r>
+            <a:endParaRPr b="0" lang="en-US" sz="2800" strike="noStrike" u="none">
+              <a:solidFill>
+                <a:srgbClr val="000000"/>
+              </a:solidFill>
+              <a:effectLst/>
+              <a:uFillTx/>
+              <a:latin typeface="Arial"/>
+            </a:endParaRPr>
+          </a:p>
+        </p:txBody>
+      </p:sp>
+      <p:sp>
+        <p:nvSpPr>
+          <p:cNvPr id="131" name=""/>
+          <p:cNvSpPr/>
+          <p:nvPr/>
+        </p:nvSpPr>
+        <p:spPr>
+          <a:xfrm>
+            <a:off x="23588640" y="26077680"/>
+            <a:ext cx="1994040" cy="984600"/>
+          </a:xfrm>
+          <a:prstGeom prst="rect">
+            <a:avLst/>
+          </a:prstGeom>
+          <a:solidFill>
+            <a:srgbClr val="ffffff"/>
+          </a:solidFill>
+          <a:ln w="0">
+            <a:solidFill>
+              <a:srgbClr val="3465a4"/>
+            </a:solidFill>
+          </a:ln>
+        </p:spPr>
+        <p:style>
+          <a:lnRef idx="0"/>
+          <a:fillRef idx="0"/>
+          <a:effectRef idx="0"/>
+          <a:fontRef idx="minor"/>
+        </p:style>
+        <p:txBody>
+          <a:bodyPr lIns="90000" rIns="90000" tIns="45000" bIns="45000" anchor="ctr">
+            <a:noAutofit/>
+          </a:bodyPr>
+          <a:p>
+            <a:pPr algn="ctr">
+              <a:lnSpc>
+                <a:spcPct val="100000"/>
+              </a:lnSpc>
+            </a:pPr>
+            <a:r>
+              <a:rPr b="0" lang="en-US" sz="2600" strike="noStrike" u="none">
+                <a:solidFill>
+                  <a:srgbClr val="000000"/>
+                </a:solidFill>
+                <a:effectLst/>
+                <a:uFillTx/>
+                <a:latin typeface="Arial"/>
+                <a:ea typeface="Arial"/>
+              </a:rPr>
+              <a:t>Application Thread</a:t>
+            </a:r>
+            <a:endParaRPr b="0" lang="en-US" sz="2600" strike="noStrike" u="none">
+              <a:solidFill>
+                <a:srgbClr val="000000"/>
+              </a:solidFill>
+              <a:effectLst/>
+              <a:uFillTx/>
+              <a:latin typeface="Arial"/>
+            </a:endParaRPr>
+          </a:p>
+        </p:txBody>
+      </p:sp>
+      <p:sp>
+        <p:nvSpPr>
+          <p:cNvPr id="132" name=""/>
+          <p:cNvSpPr/>
+          <p:nvPr/>
+        </p:nvSpPr>
+        <p:spPr>
+          <a:xfrm>
+            <a:off x="26620200" y="26077680"/>
+            <a:ext cx="1994040" cy="984600"/>
+          </a:xfrm>
+          <a:prstGeom prst="rect">
+            <a:avLst/>
+          </a:prstGeom>
+          <a:solidFill>
+            <a:srgbClr val="ffffff"/>
+          </a:solidFill>
+          <a:ln w="0">
+            <a:solidFill>
+              <a:srgbClr val="3465a4"/>
+            </a:solidFill>
+          </a:ln>
+        </p:spPr>
+        <p:style>
+          <a:lnRef idx="0"/>
+          <a:fillRef idx="0"/>
+          <a:effectRef idx="0"/>
+          <a:fontRef idx="minor"/>
+        </p:style>
+        <p:txBody>
+          <a:bodyPr lIns="90000" rIns="90000" tIns="45000" bIns="45000" anchor="ctr">
+            <a:noAutofit/>
+          </a:bodyPr>
+          <a:p>
+            <a:pPr algn="ctr">
+              <a:lnSpc>
+                <a:spcPct val="100000"/>
+              </a:lnSpc>
+            </a:pPr>
+            <a:r>
+              <a:rPr b="0" lang="en-US" sz="2800" strike="noStrike" u="none">
+                <a:solidFill>
+                  <a:srgbClr val="000000"/>
+                </a:solidFill>
+                <a:effectLst/>
+                <a:uFillTx/>
+                <a:latin typeface="Arial"/>
+                <a:ea typeface="Arial"/>
+              </a:rPr>
+              <a:t>Operating System</a:t>
+            </a:r>
+            <a:endParaRPr b="0" lang="en-US" sz="2800" strike="noStrike" u="none">
+              <a:solidFill>
+                <a:srgbClr val="000000"/>
+              </a:solidFill>
+              <a:effectLst/>
+              <a:uFillTx/>
+              <a:latin typeface="Arial"/>
+            </a:endParaRPr>
+          </a:p>
+        </p:txBody>
+      </p:sp>
+      <p:sp>
+        <p:nvSpPr>
+          <p:cNvPr id="133" name=""/>
+          <p:cNvSpPr/>
+          <p:nvPr/>
+        </p:nvSpPr>
+        <p:spPr>
+          <a:xfrm>
+            <a:off x="29730600" y="26077680"/>
+            <a:ext cx="1994040" cy="984600"/>
+          </a:xfrm>
+          <a:prstGeom prst="rect">
+            <a:avLst/>
+          </a:prstGeom>
+          <a:solidFill>
+            <a:srgbClr val="ffffff"/>
+          </a:solidFill>
+          <a:ln w="0">
+            <a:solidFill>
+              <a:srgbClr val="3465a4"/>
+            </a:solidFill>
+          </a:ln>
+        </p:spPr>
+        <p:style>
+          <a:lnRef idx="0"/>
+          <a:fillRef idx="0"/>
+          <a:effectRef idx="0"/>
+          <a:fontRef idx="minor"/>
+        </p:style>
+        <p:txBody>
+          <a:bodyPr lIns="90000" rIns="90000" tIns="45000" bIns="45000" anchor="ctr">
+            <a:noAutofit/>
+          </a:bodyPr>
+          <a:p>
+            <a:pPr algn="ctr">
+              <a:lnSpc>
+                <a:spcPct val="100000"/>
+              </a:lnSpc>
+            </a:pPr>
+            <a:r>
+              <a:rPr b="0" lang="en-US" sz="2600" strike="noStrike" u="none">
+                <a:solidFill>
+                  <a:srgbClr val="000000"/>
+                </a:solidFill>
+                <a:effectLst/>
+                <a:uFillTx/>
+                <a:latin typeface="Arial"/>
+                <a:ea typeface="Arial"/>
+              </a:rPr>
+              <a:t>Remote or Cloud User</a:t>
+            </a:r>
+            <a:endParaRPr b="0" lang="en-US" sz="2600" strike="noStrike" u="none">
+              <a:solidFill>
+                <a:srgbClr val="000000"/>
+              </a:solidFill>
+              <a:effectLst/>
+              <a:uFillTx/>
+              <a:latin typeface="Arial"/>
+            </a:endParaRPr>
+          </a:p>
+        </p:txBody>
+      </p:sp>
+      <p:sp>
+        <p:nvSpPr>
+          <p:cNvPr id="134" name=""/>
+          <p:cNvSpPr/>
+          <p:nvPr/>
+        </p:nvSpPr>
+        <p:spPr>
+          <a:xfrm>
+            <a:off x="24838560" y="27379800"/>
+            <a:ext cx="1632240" cy="742320"/>
+          </a:xfrm>
+          <a:prstGeom prst="line">
+            <a:avLst/>
+          </a:prstGeom>
+          <a:ln w="38160">
+            <a:solidFill>
+              <a:srgbClr val="3465a4"/>
+            </a:solidFill>
+            <a:round/>
+            <a:tailEnd len="med" type="triangle" w="med"/>
+          </a:ln>
+        </p:spPr>
+        <p:style>
+          <a:lnRef idx="0"/>
+          <a:fillRef idx="0"/>
+          <a:effectRef idx="0"/>
+          <a:fontRef idx="minor"/>
+        </p:style>
+        <p:txBody>
+          <a:bodyPr lIns="109080" rIns="109080" tIns="64080" bIns="64080" anchor="ctr">
+            <a:noAutofit/>
+          </a:bodyPr>
+          <a:p>
+            <a:endParaRPr b="0" lang="en-US" sz="1800" strike="noStrike" u="none">
+              <a:solidFill>
+                <a:srgbClr val="000000"/>
+              </a:solidFill>
+              <a:effectLst/>
+              <a:uFillTx/>
+              <a:latin typeface="Arial"/>
+              <a:ea typeface="Arial"/>
+            </a:endParaRPr>
+          </a:p>
+        </p:txBody>
+      </p:sp>
+      <p:sp>
+        <p:nvSpPr>
+          <p:cNvPr id="135" name=""/>
+          <p:cNvSpPr/>
+          <p:nvPr/>
+        </p:nvSpPr>
+        <p:spPr>
+          <a:xfrm>
+            <a:off x="24604200" y="28296000"/>
+            <a:ext cx="5942880" cy="2971080"/>
+          </a:xfrm>
+          <a:prstGeom prst="rect">
+            <a:avLst/>
+          </a:prstGeom>
+          <a:solidFill>
+            <a:srgbClr val="afd095"/>
+          </a:solidFill>
+          <a:ln w="0">
+            <a:solidFill>
+              <a:srgbClr val="3465a4"/>
+            </a:solidFill>
+          </a:ln>
+        </p:spPr>
+        <p:style>
+          <a:lnRef idx="0"/>
+          <a:fillRef idx="0"/>
+          <a:effectRef idx="0"/>
+          <a:fontRef idx="minor"/>
+        </p:style>
+        <p:txBody>
+          <a:bodyPr lIns="90000" rIns="90000" tIns="45000" bIns="45000" anchor="ctr">
+            <a:noAutofit/>
+          </a:bodyPr>
+          <a:p>
+            <a:pPr algn="ctr">
+              <a:lnSpc>
+                <a:spcPct val="100000"/>
+              </a:lnSpc>
+            </a:pPr>
+            <a:endParaRPr b="0" lang="en-US" sz="1800" strike="noStrike" u="none">
+              <a:solidFill>
+                <a:srgbClr val="000000"/>
+              </a:solidFill>
+              <a:effectLst/>
+              <a:uFillTx/>
+              <a:latin typeface="Arial"/>
+              <a:ea typeface="DejaVu Sans"/>
+            </a:endParaRPr>
+          </a:p>
+        </p:txBody>
+      </p:sp>
+      <p:sp>
+        <p:nvSpPr>
+          <p:cNvPr id="136" name=""/>
+          <p:cNvSpPr/>
+          <p:nvPr/>
+        </p:nvSpPr>
+        <p:spPr>
+          <a:xfrm>
+            <a:off x="27574920" y="27379800"/>
+            <a:ext cx="360" cy="742320"/>
+          </a:xfrm>
+          <a:prstGeom prst="line">
+            <a:avLst/>
+          </a:prstGeom>
+          <a:ln w="38160">
+            <a:solidFill>
+              <a:srgbClr val="3465a4"/>
+            </a:solidFill>
+            <a:round/>
+            <a:tailEnd len="med" type="triangle" w="med"/>
+          </a:ln>
+        </p:spPr>
+        <p:style>
+          <a:lnRef idx="0"/>
+          <a:fillRef idx="0"/>
+          <a:effectRef idx="0"/>
+          <a:fontRef idx="minor"/>
+        </p:style>
+        <p:txBody>
+          <a:bodyPr lIns="109080" rIns="109080" tIns="64080" bIns="64080" anchor="ctr">
+            <a:noAutofit/>
+          </a:bodyPr>
+          <a:p>
+            <a:endParaRPr b="0" lang="en-US" sz="1800" strike="noStrike" u="none">
+              <a:solidFill>
+                <a:srgbClr val="000000"/>
+              </a:solidFill>
+              <a:effectLst/>
+              <a:uFillTx/>
+              <a:latin typeface="Arial"/>
+              <a:ea typeface="Arial"/>
+            </a:endParaRPr>
+          </a:p>
+        </p:txBody>
+      </p:sp>
+      <p:sp>
+        <p:nvSpPr>
+          <p:cNvPr id="137" name=""/>
+          <p:cNvSpPr/>
+          <p:nvPr/>
+        </p:nvSpPr>
+        <p:spPr>
+          <a:xfrm flipH="1">
+            <a:off x="28706760" y="27379800"/>
+            <a:ext cx="1881720" cy="742320"/>
+          </a:xfrm>
+          <a:prstGeom prst="line">
+            <a:avLst/>
+          </a:prstGeom>
+          <a:ln w="38160">
+            <a:solidFill>
+              <a:srgbClr val="3465a4"/>
+            </a:solidFill>
+            <a:round/>
+            <a:tailEnd len="med" type="triangle" w="med"/>
+          </a:ln>
+        </p:spPr>
+        <p:style>
+          <a:lnRef idx="0"/>
+          <a:fillRef idx="0"/>
+          <a:effectRef idx="0"/>
+          <a:fontRef idx="minor"/>
+        </p:style>
+        <p:txBody>
+          <a:bodyPr lIns="109080" rIns="109080" tIns="64080" bIns="64080" anchor="ctr">
+            <a:noAutofit/>
+          </a:bodyPr>
+          <a:p>
+            <a:endParaRPr b="0" lang="en-US" sz="1800" strike="noStrike" u="none">
+              <a:solidFill>
+                <a:srgbClr val="000000"/>
+              </a:solidFill>
+              <a:effectLst/>
+              <a:uFillTx/>
+              <a:latin typeface="Arial"/>
+              <a:ea typeface="Arial"/>
+            </a:endParaRPr>
+          </a:p>
+        </p:txBody>
+      </p:sp>
+      <p:sp>
+        <p:nvSpPr>
+          <p:cNvPr id="138" name=""/>
+          <p:cNvSpPr/>
+          <p:nvPr/>
+        </p:nvSpPr>
+        <p:spPr>
+          <a:xfrm>
+            <a:off x="25374600" y="29781720"/>
+            <a:ext cx="4494600" cy="1173960"/>
+          </a:xfrm>
+          <a:prstGeom prst="roundRect">
+            <a:avLst>
+              <a:gd name="adj" fmla="val 16667"/>
+            </a:avLst>
+          </a:prstGeom>
+          <a:solidFill>
+            <a:srgbClr val="ffb66c"/>
+          </a:solidFill>
+          <a:ln w="0">
+            <a:solidFill>
+              <a:srgbClr val="3465a4"/>
+            </a:solidFill>
+          </a:ln>
+        </p:spPr>
+        <p:style>
+          <a:lnRef idx="0"/>
+          <a:fillRef idx="0"/>
+          <a:effectRef idx="0"/>
+          <a:fontRef idx="minor"/>
+        </p:style>
+        <p:txBody>
+          <a:bodyPr lIns="90000" rIns="90000" tIns="45000" bIns="45000" anchor="ctr">
+            <a:noAutofit/>
+          </a:bodyPr>
+          <a:p>
+            <a:pPr algn="ctr">
+              <a:lnSpc>
+                <a:spcPct val="100000"/>
+              </a:lnSpc>
+            </a:pPr>
+            <a:r>
+              <a:rPr b="0" lang="en-US" sz="2800" strike="noStrike" u="none">
+                <a:solidFill>
+                  <a:srgbClr val="000000"/>
+                </a:solidFill>
+                <a:effectLst/>
+                <a:uFillTx/>
+                <a:latin typeface="Arial"/>
+                <a:ea typeface="Arial"/>
+              </a:rPr>
+              <a:t>Secure Memory</a:t>
+            </a:r>
+            <a:endParaRPr b="0" lang="en-US" sz="2800" strike="noStrike" u="none">
+              <a:solidFill>
+                <a:srgbClr val="000000"/>
+              </a:solidFill>
+              <a:effectLst/>
+              <a:uFillTx/>
+              <a:latin typeface="Arial"/>
+            </a:endParaRPr>
+          </a:p>
+        </p:txBody>
+      </p:sp>
+      <p:sp>
+        <p:nvSpPr>
+          <p:cNvPr id="139" name=""/>
+          <p:cNvSpPr/>
+          <p:nvPr/>
+        </p:nvSpPr>
+        <p:spPr>
+          <a:xfrm>
+            <a:off x="24233400" y="28488600"/>
+            <a:ext cx="4342680" cy="915120"/>
+          </a:xfrm>
+          <a:prstGeom prst="rect">
+            <a:avLst/>
+          </a:prstGeom>
+          <a:noFill/>
+          <a:ln w="0">
+            <a:noFill/>
+          </a:ln>
+        </p:spPr>
+        <p:style>
+          <a:lnRef idx="0"/>
+          <a:fillRef idx="0"/>
+          <a:effectRef idx="0"/>
+          <a:fontRef idx="minor"/>
+        </p:style>
+        <p:txBody>
+          <a:bodyPr lIns="90000" rIns="90000" tIns="45000" bIns="45000" anchor="t">
+            <a:spAutoFit/>
+          </a:bodyPr>
+          <a:p>
+            <a:pPr algn="ctr">
+              <a:lnSpc>
+                <a:spcPct val="100000"/>
+              </a:lnSpc>
+            </a:pPr>
+            <a:r>
+              <a:rPr b="0" lang="en-US" sz="2800" strike="noStrike" u="none">
+                <a:solidFill>
+                  <a:srgbClr val="000000"/>
+                </a:solidFill>
+                <a:effectLst/>
+                <a:uFillTx/>
+                <a:latin typeface="Arial"/>
+                <a:ea typeface="Arial"/>
+              </a:rPr>
+              <a:t>RISC-V Keystone</a:t>
+            </a:r>
+            <a:endParaRPr b="0" lang="en-US" sz="2800" strike="noStrike" u="none">
+              <a:solidFill>
+                <a:srgbClr val="000000"/>
+              </a:solidFill>
+              <a:effectLst/>
+              <a:uFillTx/>
+              <a:latin typeface="Arial"/>
+            </a:endParaRPr>
+          </a:p>
+        </p:txBody>
+      </p:sp>
+      <p:sp>
+        <p:nvSpPr>
+          <p:cNvPr id="140" name=""/>
+          <p:cNvSpPr/>
+          <p:nvPr/>
+        </p:nvSpPr>
+        <p:spPr>
+          <a:xfrm>
+            <a:off x="36804600" y="17001000"/>
+            <a:ext cx="2971080" cy="1142280"/>
+          </a:xfrm>
+          <a:prstGeom prst="roundRect">
+            <a:avLst>
+              <a:gd name="adj" fmla="val 16667"/>
+            </a:avLst>
+          </a:prstGeom>
+          <a:solidFill>
+            <a:srgbClr val="77bc65"/>
+          </a:solidFill>
+          <a:ln w="0">
+            <a:solidFill>
+              <a:srgbClr val="3465a4"/>
+            </a:solidFill>
+          </a:ln>
+        </p:spPr>
+        <p:style>
+          <a:lnRef idx="0"/>
+          <a:fillRef idx="0"/>
+          <a:effectRef idx="0"/>
+          <a:fontRef idx="minor"/>
+        </p:style>
+        <p:txBody>
+          <a:bodyPr lIns="90000" rIns="90000" tIns="45000" bIns="45000" anchor="ctr">
+            <a:noAutofit/>
+          </a:bodyPr>
+          <a:p>
+            <a:pPr algn="ctr">
+              <a:lnSpc>
+                <a:spcPct val="100000"/>
+              </a:lnSpc>
+            </a:pPr>
+            <a:r>
+              <a:rPr b="0" lang="en-US" sz="2200" strike="noStrike" u="none">
+                <a:solidFill>
+                  <a:srgbClr val="000000"/>
+                </a:solidFill>
+                <a:effectLst/>
+                <a:uFillTx/>
+                <a:latin typeface="Open Sans"/>
+                <a:ea typeface="DejaVu Sans"/>
+              </a:rPr>
+              <a:t>Novel Ideas</a:t>
+            </a:r>
+            <a:endParaRPr b="0" lang="en-US" sz="2200" strike="noStrike" u="none">
+              <a:solidFill>
+                <a:srgbClr val="000000"/>
+              </a:solidFill>
+              <a:effectLst/>
+              <a:uFillTx/>
+              <a:latin typeface="Arial"/>
+            </a:endParaRPr>
+          </a:p>
+        </p:txBody>
+      </p:sp>
+      <p:sp>
+        <p:nvSpPr>
+          <p:cNvPr id="141" name=""/>
+          <p:cNvSpPr/>
+          <p:nvPr/>
+        </p:nvSpPr>
+        <p:spPr>
+          <a:xfrm>
+            <a:off x="37238400" y="19294200"/>
+            <a:ext cx="2285280" cy="1143720"/>
+          </a:xfrm>
+          <a:prstGeom prst="rect">
+            <a:avLst/>
+          </a:prstGeom>
+          <a:noFill/>
+          <a:ln w="0">
+            <a:noFill/>
+          </a:ln>
+        </p:spPr>
+        <p:style>
+          <a:lnRef idx="0"/>
+          <a:fillRef idx="0"/>
+          <a:effectRef idx="0"/>
+          <a:fontRef idx="minor"/>
+        </p:style>
+        <p:txBody>
+          <a:bodyPr lIns="90000" rIns="90000" tIns="45000" bIns="45000" anchor="t">
+            <a:spAutoFit/>
+          </a:bodyPr>
+          <a:p>
+            <a:pPr algn="ctr">
+              <a:lnSpc>
+                <a:spcPct val="100000"/>
+              </a:lnSpc>
+            </a:pPr>
+            <a:r>
+              <a:rPr b="0" lang="en-US" sz="2200" strike="noStrike" u="none">
+                <a:solidFill>
+                  <a:srgbClr val="000000"/>
+                </a:solidFill>
+                <a:effectLst/>
+                <a:uFillTx/>
+                <a:latin typeface="Open Sans"/>
+                <a:ea typeface="Arial"/>
+              </a:rPr>
+              <a:t>Full-System Simulation</a:t>
+            </a:r>
+            <a:endParaRPr b="0" lang="en-US" sz="2200" strike="noStrike" u="none">
+              <a:solidFill>
+                <a:srgbClr val="000000"/>
+              </a:solidFill>
+              <a:effectLst/>
+              <a:uFillTx/>
+              <a:latin typeface="Arial"/>
+            </a:endParaRPr>
+          </a:p>
+        </p:txBody>
+      </p:sp>
+      <p:sp>
+        <p:nvSpPr>
+          <p:cNvPr id="142" name=""/>
+          <p:cNvSpPr/>
+          <p:nvPr/>
+        </p:nvSpPr>
+        <p:spPr>
+          <a:xfrm>
+            <a:off x="39740400" y="22246200"/>
+            <a:ext cx="2513880" cy="853560"/>
+          </a:xfrm>
+          <a:prstGeom prst="rect">
+            <a:avLst/>
+          </a:prstGeom>
+          <a:noFill/>
+          <a:ln w="0">
+            <a:noFill/>
+          </a:ln>
+        </p:spPr>
+        <p:style>
+          <a:lnRef idx="0"/>
+          <a:fillRef idx="0"/>
+          <a:effectRef idx="0"/>
+          <a:fontRef idx="minor"/>
+        </p:style>
+        <p:txBody>
+          <a:bodyPr lIns="90000" rIns="90000" tIns="45000" bIns="45000" anchor="t">
+            <a:spAutoFit/>
+          </a:bodyPr>
+          <a:p>
+            <a:pPr algn="ctr">
+              <a:lnSpc>
+                <a:spcPct val="100000"/>
+              </a:lnSpc>
+            </a:pPr>
+            <a:r>
+              <a:rPr b="0" lang="en-US" sz="2200" strike="noStrike" u="none">
+                <a:solidFill>
+                  <a:srgbClr val="000000"/>
+                </a:solidFill>
+                <a:effectLst/>
+                <a:uFillTx/>
+                <a:latin typeface="Open Sans"/>
+                <a:ea typeface="Arial"/>
+              </a:rPr>
+              <a:t>Implement Designs</a:t>
+            </a:r>
+            <a:endParaRPr b="0" lang="en-US" sz="2200" strike="noStrike" u="none">
+              <a:solidFill>
+                <a:srgbClr val="000000"/>
+              </a:solidFill>
+              <a:effectLst/>
+              <a:uFillTx/>
+              <a:latin typeface="Arial"/>
+            </a:endParaRPr>
+          </a:p>
+        </p:txBody>
+      </p:sp>
+      <p:sp>
+        <p:nvSpPr>
+          <p:cNvPr id="143" name=""/>
+          <p:cNvSpPr/>
+          <p:nvPr/>
+        </p:nvSpPr>
+        <p:spPr>
+          <a:xfrm flipH="1">
+            <a:off x="2241000" y="26694720"/>
+            <a:ext cx="931320" cy="934200"/>
+          </a:xfrm>
+          <a:prstGeom prst="line">
+            <a:avLst/>
+          </a:prstGeom>
+          <a:ln w="38160">
+            <a:solidFill>
+              <a:srgbClr val="000000"/>
+            </a:solidFill>
+            <a:round/>
+            <a:tailEnd len="med" type="triangle" w="med"/>
+          </a:ln>
+        </p:spPr>
+        <p:style>
+          <a:lnRef idx="0"/>
+          <a:fillRef idx="0"/>
+          <a:effectRef idx="0"/>
+          <a:fontRef idx="minor"/>
+        </p:style>
+        <p:txBody>
+          <a:bodyPr lIns="109080" rIns="109080" tIns="64080" bIns="64080" anchor="ctr">
+            <a:noAutofit/>
+          </a:bodyPr>
+          <a:p>
+            <a:endParaRPr b="0" lang="en-US" sz="1800" strike="noStrike" u="none">
+              <a:solidFill>
+                <a:srgbClr val="000000"/>
+              </a:solidFill>
+              <a:effectLst/>
+              <a:uFillTx/>
+              <a:latin typeface="Arial"/>
+              <a:ea typeface="DejaVu Sans"/>
+            </a:endParaRPr>
+          </a:p>
+        </p:txBody>
+      </p:sp>
+      <p:sp>
+        <p:nvSpPr>
+          <p:cNvPr id="144" name=""/>
+          <p:cNvSpPr/>
+          <p:nvPr/>
+        </p:nvSpPr>
+        <p:spPr>
+          <a:xfrm>
+            <a:off x="3172320" y="26694720"/>
+            <a:ext cx="931680" cy="934200"/>
+          </a:xfrm>
+          <a:prstGeom prst="line">
+            <a:avLst/>
+          </a:prstGeom>
+          <a:ln w="38160">
+            <a:solidFill>
+              <a:srgbClr val="000000"/>
+            </a:solidFill>
+            <a:round/>
+            <a:tailEnd len="med" type="triangle" w="med"/>
+          </a:ln>
+        </p:spPr>
+        <p:style>
+          <a:lnRef idx="0"/>
+          <a:fillRef idx="0"/>
+          <a:effectRef idx="0"/>
+          <a:fontRef idx="minor"/>
+        </p:style>
+        <p:txBody>
+          <a:bodyPr lIns="109080" rIns="109080" tIns="64080" bIns="64080" anchor="ctr">
+            <a:noAutofit/>
+          </a:bodyPr>
+          <a:p>
+            <a:endParaRPr b="0" lang="en-US" sz="1800" strike="noStrike" u="none">
+              <a:solidFill>
+                <a:srgbClr val="000000"/>
+              </a:solidFill>
+              <a:effectLst/>
+              <a:uFillTx/>
+              <a:latin typeface="Arial"/>
+              <a:ea typeface="DejaVu Sans"/>
+            </a:endParaRPr>
+          </a:p>
+        </p:txBody>
+      </p:sp>
+      <p:sp>
+        <p:nvSpPr>
+          <p:cNvPr id="145" name=""/>
+          <p:cNvSpPr/>
+          <p:nvPr/>
+        </p:nvSpPr>
+        <p:spPr>
+          <a:xfrm>
+            <a:off x="2279880" y="26083800"/>
+            <a:ext cx="1787400" cy="750960"/>
+          </a:xfrm>
+          <a:prstGeom prst="rect">
+            <a:avLst/>
+          </a:prstGeom>
+          <a:solidFill>
+            <a:srgbClr val="000000"/>
+          </a:solidFill>
+          <a:ln w="0">
+            <a:solidFill>
+              <a:srgbClr val="3465a4"/>
+            </a:solidFill>
+          </a:ln>
+        </p:spPr>
+        <p:style>
+          <a:lnRef idx="0"/>
+          <a:fillRef idx="0"/>
+          <a:effectRef idx="0"/>
+          <a:fontRef idx="minor"/>
+        </p:style>
+        <p:txBody>
+          <a:bodyPr lIns="90000" rIns="90000" tIns="45000" bIns="45000" anchor="ctr">
+            <a:noAutofit/>
+          </a:bodyPr>
+          <a:p>
+            <a:pPr algn="ctr">
+              <a:lnSpc>
+                <a:spcPct val="100000"/>
+              </a:lnSpc>
+            </a:pPr>
+            <a:r>
+              <a:rPr b="0" lang="en-US" sz="2100" strike="noStrike" u="none">
+                <a:solidFill>
+                  <a:srgbClr val="ffffff"/>
+                </a:solidFill>
+                <a:effectLst/>
+                <a:uFillTx/>
+                <a:latin typeface="Open Sans"/>
+                <a:ea typeface="DejaVu Sans"/>
+              </a:rPr>
+              <a:t>Design Idea</a:t>
+            </a:r>
+            <a:endParaRPr b="0" lang="en-US" sz="2100" strike="noStrike" u="none">
+              <a:solidFill>
+                <a:srgbClr val="ffffff"/>
+              </a:solidFill>
+              <a:effectLst/>
+              <a:uFillTx/>
+              <a:latin typeface="Arial"/>
+            </a:endParaRPr>
+          </a:p>
+        </p:txBody>
+      </p:sp>
+      <p:sp>
+        <p:nvSpPr>
+          <p:cNvPr id="146" name=""/>
+          <p:cNvSpPr/>
+          <p:nvPr/>
+        </p:nvSpPr>
+        <p:spPr>
+          <a:xfrm>
+            <a:off x="2969640" y="27964080"/>
+            <a:ext cx="303840" cy="453240"/>
+          </a:xfrm>
+          <a:prstGeom prst="rect">
+            <a:avLst/>
+          </a:prstGeom>
+          <a:noFill/>
+          <a:ln w="0">
+            <a:noFill/>
+          </a:ln>
+        </p:spPr>
+        <p:style>
+          <a:lnRef idx="0"/>
+          <a:fillRef idx="0"/>
+          <a:effectRef idx="0"/>
+          <a:fontRef idx="minor"/>
+        </p:style>
+        <p:txBody>
+          <a:bodyPr lIns="90000" rIns="90000" tIns="45000" bIns="45000" anchor="t">
+            <a:noAutofit/>
+          </a:bodyPr>
+          <a:p>
+            <a:pPr>
+              <a:lnSpc>
+                <a:spcPct val="100000"/>
+              </a:lnSpc>
+            </a:pPr>
+            <a:r>
+              <a:rPr b="0" lang="en-US" sz="1800" strike="noStrike" u="none">
+                <a:solidFill>
+                  <a:srgbClr val="000000"/>
+                </a:solidFill>
+                <a:effectLst/>
+                <a:uFillTx/>
+                <a:latin typeface="Times New Roman"/>
+                <a:ea typeface="DejaVu Sans"/>
+              </a:rPr>
+              <a:t>&amp;</a:t>
+            </a:r>
+            <a:endParaRPr b="0" lang="en-US" sz="1800" strike="noStrike" u="none">
+              <a:solidFill>
+                <a:srgbClr val="000000"/>
+              </a:solidFill>
+              <a:effectLst/>
+              <a:uFillTx/>
+              <a:latin typeface="Arial"/>
+            </a:endParaRPr>
+          </a:p>
+        </p:txBody>
+      </p:sp>
+      <p:sp>
+        <p:nvSpPr>
+          <p:cNvPr id="147" name=""/>
+          <p:cNvSpPr/>
+          <p:nvPr/>
+        </p:nvSpPr>
+        <p:spPr>
+          <a:xfrm>
+            <a:off x="2309040" y="29305080"/>
+            <a:ext cx="1742400" cy="903600"/>
+          </a:xfrm>
+          <a:prstGeom prst="rect">
+            <a:avLst/>
+          </a:prstGeom>
+          <a:solidFill>
+            <a:srgbClr val="000000"/>
+          </a:solidFill>
+          <a:ln w="0">
+            <a:solidFill>
+              <a:srgbClr val="3465a4"/>
+            </a:solidFill>
+          </a:ln>
+        </p:spPr>
+        <p:style>
+          <a:lnRef idx="0"/>
+          <a:fillRef idx="0"/>
+          <a:effectRef idx="0"/>
+          <a:fontRef idx="minor"/>
+        </p:style>
+        <p:txBody>
+          <a:bodyPr lIns="90000" rIns="90000" tIns="45000" bIns="45000" anchor="ctr">
+            <a:noAutofit/>
+          </a:bodyPr>
+          <a:p>
+            <a:pPr algn="ctr">
+              <a:lnSpc>
+                <a:spcPct val="100000"/>
+              </a:lnSpc>
+            </a:pPr>
+            <a:r>
+              <a:rPr b="0" lang="en-US" sz="2100" strike="noStrike" u="none">
+                <a:solidFill>
+                  <a:srgbClr val="ffffff"/>
+                </a:solidFill>
+                <a:effectLst/>
+                <a:uFillTx/>
+                <a:latin typeface="Open Sans"/>
+                <a:ea typeface="DejaVu Sans"/>
+              </a:rPr>
+              <a:t>Implement</a:t>
+            </a:r>
+            <a:endParaRPr b="0" lang="en-US" sz="2100" strike="noStrike" u="none">
+              <a:solidFill>
+                <a:srgbClr val="ffffff"/>
+              </a:solidFill>
+              <a:effectLst/>
+              <a:uFillTx/>
+              <a:latin typeface="Arial"/>
+            </a:endParaRPr>
+          </a:p>
+        </p:txBody>
+      </p:sp>
+      <p:sp>
+        <p:nvSpPr>
+          <p:cNvPr id="148" name=""/>
+          <p:cNvSpPr/>
+          <p:nvPr/>
+        </p:nvSpPr>
+        <p:spPr>
+          <a:xfrm>
+            <a:off x="2602080" y="30679200"/>
+            <a:ext cx="1170000" cy="517680"/>
+          </a:xfrm>
+          <a:prstGeom prst="rect">
+            <a:avLst/>
+          </a:prstGeom>
+          <a:solidFill>
+            <a:srgbClr val="000000"/>
+          </a:solidFill>
+          <a:ln w="0">
+            <a:solidFill>
+              <a:srgbClr val="3465a4"/>
+            </a:solidFill>
+          </a:ln>
+        </p:spPr>
+        <p:style>
+          <a:lnRef idx="0"/>
+          <a:fillRef idx="0"/>
+          <a:effectRef idx="0"/>
+          <a:fontRef idx="minor"/>
+        </p:style>
+        <p:txBody>
+          <a:bodyPr lIns="90000" rIns="90000" tIns="45000" bIns="45000" anchor="ctr">
+            <a:noAutofit/>
+          </a:bodyPr>
+          <a:p>
+            <a:pPr algn="ctr">
+              <a:lnSpc>
+                <a:spcPct val="100000"/>
+              </a:lnSpc>
+            </a:pPr>
+            <a:r>
+              <a:rPr b="0" lang="en-US" sz="2200" strike="noStrike" u="none">
+                <a:solidFill>
+                  <a:srgbClr val="ffffff"/>
+                </a:solidFill>
+                <a:effectLst/>
+                <a:uFillTx/>
+                <a:latin typeface="Open Sans"/>
+                <a:ea typeface="DejaVu Sans"/>
+              </a:rPr>
+              <a:t>Test</a:t>
+            </a:r>
+            <a:endParaRPr b="0" lang="en-US" sz="2200" strike="noStrike" u="none">
+              <a:solidFill>
+                <a:srgbClr val="ffffff"/>
+              </a:solidFill>
+              <a:effectLst/>
+              <a:uFillTx/>
+              <a:latin typeface="Arial"/>
+            </a:endParaRPr>
+          </a:p>
+        </p:txBody>
+      </p:sp>
+      <p:sp>
+        <p:nvSpPr>
+          <p:cNvPr id="149" name=""/>
+          <p:cNvSpPr/>
+          <p:nvPr/>
+        </p:nvSpPr>
+        <p:spPr>
+          <a:xfrm flipH="1">
+            <a:off x="3483000" y="28638720"/>
+            <a:ext cx="870840" cy="512640"/>
+          </a:xfrm>
+          <a:prstGeom prst="line">
+            <a:avLst/>
+          </a:prstGeom>
+          <a:ln w="38160">
+            <a:solidFill>
+              <a:srgbClr val="000000"/>
+            </a:solidFill>
+            <a:round/>
+            <a:tailEnd len="med" type="triangle" w="med"/>
+          </a:ln>
+        </p:spPr>
+        <p:style>
+          <a:lnRef idx="0"/>
+          <a:fillRef idx="0"/>
+          <a:effectRef idx="0"/>
+          <a:fontRef idx="minor"/>
+        </p:style>
+        <p:txBody>
+          <a:bodyPr lIns="109080" rIns="109080" tIns="64080" bIns="64080" anchor="ctr">
+            <a:noAutofit/>
+          </a:bodyPr>
+          <a:p>
+            <a:endParaRPr b="0" lang="en-US" sz="1800" strike="noStrike" u="none">
+              <a:solidFill>
+                <a:srgbClr val="000000"/>
+              </a:solidFill>
+              <a:effectLst/>
+              <a:uFillTx/>
+              <a:latin typeface="Arial"/>
+              <a:ea typeface="DejaVu Sans"/>
+            </a:endParaRPr>
+          </a:p>
+        </p:txBody>
+      </p:sp>
+      <p:sp>
+        <p:nvSpPr>
+          <p:cNvPr id="150" name=""/>
+          <p:cNvSpPr/>
+          <p:nvPr/>
+        </p:nvSpPr>
+        <p:spPr>
+          <a:xfrm>
+            <a:off x="2023200" y="28638720"/>
+            <a:ext cx="838800" cy="512640"/>
+          </a:xfrm>
+          <a:prstGeom prst="line">
+            <a:avLst/>
+          </a:prstGeom>
+          <a:ln w="38160">
+            <a:solidFill>
+              <a:srgbClr val="000000"/>
+            </a:solidFill>
+            <a:round/>
+            <a:tailEnd len="med" type="triangle" w="med"/>
+          </a:ln>
+        </p:spPr>
+        <p:style>
+          <a:lnRef idx="0"/>
+          <a:fillRef idx="0"/>
+          <a:effectRef idx="0"/>
+          <a:fontRef idx="minor"/>
+        </p:style>
+        <p:txBody>
+          <a:bodyPr lIns="109080" rIns="109080" tIns="64080" bIns="64080" anchor="ctr">
+            <a:noAutofit/>
+          </a:bodyPr>
+          <a:p>
+            <a:endParaRPr b="0" lang="en-US" sz="1800" strike="noStrike" u="none">
+              <a:solidFill>
+                <a:srgbClr val="000000"/>
+              </a:solidFill>
+              <a:effectLst/>
+              <a:uFillTx/>
+              <a:latin typeface="Arial"/>
+              <a:ea typeface="DejaVu Sans"/>
+            </a:endParaRPr>
+          </a:p>
+        </p:txBody>
+      </p:sp>
+      <p:sp>
+        <p:nvSpPr>
+          <p:cNvPr id="151" name=""/>
+          <p:cNvSpPr/>
+          <p:nvPr/>
+        </p:nvSpPr>
+        <p:spPr>
+          <a:xfrm>
+            <a:off x="3191400" y="30173760"/>
+            <a:ext cx="720" cy="439200"/>
+          </a:xfrm>
+          <a:prstGeom prst="line">
+            <a:avLst/>
+          </a:prstGeom>
+          <a:ln w="38160">
+            <a:solidFill>
+              <a:srgbClr val="000000"/>
+            </a:solidFill>
+            <a:round/>
+            <a:tailEnd len="med" type="triangle" w="med"/>
+          </a:ln>
+        </p:spPr>
+        <p:style>
+          <a:lnRef idx="0"/>
+          <a:fillRef idx="0"/>
+          <a:effectRef idx="0"/>
+          <a:fontRef idx="minor"/>
+        </p:style>
+        <p:txBody>
+          <a:bodyPr lIns="109080" rIns="109080" tIns="64080" bIns="64080" anchor="ctr">
+            <a:noAutofit/>
+          </a:bodyPr>
+          <a:p>
+            <a:endParaRPr b="0" lang="en-US" sz="1800" strike="noStrike" u="none">
+              <a:solidFill>
+                <a:srgbClr val="000000"/>
+              </a:solidFill>
+              <a:effectLst/>
+              <a:uFillTx/>
+              <a:latin typeface="Arial"/>
+              <a:ea typeface="DejaVu Sans"/>
+            </a:endParaRPr>
+          </a:p>
+        </p:txBody>
+      </p:sp>
+      <p:sp>
+        <p:nvSpPr>
+          <p:cNvPr id="152" name=""/>
+          <p:cNvSpPr/>
+          <p:nvPr/>
+        </p:nvSpPr>
+        <p:spPr>
+          <a:xfrm>
+            <a:off x="999000" y="27678240"/>
+            <a:ext cx="1947960" cy="960840"/>
+          </a:xfrm>
+          <a:prstGeom prst="rect">
+            <a:avLst/>
+          </a:prstGeom>
+          <a:solidFill>
+            <a:srgbClr val="729fcf"/>
+          </a:solidFill>
+          <a:ln w="0">
+            <a:solidFill>
+              <a:srgbClr val="3465a4"/>
+            </a:solidFill>
+          </a:ln>
+        </p:spPr>
+        <p:style>
+          <a:lnRef idx="0"/>
+          <a:fillRef idx="0"/>
+          <a:effectRef idx="0"/>
+          <a:fontRef idx="minor"/>
+        </p:style>
+        <p:txBody>
+          <a:bodyPr lIns="90000" rIns="90000" tIns="45000" bIns="45000" anchor="ctr">
+            <a:noAutofit/>
+          </a:bodyPr>
+          <a:p>
+            <a:pPr algn="ctr">
+              <a:lnSpc>
+                <a:spcPct val="100000"/>
+              </a:lnSpc>
+            </a:pPr>
+            <a:r>
+              <a:rPr b="0" lang="en-US" sz="2200" strike="noStrike" u="none">
+                <a:solidFill>
+                  <a:srgbClr val="000000"/>
+                </a:solidFill>
+                <a:effectLst/>
+                <a:uFillTx/>
+                <a:latin typeface="Open Sans"/>
+                <a:ea typeface="DejaVu Sans"/>
+              </a:rPr>
+              <a:t>Learn gem5</a:t>
+            </a:r>
+            <a:endParaRPr b="0" lang="en-US" sz="2200" strike="noStrike" u="none">
+              <a:solidFill>
+                <a:srgbClr val="000000"/>
+              </a:solidFill>
+              <a:effectLst/>
+              <a:uFillTx/>
+              <a:latin typeface="Arial"/>
+            </a:endParaRPr>
+          </a:p>
+        </p:txBody>
+      </p:sp>
+      <p:sp>
+        <p:nvSpPr>
+          <p:cNvPr id="153" name=""/>
+          <p:cNvSpPr/>
+          <p:nvPr/>
+        </p:nvSpPr>
+        <p:spPr>
+          <a:xfrm>
+            <a:off x="3393720" y="27678240"/>
+            <a:ext cx="1947960" cy="960840"/>
+          </a:xfrm>
+          <a:prstGeom prst="rect">
+            <a:avLst/>
+          </a:prstGeom>
+          <a:solidFill>
+            <a:srgbClr val="afd095"/>
+          </a:solidFill>
+          <a:ln w="0">
+            <a:solidFill>
+              <a:srgbClr val="3465a4"/>
+            </a:solidFill>
+          </a:ln>
+        </p:spPr>
+        <p:style>
+          <a:lnRef idx="0"/>
+          <a:fillRef idx="0"/>
+          <a:effectRef idx="0"/>
+          <a:fontRef idx="minor"/>
+        </p:style>
+        <p:txBody>
+          <a:bodyPr lIns="90000" rIns="90000" tIns="45000" bIns="45000" anchor="ctr">
+            <a:noAutofit/>
+          </a:bodyPr>
+          <a:p>
+            <a:pPr algn="ctr">
+              <a:lnSpc>
+                <a:spcPct val="100000"/>
+              </a:lnSpc>
+            </a:pPr>
+            <a:r>
+              <a:rPr b="0" lang="en-US" sz="2200" strike="noStrike" u="none">
+                <a:solidFill>
+                  <a:srgbClr val="000000"/>
+                </a:solidFill>
+                <a:effectLst/>
+                <a:uFillTx/>
+                <a:latin typeface="Open Sans"/>
+                <a:ea typeface="DejaVu Sans"/>
+              </a:rPr>
+              <a:t>Learn Keystone</a:t>
+            </a:r>
+            <a:endParaRPr b="0" lang="en-US" sz="2200" strike="noStrike" u="none">
+              <a:solidFill>
+                <a:srgbClr val="000000"/>
+              </a:solidFill>
+              <a:effectLst/>
+              <a:uFillTx/>
+              <a:latin typeface="Arial"/>
+            </a:endParaRPr>
+          </a:p>
+        </p:txBody>
+      </p:sp>
+      <p:sp>
+        <p:nvSpPr>
+          <p:cNvPr id="154" name=""/>
+          <p:cNvSpPr/>
+          <p:nvPr/>
+        </p:nvSpPr>
+        <p:spPr>
+          <a:xfrm>
+            <a:off x="38296440" y="18143640"/>
+            <a:ext cx="0" cy="439200"/>
+          </a:xfrm>
+          <a:prstGeom prst="line">
+            <a:avLst/>
+          </a:prstGeom>
+          <a:ln w="38160">
+            <a:solidFill>
+              <a:srgbClr val="000000"/>
+            </a:solidFill>
+            <a:round/>
+            <a:tailEnd len="med" type="triangle" w="med"/>
+          </a:ln>
+        </p:spPr>
+        <p:style>
+          <a:lnRef idx="0"/>
+          <a:fillRef idx="0"/>
+          <a:effectRef idx="0"/>
+          <a:fontRef idx="minor"/>
+        </p:style>
+        <p:txBody>
+          <a:bodyPr lIns="109080" rIns="109080" tIns="64080" bIns="64080" anchor="ctr">
+            <a:noAutofit/>
+          </a:bodyPr>
+          <a:p>
+            <a:endParaRPr b="0" lang="en-US" sz="1800" strike="noStrike" u="none">
+              <a:solidFill>
+                <a:srgbClr val="000000"/>
+              </a:solidFill>
+              <a:effectLst/>
+              <a:uFillTx/>
+              <a:latin typeface="Arial"/>
+              <a:ea typeface="DejaVu Sans"/>
+            </a:endParaRPr>
+          </a:p>
+        </p:txBody>
+      </p:sp>
+      <p:sp>
+        <p:nvSpPr>
+          <p:cNvPr id="155" name=""/>
+          <p:cNvSpPr/>
+          <p:nvPr/>
+        </p:nvSpPr>
+        <p:spPr>
+          <a:xfrm>
+            <a:off x="8356320" y="26694360"/>
+            <a:ext cx="360" cy="509040"/>
+          </a:xfrm>
+          <a:prstGeom prst="line">
+            <a:avLst/>
+          </a:prstGeom>
+          <a:ln w="38160">
+            <a:solidFill>
+              <a:srgbClr val="000000"/>
+            </a:solidFill>
+            <a:round/>
+            <a:tailEnd len="med" type="triangle" w="med"/>
+          </a:ln>
+        </p:spPr>
+        <p:style>
+          <a:lnRef idx="0"/>
+          <a:fillRef idx="0"/>
+          <a:effectRef idx="0"/>
+          <a:fontRef idx="minor"/>
+        </p:style>
+        <p:txBody>
+          <a:bodyPr lIns="109080" rIns="109080" tIns="64080" bIns="64080" anchor="ctr">
+            <a:noAutofit/>
+          </a:bodyPr>
+          <a:p>
+            <a:endParaRPr b="0" lang="en-US" sz="1800" strike="noStrike" u="none">
+              <a:solidFill>
+                <a:srgbClr val="000000"/>
+              </a:solidFill>
+              <a:effectLst/>
+              <a:uFillTx/>
+              <a:latin typeface="Arial"/>
+              <a:ea typeface="DejaVu Sans"/>
+            </a:endParaRPr>
+          </a:p>
+        </p:txBody>
+      </p:sp>
+      <p:sp>
+        <p:nvSpPr>
+          <p:cNvPr id="156" name=""/>
+          <p:cNvSpPr/>
+          <p:nvPr/>
+        </p:nvSpPr>
+        <p:spPr>
+          <a:xfrm>
+            <a:off x="7463880" y="26083440"/>
+            <a:ext cx="1787400" cy="750960"/>
+          </a:xfrm>
+          <a:prstGeom prst="rect">
+            <a:avLst/>
+          </a:prstGeom>
+          <a:solidFill>
+            <a:srgbClr val="000000"/>
+          </a:solidFill>
+          <a:ln w="0">
+            <a:solidFill>
+              <a:srgbClr val="3465a4"/>
+            </a:solidFill>
+          </a:ln>
+        </p:spPr>
+        <p:style>
+          <a:lnRef idx="0"/>
+          <a:fillRef idx="0"/>
+          <a:effectRef idx="0"/>
+          <a:fontRef idx="minor"/>
+        </p:style>
+        <p:txBody>
+          <a:bodyPr lIns="90000" rIns="90000" tIns="45000" bIns="45000" anchor="ctr">
+            <a:noAutofit/>
+          </a:bodyPr>
+          <a:p>
+            <a:pPr algn="ctr">
+              <a:lnSpc>
+                <a:spcPct val="100000"/>
+              </a:lnSpc>
+            </a:pPr>
+            <a:r>
+              <a:rPr b="0" lang="en-US" sz="2100" strike="noStrike" u="none">
+                <a:solidFill>
+                  <a:srgbClr val="ffffff"/>
+                </a:solidFill>
+                <a:effectLst/>
+                <a:uFillTx/>
+                <a:latin typeface="Open Sans"/>
+                <a:ea typeface="DejaVu Sans"/>
+              </a:rPr>
+              <a:t>Design Idea</a:t>
+            </a:r>
+            <a:endParaRPr b="0" lang="en-US" sz="2100" strike="noStrike" u="none">
+              <a:solidFill>
+                <a:srgbClr val="ffffff"/>
+              </a:solidFill>
+              <a:effectLst/>
+              <a:uFillTx/>
+              <a:latin typeface="Arial"/>
+            </a:endParaRPr>
+          </a:p>
+        </p:txBody>
+      </p:sp>
+      <p:sp>
+        <p:nvSpPr>
+          <p:cNvPr id="157" name=""/>
+          <p:cNvSpPr/>
+          <p:nvPr/>
+        </p:nvSpPr>
+        <p:spPr>
+          <a:xfrm>
+            <a:off x="7493040" y="29304720"/>
+            <a:ext cx="1742400" cy="903600"/>
+          </a:xfrm>
+          <a:prstGeom prst="rect">
+            <a:avLst/>
+          </a:prstGeom>
+          <a:solidFill>
+            <a:srgbClr val="000000"/>
+          </a:solidFill>
+          <a:ln w="0">
+            <a:solidFill>
+              <a:srgbClr val="3465a4"/>
+            </a:solidFill>
+          </a:ln>
+        </p:spPr>
+        <p:style>
+          <a:lnRef idx="0"/>
+          <a:fillRef idx="0"/>
+          <a:effectRef idx="0"/>
+          <a:fontRef idx="minor"/>
+        </p:style>
+        <p:txBody>
+          <a:bodyPr lIns="90000" rIns="90000" tIns="45000" bIns="45000" anchor="ctr">
+            <a:noAutofit/>
+          </a:bodyPr>
+          <a:p>
+            <a:pPr algn="ctr">
+              <a:lnSpc>
+                <a:spcPct val="100000"/>
+              </a:lnSpc>
+            </a:pPr>
+            <a:r>
+              <a:rPr b="0" lang="en-US" sz="2100" strike="noStrike" u="none">
+                <a:solidFill>
+                  <a:srgbClr val="ffffff"/>
+                </a:solidFill>
+                <a:effectLst/>
+                <a:uFillTx/>
+                <a:latin typeface="Open Sans"/>
+                <a:ea typeface="DejaVu Sans"/>
+              </a:rPr>
+              <a:t>Implement</a:t>
+            </a:r>
+            <a:endParaRPr b="0" lang="en-US" sz="2100" strike="noStrike" u="none">
+              <a:solidFill>
+                <a:srgbClr val="ffffff"/>
+              </a:solidFill>
+              <a:effectLst/>
+              <a:uFillTx/>
+              <a:latin typeface="Arial"/>
+            </a:endParaRPr>
+          </a:p>
+        </p:txBody>
+      </p:sp>
+      <p:sp>
+        <p:nvSpPr>
+          <p:cNvPr id="158" name=""/>
+          <p:cNvSpPr/>
+          <p:nvPr/>
+        </p:nvSpPr>
+        <p:spPr>
+          <a:xfrm>
+            <a:off x="7786080" y="30678840"/>
+            <a:ext cx="1170000" cy="517680"/>
+          </a:xfrm>
+          <a:prstGeom prst="rect">
+            <a:avLst/>
+          </a:prstGeom>
+          <a:solidFill>
+            <a:srgbClr val="000000"/>
+          </a:solidFill>
+          <a:ln w="0">
+            <a:solidFill>
+              <a:srgbClr val="3465a4"/>
+            </a:solidFill>
+          </a:ln>
+        </p:spPr>
+        <p:style>
+          <a:lnRef idx="0"/>
+          <a:fillRef idx="0"/>
+          <a:effectRef idx="0"/>
+          <a:fontRef idx="minor"/>
+        </p:style>
+        <p:txBody>
+          <a:bodyPr lIns="90000" rIns="90000" tIns="45000" bIns="45000" anchor="ctr">
+            <a:noAutofit/>
+          </a:bodyPr>
+          <a:p>
+            <a:pPr algn="ctr">
+              <a:lnSpc>
+                <a:spcPct val="100000"/>
+              </a:lnSpc>
+            </a:pPr>
+            <a:r>
+              <a:rPr b="0" lang="en-US" sz="2200" strike="noStrike" u="none">
+                <a:solidFill>
+                  <a:srgbClr val="ffffff"/>
+                </a:solidFill>
+                <a:effectLst/>
+                <a:uFillTx/>
+                <a:latin typeface="Open Sans"/>
+                <a:ea typeface="DejaVu Sans"/>
+              </a:rPr>
+              <a:t>Test</a:t>
+            </a:r>
+            <a:endParaRPr b="0" lang="en-US" sz="2200" strike="noStrike" u="none">
+              <a:solidFill>
+                <a:srgbClr val="ffffff"/>
+              </a:solidFill>
+              <a:effectLst/>
+              <a:uFillTx/>
+              <a:latin typeface="Arial"/>
+            </a:endParaRPr>
+          </a:p>
+        </p:txBody>
+      </p:sp>
+      <p:sp>
+        <p:nvSpPr>
+          <p:cNvPr id="159" name=""/>
+          <p:cNvSpPr/>
+          <p:nvPr/>
+        </p:nvSpPr>
+        <p:spPr>
+          <a:xfrm>
+            <a:off x="8385840" y="28746360"/>
+            <a:ext cx="360" cy="512640"/>
+          </a:xfrm>
+          <a:prstGeom prst="line">
+            <a:avLst/>
+          </a:prstGeom>
+          <a:ln w="38160">
+            <a:solidFill>
+              <a:srgbClr val="000000"/>
+            </a:solidFill>
+            <a:round/>
+            <a:tailEnd len="med" type="triangle" w="med"/>
+          </a:ln>
+        </p:spPr>
+        <p:style>
+          <a:lnRef idx="0"/>
+          <a:fillRef idx="0"/>
+          <a:effectRef idx="0"/>
+          <a:fontRef idx="minor"/>
+        </p:style>
+        <p:txBody>
+          <a:bodyPr lIns="109080" rIns="109080" tIns="64080" bIns="64080" anchor="ctr">
+            <a:noAutofit/>
+          </a:bodyPr>
+          <a:p>
+            <a:endParaRPr b="0" lang="en-US" sz="1800" strike="noStrike" u="none">
+              <a:solidFill>
+                <a:srgbClr val="000000"/>
+              </a:solidFill>
+              <a:effectLst/>
+              <a:uFillTx/>
+              <a:latin typeface="Arial"/>
+              <a:ea typeface="DejaVu Sans"/>
+            </a:endParaRPr>
+          </a:p>
+        </p:txBody>
+      </p:sp>
+      <p:sp>
+        <p:nvSpPr>
+          <p:cNvPr id="160" name=""/>
+          <p:cNvSpPr/>
+          <p:nvPr/>
+        </p:nvSpPr>
+        <p:spPr>
+          <a:xfrm>
+            <a:off x="8375400" y="30173400"/>
+            <a:ext cx="720" cy="439200"/>
+          </a:xfrm>
+          <a:prstGeom prst="line">
+            <a:avLst/>
+          </a:prstGeom>
+          <a:ln w="38160">
+            <a:solidFill>
+              <a:srgbClr val="000000"/>
+            </a:solidFill>
+            <a:round/>
+            <a:tailEnd len="med" type="triangle" w="med"/>
+          </a:ln>
+        </p:spPr>
+        <p:style>
+          <a:lnRef idx="0"/>
+          <a:fillRef idx="0"/>
+          <a:effectRef idx="0"/>
+          <a:fontRef idx="minor"/>
+        </p:style>
+        <p:txBody>
+          <a:bodyPr lIns="109080" rIns="109080" tIns="64080" bIns="64080" anchor="ctr">
+            <a:noAutofit/>
+          </a:bodyPr>
+          <a:p>
+            <a:endParaRPr b="0" lang="en-US" sz="1800" strike="noStrike" u="none">
+              <a:solidFill>
+                <a:srgbClr val="000000"/>
+              </a:solidFill>
+              <a:effectLst/>
+              <a:uFillTx/>
+              <a:latin typeface="Arial"/>
+              <a:ea typeface="DejaVu Sans"/>
+            </a:endParaRPr>
+          </a:p>
+        </p:txBody>
+      </p:sp>
+      <p:sp>
+        <p:nvSpPr>
+          <p:cNvPr id="161" name=""/>
+          <p:cNvSpPr/>
+          <p:nvPr/>
+        </p:nvSpPr>
+        <p:spPr>
+          <a:xfrm>
+            <a:off x="6738480" y="27241200"/>
+            <a:ext cx="3776760" cy="1646640"/>
+          </a:xfrm>
+          <a:prstGeom prst="rect">
+            <a:avLst/>
+          </a:prstGeom>
+          <a:solidFill>
+            <a:srgbClr val="729fcf"/>
+          </a:solidFill>
+          <a:ln w="0">
+            <a:solidFill>
+              <a:srgbClr val="3465a4"/>
+            </a:solidFill>
+          </a:ln>
+        </p:spPr>
+        <p:style>
+          <a:lnRef idx="0"/>
+          <a:fillRef idx="0"/>
+          <a:effectRef idx="0"/>
+          <a:fontRef idx="minor"/>
+        </p:style>
+        <p:txBody>
+          <a:bodyPr lIns="90000" rIns="90000" tIns="45000" bIns="45000" anchor="ctr">
+            <a:noAutofit/>
+          </a:bodyPr>
+          <a:p>
+            <a:pPr algn="ctr">
+              <a:lnSpc>
+                <a:spcPct val="100000"/>
+              </a:lnSpc>
+            </a:pPr>
+            <a:endParaRPr b="0" lang="en-US" sz="1800" strike="noStrike" u="none">
+              <a:solidFill>
+                <a:srgbClr val="000000"/>
+              </a:solidFill>
+              <a:effectLst/>
+              <a:uFillTx/>
+              <a:latin typeface="Arial"/>
+              <a:ea typeface="DejaVu Sans"/>
+            </a:endParaRPr>
+          </a:p>
+        </p:txBody>
+      </p:sp>
+      <p:sp>
+        <p:nvSpPr>
+          <p:cNvPr id="162" name=""/>
+          <p:cNvSpPr/>
+          <p:nvPr/>
+        </p:nvSpPr>
+        <p:spPr>
+          <a:xfrm>
+            <a:off x="8397720" y="27785880"/>
+            <a:ext cx="1947960" cy="960840"/>
+          </a:xfrm>
+          <a:prstGeom prst="rect">
+            <a:avLst/>
+          </a:prstGeom>
+          <a:solidFill>
+            <a:srgbClr val="afd095"/>
+          </a:solidFill>
+          <a:ln w="0">
+            <a:solidFill>
+              <a:srgbClr val="3465a4"/>
+            </a:solidFill>
+          </a:ln>
+        </p:spPr>
+        <p:style>
+          <a:lnRef idx="0"/>
+          <a:fillRef idx="0"/>
+          <a:effectRef idx="0"/>
+          <a:fontRef idx="minor"/>
+        </p:style>
+        <p:txBody>
+          <a:bodyPr lIns="90000" rIns="90000" tIns="45000" bIns="45000" anchor="ctr">
+            <a:noAutofit/>
+          </a:bodyPr>
+          <a:p>
+            <a:pPr algn="ctr">
+              <a:lnSpc>
+                <a:spcPct val="100000"/>
+              </a:lnSpc>
+            </a:pPr>
+            <a:r>
+              <a:rPr b="0" lang="en-US" sz="2200" strike="noStrike" u="none">
+                <a:solidFill>
+                  <a:srgbClr val="000000"/>
+                </a:solidFill>
+                <a:effectLst/>
+                <a:uFillTx/>
+                <a:latin typeface="Open Sans"/>
+                <a:ea typeface="DejaVu Sans"/>
+              </a:rPr>
+              <a:t>Learn Keystone</a:t>
+            </a:r>
+            <a:endParaRPr b="0" lang="en-US" sz="2200" strike="noStrike" u="none">
+              <a:solidFill>
+                <a:srgbClr val="000000"/>
+              </a:solidFill>
+              <a:effectLst/>
+              <a:uFillTx/>
+              <a:latin typeface="Arial"/>
+            </a:endParaRPr>
+          </a:p>
+        </p:txBody>
+      </p:sp>
+      <p:sp>
+        <p:nvSpPr>
+          <p:cNvPr id="163" name=""/>
+          <p:cNvSpPr/>
+          <p:nvPr/>
+        </p:nvSpPr>
+        <p:spPr>
+          <a:xfrm>
+            <a:off x="6858000" y="27252000"/>
+            <a:ext cx="2057040" cy="853200"/>
+          </a:xfrm>
+          <a:prstGeom prst="rect">
+            <a:avLst/>
+          </a:prstGeom>
+          <a:noFill/>
+          <a:ln w="0">
+            <a:noFill/>
+          </a:ln>
+        </p:spPr>
+        <p:style>
+          <a:lnRef idx="0"/>
+          <a:fillRef idx="0"/>
+          <a:effectRef idx="0"/>
+          <a:fontRef idx="minor"/>
+        </p:style>
+        <p:txBody>
+          <a:bodyPr lIns="90000" rIns="90000" tIns="45000" bIns="45000" anchor="t">
+            <a:spAutoFit/>
+          </a:bodyPr>
+          <a:p>
+            <a:pPr algn="ctr">
+              <a:lnSpc>
+                <a:spcPct val="100000"/>
+              </a:lnSpc>
+            </a:pPr>
+            <a:r>
+              <a:rPr b="0" lang="en-US" sz="2200" strike="noStrike" u="none">
+                <a:solidFill>
+                  <a:srgbClr val="000000"/>
+                </a:solidFill>
+                <a:effectLst/>
+                <a:uFillTx/>
+                <a:latin typeface="Open Sans"/>
+                <a:ea typeface="DejaVu Sans"/>
+              </a:rPr>
+              <a:t>Learn gem5</a:t>
+            </a:r>
+            <a:endParaRPr b="0" lang="en-US" sz="2200" strike="noStrike" u="none">
+              <a:solidFill>
+                <a:srgbClr val="000000"/>
+              </a:solidFill>
+              <a:effectLst/>
+              <a:uFillTx/>
+              <a:latin typeface="Arial"/>
+            </a:endParaRPr>
+          </a:p>
+        </p:txBody>
+      </p:sp>
+      <p:sp>
+        <p:nvSpPr>
+          <p:cNvPr id="164" name=""/>
+          <p:cNvSpPr/>
+          <p:nvPr/>
+        </p:nvSpPr>
+        <p:spPr>
+          <a:xfrm>
+            <a:off x="5558400" y="28117800"/>
+            <a:ext cx="914400" cy="360"/>
+          </a:xfrm>
+          <a:prstGeom prst="line">
+            <a:avLst/>
+          </a:prstGeom>
+          <a:ln w="38160">
+            <a:solidFill>
+              <a:srgbClr val="ff0000"/>
+            </a:solidFill>
+            <a:round/>
+            <a:tailEnd len="med" type="triangle" w="med"/>
+          </a:ln>
+        </p:spPr>
+        <p:style>
+          <a:lnRef idx="0"/>
+          <a:fillRef idx="0"/>
+          <a:effectRef idx="0"/>
+          <a:fontRef idx="minor"/>
+        </p:style>
+        <p:txBody>
+          <a:bodyPr lIns="109080" rIns="109080" tIns="-64080" bIns="-64080" anchor="ctr">
+            <a:noAutofit/>
+          </a:bodyPr>
+          <a:p>
+            <a:endParaRPr b="0" lang="en-US" sz="1800" strike="noStrike" u="none">
+              <a:solidFill>
+                <a:srgbClr val="000000"/>
+              </a:solidFill>
+              <a:effectLst/>
+              <a:uFillTx/>
+              <a:latin typeface="Arial"/>
+              <a:ea typeface="DejaVu Sans"/>
             </a:endParaRPr>
           </a:p>
         </p:txBody>

--- a/presentations/YARCH25.pptx
+++ b/presentations/YARCH25.pptx
@@ -41,8 +41,8 @@
         </p:nvSpPr>
         <p:spPr>
           <a:xfrm>
-            <a:off x="3291480" y="13436640"/>
-            <a:ext cx="37301400" cy="625320"/>
+            <a:off x="3291480" y="13436280"/>
+            <a:ext cx="37301040" cy="625320"/>
           </a:xfrm>
           <a:prstGeom prst="rect">
             <a:avLst/>
@@ -54,7 +54,7 @@
         </p:spPr>
         <p:txBody>
           <a:bodyPr lIns="0" rIns="0" tIns="0" bIns="0" anchor="ctr">
-            <a:spAutoFit/>
+            <a:noAutofit/>
           </a:bodyPr>
           <a:p>
             <a:pPr indent="0" algn="ctr">
@@ -64,7 +64,6 @@
               <a:solidFill>
                 <a:srgbClr val="000000"/>
               </a:solidFill>
-              <a:effectLst/>
               <a:uFillTx/>
               <a:latin typeface="Arial"/>
             </a:endParaRPr>
@@ -96,7 +95,7 @@
         </p:spPr>
         <p:txBody>
           <a:bodyPr lIns="0" rIns="0" tIns="0" bIns="0" anchor="ctr">
-            <a:spAutoFit/>
+            <a:noAutofit/>
           </a:bodyPr>
           <a:p>
             <a:pPr indent="0" algn="ctr">
@@ -106,7 +105,6 @@
               <a:solidFill>
                 <a:srgbClr val="000000"/>
               </a:solidFill>
-              <a:effectLst/>
               <a:uFillTx/>
               <a:latin typeface="Arial"/>
             </a:endParaRPr>
@@ -147,7 +145,7 @@
         <p:txBody>
           <a:bodyPr/>
           <a:p>
-            <a:fld id="{1F84A891-3003-4226-81D8-78D50626C4C7}" type="slidenum">
+            <a:fld id="{1031684C-D32B-4784-9B8F-CAC5D21430DB}" type="slidenum">
               <a:t>&lt;#&gt;</a:t>
             </a:fld>
           </a:p>
@@ -215,13 +213,12 @@
         </p:blipFill>
         <p:spPr>
           <a:xfrm rot="16200000">
-            <a:off x="-11067480" y="16466040"/>
-            <a:ext cx="14267880" cy="3930120"/>
+            <a:off x="-11067120" y="16466400"/>
+            <a:ext cx="14267520" cy="3929760"/>
           </a:xfrm>
           <a:prstGeom prst="rect">
             <a:avLst/>
           </a:prstGeom>
-          <a:noFill/>
           <a:ln w="0">
             <a:noFill/>
           </a:ln>
@@ -239,13 +236,12 @@
         </p:blipFill>
         <p:spPr>
           <a:xfrm rot="5400000">
-            <a:off x="40697640" y="16459200"/>
-            <a:ext cx="14267880" cy="3930120"/>
+            <a:off x="40698000" y="16459200"/>
+            <a:ext cx="14267520" cy="3929760"/>
           </a:xfrm>
           <a:prstGeom prst="rect">
             <a:avLst/>
           </a:prstGeom>
-          <a:noFill/>
           <a:ln w="0">
             <a:noFill/>
           </a:ln>
@@ -264,12 +260,11 @@
         <p:spPr>
           <a:xfrm>
             <a:off x="6946920" y="33426360"/>
-            <a:ext cx="29990520" cy="1441080"/>
+            <a:ext cx="29990160" cy="1440720"/>
           </a:xfrm>
           <a:prstGeom prst="rect">
             <a:avLst/>
           </a:prstGeom>
-          <a:noFill/>
           <a:ln w="0">
             <a:noFill/>
           </a:ln>
@@ -284,7 +279,7 @@
         <p:spPr>
           <a:xfrm>
             <a:off x="6946920" y="33998040"/>
-            <a:ext cx="21938760" cy="1263240"/>
+            <a:ext cx="21938400" cy="1262880"/>
           </a:xfrm>
           <a:prstGeom prst="rect">
             <a:avLst/>
@@ -315,7 +310,6 @@
                 <a:solidFill>
                   <a:srgbClr val="808080"/>
                 </a:solidFill>
-                <a:effectLst/>
                 <a:uFillTx/>
                 <a:latin typeface="Arial"/>
                 <a:ea typeface="Arial"/>
@@ -326,7 +320,6 @@
               <a:solidFill>
                 <a:srgbClr val="000000"/>
               </a:solidFill>
-              <a:effectLst/>
               <a:uFillTx/>
               <a:latin typeface="Arial"/>
             </a:endParaRPr>
@@ -345,8 +338,8 @@
         </p:nvSpPr>
         <p:spPr>
           <a:xfrm>
-            <a:off x="3291480" y="13611960"/>
-            <a:ext cx="37301400" cy="274680"/>
+            <a:off x="3291480" y="13611600"/>
+            <a:ext cx="37301040" cy="274680"/>
           </a:xfrm>
           <a:prstGeom prst="rect">
             <a:avLst/>
@@ -358,7 +351,7 @@
         </p:spPr>
         <p:txBody>
           <a:bodyPr lIns="0" rIns="0" tIns="0" bIns="0" anchor="ctr">
-            <a:spAutoFit/>
+            <a:noAutofit/>
           </a:bodyPr>
           <a:p>
             <a:pPr indent="0">
@@ -369,28 +362,15 @@
                 <a:solidFill>
                   <a:srgbClr val="000000"/>
                 </a:solidFill>
-                <a:effectLst/>
                 <a:uFillTx/>
                 <a:latin typeface="Arial"/>
               </a:rPr>
-              <a:t>Click to edit the </a:t>
-            </a:r>
-            <a:r>
-              <a:rPr b="0" lang="en-US" sz="1800" strike="noStrike" u="none">
-                <a:solidFill>
-                  <a:srgbClr val="000000"/>
-                </a:solidFill>
-                <a:effectLst/>
-                <a:uFillTx/>
-                <a:latin typeface="Arial"/>
-              </a:rPr>
-              <a:t>title text format</a:t>
+              <a:t>Click to edit the title text format</a:t>
             </a:r>
             <a:endParaRPr b="0" lang="en-US" sz="1800" strike="noStrike" u="none">
               <a:solidFill>
                 <a:srgbClr val="000000"/>
               </a:solidFill>
-              <a:effectLst/>
               <a:uFillTx/>
               <a:latin typeface="Arial"/>
             </a:endParaRPr>
@@ -410,7 +390,7 @@
         <p:spPr>
           <a:xfrm>
             <a:off x="14994360" y="29977560"/>
-            <a:ext cx="13895280" cy="2279160"/>
+            <a:ext cx="13894920" cy="2278800"/>
           </a:xfrm>
           <a:prstGeom prst="rect">
             <a:avLst/>
@@ -437,7 +417,6 @@
                 <a:solidFill>
                   <a:srgbClr val="000000"/>
                 </a:solidFill>
-                <a:effectLst/>
                 <a:uFillTx/>
                 <a:latin typeface="Times New Roman"/>
               </a:defRPr>
@@ -458,17 +437,15 @@
                 <a:solidFill>
                   <a:srgbClr val="000000"/>
                 </a:solidFill>
-                <a:effectLst/>
                 <a:uFillTx/>
                 <a:latin typeface="Times New Roman"/>
               </a:rPr>
-              <a:t>&lt;footer&gt;</a:t>
+              <a:t> </a:t>
             </a:r>
             <a:endParaRPr b="0" lang="en-US" sz="1400" strike="noStrike" u="none">
               <a:solidFill>
                 <a:srgbClr val="000000"/>
               </a:solidFill>
-              <a:effectLst/>
               <a:uFillTx/>
               <a:latin typeface="Times New Roman"/>
             </a:endParaRPr>
@@ -488,7 +465,7 @@
         <p:spPr>
           <a:xfrm>
             <a:off x="31453560" y="29977560"/>
-            <a:ext cx="10237680" cy="2279160"/>
+            <a:ext cx="10237320" cy="2278800"/>
           </a:xfrm>
           <a:prstGeom prst="rect">
             <a:avLst/>
@@ -515,7 +492,6 @@
                 <a:solidFill>
                   <a:schemeClr val="dk1"/>
                 </a:solidFill>
-                <a:effectLst/>
                 <a:uFillTx/>
                 <a:latin typeface="Arial"/>
                 <a:ea typeface="Arial"/>
@@ -532,23 +508,21 @@
                 <a:tab algn="l" pos="0"/>
               </a:tabLst>
             </a:pPr>
-            <a:fld id="{926DCE4A-379B-422B-AB43-C525EC319CD0}" type="slidenum">
+            <a:fld id="{A358CE6C-4982-4B62-9CEC-4E409C58E0E1}" type="slidenum">
               <a:rPr b="0" lang="en-US" sz="5030" strike="noStrike" u="none">
                 <a:solidFill>
                   <a:schemeClr val="dk1"/>
                 </a:solidFill>
-                <a:effectLst/>
                 <a:uFillTx/>
                 <a:latin typeface="Arial"/>
                 <a:ea typeface="Arial"/>
               </a:rPr>
-              <a:t>&lt;number&gt;</a:t>
+              <a:t>1</a:t>
             </a:fld>
             <a:endParaRPr b="0" lang="en-US" sz="5030" strike="noStrike" u="none">
               <a:solidFill>
                 <a:srgbClr val="000000"/>
               </a:solidFill>
-              <a:effectLst/>
               <a:uFillTx/>
               <a:latin typeface="Times New Roman"/>
             </a:endParaRPr>
@@ -568,7 +542,7 @@
         <p:spPr>
           <a:xfrm>
             <a:off x="2192760" y="29977560"/>
-            <a:ext cx="10237680" cy="2279160"/>
+            <a:ext cx="10237320" cy="2278800"/>
           </a:xfrm>
           <a:prstGeom prst="rect">
             <a:avLst/>
@@ -589,7 +563,6 @@
                 <a:solidFill>
                   <a:srgbClr val="000000"/>
                 </a:solidFill>
-                <a:effectLst/>
                 <a:uFillTx/>
                 <a:latin typeface="Times New Roman"/>
               </a:defRPr>
@@ -604,17 +577,15 @@
                 <a:solidFill>
                   <a:srgbClr val="000000"/>
                 </a:solidFill>
-                <a:effectLst/>
                 <a:uFillTx/>
                 <a:latin typeface="Times New Roman"/>
               </a:rPr>
-              <a:t>&lt;date/time&gt;</a:t>
+              <a:t> </a:t>
             </a:r>
             <a:endParaRPr b="0" lang="en-US" sz="1400" strike="noStrike" u="none">
               <a:solidFill>
                 <a:srgbClr val="000000"/>
               </a:solidFill>
-              <a:effectLst/>
               <a:uFillTx/>
               <a:latin typeface="Times New Roman"/>
             </a:endParaRPr>
@@ -665,7 +636,6 @@
                 <a:solidFill>
                   <a:srgbClr val="000000"/>
                 </a:solidFill>
-                <a:effectLst/>
                 <a:uFillTx/>
                 <a:latin typeface="Arial"/>
               </a:rPr>
@@ -675,7 +645,6 @@
               <a:solidFill>
                 <a:srgbClr val="000000"/>
               </a:solidFill>
-              <a:effectLst/>
               <a:uFillTx/>
               <a:latin typeface="Arial"/>
             </a:endParaRPr>
@@ -697,7 +666,6 @@
                 <a:solidFill>
                   <a:srgbClr val="000000"/>
                 </a:solidFill>
-                <a:effectLst/>
                 <a:uFillTx/>
                 <a:latin typeface="Arial"/>
               </a:rPr>
@@ -707,7 +675,6 @@
               <a:solidFill>
                 <a:srgbClr val="000000"/>
               </a:solidFill>
-              <a:effectLst/>
               <a:uFillTx/>
               <a:latin typeface="Arial"/>
             </a:endParaRPr>
@@ -729,7 +696,6 @@
                 <a:solidFill>
                   <a:srgbClr val="000000"/>
                 </a:solidFill>
-                <a:effectLst/>
                 <a:uFillTx/>
                 <a:latin typeface="Arial"/>
               </a:rPr>
@@ -739,7 +705,6 @@
               <a:solidFill>
                 <a:srgbClr val="000000"/>
               </a:solidFill>
-              <a:effectLst/>
               <a:uFillTx/>
               <a:latin typeface="Arial"/>
             </a:endParaRPr>
@@ -761,7 +726,6 @@
                 <a:solidFill>
                   <a:srgbClr val="000000"/>
                 </a:solidFill>
-                <a:effectLst/>
                 <a:uFillTx/>
                 <a:latin typeface="Arial"/>
               </a:rPr>
@@ -771,7 +735,6 @@
               <a:solidFill>
                 <a:srgbClr val="000000"/>
               </a:solidFill>
-              <a:effectLst/>
               <a:uFillTx/>
               <a:latin typeface="Arial"/>
             </a:endParaRPr>
@@ -793,7 +756,6 @@
                 <a:solidFill>
                   <a:srgbClr val="000000"/>
                 </a:solidFill>
-                <a:effectLst/>
                 <a:uFillTx/>
                 <a:latin typeface="Arial"/>
               </a:rPr>
@@ -803,7 +765,6 @@
               <a:solidFill>
                 <a:srgbClr val="000000"/>
               </a:solidFill>
-              <a:effectLst/>
               <a:uFillTx/>
               <a:latin typeface="Arial"/>
             </a:endParaRPr>
@@ -825,7 +786,6 @@
                 <a:solidFill>
                   <a:srgbClr val="000000"/>
                 </a:solidFill>
-                <a:effectLst/>
                 <a:uFillTx/>
                 <a:latin typeface="Arial"/>
               </a:rPr>
@@ -835,7 +795,6 @@
               <a:solidFill>
                 <a:srgbClr val="000000"/>
               </a:solidFill>
-              <a:effectLst/>
               <a:uFillTx/>
               <a:latin typeface="Arial"/>
             </a:endParaRPr>
@@ -857,7 +816,6 @@
                 <a:solidFill>
                   <a:srgbClr val="000000"/>
                 </a:solidFill>
-                <a:effectLst/>
                 <a:uFillTx/>
                 <a:latin typeface="Arial"/>
               </a:rPr>
@@ -867,7 +825,6 @@
               <a:solidFill>
                 <a:srgbClr val="000000"/>
               </a:solidFill>
-              <a:effectLst/>
               <a:uFillTx/>
               <a:latin typeface="Arial"/>
             </a:endParaRPr>
@@ -909,7 +866,7 @@
         <p:spPr>
           <a:xfrm>
             <a:off x="33147000" y="24688800"/>
-            <a:ext cx="10119240" cy="6843960"/>
+            <a:ext cx="10118880" cy="6843600"/>
           </a:xfrm>
           <a:prstGeom prst="rect">
             <a:avLst/>
@@ -945,7 +902,6 @@
                 <a:solidFill>
                   <a:schemeClr val="dk1"/>
                 </a:solidFill>
-                <a:effectLst/>
                 <a:uFillTx/>
                 <a:latin typeface="Open Sans"/>
                 <a:ea typeface="Open Sans"/>
@@ -957,7 +913,6 @@
                 <a:solidFill>
                   <a:schemeClr val="dk1"/>
                 </a:solidFill>
-                <a:effectLst/>
                 <a:uFillTx/>
                 <a:latin typeface="Open Sans"/>
                 <a:ea typeface="Open Sans"/>
@@ -969,7 +924,6 @@
                 <a:solidFill>
                   <a:schemeClr val="dk1"/>
                 </a:solidFill>
-                <a:effectLst/>
                 <a:uFillTx/>
                 <a:latin typeface="Open Sans"/>
                 <a:ea typeface="Open Sans"/>
@@ -980,7 +934,6 @@
               <a:solidFill>
                 <a:srgbClr val="000000"/>
               </a:solidFill>
-              <a:effectLst/>
               <a:uFillTx/>
               <a:latin typeface="Arial"/>
             </a:endParaRPr>
@@ -996,7 +949,6 @@
                 <a:solidFill>
                   <a:schemeClr val="dk1"/>
                 </a:solidFill>
-                <a:effectLst/>
                 <a:uFillTx/>
                 <a:latin typeface="Open Sans"/>
                 <a:ea typeface="Open Sans"/>
@@ -1007,7 +959,6 @@
               <a:solidFill>
                 <a:srgbClr val="000000"/>
               </a:solidFill>
-              <a:effectLst/>
               <a:uFillTx/>
               <a:latin typeface="Arial"/>
             </a:endParaRPr>
@@ -1023,7 +974,6 @@
                 <a:solidFill>
                   <a:schemeClr val="dk1"/>
                 </a:solidFill>
-                <a:effectLst/>
                 <a:uFillTx/>
                 <a:latin typeface="Open Sans"/>
                 <a:ea typeface="Open Sans"/>
@@ -1035,7 +985,6 @@
                 <a:solidFill>
                   <a:schemeClr val="dk1"/>
                 </a:solidFill>
-                <a:effectLst/>
                 <a:uFillTx/>
                 <a:latin typeface="Open Sans"/>
                 <a:ea typeface="Open Sans"/>
@@ -1046,7 +995,6 @@
               <a:solidFill>
                 <a:srgbClr val="000000"/>
               </a:solidFill>
-              <a:effectLst/>
               <a:uFillTx/>
               <a:latin typeface="Arial"/>
             </a:endParaRPr>
@@ -1062,7 +1010,7 @@
         <p:spPr>
           <a:xfrm>
             <a:off x="22174200" y="5558400"/>
-            <a:ext cx="10510200" cy="25983000"/>
+            <a:ext cx="10509840" cy="25982640"/>
           </a:xfrm>
           <a:prstGeom prst="rect">
             <a:avLst/>
@@ -1098,7 +1046,6 @@
                 <a:solidFill>
                   <a:srgbClr val="000000"/>
                 </a:solidFill>
-                <a:effectLst/>
                 <a:uFillTx/>
                 <a:latin typeface="Arial"/>
                 <a:ea typeface="Arial"/>
@@ -1109,7 +1056,6 @@
               <a:solidFill>
                 <a:srgbClr val="000000"/>
               </a:solidFill>
-              <a:effectLst/>
               <a:uFillTx/>
               <a:latin typeface="Arial"/>
             </a:endParaRPr>
@@ -1125,7 +1071,7 @@
         <p:spPr>
           <a:xfrm>
             <a:off x="33147000" y="6413400"/>
-            <a:ext cx="10118520" cy="17443800"/>
+            <a:ext cx="10118160" cy="17443440"/>
           </a:xfrm>
           <a:prstGeom prst="rect">
             <a:avLst/>
@@ -1164,7 +1110,6 @@
                 <a:solidFill>
                   <a:schemeClr val="dk1"/>
                 </a:solidFill>
-                <a:effectLst/>
                 <a:uFillTx/>
                 <a:latin typeface="Open Sans"/>
                 <a:ea typeface="Open Sans"/>
@@ -1175,7 +1120,6 @@
               <a:solidFill>
                 <a:srgbClr val="000000"/>
               </a:solidFill>
-              <a:effectLst/>
               <a:uFillTx/>
               <a:latin typeface="Arial"/>
             </a:endParaRPr>
@@ -1193,7 +1137,6 @@
               <a:solidFill>
                 <a:srgbClr val="000000"/>
               </a:solidFill>
-              <a:effectLst/>
               <a:uFillTx/>
               <a:latin typeface="Arial"/>
             </a:endParaRPr>
@@ -1211,7 +1154,6 @@
               <a:solidFill>
                 <a:srgbClr val="000000"/>
               </a:solidFill>
-              <a:effectLst/>
               <a:uFillTx/>
               <a:latin typeface="Arial"/>
             </a:endParaRPr>
@@ -1229,7 +1171,6 @@
               <a:solidFill>
                 <a:srgbClr val="000000"/>
               </a:solidFill>
-              <a:effectLst/>
               <a:uFillTx/>
               <a:latin typeface="Arial"/>
             </a:endParaRPr>
@@ -1247,7 +1188,6 @@
               <a:solidFill>
                 <a:srgbClr val="000000"/>
               </a:solidFill>
-              <a:effectLst/>
               <a:uFillTx/>
               <a:latin typeface="Arial"/>
             </a:endParaRPr>
@@ -1265,7 +1205,6 @@
               <a:solidFill>
                 <a:srgbClr val="000000"/>
               </a:solidFill>
-              <a:effectLst/>
               <a:uFillTx/>
               <a:latin typeface="Arial"/>
             </a:endParaRPr>
@@ -1283,7 +1222,6 @@
               <a:solidFill>
                 <a:srgbClr val="000000"/>
               </a:solidFill>
-              <a:effectLst/>
               <a:uFillTx/>
               <a:latin typeface="Arial"/>
             </a:endParaRPr>
@@ -1301,7 +1239,6 @@
               <a:solidFill>
                 <a:srgbClr val="000000"/>
               </a:solidFill>
-              <a:effectLst/>
               <a:uFillTx/>
               <a:latin typeface="Arial"/>
             </a:endParaRPr>
@@ -1319,7 +1256,6 @@
               <a:solidFill>
                 <a:srgbClr val="000000"/>
               </a:solidFill>
-              <a:effectLst/>
               <a:uFillTx/>
               <a:latin typeface="Arial"/>
             </a:endParaRPr>
@@ -1337,7 +1273,6 @@
               <a:solidFill>
                 <a:srgbClr val="000000"/>
               </a:solidFill>
-              <a:effectLst/>
               <a:uFillTx/>
               <a:latin typeface="Arial"/>
             </a:endParaRPr>
@@ -1355,7 +1290,6 @@
               <a:solidFill>
                 <a:srgbClr val="000000"/>
               </a:solidFill>
-              <a:effectLst/>
               <a:uFillTx/>
               <a:latin typeface="Arial"/>
             </a:endParaRPr>
@@ -1373,7 +1307,6 @@
               <a:solidFill>
                 <a:srgbClr val="000000"/>
               </a:solidFill>
-              <a:effectLst/>
               <a:uFillTx/>
               <a:latin typeface="Arial"/>
             </a:endParaRPr>
@@ -1392,7 +1325,6 @@
                 <a:solidFill>
                   <a:schemeClr val="dk1"/>
                 </a:solidFill>
-                <a:effectLst/>
                 <a:uFillTx/>
                 <a:latin typeface="Open Sans"/>
                 <a:ea typeface="Open Sans"/>
@@ -1403,7 +1335,6 @@
               <a:solidFill>
                 <a:srgbClr val="000000"/>
               </a:solidFill>
-              <a:effectLst/>
               <a:uFillTx/>
               <a:latin typeface="Arial"/>
             </a:endParaRPr>
@@ -1428,7 +1359,6 @@
                 <a:solidFill>
                   <a:schemeClr val="dk1"/>
                 </a:solidFill>
-                <a:effectLst/>
                 <a:uFillTx/>
                 <a:latin typeface="Open Sans"/>
                 <a:ea typeface="Open Sans"/>
@@ -1439,7 +1369,6 @@
               <a:solidFill>
                 <a:srgbClr val="000000"/>
               </a:solidFill>
-              <a:effectLst/>
               <a:uFillTx/>
               <a:latin typeface="Arial"/>
             </a:endParaRPr>
@@ -1464,7 +1393,6 @@
                 <a:solidFill>
                   <a:schemeClr val="dk1"/>
                 </a:solidFill>
-                <a:effectLst/>
                 <a:uFillTx/>
                 <a:latin typeface="Open Sans"/>
                 <a:ea typeface="Open Sans"/>
@@ -1475,7 +1403,6 @@
               <a:solidFill>
                 <a:srgbClr val="000000"/>
               </a:solidFill>
-              <a:effectLst/>
               <a:uFillTx/>
               <a:latin typeface="Arial"/>
             </a:endParaRPr>
@@ -1500,7 +1427,6 @@
                 <a:solidFill>
                   <a:schemeClr val="dk1"/>
                 </a:solidFill>
-                <a:effectLst/>
                 <a:uFillTx/>
                 <a:latin typeface="Open Sans"/>
                 <a:ea typeface="Open Sans"/>
@@ -1511,7 +1437,6 @@
               <a:solidFill>
                 <a:srgbClr val="000000"/>
               </a:solidFill>
-              <a:effectLst/>
               <a:uFillTx/>
               <a:latin typeface="Arial"/>
             </a:endParaRPr>
@@ -1527,7 +1452,7 @@
         <p:spPr>
           <a:xfrm>
             <a:off x="11201400" y="5558400"/>
-            <a:ext cx="10510200" cy="25983000"/>
+            <a:ext cx="10509840" cy="25982640"/>
           </a:xfrm>
           <a:prstGeom prst="rect">
             <a:avLst/>
@@ -1562,7 +1487,6 @@
               <a:solidFill>
                 <a:srgbClr val="000000"/>
               </a:solidFill>
-              <a:effectLst/>
               <a:uFillTx/>
               <a:latin typeface="Arial"/>
               <a:ea typeface="DejaVu Sans"/>
@@ -1579,7 +1503,7 @@
         <p:spPr>
           <a:xfrm>
             <a:off x="577800" y="5558400"/>
-            <a:ext cx="10161000" cy="11524680"/>
+            <a:ext cx="10160640" cy="11524320"/>
           </a:xfrm>
           <a:prstGeom prst="rect">
             <a:avLst/>
@@ -1614,7 +1538,6 @@
               <a:solidFill>
                 <a:srgbClr val="000000"/>
               </a:solidFill>
-              <a:effectLst/>
               <a:uFillTx/>
               <a:latin typeface="Arial"/>
               <a:ea typeface="Arial"/>
@@ -1631,7 +1554,7 @@
         <p:spPr>
           <a:xfrm>
             <a:off x="4680" y="0"/>
-            <a:ext cx="43884360" cy="5248080"/>
+            <a:ext cx="43884000" cy="5247720"/>
           </a:xfrm>
           <a:prstGeom prst="rect">
             <a:avLst/>
@@ -1663,7 +1586,6 @@
               <a:solidFill>
                 <a:schemeClr val="dk2"/>
               </a:solidFill>
-              <a:effectLst/>
               <a:uFillTx/>
               <a:latin typeface="Gill Sans"/>
               <a:ea typeface="Arial"/>
@@ -1680,7 +1602,7 @@
         <p:spPr>
           <a:xfrm>
             <a:off x="585360" y="6522480"/>
-            <a:ext cx="10200600" cy="10542240"/>
+            <a:ext cx="10200240" cy="10542240"/>
           </a:xfrm>
           <a:prstGeom prst="rect">
             <a:avLst/>
@@ -1714,7 +1636,6 @@
                 <a:solidFill>
                   <a:schemeClr val="dk1"/>
                 </a:solidFill>
-                <a:effectLst/>
                 <a:uFillTx/>
                 <a:latin typeface="Open Sans"/>
                 <a:ea typeface="Open Sans"/>
@@ -1725,7 +1646,6 @@
               <a:solidFill>
                 <a:srgbClr val="000000"/>
               </a:solidFill>
-              <a:effectLst/>
               <a:uFillTx/>
               <a:latin typeface="Arial"/>
             </a:endParaRPr>
@@ -1744,7 +1664,6 @@
                 <a:solidFill>
                   <a:schemeClr val="dk1"/>
                 </a:solidFill>
-                <a:effectLst/>
                 <a:uFillTx/>
                 <a:latin typeface="Open Sans"/>
                 <a:ea typeface="Open Sans"/>
@@ -1755,7 +1674,6 @@
               <a:solidFill>
                 <a:srgbClr val="000000"/>
               </a:solidFill>
-              <a:effectLst/>
               <a:uFillTx/>
               <a:latin typeface="Arial"/>
             </a:endParaRPr>
@@ -1773,7 +1691,6 @@
               <a:solidFill>
                 <a:srgbClr val="000000"/>
               </a:solidFill>
-              <a:effectLst/>
               <a:uFillTx/>
               <a:latin typeface="Arial"/>
             </a:endParaRPr>
@@ -1791,7 +1708,6 @@
               <a:solidFill>
                 <a:srgbClr val="000000"/>
               </a:solidFill>
-              <a:effectLst/>
               <a:uFillTx/>
               <a:latin typeface="Arial"/>
             </a:endParaRPr>
@@ -1809,7 +1725,6 @@
               <a:solidFill>
                 <a:srgbClr val="000000"/>
               </a:solidFill>
-              <a:effectLst/>
               <a:uFillTx/>
               <a:latin typeface="Arial"/>
             </a:endParaRPr>
@@ -1827,7 +1742,6 @@
               <a:solidFill>
                 <a:srgbClr val="000000"/>
               </a:solidFill>
-              <a:effectLst/>
               <a:uFillTx/>
               <a:latin typeface="Arial"/>
             </a:endParaRPr>
@@ -1845,7 +1759,6 @@
               <a:solidFill>
                 <a:srgbClr val="000000"/>
               </a:solidFill>
-              <a:effectLst/>
               <a:uFillTx/>
               <a:latin typeface="Arial"/>
             </a:endParaRPr>
@@ -1863,7 +1776,6 @@
               <a:solidFill>
                 <a:srgbClr val="000000"/>
               </a:solidFill>
-              <a:effectLst/>
               <a:uFillTx/>
               <a:latin typeface="Arial"/>
             </a:endParaRPr>
@@ -1881,7 +1793,6 @@
               <a:solidFill>
                 <a:srgbClr val="000000"/>
               </a:solidFill>
-              <a:effectLst/>
               <a:uFillTx/>
               <a:latin typeface="Arial"/>
             </a:endParaRPr>
@@ -1899,7 +1810,6 @@
               <a:solidFill>
                 <a:srgbClr val="000000"/>
               </a:solidFill>
-              <a:effectLst/>
               <a:uFillTx/>
               <a:latin typeface="Arial"/>
             </a:endParaRPr>
@@ -1917,7 +1827,6 @@
               <a:solidFill>
                 <a:srgbClr val="000000"/>
               </a:solidFill>
-              <a:effectLst/>
               <a:uFillTx/>
               <a:latin typeface="Arial"/>
             </a:endParaRPr>
@@ -1935,7 +1844,6 @@
               <a:solidFill>
                 <a:srgbClr val="000000"/>
               </a:solidFill>
-              <a:effectLst/>
               <a:uFillTx/>
               <a:latin typeface="Arial"/>
             </a:endParaRPr>
@@ -1954,7 +1862,6 @@
                 <a:solidFill>
                   <a:schemeClr val="dk1"/>
                 </a:solidFill>
-                <a:effectLst/>
                 <a:uFillTx/>
                 <a:latin typeface="Open Sans"/>
                 <a:ea typeface="Open Sans"/>
@@ -1965,7 +1872,6 @@
               <a:solidFill>
                 <a:srgbClr val="000000"/>
               </a:solidFill>
-              <a:effectLst/>
               <a:uFillTx/>
               <a:latin typeface="Arial"/>
             </a:endParaRPr>
@@ -1981,7 +1887,7 @@
         <p:spPr>
           <a:xfrm>
             <a:off x="7543800" y="50400"/>
-            <a:ext cx="28797120" cy="2930760"/>
+            <a:ext cx="28796760" cy="2930400"/>
           </a:xfrm>
           <a:prstGeom prst="rect">
             <a:avLst/>
@@ -2018,7 +1924,6 @@
                 <a:solidFill>
                   <a:srgbClr val="ffffff"/>
                 </a:solidFill>
-                <a:effectLst/>
                 <a:uFillTx/>
                 <a:latin typeface="Bree Serif"/>
                 <a:ea typeface="Arial"/>
@@ -2029,7 +1934,6 @@
               <a:solidFill>
                 <a:srgbClr val="000000"/>
               </a:solidFill>
-              <a:effectLst/>
               <a:uFillTx/>
               <a:latin typeface="Arial"/>
             </a:endParaRPr>
@@ -2045,7 +1949,7 @@
         <p:spPr>
           <a:xfrm>
             <a:off x="3365280" y="2665440"/>
-            <a:ext cx="39174840" cy="2561760"/>
+            <a:ext cx="39174480" cy="2561040"/>
           </a:xfrm>
           <a:prstGeom prst="rect">
             <a:avLst/>
@@ -2082,66 +1986,71 @@
                 <a:solidFill>
                   <a:srgbClr val="ffffff"/>
                 </a:solidFill>
-                <a:effectLst/>
                 <a:uFillTx/>
                 <a:latin typeface="Open Sans"/>
                 <a:ea typeface="Open Sans"/>
               </a:rPr>
-              <a:t>    Will Buziak</a:t>
+              <a:t>    </a:t>
             </a:r>
             <a:r>
               <a:rPr b="0" lang="en-US" sz="5600" strike="noStrike" u="none">
                 <a:solidFill>
                   <a:srgbClr val="ffffff"/>
                 </a:solidFill>
-                <a:effectLst/>
                 <a:uFillTx/>
                 <a:latin typeface="Open Sans"/>
                 <a:ea typeface="Open Sans"/>
               </a:rPr>
-              <a:t>	</a:t>
+              <a:t>Will Buziak</a:t>
             </a:r>
             <a:r>
               <a:rPr b="0" lang="en-US" sz="5600" strike="noStrike" u="none">
                 <a:solidFill>
                   <a:srgbClr val="ffffff"/>
                 </a:solidFill>
-                <a:effectLst/>
                 <a:uFillTx/>
                 <a:latin typeface="Open Sans"/>
                 <a:ea typeface="Open Sans"/>
               </a:rPr>
-              <a:t>                     Iris Bahar                          Tamara Silbergleit Lehman</a:t>
+              <a:t>	</a:t>
             </a:r>
             <a:r>
               <a:rPr b="0" lang="en-US" sz="5600" strike="noStrike" u="none">
                 <a:solidFill>
                   <a:srgbClr val="ffffff"/>
                 </a:solidFill>
-                <a:effectLst/>
                 <a:uFillTx/>
                 <a:latin typeface="Open Sans"/>
                 <a:ea typeface="Open Sans"/>
               </a:rPr>
-              <a:t>	</a:t>
+              <a:t>                     Iris Bahar                          Tamara Silbergleit Lehman</a:t>
             </a:r>
             <a:r>
               <a:rPr b="0" lang="en-US" sz="5600" strike="noStrike" u="none">
                 <a:solidFill>
                   <a:srgbClr val="ffffff"/>
                 </a:solidFill>
-                <a:effectLst/>
                 <a:uFillTx/>
                 <a:latin typeface="Open Sans"/>
                 <a:ea typeface="Open Sans"/>
               </a:rPr>
+              <a:t>	</a:t>
+            </a:r>
+            <a:r>
+              <a:rPr b="0" lang="en-US" sz="5600" strike="noStrike" u="none">
+                <a:solidFill>
+                  <a:srgbClr val="ffffff"/>
+                </a:solidFill>
+                <a:uFillTx/>
+                <a:latin typeface="Open Sans"/>
+                <a:ea typeface="Open Sans"/>
+              </a:rPr>
               <a:t>           Zach Moolman       </a:t>
             </a:r>
             <a:endParaRPr b="0" lang="en-US" sz="5600" strike="noStrike" u="none">
               <a:solidFill>
                 <a:srgbClr val="000000"/>
               </a:solidFill>
-              <a:effectLst/>
               <a:uFillTx/>
               <a:latin typeface="Arial"/>
             </a:endParaRPr>
@@ -2162,7 +2071,6 @@
               <a:solidFill>
                 <a:srgbClr val="000000"/>
               </a:solidFill>
-              <a:effectLst/>
               <a:uFillTx/>
               <a:latin typeface="Arial"/>
             </a:endParaRPr>
@@ -2178,7 +2086,7 @@
         <p:spPr>
           <a:xfrm>
             <a:off x="11633040" y="6450480"/>
-            <a:ext cx="9594360" cy="21545640"/>
+            <a:ext cx="9594000" cy="21545640"/>
           </a:xfrm>
           <a:prstGeom prst="rect">
             <a:avLst/>
@@ -2209,7 +2117,6 @@
                 <a:solidFill>
                   <a:schemeClr val="dk1"/>
                 </a:solidFill>
-                <a:effectLst/>
                 <a:uFillTx/>
                 <a:latin typeface="Open Sans"/>
                 <a:ea typeface="Open Sans"/>
@@ -2221,7 +2128,6 @@
                 <a:solidFill>
                   <a:schemeClr val="dk1"/>
                 </a:solidFill>
-                <a:effectLst/>
                 <a:uFillTx/>
                 <a:latin typeface="Open Sans"/>
                 <a:ea typeface="Open Sans"/>
@@ -2233,7 +2139,6 @@
                 <a:solidFill>
                   <a:schemeClr val="dk1"/>
                 </a:solidFill>
-                <a:effectLst/>
                 <a:uFillTx/>
                 <a:latin typeface="Open Sans"/>
                 <a:ea typeface="Open Sans"/>
@@ -2244,7 +2149,6 @@
               <a:solidFill>
                 <a:srgbClr val="000000"/>
               </a:solidFill>
-              <a:effectLst/>
               <a:uFillTx/>
               <a:latin typeface="Arial"/>
             </a:endParaRPr>
@@ -2259,7 +2163,6 @@
               <a:solidFill>
                 <a:srgbClr val="000000"/>
               </a:solidFill>
-              <a:effectLst/>
               <a:uFillTx/>
               <a:latin typeface="Arial"/>
             </a:endParaRPr>
@@ -2274,7 +2177,6 @@
               <a:solidFill>
                 <a:srgbClr val="000000"/>
               </a:solidFill>
-              <a:effectLst/>
               <a:uFillTx/>
               <a:latin typeface="Arial"/>
             </a:endParaRPr>
@@ -2289,7 +2191,6 @@
               <a:solidFill>
                 <a:srgbClr val="000000"/>
               </a:solidFill>
-              <a:effectLst/>
               <a:uFillTx/>
               <a:latin typeface="Arial"/>
             </a:endParaRPr>
@@ -2304,7 +2205,6 @@
               <a:solidFill>
                 <a:srgbClr val="000000"/>
               </a:solidFill>
-              <a:effectLst/>
               <a:uFillTx/>
               <a:latin typeface="Arial"/>
             </a:endParaRPr>
@@ -2319,7 +2219,6 @@
               <a:solidFill>
                 <a:srgbClr val="000000"/>
               </a:solidFill>
-              <a:effectLst/>
               <a:uFillTx/>
               <a:latin typeface="Arial"/>
             </a:endParaRPr>
@@ -2334,7 +2233,6 @@
               <a:solidFill>
                 <a:srgbClr val="000000"/>
               </a:solidFill>
-              <a:effectLst/>
               <a:uFillTx/>
               <a:latin typeface="Arial"/>
             </a:endParaRPr>
@@ -2349,7 +2247,6 @@
               <a:solidFill>
                 <a:srgbClr val="000000"/>
               </a:solidFill>
-              <a:effectLst/>
               <a:uFillTx/>
               <a:latin typeface="Arial"/>
             </a:endParaRPr>
@@ -2364,7 +2261,6 @@
               <a:solidFill>
                 <a:srgbClr val="000000"/>
               </a:solidFill>
-              <a:effectLst/>
               <a:uFillTx/>
               <a:latin typeface="Arial"/>
             </a:endParaRPr>
@@ -2379,7 +2275,6 @@
               <a:solidFill>
                 <a:srgbClr val="000000"/>
               </a:solidFill>
-              <a:effectLst/>
               <a:uFillTx/>
               <a:latin typeface="Arial"/>
             </a:endParaRPr>
@@ -2394,7 +2289,6 @@
               <a:solidFill>
                 <a:srgbClr val="000000"/>
               </a:solidFill>
-              <a:effectLst/>
               <a:uFillTx/>
               <a:latin typeface="Arial"/>
             </a:endParaRPr>
@@ -2409,7 +2303,6 @@
               <a:solidFill>
                 <a:srgbClr val="000000"/>
               </a:solidFill>
-              <a:effectLst/>
               <a:uFillTx/>
               <a:latin typeface="Arial"/>
             </a:endParaRPr>
@@ -2424,7 +2317,6 @@
               <a:solidFill>
                 <a:srgbClr val="000000"/>
               </a:solidFill>
-              <a:effectLst/>
               <a:uFillTx/>
               <a:latin typeface="Arial"/>
             </a:endParaRPr>
@@ -2440,339 +2332,315 @@
                 <a:solidFill>
                   <a:schemeClr val="dk1"/>
                 </a:solidFill>
-                <a:effectLst/>
                 <a:uFillTx/>
                 <a:latin typeface="Open Sans"/>
                 <a:ea typeface="Open Sans"/>
               </a:rPr>
-              <a:t>Keystone provides security through memory isolation, utilizing customized RISC-V hardware primitives.</a:t>
-            </a:r>
-            <a:endParaRPr b="0" lang="en-US" sz="3200" strike="noStrike" u="none">
-              <a:solidFill>
-                <a:srgbClr val="000000"/>
-              </a:solidFill>
-              <a:effectLst/>
-              <a:uFillTx/>
-              <a:latin typeface="Arial"/>
-            </a:endParaRPr>
-          </a:p>
-          <a:p>
-            <a:pPr algn="just">
-              <a:lnSpc>
-                <a:spcPct val="110000"/>
-              </a:lnSpc>
-            </a:pPr>
-            <a:endParaRPr b="0" lang="en-US" sz="3200" strike="noStrike" u="none">
-              <a:solidFill>
-                <a:srgbClr val="000000"/>
-              </a:solidFill>
-              <a:effectLst/>
-              <a:uFillTx/>
-              <a:latin typeface="Arial"/>
-            </a:endParaRPr>
-          </a:p>
-          <a:p>
-            <a:pPr algn="just">
-              <a:lnSpc>
-                <a:spcPct val="110000"/>
-              </a:lnSpc>
-            </a:pPr>
-            <a:endParaRPr b="0" lang="en-US" sz="3200" strike="noStrike" u="none">
-              <a:solidFill>
-                <a:srgbClr val="000000"/>
-              </a:solidFill>
-              <a:effectLst/>
-              <a:uFillTx/>
-              <a:latin typeface="Arial"/>
-            </a:endParaRPr>
-          </a:p>
-          <a:p>
-            <a:pPr algn="just">
-              <a:lnSpc>
-                <a:spcPct val="110000"/>
-              </a:lnSpc>
-            </a:pPr>
-            <a:endParaRPr b="0" lang="en-US" sz="3200" strike="noStrike" u="none">
-              <a:solidFill>
-                <a:srgbClr val="000000"/>
-              </a:solidFill>
-              <a:effectLst/>
-              <a:uFillTx/>
-              <a:latin typeface="Arial"/>
-            </a:endParaRPr>
-          </a:p>
-          <a:p>
-            <a:pPr algn="just">
-              <a:lnSpc>
-                <a:spcPct val="110000"/>
-              </a:lnSpc>
-            </a:pPr>
-            <a:endParaRPr b="0" lang="en-US" sz="3200" strike="noStrike" u="none">
-              <a:solidFill>
-                <a:srgbClr val="000000"/>
-              </a:solidFill>
-              <a:effectLst/>
-              <a:uFillTx/>
-              <a:latin typeface="Arial"/>
-            </a:endParaRPr>
-          </a:p>
-          <a:p>
-            <a:pPr algn="just">
-              <a:lnSpc>
-                <a:spcPct val="110000"/>
-              </a:lnSpc>
-            </a:pPr>
-            <a:endParaRPr b="0" lang="en-US" sz="3200" strike="noStrike" u="none">
-              <a:solidFill>
-                <a:srgbClr val="000000"/>
-              </a:solidFill>
-              <a:effectLst/>
-              <a:uFillTx/>
-              <a:latin typeface="Arial"/>
-            </a:endParaRPr>
-          </a:p>
-          <a:p>
-            <a:pPr algn="just">
-              <a:lnSpc>
-                <a:spcPct val="110000"/>
-              </a:lnSpc>
-            </a:pPr>
-            <a:endParaRPr b="0" lang="en-US" sz="3200" strike="noStrike" u="none">
-              <a:solidFill>
-                <a:srgbClr val="000000"/>
-              </a:solidFill>
-              <a:effectLst/>
-              <a:uFillTx/>
-              <a:latin typeface="Arial"/>
-            </a:endParaRPr>
-          </a:p>
-          <a:p>
-            <a:pPr algn="just">
-              <a:lnSpc>
-                <a:spcPct val="110000"/>
-              </a:lnSpc>
-            </a:pPr>
-            <a:endParaRPr b="0" lang="en-US" sz="3200" strike="noStrike" u="none">
-              <a:solidFill>
-                <a:srgbClr val="000000"/>
-              </a:solidFill>
-              <a:effectLst/>
-              <a:uFillTx/>
-              <a:latin typeface="Arial"/>
-            </a:endParaRPr>
-          </a:p>
-          <a:p>
-            <a:pPr algn="just">
-              <a:lnSpc>
-                <a:spcPct val="110000"/>
-              </a:lnSpc>
-            </a:pPr>
-            <a:endParaRPr b="0" lang="en-US" sz="3200" strike="noStrike" u="none">
-              <a:solidFill>
-                <a:srgbClr val="000000"/>
-              </a:solidFill>
-              <a:effectLst/>
-              <a:uFillTx/>
-              <a:latin typeface="Arial"/>
-            </a:endParaRPr>
-          </a:p>
-          <a:p>
-            <a:pPr algn="just">
-              <a:lnSpc>
-                <a:spcPct val="110000"/>
-              </a:lnSpc>
-            </a:pPr>
-            <a:endParaRPr b="0" lang="en-US" sz="3200" strike="noStrike" u="none">
-              <a:solidFill>
-                <a:srgbClr val="000000"/>
-              </a:solidFill>
-              <a:effectLst/>
-              <a:uFillTx/>
-              <a:latin typeface="Arial"/>
-            </a:endParaRPr>
-          </a:p>
-          <a:p>
-            <a:pPr algn="just">
-              <a:lnSpc>
-                <a:spcPct val="110000"/>
-              </a:lnSpc>
-            </a:pPr>
-            <a:endParaRPr b="0" lang="en-US" sz="3200" strike="noStrike" u="none">
-              <a:solidFill>
-                <a:srgbClr val="000000"/>
-              </a:solidFill>
-              <a:effectLst/>
-              <a:uFillTx/>
-              <a:latin typeface="Arial"/>
-            </a:endParaRPr>
-          </a:p>
-          <a:p>
-            <a:pPr algn="just">
-              <a:lnSpc>
-                <a:spcPct val="110000"/>
-              </a:lnSpc>
-            </a:pPr>
-            <a:endParaRPr b="0" lang="en-US" sz="3200" strike="noStrike" u="none">
-              <a:solidFill>
-                <a:srgbClr val="000000"/>
-              </a:solidFill>
-              <a:effectLst/>
-              <a:uFillTx/>
-              <a:latin typeface="Arial"/>
-            </a:endParaRPr>
-          </a:p>
-          <a:p>
-            <a:pPr algn="just">
-              <a:lnSpc>
-                <a:spcPct val="110000"/>
-              </a:lnSpc>
-            </a:pPr>
-            <a:endParaRPr b="0" lang="en-US" sz="3200" strike="noStrike" u="none">
-              <a:solidFill>
-                <a:srgbClr val="000000"/>
-              </a:solidFill>
-              <a:effectLst/>
-              <a:uFillTx/>
-              <a:latin typeface="Arial"/>
-            </a:endParaRPr>
-          </a:p>
-          <a:p>
-            <a:pPr algn="just">
-              <a:lnSpc>
-                <a:spcPct val="110000"/>
-              </a:lnSpc>
-            </a:pPr>
-            <a:endParaRPr b="0" lang="en-US" sz="3200" strike="noStrike" u="none">
-              <a:solidFill>
-                <a:srgbClr val="000000"/>
-              </a:solidFill>
-              <a:effectLst/>
-              <a:uFillTx/>
-              <a:latin typeface="Arial"/>
-            </a:endParaRPr>
-          </a:p>
-          <a:p>
-            <a:pPr algn="just">
-              <a:lnSpc>
-                <a:spcPct val="110000"/>
-              </a:lnSpc>
-            </a:pPr>
-            <a:endParaRPr b="0" lang="en-US" sz="3200" strike="noStrike" u="none">
-              <a:solidFill>
-                <a:srgbClr val="000000"/>
-              </a:solidFill>
-              <a:effectLst/>
-              <a:uFillTx/>
-              <a:latin typeface="Arial"/>
-            </a:endParaRPr>
-          </a:p>
-          <a:p>
-            <a:pPr algn="just">
-              <a:lnSpc>
-                <a:spcPct val="110000"/>
-              </a:lnSpc>
-            </a:pPr>
-            <a:endParaRPr b="0" lang="en-US" sz="3200" strike="noStrike" u="none">
-              <a:solidFill>
-                <a:srgbClr val="000000"/>
-              </a:solidFill>
-              <a:effectLst/>
-              <a:uFillTx/>
-              <a:latin typeface="Arial"/>
-            </a:endParaRPr>
-          </a:p>
-          <a:p>
-            <a:pPr algn="just">
-              <a:lnSpc>
-                <a:spcPct val="110000"/>
-              </a:lnSpc>
-            </a:pPr>
-            <a:endParaRPr b="0" lang="en-US" sz="3200" strike="noStrike" u="none">
-              <a:solidFill>
-                <a:srgbClr val="000000"/>
-              </a:solidFill>
-              <a:effectLst/>
-              <a:uFillTx/>
-              <a:latin typeface="Arial"/>
-            </a:endParaRPr>
-          </a:p>
-          <a:p>
-            <a:pPr algn="just">
-              <a:lnSpc>
-                <a:spcPct val="110000"/>
-              </a:lnSpc>
-            </a:pPr>
-            <a:endParaRPr b="0" lang="en-US" sz="3200" strike="noStrike" u="none">
-              <a:solidFill>
-                <a:srgbClr val="000000"/>
-              </a:solidFill>
-              <a:effectLst/>
-              <a:uFillTx/>
-              <a:latin typeface="Arial"/>
-            </a:endParaRPr>
-          </a:p>
-          <a:p>
-            <a:pPr algn="just">
-              <a:lnSpc>
-                <a:spcPct val="110000"/>
-              </a:lnSpc>
-            </a:pPr>
-            <a:endParaRPr b="0" lang="en-US" sz="3200" strike="noStrike" u="none">
-              <a:solidFill>
-                <a:srgbClr val="000000"/>
-              </a:solidFill>
-              <a:effectLst/>
-              <a:uFillTx/>
-              <a:latin typeface="Arial"/>
-            </a:endParaRPr>
-          </a:p>
-          <a:p>
-            <a:pPr algn="just">
-              <a:lnSpc>
-                <a:spcPct val="110000"/>
-              </a:lnSpc>
-            </a:pPr>
+              <a:t>Keystone</a:t>
+            </a:r>
             <a:r>
               <a:rPr b="0" lang="en-US" sz="3200" strike="noStrike" u="none">
                 <a:solidFill>
                   <a:schemeClr val="dk1"/>
                 </a:solidFill>
-                <a:effectLst/>
                 <a:uFillTx/>
                 <a:latin typeface="Open Sans"/>
                 <a:ea typeface="Open Sans"/>
               </a:rPr>
-              <a:t>For researchers wishing to continue developing secure hardware</a:t>
-            </a:r>
-            <a:r>
-              <a:rPr b="0" lang="en-US" sz="3200" strike="noStrike" u="none" baseline="33000">
+              <a:t> provides security through memory isolation, utilizing customized RISC-V hardware primitives.</a:t>
+            </a:r>
+            <a:endParaRPr b="0" lang="en-US" sz="3200" strike="noStrike" u="none">
+              <a:solidFill>
+                <a:srgbClr val="000000"/>
+              </a:solidFill>
+              <a:uFillTx/>
+              <a:latin typeface="Arial"/>
+            </a:endParaRPr>
+          </a:p>
+          <a:p>
+            <a:pPr algn="just">
+              <a:lnSpc>
+                <a:spcPct val="110000"/>
+              </a:lnSpc>
+            </a:pPr>
+            <a:endParaRPr b="0" lang="en-US" sz="3200" strike="noStrike" u="none">
+              <a:solidFill>
+                <a:srgbClr val="000000"/>
+              </a:solidFill>
+              <a:uFillTx/>
+              <a:latin typeface="Arial"/>
+            </a:endParaRPr>
+          </a:p>
+          <a:p>
+            <a:pPr algn="just">
+              <a:lnSpc>
+                <a:spcPct val="110000"/>
+              </a:lnSpc>
+            </a:pPr>
+            <a:endParaRPr b="0" lang="en-US" sz="3200" strike="noStrike" u="none">
+              <a:solidFill>
+                <a:srgbClr val="000000"/>
+              </a:solidFill>
+              <a:uFillTx/>
+              <a:latin typeface="Arial"/>
+            </a:endParaRPr>
+          </a:p>
+          <a:p>
+            <a:pPr algn="just">
+              <a:lnSpc>
+                <a:spcPct val="110000"/>
+              </a:lnSpc>
+            </a:pPr>
+            <a:endParaRPr b="0" lang="en-US" sz="3200" strike="noStrike" u="none">
+              <a:solidFill>
+                <a:srgbClr val="000000"/>
+              </a:solidFill>
+              <a:uFillTx/>
+              <a:latin typeface="Arial"/>
+            </a:endParaRPr>
+          </a:p>
+          <a:p>
+            <a:pPr algn="just">
+              <a:lnSpc>
+                <a:spcPct val="110000"/>
+              </a:lnSpc>
+            </a:pPr>
+            <a:endParaRPr b="0" lang="en-US" sz="3200" strike="noStrike" u="none">
+              <a:solidFill>
+                <a:srgbClr val="000000"/>
+              </a:solidFill>
+              <a:uFillTx/>
+              <a:latin typeface="Arial"/>
+            </a:endParaRPr>
+          </a:p>
+          <a:p>
+            <a:pPr algn="just">
+              <a:lnSpc>
+                <a:spcPct val="110000"/>
+              </a:lnSpc>
+            </a:pPr>
+            <a:endParaRPr b="0" lang="en-US" sz="3200" strike="noStrike" u="none">
+              <a:solidFill>
+                <a:srgbClr val="000000"/>
+              </a:solidFill>
+              <a:uFillTx/>
+              <a:latin typeface="Arial"/>
+            </a:endParaRPr>
+          </a:p>
+          <a:p>
+            <a:pPr algn="just">
+              <a:lnSpc>
+                <a:spcPct val="110000"/>
+              </a:lnSpc>
+            </a:pPr>
+            <a:endParaRPr b="0" lang="en-US" sz="3200" strike="noStrike" u="none">
+              <a:solidFill>
+                <a:srgbClr val="000000"/>
+              </a:solidFill>
+              <a:uFillTx/>
+              <a:latin typeface="Arial"/>
+            </a:endParaRPr>
+          </a:p>
+          <a:p>
+            <a:pPr algn="just">
+              <a:lnSpc>
+                <a:spcPct val="110000"/>
+              </a:lnSpc>
+            </a:pPr>
+            <a:endParaRPr b="0" lang="en-US" sz="3200" strike="noStrike" u="none">
+              <a:solidFill>
+                <a:srgbClr val="000000"/>
+              </a:solidFill>
+              <a:uFillTx/>
+              <a:latin typeface="Arial"/>
+            </a:endParaRPr>
+          </a:p>
+          <a:p>
+            <a:pPr algn="just">
+              <a:lnSpc>
+                <a:spcPct val="110000"/>
+              </a:lnSpc>
+            </a:pPr>
+            <a:endParaRPr b="0" lang="en-US" sz="3200" strike="noStrike" u="none">
+              <a:solidFill>
+                <a:srgbClr val="000000"/>
+              </a:solidFill>
+              <a:uFillTx/>
+              <a:latin typeface="Arial"/>
+            </a:endParaRPr>
+          </a:p>
+          <a:p>
+            <a:pPr algn="just">
+              <a:lnSpc>
+                <a:spcPct val="110000"/>
+              </a:lnSpc>
+            </a:pPr>
+            <a:endParaRPr b="0" lang="en-US" sz="3200" strike="noStrike" u="none">
+              <a:solidFill>
+                <a:srgbClr val="000000"/>
+              </a:solidFill>
+              <a:uFillTx/>
+              <a:latin typeface="Arial"/>
+            </a:endParaRPr>
+          </a:p>
+          <a:p>
+            <a:pPr algn="just">
+              <a:lnSpc>
+                <a:spcPct val="110000"/>
+              </a:lnSpc>
+            </a:pPr>
+            <a:endParaRPr b="0" lang="en-US" sz="3200" strike="noStrike" u="none">
+              <a:solidFill>
+                <a:srgbClr val="000000"/>
+              </a:solidFill>
+              <a:uFillTx/>
+              <a:latin typeface="Arial"/>
+            </a:endParaRPr>
+          </a:p>
+          <a:p>
+            <a:pPr algn="just">
+              <a:lnSpc>
+                <a:spcPct val="110000"/>
+              </a:lnSpc>
+            </a:pPr>
+            <a:endParaRPr b="0" lang="en-US" sz="3200" strike="noStrike" u="none">
+              <a:solidFill>
+                <a:srgbClr val="000000"/>
+              </a:solidFill>
+              <a:uFillTx/>
+              <a:latin typeface="Arial"/>
+            </a:endParaRPr>
+          </a:p>
+          <a:p>
+            <a:pPr algn="just">
+              <a:lnSpc>
+                <a:spcPct val="110000"/>
+              </a:lnSpc>
+            </a:pPr>
+            <a:endParaRPr b="0" lang="en-US" sz="3200" strike="noStrike" u="none">
+              <a:solidFill>
+                <a:srgbClr val="000000"/>
+              </a:solidFill>
+              <a:uFillTx/>
+              <a:latin typeface="Arial"/>
+            </a:endParaRPr>
+          </a:p>
+          <a:p>
+            <a:pPr algn="just">
+              <a:lnSpc>
+                <a:spcPct val="110000"/>
+              </a:lnSpc>
+            </a:pPr>
+            <a:endParaRPr b="0" lang="en-US" sz="3200" strike="noStrike" u="none">
+              <a:solidFill>
+                <a:srgbClr val="000000"/>
+              </a:solidFill>
+              <a:uFillTx/>
+              <a:latin typeface="Arial"/>
+            </a:endParaRPr>
+          </a:p>
+          <a:p>
+            <a:pPr algn="just">
+              <a:lnSpc>
+                <a:spcPct val="110000"/>
+              </a:lnSpc>
+            </a:pPr>
+            <a:endParaRPr b="0" lang="en-US" sz="3200" strike="noStrike" u="none">
+              <a:solidFill>
+                <a:srgbClr val="000000"/>
+              </a:solidFill>
+              <a:uFillTx/>
+              <a:latin typeface="Arial"/>
+            </a:endParaRPr>
+          </a:p>
+          <a:p>
+            <a:pPr algn="just">
+              <a:lnSpc>
+                <a:spcPct val="110000"/>
+              </a:lnSpc>
+            </a:pPr>
+            <a:endParaRPr b="0" lang="en-US" sz="3200" strike="noStrike" u="none">
+              <a:solidFill>
+                <a:srgbClr val="000000"/>
+              </a:solidFill>
+              <a:uFillTx/>
+              <a:latin typeface="Arial"/>
+            </a:endParaRPr>
+          </a:p>
+          <a:p>
+            <a:pPr algn="just">
+              <a:lnSpc>
+                <a:spcPct val="110000"/>
+              </a:lnSpc>
+            </a:pPr>
+            <a:endParaRPr b="0" lang="en-US" sz="3200" strike="noStrike" u="none">
+              <a:solidFill>
+                <a:srgbClr val="000000"/>
+              </a:solidFill>
+              <a:uFillTx/>
+              <a:latin typeface="Arial"/>
+            </a:endParaRPr>
+          </a:p>
+          <a:p>
+            <a:pPr algn="just">
+              <a:lnSpc>
+                <a:spcPct val="110000"/>
+              </a:lnSpc>
+            </a:pPr>
+            <a:endParaRPr b="0" lang="en-US" sz="3200" strike="noStrike" u="none">
+              <a:solidFill>
+                <a:srgbClr val="000000"/>
+              </a:solidFill>
+              <a:uFillTx/>
+              <a:latin typeface="Arial"/>
+            </a:endParaRPr>
+          </a:p>
+          <a:p>
+            <a:pPr algn="just">
+              <a:lnSpc>
+                <a:spcPct val="110000"/>
+              </a:lnSpc>
+            </a:pPr>
+            <a:endParaRPr b="0" lang="en-US" sz="3200" strike="noStrike" u="none">
+              <a:solidFill>
+                <a:srgbClr val="000000"/>
+              </a:solidFill>
+              <a:uFillTx/>
+              <a:latin typeface="Arial"/>
+            </a:endParaRPr>
+          </a:p>
+          <a:p>
+            <a:pPr algn="just">
+              <a:lnSpc>
+                <a:spcPct val="110000"/>
+              </a:lnSpc>
+            </a:pPr>
+            <a:r>
+              <a:rPr b="0" lang="en-US" sz="3200" strike="noStrike" u="none">
                 <a:solidFill>
                   <a:schemeClr val="dk1"/>
                 </a:solidFill>
-                <a:effectLst/>
                 <a:uFillTx/>
                 <a:latin typeface="Open Sans"/>
                 <a:ea typeface="Open Sans"/>
               </a:rPr>
-              <a:t>[3]</a:t>
+              <a:t>For researchers wishing to continue developing</a:t>
             </a:r>
             <a:r>
               <a:rPr b="0" lang="en-US" sz="3200" strike="noStrike" u="none">
                 <a:solidFill>
                   <a:schemeClr val="dk1"/>
                 </a:solidFill>
-                <a:effectLst/>
                 <a:uFillTx/>
                 <a:latin typeface="Open Sans"/>
                 <a:ea typeface="Open Sans"/>
               </a:rPr>
-              <a:t> using Keystone components, contributions must also implement hardware designs, built on corrresponding ISA extensions.</a:t>
-            </a:r>
-            <a:endParaRPr b="0" lang="en-US" sz="3200" strike="noStrike" u="none">
-              <a:solidFill>
-                <a:srgbClr val="000000"/>
-              </a:solidFill>
-              <a:effectLst/>
+              <a:t> Keystone components, contributions must also implement hardware designs, built on corrresponding ISA extensions.</a:t>
+            </a:r>
+            <a:endParaRPr b="0" lang="en-US" sz="3200" strike="noStrike" u="none">
+              <a:solidFill>
+                <a:srgbClr val="000000"/>
+              </a:solidFill>
               <a:uFillTx/>
               <a:latin typeface="Arial"/>
             </a:endParaRPr>
@@ -2788,7 +2656,7 @@
         <p:spPr>
           <a:xfrm>
             <a:off x="22656960" y="6414480"/>
-            <a:ext cx="9594360" cy="17762760"/>
+            <a:ext cx="9594000" cy="18298440"/>
           </a:xfrm>
           <a:prstGeom prst="rect">
             <a:avLst/>
@@ -2825,7 +2693,6 @@
                 <a:solidFill>
                   <a:schemeClr val="dk1"/>
                 </a:solidFill>
-                <a:effectLst/>
                 <a:uFillTx/>
                 <a:latin typeface="Open Sans"/>
                 <a:ea typeface="Open Sans"/>
@@ -2837,7 +2704,6 @@
                 <a:solidFill>
                   <a:schemeClr val="dk1"/>
                 </a:solidFill>
-                <a:effectLst/>
                 <a:uFillTx/>
                 <a:latin typeface="Open Sans"/>
                 <a:ea typeface="Open Sans"/>
@@ -2849,7 +2715,6 @@
                 <a:solidFill>
                   <a:schemeClr val="dk1"/>
                 </a:solidFill>
-                <a:effectLst/>
                 <a:uFillTx/>
                 <a:latin typeface="Open Sans"/>
                 <a:ea typeface="Open Sans"/>
@@ -2861,7 +2726,6 @@
                 <a:solidFill>
                   <a:schemeClr val="dk1"/>
                 </a:solidFill>
-                <a:effectLst/>
                 <a:uFillTx/>
                 <a:latin typeface="Open Sans"/>
                 <a:ea typeface="Open Sans"/>
@@ -2872,7 +2736,6 @@
               <a:solidFill>
                 <a:srgbClr val="000000"/>
               </a:solidFill>
-              <a:effectLst/>
               <a:uFillTx/>
               <a:latin typeface="Arial"/>
             </a:endParaRPr>
@@ -2893,7 +2756,6 @@
               <a:solidFill>
                 <a:srgbClr val="000000"/>
               </a:solidFill>
-              <a:effectLst/>
               <a:uFillTx/>
               <a:latin typeface="Arial"/>
             </a:endParaRPr>
@@ -2914,7 +2776,6 @@
               <a:solidFill>
                 <a:srgbClr val="000000"/>
               </a:solidFill>
-              <a:effectLst/>
               <a:uFillTx/>
               <a:latin typeface="Arial"/>
             </a:endParaRPr>
@@ -2935,7 +2796,6 @@
               <a:solidFill>
                 <a:srgbClr val="000000"/>
               </a:solidFill>
-              <a:effectLst/>
               <a:uFillTx/>
               <a:latin typeface="Arial"/>
             </a:endParaRPr>
@@ -2956,7 +2816,6 @@
               <a:solidFill>
                 <a:srgbClr val="000000"/>
               </a:solidFill>
-              <a:effectLst/>
               <a:uFillTx/>
               <a:latin typeface="Arial"/>
             </a:endParaRPr>
@@ -2977,7 +2836,6 @@
               <a:solidFill>
                 <a:srgbClr val="000000"/>
               </a:solidFill>
-              <a:effectLst/>
               <a:uFillTx/>
               <a:latin typeface="Arial"/>
             </a:endParaRPr>
@@ -2998,7 +2856,6 @@
               <a:solidFill>
                 <a:srgbClr val="000000"/>
               </a:solidFill>
-              <a:effectLst/>
               <a:uFillTx/>
               <a:latin typeface="Arial"/>
             </a:endParaRPr>
@@ -3019,7 +2876,6 @@
               <a:solidFill>
                 <a:srgbClr val="000000"/>
               </a:solidFill>
-              <a:effectLst/>
               <a:uFillTx/>
               <a:latin typeface="Arial"/>
             </a:endParaRPr>
@@ -3040,7 +2896,6 @@
               <a:solidFill>
                 <a:srgbClr val="000000"/>
               </a:solidFill>
-              <a:effectLst/>
               <a:uFillTx/>
               <a:latin typeface="Arial"/>
             </a:endParaRPr>
@@ -3061,7 +2916,6 @@
               <a:solidFill>
                 <a:srgbClr val="000000"/>
               </a:solidFill>
-              <a:effectLst/>
               <a:uFillTx/>
               <a:latin typeface="Arial"/>
             </a:endParaRPr>
@@ -3082,7 +2936,6 @@
               <a:solidFill>
                 <a:srgbClr val="000000"/>
               </a:solidFill>
-              <a:effectLst/>
               <a:uFillTx/>
               <a:latin typeface="Arial"/>
             </a:endParaRPr>
@@ -3103,7 +2956,6 @@
               <a:solidFill>
                 <a:srgbClr val="000000"/>
               </a:solidFill>
-              <a:effectLst/>
               <a:uFillTx/>
               <a:latin typeface="Arial"/>
             </a:endParaRPr>
@@ -3124,7 +2976,6 @@
               <a:solidFill>
                 <a:srgbClr val="000000"/>
               </a:solidFill>
-              <a:effectLst/>
               <a:uFillTx/>
               <a:latin typeface="Arial"/>
             </a:endParaRPr>
@@ -3146,7 +2997,6 @@
                 <a:solidFill>
                   <a:schemeClr val="dk1"/>
                 </a:solidFill>
-                <a:effectLst/>
                 <a:uFillTx/>
                 <a:latin typeface="Open Sans"/>
                 <a:ea typeface="Open Sans"/>
@@ -3157,7 +3007,6 @@
               <a:solidFill>
                 <a:srgbClr val="000000"/>
               </a:solidFill>
-              <a:effectLst/>
               <a:uFillTx/>
               <a:latin typeface="Arial"/>
             </a:endParaRPr>
@@ -3178,7 +3027,6 @@
               <a:solidFill>
                 <a:srgbClr val="000000"/>
               </a:solidFill>
-              <a:effectLst/>
               <a:uFillTx/>
               <a:latin typeface="Arial"/>
             </a:endParaRPr>
@@ -3193,7 +3041,6 @@
               <a:solidFill>
                 <a:srgbClr val="000000"/>
               </a:solidFill>
-              <a:effectLst/>
               <a:uFillTx/>
               <a:latin typeface="Arial"/>
             </a:endParaRPr>
@@ -3208,7 +3055,6 @@
               <a:solidFill>
                 <a:srgbClr val="000000"/>
               </a:solidFill>
-              <a:effectLst/>
               <a:uFillTx/>
               <a:latin typeface="Arial"/>
             </a:endParaRPr>
@@ -3223,7 +3069,6 @@
               <a:solidFill>
                 <a:srgbClr val="000000"/>
               </a:solidFill>
-              <a:effectLst/>
               <a:uFillTx/>
               <a:latin typeface="Arial"/>
             </a:endParaRPr>
@@ -3238,7 +3083,6 @@
               <a:solidFill>
                 <a:srgbClr val="000000"/>
               </a:solidFill>
-              <a:effectLst/>
               <a:uFillTx/>
               <a:latin typeface="Arial"/>
             </a:endParaRPr>
@@ -3253,7 +3097,6 @@
               <a:solidFill>
                 <a:srgbClr val="000000"/>
               </a:solidFill>
-              <a:effectLst/>
               <a:uFillTx/>
               <a:latin typeface="Arial"/>
             </a:endParaRPr>
@@ -3268,7 +3111,6 @@
               <a:solidFill>
                 <a:srgbClr val="000000"/>
               </a:solidFill>
-              <a:effectLst/>
               <a:uFillTx/>
               <a:latin typeface="Arial"/>
             </a:endParaRPr>
@@ -3283,7 +3125,6 @@
               <a:solidFill>
                 <a:srgbClr val="000000"/>
               </a:solidFill>
-              <a:effectLst/>
               <a:uFillTx/>
               <a:latin typeface="Arial"/>
             </a:endParaRPr>
@@ -3298,7 +3139,6 @@
               <a:solidFill>
                 <a:srgbClr val="000000"/>
               </a:solidFill>
-              <a:effectLst/>
               <a:uFillTx/>
               <a:latin typeface="Arial"/>
             </a:endParaRPr>
@@ -3313,7 +3153,6 @@
               <a:solidFill>
                 <a:srgbClr val="000000"/>
               </a:solidFill>
-              <a:effectLst/>
               <a:uFillTx/>
               <a:latin typeface="Arial"/>
             </a:endParaRPr>
@@ -3332,18 +3171,38 @@
                 <a:solidFill>
                   <a:schemeClr val="dk1"/>
                 </a:solidFill>
-                <a:effectLst/>
                 <a:uFillTx/>
                 <a:latin typeface="Open Sans"/>
                 <a:ea typeface="Open Sans"/>
               </a:rPr>
-              <a:t>In order to further protect state-of-the-art TEEs, we extend Keystone to include secure memory protocols in the gem5 simulation environment.</a:t>
-            </a:r>
-            <a:endParaRPr b="0" lang="en-US" sz="3200" strike="noStrike" u="none">
-              <a:solidFill>
-                <a:srgbClr val="000000"/>
-              </a:solidFill>
-              <a:effectLst/>
+              <a:t>In order to further protect state-of-the-art TEEs, we extend</a:t>
+            </a:r>
+            <a:r>
+              <a:rPr b="0" lang="en-US" sz="3200" strike="noStrike" u="none" baseline="33000">
+                <a:solidFill>
+                  <a:schemeClr val="dk1"/>
+                </a:solidFill>
+                <a:uFillTx/>
+                <a:latin typeface="Open Sans"/>
+                <a:ea typeface="Open Sans"/>
+              </a:rPr>
+              <a:t>[3]</a:t>
+            </a:r>
+            <a:r>
+              <a:rPr b="0" lang="en-US" sz="3200" strike="noStrike" u="none">
+                <a:solidFill>
+                  <a:schemeClr val="dk1"/>
+                </a:solidFill>
+                <a:uFillTx/>
+                <a:latin typeface="Open Sans"/>
+                <a:ea typeface="Open Sans"/>
+              </a:rPr>
+              <a:t> Keystone to include secure memory protocols in the gem5 simulation environment.</a:t>
+            </a:r>
+            <a:endParaRPr b="0" lang="en-US" sz="3200" strike="noStrike" u="none">
+              <a:solidFill>
+                <a:srgbClr val="000000"/>
+              </a:solidFill>
               <a:uFillTx/>
               <a:latin typeface="Arial"/>
             </a:endParaRPr>
@@ -3359,7 +3218,7 @@
         <p:spPr>
           <a:xfrm>
             <a:off x="0" y="32004000"/>
-            <a:ext cx="43884360" cy="907560"/>
+            <a:ext cx="43884000" cy="907200"/>
           </a:xfrm>
           <a:prstGeom prst="rect">
             <a:avLst/>
@@ -3391,7 +3250,6 @@
               <a:solidFill>
                 <a:schemeClr val="dk2"/>
               </a:solidFill>
-              <a:effectLst/>
               <a:uFillTx/>
               <a:latin typeface="Gill Sans"/>
               <a:ea typeface="Arial"/>
@@ -3407,8 +3265,8 @@
         </p:nvSpPr>
         <p:spPr>
           <a:xfrm rot="3166800">
-            <a:off x="39212640" y="20831040"/>
-            <a:ext cx="1208520" cy="688680"/>
+            <a:off x="39212640" y="20830680"/>
+            <a:ext cx="1208160" cy="688320"/>
           </a:xfrm>
           <a:prstGeom prst="rightArrow">
             <a:avLst>
@@ -3444,7 +3302,6 @@
               <a:solidFill>
                 <a:srgbClr val="000000"/>
               </a:solidFill>
-              <a:effectLst/>
               <a:uFillTx/>
               <a:latin typeface="Arial"/>
               <a:ea typeface="Arial"/>
@@ -3461,7 +3318,7 @@
         <p:spPr>
           <a:xfrm rot="18804600">
             <a:off x="36293760" y="20692800"/>
-            <a:ext cx="1208880" cy="688320"/>
+            <a:ext cx="1208520" cy="687960"/>
           </a:xfrm>
           <a:prstGeom prst="rightArrow">
             <a:avLst>
@@ -3497,7 +3354,6 @@
               <a:solidFill>
                 <a:srgbClr val="000000"/>
               </a:solidFill>
-              <a:effectLst/>
               <a:uFillTx/>
               <a:latin typeface="Arial"/>
               <a:ea typeface="Arial"/>
@@ -3513,8 +3369,8 @@
         </p:nvSpPr>
         <p:spPr>
           <a:xfrm rot="10800000">
-            <a:off x="37683360" y="22109400"/>
-            <a:ext cx="1209240" cy="688320"/>
+            <a:off x="37683720" y="22109760"/>
+            <a:ext cx="1208880" cy="687960"/>
           </a:xfrm>
           <a:prstGeom prst="rightArrow">
             <a:avLst>
@@ -3550,7 +3406,6 @@
               <a:solidFill>
                 <a:srgbClr val="000000"/>
               </a:solidFill>
-              <a:effectLst/>
               <a:uFillTx/>
               <a:latin typeface="Arial"/>
               <a:ea typeface="Arial"/>
@@ -3567,7 +3422,7 @@
         <p:spPr>
           <a:xfrm>
             <a:off x="1252800" y="8686800"/>
-            <a:ext cx="8994240" cy="1974600"/>
+            <a:ext cx="8993880" cy="1974240"/>
           </a:xfrm>
           <a:prstGeom prst="roundRect">
             <a:avLst>
@@ -3604,7 +3459,6 @@
                 <a:solidFill>
                   <a:srgbClr val="000000"/>
                 </a:solidFill>
-                <a:effectLst/>
                 <a:uFillTx/>
                 <a:latin typeface="Arial"/>
                 <a:ea typeface="Arial"/>
@@ -3615,7 +3469,6 @@
               <a:solidFill>
                 <a:srgbClr val="000000"/>
               </a:solidFill>
-              <a:effectLst/>
               <a:uFillTx/>
               <a:latin typeface="Arial"/>
             </a:endParaRPr>
@@ -3631,7 +3484,7 @@
         <p:spPr>
           <a:xfrm>
             <a:off x="1752840" y="9365040"/>
-            <a:ext cx="1994040" cy="984600"/>
+            <a:ext cx="1993680" cy="984240"/>
           </a:xfrm>
           <a:prstGeom prst="rect">
             <a:avLst/>
@@ -3666,7 +3519,6 @@
                 <a:solidFill>
                   <a:srgbClr val="000000"/>
                 </a:solidFill>
-                <a:effectLst/>
                 <a:uFillTx/>
                 <a:latin typeface="Arial"/>
                 <a:ea typeface="Arial"/>
@@ -3677,7 +3529,6 @@
               <a:solidFill>
                 <a:srgbClr val="000000"/>
               </a:solidFill>
-              <a:effectLst/>
               <a:uFillTx/>
               <a:latin typeface="Arial"/>
             </a:endParaRPr>
@@ -3693,7 +3544,7 @@
         <p:spPr>
           <a:xfrm>
             <a:off x="4784400" y="9365040"/>
-            <a:ext cx="1994040" cy="984600"/>
+            <a:ext cx="1993680" cy="984240"/>
           </a:xfrm>
           <a:prstGeom prst="rect">
             <a:avLst/>
@@ -3728,7 +3579,6 @@
                 <a:solidFill>
                   <a:srgbClr val="000000"/>
                 </a:solidFill>
-                <a:effectLst/>
                 <a:uFillTx/>
                 <a:latin typeface="Arial"/>
                 <a:ea typeface="Arial"/>
@@ -3739,7 +3589,6 @@
               <a:solidFill>
                 <a:srgbClr val="000000"/>
               </a:solidFill>
-              <a:effectLst/>
               <a:uFillTx/>
               <a:latin typeface="Arial"/>
             </a:endParaRPr>
@@ -3755,7 +3604,7 @@
         <p:spPr>
           <a:xfrm>
             <a:off x="7894800" y="9365040"/>
-            <a:ext cx="1994040" cy="984600"/>
+            <a:ext cx="1993680" cy="984240"/>
           </a:xfrm>
           <a:prstGeom prst="rect">
             <a:avLst/>
@@ -3790,7 +3639,6 @@
                 <a:solidFill>
                   <a:srgbClr val="000000"/>
                 </a:solidFill>
-                <a:effectLst/>
                 <a:uFillTx/>
                 <a:latin typeface="Arial"/>
                 <a:ea typeface="Arial"/>
@@ -3801,7 +3649,6 @@
               <a:solidFill>
                 <a:srgbClr val="000000"/>
               </a:solidFill>
-              <a:effectLst/>
               <a:uFillTx/>
               <a:latin typeface="Arial"/>
             </a:endParaRPr>
@@ -3817,7 +3664,7 @@
         <p:spPr>
           <a:xfrm>
             <a:off x="3595320" y="13151880"/>
-            <a:ext cx="4494600" cy="1173960"/>
+            <a:ext cx="4494240" cy="1173600"/>
           </a:xfrm>
           <a:prstGeom prst="roundRect">
             <a:avLst>
@@ -3854,7 +3701,6 @@
                 <a:solidFill>
                   <a:srgbClr val="000000"/>
                 </a:solidFill>
-                <a:effectLst/>
                 <a:uFillTx/>
                 <a:latin typeface="Arial"/>
                 <a:ea typeface="Arial"/>
@@ -3865,7 +3711,6 @@
               <a:solidFill>
                 <a:srgbClr val="000000"/>
               </a:solidFill>
-              <a:effectLst/>
               <a:uFillTx/>
               <a:latin typeface="Arial"/>
             </a:endParaRPr>
@@ -3909,7 +3754,6 @@
               <a:solidFill>
                 <a:srgbClr val="000000"/>
               </a:solidFill>
-              <a:effectLst/>
               <a:uFillTx/>
               <a:latin typeface="Arial"/>
               <a:ea typeface="Arial"/>
@@ -3926,7 +3770,7 @@
         <p:spPr>
           <a:xfrm>
             <a:off x="4635000" y="11409480"/>
-            <a:ext cx="2229840" cy="984600"/>
+            <a:ext cx="2229480" cy="984240"/>
           </a:xfrm>
           <a:prstGeom prst="rect">
             <a:avLst/>
@@ -3961,7 +3805,6 @@
                 <a:solidFill>
                   <a:srgbClr val="000000"/>
                 </a:solidFill>
-                <a:effectLst/>
                 <a:uFillTx/>
                 <a:latin typeface="Arial"/>
                 <a:ea typeface="Arial"/>
@@ -3972,7 +3815,6 @@
               <a:solidFill>
                 <a:srgbClr val="000000"/>
               </a:solidFill>
-              <a:effectLst/>
               <a:uFillTx/>
               <a:latin typeface="Arial"/>
             </a:endParaRPr>
@@ -4016,7 +3858,6 @@
               <a:solidFill>
                 <a:srgbClr val="000000"/>
               </a:solidFill>
-              <a:effectLst/>
               <a:uFillTx/>
               <a:latin typeface="Arial"/>
               <a:ea typeface="Arial"/>
@@ -4061,7 +3902,6 @@
               <a:solidFill>
                 <a:srgbClr val="000000"/>
               </a:solidFill>
-              <a:effectLst/>
               <a:uFillTx/>
               <a:latin typeface="Arial"/>
               <a:ea typeface="Arial"/>
@@ -4106,7 +3946,6 @@
               <a:solidFill>
                 <a:srgbClr val="000000"/>
               </a:solidFill>
-              <a:effectLst/>
               <a:uFillTx/>
               <a:latin typeface="Arial"/>
               <a:ea typeface="Arial"/>
@@ -4123,7 +3962,7 @@
         <p:spPr>
           <a:xfrm>
             <a:off x="11201400" y="5558400"/>
-            <a:ext cx="10510200" cy="837000"/>
+            <a:ext cx="10509840" cy="836640"/>
           </a:xfrm>
           <a:prstGeom prst="rect">
             <a:avLst/>
@@ -4158,7 +3997,6 @@
                 <a:solidFill>
                   <a:srgbClr val="ffffff"/>
                 </a:solidFill>
-                <a:effectLst/>
                 <a:uFillTx/>
                 <a:latin typeface="Bree Serif"/>
                 <a:ea typeface="Arial"/>
@@ -4169,7 +4007,6 @@
               <a:solidFill>
                 <a:srgbClr val="ffffff"/>
               </a:solidFill>
-              <a:effectLst/>
               <a:uFillTx/>
               <a:latin typeface="Arial"/>
             </a:endParaRPr>
@@ -4189,12 +4026,11 @@
         <p:spPr>
           <a:xfrm>
             <a:off x="408600" y="31883400"/>
-            <a:ext cx="6654240" cy="1140840"/>
+            <a:ext cx="6653880" cy="1140480"/>
           </a:xfrm>
           <a:prstGeom prst="rect">
             <a:avLst/>
           </a:prstGeom>
-          <a:noFill/>
           <a:ln w="0">
             <a:noFill/>
           </a:ln>
@@ -4209,7 +4045,7 @@
         <p:spPr>
           <a:xfrm>
             <a:off x="574920" y="5558400"/>
-            <a:ext cx="10163880" cy="837000"/>
+            <a:ext cx="10163520" cy="836640"/>
           </a:xfrm>
           <a:prstGeom prst="rect">
             <a:avLst/>
@@ -4244,7 +4080,6 @@
                 <a:solidFill>
                   <a:srgbClr val="ffffff"/>
                 </a:solidFill>
-                <a:effectLst/>
                 <a:uFillTx/>
                 <a:latin typeface="Bree Serif"/>
                 <a:ea typeface="Arial"/>
@@ -4255,7 +4090,6 @@
               <a:solidFill>
                 <a:srgbClr val="ffffff"/>
               </a:solidFill>
-              <a:effectLst/>
               <a:uFillTx/>
               <a:latin typeface="Arial"/>
             </a:endParaRPr>
@@ -4271,7 +4105,7 @@
         <p:spPr>
           <a:xfrm>
             <a:off x="576000" y="17927280"/>
-            <a:ext cx="10161000" cy="13618800"/>
+            <a:ext cx="10160640" cy="13618440"/>
           </a:xfrm>
           <a:prstGeom prst="rect">
             <a:avLst/>
@@ -4307,7 +4141,6 @@
                 <a:solidFill>
                   <a:srgbClr val="000000"/>
                 </a:solidFill>
-                <a:effectLst/>
                 <a:uFillTx/>
                 <a:latin typeface="Open Sans"/>
                 <a:ea typeface="Arial"/>
@@ -4318,7 +4151,6 @@
               <a:solidFill>
                 <a:srgbClr val="000000"/>
               </a:solidFill>
-              <a:effectLst/>
               <a:uFillTx/>
               <a:latin typeface="Arial"/>
             </a:endParaRPr>
@@ -4333,7 +4165,6 @@
               <a:solidFill>
                 <a:srgbClr val="000000"/>
               </a:solidFill>
-              <a:effectLst/>
               <a:uFillTx/>
               <a:latin typeface="Arial"/>
             </a:endParaRPr>
@@ -4348,7 +4179,6 @@
               <a:solidFill>
                 <a:srgbClr val="000000"/>
               </a:solidFill>
-              <a:effectLst/>
               <a:uFillTx/>
               <a:latin typeface="Arial"/>
             </a:endParaRPr>
@@ -4363,7 +4193,6 @@
               <a:solidFill>
                 <a:srgbClr val="000000"/>
               </a:solidFill>
-              <a:effectLst/>
               <a:uFillTx/>
               <a:latin typeface="Arial"/>
             </a:endParaRPr>
@@ -4378,7 +4207,6 @@
               <a:solidFill>
                 <a:srgbClr val="000000"/>
               </a:solidFill>
-              <a:effectLst/>
               <a:uFillTx/>
               <a:latin typeface="Arial"/>
             </a:endParaRPr>
@@ -4393,7 +4221,6 @@
               <a:solidFill>
                 <a:srgbClr val="000000"/>
               </a:solidFill>
-              <a:effectLst/>
               <a:uFillTx/>
               <a:latin typeface="Arial"/>
             </a:endParaRPr>
@@ -4408,7 +4235,6 @@
               <a:solidFill>
                 <a:srgbClr val="000000"/>
               </a:solidFill>
-              <a:effectLst/>
               <a:uFillTx/>
               <a:latin typeface="Arial"/>
             </a:endParaRPr>
@@ -4423,7 +4249,6 @@
               <a:solidFill>
                 <a:srgbClr val="000000"/>
               </a:solidFill>
-              <a:effectLst/>
               <a:uFillTx/>
               <a:latin typeface="Arial"/>
             </a:endParaRPr>
@@ -4438,7 +4263,6 @@
               <a:solidFill>
                 <a:srgbClr val="000000"/>
               </a:solidFill>
-              <a:effectLst/>
               <a:uFillTx/>
               <a:latin typeface="Arial"/>
             </a:endParaRPr>
@@ -4453,7 +4277,6 @@
               <a:solidFill>
                 <a:srgbClr val="000000"/>
               </a:solidFill>
-              <a:effectLst/>
               <a:uFillTx/>
               <a:latin typeface="Arial"/>
             </a:endParaRPr>
@@ -4468,7 +4291,6 @@
               <a:solidFill>
                 <a:srgbClr val="000000"/>
               </a:solidFill>
-              <a:effectLst/>
               <a:uFillTx/>
               <a:latin typeface="Arial"/>
             </a:endParaRPr>
@@ -4484,18 +4306,16 @@
                 <a:solidFill>
                   <a:srgbClr val="000000"/>
                 </a:solidFill>
-                <a:effectLst/>
                 <a:uFillTx/>
                 <a:latin typeface="Open Sans"/>
                 <a:ea typeface="Arial"/>
               </a:rPr>
-              <a:t>Achieving a baseline model is non-trivial, requiring  extensive knowledge of the simulator itself, often allocating much of the development time to de-coupled, self-guided learning.</a:t>
-            </a:r>
-            <a:endParaRPr b="0" lang="en-US" sz="3200" strike="noStrike" u="none">
-              <a:solidFill>
-                <a:srgbClr val="000000"/>
-              </a:solidFill>
-              <a:effectLst/>
+              <a:t>Achieving a baseline model is non-trivial, often allocating much of the development time to de-coupled, self-guided learning.</a:t>
+            </a:r>
+            <a:endParaRPr b="0" lang="en-US" sz="3200" strike="noStrike" u="none">
+              <a:solidFill>
+                <a:srgbClr val="000000"/>
+              </a:solidFill>
               <a:uFillTx/>
               <a:latin typeface="Arial"/>
             </a:endParaRPr>
@@ -4510,7 +4330,6 @@
               <a:solidFill>
                 <a:srgbClr val="000000"/>
               </a:solidFill>
-              <a:effectLst/>
               <a:uFillTx/>
               <a:latin typeface="Arial"/>
             </a:endParaRPr>
@@ -4525,7 +4344,6 @@
               <a:solidFill>
                 <a:srgbClr val="000000"/>
               </a:solidFill>
-              <a:effectLst/>
               <a:uFillTx/>
               <a:latin typeface="Arial"/>
             </a:endParaRPr>
@@ -4540,7 +4358,6 @@
               <a:solidFill>
                 <a:srgbClr val="000000"/>
               </a:solidFill>
-              <a:effectLst/>
               <a:uFillTx/>
               <a:latin typeface="Arial"/>
             </a:endParaRPr>
@@ -4555,7 +4372,6 @@
               <a:solidFill>
                 <a:srgbClr val="000000"/>
               </a:solidFill>
-              <a:effectLst/>
               <a:uFillTx/>
               <a:latin typeface="Arial"/>
             </a:endParaRPr>
@@ -4570,7 +4386,6 @@
               <a:solidFill>
                 <a:srgbClr val="000000"/>
               </a:solidFill>
-              <a:effectLst/>
               <a:uFillTx/>
               <a:latin typeface="Arial"/>
             </a:endParaRPr>
@@ -4585,7 +4400,6 @@
               <a:solidFill>
                 <a:srgbClr val="000000"/>
               </a:solidFill>
-              <a:effectLst/>
               <a:uFillTx/>
               <a:latin typeface="Arial"/>
             </a:endParaRPr>
@@ -4600,7 +4414,6 @@
               <a:solidFill>
                 <a:srgbClr val="000000"/>
               </a:solidFill>
-              <a:effectLst/>
               <a:uFillTx/>
               <a:latin typeface="Arial"/>
             </a:endParaRPr>
@@ -4615,7 +4428,6 @@
               <a:solidFill>
                 <a:srgbClr val="000000"/>
               </a:solidFill>
-              <a:effectLst/>
               <a:uFillTx/>
               <a:latin typeface="Arial"/>
             </a:endParaRPr>
@@ -4630,7 +4442,6 @@
               <a:solidFill>
                 <a:srgbClr val="000000"/>
               </a:solidFill>
-              <a:effectLst/>
               <a:uFillTx/>
               <a:latin typeface="Arial"/>
             </a:endParaRPr>
@@ -4645,7 +4456,6 @@
               <a:solidFill>
                 <a:srgbClr val="000000"/>
               </a:solidFill>
-              <a:effectLst/>
               <a:uFillTx/>
               <a:latin typeface="Arial"/>
             </a:endParaRPr>
@@ -4660,8 +4470,8 @@
         </p:nvSpPr>
         <p:spPr>
           <a:xfrm rot="16200000">
-            <a:off x="360000" y="20547360"/>
-            <a:ext cx="3303000" cy="1766520"/>
+            <a:off x="360000" y="20547720"/>
+            <a:ext cx="3302640" cy="1766160"/>
           </a:xfrm>
           <a:prstGeom prst="rightArrow">
             <a:avLst>
@@ -4699,7 +4509,6 @@
                 <a:solidFill>
                   <a:srgbClr val="000000"/>
                 </a:solidFill>
-                <a:effectLst/>
                 <a:uFillTx/>
                 <a:latin typeface="Open Sans"/>
                 <a:ea typeface="Arial"/>
@@ -4710,7 +4519,6 @@
               <a:solidFill>
                 <a:srgbClr val="000000"/>
               </a:solidFill>
-              <a:effectLst/>
               <a:uFillTx/>
               <a:latin typeface="Arial"/>
             </a:endParaRPr>
@@ -4753,7 +4561,6 @@
               <a:solidFill>
                 <a:srgbClr val="000000"/>
               </a:solidFill>
-              <a:effectLst/>
               <a:uFillTx/>
               <a:latin typeface="Arial"/>
               <a:ea typeface="Arial"/>
@@ -4770,7 +4577,7 @@
         <p:spPr>
           <a:xfrm>
             <a:off x="4271400" y="19847880"/>
-            <a:ext cx="4490640" cy="746280"/>
+            <a:ext cx="4490280" cy="745920"/>
           </a:xfrm>
           <a:prstGeom prst="rect">
             <a:avLst/>
@@ -4805,7 +4612,6 @@
                 <a:solidFill>
                   <a:srgbClr val="000000"/>
                 </a:solidFill>
-                <a:effectLst/>
                 <a:uFillTx/>
                 <a:latin typeface="Arial"/>
                 <a:ea typeface="Arial"/>
@@ -4816,7 +4622,6 @@
               <a:solidFill>
                 <a:srgbClr val="000000"/>
               </a:solidFill>
-              <a:effectLst/>
               <a:uFillTx/>
               <a:latin typeface="Arial"/>
             </a:endParaRPr>
@@ -4859,7 +4664,6 @@
               <a:solidFill>
                 <a:srgbClr val="000000"/>
               </a:solidFill>
-              <a:effectLst/>
               <a:uFillTx/>
               <a:latin typeface="Arial"/>
               <a:ea typeface="Arial"/>
@@ -4876,7 +4680,7 @@
         <p:spPr>
           <a:xfrm>
             <a:off x="4271400" y="21071880"/>
-            <a:ext cx="4490640" cy="746280"/>
+            <a:ext cx="4490280" cy="745920"/>
           </a:xfrm>
           <a:prstGeom prst="rect">
             <a:avLst/>
@@ -4911,7 +4715,6 @@
                 <a:solidFill>
                   <a:srgbClr val="000000"/>
                 </a:solidFill>
-                <a:effectLst/>
                 <a:uFillTx/>
                 <a:latin typeface="Arial"/>
                 <a:ea typeface="Arial"/>
@@ -4922,7 +4725,6 @@
               <a:solidFill>
                 <a:srgbClr val="000000"/>
               </a:solidFill>
-              <a:effectLst/>
               <a:uFillTx/>
               <a:latin typeface="Arial"/>
             </a:endParaRPr>
@@ -4965,7 +4767,6 @@
               <a:solidFill>
                 <a:srgbClr val="000000"/>
               </a:solidFill>
-              <a:effectLst/>
               <a:uFillTx/>
               <a:latin typeface="Arial"/>
               <a:ea typeface="Arial"/>
@@ -4982,7 +4783,7 @@
         <p:spPr>
           <a:xfrm>
             <a:off x="4271400" y="22403880"/>
-            <a:ext cx="4490640" cy="746280"/>
+            <a:ext cx="4490280" cy="745920"/>
           </a:xfrm>
           <a:prstGeom prst="rect">
             <a:avLst/>
@@ -5017,7 +4818,6 @@
                 <a:solidFill>
                   <a:srgbClr val="000000"/>
                 </a:solidFill>
-                <a:effectLst/>
                 <a:uFillTx/>
                 <a:latin typeface="Arial"/>
                 <a:ea typeface="Arial"/>
@@ -5028,7 +4828,6 @@
               <a:solidFill>
                 <a:srgbClr val="000000"/>
               </a:solidFill>
-              <a:effectLst/>
               <a:uFillTx/>
               <a:latin typeface="Arial"/>
             </a:endParaRPr>
@@ -5044,7 +4843,7 @@
         <p:spPr>
           <a:xfrm>
             <a:off x="35446320" y="8290800"/>
-            <a:ext cx="2628720" cy="2129400"/>
+            <a:ext cx="2628360" cy="2129040"/>
           </a:xfrm>
           <a:prstGeom prst="rect">
             <a:avLst/>
@@ -5079,7 +4878,6 @@
                 <a:solidFill>
                   <a:srgbClr val="000000"/>
                 </a:solidFill>
-                <a:effectLst/>
                 <a:uFillTx/>
                 <a:latin typeface="Arial"/>
                 <a:ea typeface="Arial"/>
@@ -5090,7 +4888,6 @@
               <a:solidFill>
                 <a:srgbClr val="000000"/>
               </a:solidFill>
-              <a:effectLst/>
               <a:uFillTx/>
               <a:latin typeface="Arial"/>
             </a:endParaRPr>
@@ -5106,7 +4903,7 @@
         <p:spPr>
           <a:xfrm>
             <a:off x="35538120" y="8859240"/>
-            <a:ext cx="872640" cy="639360"/>
+            <a:ext cx="872280" cy="639000"/>
           </a:xfrm>
           <a:prstGeom prst="rect">
             <a:avLst/>
@@ -5141,7 +4938,6 @@
                 <a:solidFill>
                   <a:srgbClr val="000000"/>
                 </a:solidFill>
-                <a:effectLst/>
                 <a:uFillTx/>
                 <a:latin typeface="Arial"/>
                 <a:ea typeface="Arial"/>
@@ -5152,7 +4948,6 @@
               <a:solidFill>
                 <a:srgbClr val="000000"/>
               </a:solidFill>
-              <a:effectLst/>
               <a:uFillTx/>
               <a:latin typeface="Arial"/>
             </a:endParaRPr>
@@ -5168,7 +4963,7 @@
         <p:spPr>
           <a:xfrm>
             <a:off x="37105560" y="8859240"/>
-            <a:ext cx="872280" cy="639360"/>
+            <a:ext cx="871920" cy="639000"/>
           </a:xfrm>
           <a:prstGeom prst="rect">
             <a:avLst/>
@@ -5203,7 +4998,6 @@
                 <a:solidFill>
                   <a:srgbClr val="000000"/>
                 </a:solidFill>
-                <a:effectLst/>
                 <a:uFillTx/>
                 <a:latin typeface="Arial"/>
                 <a:ea typeface="Arial"/>
@@ -5214,7 +5008,6 @@
               <a:solidFill>
                 <a:srgbClr val="000000"/>
               </a:solidFill>
-              <a:effectLst/>
               <a:uFillTx/>
               <a:latin typeface="Arial"/>
             </a:endParaRPr>
@@ -5230,7 +5023,7 @@
         <p:spPr>
           <a:xfrm>
             <a:off x="35630280" y="9727560"/>
-            <a:ext cx="2244600" cy="639360"/>
+            <a:ext cx="2244240" cy="639000"/>
           </a:xfrm>
           <a:prstGeom prst="rect">
             <a:avLst/>
@@ -5265,7 +5058,6 @@
                 <a:solidFill>
                   <a:srgbClr val="000000"/>
                 </a:solidFill>
-                <a:effectLst/>
                 <a:uFillTx/>
                 <a:latin typeface="Arial"/>
                 <a:ea typeface="Arial"/>
@@ -5276,7 +5068,6 @@
               <a:solidFill>
                 <a:srgbClr val="000000"/>
               </a:solidFill>
-              <a:effectLst/>
               <a:uFillTx/>
               <a:latin typeface="Arial"/>
             </a:endParaRPr>
@@ -5292,18 +5083,27 @@
                 <a:solidFill>
                   <a:srgbClr val="000000"/>
                 </a:solidFill>
-                <a:effectLst/>
                 <a:uFillTx/>
                 <a:latin typeface="Arial"/>
                 <a:ea typeface="Arial"/>
               </a:rPr>
-              <a:t> (OS)</a:t>
+              <a:t> </a:t>
+            </a:r>
+            <a:r>
+              <a:rPr b="0" lang="en-US" sz="2000" strike="noStrike" u="none">
+                <a:solidFill>
+                  <a:srgbClr val="000000"/>
+                </a:solidFill>
+                <a:uFillTx/>
+                <a:latin typeface="Arial"/>
+                <a:ea typeface="Arial"/>
+              </a:rPr>
+              <a:t>(OS)</a:t>
             </a:r>
             <a:endParaRPr b="0" lang="en-US" sz="2000" strike="noStrike" u="none">
               <a:solidFill>
                 <a:srgbClr val="000000"/>
               </a:solidFill>
-              <a:effectLst/>
               <a:uFillTx/>
               <a:latin typeface="Arial"/>
             </a:endParaRPr>
@@ -5319,15 +5119,15 @@
         <p:spPr>
           <a:xfrm>
             <a:off x="38307240" y="8290800"/>
-            <a:ext cx="2335680" cy="2129400"/>
+            <a:ext cx="2335320" cy="2129040"/>
           </a:xfrm>
           <a:custGeom>
             <a:avLst/>
             <a:gdLst>
-              <a:gd name="textAreaLeft" fmla="*/ 113760 w 2335680"/>
-              <a:gd name="textAreaRight" fmla="*/ 2226960 w 2335680"/>
-              <a:gd name="textAreaTop" fmla="*/ 97560 h 2129400"/>
-              <a:gd name="textAreaBottom" fmla="*/ 2036880 h 2129400"/>
+              <a:gd name="textAreaLeft" fmla="*/ 113760 w 2335320"/>
+              <a:gd name="textAreaRight" fmla="*/ 2226960 w 2335320"/>
+              <a:gd name="textAreaTop" fmla="*/ 97560 h 2129040"/>
+              <a:gd name="textAreaBottom" fmla="*/ 2036880 h 2129040"/>
             </a:gdLst>
             <a:ahLst/>
             <a:rect l="textAreaLeft" t="textAreaTop" r="textAreaRight" b="textAreaBottom"/>
@@ -5383,7 +5183,6 @@
                 <a:solidFill>
                   <a:srgbClr val="000000"/>
                 </a:solidFill>
-                <a:effectLst/>
                 <a:uFillTx/>
                 <a:latin typeface="Arial"/>
                 <a:ea typeface="Arial"/>
@@ -5394,7 +5193,6 @@
               <a:solidFill>
                 <a:srgbClr val="000000"/>
               </a:solidFill>
-              <a:effectLst/>
               <a:uFillTx/>
               <a:latin typeface="Arial"/>
             </a:endParaRPr>
@@ -5410,7 +5208,7 @@
         <p:spPr>
           <a:xfrm>
             <a:off x="38530080" y="8859240"/>
-            <a:ext cx="1911960" cy="639360"/>
+            <a:ext cx="1911600" cy="639000"/>
           </a:xfrm>
           <a:prstGeom prst="rect">
             <a:avLst/>
@@ -5445,7 +5243,6 @@
                 <a:solidFill>
                   <a:srgbClr val="000000"/>
                 </a:solidFill>
-                <a:effectLst/>
                 <a:uFillTx/>
                 <a:latin typeface="Arial"/>
                 <a:ea typeface="Arial"/>
@@ -5456,7 +5253,6 @@
               <a:solidFill>
                 <a:srgbClr val="000000"/>
               </a:solidFill>
-              <a:effectLst/>
               <a:uFillTx/>
               <a:latin typeface="Arial"/>
             </a:endParaRPr>
@@ -5472,7 +5268,7 @@
         <p:spPr>
           <a:xfrm>
             <a:off x="38438280" y="9715320"/>
-            <a:ext cx="2112480" cy="533160"/>
+            <a:ext cx="2112120" cy="532800"/>
           </a:xfrm>
           <a:prstGeom prst="rect">
             <a:avLst/>
@@ -5507,7 +5303,6 @@
                 <a:solidFill>
                   <a:srgbClr val="000000"/>
                 </a:solidFill>
-                <a:effectLst/>
                 <a:uFillTx/>
                 <a:latin typeface="Arial"/>
                 <a:ea typeface="Arial"/>
@@ -5518,7 +5313,6 @@
               <a:solidFill>
                 <a:srgbClr val="000000"/>
               </a:solidFill>
-              <a:effectLst/>
               <a:uFillTx/>
               <a:latin typeface="Arial"/>
             </a:endParaRPr>
@@ -5534,15 +5328,15 @@
         <p:spPr>
           <a:xfrm>
             <a:off x="40893120" y="8291160"/>
-            <a:ext cx="1785240" cy="2129040"/>
+            <a:ext cx="1784880" cy="2128680"/>
           </a:xfrm>
           <a:custGeom>
             <a:avLst/>
             <a:gdLst>
-              <a:gd name="textAreaLeft" fmla="*/ 86760 w 1785240"/>
-              <a:gd name="textAreaRight" fmla="*/ 1703520 w 1785240"/>
-              <a:gd name="textAreaTop" fmla="*/ 74520 h 2129040"/>
-              <a:gd name="textAreaBottom" fmla="*/ 2059560 h 2129040"/>
+              <a:gd name="textAreaLeft" fmla="*/ 86760 w 1784880"/>
+              <a:gd name="textAreaRight" fmla="*/ 1703520 w 1784880"/>
+              <a:gd name="textAreaTop" fmla="*/ 74520 h 2128680"/>
+              <a:gd name="textAreaBottom" fmla="*/ 2059560 h 2128680"/>
             </a:gdLst>
             <a:ahLst/>
             <a:rect l="textAreaLeft" t="textAreaTop" r="textAreaRight" b="textAreaBottom"/>
@@ -5598,7 +5392,6 @@
                 <a:solidFill>
                   <a:srgbClr val="000000"/>
                 </a:solidFill>
-                <a:effectLst/>
                 <a:uFillTx/>
                 <a:latin typeface="Arial"/>
                 <a:ea typeface="Arial"/>
@@ -5609,7 +5402,6 @@
               <a:solidFill>
                 <a:srgbClr val="000000"/>
               </a:solidFill>
-              <a:effectLst/>
               <a:uFillTx/>
               <a:latin typeface="Arial"/>
             </a:endParaRPr>
@@ -5625,7 +5417,7 @@
         <p:spPr>
           <a:xfrm>
             <a:off x="41085000" y="8859960"/>
-            <a:ext cx="1341720" cy="639000"/>
+            <a:ext cx="1341360" cy="638640"/>
           </a:xfrm>
           <a:prstGeom prst="rect">
             <a:avLst/>
@@ -5660,7 +5452,6 @@
                 <a:solidFill>
                   <a:srgbClr val="000000"/>
                 </a:solidFill>
-                <a:effectLst/>
                 <a:uFillTx/>
                 <a:latin typeface="Arial"/>
                 <a:ea typeface="Arial"/>
@@ -5671,7 +5462,6 @@
               <a:solidFill>
                 <a:srgbClr val="000000"/>
               </a:solidFill>
-              <a:effectLst/>
               <a:uFillTx/>
               <a:latin typeface="Arial"/>
             </a:endParaRPr>
@@ -5687,7 +5477,7 @@
         <p:spPr>
           <a:xfrm>
             <a:off x="41006160" y="9715680"/>
-            <a:ext cx="1420560" cy="533160"/>
+            <a:ext cx="1420200" cy="532800"/>
           </a:xfrm>
           <a:prstGeom prst="rect">
             <a:avLst/>
@@ -5722,7 +5512,6 @@
                 <a:solidFill>
                   <a:srgbClr val="000000"/>
                 </a:solidFill>
-                <a:effectLst/>
                 <a:uFillTx/>
                 <a:latin typeface="Arial"/>
                 <a:ea typeface="Arial"/>
@@ -5733,7 +5522,6 @@
               <a:solidFill>
                 <a:srgbClr val="000000"/>
               </a:solidFill>
-              <a:effectLst/>
               <a:uFillTx/>
               <a:latin typeface="Arial"/>
             </a:endParaRPr>
@@ -5777,7 +5565,6 @@
               <a:solidFill>
                 <a:srgbClr val="000000"/>
               </a:solidFill>
-              <a:effectLst/>
               <a:uFillTx/>
               <a:latin typeface="Arial"/>
               <a:ea typeface="Arial"/>
@@ -5822,7 +5609,6 @@
               <a:solidFill>
                 <a:srgbClr val="000000"/>
               </a:solidFill>
-              <a:effectLst/>
               <a:uFillTx/>
               <a:latin typeface="Arial"/>
               <a:ea typeface="Arial"/>
@@ -5839,7 +5625,7 @@
         <p:spPr>
           <a:xfrm>
             <a:off x="35361000" y="10665360"/>
-            <a:ext cx="7473600" cy="1465560"/>
+            <a:ext cx="7473240" cy="1465200"/>
           </a:xfrm>
           <a:prstGeom prst="roundRect">
             <a:avLst>
@@ -5876,7 +5662,6 @@
               <a:solidFill>
                 <a:srgbClr val="000000"/>
               </a:solidFill>
-              <a:effectLst/>
               <a:uFillTx/>
               <a:latin typeface="Arial"/>
               <a:ea typeface="Arial"/>
@@ -5893,7 +5678,7 @@
         <p:spPr>
           <a:xfrm>
             <a:off x="35446680" y="10779840"/>
-            <a:ext cx="7265880" cy="495000"/>
+            <a:ext cx="7265520" cy="494640"/>
           </a:xfrm>
           <a:prstGeom prst="rect">
             <a:avLst/>
@@ -5928,7 +5713,6 @@
                 <a:solidFill>
                   <a:srgbClr val="000000"/>
                 </a:solidFill>
-                <a:effectLst/>
                 <a:uFillTx/>
                 <a:latin typeface="Arial"/>
                 <a:ea typeface="Arial"/>
@@ -5939,7 +5723,6 @@
               <a:solidFill>
                 <a:srgbClr val="000000"/>
               </a:solidFill>
-              <a:effectLst/>
               <a:uFillTx/>
               <a:latin typeface="Arial"/>
             </a:endParaRPr>
@@ -5955,7 +5738,7 @@
         <p:spPr>
           <a:xfrm>
             <a:off x="33869880" y="11379240"/>
-            <a:ext cx="1498320" cy="745920"/>
+            <a:ext cx="1497960" cy="745560"/>
           </a:xfrm>
           <a:prstGeom prst="rect">
             <a:avLst/>
@@ -5986,7 +5769,6 @@
                 <a:solidFill>
                   <a:srgbClr val="000000"/>
                 </a:solidFill>
-                <a:effectLst/>
                 <a:uFillTx/>
                 <a:latin typeface="Open Sans"/>
                 <a:ea typeface="Arial"/>
@@ -5997,7 +5779,6 @@
               <a:solidFill>
                 <a:srgbClr val="000000"/>
               </a:solidFill>
-              <a:effectLst/>
               <a:uFillTx/>
               <a:latin typeface="Arial"/>
             </a:endParaRPr>
@@ -6013,7 +5794,7 @@
         <p:spPr>
           <a:xfrm>
             <a:off x="35440920" y="11413080"/>
-            <a:ext cx="7242480" cy="612000"/>
+            <a:ext cx="7242120" cy="611640"/>
           </a:xfrm>
           <a:prstGeom prst="rect">
             <a:avLst/>
@@ -6047,7 +5828,6 @@
               <a:solidFill>
                 <a:srgbClr val="000000"/>
               </a:solidFill>
-              <a:effectLst/>
               <a:uFillTx/>
               <a:latin typeface="Arial"/>
               <a:ea typeface="Arial"/>
@@ -6064,7 +5844,7 @@
         <p:spPr>
           <a:xfrm>
             <a:off x="35521920" y="11508120"/>
-            <a:ext cx="1928520" cy="437400"/>
+            <a:ext cx="1928160" cy="437040"/>
           </a:xfrm>
           <a:prstGeom prst="rect">
             <a:avLst/>
@@ -6099,7 +5879,6 @@
                 <a:solidFill>
                   <a:srgbClr val="000000"/>
                 </a:solidFill>
-                <a:effectLst/>
                 <a:uFillTx/>
                 <a:latin typeface="Arial"/>
                 <a:ea typeface="Arial"/>
@@ -6110,7 +5889,6 @@
               <a:solidFill>
                 <a:srgbClr val="000000"/>
               </a:solidFill>
-              <a:effectLst/>
               <a:uFillTx/>
               <a:latin typeface="Arial"/>
             </a:endParaRPr>
@@ -6126,7 +5904,7 @@
         <p:spPr>
           <a:xfrm>
             <a:off x="37586160" y="11508120"/>
-            <a:ext cx="2979000" cy="437400"/>
+            <a:ext cx="2978640" cy="437040"/>
           </a:xfrm>
           <a:prstGeom prst="rect">
             <a:avLst/>
@@ -6161,7 +5939,6 @@
                 <a:solidFill>
                   <a:srgbClr val="000000"/>
                 </a:solidFill>
-                <a:effectLst/>
                 <a:uFillTx/>
                 <a:latin typeface="Arial"/>
                 <a:ea typeface="Arial"/>
@@ -6172,7 +5949,6 @@
               <a:solidFill>
                 <a:srgbClr val="000000"/>
               </a:solidFill>
-              <a:effectLst/>
               <a:uFillTx/>
               <a:latin typeface="Arial"/>
             </a:endParaRPr>
@@ -6188,7 +5964,7 @@
         <p:spPr>
           <a:xfrm>
             <a:off x="40695120" y="11509200"/>
-            <a:ext cx="1929240" cy="437040"/>
+            <a:ext cx="1928880" cy="436680"/>
           </a:xfrm>
           <a:prstGeom prst="rect">
             <a:avLst/>
@@ -6223,7 +5999,6 @@
                 <a:solidFill>
                   <a:srgbClr val="000000"/>
                 </a:solidFill>
-                <a:effectLst/>
                 <a:uFillTx/>
                 <a:latin typeface="Arial"/>
                 <a:ea typeface="Arial"/>
@@ -6234,7 +6009,6 @@
               <a:solidFill>
                 <a:srgbClr val="000000"/>
               </a:solidFill>
-              <a:effectLst/>
               <a:uFillTx/>
               <a:latin typeface="Arial"/>
             </a:endParaRPr>
@@ -6277,7 +6051,6 @@
               <a:solidFill>
                 <a:srgbClr val="000000"/>
               </a:solidFill>
-              <a:effectLst/>
               <a:uFillTx/>
               <a:latin typeface="Arial"/>
               <a:ea typeface="Arial"/>
@@ -6294,7 +6067,7 @@
         <p:spPr>
           <a:xfrm>
             <a:off x="38121120" y="12659400"/>
-            <a:ext cx="1823760" cy="680760"/>
+            <a:ext cx="1823400" cy="680400"/>
           </a:xfrm>
           <a:prstGeom prst="roundRect">
             <a:avLst>
@@ -6330,7 +6103,6 @@
                 <a:solidFill>
                   <a:srgbClr val="000000"/>
                 </a:solidFill>
-                <a:effectLst/>
                 <a:uFillTx/>
                 <a:latin typeface="Arial"/>
                 <a:ea typeface="Arial"/>
@@ -6341,7 +6113,6 @@
               <a:solidFill>
                 <a:srgbClr val="000000"/>
               </a:solidFill>
-              <a:effectLst/>
               <a:uFillTx/>
               <a:latin typeface="Arial"/>
             </a:endParaRPr>
@@ -6385,7 +6156,6 @@
               <a:solidFill>
                 <a:srgbClr val="000000"/>
               </a:solidFill>
-              <a:effectLst/>
               <a:uFillTx/>
               <a:latin typeface="Arial"/>
               <a:ea typeface="Arial"/>
@@ -6402,7 +6172,7 @@
         <p:spPr>
           <a:xfrm>
             <a:off x="33648120" y="8832240"/>
-            <a:ext cx="1750680" cy="746280"/>
+            <a:ext cx="1750320" cy="745920"/>
           </a:xfrm>
           <a:prstGeom prst="rect">
             <a:avLst/>
@@ -6433,7 +6203,6 @@
                 <a:solidFill>
                   <a:srgbClr val="000000"/>
                 </a:solidFill>
-                <a:effectLst/>
                 <a:uFillTx/>
                 <a:latin typeface="Open Sans"/>
                 <a:ea typeface="Arial"/>
@@ -6444,7 +6213,6 @@
               <a:solidFill>
                 <a:srgbClr val="000000"/>
               </a:solidFill>
-              <a:effectLst/>
               <a:uFillTx/>
               <a:latin typeface="Arial"/>
             </a:endParaRPr>
@@ -6460,7 +6228,6 @@
                 <a:solidFill>
                   <a:srgbClr val="000000"/>
                 </a:solidFill>
-                <a:effectLst/>
                 <a:uFillTx/>
                 <a:latin typeface="Open Sans"/>
                 <a:ea typeface="Arial"/>
@@ -6471,7 +6238,6 @@
               <a:solidFill>
                 <a:srgbClr val="000000"/>
               </a:solidFill>
-              <a:effectLst/>
               <a:uFillTx/>
               <a:latin typeface="Arial"/>
             </a:endParaRPr>
@@ -6487,7 +6253,7 @@
         <p:spPr>
           <a:xfrm>
             <a:off x="33604200" y="9665640"/>
-            <a:ext cx="1825200" cy="745560"/>
+            <a:ext cx="1824840" cy="745200"/>
           </a:xfrm>
           <a:prstGeom prst="rect">
             <a:avLst/>
@@ -6518,7 +6284,6 @@
                 <a:solidFill>
                   <a:srgbClr val="000000"/>
                 </a:solidFill>
-                <a:effectLst/>
                 <a:uFillTx/>
                 <a:latin typeface="Open Sans"/>
                 <a:ea typeface="Arial"/>
@@ -6529,7 +6294,6 @@
               <a:solidFill>
                 <a:srgbClr val="000000"/>
               </a:solidFill>
-              <a:effectLst/>
               <a:uFillTx/>
               <a:latin typeface="Arial"/>
             </a:endParaRPr>
@@ -6545,7 +6309,6 @@
                 <a:solidFill>
                   <a:srgbClr val="000000"/>
                 </a:solidFill>
-                <a:effectLst/>
                 <a:uFillTx/>
                 <a:latin typeface="Open Sans"/>
                 <a:ea typeface="Arial"/>
@@ -6556,7 +6319,6 @@
               <a:solidFill>
                 <a:srgbClr val="000000"/>
               </a:solidFill>
-              <a:effectLst/>
               <a:uFillTx/>
               <a:latin typeface="Arial"/>
             </a:endParaRPr>
@@ -6572,7 +6334,7 @@
         <p:spPr>
           <a:xfrm>
             <a:off x="33612120" y="10609200"/>
-            <a:ext cx="1745280" cy="746280"/>
+            <a:ext cx="1744920" cy="745920"/>
           </a:xfrm>
           <a:prstGeom prst="rect">
             <a:avLst/>
@@ -6603,7 +6365,6 @@
                 <a:solidFill>
                   <a:srgbClr val="000000"/>
                 </a:solidFill>
-                <a:effectLst/>
                 <a:uFillTx/>
                 <a:latin typeface="Open Sans"/>
                 <a:ea typeface="Arial"/>
@@ -6614,7 +6375,6 @@
               <a:solidFill>
                 <a:srgbClr val="000000"/>
               </a:solidFill>
-              <a:effectLst/>
               <a:uFillTx/>
               <a:latin typeface="Arial"/>
             </a:endParaRPr>
@@ -6630,7 +6390,6 @@
                 <a:solidFill>
                   <a:srgbClr val="000000"/>
                 </a:solidFill>
-                <a:effectLst/>
                 <a:uFillTx/>
                 <a:latin typeface="Open Sans"/>
                 <a:ea typeface="Arial"/>
@@ -6641,7 +6400,6 @@
               <a:solidFill>
                 <a:srgbClr val="000000"/>
               </a:solidFill>
-              <a:effectLst/>
               <a:uFillTx/>
               <a:latin typeface="Arial"/>
             </a:endParaRPr>
@@ -6657,7 +6415,7 @@
         <p:spPr>
           <a:xfrm>
             <a:off x="16774560" y="9969120"/>
-            <a:ext cx="2994840" cy="1291320"/>
+            <a:ext cx="2994480" cy="1290960"/>
           </a:xfrm>
           <a:prstGeom prst="roundRect">
             <a:avLst>
@@ -6694,7 +6452,6 @@
                 <a:solidFill>
                   <a:srgbClr val="000000"/>
                 </a:solidFill>
-                <a:effectLst/>
                 <a:uFillTx/>
                 <a:latin typeface="Open Sans"/>
                 <a:ea typeface="DejaVu Sans"/>
@@ -6705,7 +6462,6 @@
               <a:solidFill>
                 <a:srgbClr val="000000"/>
               </a:solidFill>
-              <a:effectLst/>
               <a:uFillTx/>
               <a:latin typeface="Arial"/>
             </a:endParaRPr>
@@ -6721,15 +6477,15 @@
         <p:spPr>
           <a:xfrm>
             <a:off x="13228560" y="9791280"/>
-            <a:ext cx="3200040" cy="4320360"/>
+            <a:ext cx="3199680" cy="4320000"/>
           </a:xfrm>
           <a:custGeom>
             <a:avLst/>
             <a:gdLst>
-              <a:gd name="textAreaLeft" fmla="*/ 155880 w 3200040"/>
-              <a:gd name="textAreaRight" fmla="*/ 3048120 w 3200040"/>
-              <a:gd name="textAreaTop" fmla="*/ 154800 h 4320360"/>
-              <a:gd name="textAreaBottom" fmla="*/ 4169520 h 4320360"/>
+              <a:gd name="textAreaLeft" fmla="*/ 155880 w 3199680"/>
+              <a:gd name="textAreaRight" fmla="*/ 3048120 w 3199680"/>
+              <a:gd name="textAreaTop" fmla="*/ 154800 h 4320000"/>
+              <a:gd name="textAreaBottom" fmla="*/ 4169520 h 4320000"/>
             </a:gdLst>
             <a:ahLst/>
             <a:rect l="textAreaLeft" t="textAreaTop" r="textAreaRight" b="textAreaBottom"/>
@@ -6783,7 +6539,6 @@
               <a:solidFill>
                 <a:srgbClr val="000000"/>
               </a:solidFill>
-              <a:effectLst/>
               <a:uFillTx/>
               <a:latin typeface="Arial"/>
               <a:ea typeface="DejaVu Sans"/>
@@ -6800,7 +6555,7 @@
         <p:spPr>
           <a:xfrm>
             <a:off x="13325040" y="9969120"/>
-            <a:ext cx="2994840" cy="1291320"/>
+            <a:ext cx="2994480" cy="1290960"/>
           </a:xfrm>
           <a:prstGeom prst="roundRect">
             <a:avLst>
@@ -6837,7 +6592,6 @@
                 <a:solidFill>
                   <a:srgbClr val="000000"/>
                 </a:solidFill>
-                <a:effectLst/>
                 <a:uFillTx/>
                 <a:latin typeface="Open Sans"/>
                 <a:ea typeface="DejaVu Sans"/>
@@ -6848,7 +6602,6 @@
               <a:solidFill>
                 <a:srgbClr val="000000"/>
               </a:solidFill>
-              <a:effectLst/>
               <a:uFillTx/>
               <a:latin typeface="Arial"/>
             </a:endParaRPr>
@@ -6864,7 +6617,7 @@
         <p:spPr>
           <a:xfrm>
             <a:off x="13325040" y="11315880"/>
-            <a:ext cx="2994840" cy="1291680"/>
+            <a:ext cx="2994480" cy="1291320"/>
           </a:xfrm>
           <a:prstGeom prst="roundRect">
             <a:avLst>
@@ -6901,7 +6654,6 @@
                 <a:solidFill>
                   <a:srgbClr val="000000"/>
                 </a:solidFill>
-                <a:effectLst/>
                 <a:uFillTx/>
                 <a:latin typeface="Open Sans"/>
                 <a:ea typeface="DejaVu Sans"/>
@@ -6912,7 +6664,6 @@
               <a:solidFill>
                 <a:srgbClr val="000000"/>
               </a:solidFill>
-              <a:effectLst/>
               <a:uFillTx/>
               <a:latin typeface="Arial"/>
             </a:endParaRPr>
@@ -6928,7 +6679,7 @@
         <p:spPr>
           <a:xfrm>
             <a:off x="13325040" y="12663000"/>
-            <a:ext cx="2994840" cy="1291680"/>
+            <a:ext cx="2994480" cy="1291320"/>
           </a:xfrm>
           <a:prstGeom prst="roundRect">
             <a:avLst>
@@ -6965,7 +6716,6 @@
                 <a:solidFill>
                   <a:srgbClr val="000000"/>
                 </a:solidFill>
-                <a:effectLst/>
                 <a:uFillTx/>
                 <a:latin typeface="Open Sans"/>
                 <a:ea typeface="DejaVu Sans"/>
@@ -6976,7 +6726,6 @@
               <a:solidFill>
                 <a:srgbClr val="000000"/>
               </a:solidFill>
-              <a:effectLst/>
               <a:uFillTx/>
               <a:latin typeface="Arial"/>
             </a:endParaRPr>
@@ -6992,7 +6741,7 @@
         <p:spPr>
           <a:xfrm>
             <a:off x="16774560" y="11315880"/>
-            <a:ext cx="2994840" cy="1291680"/>
+            <a:ext cx="2994480" cy="1291320"/>
           </a:xfrm>
           <a:prstGeom prst="roundRect">
             <a:avLst>
@@ -7029,7 +6778,6 @@
                 <a:solidFill>
                   <a:srgbClr val="000000"/>
                 </a:solidFill>
-                <a:effectLst/>
                 <a:uFillTx/>
                 <a:latin typeface="Open Sans"/>
                 <a:ea typeface="DejaVu Sans"/>
@@ -7040,7 +6788,6 @@
               <a:solidFill>
                 <a:srgbClr val="000000"/>
               </a:solidFill>
-              <a:effectLst/>
               <a:uFillTx/>
               <a:latin typeface="Arial"/>
             </a:endParaRPr>
@@ -7056,7 +6803,7 @@
         <p:spPr>
           <a:xfrm>
             <a:off x="16774560" y="12663000"/>
-            <a:ext cx="2994840" cy="1291680"/>
+            <a:ext cx="2994480" cy="1291320"/>
           </a:xfrm>
           <a:prstGeom prst="roundRect">
             <a:avLst>
@@ -7093,7 +6840,6 @@
                 <a:solidFill>
                   <a:srgbClr val="000000"/>
                 </a:solidFill>
-                <a:effectLst/>
                 <a:uFillTx/>
                 <a:latin typeface="Open Sans"/>
                 <a:ea typeface="DejaVu Sans"/>
@@ -7104,7 +6850,6 @@
               <a:solidFill>
                 <a:srgbClr val="000000"/>
               </a:solidFill>
-              <a:effectLst/>
               <a:uFillTx/>
               <a:latin typeface="Arial"/>
             </a:endParaRPr>
@@ -7120,15 +6865,15 @@
         <p:spPr>
           <a:xfrm>
             <a:off x="16678080" y="9791280"/>
-            <a:ext cx="3200040" cy="4320360"/>
+            <a:ext cx="3199680" cy="4320000"/>
           </a:xfrm>
           <a:custGeom>
             <a:avLst/>
             <a:gdLst>
-              <a:gd name="textAreaLeft" fmla="*/ 155880 w 3200040"/>
-              <a:gd name="textAreaRight" fmla="*/ 3048120 w 3200040"/>
-              <a:gd name="textAreaTop" fmla="*/ 154800 h 4320360"/>
-              <a:gd name="textAreaBottom" fmla="*/ 4169520 h 4320360"/>
+              <a:gd name="textAreaLeft" fmla="*/ 155880 w 3199680"/>
+              <a:gd name="textAreaRight" fmla="*/ 3048120 w 3199680"/>
+              <a:gd name="textAreaTop" fmla="*/ 154800 h 4320000"/>
+              <a:gd name="textAreaBottom" fmla="*/ 4169520 h 4320000"/>
             </a:gdLst>
             <a:ahLst/>
             <a:rect l="textAreaLeft" t="textAreaTop" r="textAreaRight" b="textAreaBottom"/>
@@ -7182,7 +6927,6 @@
               <a:solidFill>
                 <a:srgbClr val="000000"/>
               </a:solidFill>
-              <a:effectLst/>
               <a:uFillTx/>
               <a:latin typeface="Arial"/>
               <a:ea typeface="DejaVu Sans"/>
@@ -7199,7 +6943,7 @@
         <p:spPr>
           <a:xfrm>
             <a:off x="13064400" y="9061920"/>
-            <a:ext cx="6973920" cy="5308920"/>
+            <a:ext cx="6973560" cy="5308560"/>
           </a:xfrm>
           <a:prstGeom prst="roundRect">
             <a:avLst>
@@ -7234,7 +6978,6 @@
               <a:solidFill>
                 <a:srgbClr val="000000"/>
               </a:solidFill>
-              <a:effectLst/>
               <a:uFillTx/>
               <a:latin typeface="Arial"/>
               <a:ea typeface="DejaVu Sans"/>
@@ -7251,7 +6994,7 @@
         <p:spPr>
           <a:xfrm>
             <a:off x="13523400" y="9164880"/>
-            <a:ext cx="2644560" cy="485640"/>
+            <a:ext cx="2644200" cy="485640"/>
           </a:xfrm>
           <a:prstGeom prst="rect">
             <a:avLst/>
@@ -7282,7 +7025,6 @@
                 <a:solidFill>
                   <a:srgbClr val="000000"/>
                 </a:solidFill>
-                <a:effectLst/>
                 <a:uFillTx/>
                 <a:latin typeface="Open Sans"/>
                 <a:ea typeface="DejaVu Sans"/>
@@ -7293,7 +7035,6 @@
               <a:solidFill>
                 <a:srgbClr val="000000"/>
               </a:solidFill>
-              <a:effectLst/>
               <a:uFillTx/>
               <a:latin typeface="Arial"/>
             </a:endParaRPr>
@@ -7309,7 +7050,7 @@
         <p:spPr>
           <a:xfrm>
             <a:off x="16767720" y="9165240"/>
-            <a:ext cx="3035160" cy="485640"/>
+            <a:ext cx="3034800" cy="485640"/>
           </a:xfrm>
           <a:prstGeom prst="rect">
             <a:avLst/>
@@ -7340,7 +7081,6 @@
                 <a:solidFill>
                   <a:srgbClr val="000000"/>
                 </a:solidFill>
-                <a:effectLst/>
                 <a:uFillTx/>
                 <a:latin typeface="Open Sans"/>
                 <a:ea typeface="DejaVu Sans"/>
@@ -7351,7 +7091,6 @@
               <a:solidFill>
                 <a:srgbClr val="000000"/>
               </a:solidFill>
-              <a:effectLst/>
               <a:uFillTx/>
               <a:latin typeface="Arial"/>
             </a:endParaRPr>
@@ -7367,7 +7106,7 @@
         <p:spPr>
           <a:xfrm>
             <a:off x="13303800" y="8389800"/>
-            <a:ext cx="1560240" cy="577440"/>
+            <a:ext cx="1559880" cy="577440"/>
           </a:xfrm>
           <a:prstGeom prst="rect">
             <a:avLst/>
@@ -7398,7 +7137,6 @@
                 <a:solidFill>
                   <a:srgbClr val="000000"/>
                 </a:solidFill>
-                <a:effectLst/>
                 <a:uFillTx/>
                 <a:latin typeface="Open Sans"/>
                 <a:ea typeface="DejaVu Sans"/>
@@ -7409,7 +7147,6 @@
               <a:solidFill>
                 <a:srgbClr val="000000"/>
               </a:solidFill>
-              <a:effectLst/>
               <a:uFillTx/>
               <a:latin typeface="Arial"/>
             </a:endParaRPr>
@@ -7425,7 +7162,7 @@
         <p:spPr>
           <a:xfrm>
             <a:off x="37204920" y="18743400"/>
-            <a:ext cx="2235600" cy="1929960"/>
+            <a:ext cx="2235240" cy="1929600"/>
           </a:xfrm>
           <a:prstGeom prst="ellipse">
             <a:avLst/>
@@ -7458,7 +7195,6 @@
               <a:solidFill>
                 <a:srgbClr val="000000"/>
               </a:solidFill>
-              <a:effectLst/>
               <a:uFillTx/>
               <a:latin typeface="Open Sans"/>
               <a:ea typeface="DejaVu Sans"/>
@@ -7475,7 +7211,7 @@
         <p:spPr>
           <a:xfrm>
             <a:off x="12264840" y="19127520"/>
-            <a:ext cx="3654720" cy="577440"/>
+            <a:ext cx="3654360" cy="577440"/>
           </a:xfrm>
           <a:prstGeom prst="rect">
             <a:avLst/>
@@ -7506,7 +7242,6 @@
                 <a:solidFill>
                   <a:srgbClr val="000000"/>
                 </a:solidFill>
-                <a:effectLst/>
                 <a:uFillTx/>
                 <a:latin typeface="Open Sans"/>
                 <a:ea typeface="DejaVu Sans"/>
@@ -7517,7 +7252,6 @@
               <a:solidFill>
                 <a:srgbClr val="000000"/>
               </a:solidFill>
-              <a:effectLst/>
               <a:uFillTx/>
               <a:latin typeface="Arial"/>
             </a:endParaRPr>
@@ -7533,7 +7267,7 @@
         <p:spPr>
           <a:xfrm>
             <a:off x="14729040" y="20630520"/>
-            <a:ext cx="1940400" cy="1026000"/>
+            <a:ext cx="1940040" cy="1025640"/>
           </a:xfrm>
           <a:prstGeom prst="roundRect">
             <a:avLst>
@@ -7570,7 +7304,6 @@
                 <a:solidFill>
                   <a:srgbClr val="000000"/>
                 </a:solidFill>
-                <a:effectLst/>
                 <a:uFillTx/>
                 <a:latin typeface="Open Sans"/>
                 <a:ea typeface="DejaVu Sans"/>
@@ -7581,7 +7314,6 @@
               <a:solidFill>
                 <a:srgbClr val="000000"/>
               </a:solidFill>
-              <a:effectLst/>
               <a:uFillTx/>
               <a:latin typeface="Arial"/>
             </a:endParaRPr>
@@ -7597,7 +7329,7 @@
         <p:spPr>
           <a:xfrm>
             <a:off x="12083040" y="19072800"/>
-            <a:ext cx="4797720" cy="3106800"/>
+            <a:ext cx="4797360" cy="3106440"/>
           </a:xfrm>
           <a:prstGeom prst="roundRect">
             <a:avLst>
@@ -7632,7 +7364,6 @@
               <a:solidFill>
                 <a:srgbClr val="000000"/>
               </a:solidFill>
-              <a:effectLst/>
               <a:uFillTx/>
               <a:latin typeface="Open Sans"/>
               <a:ea typeface="DejaVu Sans"/>
@@ -7676,7 +7407,6 @@
               <a:solidFill>
                 <a:srgbClr val="000000"/>
               </a:solidFill>
-              <a:effectLst/>
               <a:uFillTx/>
               <a:latin typeface="Arial"/>
               <a:ea typeface="DejaVu Sans"/>
@@ -7693,7 +7423,7 @@
         <p:spPr>
           <a:xfrm>
             <a:off x="12997440" y="17190720"/>
-            <a:ext cx="2854440" cy="1597320"/>
+            <a:ext cx="2854080" cy="1596960"/>
           </a:xfrm>
           <a:prstGeom prst="roundRect">
             <a:avLst>
@@ -7730,7 +7460,6 @@
                 <a:solidFill>
                   <a:srgbClr val="000000"/>
                 </a:solidFill>
-                <a:effectLst/>
                 <a:uFillTx/>
                 <a:latin typeface="Open Sans"/>
                 <a:ea typeface="DejaVu Sans"/>
@@ -7741,7 +7470,6 @@
               <a:solidFill>
                 <a:srgbClr val="ffffff"/>
               </a:solidFill>
-              <a:effectLst/>
               <a:uFillTx/>
               <a:latin typeface="Arial"/>
             </a:endParaRPr>
@@ -7785,7 +7513,6 @@
               <a:solidFill>
                 <a:srgbClr val="000000"/>
               </a:solidFill>
-              <a:effectLst/>
               <a:uFillTx/>
               <a:latin typeface="Arial"/>
               <a:ea typeface="DejaVu Sans"/>
@@ -7802,7 +7529,7 @@
         <p:spPr>
           <a:xfrm>
             <a:off x="11687400" y="22781160"/>
-            <a:ext cx="5597280" cy="2232360"/>
+            <a:ext cx="5596920" cy="2232000"/>
           </a:xfrm>
           <a:prstGeom prst="roundRect">
             <a:avLst>
@@ -7837,7 +7564,6 @@
               <a:solidFill>
                 <a:srgbClr val="000000"/>
               </a:solidFill>
-              <a:effectLst/>
               <a:uFillTx/>
               <a:latin typeface="Open Sans"/>
               <a:ea typeface="DejaVu Sans"/>
@@ -7854,7 +7580,7 @@
         <p:spPr>
           <a:xfrm>
             <a:off x="11868840" y="22763880"/>
-            <a:ext cx="3654720" cy="577440"/>
+            <a:ext cx="3654360" cy="577440"/>
           </a:xfrm>
           <a:prstGeom prst="rect">
             <a:avLst/>
@@ -7885,7 +7611,6 @@
                 <a:solidFill>
                   <a:srgbClr val="000000"/>
                 </a:solidFill>
-                <a:effectLst/>
                 <a:uFillTx/>
                 <a:latin typeface="Open Sans"/>
                 <a:ea typeface="DejaVu Sans"/>
@@ -7896,7 +7621,6 @@
               <a:solidFill>
                 <a:srgbClr val="000000"/>
               </a:solidFill>
-              <a:effectLst/>
               <a:uFillTx/>
               <a:latin typeface="Arial"/>
             </a:endParaRPr>
@@ -7912,7 +7636,7 @@
         <p:spPr>
           <a:xfrm>
             <a:off x="11957400" y="23474880"/>
-            <a:ext cx="2440080" cy="1263240"/>
+            <a:ext cx="2439720" cy="1262880"/>
           </a:xfrm>
           <a:prstGeom prst="roundRect">
             <a:avLst>
@@ -7949,7 +7673,6 @@
                 <a:solidFill>
                   <a:srgbClr val="000000"/>
                 </a:solidFill>
-                <a:effectLst/>
                 <a:uFillTx/>
                 <a:latin typeface="Open Sans"/>
                 <a:ea typeface="DejaVu Sans"/>
@@ -7960,7 +7683,6 @@
               <a:solidFill>
                 <a:srgbClr val="000000"/>
               </a:solidFill>
-              <a:effectLst/>
               <a:uFillTx/>
               <a:latin typeface="Arial"/>
             </a:endParaRPr>
@@ -7976,7 +7698,7 @@
         <p:spPr>
           <a:xfrm>
             <a:off x="14549760" y="23474880"/>
-            <a:ext cx="2440080" cy="1263240"/>
+            <a:ext cx="2439720" cy="1262880"/>
           </a:xfrm>
           <a:prstGeom prst="roundRect">
             <a:avLst>
@@ -8013,7 +7735,6 @@
                 <a:solidFill>
                   <a:srgbClr val="000000"/>
                 </a:solidFill>
-                <a:effectLst/>
                 <a:uFillTx/>
                 <a:latin typeface="Open Sans"/>
                 <a:ea typeface="DejaVu Sans"/>
@@ -8024,7 +7745,6 @@
               <a:solidFill>
                 <a:srgbClr val="000000"/>
               </a:solidFill>
-              <a:effectLst/>
               <a:uFillTx/>
               <a:latin typeface="Arial"/>
             </a:endParaRPr>
@@ -8040,7 +7760,7 @@
         <p:spPr>
           <a:xfrm>
             <a:off x="14171040" y="30170160"/>
-            <a:ext cx="4797720" cy="1145160"/>
+            <a:ext cx="4797360" cy="1144800"/>
           </a:xfrm>
           <a:prstGeom prst="roundRect">
             <a:avLst>
@@ -8078,7 +7798,6 @@
                 <a:solidFill>
                   <a:srgbClr val="000000"/>
                 </a:solidFill>
-                <a:effectLst/>
                 <a:uFillTx/>
                 <a:latin typeface="Open Sans"/>
                 <a:ea typeface="DejaVu Sans"/>
@@ -8089,7 +7808,6 @@
               <a:solidFill>
                 <a:srgbClr val="000000"/>
               </a:solidFill>
-              <a:effectLst/>
               <a:uFillTx/>
               <a:latin typeface="Arial"/>
             </a:endParaRPr>
@@ -8105,7 +7823,7 @@
         <p:spPr>
           <a:xfrm>
             <a:off x="14486400" y="28540080"/>
-            <a:ext cx="4111920" cy="1597320"/>
+            <a:ext cx="4111560" cy="1596960"/>
           </a:xfrm>
           <a:prstGeom prst="roundRect">
             <a:avLst>
@@ -8142,7 +7860,6 @@
                 <a:solidFill>
                   <a:srgbClr val="000000"/>
                 </a:solidFill>
-                <a:effectLst/>
                 <a:uFillTx/>
                 <a:latin typeface="Open Sans"/>
                 <a:ea typeface="DejaVu Sans"/>
@@ -8153,7 +7870,6 @@
               <a:solidFill>
                 <a:srgbClr val="000000"/>
               </a:solidFill>
-              <a:effectLst/>
               <a:uFillTx/>
               <a:latin typeface="Arial"/>
             </a:endParaRPr>
@@ -8169,7 +7885,7 @@
         <p:spPr>
           <a:xfrm>
             <a:off x="33138000" y="5571000"/>
-            <a:ext cx="10128600" cy="837000"/>
+            <a:ext cx="10128240" cy="836640"/>
           </a:xfrm>
           <a:prstGeom prst="rect">
             <a:avLst/>
@@ -8204,7 +7920,6 @@
                 <a:solidFill>
                   <a:srgbClr val="ffffff"/>
                 </a:solidFill>
-                <a:effectLst/>
                 <a:uFillTx/>
                 <a:latin typeface="Bree Serif"/>
                 <a:ea typeface="Arial"/>
@@ -8215,7 +7930,6 @@
               <a:solidFill>
                 <a:srgbClr val="ffffff"/>
               </a:solidFill>
-              <a:effectLst/>
               <a:uFillTx/>
               <a:latin typeface="Arial"/>
             </a:endParaRPr>
@@ -8231,7 +7945,7 @@
         <p:spPr>
           <a:xfrm>
             <a:off x="22174200" y="5558400"/>
-            <a:ext cx="10510200" cy="837000"/>
+            <a:ext cx="10509840" cy="836640"/>
           </a:xfrm>
           <a:prstGeom prst="rect">
             <a:avLst/>
@@ -8266,7 +7980,6 @@
                 <a:solidFill>
                   <a:srgbClr val="ffffff"/>
                 </a:solidFill>
-                <a:effectLst/>
                 <a:uFillTx/>
                 <a:latin typeface="Bree Serif"/>
                 <a:ea typeface="Arial"/>
@@ -8277,7 +7990,6 @@
               <a:solidFill>
                 <a:srgbClr val="ffffff"/>
               </a:solidFill>
-              <a:effectLst/>
               <a:uFillTx/>
               <a:latin typeface="Arial"/>
             </a:endParaRPr>
@@ -8293,7 +8005,7 @@
         <p:spPr>
           <a:xfrm>
             <a:off x="567000" y="17087400"/>
-            <a:ext cx="10182600" cy="837000"/>
+            <a:ext cx="10182240" cy="836640"/>
           </a:xfrm>
           <a:prstGeom prst="rect">
             <a:avLst/>
@@ -8328,7 +8040,6 @@
                 <a:solidFill>
                   <a:srgbClr val="ffffff"/>
                 </a:solidFill>
-                <a:effectLst/>
                 <a:uFillTx/>
                 <a:latin typeface="Bree Serif"/>
                 <a:ea typeface="Arial"/>
@@ -8339,7 +8050,6 @@
               <a:solidFill>
                 <a:srgbClr val="ffffff"/>
               </a:solidFill>
-              <a:effectLst/>
               <a:uFillTx/>
               <a:latin typeface="Arial"/>
             </a:endParaRPr>
@@ -8355,7 +8065,7 @@
         <p:spPr>
           <a:xfrm>
             <a:off x="33138000" y="23859000"/>
-            <a:ext cx="10137960" cy="837000"/>
+            <a:ext cx="10137600" cy="836640"/>
           </a:xfrm>
           <a:prstGeom prst="rect">
             <a:avLst/>
@@ -8390,7 +8100,6 @@
                 <a:solidFill>
                   <a:srgbClr val="ffffff"/>
                 </a:solidFill>
-                <a:effectLst/>
                 <a:uFillTx/>
                 <a:latin typeface="Bree Serif"/>
                 <a:ea typeface="Arial"/>
@@ -8401,7 +8110,6 @@
               <a:solidFill>
                 <a:srgbClr val="ffffff"/>
               </a:solidFill>
-              <a:effectLst/>
               <a:uFillTx/>
               <a:latin typeface="Arial"/>
             </a:endParaRPr>
@@ -8417,7 +8125,7 @@
         <p:spPr>
           <a:xfrm>
             <a:off x="25266960" y="13204080"/>
-            <a:ext cx="4586040" cy="1855440"/>
+            <a:ext cx="4585680" cy="1855080"/>
           </a:xfrm>
           <a:prstGeom prst="roundRect">
             <a:avLst>
@@ -8454,7 +8162,6 @@
               <a:solidFill>
                 <a:srgbClr val="ffffff"/>
               </a:solidFill>
-              <a:effectLst/>
               <a:uFillTx/>
               <a:latin typeface="Arial"/>
               <a:ea typeface="DejaVu Sans"/>
@@ -8471,7 +8178,7 @@
         <p:spPr>
           <a:xfrm>
             <a:off x="25446600" y="13847400"/>
-            <a:ext cx="4226400" cy="1140120"/>
+            <a:ext cx="4226040" cy="1139760"/>
           </a:xfrm>
           <a:prstGeom prst="roundRect">
             <a:avLst>
@@ -8508,7 +8215,6 @@
                 <a:solidFill>
                   <a:srgbClr val="000000"/>
                 </a:solidFill>
-                <a:effectLst/>
                 <a:uFillTx/>
                 <a:latin typeface="Open Sans"/>
                 <a:ea typeface="DejaVu Sans"/>
@@ -8519,7 +8225,6 @@
               <a:solidFill>
                 <a:srgbClr val="000000"/>
               </a:solidFill>
-              <a:effectLst/>
               <a:uFillTx/>
               <a:latin typeface="Arial"/>
             </a:endParaRPr>
@@ -8535,7 +8240,7 @@
         <p:spPr>
           <a:xfrm>
             <a:off x="26016480" y="13138200"/>
-            <a:ext cx="3426120" cy="577440"/>
+            <a:ext cx="3425760" cy="577440"/>
           </a:xfrm>
           <a:prstGeom prst="rect">
             <a:avLst/>
@@ -8566,7 +8271,6 @@
                 <a:solidFill>
                   <a:srgbClr val="000000"/>
                 </a:solidFill>
-                <a:effectLst/>
                 <a:uFillTx/>
                 <a:latin typeface="Open Sans"/>
                 <a:ea typeface="DejaVu Sans"/>
@@ -8577,7 +8281,6 @@
               <a:solidFill>
                 <a:srgbClr val="000000"/>
               </a:solidFill>
-              <a:effectLst/>
               <a:uFillTx/>
               <a:latin typeface="Arial"/>
             </a:endParaRPr>
@@ -8593,7 +8296,7 @@
         <p:spPr>
           <a:xfrm>
             <a:off x="25080840" y="12490560"/>
-            <a:ext cx="4537080" cy="577440"/>
+            <a:ext cx="4536720" cy="577440"/>
           </a:xfrm>
           <a:prstGeom prst="rect">
             <a:avLst/>
@@ -8624,7 +8327,6 @@
                 <a:solidFill>
                   <a:srgbClr val="000000"/>
                 </a:solidFill>
-                <a:effectLst/>
                 <a:uFillTx/>
                 <a:latin typeface="Open Sans"/>
                 <a:ea typeface="DejaVu Sans"/>
@@ -8635,7 +8337,6 @@
               <a:solidFill>
                 <a:srgbClr val="000000"/>
               </a:solidFill>
-              <a:effectLst/>
               <a:uFillTx/>
               <a:latin typeface="Arial"/>
             </a:endParaRPr>
@@ -8651,7 +8352,7 @@
         <p:spPr>
           <a:xfrm>
             <a:off x="24977160" y="9242280"/>
-            <a:ext cx="5140800" cy="2418120"/>
+            <a:ext cx="5140440" cy="2417760"/>
           </a:xfrm>
           <a:prstGeom prst="roundRect">
             <a:avLst>
@@ -8686,7 +8387,6 @@
               <a:solidFill>
                 <a:srgbClr val="000000"/>
               </a:solidFill>
-              <a:effectLst/>
               <a:uFillTx/>
               <a:latin typeface="Arial"/>
               <a:ea typeface="DejaVu Sans"/>
@@ -8703,7 +8403,7 @@
         <p:spPr>
           <a:xfrm>
             <a:off x="25355880" y="9834480"/>
-            <a:ext cx="4317480" cy="1625040"/>
+            <a:ext cx="4317120" cy="1624680"/>
           </a:xfrm>
           <a:prstGeom prst="roundRect">
             <a:avLst>
@@ -8739,7 +8439,6 @@
               <a:solidFill>
                 <a:srgbClr val="000000"/>
               </a:solidFill>
-              <a:effectLst/>
               <a:uFillTx/>
               <a:latin typeface="Open Sans"/>
               <a:ea typeface="DejaVu Sans"/>
@@ -8756,7 +8455,7 @@
         <p:spPr>
           <a:xfrm>
             <a:off x="25548840" y="9862560"/>
-            <a:ext cx="3426120" cy="577440"/>
+            <a:ext cx="3425760" cy="577440"/>
           </a:xfrm>
           <a:prstGeom prst="rect">
             <a:avLst/>
@@ -8787,7 +8486,6 @@
                 <a:solidFill>
                   <a:srgbClr val="000000"/>
                 </a:solidFill>
-                <a:effectLst/>
                 <a:uFillTx/>
                 <a:latin typeface="Open Sans"/>
                 <a:ea typeface="DejaVu Sans"/>
@@ -8798,7 +8496,6 @@
               <a:solidFill>
                 <a:srgbClr val="000000"/>
               </a:solidFill>
-              <a:effectLst/>
               <a:uFillTx/>
               <a:latin typeface="Arial"/>
             </a:endParaRPr>
@@ -8814,7 +8511,7 @@
         <p:spPr>
           <a:xfrm>
             <a:off x="25117200" y="9214920"/>
-            <a:ext cx="3426120" cy="577440"/>
+            <a:ext cx="3425760" cy="577440"/>
           </a:xfrm>
           <a:prstGeom prst="rect">
             <a:avLst/>
@@ -8845,7 +8542,6 @@
                 <a:solidFill>
                   <a:srgbClr val="000000"/>
                 </a:solidFill>
-                <a:effectLst/>
                 <a:uFillTx/>
                 <a:latin typeface="Open Sans"/>
                 <a:ea typeface="DejaVu Sans"/>
@@ -8856,7 +8552,6 @@
               <a:solidFill>
                 <a:srgbClr val="000000"/>
               </a:solidFill>
-              <a:effectLst/>
               <a:uFillTx/>
               <a:latin typeface="Arial"/>
             </a:endParaRPr>
@@ -8872,7 +8567,7 @@
         <p:spPr>
           <a:xfrm>
             <a:off x="25916400" y="10634400"/>
-            <a:ext cx="3288960" cy="573120"/>
+            <a:ext cx="3288600" cy="572760"/>
           </a:xfrm>
           <a:prstGeom prst="roundRect">
             <a:avLst>
@@ -8909,7 +8604,6 @@
                 <a:solidFill>
                   <a:srgbClr val="000000"/>
                 </a:solidFill>
-                <a:effectLst/>
                 <a:uFillTx/>
                 <a:latin typeface="Open Sans"/>
                 <a:ea typeface="DejaVu Sans"/>
@@ -8920,7 +8614,6 @@
               <a:solidFill>
                 <a:srgbClr val="000000"/>
               </a:solidFill>
-              <a:effectLst/>
               <a:uFillTx/>
               <a:latin typeface="Arial"/>
             </a:endParaRPr>
@@ -8963,7 +8656,6 @@
               <a:solidFill>
                 <a:srgbClr val="000000"/>
               </a:solidFill>
-              <a:effectLst/>
               <a:uFillTx/>
               <a:latin typeface="Arial"/>
               <a:ea typeface="DejaVu Sans"/>
@@ -8980,7 +8672,7 @@
         <p:spPr>
           <a:xfrm>
             <a:off x="24976800" y="12518280"/>
-            <a:ext cx="5140800" cy="2638440"/>
+            <a:ext cx="5140440" cy="2638080"/>
           </a:xfrm>
           <a:prstGeom prst="roundRect">
             <a:avLst>
@@ -9015,7 +8707,6 @@
               <a:solidFill>
                 <a:srgbClr val="000000"/>
               </a:solidFill>
-              <a:effectLst/>
               <a:uFillTx/>
               <a:latin typeface="Arial"/>
               <a:ea typeface="DejaVu Sans"/>
@@ -9060,7 +8751,6 @@
               <a:solidFill>
                 <a:srgbClr val="000000"/>
               </a:solidFill>
-              <a:effectLst/>
               <a:uFillTx/>
               <a:latin typeface="Arial"/>
               <a:ea typeface="DejaVu Sans"/>
@@ -9077,7 +8767,7 @@
         <p:spPr>
           <a:xfrm>
             <a:off x="22897800" y="20489760"/>
-            <a:ext cx="2679120" cy="1212120"/>
+            <a:ext cx="2678760" cy="1211760"/>
           </a:xfrm>
           <a:prstGeom prst="roundRect">
             <a:avLst>
@@ -9114,7 +8804,6 @@
                 <a:solidFill>
                   <a:srgbClr val="000000"/>
                 </a:solidFill>
-                <a:effectLst/>
                 <a:uFillTx/>
                 <a:latin typeface="Open Sans"/>
                 <a:ea typeface="DejaVu Sans"/>
@@ -9125,7 +8814,6 @@
               <a:solidFill>
                 <a:srgbClr val="000000"/>
               </a:solidFill>
-              <a:effectLst/>
               <a:uFillTx/>
               <a:latin typeface="Arial"/>
             </a:endParaRPr>
@@ -9169,7 +8857,6 @@
               <a:solidFill>
                 <a:srgbClr val="000000"/>
               </a:solidFill>
-              <a:effectLst/>
               <a:uFillTx/>
               <a:latin typeface="Arial"/>
               <a:ea typeface="DejaVu Sans"/>
@@ -9214,7 +8901,6 @@
               <a:solidFill>
                 <a:srgbClr val="000000"/>
               </a:solidFill>
-              <a:effectLst/>
               <a:uFillTx/>
               <a:latin typeface="Arial"/>
               <a:ea typeface="DejaVu Sans"/>
@@ -9231,7 +8917,7 @@
         <p:spPr>
           <a:xfrm>
             <a:off x="25414200" y="17818200"/>
-            <a:ext cx="4232520" cy="1940400"/>
+            <a:ext cx="4232160" cy="1940040"/>
           </a:xfrm>
           <a:prstGeom prst="roundRect">
             <a:avLst>
@@ -9268,7 +8954,6 @@
                 <a:solidFill>
                   <a:srgbClr val="000000"/>
                 </a:solidFill>
-                <a:effectLst/>
                 <a:uFillTx/>
                 <a:latin typeface="Open Sans"/>
                 <a:ea typeface="DejaVu Sans"/>
@@ -9279,7 +8964,6 @@
               <a:solidFill>
                 <a:srgbClr val="ffffff"/>
               </a:solidFill>
-              <a:effectLst/>
               <a:uFillTx/>
               <a:latin typeface="Arial"/>
             </a:endParaRPr>
@@ -9295,7 +8979,7 @@
         <p:spPr>
           <a:xfrm>
             <a:off x="26209800" y="20489760"/>
-            <a:ext cx="2679120" cy="1212120"/>
+            <a:ext cx="2678760" cy="1211760"/>
           </a:xfrm>
           <a:prstGeom prst="roundRect">
             <a:avLst>
@@ -9332,7 +9016,6 @@
                 <a:solidFill>
                   <a:srgbClr val="000000"/>
                 </a:solidFill>
-                <a:effectLst/>
                 <a:uFillTx/>
                 <a:latin typeface="Open Sans"/>
                 <a:ea typeface="DejaVu Sans"/>
@@ -9343,7 +9026,6 @@
               <a:solidFill>
                 <a:srgbClr val="000000"/>
               </a:solidFill>
-              <a:effectLst/>
               <a:uFillTx/>
               <a:latin typeface="Arial"/>
             </a:endParaRPr>
@@ -9359,7 +9041,7 @@
         <p:spPr>
           <a:xfrm>
             <a:off x="29449800" y="20489760"/>
-            <a:ext cx="2679120" cy="1212120"/>
+            <a:ext cx="2678760" cy="1211760"/>
           </a:xfrm>
           <a:prstGeom prst="roundRect">
             <a:avLst>
@@ -9396,7 +9078,6 @@
                 <a:solidFill>
                   <a:srgbClr val="000000"/>
                 </a:solidFill>
-                <a:effectLst/>
                 <a:uFillTx/>
                 <a:latin typeface="Open Sans"/>
                 <a:ea typeface="DejaVu Sans"/>
@@ -9407,7 +9088,6 @@
               <a:solidFill>
                 <a:srgbClr val="000000"/>
               </a:solidFill>
-              <a:effectLst/>
               <a:uFillTx/>
               <a:latin typeface="Arial"/>
             </a:endParaRPr>
@@ -9423,7 +9103,7 @@
         <p:spPr>
           <a:xfrm>
             <a:off x="12281040" y="20630520"/>
-            <a:ext cx="1940400" cy="1026000"/>
+            <a:ext cx="1940040" cy="1025640"/>
           </a:xfrm>
           <a:prstGeom prst="roundRect">
             <a:avLst>
@@ -9460,7 +9140,6 @@
                 <a:solidFill>
                   <a:srgbClr val="000000"/>
                 </a:solidFill>
-                <a:effectLst/>
                 <a:uFillTx/>
                 <a:latin typeface="Open Sans"/>
                 <a:ea typeface="DejaVu Sans"/>
@@ -9471,7 +9150,6 @@
               <a:solidFill>
                 <a:srgbClr val="000000"/>
               </a:solidFill>
-              <a:effectLst/>
               <a:uFillTx/>
               <a:latin typeface="Arial"/>
             </a:endParaRPr>
@@ -9487,7 +9165,7 @@
         <p:spPr>
           <a:xfrm>
             <a:off x="1529280" y="3421440"/>
-            <a:ext cx="42384960" cy="3933360"/>
+            <a:ext cx="42384600" cy="3932640"/>
           </a:xfrm>
           <a:prstGeom prst="rect">
             <a:avLst/>
@@ -9521,7 +9199,6 @@
                 <a:solidFill>
                   <a:srgbClr val="ffffff"/>
                 </a:solidFill>
-                <a:effectLst/>
                 <a:uFillTx/>
                 <a:latin typeface="Open Sans"/>
                 <a:ea typeface="Open Sans"/>
@@ -9533,7 +9210,6 @@
                 <a:solidFill>
                   <a:srgbClr val="ffffff"/>
                 </a:solidFill>
-                <a:effectLst/>
                 <a:uFillTx/>
                 <a:latin typeface="Open Sans"/>
                 <a:ea typeface="Open Sans"/>
@@ -9545,7 +9221,6 @@
                 <a:solidFill>
                   <a:srgbClr val="ffffff"/>
                 </a:solidFill>
-                <a:effectLst/>
                 <a:uFillTx/>
                 <a:latin typeface="Open Sans"/>
                 <a:ea typeface="Open Sans"/>
@@ -9557,7 +9232,6 @@
                 <a:solidFill>
                   <a:srgbClr val="ffffff"/>
                 </a:solidFill>
-                <a:effectLst/>
                 <a:uFillTx/>
                 <a:latin typeface="Open Sans"/>
                 <a:ea typeface="Open Sans"/>
@@ -9569,7 +9243,6 @@
                 <a:solidFill>
                   <a:srgbClr val="ffffff"/>
                 </a:solidFill>
-                <a:effectLst/>
                 <a:uFillTx/>
                 <a:latin typeface="Open Sans"/>
                 <a:ea typeface="Open Sans"/>
@@ -9581,7 +9254,6 @@
                 <a:solidFill>
                   <a:srgbClr val="ffffff"/>
                 </a:solidFill>
-                <a:effectLst/>
                 <a:uFillTx/>
                 <a:latin typeface="Open Sans"/>
                 <a:ea typeface="Open Sans"/>
@@ -9593,7 +9265,6 @@
                 <a:solidFill>
                   <a:srgbClr val="ffffff"/>
                 </a:solidFill>
-                <a:effectLst/>
                 <a:uFillTx/>
                 <a:latin typeface="Open Sans"/>
                 <a:ea typeface="Open Sans"/>
@@ -9605,7 +9276,6 @@
                 <a:solidFill>
                   <a:srgbClr val="ffffff"/>
                 </a:solidFill>
-                <a:effectLst/>
                 <a:uFillTx/>
                 <a:latin typeface="Open Sans"/>
                 <a:ea typeface="Open Sans"/>
@@ -9617,7 +9287,6 @@
                 <a:solidFill>
                   <a:srgbClr val="ffffff"/>
                 </a:solidFill>
-                <a:effectLst/>
                 <a:uFillTx/>
                 <a:latin typeface="Open Sans"/>
                 <a:ea typeface="Open Sans"/>
@@ -9628,7 +9297,6 @@
               <a:solidFill>
                 <a:srgbClr val="000000"/>
               </a:solidFill>
-              <a:effectLst/>
               <a:uFillTx/>
               <a:latin typeface="Arial"/>
             </a:endParaRPr>
@@ -9647,7 +9315,6 @@
                 <a:solidFill>
                   <a:srgbClr val="ffffff"/>
                 </a:solidFill>
-                <a:effectLst/>
                 <a:uFillTx/>
                 <a:latin typeface="Open Sans"/>
                 <a:ea typeface="Open Sans"/>
@@ -9659,7 +9326,6 @@
                 <a:solidFill>
                   <a:srgbClr val="ffffff"/>
                 </a:solidFill>
-                <a:effectLst/>
                 <a:uFillTx/>
                 <a:latin typeface="Open Sans"/>
                 <a:ea typeface="Open Sans"/>
@@ -9671,7 +9337,6 @@
                 <a:solidFill>
                   <a:srgbClr val="ffffff"/>
                 </a:solidFill>
-                <a:effectLst/>
                 <a:uFillTx/>
                 <a:latin typeface="Open Sans"/>
                 <a:ea typeface="Open Sans"/>
@@ -9683,7 +9348,6 @@
                 <a:solidFill>
                   <a:srgbClr val="ffffff"/>
                 </a:solidFill>
-                <a:effectLst/>
                 <a:uFillTx/>
                 <a:latin typeface="Open Sans"/>
                 <a:ea typeface="Open Sans"/>
@@ -9695,7 +9359,6 @@
                 <a:solidFill>
                   <a:srgbClr val="ffffff"/>
                 </a:solidFill>
-                <a:effectLst/>
                 <a:uFillTx/>
                 <a:latin typeface="Open Sans"/>
                 <a:ea typeface="Open Sans"/>
@@ -9707,7 +9370,6 @@
                 <a:solidFill>
                   <a:srgbClr val="ffffff"/>
                 </a:solidFill>
-                <a:effectLst/>
                 <a:uFillTx/>
                 <a:latin typeface="Open Sans"/>
                 <a:ea typeface="Open Sans"/>
@@ -9719,7 +9381,6 @@
                 <a:solidFill>
                   <a:srgbClr val="ffffff"/>
                 </a:solidFill>
-                <a:effectLst/>
                 <a:uFillTx/>
                 <a:latin typeface="Open Sans"/>
                 <a:ea typeface="Open Sans"/>
@@ -9731,7 +9392,6 @@
                 <a:solidFill>
                   <a:srgbClr val="ffffff"/>
                 </a:solidFill>
-                <a:effectLst/>
                 <a:uFillTx/>
                 <a:latin typeface="Open Sans"/>
                 <a:ea typeface="Open Sans"/>
@@ -9743,7 +9403,6 @@
                 <a:solidFill>
                   <a:srgbClr val="ffffff"/>
                 </a:solidFill>
-                <a:effectLst/>
                 <a:uFillTx/>
                 <a:latin typeface="Open Sans"/>
                 <a:ea typeface="Open Sans"/>
@@ -9755,7 +9414,6 @@
                 <a:solidFill>
                   <a:srgbClr val="ffffff"/>
                 </a:solidFill>
-                <a:effectLst/>
                 <a:uFillTx/>
                 <a:latin typeface="Open Sans"/>
                 <a:ea typeface="Open Sans"/>
@@ -9767,7 +9425,6 @@
                 <a:solidFill>
                   <a:srgbClr val="ffffff"/>
                 </a:solidFill>
-                <a:effectLst/>
                 <a:uFillTx/>
                 <a:latin typeface="Open Sans"/>
                 <a:ea typeface="Open Sans"/>
@@ -9779,7 +9436,6 @@
                 <a:solidFill>
                   <a:srgbClr val="ffffff"/>
                 </a:solidFill>
-                <a:effectLst/>
                 <a:uFillTx/>
                 <a:latin typeface="Open Sans"/>
                 <a:ea typeface="Open Sans"/>
@@ -9790,7 +9446,6 @@
               <a:solidFill>
                 <a:srgbClr val="000000"/>
               </a:solidFill>
-              <a:effectLst/>
               <a:uFillTx/>
               <a:latin typeface="Arial"/>
             </a:endParaRPr>
@@ -9811,7 +9466,6 @@
               <a:solidFill>
                 <a:srgbClr val="000000"/>
               </a:solidFill>
-              <a:effectLst/>
               <a:uFillTx/>
               <a:latin typeface="Arial"/>
             </a:endParaRPr>
@@ -9827,7 +9481,7 @@
         <p:spPr>
           <a:xfrm>
             <a:off x="34732440" y="21697560"/>
-            <a:ext cx="2235600" cy="1929960"/>
+            <a:ext cx="2235240" cy="1929600"/>
           </a:xfrm>
           <a:prstGeom prst="ellipse">
             <a:avLst/>
@@ -9861,7 +9515,6 @@
                 <a:solidFill>
                   <a:srgbClr val="000000"/>
                 </a:solidFill>
-                <a:effectLst/>
                 <a:uFillTx/>
                 <a:latin typeface="Open Sans"/>
                 <a:ea typeface="Arial"/>
@@ -9872,7 +9525,6 @@
               <a:solidFill>
                 <a:srgbClr val="000000"/>
               </a:solidFill>
-              <a:effectLst/>
               <a:uFillTx/>
               <a:latin typeface="Arial"/>
             </a:endParaRPr>
@@ -9888,7 +9540,7 @@
         <p:spPr>
           <a:xfrm>
             <a:off x="39826440" y="21697920"/>
-            <a:ext cx="2235240" cy="1929960"/>
+            <a:ext cx="2234880" cy="1929600"/>
           </a:xfrm>
           <a:prstGeom prst="ellipse">
             <a:avLst/>
@@ -9921,7 +9573,6 @@
               <a:solidFill>
                 <a:srgbClr val="000000"/>
               </a:solidFill>
-              <a:effectLst/>
               <a:uFillTx/>
               <a:latin typeface="Open Sans"/>
               <a:ea typeface="DejaVu Sans"/>
@@ -9938,15 +9589,15 @@
         <p:spPr>
           <a:xfrm>
             <a:off x="11417040" y="17013600"/>
-            <a:ext cx="6231960" cy="8335800"/>
+            <a:ext cx="6231600" cy="8335440"/>
           </a:xfrm>
           <a:custGeom>
             <a:avLst/>
             <a:gdLst>
-              <a:gd name="textAreaLeft" fmla="*/ 304200 w 6231960"/>
-              <a:gd name="textAreaRight" fmla="*/ 5929560 w 6231960"/>
-              <a:gd name="textAreaTop" fmla="*/ 304200 h 8335800"/>
-              <a:gd name="textAreaBottom" fmla="*/ 8033400 h 8335800"/>
+              <a:gd name="textAreaLeft" fmla="*/ 304200 w 6231600"/>
+              <a:gd name="textAreaRight" fmla="*/ 5929560 w 6231600"/>
+              <a:gd name="textAreaTop" fmla="*/ 304200 h 8335440"/>
+              <a:gd name="textAreaBottom" fmla="*/ 8033400 h 8335440"/>
             </a:gdLst>
             <a:ahLst/>
             <a:rect l="textAreaLeft" t="textAreaTop" r="textAreaRight" b="textAreaBottom"/>
@@ -10000,7 +9651,6 @@
               <a:solidFill>
                 <a:srgbClr val="000000"/>
               </a:solidFill>
-              <a:effectLst/>
               <a:uFillTx/>
               <a:latin typeface="Arial"/>
               <a:ea typeface="DejaVu Sans"/>
@@ -10017,7 +9667,7 @@
         <p:spPr>
           <a:xfrm>
             <a:off x="11995200" y="16399800"/>
-            <a:ext cx="5484600" cy="577440"/>
+            <a:ext cx="5484240" cy="577440"/>
           </a:xfrm>
           <a:prstGeom prst="rect">
             <a:avLst/>
@@ -10048,7 +9698,6 @@
                 <a:solidFill>
                   <a:srgbClr val="000000"/>
                 </a:solidFill>
-                <a:effectLst/>
                 <a:uFillTx/>
                 <a:latin typeface="Open Sans"/>
                 <a:ea typeface="DejaVu Sans"/>
@@ -10059,7 +9708,6 @@
               <a:solidFill>
                 <a:srgbClr val="000000"/>
               </a:solidFill>
-              <a:effectLst/>
               <a:uFillTx/>
               <a:latin typeface="Arial"/>
             </a:endParaRPr>
@@ -10102,7 +9750,6 @@
               <a:solidFill>
                 <a:srgbClr val="000000"/>
               </a:solidFill>
-              <a:effectLst/>
               <a:uFillTx/>
               <a:latin typeface="Arial"/>
               <a:ea typeface="DejaVu Sans"/>
@@ -10119,7 +9766,7 @@
         <p:spPr>
           <a:xfrm>
             <a:off x="18500400" y="18740880"/>
-            <a:ext cx="2842200" cy="1541520"/>
+            <a:ext cx="2841840" cy="1541160"/>
           </a:xfrm>
           <a:prstGeom prst="roundRect">
             <a:avLst>
@@ -10156,7 +9803,6 @@
                 <a:solidFill>
                   <a:srgbClr val="000000"/>
                 </a:solidFill>
-                <a:effectLst/>
                 <a:uFillTx/>
                 <a:latin typeface="Open Sans"/>
                 <a:ea typeface="DejaVu Sans"/>
@@ -10167,7 +9813,6 @@
               <a:solidFill>
                 <a:srgbClr val="000000"/>
               </a:solidFill>
-              <a:effectLst/>
               <a:uFillTx/>
               <a:latin typeface="Arial"/>
             </a:endParaRPr>
@@ -10183,7 +9828,7 @@
         <p:spPr>
           <a:xfrm>
             <a:off x="18500400" y="21332880"/>
-            <a:ext cx="2842200" cy="1541520"/>
+            <a:ext cx="2841840" cy="1541160"/>
           </a:xfrm>
           <a:prstGeom prst="roundRect">
             <a:avLst>
@@ -10220,7 +9865,6 @@
                 <a:solidFill>
                   <a:srgbClr val="000000"/>
                 </a:solidFill>
-                <a:effectLst/>
                 <a:uFillTx/>
                 <a:latin typeface="Open Sans"/>
                 <a:ea typeface="DejaVu Sans"/>
@@ -10231,7 +9875,6 @@
               <a:solidFill>
                 <a:srgbClr val="ffffff"/>
               </a:solidFill>
-              <a:effectLst/>
               <a:uFillTx/>
               <a:latin typeface="Arial"/>
             </a:endParaRPr>
@@ -10247,15 +9890,15 @@
         <p:spPr>
           <a:xfrm>
             <a:off x="18288000" y="18516600"/>
-            <a:ext cx="3249360" cy="4570200"/>
+            <a:ext cx="3249000" cy="4569840"/>
           </a:xfrm>
           <a:custGeom>
             <a:avLst/>
             <a:gdLst>
-              <a:gd name="textAreaLeft" fmla="*/ 158400 w 3249360"/>
-              <a:gd name="textAreaRight" fmla="*/ 3092760 w 3249360"/>
-              <a:gd name="textAreaTop" fmla="*/ 158400 h 4570200"/>
-              <a:gd name="textAreaBottom" fmla="*/ 4413600 h 4570200"/>
+              <a:gd name="textAreaLeft" fmla="*/ 158400 w 3249000"/>
+              <a:gd name="textAreaRight" fmla="*/ 3092760 w 3249000"/>
+              <a:gd name="textAreaTop" fmla="*/ 158400 h 4569840"/>
+              <a:gd name="textAreaBottom" fmla="*/ 4413600 h 4569840"/>
             </a:gdLst>
             <a:ahLst/>
             <a:rect l="textAreaLeft" t="textAreaTop" r="textAreaRight" b="textAreaBottom"/>
@@ -10309,7 +9952,6 @@
               <a:solidFill>
                 <a:srgbClr val="000000"/>
               </a:solidFill>
-              <a:effectLst/>
               <a:uFillTx/>
               <a:latin typeface="Arial"/>
               <a:ea typeface="DejaVu Sans"/>
@@ -10326,7 +9968,7 @@
         <p:spPr>
           <a:xfrm>
             <a:off x="18316440" y="17333280"/>
-            <a:ext cx="3170160" cy="1065240"/>
+            <a:ext cx="3169800" cy="1065240"/>
           </a:xfrm>
           <a:prstGeom prst="rect">
             <a:avLst/>
@@ -10357,7 +9999,6 @@
                 <a:solidFill>
                   <a:srgbClr val="000000"/>
                 </a:solidFill>
-                <a:effectLst/>
                 <a:uFillTx/>
                 <a:latin typeface="Open Sans"/>
                 <a:ea typeface="DejaVu Sans"/>
@@ -10368,7 +10009,6 @@
               <a:solidFill>
                 <a:srgbClr val="000000"/>
               </a:solidFill>
-              <a:effectLst/>
               <a:uFillTx/>
               <a:latin typeface="Arial"/>
             </a:endParaRPr>
@@ -10384,7 +10024,7 @@
         <p:spPr>
           <a:xfrm>
             <a:off x="23088600" y="25399440"/>
-            <a:ext cx="8994240" cy="1974600"/>
+            <a:ext cx="8993880" cy="1974240"/>
           </a:xfrm>
           <a:prstGeom prst="roundRect">
             <a:avLst>
@@ -10421,7 +10061,6 @@
                 <a:solidFill>
                   <a:srgbClr val="000000"/>
                 </a:solidFill>
-                <a:effectLst/>
                 <a:uFillTx/>
                 <a:latin typeface="Arial"/>
                 <a:ea typeface="Arial"/>
@@ -10432,7 +10071,6 @@
               <a:solidFill>
                 <a:srgbClr val="000000"/>
               </a:solidFill>
-              <a:effectLst/>
               <a:uFillTx/>
               <a:latin typeface="Arial"/>
             </a:endParaRPr>
@@ -10448,7 +10086,7 @@
         <p:spPr>
           <a:xfrm>
             <a:off x="23588640" y="26077680"/>
-            <a:ext cx="1994040" cy="984600"/>
+            <a:ext cx="1993680" cy="984240"/>
           </a:xfrm>
           <a:prstGeom prst="rect">
             <a:avLst/>
@@ -10483,7 +10121,6 @@
                 <a:solidFill>
                   <a:srgbClr val="000000"/>
                 </a:solidFill>
-                <a:effectLst/>
                 <a:uFillTx/>
                 <a:latin typeface="Arial"/>
                 <a:ea typeface="Arial"/>
@@ -10494,7 +10131,6 @@
               <a:solidFill>
                 <a:srgbClr val="000000"/>
               </a:solidFill>
-              <a:effectLst/>
               <a:uFillTx/>
               <a:latin typeface="Arial"/>
             </a:endParaRPr>
@@ -10510,7 +10146,7 @@
         <p:spPr>
           <a:xfrm>
             <a:off x="26620200" y="26077680"/>
-            <a:ext cx="1994040" cy="984600"/>
+            <a:ext cx="1993680" cy="984240"/>
           </a:xfrm>
           <a:prstGeom prst="rect">
             <a:avLst/>
@@ -10545,7 +10181,6 @@
                 <a:solidFill>
                   <a:srgbClr val="000000"/>
                 </a:solidFill>
-                <a:effectLst/>
                 <a:uFillTx/>
                 <a:latin typeface="Arial"/>
                 <a:ea typeface="Arial"/>
@@ -10556,7 +10191,6 @@
               <a:solidFill>
                 <a:srgbClr val="000000"/>
               </a:solidFill>
-              <a:effectLst/>
               <a:uFillTx/>
               <a:latin typeface="Arial"/>
             </a:endParaRPr>
@@ -10572,7 +10206,7 @@
         <p:spPr>
           <a:xfrm>
             <a:off x="29730600" y="26077680"/>
-            <a:ext cx="1994040" cy="984600"/>
+            <a:ext cx="1993680" cy="984240"/>
           </a:xfrm>
           <a:prstGeom prst="rect">
             <a:avLst/>
@@ -10607,7 +10241,6 @@
                 <a:solidFill>
                   <a:srgbClr val="000000"/>
                 </a:solidFill>
-                <a:effectLst/>
                 <a:uFillTx/>
                 <a:latin typeface="Arial"/>
                 <a:ea typeface="Arial"/>
@@ -10618,7 +10251,6 @@
               <a:solidFill>
                 <a:srgbClr val="000000"/>
               </a:solidFill>
-              <a:effectLst/>
               <a:uFillTx/>
               <a:latin typeface="Arial"/>
             </a:endParaRPr>
@@ -10662,7 +10294,6 @@
               <a:solidFill>
                 <a:srgbClr val="000000"/>
               </a:solidFill>
-              <a:effectLst/>
               <a:uFillTx/>
               <a:latin typeface="Arial"/>
               <a:ea typeface="Arial"/>
@@ -10679,7 +10310,7 @@
         <p:spPr>
           <a:xfrm>
             <a:off x="24604200" y="28296000"/>
-            <a:ext cx="5942880" cy="2971080"/>
+            <a:ext cx="5942520" cy="2970720"/>
           </a:xfrm>
           <a:prstGeom prst="rect">
             <a:avLst/>
@@ -10713,7 +10344,6 @@
               <a:solidFill>
                 <a:srgbClr val="000000"/>
               </a:solidFill>
-              <a:effectLst/>
               <a:uFillTx/>
               <a:latin typeface="Arial"/>
               <a:ea typeface="DejaVu Sans"/>
@@ -10758,7 +10388,6 @@
               <a:solidFill>
                 <a:srgbClr val="000000"/>
               </a:solidFill>
-              <a:effectLst/>
               <a:uFillTx/>
               <a:latin typeface="Arial"/>
               <a:ea typeface="Arial"/>
@@ -10803,7 +10432,6 @@
               <a:solidFill>
                 <a:srgbClr val="000000"/>
               </a:solidFill>
-              <a:effectLst/>
               <a:uFillTx/>
               <a:latin typeface="Arial"/>
               <a:ea typeface="Arial"/>
@@ -10820,7 +10448,7 @@
         <p:spPr>
           <a:xfrm>
             <a:off x="25374600" y="29781720"/>
-            <a:ext cx="4494600" cy="1173960"/>
+            <a:ext cx="4494240" cy="1173600"/>
           </a:xfrm>
           <a:prstGeom prst="roundRect">
             <a:avLst>
@@ -10857,7 +10485,6 @@
                 <a:solidFill>
                   <a:srgbClr val="000000"/>
                 </a:solidFill>
-                <a:effectLst/>
                 <a:uFillTx/>
                 <a:latin typeface="Arial"/>
                 <a:ea typeface="Arial"/>
@@ -10868,7 +10495,6 @@
               <a:solidFill>
                 <a:srgbClr val="000000"/>
               </a:solidFill>
-              <a:effectLst/>
               <a:uFillTx/>
               <a:latin typeface="Arial"/>
             </a:endParaRPr>
@@ -10884,7 +10510,7 @@
         <p:spPr>
           <a:xfrm>
             <a:off x="24233400" y="28488600"/>
-            <a:ext cx="4342680" cy="915120"/>
+            <a:ext cx="4342320" cy="516600"/>
           </a:xfrm>
           <a:prstGeom prst="rect">
             <a:avLst/>
@@ -10915,7 +10541,6 @@
                 <a:solidFill>
                   <a:srgbClr val="000000"/>
                 </a:solidFill>
-                <a:effectLst/>
                 <a:uFillTx/>
                 <a:latin typeface="Arial"/>
                 <a:ea typeface="Arial"/>
@@ -10926,7 +10551,6 @@
               <a:solidFill>
                 <a:srgbClr val="000000"/>
               </a:solidFill>
-              <a:effectLst/>
               <a:uFillTx/>
               <a:latin typeface="Arial"/>
             </a:endParaRPr>
@@ -10942,7 +10566,7 @@
         <p:spPr>
           <a:xfrm>
             <a:off x="36804600" y="17001000"/>
-            <a:ext cx="2971080" cy="1142280"/>
+            <a:ext cx="2970720" cy="1141920"/>
           </a:xfrm>
           <a:prstGeom prst="roundRect">
             <a:avLst>
@@ -10979,7 +10603,6 @@
                 <a:solidFill>
                   <a:srgbClr val="000000"/>
                 </a:solidFill>
-                <a:effectLst/>
                 <a:uFillTx/>
                 <a:latin typeface="Open Sans"/>
                 <a:ea typeface="DejaVu Sans"/>
@@ -10990,7 +10613,6 @@
               <a:solidFill>
                 <a:srgbClr val="000000"/>
               </a:solidFill>
-              <a:effectLst/>
               <a:uFillTx/>
               <a:latin typeface="Arial"/>
             </a:endParaRPr>
@@ -11006,7 +10628,7 @@
         <p:spPr>
           <a:xfrm>
             <a:off x="37238400" y="19294200"/>
-            <a:ext cx="2285280" cy="1143720"/>
+            <a:ext cx="2284920" cy="759960"/>
           </a:xfrm>
           <a:prstGeom prst="rect">
             <a:avLst/>
@@ -11037,7 +10659,6 @@
                 <a:solidFill>
                   <a:srgbClr val="000000"/>
                 </a:solidFill>
-                <a:effectLst/>
                 <a:uFillTx/>
                 <a:latin typeface="Open Sans"/>
                 <a:ea typeface="Arial"/>
@@ -11048,7 +10669,6 @@
               <a:solidFill>
                 <a:srgbClr val="000000"/>
               </a:solidFill>
-              <a:effectLst/>
               <a:uFillTx/>
               <a:latin typeface="Arial"/>
             </a:endParaRPr>
@@ -11064,7 +10684,7 @@
         <p:spPr>
           <a:xfrm>
             <a:off x="39740400" y="22246200"/>
-            <a:ext cx="2513880" cy="853560"/>
+            <a:ext cx="2513520" cy="759960"/>
           </a:xfrm>
           <a:prstGeom prst="rect">
             <a:avLst/>
@@ -11095,7 +10715,6 @@
                 <a:solidFill>
                   <a:srgbClr val="000000"/>
                 </a:solidFill>
-                <a:effectLst/>
                 <a:uFillTx/>
                 <a:latin typeface="Open Sans"/>
                 <a:ea typeface="Arial"/>
@@ -11106,7 +10725,6 @@
               <a:solidFill>
                 <a:srgbClr val="000000"/>
               </a:solidFill>
-              <a:effectLst/>
               <a:uFillTx/>
               <a:latin typeface="Arial"/>
             </a:endParaRPr>
@@ -11150,7 +10768,6 @@
               <a:solidFill>
                 <a:srgbClr val="000000"/>
               </a:solidFill>
-              <a:effectLst/>
               <a:uFillTx/>
               <a:latin typeface="Arial"/>
               <a:ea typeface="DejaVu Sans"/>
@@ -11195,7 +10812,6 @@
               <a:solidFill>
                 <a:srgbClr val="000000"/>
               </a:solidFill>
-              <a:effectLst/>
               <a:uFillTx/>
               <a:latin typeface="Arial"/>
               <a:ea typeface="DejaVu Sans"/>
@@ -11212,7 +10828,7 @@
         <p:spPr>
           <a:xfrm>
             <a:off x="2279880" y="26083800"/>
-            <a:ext cx="1787400" cy="750960"/>
+            <a:ext cx="1787040" cy="750600"/>
           </a:xfrm>
           <a:prstGeom prst="rect">
             <a:avLst/>
@@ -11247,7 +10863,6 @@
                 <a:solidFill>
                   <a:srgbClr val="ffffff"/>
                 </a:solidFill>
-                <a:effectLst/>
                 <a:uFillTx/>
                 <a:latin typeface="Open Sans"/>
                 <a:ea typeface="DejaVu Sans"/>
@@ -11258,7 +10873,6 @@
               <a:solidFill>
                 <a:srgbClr val="ffffff"/>
               </a:solidFill>
-              <a:effectLst/>
               <a:uFillTx/>
               <a:latin typeface="Arial"/>
             </a:endParaRPr>
@@ -11274,7 +10888,7 @@
         <p:spPr>
           <a:xfrm>
             <a:off x="2969640" y="27964080"/>
-            <a:ext cx="303840" cy="453240"/>
+            <a:ext cx="303480" cy="452880"/>
           </a:xfrm>
           <a:prstGeom prst="rect">
             <a:avLst/>
@@ -11305,7 +10919,6 @@
                 <a:solidFill>
                   <a:srgbClr val="000000"/>
                 </a:solidFill>
-                <a:effectLst/>
                 <a:uFillTx/>
                 <a:latin typeface="Times New Roman"/>
                 <a:ea typeface="DejaVu Sans"/>
@@ -11316,7 +10929,6 @@
               <a:solidFill>
                 <a:srgbClr val="000000"/>
               </a:solidFill>
-              <a:effectLst/>
               <a:uFillTx/>
               <a:latin typeface="Arial"/>
             </a:endParaRPr>
@@ -11332,7 +10944,7 @@
         <p:spPr>
           <a:xfrm>
             <a:off x="2309040" y="29305080"/>
-            <a:ext cx="1742400" cy="903600"/>
+            <a:ext cx="1742040" cy="903240"/>
           </a:xfrm>
           <a:prstGeom prst="rect">
             <a:avLst/>
@@ -11367,7 +10979,6 @@
                 <a:solidFill>
                   <a:srgbClr val="ffffff"/>
                 </a:solidFill>
-                <a:effectLst/>
                 <a:uFillTx/>
                 <a:latin typeface="Open Sans"/>
                 <a:ea typeface="DejaVu Sans"/>
@@ -11378,7 +10989,6 @@
               <a:solidFill>
                 <a:srgbClr val="ffffff"/>
               </a:solidFill>
-              <a:effectLst/>
               <a:uFillTx/>
               <a:latin typeface="Arial"/>
             </a:endParaRPr>
@@ -11394,7 +11004,7 @@
         <p:spPr>
           <a:xfrm>
             <a:off x="2602080" y="30679200"/>
-            <a:ext cx="1170000" cy="517680"/>
+            <a:ext cx="1169640" cy="517320"/>
           </a:xfrm>
           <a:prstGeom prst="rect">
             <a:avLst/>
@@ -11429,7 +11039,6 @@
                 <a:solidFill>
                   <a:srgbClr val="ffffff"/>
                 </a:solidFill>
-                <a:effectLst/>
                 <a:uFillTx/>
                 <a:latin typeface="Open Sans"/>
                 <a:ea typeface="DejaVu Sans"/>
@@ -11440,7 +11049,6 @@
               <a:solidFill>
                 <a:srgbClr val="ffffff"/>
               </a:solidFill>
-              <a:effectLst/>
               <a:uFillTx/>
               <a:latin typeface="Arial"/>
             </a:endParaRPr>
@@ -11484,7 +11092,6 @@
               <a:solidFill>
                 <a:srgbClr val="000000"/>
               </a:solidFill>
-              <a:effectLst/>
               <a:uFillTx/>
               <a:latin typeface="Arial"/>
               <a:ea typeface="DejaVu Sans"/>
@@ -11529,7 +11136,6 @@
               <a:solidFill>
                 <a:srgbClr val="000000"/>
               </a:solidFill>
-              <a:effectLst/>
               <a:uFillTx/>
               <a:latin typeface="Arial"/>
               <a:ea typeface="DejaVu Sans"/>
@@ -11574,7 +11180,6 @@
               <a:solidFill>
                 <a:srgbClr val="000000"/>
               </a:solidFill>
-              <a:effectLst/>
               <a:uFillTx/>
               <a:latin typeface="Arial"/>
               <a:ea typeface="DejaVu Sans"/>
@@ -11591,7 +11196,7 @@
         <p:spPr>
           <a:xfrm>
             <a:off x="999000" y="27678240"/>
-            <a:ext cx="1947960" cy="960840"/>
+            <a:ext cx="1947600" cy="960480"/>
           </a:xfrm>
           <a:prstGeom prst="rect">
             <a:avLst/>
@@ -11626,7 +11231,6 @@
                 <a:solidFill>
                   <a:srgbClr val="000000"/>
                 </a:solidFill>
-                <a:effectLst/>
                 <a:uFillTx/>
                 <a:latin typeface="Open Sans"/>
                 <a:ea typeface="DejaVu Sans"/>
@@ -11637,7 +11241,6 @@
               <a:solidFill>
                 <a:srgbClr val="000000"/>
               </a:solidFill>
-              <a:effectLst/>
               <a:uFillTx/>
               <a:latin typeface="Arial"/>
             </a:endParaRPr>
@@ -11653,7 +11256,7 @@
         <p:spPr>
           <a:xfrm>
             <a:off x="3393720" y="27678240"/>
-            <a:ext cx="1947960" cy="960840"/>
+            <a:ext cx="1947600" cy="960480"/>
           </a:xfrm>
           <a:prstGeom prst="rect">
             <a:avLst/>
@@ -11688,7 +11291,6 @@
                 <a:solidFill>
                   <a:srgbClr val="000000"/>
                 </a:solidFill>
-                <a:effectLst/>
                 <a:uFillTx/>
                 <a:latin typeface="Open Sans"/>
                 <a:ea typeface="DejaVu Sans"/>
@@ -11699,7 +11301,6 @@
               <a:solidFill>
                 <a:srgbClr val="000000"/>
               </a:solidFill>
-              <a:effectLst/>
               <a:uFillTx/>
               <a:latin typeface="Arial"/>
             </a:endParaRPr>
@@ -11715,7 +11316,7 @@
         <p:spPr>
           <a:xfrm>
             <a:off x="38296440" y="18143640"/>
-            <a:ext cx="0" cy="439200"/>
+            <a:ext cx="360" cy="439200"/>
           </a:xfrm>
           <a:prstGeom prst="line">
             <a:avLst/>
@@ -11743,7 +11344,6 @@
               <a:solidFill>
                 <a:srgbClr val="000000"/>
               </a:solidFill>
-              <a:effectLst/>
               <a:uFillTx/>
               <a:latin typeface="Arial"/>
               <a:ea typeface="DejaVu Sans"/>
@@ -11788,7 +11388,6 @@
               <a:solidFill>
                 <a:srgbClr val="000000"/>
               </a:solidFill>
-              <a:effectLst/>
               <a:uFillTx/>
               <a:latin typeface="Arial"/>
               <a:ea typeface="DejaVu Sans"/>
@@ -11805,7 +11404,7 @@
         <p:spPr>
           <a:xfrm>
             <a:off x="7463880" y="26083440"/>
-            <a:ext cx="1787400" cy="750960"/>
+            <a:ext cx="1787040" cy="750600"/>
           </a:xfrm>
           <a:prstGeom prst="rect">
             <a:avLst/>
@@ -11840,7 +11439,6 @@
                 <a:solidFill>
                   <a:srgbClr val="ffffff"/>
                 </a:solidFill>
-                <a:effectLst/>
                 <a:uFillTx/>
                 <a:latin typeface="Open Sans"/>
                 <a:ea typeface="DejaVu Sans"/>
@@ -11851,7 +11449,6 @@
               <a:solidFill>
                 <a:srgbClr val="ffffff"/>
               </a:solidFill>
-              <a:effectLst/>
               <a:uFillTx/>
               <a:latin typeface="Arial"/>
             </a:endParaRPr>
@@ -11867,7 +11464,7 @@
         <p:spPr>
           <a:xfrm>
             <a:off x="7493040" y="29304720"/>
-            <a:ext cx="1742400" cy="903600"/>
+            <a:ext cx="1742040" cy="903240"/>
           </a:xfrm>
           <a:prstGeom prst="rect">
             <a:avLst/>
@@ -11902,7 +11499,6 @@
                 <a:solidFill>
                   <a:srgbClr val="ffffff"/>
                 </a:solidFill>
-                <a:effectLst/>
                 <a:uFillTx/>
                 <a:latin typeface="Open Sans"/>
                 <a:ea typeface="DejaVu Sans"/>
@@ -11913,7 +11509,6 @@
               <a:solidFill>
                 <a:srgbClr val="ffffff"/>
               </a:solidFill>
-              <a:effectLst/>
               <a:uFillTx/>
               <a:latin typeface="Arial"/>
             </a:endParaRPr>
@@ -11929,7 +11524,7 @@
         <p:spPr>
           <a:xfrm>
             <a:off x="7786080" y="30678840"/>
-            <a:ext cx="1170000" cy="517680"/>
+            <a:ext cx="1169640" cy="517320"/>
           </a:xfrm>
           <a:prstGeom prst="rect">
             <a:avLst/>
@@ -11964,7 +11559,6 @@
                 <a:solidFill>
                   <a:srgbClr val="ffffff"/>
                 </a:solidFill>
-                <a:effectLst/>
                 <a:uFillTx/>
                 <a:latin typeface="Open Sans"/>
                 <a:ea typeface="DejaVu Sans"/>
@@ -11975,7 +11569,6 @@
               <a:solidFill>
                 <a:srgbClr val="ffffff"/>
               </a:solidFill>
-              <a:effectLst/>
               <a:uFillTx/>
               <a:latin typeface="Arial"/>
             </a:endParaRPr>
@@ -12019,7 +11612,6 @@
               <a:solidFill>
                 <a:srgbClr val="000000"/>
               </a:solidFill>
-              <a:effectLst/>
               <a:uFillTx/>
               <a:latin typeface="Arial"/>
               <a:ea typeface="DejaVu Sans"/>
@@ -12064,7 +11656,6 @@
               <a:solidFill>
                 <a:srgbClr val="000000"/>
               </a:solidFill>
-              <a:effectLst/>
               <a:uFillTx/>
               <a:latin typeface="Arial"/>
               <a:ea typeface="DejaVu Sans"/>
@@ -12081,7 +11672,7 @@
         <p:spPr>
           <a:xfrm>
             <a:off x="6738480" y="27241200"/>
-            <a:ext cx="3776760" cy="1646640"/>
+            <a:ext cx="3776400" cy="1646280"/>
           </a:xfrm>
           <a:prstGeom prst="rect">
             <a:avLst/>
@@ -12115,7 +11706,6 @@
               <a:solidFill>
                 <a:srgbClr val="000000"/>
               </a:solidFill>
-              <a:effectLst/>
               <a:uFillTx/>
               <a:latin typeface="Arial"/>
               <a:ea typeface="DejaVu Sans"/>
@@ -12132,7 +11722,7 @@
         <p:spPr>
           <a:xfrm>
             <a:off x="8397720" y="27785880"/>
-            <a:ext cx="1947960" cy="960840"/>
+            <a:ext cx="1947600" cy="960480"/>
           </a:xfrm>
           <a:prstGeom prst="rect">
             <a:avLst/>
@@ -12167,7 +11757,6 @@
                 <a:solidFill>
                   <a:srgbClr val="000000"/>
                 </a:solidFill>
-                <a:effectLst/>
                 <a:uFillTx/>
                 <a:latin typeface="Open Sans"/>
                 <a:ea typeface="DejaVu Sans"/>
@@ -12178,7 +11767,6 @@
               <a:solidFill>
                 <a:srgbClr val="000000"/>
               </a:solidFill>
-              <a:effectLst/>
               <a:uFillTx/>
               <a:latin typeface="Arial"/>
             </a:endParaRPr>
@@ -12194,7 +11782,7 @@
         <p:spPr>
           <a:xfrm>
             <a:off x="6858000" y="27252000"/>
-            <a:ext cx="2057040" cy="853200"/>
+            <a:ext cx="2056680" cy="424800"/>
           </a:xfrm>
           <a:prstGeom prst="rect">
             <a:avLst/>
@@ -12225,7 +11813,6 @@
                 <a:solidFill>
                   <a:srgbClr val="000000"/>
                 </a:solidFill>
-                <a:effectLst/>
                 <a:uFillTx/>
                 <a:latin typeface="Open Sans"/>
                 <a:ea typeface="DejaVu Sans"/>
@@ -12236,7 +11823,6 @@
               <a:solidFill>
                 <a:srgbClr val="000000"/>
               </a:solidFill>
-              <a:effectLst/>
               <a:uFillTx/>
               <a:latin typeface="Arial"/>
             </a:endParaRPr>
@@ -12280,7 +11866,6 @@
               <a:solidFill>
                 <a:srgbClr val="000000"/>
               </a:solidFill>
-              <a:effectLst/>
               <a:uFillTx/>
               <a:latin typeface="Arial"/>
               <a:ea typeface="DejaVu Sans"/>
